--- a/Foiler/1. CSS basic.pptx
+++ b/Foiler/1. CSS basic.pptx
@@ -5,7 +5,7 @@
     <p:sldMasterId id="2147483648" r:id="rId1"/>
   </p:sldMasterIdLst>
   <p:notesMasterIdLst>
-    <p:notesMasterId r:id="rId21"/>
+    <p:notesMasterId r:id="rId20"/>
   </p:notesMasterIdLst>
   <p:sldIdLst>
     <p:sldId id="256" r:id="rId2"/>
@@ -13,20 +13,19 @@
     <p:sldId id="260" r:id="rId4"/>
     <p:sldId id="261" r:id="rId5"/>
     <p:sldId id="258" r:id="rId6"/>
-    <p:sldId id="259" r:id="rId7"/>
-    <p:sldId id="264" r:id="rId8"/>
-    <p:sldId id="276" r:id="rId9"/>
-    <p:sldId id="263" r:id="rId10"/>
-    <p:sldId id="267" r:id="rId11"/>
-    <p:sldId id="265" r:id="rId12"/>
-    <p:sldId id="266" r:id="rId13"/>
-    <p:sldId id="268" r:id="rId14"/>
-    <p:sldId id="270" r:id="rId15"/>
-    <p:sldId id="269" r:id="rId16"/>
-    <p:sldId id="271" r:id="rId17"/>
-    <p:sldId id="272" r:id="rId18"/>
-    <p:sldId id="273" r:id="rId19"/>
-    <p:sldId id="274" r:id="rId20"/>
+    <p:sldId id="263" r:id="rId7"/>
+    <p:sldId id="259" r:id="rId8"/>
+    <p:sldId id="264" r:id="rId9"/>
+    <p:sldId id="276" r:id="rId10"/>
+    <p:sldId id="265" r:id="rId11"/>
+    <p:sldId id="266" r:id="rId12"/>
+    <p:sldId id="268" r:id="rId13"/>
+    <p:sldId id="270" r:id="rId14"/>
+    <p:sldId id="269" r:id="rId15"/>
+    <p:sldId id="271" r:id="rId16"/>
+    <p:sldId id="272" r:id="rId17"/>
+    <p:sldId id="273" r:id="rId18"/>
+    <p:sldId id="274" r:id="rId19"/>
   </p:sldIdLst>
   <p:sldSz cx="9144000" cy="5143500" type="screen16x9"/>
   <p:notesSz cx="6858000" cy="9144000"/>
@@ -559,7 +558,7 @@
           <a:p>
             <a:fld id="{CC6A6E53-8C0A-F949-AE5A-2CFB440C398D}" type="slidenum">
               <a:rPr lang="en-US" smtClean="0"/>
-              <a:t>6</a:t>
+              <a:t>7</a:t>
             </a:fld>
             <a:endParaRPr lang="en-US"/>
           </a:p>
@@ -3304,7 +3303,11 @@
           <a:bodyPr/>
           <a:lstStyle/>
           <a:p>
-            <a:endParaRPr lang="en-US"/>
+            <a:r>
+              <a:rPr lang="en-US" dirty="0" smtClean="0"/>
+              <a:t>Nesting</a:t>
+            </a:r>
+            <a:endParaRPr lang="en-US" dirty="0"/>
           </a:p>
         </p:txBody>
       </p:sp>
@@ -3330,7 +3333,7 @@
     </p:spTree>
     <p:extLst>
       <p:ext uri="{BB962C8B-B14F-4D97-AF65-F5344CB8AC3E}">
-        <p14:creationId xmlns:p14="http://schemas.microsoft.com/office/powerpoint/2010/main" val="1732192781"/>
+        <p14:creationId xmlns:p14="http://schemas.microsoft.com/office/powerpoint/2010/main" val="2184467542"/>
       </p:ext>
     </p:extLst>
   </p:cSld>
@@ -3374,7 +3377,7 @@
           <a:p>
             <a:r>
               <a:rPr lang="en-US" dirty="0" smtClean="0"/>
-              <a:t>Nesting</a:t>
+              <a:t>Grouping</a:t>
             </a:r>
             <a:endParaRPr lang="en-US" dirty="0"/>
           </a:p>
@@ -3402,7 +3405,7 @@
     </p:spTree>
     <p:extLst>
       <p:ext uri="{BB962C8B-B14F-4D97-AF65-F5344CB8AC3E}">
-        <p14:creationId xmlns:p14="http://schemas.microsoft.com/office/powerpoint/2010/main" val="2184467542"/>
+        <p14:creationId xmlns:p14="http://schemas.microsoft.com/office/powerpoint/2010/main" val="1443335134"/>
       </p:ext>
     </p:extLst>
   </p:cSld>
@@ -3445,8 +3448,8 @@
           <a:lstStyle/>
           <a:p>
             <a:r>
-              <a:rPr lang="en-US" dirty="0" smtClean="0"/>
-              <a:t>Grouping</a:t>
+              <a:rPr lang="en-US" dirty="0" err="1" smtClean="0"/>
+              <a:t>Navngiving</a:t>
             </a:r>
             <a:endParaRPr lang="en-US" dirty="0"/>
           </a:p>
@@ -3467,78 +3470,6 @@
           <a:bodyPr/>
           <a:lstStyle/>
           <a:p>
-            <a:endParaRPr lang="en-US"/>
-          </a:p>
-        </p:txBody>
-      </p:sp>
-    </p:spTree>
-    <p:extLst>
-      <p:ext uri="{BB962C8B-B14F-4D97-AF65-F5344CB8AC3E}">
-        <p14:creationId xmlns:p14="http://schemas.microsoft.com/office/powerpoint/2010/main" val="1443335134"/>
-      </p:ext>
-    </p:extLst>
-  </p:cSld>
-  <p:clrMapOvr>
-    <a:masterClrMapping/>
-  </p:clrMapOvr>
-</p:sld>
-</file>
-
-<file path=ppt/slides/slide13.xml><?xml version="1.0" encoding="utf-8"?>
-<p:sld xmlns:a="http://schemas.openxmlformats.org/drawingml/2006/main" xmlns:r="http://schemas.openxmlformats.org/officeDocument/2006/relationships" xmlns:p="http://schemas.openxmlformats.org/presentationml/2006/main">
-  <p:cSld>
-    <p:spTree>
-      <p:nvGrpSpPr>
-        <p:cNvPr id="1" name=""/>
-        <p:cNvGrpSpPr/>
-        <p:nvPr/>
-      </p:nvGrpSpPr>
-      <p:grpSpPr>
-        <a:xfrm>
-          <a:off x="0" y="0"/>
-          <a:ext cx="0" cy="0"/>
-          <a:chOff x="0" y="0"/>
-          <a:chExt cx="0" cy="0"/>
-        </a:xfrm>
-      </p:grpSpPr>
-      <p:sp>
-        <p:nvSpPr>
-          <p:cNvPr id="2" name="Title 1"/>
-          <p:cNvSpPr>
-            <a:spLocks noGrp="1"/>
-          </p:cNvSpPr>
-          <p:nvPr>
-            <p:ph type="title"/>
-          </p:nvPr>
-        </p:nvSpPr>
-        <p:spPr/>
-        <p:txBody>
-          <a:bodyPr/>
-          <a:lstStyle/>
-          <a:p>
-            <a:r>
-              <a:rPr lang="en-US" dirty="0" err="1" smtClean="0"/>
-              <a:t>Navngiving</a:t>
-            </a:r>
-            <a:endParaRPr lang="en-US" dirty="0"/>
-          </a:p>
-        </p:txBody>
-      </p:sp>
-      <p:sp>
-        <p:nvSpPr>
-          <p:cNvPr id="3" name="Content Placeholder 2"/>
-          <p:cNvSpPr>
-            <a:spLocks noGrp="1"/>
-          </p:cNvSpPr>
-          <p:nvPr>
-            <p:ph idx="1"/>
-          </p:nvPr>
-        </p:nvSpPr>
-        <p:spPr/>
-        <p:txBody>
-          <a:bodyPr/>
-          <a:lstStyle/>
-          <a:p>
             <a:r>
               <a:rPr lang="en-US" dirty="0" smtClean="0"/>
               <a:t>God </a:t>
@@ -3588,7 +3519,7 @@
 </p:sld>
 </file>
 
-<file path=ppt/slides/slide14.xml><?xml version="1.0" encoding="utf-8"?>
+<file path=ppt/slides/slide13.xml><?xml version="1.0" encoding="utf-8"?>
 <p:sld xmlns:a="http://schemas.openxmlformats.org/drawingml/2006/main" xmlns:r="http://schemas.openxmlformats.org/officeDocument/2006/relationships" xmlns:p="http://schemas.openxmlformats.org/presentationml/2006/main">
   <p:cSld>
     <p:spTree>
@@ -3729,6 +3660,78 @@
 </p:sld>
 </file>
 
+<file path=ppt/slides/slide14.xml><?xml version="1.0" encoding="utf-8"?>
+<p:sld xmlns:a="http://schemas.openxmlformats.org/drawingml/2006/main" xmlns:r="http://schemas.openxmlformats.org/officeDocument/2006/relationships" xmlns:p="http://schemas.openxmlformats.org/presentationml/2006/main">
+  <p:cSld>
+    <p:spTree>
+      <p:nvGrpSpPr>
+        <p:cNvPr id="1" name=""/>
+        <p:cNvGrpSpPr/>
+        <p:nvPr/>
+      </p:nvGrpSpPr>
+      <p:grpSpPr>
+        <a:xfrm>
+          <a:off x="0" y="0"/>
+          <a:ext cx="0" cy="0"/>
+          <a:chOff x="0" y="0"/>
+          <a:chExt cx="0" cy="0"/>
+        </a:xfrm>
+      </p:grpSpPr>
+      <p:sp>
+        <p:nvSpPr>
+          <p:cNvPr id="2" name="Title 1"/>
+          <p:cNvSpPr>
+            <a:spLocks noGrp="1"/>
+          </p:cNvSpPr>
+          <p:nvPr>
+            <p:ph type="title"/>
+          </p:nvPr>
+        </p:nvSpPr>
+        <p:spPr/>
+        <p:txBody>
+          <a:bodyPr/>
+          <a:lstStyle/>
+          <a:p>
+            <a:r>
+              <a:rPr lang="en-US" dirty="0" smtClean="0"/>
+              <a:t>Float</a:t>
+            </a:r>
+            <a:endParaRPr lang="en-US" dirty="0"/>
+          </a:p>
+        </p:txBody>
+      </p:sp>
+      <p:sp>
+        <p:nvSpPr>
+          <p:cNvPr id="3" name="Content Placeholder 2"/>
+          <p:cNvSpPr>
+            <a:spLocks noGrp="1"/>
+          </p:cNvSpPr>
+          <p:nvPr>
+            <p:ph idx="1"/>
+          </p:nvPr>
+        </p:nvSpPr>
+        <p:spPr/>
+        <p:txBody>
+          <a:bodyPr/>
+          <a:lstStyle/>
+          <a:p>
+            <a:endParaRPr lang="en-US"/>
+          </a:p>
+        </p:txBody>
+      </p:sp>
+    </p:spTree>
+    <p:extLst>
+      <p:ext uri="{BB962C8B-B14F-4D97-AF65-F5344CB8AC3E}">
+        <p14:creationId xmlns:p14="http://schemas.microsoft.com/office/powerpoint/2010/main" val="715430375"/>
+      </p:ext>
+    </p:extLst>
+  </p:cSld>
+  <p:clrMapOvr>
+    <a:masterClrMapping/>
+  </p:clrMapOvr>
+</p:sld>
+</file>
+
 <file path=ppt/slides/slide15.xml><?xml version="1.0" encoding="utf-8"?>
 <p:sld xmlns:a="http://schemas.openxmlformats.org/drawingml/2006/main" xmlns:r="http://schemas.openxmlformats.org/officeDocument/2006/relationships" xmlns:p="http://schemas.openxmlformats.org/presentationml/2006/main">
   <p:cSld>
@@ -3763,7 +3766,7 @@
           <a:p>
             <a:r>
               <a:rPr lang="en-US" dirty="0" smtClean="0"/>
-              <a:t>Float</a:t>
+              <a:t>Clear</a:t>
             </a:r>
             <a:endParaRPr lang="en-US" dirty="0"/>
           </a:p>
@@ -3791,7 +3794,7 @@
     </p:spTree>
     <p:extLst>
       <p:ext uri="{BB962C8B-B14F-4D97-AF65-F5344CB8AC3E}">
-        <p14:creationId xmlns:p14="http://schemas.microsoft.com/office/powerpoint/2010/main" val="715430375"/>
+        <p14:creationId xmlns:p14="http://schemas.microsoft.com/office/powerpoint/2010/main" val="1420108947"/>
       </p:ext>
     </p:extLst>
   </p:cSld>
@@ -3835,7 +3838,7 @@
           <a:p>
             <a:r>
               <a:rPr lang="en-US" dirty="0" smtClean="0"/>
-              <a:t>Clear</a:t>
+              <a:t>Borders</a:t>
             </a:r>
             <a:endParaRPr lang="en-US" dirty="0"/>
           </a:p>
@@ -3856,14 +3859,23 @@
           <a:bodyPr/>
           <a:lstStyle/>
           <a:p>
-            <a:endParaRPr lang="en-US"/>
+            <a:pPr marL="0" indent="0">
+              <a:buNone/>
+            </a:pPr>
+            <a:endParaRPr lang="en-US" dirty="0"/>
+          </a:p>
+          <a:p>
+            <a:pPr marL="0" indent="0">
+              <a:buNone/>
+            </a:pPr>
+            <a:endParaRPr lang="en-US" dirty="0"/>
           </a:p>
         </p:txBody>
       </p:sp>
     </p:spTree>
     <p:extLst>
       <p:ext uri="{BB962C8B-B14F-4D97-AF65-F5344CB8AC3E}">
-        <p14:creationId xmlns:p14="http://schemas.microsoft.com/office/powerpoint/2010/main" val="1420108947"/>
+        <p14:creationId xmlns:p14="http://schemas.microsoft.com/office/powerpoint/2010/main" val="3228853879"/>
       </p:ext>
     </p:extLst>
   </p:cSld>
@@ -3907,7 +3919,7 @@
           <a:p>
             <a:r>
               <a:rPr lang="en-US" dirty="0" smtClean="0"/>
-              <a:t>Borders</a:t>
+              <a:t>Fonts</a:t>
             </a:r>
             <a:endParaRPr lang="en-US" dirty="0"/>
           </a:p>
@@ -3928,87 +3940,6 @@
           <a:bodyPr/>
           <a:lstStyle/>
           <a:p>
-            <a:pPr marL="0" indent="0">
-              <a:buNone/>
-            </a:pPr>
-            <a:endParaRPr lang="en-US" dirty="0"/>
-          </a:p>
-          <a:p>
-            <a:pPr marL="0" indent="0">
-              <a:buNone/>
-            </a:pPr>
-            <a:endParaRPr lang="en-US" dirty="0"/>
-          </a:p>
-        </p:txBody>
-      </p:sp>
-    </p:spTree>
-    <p:extLst>
-      <p:ext uri="{BB962C8B-B14F-4D97-AF65-F5344CB8AC3E}">
-        <p14:creationId xmlns:p14="http://schemas.microsoft.com/office/powerpoint/2010/main" val="3228853879"/>
-      </p:ext>
-    </p:extLst>
-  </p:cSld>
-  <p:clrMapOvr>
-    <a:masterClrMapping/>
-  </p:clrMapOvr>
-</p:sld>
-</file>
-
-<file path=ppt/slides/slide18.xml><?xml version="1.0" encoding="utf-8"?>
-<p:sld xmlns:a="http://schemas.openxmlformats.org/drawingml/2006/main" xmlns:r="http://schemas.openxmlformats.org/officeDocument/2006/relationships" xmlns:p="http://schemas.openxmlformats.org/presentationml/2006/main">
-  <p:cSld>
-    <p:spTree>
-      <p:nvGrpSpPr>
-        <p:cNvPr id="1" name=""/>
-        <p:cNvGrpSpPr/>
-        <p:nvPr/>
-      </p:nvGrpSpPr>
-      <p:grpSpPr>
-        <a:xfrm>
-          <a:off x="0" y="0"/>
-          <a:ext cx="0" cy="0"/>
-          <a:chOff x="0" y="0"/>
-          <a:chExt cx="0" cy="0"/>
-        </a:xfrm>
-      </p:grpSpPr>
-      <p:sp>
-        <p:nvSpPr>
-          <p:cNvPr id="2" name="Title 1"/>
-          <p:cNvSpPr>
-            <a:spLocks noGrp="1"/>
-          </p:cNvSpPr>
-          <p:nvPr>
-            <p:ph type="title"/>
-          </p:nvPr>
-        </p:nvSpPr>
-        <p:spPr/>
-        <p:txBody>
-          <a:bodyPr/>
-          <a:lstStyle/>
-          <a:p>
-            <a:r>
-              <a:rPr lang="en-US" dirty="0" smtClean="0"/>
-              <a:t>Fonts</a:t>
-            </a:r>
-            <a:endParaRPr lang="en-US" dirty="0"/>
-          </a:p>
-        </p:txBody>
-      </p:sp>
-      <p:sp>
-        <p:nvSpPr>
-          <p:cNvPr id="3" name="Content Placeholder 2"/>
-          <p:cNvSpPr>
-            <a:spLocks noGrp="1"/>
-          </p:cNvSpPr>
-          <p:nvPr>
-            <p:ph idx="1"/>
-          </p:nvPr>
-        </p:nvSpPr>
-        <p:spPr/>
-        <p:txBody>
-          <a:bodyPr/>
-          <a:lstStyle/>
-          <a:p>
             <a:endParaRPr lang="en-US"/>
           </a:p>
         </p:txBody>
@@ -4026,7 +3957,7 @@
 </p:sld>
 </file>
 
-<file path=ppt/slides/slide19.xml><?xml version="1.0" encoding="utf-8"?>
+<file path=ppt/slides/slide18.xml><?xml version="1.0" encoding="utf-8"?>
 <p:sld xmlns:a="http://schemas.openxmlformats.org/drawingml/2006/main" xmlns:r="http://schemas.openxmlformats.org/officeDocument/2006/relationships" xmlns:p="http://schemas.openxmlformats.org/presentationml/2006/main">
   <p:cSld>
     <p:spTree>
@@ -5555,8 +5486,24 @@
           <a:lstStyle/>
           <a:p>
             <a:r>
-              <a:rPr lang="en-US" dirty="0" smtClean="0"/>
-              <a:t>Selectors</a:t>
+              <a:rPr lang="en-US" dirty="0" err="1"/>
+              <a:t>Oppsett</a:t>
+            </a:r>
+            <a:r>
+              <a:rPr lang="en-US" dirty="0"/>
+              <a:t> </a:t>
+            </a:r>
+            <a:r>
+              <a:rPr lang="en-US" dirty="0" err="1"/>
+              <a:t>av</a:t>
+            </a:r>
+            <a:r>
+              <a:rPr lang="en-US" dirty="0"/>
+              <a:t> CSS-</a:t>
+            </a:r>
+            <a:r>
+              <a:rPr lang="en-US" dirty="0" err="1"/>
+              <a:t>fil</a:t>
             </a:r>
             <a:endParaRPr lang="en-US" dirty="0"/>
           </a:p>
@@ -5574,20 +5521,18 @@
         </p:nvSpPr>
         <p:spPr/>
         <p:txBody>
-          <a:bodyPr/>
+          <a:bodyPr>
+            <a:normAutofit fontScale="92500" lnSpcReduction="10000"/>
+          </a:bodyPr>
           <a:lstStyle/>
           <a:p>
             <a:r>
+              <a:rPr lang="en-US" dirty="0" smtClean="0"/>
+              <a:t>Legg CSS </a:t>
+            </a:r>
+            <a:r>
               <a:rPr lang="en-US" dirty="0" err="1" smtClean="0"/>
-              <a:t>Alle</a:t>
-            </a:r>
-            <a:r>
-              <a:rPr lang="en-US" dirty="0" smtClean="0"/>
-              <a:t> HTML-</a:t>
-            </a:r>
-            <a:r>
-              <a:rPr lang="en-US" dirty="0" err="1" smtClean="0"/>
-              <a:t>elementer</a:t>
+              <a:t>i</a:t>
             </a:r>
             <a:r>
               <a:rPr lang="en-US" dirty="0" smtClean="0"/>
@@ -5595,7 +5540,7 @@
             </a:r>
             <a:r>
               <a:rPr lang="en-US" dirty="0" err="1" smtClean="0"/>
-              <a:t>kan</a:t>
+              <a:t>egen</a:t>
             </a:r>
             <a:r>
               <a:rPr lang="en-US" dirty="0" smtClean="0"/>
@@ -5603,7 +5548,68 @@
             </a:r>
             <a:r>
               <a:rPr lang="en-US" dirty="0" err="1" smtClean="0"/>
-              <a:t>brukes</a:t>
+              <a:t>fil</a:t>
+            </a:r>
+            <a:endParaRPr lang="en-US" dirty="0" smtClean="0"/>
+          </a:p>
+          <a:p>
+            <a:r>
+              <a:rPr lang="en-US" dirty="0" err="1"/>
+              <a:t>Innholdsfortegnelse</a:t>
+            </a:r>
+            <a:r>
+              <a:rPr lang="en-US" dirty="0"/>
+              <a:t> med </a:t>
+            </a:r>
+            <a:r>
+              <a:rPr lang="en-US" dirty="0" err="1"/>
+              <a:t>henvisning</a:t>
+            </a:r>
+            <a:r>
+              <a:rPr lang="en-US" dirty="0"/>
+              <a:t> </a:t>
+            </a:r>
+            <a:r>
+              <a:rPr lang="en-US" dirty="0" err="1"/>
+              <a:t>til</a:t>
+            </a:r>
+            <a:r>
+              <a:rPr lang="en-US" dirty="0"/>
+              <a:t> </a:t>
+            </a:r>
+            <a:r>
+              <a:rPr lang="en-US" dirty="0" err="1"/>
+              <a:t>seksjoner</a:t>
+            </a:r>
+            <a:endParaRPr lang="en-US" dirty="0"/>
+          </a:p>
+          <a:p>
+            <a:r>
+              <a:rPr lang="en-US" dirty="0" smtClean="0"/>
+              <a:t>@</a:t>
+            </a:r>
+            <a:r>
+              <a:rPr lang="en-US" dirty="0" err="1"/>
+              <a:t>annotasjoner</a:t>
+            </a:r>
+            <a:endParaRPr lang="en-US" dirty="0"/>
+          </a:p>
+          <a:p>
+            <a:r>
+              <a:rPr lang="en-US" dirty="0" smtClean="0"/>
+              <a:t>Start med reset-</a:t>
+            </a:r>
+            <a:r>
+              <a:rPr lang="en-US" dirty="0" err="1" smtClean="0"/>
+              <a:t>css</a:t>
+            </a:r>
+            <a:r>
+              <a:rPr lang="en-US" dirty="0" smtClean="0"/>
+              <a:t> (</a:t>
+            </a:r>
+            <a:r>
+              <a:rPr lang="en-US" dirty="0" err="1" smtClean="0"/>
+              <a:t>finn</a:t>
             </a:r>
             <a:r>
               <a:rPr lang="en-US" dirty="0" smtClean="0"/>
@@ -5611,28 +5617,7 @@
             </a:r>
             <a:r>
               <a:rPr lang="en-US" dirty="0" err="1" smtClean="0"/>
-              <a:t>som</a:t>
-            </a:r>
-            <a:r>
-              <a:rPr lang="en-US" dirty="0" smtClean="0"/>
-              <a:t> selector</a:t>
-            </a:r>
-          </a:p>
-          <a:p>
-            <a:pPr lvl="1"/>
-            <a:r>
-              <a:rPr lang="en-US" dirty="0" err="1" smtClean="0"/>
-              <a:t>Eks</a:t>
-            </a:r>
-            <a:r>
-              <a:rPr lang="en-US" dirty="0" smtClean="0"/>
-              <a:t>: &lt;p&gt; &lt;footer&gt; &lt;div&gt;</a:t>
-            </a:r>
-          </a:p>
-          <a:p>
-            <a:r>
-              <a:rPr lang="en-US" dirty="0" err="1" smtClean="0"/>
-              <a:t>Elementer</a:t>
+              <a:t>noe</a:t>
             </a:r>
             <a:r>
               <a:rPr lang="en-US" dirty="0" smtClean="0"/>
@@ -5640,7 +5625,33 @@
             </a:r>
             <a:r>
               <a:rPr lang="en-US" dirty="0" err="1" smtClean="0"/>
-              <a:t>kan</a:t>
+              <a:t>ferdig</a:t>
+            </a:r>
+            <a:r>
+              <a:rPr lang="en-US" dirty="0" smtClean="0"/>
+              <a:t>, -husk </a:t>
+            </a:r>
+            <a:r>
+              <a:rPr lang="en-US" dirty="0" err="1" smtClean="0"/>
+              <a:t>akreditering</a:t>
+            </a:r>
+            <a:r>
+              <a:rPr lang="en-US" dirty="0" smtClean="0"/>
+              <a:t>)</a:t>
+            </a:r>
+          </a:p>
+          <a:p>
+            <a:r>
+              <a:rPr lang="en-US" dirty="0"/>
+              <a:t>S</a:t>
+            </a:r>
+            <a:r>
+              <a:rPr lang="en-US" dirty="0" smtClean="0"/>
+              <a:t>ett </a:t>
+            </a:r>
+            <a:r>
+              <a:rPr lang="en-US" dirty="0" err="1" smtClean="0"/>
+              <a:t>globale</a:t>
             </a:r>
             <a:r>
               <a:rPr lang="en-US" dirty="0" smtClean="0"/>
@@ -5648,15 +5659,15 @@
             </a:r>
             <a:r>
               <a:rPr lang="en-US" dirty="0" err="1" smtClean="0"/>
-              <a:t>markeres</a:t>
+              <a:t>verdier</a:t>
             </a:r>
             <a:r>
               <a:rPr lang="en-US" dirty="0" smtClean="0"/>
-              <a:t> med </a:t>
-            </a:r>
-            <a:r>
-              <a:rPr lang="en-US" i="1" dirty="0" smtClean="0"/>
-              <a:t>class</a:t>
+              <a:t> for </a:t>
+            </a:r>
+            <a:r>
+              <a:rPr lang="en-US" dirty="0" err="1" smtClean="0"/>
+              <a:t>websiden</a:t>
             </a:r>
             <a:r>
               <a:rPr lang="en-US" dirty="0" smtClean="0"/>
@@ -5664,70 +5675,66 @@
             </a:r>
             <a:r>
               <a:rPr lang="en-US" dirty="0" err="1" smtClean="0"/>
-              <a:t>og</a:t>
-            </a:r>
-            <a:r>
-              <a:rPr lang="en-US" dirty="0"/>
-              <a:t>/</a:t>
-            </a:r>
+              <a:t>øverst</a:t>
+            </a:r>
+            <a:endParaRPr lang="en-US" dirty="0" smtClean="0"/>
+          </a:p>
+          <a:p>
+            <a:pPr lvl="1"/>
             <a:r>
               <a:rPr lang="en-US" dirty="0" err="1" smtClean="0"/>
-              <a:t>eller</a:t>
+              <a:t>fonter</a:t>
+            </a:r>
+            <a:r>
+              <a:rPr lang="en-US" dirty="0" smtClean="0"/>
+              <a:t>, </a:t>
+            </a:r>
+            <a:r>
+              <a:rPr lang="en-US" dirty="0" err="1" smtClean="0"/>
+              <a:t>farger</a:t>
             </a:r>
             <a:r>
               <a:rPr lang="en-US" dirty="0" smtClean="0"/>
               <a:t> </a:t>
             </a:r>
             <a:r>
-              <a:rPr lang="en-US" i="1" dirty="0" smtClean="0"/>
-              <a:t>id</a:t>
-            </a:r>
-          </a:p>
-          <a:p>
-            <a:r>
               <a:rPr lang="en-US" dirty="0" err="1" smtClean="0"/>
-              <a:t>selectoren</a:t>
+              <a:t>størrelser</a:t>
             </a:r>
             <a:r>
               <a:rPr lang="en-US" dirty="0" smtClean="0"/>
-              <a:t> </a:t>
-            </a:r>
-            <a:r>
-              <a:rPr lang="en-US" sz="4000" b="1" dirty="0" smtClean="0">
-                <a:effectLst>
-                  <a:outerShdw blurRad="50800" dist="38100" dir="2700000" algn="tl" rotWithShape="0">
-                    <a:prstClr val="black">
-                      <a:alpha val="40000"/>
-                    </a:prstClr>
-                  </a:outerShdw>
-                </a:effectLst>
-              </a:rPr>
-              <a:t>*</a:t>
-            </a:r>
-            <a:r>
-              <a:rPr lang="en-US" dirty="0" smtClean="0"/>
-              <a:t> </a:t>
+              <a:t>, </a:t>
             </a:r>
             <a:r>
               <a:rPr lang="en-US" dirty="0" err="1" smtClean="0"/>
-              <a:t>gjelder</a:t>
-            </a:r>
-            <a:r>
-              <a:rPr lang="en-US" dirty="0" smtClean="0"/>
-              <a:t> for </a:t>
-            </a:r>
-            <a:r>
-              <a:rPr lang="en-US" i="1" dirty="0" err="1" smtClean="0"/>
-              <a:t>alle</a:t>
-            </a:r>
-            <a:r>
-              <a:rPr lang="en-US" dirty="0" smtClean="0"/>
-              <a:t> </a:t>
-            </a:r>
-            <a:r>
-              <a:rPr lang="en-US" dirty="0" err="1" smtClean="0"/>
-              <a:t>elementer</a:t>
-            </a:r>
+              <a:t>etc</a:t>
+            </a:r>
+            <a:endParaRPr lang="en-US" dirty="0" smtClean="0"/>
+          </a:p>
+        </p:txBody>
+      </p:sp>
+      <p:sp>
+        <p:nvSpPr>
+          <p:cNvPr id="4" name="TextBox 3"/>
+          <p:cNvSpPr txBox="1"/>
+          <p:nvPr/>
+        </p:nvSpPr>
+        <p:spPr>
+          <a:xfrm>
+            <a:off x="4108824" y="403412"/>
+            <a:ext cx="184666" cy="369332"/>
+          </a:xfrm>
+          <a:prstGeom prst="rect">
+            <a:avLst/>
+          </a:prstGeom>
+          <a:noFill/>
+        </p:spPr>
+        <p:txBody>
+          <a:bodyPr wrap="none" rtlCol="0">
+            <a:spAutoFit/>
+          </a:bodyPr>
+          <a:lstStyle/>
+          <a:p>
             <a:endParaRPr lang="en-US" dirty="0"/>
           </a:p>
         </p:txBody>
@@ -5735,20 +5742,13 @@
     </p:spTree>
     <p:extLst>
       <p:ext uri="{BB962C8B-B14F-4D97-AF65-F5344CB8AC3E}">
-        <p14:creationId xmlns:p14="http://schemas.microsoft.com/office/powerpoint/2010/main" val="1895812246"/>
+        <p14:creationId xmlns:p14="http://schemas.microsoft.com/office/powerpoint/2010/main" val="501569467"/>
       </p:ext>
     </p:extLst>
   </p:cSld>
   <p:clrMapOvr>
     <a:masterClrMapping/>
   </p:clrMapOvr>
-  <p:timing>
-    <p:tnLst>
-      <p:par>
-        <p:cTn xmlns:p14="http://schemas.microsoft.com/office/powerpoint/2010/main" id="1" dur="indefinite" restart="never" nodeType="tmRoot"/>
-      </p:par>
-    </p:tnLst>
-  </p:timing>
 </p:sld>
 </file>
 
@@ -5785,8 +5785,8 @@
           <a:lstStyle/>
           <a:p>
             <a:r>
-              <a:rPr lang="en-US" dirty="0" err="1" smtClean="0"/>
-              <a:t>Eksempler</a:t>
+              <a:rPr lang="en-US" dirty="0" smtClean="0"/>
+              <a:t>Selectors</a:t>
             </a:r>
             <a:endParaRPr lang="en-US" dirty="0"/>
           </a:p>
@@ -5804,65 +5804,160 @@
         </p:nvSpPr>
         <p:spPr/>
         <p:txBody>
-          <a:bodyPr>
-            <a:normAutofit fontScale="92500" lnSpcReduction="10000"/>
-          </a:bodyPr>
+          <a:bodyPr/>
           <a:lstStyle/>
           <a:p>
             <a:r>
+              <a:rPr lang="en-US" dirty="0" err="1" smtClean="0"/>
+              <a:t>Alle</a:t>
+            </a:r>
+            <a:r>
               <a:rPr lang="en-US" dirty="0" smtClean="0"/>
-              <a:t>body</a:t>
-            </a:r>
-          </a:p>
-          <a:p>
-            <a:r>
-              <a:rPr lang="en-US" dirty="0" smtClean="0"/>
-              <a:t>div</a:t>
-            </a:r>
-          </a:p>
-          <a:p>
-            <a:r>
-              <a:rPr lang="en-US" dirty="0" smtClean="0"/>
-              <a:t>h1 </a:t>
+              <a:t> HTML-</a:t>
             </a:r>
             <a:r>
               <a:rPr lang="en-US" dirty="0" err="1" smtClean="0"/>
-              <a:t>osv</a:t>
+              <a:t>elementer</a:t>
             </a:r>
             <a:r>
               <a:rPr lang="en-US" dirty="0" smtClean="0"/>
               <a:t> </a:t>
             </a:r>
-          </a:p>
-          <a:p>
-            <a:r>
-              <a:rPr lang="en-US" dirty="0" smtClean="0"/>
-              <a:t>section</a:t>
-            </a:r>
-          </a:p>
-          <a:p>
             <a:r>
               <a:rPr lang="en-US" dirty="0" err="1" smtClean="0"/>
-              <a:t>nav</a:t>
+              <a:t>kan</a:t>
             </a:r>
             <a:r>
               <a:rPr lang="en-US" dirty="0" smtClean="0"/>
               <a:t> </a:t>
             </a:r>
-          </a:p>
-          <a:p>
+            <a:r>
+              <a:rPr lang="en-US" dirty="0" err="1" smtClean="0"/>
+              <a:t>brukes</a:t>
+            </a:r>
             <a:r>
               <a:rPr lang="en-US" dirty="0" smtClean="0"/>
-              <a:t>header</a:t>
-            </a:r>
-          </a:p>
-          <a:p>
+              <a:t> </a:t>
+            </a:r>
+            <a:r>
+              <a:rPr lang="en-US" dirty="0" err="1" smtClean="0"/>
+              <a:t>som</a:t>
+            </a:r>
             <a:r>
               <a:rPr lang="en-US" dirty="0" smtClean="0"/>
-              <a:t>aside</a:t>
-            </a:r>
-          </a:p>
-          <a:p>
+              <a:t> selector</a:t>
+            </a:r>
+          </a:p>
+          <a:p>
+            <a:pPr lvl="1"/>
+            <a:r>
+              <a:rPr lang="en-US" dirty="0" err="1" smtClean="0"/>
+              <a:t>Eks</a:t>
+            </a:r>
+            <a:r>
+              <a:rPr lang="en-US" dirty="0" smtClean="0"/>
+              <a:t>: &lt;p&gt; &lt;footer&gt; &lt;div&gt;</a:t>
+            </a:r>
+          </a:p>
+          <a:p>
+            <a:r>
+              <a:rPr lang="en-US" dirty="0" err="1" smtClean="0"/>
+              <a:t>Elementer</a:t>
+            </a:r>
+            <a:r>
+              <a:rPr lang="en-US" dirty="0" smtClean="0"/>
+              <a:t> </a:t>
+            </a:r>
+            <a:r>
+              <a:rPr lang="en-US" dirty="0" err="1" smtClean="0"/>
+              <a:t>kan</a:t>
+            </a:r>
+            <a:r>
+              <a:rPr lang="en-US" dirty="0" smtClean="0"/>
+              <a:t> </a:t>
+            </a:r>
+            <a:r>
+              <a:rPr lang="en-US" dirty="0" err="1" smtClean="0"/>
+              <a:t>markeres</a:t>
+            </a:r>
+            <a:r>
+              <a:rPr lang="en-US" dirty="0" smtClean="0"/>
+              <a:t> med </a:t>
+            </a:r>
+            <a:r>
+              <a:rPr lang="en-US" i="1" dirty="0" smtClean="0"/>
+              <a:t>class</a:t>
+            </a:r>
+            <a:r>
+              <a:rPr lang="en-US" dirty="0" smtClean="0"/>
+              <a:t> </a:t>
+            </a:r>
+            <a:r>
+              <a:rPr lang="en-US" dirty="0" err="1" smtClean="0"/>
+              <a:t>og</a:t>
+            </a:r>
+            <a:r>
+              <a:rPr lang="en-US" dirty="0"/>
+              <a:t>/</a:t>
+            </a:r>
+            <a:r>
+              <a:rPr lang="en-US" dirty="0" err="1" smtClean="0"/>
+              <a:t>eller</a:t>
+            </a:r>
+            <a:r>
+              <a:rPr lang="en-US" dirty="0" smtClean="0"/>
+              <a:t> </a:t>
+            </a:r>
+            <a:r>
+              <a:rPr lang="en-US" i="1" dirty="0" smtClean="0"/>
+              <a:t>id</a:t>
+            </a:r>
+          </a:p>
+          <a:p>
+            <a:r>
+              <a:rPr lang="en-US" dirty="0" err="1" smtClean="0"/>
+              <a:t>selectoren</a:t>
+            </a:r>
+            <a:r>
+              <a:rPr lang="en-US" dirty="0" smtClean="0"/>
+              <a:t> </a:t>
+            </a:r>
+            <a:r>
+              <a:rPr lang="en-US" sz="4000" b="1" dirty="0" smtClean="0">
+                <a:effectLst>
+                  <a:outerShdw blurRad="50800" dist="38100" dir="2700000" algn="tl" rotWithShape="0">
+                    <a:prstClr val="black">
+                      <a:alpha val="40000"/>
+                    </a:prstClr>
+                  </a:outerShdw>
+                </a:effectLst>
+              </a:rPr>
+              <a:t>*</a:t>
+            </a:r>
+            <a:r>
+              <a:rPr lang="en-US" dirty="0" smtClean="0"/>
+              <a:t> </a:t>
+            </a:r>
+            <a:r>
+              <a:rPr lang="en-US" dirty="0" err="1" smtClean="0"/>
+              <a:t>gjelder</a:t>
+            </a:r>
+            <a:r>
+              <a:rPr lang="en-US" dirty="0" smtClean="0"/>
+              <a:t> for </a:t>
+            </a:r>
+            <a:r>
+              <a:rPr lang="en-US" i="1" dirty="0" err="1" smtClean="0"/>
+              <a:t>alle</a:t>
+            </a:r>
+            <a:r>
+              <a:rPr lang="en-US" dirty="0" smtClean="0"/>
+              <a:t> </a:t>
+            </a:r>
+            <a:r>
+              <a:rPr lang="en-US" dirty="0" err="1" smtClean="0"/>
+              <a:t>elementer</a:t>
+            </a:r>
             <a:endParaRPr lang="en-US" dirty="0"/>
           </a:p>
         </p:txBody>
@@ -5870,13 +5965,20 @@
     </p:spTree>
     <p:extLst>
       <p:ext uri="{BB962C8B-B14F-4D97-AF65-F5344CB8AC3E}">
-        <p14:creationId xmlns:p14="http://schemas.microsoft.com/office/powerpoint/2010/main" val="2327314117"/>
+        <p14:creationId xmlns:p14="http://schemas.microsoft.com/office/powerpoint/2010/main" val="1895812246"/>
       </p:ext>
     </p:extLst>
   </p:cSld>
   <p:clrMapOvr>
     <a:masterClrMapping/>
   </p:clrMapOvr>
+  <p:timing>
+    <p:tnLst>
+      <p:par>
+        <p:cTn xmlns:p14="http://schemas.microsoft.com/office/powerpoint/2010/main" id="1" dur="indefinite" restart="never" nodeType="tmRoot"/>
+      </p:par>
+    </p:tnLst>
+  </p:timing>
 </p:sld>
 </file>
 
@@ -5913,8 +6015,8 @@
           <a:lstStyle/>
           <a:p>
             <a:r>
-              <a:rPr lang="en-US" dirty="0" smtClean="0"/>
-              <a:t>CSS3 selectors</a:t>
+              <a:rPr lang="en-US" dirty="0" err="1" smtClean="0"/>
+              <a:t>Eksempler</a:t>
             </a:r>
             <a:endParaRPr lang="en-US" dirty="0"/>
           </a:p>
@@ -5922,1269 +6024,75 @@
       </p:sp>
       <p:sp>
         <p:nvSpPr>
-          <p:cNvPr id="4" name="Rectangle 3"/>
-          <p:cNvSpPr/>
-          <p:nvPr/>
+          <p:cNvPr id="3" name="Content Placeholder 2"/>
+          <p:cNvSpPr>
+            <a:spLocks noGrp="1"/>
+          </p:cNvSpPr>
+          <p:nvPr>
+            <p:ph idx="1"/>
+          </p:nvPr>
         </p:nvSpPr>
-        <p:spPr>
-          <a:xfrm>
-            <a:off x="457200" y="1063229"/>
-            <a:ext cx="8314925" cy="3877985"/>
-          </a:xfrm>
-          <a:prstGeom prst="rect">
-            <a:avLst/>
-          </a:prstGeom>
-        </p:spPr>
+        <p:spPr/>
         <p:txBody>
-          <a:bodyPr wrap="square">
-            <a:spAutoFit/>
+          <a:bodyPr>
+            <a:normAutofit fontScale="92500" lnSpcReduction="10000"/>
           </a:bodyPr>
           <a:lstStyle/>
           <a:p>
             <a:r>
-              <a:rPr lang="en-US" sz="1200" dirty="0">
-                <a:solidFill>
-                  <a:srgbClr val="9A9A9A"/>
-                </a:solidFill>
-                <a:highlight>
-                  <a:srgbClr val="FFFFFF"/>
-                </a:highlight>
-                <a:latin typeface="Courier"/>
-              </a:rPr>
-              <a:t>/*</a:t>
-            </a:r>
-            <a:r>
-              <a:rPr lang="en-US" sz="1200" dirty="0" err="1">
-                <a:solidFill>
-                  <a:srgbClr val="9A9A9A"/>
-                </a:solidFill>
-                <a:highlight>
-                  <a:srgbClr val="FFFFFF"/>
-                </a:highlight>
-                <a:latin typeface="Courier"/>
-              </a:rPr>
-              <a:t>Velger</a:t>
-            </a:r>
-            <a:r>
-              <a:rPr lang="en-US" sz="1200" dirty="0">
-                <a:solidFill>
-                  <a:srgbClr val="9A9A9A"/>
-                </a:solidFill>
-                <a:highlight>
-                  <a:srgbClr val="FFFFFF"/>
-                </a:highlight>
-                <a:latin typeface="Courier"/>
-              </a:rPr>
+              <a:rPr lang="en-US" dirty="0" smtClean="0"/>
+              <a:t>body</a:t>
+            </a:r>
+          </a:p>
+          <a:p>
+            <a:r>
+              <a:rPr lang="en-US" dirty="0" smtClean="0"/>
+              <a:t>div</a:t>
+            </a:r>
+          </a:p>
+          <a:p>
+            <a:r>
+              <a:rPr lang="en-US" dirty="0" smtClean="0"/>
+              <a:t>h1 </a:t>
+            </a:r>
+            <a:r>
+              <a:rPr lang="en-US" dirty="0" err="1" smtClean="0"/>
+              <a:t>osv</a:t>
+            </a:r>
+            <a:r>
+              <a:rPr lang="en-US" dirty="0" smtClean="0"/>
               <a:t> </a:t>
             </a:r>
-            <a:r>
-              <a:rPr lang="en-US" sz="1200" dirty="0" err="1">
-                <a:solidFill>
-                  <a:srgbClr val="9A9A9A"/>
-                </a:solidFill>
-                <a:highlight>
-                  <a:srgbClr val="FFFFFF"/>
-                </a:highlight>
-                <a:latin typeface="Courier"/>
-              </a:rPr>
-              <a:t>alle</a:t>
-            </a:r>
-            <a:r>
-              <a:rPr lang="en-US" sz="1200" dirty="0">
-                <a:solidFill>
-                  <a:srgbClr val="9A9A9A"/>
-                </a:solidFill>
-                <a:highlight>
-                  <a:srgbClr val="FFFFFF"/>
-                </a:highlight>
-                <a:latin typeface="Courier"/>
-              </a:rPr>
+          </a:p>
+          <a:p>
+            <a:r>
+              <a:rPr lang="en-US" dirty="0" smtClean="0"/>
+              <a:t>section</a:t>
+            </a:r>
+          </a:p>
+          <a:p>
+            <a:r>
+              <a:rPr lang="en-US" dirty="0" err="1" smtClean="0"/>
+              <a:t>nav</a:t>
+            </a:r>
+            <a:r>
+              <a:rPr lang="en-US" dirty="0" smtClean="0"/>
               <a:t> </a:t>
             </a:r>
-            <a:r>
-              <a:rPr lang="en-US" sz="1200" dirty="0" err="1">
-                <a:solidFill>
-                  <a:srgbClr val="9A9A9A"/>
-                </a:solidFill>
-                <a:highlight>
-                  <a:srgbClr val="FFFFFF"/>
-                </a:highlight>
-                <a:latin typeface="Courier"/>
-              </a:rPr>
-              <a:t>img-elementer</a:t>
-            </a:r>
-            <a:r>
-              <a:rPr lang="en-US" sz="1200" dirty="0">
-                <a:solidFill>
-                  <a:srgbClr val="9A9A9A"/>
-                </a:solidFill>
-                <a:highlight>
-                  <a:srgbClr val="FFFFFF"/>
-                </a:highlight>
-                <a:latin typeface="Courier"/>
-              </a:rPr>
-              <a:t> </a:t>
-            </a:r>
-            <a:r>
-              <a:rPr lang="en-US" sz="1200" dirty="0" err="1">
-                <a:solidFill>
-                  <a:srgbClr val="9A9A9A"/>
-                </a:solidFill>
-                <a:highlight>
-                  <a:srgbClr val="FFFFFF"/>
-                </a:highlight>
-                <a:latin typeface="Courier"/>
-              </a:rPr>
-              <a:t>på</a:t>
-            </a:r>
-            <a:r>
-              <a:rPr lang="en-US" sz="1200" dirty="0">
-                <a:solidFill>
-                  <a:srgbClr val="9A9A9A"/>
-                </a:solidFill>
-                <a:highlight>
-                  <a:srgbClr val="FFFFFF"/>
-                </a:highlight>
-                <a:latin typeface="Courier"/>
-              </a:rPr>
-              <a:t> </a:t>
-            </a:r>
-            <a:r>
-              <a:rPr lang="en-US" sz="1200" dirty="0" err="1">
-                <a:solidFill>
-                  <a:srgbClr val="9A9A9A"/>
-                </a:solidFill>
-                <a:highlight>
-                  <a:srgbClr val="FFFFFF"/>
-                </a:highlight>
-                <a:latin typeface="Courier"/>
-              </a:rPr>
-              <a:t>siden</a:t>
-            </a:r>
-            <a:r>
-              <a:rPr lang="en-US" sz="1200" dirty="0">
-                <a:solidFill>
-                  <a:srgbClr val="9A9A9A"/>
-                </a:solidFill>
-                <a:highlight>
-                  <a:srgbClr val="FFFFFF"/>
-                </a:highlight>
-                <a:latin typeface="Courier"/>
-              </a:rPr>
-              <a:t> </a:t>
-            </a:r>
-            <a:r>
-              <a:rPr lang="en-US" sz="1200" dirty="0" err="1">
-                <a:solidFill>
-                  <a:srgbClr val="9A9A9A"/>
-                </a:solidFill>
-                <a:highlight>
-                  <a:srgbClr val="FFFFFF"/>
-                </a:highlight>
-                <a:latin typeface="Courier"/>
-              </a:rPr>
-              <a:t>hvis</a:t>
-            </a:r>
-            <a:r>
-              <a:rPr lang="en-US" sz="1200" dirty="0">
-                <a:solidFill>
-                  <a:srgbClr val="9A9A9A"/>
-                </a:solidFill>
-                <a:highlight>
-                  <a:srgbClr val="FFFFFF"/>
-                </a:highlight>
-                <a:latin typeface="Courier"/>
-              </a:rPr>
-              <a:t> </a:t>
-            </a:r>
-            <a:r>
-              <a:rPr lang="en-US" sz="1200" dirty="0" err="1">
-                <a:solidFill>
-                  <a:srgbClr val="9A9A9A"/>
-                </a:solidFill>
-                <a:highlight>
-                  <a:srgbClr val="FFFFFF"/>
-                </a:highlight>
-                <a:latin typeface="Courier"/>
-              </a:rPr>
-              <a:t>src-atributt</a:t>
-            </a:r>
-            <a:r>
-              <a:rPr lang="en-US" sz="1200" dirty="0">
-                <a:solidFill>
-                  <a:srgbClr val="9A9A9A"/>
-                </a:solidFill>
-                <a:highlight>
-                  <a:srgbClr val="FFFFFF"/>
-                </a:highlight>
-                <a:latin typeface="Courier"/>
-              </a:rPr>
-              <a:t> starter med "images"*/</a:t>
-            </a:r>
-          </a:p>
-          <a:p>
-            <a:r>
-              <a:rPr lang="en-US" dirty="0" err="1">
-                <a:solidFill>
-                  <a:srgbClr val="DA29FF"/>
-                </a:solidFill>
-                <a:highlight>
-                  <a:srgbClr val="FFFFFF"/>
-                </a:highlight>
-                <a:latin typeface="Courier"/>
-              </a:rPr>
-              <a:t>img</a:t>
-            </a:r>
-            <a:r>
-              <a:rPr lang="en-US" dirty="0">
-                <a:solidFill>
-                  <a:srgbClr val="DA29FF"/>
-                </a:solidFill>
-                <a:highlight>
-                  <a:srgbClr val="FFFFFF"/>
-                </a:highlight>
-                <a:latin typeface="Courier"/>
-              </a:rPr>
-              <a:t>[</a:t>
-            </a:r>
-            <a:r>
-              <a:rPr lang="en-US" dirty="0" err="1">
-                <a:solidFill>
-                  <a:srgbClr val="05208C"/>
-                </a:solidFill>
-                <a:highlight>
-                  <a:srgbClr val="FFFFFF"/>
-                </a:highlight>
-                <a:latin typeface="Courier"/>
-              </a:rPr>
-              <a:t>src</a:t>
-            </a:r>
-            <a:r>
-              <a:rPr lang="en-US" dirty="0">
-                <a:solidFill>
-                  <a:srgbClr val="DA29FF"/>
-                </a:solidFill>
-                <a:highlight>
-                  <a:srgbClr val="FFFFFF"/>
-                </a:highlight>
-                <a:latin typeface="Courier"/>
-              </a:rPr>
-              <a:t>^=</a:t>
-            </a:r>
-            <a:r>
-              <a:rPr lang="en-US" dirty="0">
-                <a:solidFill>
-                  <a:srgbClr val="106800"/>
-                </a:solidFill>
-                <a:highlight>
-                  <a:srgbClr val="FFFFFF"/>
-                </a:highlight>
-                <a:latin typeface="Courier"/>
-              </a:rPr>
-              <a:t>"images"</a:t>
-            </a:r>
-            <a:r>
-              <a:rPr lang="en-US" dirty="0">
-                <a:solidFill>
-                  <a:srgbClr val="DA29FF"/>
-                </a:solidFill>
-                <a:highlight>
-                  <a:srgbClr val="FFFFFF"/>
-                </a:highlight>
-                <a:latin typeface="Courier"/>
-              </a:rPr>
-              <a:t>]{</a:t>
-            </a:r>
-          </a:p>
-          <a:p>
-            <a:r>
-              <a:rPr lang="en-US" dirty="0">
-                <a:solidFill>
-                  <a:srgbClr val="DA29FF"/>
-                </a:solidFill>
-                <a:highlight>
-                  <a:srgbClr val="FFFFFF"/>
-                </a:highlight>
-                <a:latin typeface="Courier"/>
-              </a:rPr>
-              <a:t>	</a:t>
-            </a:r>
-            <a:r>
-              <a:rPr lang="en-US" dirty="0">
-                <a:solidFill>
-                  <a:srgbClr val="05208C"/>
-                </a:solidFill>
-                <a:highlight>
-                  <a:srgbClr val="FFFFFF"/>
-                </a:highlight>
-                <a:latin typeface="Courier"/>
-              </a:rPr>
-              <a:t>border</a:t>
-            </a:r>
-            <a:r>
-              <a:rPr lang="en-US" b="1" dirty="0">
-                <a:solidFill>
-                  <a:srgbClr val="DA29FF"/>
-                </a:solidFill>
-                <a:highlight>
-                  <a:srgbClr val="FFFFFF"/>
-                </a:highlight>
-                <a:latin typeface="Courier"/>
-              </a:rPr>
-              <a:t>: </a:t>
-            </a:r>
-            <a:r>
-              <a:rPr lang="en-US" b="1" dirty="0">
-                <a:solidFill>
-                  <a:srgbClr val="0035FF"/>
-                </a:solidFill>
-                <a:highlight>
-                  <a:srgbClr val="FFFFFF"/>
-                </a:highlight>
-                <a:latin typeface="Courier"/>
-              </a:rPr>
-              <a:t>5px</a:t>
-            </a:r>
-            <a:r>
-              <a:rPr lang="en-US" b="1" dirty="0">
-                <a:solidFill>
-                  <a:srgbClr val="DA29FF"/>
-                </a:solidFill>
-                <a:highlight>
-                  <a:srgbClr val="FFFFFF"/>
-                </a:highlight>
-                <a:latin typeface="Courier"/>
-              </a:rPr>
-              <a:t> </a:t>
-            </a:r>
-            <a:r>
-              <a:rPr lang="en-US" b="1" dirty="0">
-                <a:solidFill>
-                  <a:srgbClr val="0035FF"/>
-                </a:solidFill>
-                <a:highlight>
-                  <a:srgbClr val="FFFFFF"/>
-                </a:highlight>
-                <a:latin typeface="Courier"/>
-              </a:rPr>
-              <a:t>solid</a:t>
-            </a:r>
-            <a:r>
-              <a:rPr lang="en-US" b="1" dirty="0">
-                <a:solidFill>
-                  <a:srgbClr val="DA29FF"/>
-                </a:solidFill>
-                <a:highlight>
-                  <a:srgbClr val="FFFFFF"/>
-                </a:highlight>
-                <a:latin typeface="Courier"/>
-              </a:rPr>
-              <a:t> </a:t>
-            </a:r>
-            <a:r>
-              <a:rPr lang="en-US" b="1" dirty="0">
-                <a:solidFill>
-                  <a:srgbClr val="0035FF"/>
-                </a:solidFill>
-                <a:highlight>
-                  <a:srgbClr val="FFFFFF"/>
-                </a:highlight>
-                <a:latin typeface="Courier"/>
-              </a:rPr>
-              <a:t>orange</a:t>
-            </a:r>
-            <a:r>
-              <a:rPr lang="en-US" b="1" dirty="0">
-                <a:solidFill>
-                  <a:srgbClr val="DA29FF"/>
-                </a:solidFill>
-                <a:highlight>
-                  <a:srgbClr val="FFFFFF"/>
-                </a:highlight>
-                <a:latin typeface="Courier"/>
-              </a:rPr>
-              <a:t>;</a:t>
-            </a:r>
-          </a:p>
-          <a:p>
-            <a:r>
-              <a:rPr lang="en-US" dirty="0">
-                <a:solidFill>
-                  <a:srgbClr val="DA29FF"/>
-                </a:solidFill>
-                <a:highlight>
-                  <a:srgbClr val="FFFFFF"/>
-                </a:highlight>
-                <a:latin typeface="Courier"/>
-              </a:rPr>
-              <a:t>}</a:t>
-            </a:r>
-          </a:p>
-          <a:p>
-            <a:endParaRPr lang="en-US" dirty="0">
-              <a:latin typeface="Courier"/>
-            </a:endParaRPr>
-          </a:p>
-          <a:p>
-            <a:r>
-              <a:rPr lang="en-US" sz="1200" dirty="0">
-                <a:solidFill>
-                  <a:srgbClr val="9A9A9A"/>
-                </a:solidFill>
-                <a:highlight>
-                  <a:srgbClr val="FFFFFF"/>
-                </a:highlight>
-                <a:latin typeface="Courier"/>
-              </a:rPr>
-              <a:t>/*</a:t>
-            </a:r>
-            <a:r>
-              <a:rPr lang="en-US" sz="1200" dirty="0" err="1">
-                <a:solidFill>
-                  <a:srgbClr val="9A9A9A"/>
-                </a:solidFill>
-                <a:highlight>
-                  <a:srgbClr val="FFFFFF"/>
-                </a:highlight>
-                <a:latin typeface="Courier"/>
-              </a:rPr>
-              <a:t>Velger</a:t>
-            </a:r>
-            <a:r>
-              <a:rPr lang="en-US" sz="1200" dirty="0">
-                <a:solidFill>
-                  <a:srgbClr val="9A9A9A"/>
-                </a:solidFill>
-                <a:highlight>
-                  <a:srgbClr val="FFFFFF"/>
-                </a:highlight>
-                <a:latin typeface="Courier"/>
-              </a:rPr>
-              <a:t> </a:t>
-            </a:r>
-            <a:r>
-              <a:rPr lang="en-US" sz="1200" dirty="0" err="1">
-                <a:solidFill>
-                  <a:srgbClr val="9A9A9A"/>
-                </a:solidFill>
-                <a:highlight>
-                  <a:srgbClr val="FFFFFF"/>
-                </a:highlight>
-                <a:latin typeface="Courier"/>
-              </a:rPr>
-              <a:t>alle</a:t>
-            </a:r>
-            <a:r>
-              <a:rPr lang="en-US" sz="1200" dirty="0">
-                <a:solidFill>
-                  <a:srgbClr val="9A9A9A"/>
-                </a:solidFill>
-                <a:highlight>
-                  <a:srgbClr val="FFFFFF"/>
-                </a:highlight>
-                <a:latin typeface="Courier"/>
-              </a:rPr>
-              <a:t> </a:t>
-            </a:r>
-            <a:r>
-              <a:rPr lang="en-US" sz="1200" dirty="0" err="1">
-                <a:solidFill>
-                  <a:srgbClr val="9A9A9A"/>
-                </a:solidFill>
-                <a:highlight>
-                  <a:srgbClr val="FFFFFF"/>
-                </a:highlight>
-                <a:latin typeface="Courier"/>
-              </a:rPr>
-              <a:t>img-elementer</a:t>
-            </a:r>
-            <a:r>
-              <a:rPr lang="en-US" sz="1200" dirty="0">
-                <a:solidFill>
-                  <a:srgbClr val="9A9A9A"/>
-                </a:solidFill>
-                <a:highlight>
-                  <a:srgbClr val="FFFFFF"/>
-                </a:highlight>
-                <a:latin typeface="Courier"/>
-              </a:rPr>
-              <a:t> </a:t>
-            </a:r>
-            <a:r>
-              <a:rPr lang="en-US" sz="1200" dirty="0" err="1">
-                <a:solidFill>
-                  <a:srgbClr val="9A9A9A"/>
-                </a:solidFill>
-                <a:highlight>
-                  <a:srgbClr val="FFFFFF"/>
-                </a:highlight>
-                <a:latin typeface="Courier"/>
-              </a:rPr>
-              <a:t>på</a:t>
-            </a:r>
-            <a:r>
-              <a:rPr lang="en-US" sz="1200" dirty="0">
-                <a:solidFill>
-                  <a:srgbClr val="9A9A9A"/>
-                </a:solidFill>
-                <a:highlight>
-                  <a:srgbClr val="FFFFFF"/>
-                </a:highlight>
-                <a:latin typeface="Courier"/>
-              </a:rPr>
-              <a:t> </a:t>
-            </a:r>
-            <a:r>
-              <a:rPr lang="en-US" sz="1200" dirty="0" err="1">
-                <a:solidFill>
-                  <a:srgbClr val="9A9A9A"/>
-                </a:solidFill>
-                <a:highlight>
-                  <a:srgbClr val="FFFFFF"/>
-                </a:highlight>
-                <a:latin typeface="Courier"/>
-              </a:rPr>
-              <a:t>siden</a:t>
-            </a:r>
-            <a:r>
-              <a:rPr lang="en-US" sz="1200" dirty="0">
-                <a:solidFill>
-                  <a:srgbClr val="9A9A9A"/>
-                </a:solidFill>
-                <a:highlight>
-                  <a:srgbClr val="FFFFFF"/>
-                </a:highlight>
-                <a:latin typeface="Courier"/>
-              </a:rPr>
-              <a:t> </a:t>
-            </a:r>
-            <a:r>
-              <a:rPr lang="en-US" sz="1200" dirty="0" err="1">
-                <a:solidFill>
-                  <a:srgbClr val="9A9A9A"/>
-                </a:solidFill>
-                <a:highlight>
-                  <a:srgbClr val="FFFFFF"/>
-                </a:highlight>
-                <a:latin typeface="Courier"/>
-              </a:rPr>
-              <a:t>hvis</a:t>
-            </a:r>
-            <a:r>
-              <a:rPr lang="en-US" sz="1200" dirty="0">
-                <a:solidFill>
-                  <a:srgbClr val="9A9A9A"/>
-                </a:solidFill>
-                <a:highlight>
-                  <a:srgbClr val="FFFFFF"/>
-                </a:highlight>
-                <a:latin typeface="Courier"/>
-              </a:rPr>
-              <a:t> </a:t>
-            </a:r>
-            <a:r>
-              <a:rPr lang="en-US" sz="1200" dirty="0" err="1">
-                <a:solidFill>
-                  <a:srgbClr val="9A9A9A"/>
-                </a:solidFill>
-                <a:highlight>
-                  <a:srgbClr val="FFFFFF"/>
-                </a:highlight>
-                <a:latin typeface="Courier"/>
-              </a:rPr>
-              <a:t>src-atributt</a:t>
-            </a:r>
-            <a:r>
-              <a:rPr lang="en-US" sz="1200" dirty="0">
-                <a:solidFill>
-                  <a:srgbClr val="9A9A9A"/>
-                </a:solidFill>
-                <a:highlight>
-                  <a:srgbClr val="FFFFFF"/>
-                </a:highlight>
-                <a:latin typeface="Courier"/>
-              </a:rPr>
-              <a:t> </a:t>
-            </a:r>
-            <a:r>
-              <a:rPr lang="en-US" sz="1200" dirty="0" err="1">
-                <a:solidFill>
-                  <a:srgbClr val="9A9A9A"/>
-                </a:solidFill>
-                <a:highlight>
-                  <a:srgbClr val="FFFFFF"/>
-                </a:highlight>
-                <a:latin typeface="Courier"/>
-              </a:rPr>
-              <a:t>inneholder</a:t>
-            </a:r>
-            <a:r>
-              <a:rPr lang="en-US" sz="1200" dirty="0">
-                <a:solidFill>
-                  <a:srgbClr val="9A9A9A"/>
-                </a:solidFill>
-                <a:highlight>
-                  <a:srgbClr val="FFFFFF"/>
-                </a:highlight>
-                <a:latin typeface="Courier"/>
-              </a:rPr>
-              <a:t> en substring </a:t>
-            </a:r>
-            <a:r>
-              <a:rPr lang="en-US" sz="1200" dirty="0" err="1">
-                <a:solidFill>
-                  <a:srgbClr val="9A9A9A"/>
-                </a:solidFill>
-                <a:highlight>
-                  <a:srgbClr val="FFFFFF"/>
-                </a:highlight>
-                <a:latin typeface="Courier"/>
-              </a:rPr>
-              <a:t>av</a:t>
-            </a:r>
-            <a:r>
-              <a:rPr lang="en-US" sz="1200" dirty="0">
-                <a:solidFill>
-                  <a:srgbClr val="9A9A9A"/>
-                </a:solidFill>
-                <a:highlight>
-                  <a:srgbClr val="FFFFFF"/>
-                </a:highlight>
-                <a:latin typeface="Courier"/>
-              </a:rPr>
-              <a:t> "</a:t>
-            </a:r>
-            <a:r>
-              <a:rPr lang="en-US" sz="1200" dirty="0" err="1">
-                <a:solidFill>
-                  <a:srgbClr val="9A9A9A"/>
-                </a:solidFill>
-                <a:highlight>
-                  <a:srgbClr val="FFFFFF"/>
-                </a:highlight>
-                <a:latin typeface="Courier"/>
-              </a:rPr>
-              <a:t>tiguan</a:t>
-            </a:r>
-            <a:r>
-              <a:rPr lang="en-US" sz="1200" dirty="0">
-                <a:solidFill>
-                  <a:srgbClr val="9A9A9A"/>
-                </a:solidFill>
-                <a:highlight>
-                  <a:srgbClr val="FFFFFF"/>
-                </a:highlight>
-                <a:latin typeface="Courier"/>
-              </a:rPr>
-              <a:t>"*/</a:t>
-            </a:r>
-          </a:p>
-          <a:p>
-            <a:r>
-              <a:rPr lang="en-US" dirty="0" err="1">
-                <a:solidFill>
-                  <a:srgbClr val="DA29FF"/>
-                </a:solidFill>
-                <a:highlight>
-                  <a:srgbClr val="FFFFFF"/>
-                </a:highlight>
-                <a:latin typeface="Courier"/>
-              </a:rPr>
-              <a:t>img</a:t>
-            </a:r>
-            <a:r>
-              <a:rPr lang="en-US" dirty="0">
-                <a:solidFill>
-                  <a:srgbClr val="DA29FF"/>
-                </a:solidFill>
-                <a:highlight>
-                  <a:srgbClr val="FFFFFF"/>
-                </a:highlight>
-                <a:latin typeface="Courier"/>
-              </a:rPr>
-              <a:t>[</a:t>
-            </a:r>
-            <a:r>
-              <a:rPr lang="en-US" dirty="0" err="1">
-                <a:solidFill>
-                  <a:srgbClr val="05208C"/>
-                </a:solidFill>
-                <a:highlight>
-                  <a:srgbClr val="FFFFFF"/>
-                </a:highlight>
-                <a:latin typeface="Courier"/>
-              </a:rPr>
-              <a:t>src</a:t>
-            </a:r>
-            <a:r>
-              <a:rPr lang="en-US" u="sng" dirty="0">
-                <a:solidFill>
-                  <a:srgbClr val="DA29FF"/>
-                </a:solidFill>
-                <a:highlight>
-                  <a:srgbClr val="FFFFFF"/>
-                </a:highlight>
-                <a:latin typeface="Courier"/>
-              </a:rPr>
-              <a:t>*=</a:t>
-            </a:r>
-            <a:r>
-              <a:rPr lang="en-US" u="sng" dirty="0">
-                <a:solidFill>
-                  <a:srgbClr val="106800"/>
-                </a:solidFill>
-                <a:highlight>
-                  <a:srgbClr val="FFFFFF"/>
-                </a:highlight>
-                <a:latin typeface="Courier"/>
-              </a:rPr>
-              <a:t>"</a:t>
-            </a:r>
-            <a:r>
-              <a:rPr lang="en-US" u="sng" dirty="0" err="1">
-                <a:solidFill>
-                  <a:srgbClr val="106800"/>
-                </a:solidFill>
-                <a:highlight>
-                  <a:srgbClr val="FFFFFF"/>
-                </a:highlight>
-                <a:latin typeface="Courier"/>
-              </a:rPr>
-              <a:t>tiguan</a:t>
-            </a:r>
-            <a:r>
-              <a:rPr lang="en-US" u="sng" dirty="0">
-                <a:solidFill>
-                  <a:srgbClr val="106800"/>
-                </a:solidFill>
-                <a:highlight>
-                  <a:srgbClr val="FFFFFF"/>
-                </a:highlight>
-                <a:latin typeface="Courier"/>
-              </a:rPr>
-              <a:t>"</a:t>
-            </a:r>
-            <a:r>
-              <a:rPr lang="en-US" u="sng" dirty="0">
-                <a:solidFill>
-                  <a:srgbClr val="DA29FF"/>
-                </a:solidFill>
-                <a:highlight>
-                  <a:srgbClr val="FFFFFF"/>
-                </a:highlight>
-                <a:latin typeface="Courier"/>
-              </a:rPr>
-              <a:t>]{</a:t>
-            </a:r>
-          </a:p>
-          <a:p>
-            <a:r>
-              <a:rPr lang="en-US" dirty="0">
-                <a:solidFill>
-                  <a:srgbClr val="DA29FF"/>
-                </a:solidFill>
-                <a:highlight>
-                  <a:srgbClr val="FFFFFF"/>
-                </a:highlight>
-                <a:latin typeface="Courier"/>
-              </a:rPr>
-              <a:t>    </a:t>
-            </a:r>
-            <a:r>
-              <a:rPr lang="en-US" dirty="0">
-                <a:solidFill>
-                  <a:srgbClr val="05208C"/>
-                </a:solidFill>
-                <a:highlight>
-                  <a:srgbClr val="FFFFFF"/>
-                </a:highlight>
-                <a:latin typeface="Courier"/>
-              </a:rPr>
-              <a:t>border</a:t>
-            </a:r>
-            <a:r>
-              <a:rPr lang="en-US" b="1" dirty="0">
-                <a:solidFill>
-                  <a:srgbClr val="DA29FF"/>
-                </a:solidFill>
-                <a:highlight>
-                  <a:srgbClr val="FFFFFF"/>
-                </a:highlight>
-                <a:latin typeface="Courier"/>
-              </a:rPr>
-              <a:t>: </a:t>
-            </a:r>
-            <a:r>
-              <a:rPr lang="en-US" b="1" dirty="0">
-                <a:solidFill>
-                  <a:srgbClr val="0035FF"/>
-                </a:solidFill>
-                <a:highlight>
-                  <a:srgbClr val="FFFFFF"/>
-                </a:highlight>
-                <a:latin typeface="Courier"/>
-              </a:rPr>
-              <a:t>5px</a:t>
-            </a:r>
-            <a:r>
-              <a:rPr lang="en-US" b="1" dirty="0">
-                <a:solidFill>
-                  <a:srgbClr val="DA29FF"/>
-                </a:solidFill>
-                <a:highlight>
-                  <a:srgbClr val="FFFFFF"/>
-                </a:highlight>
-                <a:latin typeface="Courier"/>
-              </a:rPr>
-              <a:t> </a:t>
-            </a:r>
-            <a:r>
-              <a:rPr lang="en-US" b="1" dirty="0">
-                <a:solidFill>
-                  <a:srgbClr val="0035FF"/>
-                </a:solidFill>
-                <a:highlight>
-                  <a:srgbClr val="FFFFFF"/>
-                </a:highlight>
-                <a:latin typeface="Courier"/>
-              </a:rPr>
-              <a:t>solid</a:t>
-            </a:r>
-            <a:r>
-              <a:rPr lang="en-US" b="1" dirty="0">
-                <a:solidFill>
-                  <a:srgbClr val="DA29FF"/>
-                </a:solidFill>
-                <a:highlight>
-                  <a:srgbClr val="FFFFFF"/>
-                </a:highlight>
-                <a:latin typeface="Courier"/>
-              </a:rPr>
-              <a:t> </a:t>
-            </a:r>
-            <a:r>
-              <a:rPr lang="en-US" b="1" dirty="0">
-                <a:solidFill>
-                  <a:srgbClr val="0035FF"/>
-                </a:solidFill>
-                <a:highlight>
-                  <a:srgbClr val="FFFFFF"/>
-                </a:highlight>
-                <a:latin typeface="Courier"/>
-              </a:rPr>
-              <a:t>blue</a:t>
-            </a:r>
-            <a:r>
-              <a:rPr lang="en-US" b="1" dirty="0">
-                <a:solidFill>
-                  <a:srgbClr val="DA29FF"/>
-                </a:solidFill>
-                <a:highlight>
-                  <a:srgbClr val="FFFFFF"/>
-                </a:highlight>
-                <a:latin typeface="Courier"/>
-              </a:rPr>
-              <a:t>;</a:t>
-            </a:r>
-          </a:p>
-          <a:p>
-            <a:r>
-              <a:rPr lang="en-US" dirty="0">
-                <a:solidFill>
-                  <a:srgbClr val="DA29FF"/>
-                </a:solidFill>
-                <a:highlight>
-                  <a:srgbClr val="FFFFFF"/>
-                </a:highlight>
-                <a:latin typeface="Courier"/>
-              </a:rPr>
-              <a:t>}</a:t>
-            </a:r>
-          </a:p>
-          <a:p>
-            <a:endParaRPr lang="en-US" dirty="0">
-              <a:latin typeface="Courier"/>
-            </a:endParaRPr>
-          </a:p>
-          <a:p>
-            <a:r>
-              <a:rPr lang="en-US" sz="1200" dirty="0">
-                <a:solidFill>
-                  <a:srgbClr val="9A9A9A"/>
-                </a:solidFill>
-                <a:highlight>
-                  <a:srgbClr val="FFFFFF"/>
-                </a:highlight>
-                <a:latin typeface="Courier"/>
-              </a:rPr>
-              <a:t>/*</a:t>
-            </a:r>
-            <a:r>
-              <a:rPr lang="en-US" sz="1200" dirty="0" err="1">
-                <a:solidFill>
-                  <a:srgbClr val="9A9A9A"/>
-                </a:solidFill>
-                <a:highlight>
-                  <a:srgbClr val="FFFFFF"/>
-                </a:highlight>
-                <a:latin typeface="Courier"/>
-              </a:rPr>
-              <a:t>Velger</a:t>
-            </a:r>
-            <a:r>
-              <a:rPr lang="en-US" sz="1200" dirty="0">
-                <a:solidFill>
-                  <a:srgbClr val="9A9A9A"/>
-                </a:solidFill>
-                <a:highlight>
-                  <a:srgbClr val="FFFFFF"/>
-                </a:highlight>
-                <a:latin typeface="Courier"/>
-              </a:rPr>
-              <a:t> </a:t>
-            </a:r>
-            <a:r>
-              <a:rPr lang="en-US" sz="1200" dirty="0" err="1">
-                <a:solidFill>
-                  <a:srgbClr val="9A9A9A"/>
-                </a:solidFill>
-                <a:highlight>
-                  <a:srgbClr val="FFFFFF"/>
-                </a:highlight>
-                <a:latin typeface="Courier"/>
-              </a:rPr>
-              <a:t>alle</a:t>
-            </a:r>
-            <a:r>
-              <a:rPr lang="en-US" sz="1200" dirty="0">
-                <a:solidFill>
-                  <a:srgbClr val="9A9A9A"/>
-                </a:solidFill>
-                <a:highlight>
-                  <a:srgbClr val="FFFFFF"/>
-                </a:highlight>
-                <a:latin typeface="Courier"/>
-              </a:rPr>
-              <a:t> </a:t>
-            </a:r>
-            <a:r>
-              <a:rPr lang="en-US" sz="1200" dirty="0" err="1">
-                <a:solidFill>
-                  <a:srgbClr val="9A9A9A"/>
-                </a:solidFill>
-                <a:highlight>
-                  <a:srgbClr val="FFFFFF"/>
-                </a:highlight>
-                <a:latin typeface="Courier"/>
-              </a:rPr>
-              <a:t>img-elementer</a:t>
-            </a:r>
-            <a:r>
-              <a:rPr lang="en-US" sz="1200" dirty="0">
-                <a:solidFill>
-                  <a:srgbClr val="9A9A9A"/>
-                </a:solidFill>
-                <a:highlight>
-                  <a:srgbClr val="FFFFFF"/>
-                </a:highlight>
-                <a:latin typeface="Courier"/>
-              </a:rPr>
-              <a:t> </a:t>
-            </a:r>
-            <a:r>
-              <a:rPr lang="en-US" sz="1200" dirty="0" err="1">
-                <a:solidFill>
-                  <a:srgbClr val="9A9A9A"/>
-                </a:solidFill>
-                <a:highlight>
-                  <a:srgbClr val="FFFFFF"/>
-                </a:highlight>
-                <a:latin typeface="Courier"/>
-              </a:rPr>
-              <a:t>på</a:t>
-            </a:r>
-            <a:r>
-              <a:rPr lang="en-US" sz="1200" dirty="0">
-                <a:solidFill>
-                  <a:srgbClr val="9A9A9A"/>
-                </a:solidFill>
-                <a:highlight>
-                  <a:srgbClr val="FFFFFF"/>
-                </a:highlight>
-                <a:latin typeface="Courier"/>
-              </a:rPr>
-              <a:t> </a:t>
-            </a:r>
-            <a:r>
-              <a:rPr lang="en-US" sz="1200" dirty="0" err="1">
-                <a:solidFill>
-                  <a:srgbClr val="9A9A9A"/>
-                </a:solidFill>
-                <a:highlight>
-                  <a:srgbClr val="FFFFFF"/>
-                </a:highlight>
-                <a:latin typeface="Courier"/>
-              </a:rPr>
-              <a:t>siden</a:t>
-            </a:r>
-            <a:r>
-              <a:rPr lang="en-US" sz="1200" dirty="0">
-                <a:solidFill>
-                  <a:srgbClr val="9A9A9A"/>
-                </a:solidFill>
-                <a:highlight>
-                  <a:srgbClr val="FFFFFF"/>
-                </a:highlight>
-                <a:latin typeface="Courier"/>
-              </a:rPr>
-              <a:t> </a:t>
-            </a:r>
-            <a:r>
-              <a:rPr lang="en-US" sz="1200" dirty="0" err="1">
-                <a:solidFill>
-                  <a:srgbClr val="9A9A9A"/>
-                </a:solidFill>
-                <a:highlight>
-                  <a:srgbClr val="FFFFFF"/>
-                </a:highlight>
-                <a:latin typeface="Courier"/>
-              </a:rPr>
-              <a:t>hvis</a:t>
-            </a:r>
-            <a:r>
-              <a:rPr lang="en-US" sz="1200" dirty="0">
-                <a:solidFill>
-                  <a:srgbClr val="9A9A9A"/>
-                </a:solidFill>
-                <a:highlight>
-                  <a:srgbClr val="FFFFFF"/>
-                </a:highlight>
-                <a:latin typeface="Courier"/>
-              </a:rPr>
-              <a:t> </a:t>
-            </a:r>
-            <a:r>
-              <a:rPr lang="en-US" sz="1200" dirty="0" err="1">
-                <a:solidFill>
-                  <a:srgbClr val="9A9A9A"/>
-                </a:solidFill>
-                <a:highlight>
-                  <a:srgbClr val="FFFFFF"/>
-                </a:highlight>
-                <a:latin typeface="Courier"/>
-              </a:rPr>
-              <a:t>src-atributt</a:t>
-            </a:r>
-            <a:r>
-              <a:rPr lang="en-US" sz="1200" dirty="0">
-                <a:solidFill>
-                  <a:srgbClr val="9A9A9A"/>
-                </a:solidFill>
-                <a:highlight>
-                  <a:srgbClr val="FFFFFF"/>
-                </a:highlight>
-                <a:latin typeface="Courier"/>
-              </a:rPr>
-              <a:t> </a:t>
-            </a:r>
-            <a:r>
-              <a:rPr lang="en-US" sz="1200" dirty="0" err="1">
-                <a:solidFill>
-                  <a:srgbClr val="9A9A9A"/>
-                </a:solidFill>
-                <a:highlight>
-                  <a:srgbClr val="FFFFFF"/>
-                </a:highlight>
-                <a:latin typeface="Courier"/>
-              </a:rPr>
-              <a:t>slutter</a:t>
-            </a:r>
-            <a:r>
-              <a:rPr lang="en-US" sz="1200" dirty="0">
-                <a:solidFill>
-                  <a:srgbClr val="9A9A9A"/>
-                </a:solidFill>
-                <a:highlight>
-                  <a:srgbClr val="FFFFFF"/>
-                </a:highlight>
-                <a:latin typeface="Courier"/>
-              </a:rPr>
-              <a:t> </a:t>
-            </a:r>
-            <a:r>
-              <a:rPr lang="en-US" sz="1200" dirty="0" err="1">
-                <a:solidFill>
-                  <a:srgbClr val="9A9A9A"/>
-                </a:solidFill>
-                <a:highlight>
-                  <a:srgbClr val="FFFFFF"/>
-                </a:highlight>
-                <a:latin typeface="Courier"/>
-              </a:rPr>
-              <a:t>på</a:t>
-            </a:r>
-            <a:r>
-              <a:rPr lang="en-US" sz="1200" dirty="0">
-                <a:solidFill>
-                  <a:srgbClr val="9A9A9A"/>
-                </a:solidFill>
-                <a:highlight>
-                  <a:srgbClr val="FFFFFF"/>
-                </a:highlight>
-                <a:latin typeface="Courier"/>
-              </a:rPr>
-              <a:t> .jpg*/</a:t>
-            </a:r>
-          </a:p>
-          <a:p>
-            <a:r>
-              <a:rPr lang="da-DK" dirty="0" err="1">
-                <a:solidFill>
-                  <a:srgbClr val="DA29FF"/>
-                </a:solidFill>
-                <a:highlight>
-                  <a:srgbClr val="FFFFFF"/>
-                </a:highlight>
-                <a:latin typeface="Courier"/>
-              </a:rPr>
-              <a:t>img</a:t>
-            </a:r>
-            <a:r>
-              <a:rPr lang="da-DK" dirty="0">
-                <a:solidFill>
-                  <a:srgbClr val="DA29FF"/>
-                </a:solidFill>
-                <a:highlight>
-                  <a:srgbClr val="FFFFFF"/>
-                </a:highlight>
-                <a:latin typeface="Courier"/>
-              </a:rPr>
-              <a:t>[</a:t>
-            </a:r>
-            <a:r>
-              <a:rPr lang="da-DK" dirty="0" err="1">
-                <a:solidFill>
-                  <a:srgbClr val="05208C"/>
-                </a:solidFill>
-                <a:highlight>
-                  <a:srgbClr val="FFFFFF"/>
-                </a:highlight>
-                <a:latin typeface="Courier"/>
-              </a:rPr>
-              <a:t>src</a:t>
-            </a:r>
-            <a:r>
-              <a:rPr lang="da-DK" dirty="0">
-                <a:solidFill>
-                  <a:srgbClr val="DA29FF"/>
-                </a:solidFill>
-                <a:highlight>
-                  <a:srgbClr val="FFFFFF"/>
-                </a:highlight>
-                <a:latin typeface="Courier"/>
-              </a:rPr>
-              <a:t>$=</a:t>
-            </a:r>
-            <a:r>
-              <a:rPr lang="da-DK" dirty="0">
-                <a:solidFill>
-                  <a:srgbClr val="106800"/>
-                </a:solidFill>
-                <a:highlight>
-                  <a:srgbClr val="FFFFFF"/>
-                </a:highlight>
-                <a:latin typeface="Courier"/>
-              </a:rPr>
-              <a:t>".jpg"</a:t>
-            </a:r>
-            <a:r>
-              <a:rPr lang="da-DK" dirty="0">
-                <a:solidFill>
-                  <a:srgbClr val="DA29FF"/>
-                </a:solidFill>
-                <a:highlight>
-                  <a:srgbClr val="FFFFFF"/>
-                </a:highlight>
-                <a:latin typeface="Courier"/>
-              </a:rPr>
-              <a:t>]{</a:t>
-            </a:r>
-          </a:p>
-          <a:p>
-            <a:r>
-              <a:rPr lang="en-US" dirty="0">
-                <a:solidFill>
-                  <a:srgbClr val="DA29FF"/>
-                </a:solidFill>
-                <a:highlight>
-                  <a:srgbClr val="FFFFFF"/>
-                </a:highlight>
-                <a:latin typeface="Courier"/>
-              </a:rPr>
-              <a:t>    </a:t>
-            </a:r>
-            <a:r>
-              <a:rPr lang="en-US" dirty="0">
-                <a:solidFill>
-                  <a:srgbClr val="05208C"/>
-                </a:solidFill>
-                <a:highlight>
-                  <a:srgbClr val="FFFFFF"/>
-                </a:highlight>
-                <a:latin typeface="Courier"/>
-              </a:rPr>
-              <a:t>width</a:t>
-            </a:r>
-            <a:r>
-              <a:rPr lang="en-US" b="1" dirty="0">
-                <a:solidFill>
-                  <a:srgbClr val="DA29FF"/>
-                </a:solidFill>
-                <a:highlight>
-                  <a:srgbClr val="FFFFFF"/>
-                </a:highlight>
-                <a:latin typeface="Courier"/>
-              </a:rPr>
-              <a:t>: </a:t>
-            </a:r>
-            <a:r>
-              <a:rPr lang="en-US" b="1" dirty="0">
-                <a:solidFill>
-                  <a:srgbClr val="0035FF"/>
-                </a:solidFill>
-                <a:highlight>
-                  <a:srgbClr val="FFFFFF"/>
-                </a:highlight>
-                <a:latin typeface="Courier"/>
-              </a:rPr>
-              <a:t>10em</a:t>
-            </a:r>
-            <a:r>
-              <a:rPr lang="en-US" b="1" dirty="0">
-                <a:solidFill>
-                  <a:srgbClr val="DA29FF"/>
-                </a:solidFill>
-                <a:highlight>
-                  <a:srgbClr val="FFFFFF"/>
-                </a:highlight>
-                <a:latin typeface="Courier"/>
-              </a:rPr>
-              <a:t>;</a:t>
-            </a:r>
-          </a:p>
-          <a:p>
-            <a:r>
-              <a:rPr lang="en-US" dirty="0">
-                <a:solidFill>
-                  <a:srgbClr val="DA29FF"/>
-                </a:solidFill>
-                <a:highlight>
-                  <a:srgbClr val="FFFFFF"/>
-                </a:highlight>
-                <a:latin typeface="Courier"/>
-              </a:rPr>
-              <a:t>}</a:t>
-            </a:r>
+          </a:p>
+          <a:p>
+            <a:r>
+              <a:rPr lang="en-US" dirty="0" smtClean="0"/>
+              <a:t>header</a:t>
+            </a:r>
+          </a:p>
+          <a:p>
+            <a:r>
+              <a:rPr lang="en-US" dirty="0" smtClean="0"/>
+              <a:t>aside</a:t>
+            </a:r>
+          </a:p>
+          <a:p>
             <a:endParaRPr lang="en-US" dirty="0"/>
           </a:p>
         </p:txBody>
@@ -7192,7 +6100,7 @@
     </p:spTree>
     <p:extLst>
       <p:ext uri="{BB962C8B-B14F-4D97-AF65-F5344CB8AC3E}">
-        <p14:creationId xmlns:p14="http://schemas.microsoft.com/office/powerpoint/2010/main" val="464826539"/>
+        <p14:creationId xmlns:p14="http://schemas.microsoft.com/office/powerpoint/2010/main" val="2327314117"/>
       </p:ext>
     </p:extLst>
   </p:cSld>
@@ -7235,8 +6143,8 @@
           <a:lstStyle/>
           <a:p>
             <a:r>
-              <a:rPr lang="en-US" dirty="0" err="1" smtClean="0"/>
-              <a:t>Struktur</a:t>
+              <a:rPr lang="en-US" dirty="0" smtClean="0"/>
+              <a:t>CSS3 selectors</a:t>
             </a:r>
             <a:endParaRPr lang="en-US" dirty="0"/>
           </a:p>
@@ -7244,237 +6152,1277 @@
       </p:sp>
       <p:sp>
         <p:nvSpPr>
-          <p:cNvPr id="3" name="Content Placeholder 2"/>
-          <p:cNvSpPr>
-            <a:spLocks noGrp="1"/>
-          </p:cNvSpPr>
-          <p:nvPr>
-            <p:ph idx="1"/>
-          </p:nvPr>
+          <p:cNvPr id="4" name="Rectangle 3"/>
+          <p:cNvSpPr/>
+          <p:nvPr/>
         </p:nvSpPr>
-        <p:spPr/>
+        <p:spPr>
+          <a:xfrm>
+            <a:off x="457200" y="1063229"/>
+            <a:ext cx="8314925" cy="3877985"/>
+          </a:xfrm>
+          <a:prstGeom prst="rect">
+            <a:avLst/>
+          </a:prstGeom>
+        </p:spPr>
         <p:txBody>
-          <a:bodyPr>
-            <a:normAutofit lnSpcReduction="10000"/>
+          <a:bodyPr wrap="square">
+            <a:spAutoFit/>
           </a:bodyPr>
           <a:lstStyle/>
           <a:p>
             <a:r>
-              <a:rPr lang="en-US" dirty="0" smtClean="0"/>
-              <a:t>Legg CSS </a:t>
-            </a:r>
-            <a:r>
-              <a:rPr lang="en-US" dirty="0" err="1" smtClean="0"/>
-              <a:t>i</a:t>
-            </a:r>
-            <a:r>
-              <a:rPr lang="en-US" dirty="0" smtClean="0"/>
+              <a:rPr lang="en-US" sz="1200" dirty="0">
+                <a:solidFill>
+                  <a:srgbClr val="9A9A9A"/>
+                </a:solidFill>
+                <a:highlight>
+                  <a:srgbClr val="FFFFFF"/>
+                </a:highlight>
+                <a:latin typeface="Courier"/>
+              </a:rPr>
+              <a:t>/*</a:t>
+            </a:r>
+            <a:r>
+              <a:rPr lang="en-US" sz="1200" dirty="0" err="1">
+                <a:solidFill>
+                  <a:srgbClr val="9A9A9A"/>
+                </a:solidFill>
+                <a:highlight>
+                  <a:srgbClr val="FFFFFF"/>
+                </a:highlight>
+                <a:latin typeface="Courier"/>
+              </a:rPr>
+              <a:t>Velger</a:t>
+            </a:r>
+            <a:r>
+              <a:rPr lang="en-US" sz="1200" dirty="0">
+                <a:solidFill>
+                  <a:srgbClr val="9A9A9A"/>
+                </a:solidFill>
+                <a:highlight>
+                  <a:srgbClr val="FFFFFF"/>
+                </a:highlight>
+                <a:latin typeface="Courier"/>
+              </a:rPr>
               <a:t> </a:t>
             </a:r>
             <a:r>
-              <a:rPr lang="en-US" dirty="0" err="1" smtClean="0"/>
-              <a:t>egen</a:t>
-            </a:r>
-            <a:r>
-              <a:rPr lang="en-US" dirty="0" smtClean="0"/>
+              <a:rPr lang="en-US" sz="1200" dirty="0" err="1">
+                <a:solidFill>
+                  <a:srgbClr val="9A9A9A"/>
+                </a:solidFill>
+                <a:highlight>
+                  <a:srgbClr val="FFFFFF"/>
+                </a:highlight>
+                <a:latin typeface="Courier"/>
+              </a:rPr>
+              <a:t>alle</a:t>
+            </a:r>
+            <a:r>
+              <a:rPr lang="en-US" sz="1200" dirty="0">
+                <a:solidFill>
+                  <a:srgbClr val="9A9A9A"/>
+                </a:solidFill>
+                <a:highlight>
+                  <a:srgbClr val="FFFFFF"/>
+                </a:highlight>
+                <a:latin typeface="Courier"/>
+              </a:rPr>
               <a:t> </a:t>
             </a:r>
             <a:r>
-              <a:rPr lang="en-US" dirty="0" err="1" smtClean="0"/>
-              <a:t>fil</a:t>
-            </a:r>
-            <a:endParaRPr lang="en-US" dirty="0" smtClean="0"/>
-          </a:p>
-          <a:p>
-            <a:r>
-              <a:rPr lang="en-US" dirty="0" smtClean="0"/>
-              <a:t>God </a:t>
-            </a:r>
-            <a:r>
-              <a:rPr lang="en-US" dirty="0" err="1" smtClean="0"/>
-              <a:t>praksis</a:t>
-            </a:r>
-            <a:r>
-              <a:rPr lang="en-US" dirty="0" smtClean="0"/>
+              <a:rPr lang="en-US" sz="1200" dirty="0" err="1">
+                <a:solidFill>
+                  <a:srgbClr val="9A9A9A"/>
+                </a:solidFill>
+                <a:highlight>
+                  <a:srgbClr val="FFFFFF"/>
+                </a:highlight>
+                <a:latin typeface="Courier"/>
+              </a:rPr>
+              <a:t>img-elementer</a:t>
+            </a:r>
+            <a:r>
+              <a:rPr lang="en-US" sz="1200" dirty="0">
+                <a:solidFill>
+                  <a:srgbClr val="9A9A9A"/>
+                </a:solidFill>
+                <a:highlight>
+                  <a:srgbClr val="FFFFFF"/>
+                </a:highlight>
+                <a:latin typeface="Courier"/>
+              </a:rPr>
               <a:t> </a:t>
             </a:r>
             <a:r>
-              <a:rPr lang="en-US" dirty="0" err="1" smtClean="0"/>
-              <a:t>å</a:t>
-            </a:r>
-            <a:r>
-              <a:rPr lang="en-US" dirty="0" smtClean="0"/>
+              <a:rPr lang="en-US" sz="1200" dirty="0" err="1">
+                <a:solidFill>
+                  <a:srgbClr val="9A9A9A"/>
+                </a:solidFill>
+                <a:highlight>
+                  <a:srgbClr val="FFFFFF"/>
+                </a:highlight>
+                <a:latin typeface="Courier"/>
+              </a:rPr>
+              <a:t>på</a:t>
+            </a:r>
+            <a:r>
+              <a:rPr lang="en-US" sz="1200" dirty="0">
+                <a:solidFill>
+                  <a:srgbClr val="9A9A9A"/>
+                </a:solidFill>
+                <a:highlight>
+                  <a:srgbClr val="FFFFFF"/>
+                </a:highlight>
+                <a:latin typeface="Courier"/>
+              </a:rPr>
               <a:t> </a:t>
             </a:r>
             <a:r>
-              <a:rPr lang="en-US" dirty="0" err="1" smtClean="0"/>
-              <a:t>lage</a:t>
-            </a:r>
-            <a:r>
-              <a:rPr lang="en-US" dirty="0" smtClean="0"/>
+              <a:rPr lang="en-US" sz="1200" dirty="0" err="1">
+                <a:solidFill>
+                  <a:srgbClr val="9A9A9A"/>
+                </a:solidFill>
+                <a:highlight>
+                  <a:srgbClr val="FFFFFF"/>
+                </a:highlight>
+                <a:latin typeface="Courier"/>
+              </a:rPr>
+              <a:t>siden</a:t>
+            </a:r>
+            <a:r>
+              <a:rPr lang="en-US" sz="1200" dirty="0">
+                <a:solidFill>
+                  <a:srgbClr val="9A9A9A"/>
+                </a:solidFill>
+                <a:highlight>
+                  <a:srgbClr val="FFFFFF"/>
+                </a:highlight>
+                <a:latin typeface="Courier"/>
+              </a:rPr>
               <a:t> </a:t>
             </a:r>
             <a:r>
-              <a:rPr lang="en-US" dirty="0" err="1" smtClean="0"/>
-              <a:t>innholdsfortegnelse</a:t>
-            </a:r>
-            <a:r>
-              <a:rPr lang="en-US" dirty="0" smtClean="0"/>
-              <a:t>, </a:t>
-            </a:r>
-            <a:r>
-              <a:rPr lang="en-US" dirty="0" err="1" smtClean="0"/>
-              <a:t>og</a:t>
-            </a:r>
-            <a:r>
-              <a:rPr lang="en-US" dirty="0" smtClean="0"/>
-              <a:t> dele </a:t>
-            </a:r>
-            <a:r>
-              <a:rPr lang="en-US" dirty="0" err="1" smtClean="0"/>
-              <a:t>opp</a:t>
-            </a:r>
-            <a:r>
-              <a:rPr lang="en-US" dirty="0" smtClean="0"/>
+              <a:rPr lang="en-US" sz="1200" dirty="0" err="1">
+                <a:solidFill>
+                  <a:srgbClr val="9A9A9A"/>
+                </a:solidFill>
+                <a:highlight>
+                  <a:srgbClr val="FFFFFF"/>
+                </a:highlight>
+                <a:latin typeface="Courier"/>
+              </a:rPr>
+              <a:t>hvis</a:t>
+            </a:r>
+            <a:r>
+              <a:rPr lang="en-US" sz="1200" dirty="0">
+                <a:solidFill>
+                  <a:srgbClr val="9A9A9A"/>
+                </a:solidFill>
+                <a:highlight>
+                  <a:srgbClr val="FFFFFF"/>
+                </a:highlight>
+                <a:latin typeface="Courier"/>
+              </a:rPr>
               <a:t> </a:t>
             </a:r>
             <a:r>
-              <a:rPr lang="en-US" dirty="0" err="1" smtClean="0"/>
-              <a:t>i</a:t>
-            </a:r>
-            <a:r>
-              <a:rPr lang="en-US" dirty="0" smtClean="0"/>
+              <a:rPr lang="en-US" sz="1200" dirty="0" err="1">
+                <a:solidFill>
+                  <a:srgbClr val="9A9A9A"/>
+                </a:solidFill>
+                <a:highlight>
+                  <a:srgbClr val="FFFFFF"/>
+                </a:highlight>
+                <a:latin typeface="Courier"/>
+              </a:rPr>
+              <a:t>src-atributt</a:t>
+            </a:r>
+            <a:r>
+              <a:rPr lang="en-US" sz="1200" dirty="0">
+                <a:solidFill>
+                  <a:srgbClr val="9A9A9A"/>
+                </a:solidFill>
+                <a:highlight>
+                  <a:srgbClr val="FFFFFF"/>
+                </a:highlight>
+                <a:latin typeface="Courier"/>
+              </a:rPr>
+              <a:t> starter med "images"*/</a:t>
+            </a:r>
+          </a:p>
+          <a:p>
+            <a:r>
+              <a:rPr lang="en-US" dirty="0" err="1">
+                <a:solidFill>
+                  <a:srgbClr val="DA29FF"/>
+                </a:solidFill>
+                <a:highlight>
+                  <a:srgbClr val="FFFFFF"/>
+                </a:highlight>
+                <a:latin typeface="Courier"/>
+              </a:rPr>
+              <a:t>img</a:t>
+            </a:r>
+            <a:r>
+              <a:rPr lang="en-US" dirty="0">
+                <a:solidFill>
+                  <a:srgbClr val="DA29FF"/>
+                </a:solidFill>
+                <a:highlight>
+                  <a:srgbClr val="FFFFFF"/>
+                </a:highlight>
+                <a:latin typeface="Courier"/>
+              </a:rPr>
+              <a:t>[</a:t>
+            </a:r>
+            <a:r>
+              <a:rPr lang="en-US" dirty="0" err="1">
+                <a:solidFill>
+                  <a:srgbClr val="05208C"/>
+                </a:solidFill>
+                <a:highlight>
+                  <a:srgbClr val="FFFFFF"/>
+                </a:highlight>
+                <a:latin typeface="Courier"/>
+              </a:rPr>
+              <a:t>src</a:t>
+            </a:r>
+            <a:r>
+              <a:rPr lang="en-US" dirty="0">
+                <a:solidFill>
+                  <a:srgbClr val="DA29FF"/>
+                </a:solidFill>
+                <a:highlight>
+                  <a:srgbClr val="FFFFFF"/>
+                </a:highlight>
+                <a:latin typeface="Courier"/>
+              </a:rPr>
+              <a:t>^=</a:t>
+            </a:r>
+            <a:r>
+              <a:rPr lang="en-US" dirty="0">
+                <a:solidFill>
+                  <a:srgbClr val="106800"/>
+                </a:solidFill>
+                <a:highlight>
+                  <a:srgbClr val="FFFFFF"/>
+                </a:highlight>
+                <a:latin typeface="Courier"/>
+              </a:rPr>
+              <a:t>"images"</a:t>
+            </a:r>
+            <a:r>
+              <a:rPr lang="en-US" dirty="0">
+                <a:solidFill>
+                  <a:srgbClr val="DA29FF"/>
+                </a:solidFill>
+                <a:highlight>
+                  <a:srgbClr val="FFFFFF"/>
+                </a:highlight>
+                <a:latin typeface="Courier"/>
+              </a:rPr>
+              <a:t>]{</a:t>
+            </a:r>
+          </a:p>
+          <a:p>
+            <a:r>
+              <a:rPr lang="en-US" dirty="0">
+                <a:solidFill>
+                  <a:srgbClr val="DA29FF"/>
+                </a:solidFill>
+                <a:highlight>
+                  <a:srgbClr val="FFFFFF"/>
+                </a:highlight>
+                <a:latin typeface="Courier"/>
+              </a:rPr>
+              <a:t>	</a:t>
+            </a:r>
+            <a:r>
+              <a:rPr lang="en-US" dirty="0">
+                <a:solidFill>
+                  <a:srgbClr val="05208C"/>
+                </a:solidFill>
+                <a:highlight>
+                  <a:srgbClr val="FFFFFF"/>
+                </a:highlight>
+                <a:latin typeface="Courier"/>
+              </a:rPr>
+              <a:t>border</a:t>
+            </a:r>
+            <a:r>
+              <a:rPr lang="en-US" b="1" dirty="0">
+                <a:solidFill>
+                  <a:srgbClr val="DA29FF"/>
+                </a:solidFill>
+                <a:highlight>
+                  <a:srgbClr val="FFFFFF"/>
+                </a:highlight>
+                <a:latin typeface="Courier"/>
+              </a:rPr>
+              <a:t>: </a:t>
+            </a:r>
+            <a:r>
+              <a:rPr lang="en-US" b="1" dirty="0">
+                <a:solidFill>
+                  <a:srgbClr val="0035FF"/>
+                </a:solidFill>
+                <a:highlight>
+                  <a:srgbClr val="FFFFFF"/>
+                </a:highlight>
+                <a:latin typeface="Courier"/>
+              </a:rPr>
+              <a:t>5px</a:t>
+            </a:r>
+            <a:r>
+              <a:rPr lang="en-US" b="1" dirty="0">
+                <a:solidFill>
+                  <a:srgbClr val="DA29FF"/>
+                </a:solidFill>
+                <a:highlight>
+                  <a:srgbClr val="FFFFFF"/>
+                </a:highlight>
+                <a:latin typeface="Courier"/>
+              </a:rPr>
               <a:t> </a:t>
             </a:r>
             <a:r>
-              <a:rPr lang="en-US" dirty="0" err="1" smtClean="0"/>
-              <a:t>seksjoner</a:t>
-            </a:r>
-            <a:endParaRPr lang="en-US" dirty="0" smtClean="0"/>
-          </a:p>
-          <a:p>
-            <a:r>
-              <a:rPr lang="en-US" dirty="0" smtClean="0"/>
-              <a:t>Start med reset-</a:t>
-            </a:r>
-            <a:r>
-              <a:rPr lang="en-US" dirty="0" err="1" smtClean="0"/>
-              <a:t>css</a:t>
-            </a:r>
-            <a:r>
-              <a:rPr lang="en-US" dirty="0" smtClean="0"/>
-              <a:t> (</a:t>
-            </a:r>
-            <a:r>
-              <a:rPr lang="en-US" dirty="0" err="1" smtClean="0"/>
-              <a:t>finn</a:t>
-            </a:r>
-            <a:r>
-              <a:rPr lang="en-US" dirty="0" smtClean="0"/>
+              <a:rPr lang="en-US" b="1" dirty="0">
+                <a:solidFill>
+                  <a:srgbClr val="0035FF"/>
+                </a:solidFill>
+                <a:highlight>
+                  <a:srgbClr val="FFFFFF"/>
+                </a:highlight>
+                <a:latin typeface="Courier"/>
+              </a:rPr>
+              <a:t>solid</a:t>
+            </a:r>
+            <a:r>
+              <a:rPr lang="en-US" b="1" dirty="0">
+                <a:solidFill>
+                  <a:srgbClr val="DA29FF"/>
+                </a:solidFill>
+                <a:highlight>
+                  <a:srgbClr val="FFFFFF"/>
+                </a:highlight>
+                <a:latin typeface="Courier"/>
+              </a:rPr>
               <a:t> </a:t>
             </a:r>
             <a:r>
-              <a:rPr lang="en-US" dirty="0" err="1" smtClean="0"/>
-              <a:t>noe</a:t>
-            </a:r>
-            <a:r>
-              <a:rPr lang="en-US" dirty="0" smtClean="0"/>
+              <a:rPr lang="en-US" b="1" dirty="0">
+                <a:solidFill>
+                  <a:srgbClr val="0035FF"/>
+                </a:solidFill>
+                <a:highlight>
+                  <a:srgbClr val="FFFFFF"/>
+                </a:highlight>
+                <a:latin typeface="Courier"/>
+              </a:rPr>
+              <a:t>orange</a:t>
+            </a:r>
+            <a:r>
+              <a:rPr lang="en-US" b="1" dirty="0">
+                <a:solidFill>
+                  <a:srgbClr val="DA29FF"/>
+                </a:solidFill>
+                <a:highlight>
+                  <a:srgbClr val="FFFFFF"/>
+                </a:highlight>
+                <a:latin typeface="Courier"/>
+              </a:rPr>
+              <a:t>;</a:t>
+            </a:r>
+          </a:p>
+          <a:p>
+            <a:r>
+              <a:rPr lang="en-US" dirty="0">
+                <a:solidFill>
+                  <a:srgbClr val="DA29FF"/>
+                </a:solidFill>
+                <a:highlight>
+                  <a:srgbClr val="FFFFFF"/>
+                </a:highlight>
+                <a:latin typeface="Courier"/>
+              </a:rPr>
+              <a:t>}</a:t>
+            </a:r>
+          </a:p>
+          <a:p>
+            <a:endParaRPr lang="en-US" dirty="0">
+              <a:latin typeface="Courier"/>
+            </a:endParaRPr>
+          </a:p>
+          <a:p>
+            <a:r>
+              <a:rPr lang="en-US" sz="1200" dirty="0">
+                <a:solidFill>
+                  <a:srgbClr val="9A9A9A"/>
+                </a:solidFill>
+                <a:highlight>
+                  <a:srgbClr val="FFFFFF"/>
+                </a:highlight>
+                <a:latin typeface="Courier"/>
+              </a:rPr>
+              <a:t>/*</a:t>
+            </a:r>
+            <a:r>
+              <a:rPr lang="en-US" sz="1200" dirty="0" err="1">
+                <a:solidFill>
+                  <a:srgbClr val="9A9A9A"/>
+                </a:solidFill>
+                <a:highlight>
+                  <a:srgbClr val="FFFFFF"/>
+                </a:highlight>
+                <a:latin typeface="Courier"/>
+              </a:rPr>
+              <a:t>Velger</a:t>
+            </a:r>
+            <a:r>
+              <a:rPr lang="en-US" sz="1200" dirty="0">
+                <a:solidFill>
+                  <a:srgbClr val="9A9A9A"/>
+                </a:solidFill>
+                <a:highlight>
+                  <a:srgbClr val="FFFFFF"/>
+                </a:highlight>
+                <a:latin typeface="Courier"/>
+              </a:rPr>
               <a:t> </a:t>
             </a:r>
             <a:r>
-              <a:rPr lang="en-US" dirty="0" err="1" smtClean="0"/>
-              <a:t>ferdig</a:t>
-            </a:r>
-            <a:r>
-              <a:rPr lang="en-US" dirty="0" smtClean="0"/>
-              <a:t>, -husk </a:t>
-            </a:r>
-            <a:r>
-              <a:rPr lang="en-US" dirty="0" err="1" smtClean="0"/>
-              <a:t>akreditering</a:t>
-            </a:r>
-            <a:r>
-              <a:rPr lang="en-US" dirty="0" smtClean="0"/>
-              <a:t>)</a:t>
-            </a:r>
-          </a:p>
-          <a:p>
-            <a:r>
-              <a:rPr lang="en-US" dirty="0"/>
-              <a:t>S</a:t>
-            </a:r>
-            <a:r>
-              <a:rPr lang="en-US" dirty="0" smtClean="0"/>
-              <a:t>ett </a:t>
-            </a:r>
-            <a:r>
-              <a:rPr lang="en-US" dirty="0" err="1" smtClean="0"/>
-              <a:t>globale</a:t>
-            </a:r>
-            <a:r>
-              <a:rPr lang="en-US" dirty="0" smtClean="0"/>
+              <a:rPr lang="en-US" sz="1200" dirty="0" err="1">
+                <a:solidFill>
+                  <a:srgbClr val="9A9A9A"/>
+                </a:solidFill>
+                <a:highlight>
+                  <a:srgbClr val="FFFFFF"/>
+                </a:highlight>
+                <a:latin typeface="Courier"/>
+              </a:rPr>
+              <a:t>alle</a:t>
+            </a:r>
+            <a:r>
+              <a:rPr lang="en-US" sz="1200" dirty="0">
+                <a:solidFill>
+                  <a:srgbClr val="9A9A9A"/>
+                </a:solidFill>
+                <a:highlight>
+                  <a:srgbClr val="FFFFFF"/>
+                </a:highlight>
+                <a:latin typeface="Courier"/>
+              </a:rPr>
               <a:t> </a:t>
             </a:r>
             <a:r>
-              <a:rPr lang="en-US" dirty="0" err="1" smtClean="0"/>
-              <a:t>verdier</a:t>
-            </a:r>
-            <a:r>
-              <a:rPr lang="en-US" dirty="0" smtClean="0"/>
-              <a:t> for </a:t>
-            </a:r>
-            <a:r>
-              <a:rPr lang="en-US" dirty="0" err="1" smtClean="0"/>
-              <a:t>websiden</a:t>
-            </a:r>
-            <a:r>
-              <a:rPr lang="en-US" dirty="0" smtClean="0"/>
+              <a:rPr lang="en-US" sz="1200" dirty="0" err="1">
+                <a:solidFill>
+                  <a:srgbClr val="9A9A9A"/>
+                </a:solidFill>
+                <a:highlight>
+                  <a:srgbClr val="FFFFFF"/>
+                </a:highlight>
+                <a:latin typeface="Courier"/>
+              </a:rPr>
+              <a:t>img-elementer</a:t>
+            </a:r>
+            <a:r>
+              <a:rPr lang="en-US" sz="1200" dirty="0">
+                <a:solidFill>
+                  <a:srgbClr val="9A9A9A"/>
+                </a:solidFill>
+                <a:highlight>
+                  <a:srgbClr val="FFFFFF"/>
+                </a:highlight>
+                <a:latin typeface="Courier"/>
+              </a:rPr>
               <a:t> </a:t>
             </a:r>
             <a:r>
-              <a:rPr lang="en-US" dirty="0" err="1" smtClean="0"/>
-              <a:t>øverst</a:t>
-            </a:r>
-            <a:endParaRPr lang="en-US" dirty="0" smtClean="0"/>
-          </a:p>
-          <a:p>
-            <a:pPr lvl="1"/>
-            <a:r>
-              <a:rPr lang="en-US" dirty="0" err="1" smtClean="0"/>
-              <a:t>fonter</a:t>
-            </a:r>
-            <a:r>
-              <a:rPr lang="en-US" dirty="0" smtClean="0"/>
-              <a:t>, </a:t>
-            </a:r>
-            <a:r>
-              <a:rPr lang="en-US" dirty="0" err="1" smtClean="0"/>
-              <a:t>farger</a:t>
-            </a:r>
-            <a:r>
-              <a:rPr lang="en-US" dirty="0" smtClean="0"/>
+              <a:rPr lang="en-US" sz="1200" dirty="0" err="1">
+                <a:solidFill>
+                  <a:srgbClr val="9A9A9A"/>
+                </a:solidFill>
+                <a:highlight>
+                  <a:srgbClr val="FFFFFF"/>
+                </a:highlight>
+                <a:latin typeface="Courier"/>
+              </a:rPr>
+              <a:t>på</a:t>
+            </a:r>
+            <a:r>
+              <a:rPr lang="en-US" sz="1200" dirty="0">
+                <a:solidFill>
+                  <a:srgbClr val="9A9A9A"/>
+                </a:solidFill>
+                <a:highlight>
+                  <a:srgbClr val="FFFFFF"/>
+                </a:highlight>
+                <a:latin typeface="Courier"/>
+              </a:rPr>
               <a:t> </a:t>
             </a:r>
             <a:r>
-              <a:rPr lang="en-US" dirty="0" err="1" smtClean="0"/>
-              <a:t>størrelser</a:t>
-            </a:r>
-            <a:r>
-              <a:rPr lang="en-US" dirty="0" smtClean="0"/>
-              <a:t>, </a:t>
-            </a:r>
-            <a:r>
-              <a:rPr lang="en-US" dirty="0" err="1" smtClean="0"/>
-              <a:t>etc</a:t>
-            </a:r>
-            <a:endParaRPr lang="en-US" dirty="0" smtClean="0"/>
+              <a:rPr lang="en-US" sz="1200" dirty="0" err="1">
+                <a:solidFill>
+                  <a:srgbClr val="9A9A9A"/>
+                </a:solidFill>
+                <a:highlight>
+                  <a:srgbClr val="FFFFFF"/>
+                </a:highlight>
+                <a:latin typeface="Courier"/>
+              </a:rPr>
+              <a:t>siden</a:t>
+            </a:r>
+            <a:r>
+              <a:rPr lang="en-US" sz="1200" dirty="0">
+                <a:solidFill>
+                  <a:srgbClr val="9A9A9A"/>
+                </a:solidFill>
+                <a:highlight>
+                  <a:srgbClr val="FFFFFF"/>
+                </a:highlight>
+                <a:latin typeface="Courier"/>
+              </a:rPr>
+              <a:t> </a:t>
+            </a:r>
+            <a:r>
+              <a:rPr lang="en-US" sz="1200" dirty="0" err="1">
+                <a:solidFill>
+                  <a:srgbClr val="9A9A9A"/>
+                </a:solidFill>
+                <a:highlight>
+                  <a:srgbClr val="FFFFFF"/>
+                </a:highlight>
+                <a:latin typeface="Courier"/>
+              </a:rPr>
+              <a:t>hvis</a:t>
+            </a:r>
+            <a:r>
+              <a:rPr lang="en-US" sz="1200" dirty="0">
+                <a:solidFill>
+                  <a:srgbClr val="9A9A9A"/>
+                </a:solidFill>
+                <a:highlight>
+                  <a:srgbClr val="FFFFFF"/>
+                </a:highlight>
+                <a:latin typeface="Courier"/>
+              </a:rPr>
+              <a:t> </a:t>
+            </a:r>
+            <a:r>
+              <a:rPr lang="en-US" sz="1200" dirty="0" err="1">
+                <a:solidFill>
+                  <a:srgbClr val="9A9A9A"/>
+                </a:solidFill>
+                <a:highlight>
+                  <a:srgbClr val="FFFFFF"/>
+                </a:highlight>
+                <a:latin typeface="Courier"/>
+              </a:rPr>
+              <a:t>src-atributt</a:t>
+            </a:r>
+            <a:r>
+              <a:rPr lang="en-US" sz="1200" dirty="0">
+                <a:solidFill>
+                  <a:srgbClr val="9A9A9A"/>
+                </a:solidFill>
+                <a:highlight>
+                  <a:srgbClr val="FFFFFF"/>
+                </a:highlight>
+                <a:latin typeface="Courier"/>
+              </a:rPr>
+              <a:t> </a:t>
+            </a:r>
+            <a:r>
+              <a:rPr lang="en-US" sz="1200" dirty="0" err="1">
+                <a:solidFill>
+                  <a:srgbClr val="9A9A9A"/>
+                </a:solidFill>
+                <a:highlight>
+                  <a:srgbClr val="FFFFFF"/>
+                </a:highlight>
+                <a:latin typeface="Courier"/>
+              </a:rPr>
+              <a:t>inneholder</a:t>
+            </a:r>
+            <a:r>
+              <a:rPr lang="en-US" sz="1200" dirty="0">
+                <a:solidFill>
+                  <a:srgbClr val="9A9A9A"/>
+                </a:solidFill>
+                <a:highlight>
+                  <a:srgbClr val="FFFFFF"/>
+                </a:highlight>
+                <a:latin typeface="Courier"/>
+              </a:rPr>
+              <a:t> en substring </a:t>
+            </a:r>
+            <a:r>
+              <a:rPr lang="en-US" sz="1200" dirty="0" err="1">
+                <a:solidFill>
+                  <a:srgbClr val="9A9A9A"/>
+                </a:solidFill>
+                <a:highlight>
+                  <a:srgbClr val="FFFFFF"/>
+                </a:highlight>
+                <a:latin typeface="Courier"/>
+              </a:rPr>
+              <a:t>av</a:t>
+            </a:r>
+            <a:r>
+              <a:rPr lang="en-US" sz="1200" dirty="0">
+                <a:solidFill>
+                  <a:srgbClr val="9A9A9A"/>
+                </a:solidFill>
+                <a:highlight>
+                  <a:srgbClr val="FFFFFF"/>
+                </a:highlight>
+                <a:latin typeface="Courier"/>
+              </a:rPr>
+              <a:t> "</a:t>
+            </a:r>
+            <a:r>
+              <a:rPr lang="en-US" sz="1200" dirty="0" err="1">
+                <a:solidFill>
+                  <a:srgbClr val="9A9A9A"/>
+                </a:solidFill>
+                <a:highlight>
+                  <a:srgbClr val="FFFFFF"/>
+                </a:highlight>
+                <a:latin typeface="Courier"/>
+              </a:rPr>
+              <a:t>tiguan</a:t>
+            </a:r>
+            <a:r>
+              <a:rPr lang="en-US" sz="1200" dirty="0">
+                <a:solidFill>
+                  <a:srgbClr val="9A9A9A"/>
+                </a:solidFill>
+                <a:highlight>
+                  <a:srgbClr val="FFFFFF"/>
+                </a:highlight>
+                <a:latin typeface="Courier"/>
+              </a:rPr>
+              <a:t>"*/</a:t>
+            </a:r>
+          </a:p>
+          <a:p>
+            <a:r>
+              <a:rPr lang="en-US" dirty="0" err="1">
+                <a:solidFill>
+                  <a:srgbClr val="DA29FF"/>
+                </a:solidFill>
+                <a:highlight>
+                  <a:srgbClr val="FFFFFF"/>
+                </a:highlight>
+                <a:latin typeface="Courier"/>
+              </a:rPr>
+              <a:t>img</a:t>
+            </a:r>
+            <a:r>
+              <a:rPr lang="en-US" dirty="0">
+                <a:solidFill>
+                  <a:srgbClr val="DA29FF"/>
+                </a:solidFill>
+                <a:highlight>
+                  <a:srgbClr val="FFFFFF"/>
+                </a:highlight>
+                <a:latin typeface="Courier"/>
+              </a:rPr>
+              <a:t>[</a:t>
+            </a:r>
+            <a:r>
+              <a:rPr lang="en-US" dirty="0" err="1">
+                <a:solidFill>
+                  <a:srgbClr val="05208C"/>
+                </a:solidFill>
+                <a:highlight>
+                  <a:srgbClr val="FFFFFF"/>
+                </a:highlight>
+                <a:latin typeface="Courier"/>
+              </a:rPr>
+              <a:t>src</a:t>
+            </a:r>
+            <a:r>
+              <a:rPr lang="en-US" u="sng" dirty="0">
+                <a:solidFill>
+                  <a:srgbClr val="DA29FF"/>
+                </a:solidFill>
+                <a:highlight>
+                  <a:srgbClr val="FFFFFF"/>
+                </a:highlight>
+                <a:latin typeface="Courier"/>
+              </a:rPr>
+              <a:t>*=</a:t>
+            </a:r>
+            <a:r>
+              <a:rPr lang="en-US" u="sng" dirty="0">
+                <a:solidFill>
+                  <a:srgbClr val="106800"/>
+                </a:solidFill>
+                <a:highlight>
+                  <a:srgbClr val="FFFFFF"/>
+                </a:highlight>
+                <a:latin typeface="Courier"/>
+              </a:rPr>
+              <a:t>"</a:t>
+            </a:r>
+            <a:r>
+              <a:rPr lang="en-US" u="sng" dirty="0" err="1">
+                <a:solidFill>
+                  <a:srgbClr val="106800"/>
+                </a:solidFill>
+                <a:highlight>
+                  <a:srgbClr val="FFFFFF"/>
+                </a:highlight>
+                <a:latin typeface="Courier"/>
+              </a:rPr>
+              <a:t>tiguan</a:t>
+            </a:r>
+            <a:r>
+              <a:rPr lang="en-US" u="sng" dirty="0">
+                <a:solidFill>
+                  <a:srgbClr val="106800"/>
+                </a:solidFill>
+                <a:highlight>
+                  <a:srgbClr val="FFFFFF"/>
+                </a:highlight>
+                <a:latin typeface="Courier"/>
+              </a:rPr>
+              <a:t>"</a:t>
+            </a:r>
+            <a:r>
+              <a:rPr lang="en-US" u="sng" dirty="0">
+                <a:solidFill>
+                  <a:srgbClr val="DA29FF"/>
+                </a:solidFill>
+                <a:highlight>
+                  <a:srgbClr val="FFFFFF"/>
+                </a:highlight>
+                <a:latin typeface="Courier"/>
+              </a:rPr>
+              <a:t>]{</a:t>
+            </a:r>
+          </a:p>
+          <a:p>
+            <a:r>
+              <a:rPr lang="en-US" dirty="0">
+                <a:solidFill>
+                  <a:srgbClr val="DA29FF"/>
+                </a:solidFill>
+                <a:highlight>
+                  <a:srgbClr val="FFFFFF"/>
+                </a:highlight>
+                <a:latin typeface="Courier"/>
+              </a:rPr>
+              <a:t>    </a:t>
+            </a:r>
+            <a:r>
+              <a:rPr lang="en-US" dirty="0">
+                <a:solidFill>
+                  <a:srgbClr val="05208C"/>
+                </a:solidFill>
+                <a:highlight>
+                  <a:srgbClr val="FFFFFF"/>
+                </a:highlight>
+                <a:latin typeface="Courier"/>
+              </a:rPr>
+              <a:t>border</a:t>
+            </a:r>
+            <a:r>
+              <a:rPr lang="en-US" b="1" dirty="0">
+                <a:solidFill>
+                  <a:srgbClr val="DA29FF"/>
+                </a:solidFill>
+                <a:highlight>
+                  <a:srgbClr val="FFFFFF"/>
+                </a:highlight>
+                <a:latin typeface="Courier"/>
+              </a:rPr>
+              <a:t>: </a:t>
+            </a:r>
+            <a:r>
+              <a:rPr lang="en-US" b="1" dirty="0">
+                <a:solidFill>
+                  <a:srgbClr val="0035FF"/>
+                </a:solidFill>
+                <a:highlight>
+                  <a:srgbClr val="FFFFFF"/>
+                </a:highlight>
+                <a:latin typeface="Courier"/>
+              </a:rPr>
+              <a:t>5px</a:t>
+            </a:r>
+            <a:r>
+              <a:rPr lang="en-US" b="1" dirty="0">
+                <a:solidFill>
+                  <a:srgbClr val="DA29FF"/>
+                </a:solidFill>
+                <a:highlight>
+                  <a:srgbClr val="FFFFFF"/>
+                </a:highlight>
+                <a:latin typeface="Courier"/>
+              </a:rPr>
+              <a:t> </a:t>
+            </a:r>
+            <a:r>
+              <a:rPr lang="en-US" b="1" dirty="0">
+                <a:solidFill>
+                  <a:srgbClr val="0035FF"/>
+                </a:solidFill>
+                <a:highlight>
+                  <a:srgbClr val="FFFFFF"/>
+                </a:highlight>
+                <a:latin typeface="Courier"/>
+              </a:rPr>
+              <a:t>solid</a:t>
+            </a:r>
+            <a:r>
+              <a:rPr lang="en-US" b="1" dirty="0">
+                <a:solidFill>
+                  <a:srgbClr val="DA29FF"/>
+                </a:solidFill>
+                <a:highlight>
+                  <a:srgbClr val="FFFFFF"/>
+                </a:highlight>
+                <a:latin typeface="Courier"/>
+              </a:rPr>
+              <a:t> </a:t>
+            </a:r>
+            <a:r>
+              <a:rPr lang="en-US" b="1" dirty="0">
+                <a:solidFill>
+                  <a:srgbClr val="0035FF"/>
+                </a:solidFill>
+                <a:highlight>
+                  <a:srgbClr val="FFFFFF"/>
+                </a:highlight>
+                <a:latin typeface="Courier"/>
+              </a:rPr>
+              <a:t>blue</a:t>
+            </a:r>
+            <a:r>
+              <a:rPr lang="en-US" b="1" dirty="0">
+                <a:solidFill>
+                  <a:srgbClr val="DA29FF"/>
+                </a:solidFill>
+                <a:highlight>
+                  <a:srgbClr val="FFFFFF"/>
+                </a:highlight>
+                <a:latin typeface="Courier"/>
+              </a:rPr>
+              <a:t>;</a:t>
+            </a:r>
+          </a:p>
+          <a:p>
+            <a:r>
+              <a:rPr lang="en-US" dirty="0">
+                <a:solidFill>
+                  <a:srgbClr val="DA29FF"/>
+                </a:solidFill>
+                <a:highlight>
+                  <a:srgbClr val="FFFFFF"/>
+                </a:highlight>
+                <a:latin typeface="Courier"/>
+              </a:rPr>
+              <a:t>}</a:t>
+            </a:r>
+          </a:p>
+          <a:p>
+            <a:endParaRPr lang="en-US" dirty="0">
+              <a:latin typeface="Courier"/>
+            </a:endParaRPr>
+          </a:p>
+          <a:p>
+            <a:r>
+              <a:rPr lang="en-US" sz="1200" dirty="0">
+                <a:solidFill>
+                  <a:srgbClr val="9A9A9A"/>
+                </a:solidFill>
+                <a:highlight>
+                  <a:srgbClr val="FFFFFF"/>
+                </a:highlight>
+                <a:latin typeface="Courier"/>
+              </a:rPr>
+              <a:t>/*</a:t>
+            </a:r>
+            <a:r>
+              <a:rPr lang="en-US" sz="1200" dirty="0" err="1">
+                <a:solidFill>
+                  <a:srgbClr val="9A9A9A"/>
+                </a:solidFill>
+                <a:highlight>
+                  <a:srgbClr val="FFFFFF"/>
+                </a:highlight>
+                <a:latin typeface="Courier"/>
+              </a:rPr>
+              <a:t>Velger</a:t>
+            </a:r>
+            <a:r>
+              <a:rPr lang="en-US" sz="1200" dirty="0">
+                <a:solidFill>
+                  <a:srgbClr val="9A9A9A"/>
+                </a:solidFill>
+                <a:highlight>
+                  <a:srgbClr val="FFFFFF"/>
+                </a:highlight>
+                <a:latin typeface="Courier"/>
+              </a:rPr>
+              <a:t> </a:t>
+            </a:r>
+            <a:r>
+              <a:rPr lang="en-US" sz="1200" dirty="0" err="1">
+                <a:solidFill>
+                  <a:srgbClr val="9A9A9A"/>
+                </a:solidFill>
+                <a:highlight>
+                  <a:srgbClr val="FFFFFF"/>
+                </a:highlight>
+                <a:latin typeface="Courier"/>
+              </a:rPr>
+              <a:t>alle</a:t>
+            </a:r>
+            <a:r>
+              <a:rPr lang="en-US" sz="1200" dirty="0">
+                <a:solidFill>
+                  <a:srgbClr val="9A9A9A"/>
+                </a:solidFill>
+                <a:highlight>
+                  <a:srgbClr val="FFFFFF"/>
+                </a:highlight>
+                <a:latin typeface="Courier"/>
+              </a:rPr>
+              <a:t> </a:t>
+            </a:r>
+            <a:r>
+              <a:rPr lang="en-US" sz="1200" dirty="0" err="1">
+                <a:solidFill>
+                  <a:srgbClr val="9A9A9A"/>
+                </a:solidFill>
+                <a:highlight>
+                  <a:srgbClr val="FFFFFF"/>
+                </a:highlight>
+                <a:latin typeface="Courier"/>
+              </a:rPr>
+              <a:t>img-elementer</a:t>
+            </a:r>
+            <a:r>
+              <a:rPr lang="en-US" sz="1200" dirty="0">
+                <a:solidFill>
+                  <a:srgbClr val="9A9A9A"/>
+                </a:solidFill>
+                <a:highlight>
+                  <a:srgbClr val="FFFFFF"/>
+                </a:highlight>
+                <a:latin typeface="Courier"/>
+              </a:rPr>
+              <a:t> </a:t>
+            </a:r>
+            <a:r>
+              <a:rPr lang="en-US" sz="1200" dirty="0" err="1">
+                <a:solidFill>
+                  <a:srgbClr val="9A9A9A"/>
+                </a:solidFill>
+                <a:highlight>
+                  <a:srgbClr val="FFFFFF"/>
+                </a:highlight>
+                <a:latin typeface="Courier"/>
+              </a:rPr>
+              <a:t>på</a:t>
+            </a:r>
+            <a:r>
+              <a:rPr lang="en-US" sz="1200" dirty="0">
+                <a:solidFill>
+                  <a:srgbClr val="9A9A9A"/>
+                </a:solidFill>
+                <a:highlight>
+                  <a:srgbClr val="FFFFFF"/>
+                </a:highlight>
+                <a:latin typeface="Courier"/>
+              </a:rPr>
+              <a:t> </a:t>
+            </a:r>
+            <a:r>
+              <a:rPr lang="en-US" sz="1200" dirty="0" err="1">
+                <a:solidFill>
+                  <a:srgbClr val="9A9A9A"/>
+                </a:solidFill>
+                <a:highlight>
+                  <a:srgbClr val="FFFFFF"/>
+                </a:highlight>
+                <a:latin typeface="Courier"/>
+              </a:rPr>
+              <a:t>siden</a:t>
+            </a:r>
+            <a:r>
+              <a:rPr lang="en-US" sz="1200" dirty="0">
+                <a:solidFill>
+                  <a:srgbClr val="9A9A9A"/>
+                </a:solidFill>
+                <a:highlight>
+                  <a:srgbClr val="FFFFFF"/>
+                </a:highlight>
+                <a:latin typeface="Courier"/>
+              </a:rPr>
+              <a:t> </a:t>
+            </a:r>
+            <a:r>
+              <a:rPr lang="en-US" sz="1200" dirty="0" err="1">
+                <a:solidFill>
+                  <a:srgbClr val="9A9A9A"/>
+                </a:solidFill>
+                <a:highlight>
+                  <a:srgbClr val="FFFFFF"/>
+                </a:highlight>
+                <a:latin typeface="Courier"/>
+              </a:rPr>
+              <a:t>hvis</a:t>
+            </a:r>
+            <a:r>
+              <a:rPr lang="en-US" sz="1200" dirty="0">
+                <a:solidFill>
+                  <a:srgbClr val="9A9A9A"/>
+                </a:solidFill>
+                <a:highlight>
+                  <a:srgbClr val="FFFFFF"/>
+                </a:highlight>
+                <a:latin typeface="Courier"/>
+              </a:rPr>
+              <a:t> </a:t>
+            </a:r>
+            <a:r>
+              <a:rPr lang="en-US" sz="1200" dirty="0" err="1">
+                <a:solidFill>
+                  <a:srgbClr val="9A9A9A"/>
+                </a:solidFill>
+                <a:highlight>
+                  <a:srgbClr val="FFFFFF"/>
+                </a:highlight>
+                <a:latin typeface="Courier"/>
+              </a:rPr>
+              <a:t>src-atributt</a:t>
+            </a:r>
+            <a:r>
+              <a:rPr lang="en-US" sz="1200" dirty="0">
+                <a:solidFill>
+                  <a:srgbClr val="9A9A9A"/>
+                </a:solidFill>
+                <a:highlight>
+                  <a:srgbClr val="FFFFFF"/>
+                </a:highlight>
+                <a:latin typeface="Courier"/>
+              </a:rPr>
+              <a:t> </a:t>
+            </a:r>
+            <a:r>
+              <a:rPr lang="en-US" sz="1200" dirty="0" err="1">
+                <a:solidFill>
+                  <a:srgbClr val="9A9A9A"/>
+                </a:solidFill>
+                <a:highlight>
+                  <a:srgbClr val="FFFFFF"/>
+                </a:highlight>
+                <a:latin typeface="Courier"/>
+              </a:rPr>
+              <a:t>slutter</a:t>
+            </a:r>
+            <a:r>
+              <a:rPr lang="en-US" sz="1200" dirty="0">
+                <a:solidFill>
+                  <a:srgbClr val="9A9A9A"/>
+                </a:solidFill>
+                <a:highlight>
+                  <a:srgbClr val="FFFFFF"/>
+                </a:highlight>
+                <a:latin typeface="Courier"/>
+              </a:rPr>
+              <a:t> </a:t>
+            </a:r>
+            <a:r>
+              <a:rPr lang="en-US" sz="1200" dirty="0" err="1">
+                <a:solidFill>
+                  <a:srgbClr val="9A9A9A"/>
+                </a:solidFill>
+                <a:highlight>
+                  <a:srgbClr val="FFFFFF"/>
+                </a:highlight>
+                <a:latin typeface="Courier"/>
+              </a:rPr>
+              <a:t>på</a:t>
+            </a:r>
+            <a:r>
+              <a:rPr lang="en-US" sz="1200" dirty="0">
+                <a:solidFill>
+                  <a:srgbClr val="9A9A9A"/>
+                </a:solidFill>
+                <a:highlight>
+                  <a:srgbClr val="FFFFFF"/>
+                </a:highlight>
+                <a:latin typeface="Courier"/>
+              </a:rPr>
+              <a:t> .jpg*/</a:t>
+            </a:r>
+          </a:p>
+          <a:p>
+            <a:r>
+              <a:rPr lang="da-DK" dirty="0" err="1">
+                <a:solidFill>
+                  <a:srgbClr val="DA29FF"/>
+                </a:solidFill>
+                <a:highlight>
+                  <a:srgbClr val="FFFFFF"/>
+                </a:highlight>
+                <a:latin typeface="Courier"/>
+              </a:rPr>
+              <a:t>img</a:t>
+            </a:r>
+            <a:r>
+              <a:rPr lang="da-DK" dirty="0">
+                <a:solidFill>
+                  <a:srgbClr val="DA29FF"/>
+                </a:solidFill>
+                <a:highlight>
+                  <a:srgbClr val="FFFFFF"/>
+                </a:highlight>
+                <a:latin typeface="Courier"/>
+              </a:rPr>
+              <a:t>[</a:t>
+            </a:r>
+            <a:r>
+              <a:rPr lang="da-DK" dirty="0" err="1">
+                <a:solidFill>
+                  <a:srgbClr val="05208C"/>
+                </a:solidFill>
+                <a:highlight>
+                  <a:srgbClr val="FFFFFF"/>
+                </a:highlight>
+                <a:latin typeface="Courier"/>
+              </a:rPr>
+              <a:t>src</a:t>
+            </a:r>
+            <a:r>
+              <a:rPr lang="da-DK" dirty="0">
+                <a:solidFill>
+                  <a:srgbClr val="DA29FF"/>
+                </a:solidFill>
+                <a:highlight>
+                  <a:srgbClr val="FFFFFF"/>
+                </a:highlight>
+                <a:latin typeface="Courier"/>
+              </a:rPr>
+              <a:t>$=</a:t>
+            </a:r>
+            <a:r>
+              <a:rPr lang="da-DK" dirty="0">
+                <a:solidFill>
+                  <a:srgbClr val="106800"/>
+                </a:solidFill>
+                <a:highlight>
+                  <a:srgbClr val="FFFFFF"/>
+                </a:highlight>
+                <a:latin typeface="Courier"/>
+              </a:rPr>
+              <a:t>".jpg"</a:t>
+            </a:r>
+            <a:r>
+              <a:rPr lang="da-DK" dirty="0">
+                <a:solidFill>
+                  <a:srgbClr val="DA29FF"/>
+                </a:solidFill>
+                <a:highlight>
+                  <a:srgbClr val="FFFFFF"/>
+                </a:highlight>
+                <a:latin typeface="Courier"/>
+              </a:rPr>
+              <a:t>]{</a:t>
+            </a:r>
+          </a:p>
+          <a:p>
+            <a:r>
+              <a:rPr lang="en-US" dirty="0">
+                <a:solidFill>
+                  <a:srgbClr val="DA29FF"/>
+                </a:solidFill>
+                <a:highlight>
+                  <a:srgbClr val="FFFFFF"/>
+                </a:highlight>
+                <a:latin typeface="Courier"/>
+              </a:rPr>
+              <a:t>    </a:t>
+            </a:r>
+            <a:r>
+              <a:rPr lang="en-US" dirty="0">
+                <a:solidFill>
+                  <a:srgbClr val="05208C"/>
+                </a:solidFill>
+                <a:highlight>
+                  <a:srgbClr val="FFFFFF"/>
+                </a:highlight>
+                <a:latin typeface="Courier"/>
+              </a:rPr>
+              <a:t>width</a:t>
+            </a:r>
+            <a:r>
+              <a:rPr lang="en-US" b="1" dirty="0">
+                <a:solidFill>
+                  <a:srgbClr val="DA29FF"/>
+                </a:solidFill>
+                <a:highlight>
+                  <a:srgbClr val="FFFFFF"/>
+                </a:highlight>
+                <a:latin typeface="Courier"/>
+              </a:rPr>
+              <a:t>: </a:t>
+            </a:r>
+            <a:r>
+              <a:rPr lang="en-US" b="1" dirty="0">
+                <a:solidFill>
+                  <a:srgbClr val="0035FF"/>
+                </a:solidFill>
+                <a:highlight>
+                  <a:srgbClr val="FFFFFF"/>
+                </a:highlight>
+                <a:latin typeface="Courier"/>
+              </a:rPr>
+              <a:t>10em</a:t>
+            </a:r>
+            <a:r>
+              <a:rPr lang="en-US" b="1" dirty="0">
+                <a:solidFill>
+                  <a:srgbClr val="DA29FF"/>
+                </a:solidFill>
+                <a:highlight>
+                  <a:srgbClr val="FFFFFF"/>
+                </a:highlight>
+                <a:latin typeface="Courier"/>
+              </a:rPr>
+              <a:t>;</a:t>
+            </a:r>
+          </a:p>
+          <a:p>
+            <a:r>
+              <a:rPr lang="en-US" dirty="0">
+                <a:solidFill>
+                  <a:srgbClr val="DA29FF"/>
+                </a:solidFill>
+                <a:highlight>
+                  <a:srgbClr val="FFFFFF"/>
+                </a:highlight>
+                <a:latin typeface="Courier"/>
+              </a:rPr>
+              <a:t>}</a:t>
+            </a:r>
+            <a:endParaRPr lang="en-US" dirty="0"/>
           </a:p>
         </p:txBody>
       </p:sp>
     </p:spTree>
     <p:extLst>
       <p:ext uri="{BB962C8B-B14F-4D97-AF65-F5344CB8AC3E}">
-        <p14:creationId xmlns:p14="http://schemas.microsoft.com/office/powerpoint/2010/main" val="501569467"/>
+        <p14:creationId xmlns:p14="http://schemas.microsoft.com/office/powerpoint/2010/main" val="464826539"/>
       </p:ext>
     </p:extLst>
   </p:cSld>

--- a/Foiler/1. CSS basic.pptx
+++ b/Foiler/1. CSS basic.pptx
@@ -5,7 +5,7 @@
     <p:sldMasterId id="2147483648" r:id="rId1"/>
   </p:sldMasterIdLst>
   <p:notesMasterIdLst>
-    <p:notesMasterId r:id="rId20"/>
+    <p:notesMasterId r:id="rId21"/>
   </p:notesMasterIdLst>
   <p:sldIdLst>
     <p:sldId id="256" r:id="rId2"/>
@@ -14,18 +14,19 @@
     <p:sldId id="261" r:id="rId5"/>
     <p:sldId id="258" r:id="rId6"/>
     <p:sldId id="263" r:id="rId7"/>
-    <p:sldId id="259" r:id="rId8"/>
-    <p:sldId id="264" r:id="rId9"/>
-    <p:sldId id="276" r:id="rId10"/>
-    <p:sldId id="265" r:id="rId11"/>
+    <p:sldId id="277" r:id="rId8"/>
+    <p:sldId id="259" r:id="rId9"/>
+    <p:sldId id="264" r:id="rId10"/>
+    <p:sldId id="276" r:id="rId11"/>
     <p:sldId id="266" r:id="rId12"/>
-    <p:sldId id="268" r:id="rId13"/>
-    <p:sldId id="270" r:id="rId14"/>
-    <p:sldId id="269" r:id="rId15"/>
-    <p:sldId id="271" r:id="rId16"/>
-    <p:sldId id="272" r:id="rId17"/>
-    <p:sldId id="273" r:id="rId18"/>
-    <p:sldId id="274" r:id="rId19"/>
+    <p:sldId id="265" r:id="rId13"/>
+    <p:sldId id="268" r:id="rId14"/>
+    <p:sldId id="270" r:id="rId15"/>
+    <p:sldId id="269" r:id="rId16"/>
+    <p:sldId id="271" r:id="rId17"/>
+    <p:sldId id="272" r:id="rId18"/>
+    <p:sldId id="273" r:id="rId19"/>
+    <p:sldId id="274" r:id="rId20"/>
   </p:sldIdLst>
   <p:sldSz cx="9144000" cy="5143500" type="screen16x9"/>
   <p:notesSz cx="6858000" cy="9144000"/>
@@ -558,7 +559,7 @@
           <a:p>
             <a:fld id="{CC6A6E53-8C0A-F949-AE5A-2CFB440C398D}" type="slidenum">
               <a:rPr lang="en-US" smtClean="0"/>
-              <a:t>7</a:t>
+              <a:t>8</a:t>
             </a:fld>
             <a:endParaRPr lang="en-US"/>
           </a:p>
@@ -3305,7 +3306,7 @@
           <a:p>
             <a:r>
               <a:rPr lang="en-US" dirty="0" smtClean="0"/>
-              <a:t>Nesting</a:t>
+              <a:t>CSS3 selectors</a:t>
             </a:r>
             <a:endParaRPr lang="en-US" dirty="0"/>
           </a:p>
@@ -3313,27 +3314,1277 @@
       </p:sp>
       <p:sp>
         <p:nvSpPr>
-          <p:cNvPr id="3" name="Content Placeholder 2"/>
-          <p:cNvSpPr>
-            <a:spLocks noGrp="1"/>
-          </p:cNvSpPr>
-          <p:nvPr>
-            <p:ph idx="1"/>
-          </p:nvPr>
+          <p:cNvPr id="4" name="Rectangle 3"/>
+          <p:cNvSpPr/>
+          <p:nvPr/>
         </p:nvSpPr>
-        <p:spPr/>
+        <p:spPr>
+          <a:xfrm>
+            <a:off x="457200" y="1063229"/>
+            <a:ext cx="8314925" cy="3877985"/>
+          </a:xfrm>
+          <a:prstGeom prst="rect">
+            <a:avLst/>
+          </a:prstGeom>
+        </p:spPr>
         <p:txBody>
-          <a:bodyPr/>
+          <a:bodyPr wrap="square">
+            <a:spAutoFit/>
+          </a:bodyPr>
           <a:lstStyle/>
           <a:p>
-            <a:endParaRPr lang="en-US"/>
+            <a:r>
+              <a:rPr lang="en-US" sz="1200" dirty="0">
+                <a:solidFill>
+                  <a:srgbClr val="9A9A9A"/>
+                </a:solidFill>
+                <a:highlight>
+                  <a:srgbClr val="FFFFFF"/>
+                </a:highlight>
+                <a:latin typeface="Courier"/>
+              </a:rPr>
+              <a:t>/*</a:t>
+            </a:r>
+            <a:r>
+              <a:rPr lang="en-US" sz="1200" dirty="0" err="1">
+                <a:solidFill>
+                  <a:srgbClr val="9A9A9A"/>
+                </a:solidFill>
+                <a:highlight>
+                  <a:srgbClr val="FFFFFF"/>
+                </a:highlight>
+                <a:latin typeface="Courier"/>
+              </a:rPr>
+              <a:t>Velger</a:t>
+            </a:r>
+            <a:r>
+              <a:rPr lang="en-US" sz="1200" dirty="0">
+                <a:solidFill>
+                  <a:srgbClr val="9A9A9A"/>
+                </a:solidFill>
+                <a:highlight>
+                  <a:srgbClr val="FFFFFF"/>
+                </a:highlight>
+                <a:latin typeface="Courier"/>
+              </a:rPr>
+              <a:t> </a:t>
+            </a:r>
+            <a:r>
+              <a:rPr lang="en-US" sz="1200" dirty="0" err="1">
+                <a:solidFill>
+                  <a:srgbClr val="9A9A9A"/>
+                </a:solidFill>
+                <a:highlight>
+                  <a:srgbClr val="FFFFFF"/>
+                </a:highlight>
+                <a:latin typeface="Courier"/>
+              </a:rPr>
+              <a:t>alle</a:t>
+            </a:r>
+            <a:r>
+              <a:rPr lang="en-US" sz="1200" dirty="0">
+                <a:solidFill>
+                  <a:srgbClr val="9A9A9A"/>
+                </a:solidFill>
+                <a:highlight>
+                  <a:srgbClr val="FFFFFF"/>
+                </a:highlight>
+                <a:latin typeface="Courier"/>
+              </a:rPr>
+              <a:t> </a:t>
+            </a:r>
+            <a:r>
+              <a:rPr lang="en-US" sz="1200" dirty="0" err="1">
+                <a:solidFill>
+                  <a:srgbClr val="9A9A9A"/>
+                </a:solidFill>
+                <a:highlight>
+                  <a:srgbClr val="FFFFFF"/>
+                </a:highlight>
+                <a:latin typeface="Courier"/>
+              </a:rPr>
+              <a:t>img-elementer</a:t>
+            </a:r>
+            <a:r>
+              <a:rPr lang="en-US" sz="1200" dirty="0">
+                <a:solidFill>
+                  <a:srgbClr val="9A9A9A"/>
+                </a:solidFill>
+                <a:highlight>
+                  <a:srgbClr val="FFFFFF"/>
+                </a:highlight>
+                <a:latin typeface="Courier"/>
+              </a:rPr>
+              <a:t> </a:t>
+            </a:r>
+            <a:r>
+              <a:rPr lang="en-US" sz="1200" dirty="0" err="1">
+                <a:solidFill>
+                  <a:srgbClr val="9A9A9A"/>
+                </a:solidFill>
+                <a:highlight>
+                  <a:srgbClr val="FFFFFF"/>
+                </a:highlight>
+                <a:latin typeface="Courier"/>
+              </a:rPr>
+              <a:t>på</a:t>
+            </a:r>
+            <a:r>
+              <a:rPr lang="en-US" sz="1200" dirty="0">
+                <a:solidFill>
+                  <a:srgbClr val="9A9A9A"/>
+                </a:solidFill>
+                <a:highlight>
+                  <a:srgbClr val="FFFFFF"/>
+                </a:highlight>
+                <a:latin typeface="Courier"/>
+              </a:rPr>
+              <a:t> </a:t>
+            </a:r>
+            <a:r>
+              <a:rPr lang="en-US" sz="1200" dirty="0" err="1">
+                <a:solidFill>
+                  <a:srgbClr val="9A9A9A"/>
+                </a:solidFill>
+                <a:highlight>
+                  <a:srgbClr val="FFFFFF"/>
+                </a:highlight>
+                <a:latin typeface="Courier"/>
+              </a:rPr>
+              <a:t>siden</a:t>
+            </a:r>
+            <a:r>
+              <a:rPr lang="en-US" sz="1200" dirty="0">
+                <a:solidFill>
+                  <a:srgbClr val="9A9A9A"/>
+                </a:solidFill>
+                <a:highlight>
+                  <a:srgbClr val="FFFFFF"/>
+                </a:highlight>
+                <a:latin typeface="Courier"/>
+              </a:rPr>
+              <a:t> </a:t>
+            </a:r>
+            <a:r>
+              <a:rPr lang="en-US" sz="1200" dirty="0" err="1">
+                <a:solidFill>
+                  <a:srgbClr val="9A9A9A"/>
+                </a:solidFill>
+                <a:highlight>
+                  <a:srgbClr val="FFFFFF"/>
+                </a:highlight>
+                <a:latin typeface="Courier"/>
+              </a:rPr>
+              <a:t>hvis</a:t>
+            </a:r>
+            <a:r>
+              <a:rPr lang="en-US" sz="1200" dirty="0">
+                <a:solidFill>
+                  <a:srgbClr val="9A9A9A"/>
+                </a:solidFill>
+                <a:highlight>
+                  <a:srgbClr val="FFFFFF"/>
+                </a:highlight>
+                <a:latin typeface="Courier"/>
+              </a:rPr>
+              <a:t> </a:t>
+            </a:r>
+            <a:r>
+              <a:rPr lang="en-US" sz="1200" dirty="0" err="1">
+                <a:solidFill>
+                  <a:srgbClr val="9A9A9A"/>
+                </a:solidFill>
+                <a:highlight>
+                  <a:srgbClr val="FFFFFF"/>
+                </a:highlight>
+                <a:latin typeface="Courier"/>
+              </a:rPr>
+              <a:t>src-atributt</a:t>
+            </a:r>
+            <a:r>
+              <a:rPr lang="en-US" sz="1200" dirty="0">
+                <a:solidFill>
+                  <a:srgbClr val="9A9A9A"/>
+                </a:solidFill>
+                <a:highlight>
+                  <a:srgbClr val="FFFFFF"/>
+                </a:highlight>
+                <a:latin typeface="Courier"/>
+              </a:rPr>
+              <a:t> starter med "images"*/</a:t>
+            </a:r>
+          </a:p>
+          <a:p>
+            <a:r>
+              <a:rPr lang="en-US" dirty="0" err="1">
+                <a:solidFill>
+                  <a:srgbClr val="DA29FF"/>
+                </a:solidFill>
+                <a:highlight>
+                  <a:srgbClr val="FFFFFF"/>
+                </a:highlight>
+                <a:latin typeface="Courier"/>
+              </a:rPr>
+              <a:t>img</a:t>
+            </a:r>
+            <a:r>
+              <a:rPr lang="en-US" dirty="0">
+                <a:solidFill>
+                  <a:srgbClr val="DA29FF"/>
+                </a:solidFill>
+                <a:highlight>
+                  <a:srgbClr val="FFFFFF"/>
+                </a:highlight>
+                <a:latin typeface="Courier"/>
+              </a:rPr>
+              <a:t>[</a:t>
+            </a:r>
+            <a:r>
+              <a:rPr lang="en-US" dirty="0" err="1">
+                <a:solidFill>
+                  <a:srgbClr val="05208C"/>
+                </a:solidFill>
+                <a:highlight>
+                  <a:srgbClr val="FFFFFF"/>
+                </a:highlight>
+                <a:latin typeface="Courier"/>
+              </a:rPr>
+              <a:t>src</a:t>
+            </a:r>
+            <a:r>
+              <a:rPr lang="en-US" dirty="0">
+                <a:solidFill>
+                  <a:srgbClr val="DA29FF"/>
+                </a:solidFill>
+                <a:highlight>
+                  <a:srgbClr val="FFFFFF"/>
+                </a:highlight>
+                <a:latin typeface="Courier"/>
+              </a:rPr>
+              <a:t>^=</a:t>
+            </a:r>
+            <a:r>
+              <a:rPr lang="en-US" dirty="0">
+                <a:solidFill>
+                  <a:srgbClr val="106800"/>
+                </a:solidFill>
+                <a:highlight>
+                  <a:srgbClr val="FFFFFF"/>
+                </a:highlight>
+                <a:latin typeface="Courier"/>
+              </a:rPr>
+              <a:t>"images"</a:t>
+            </a:r>
+            <a:r>
+              <a:rPr lang="en-US" dirty="0">
+                <a:solidFill>
+                  <a:srgbClr val="DA29FF"/>
+                </a:solidFill>
+                <a:highlight>
+                  <a:srgbClr val="FFFFFF"/>
+                </a:highlight>
+                <a:latin typeface="Courier"/>
+              </a:rPr>
+              <a:t>]{</a:t>
+            </a:r>
+          </a:p>
+          <a:p>
+            <a:r>
+              <a:rPr lang="en-US" dirty="0">
+                <a:solidFill>
+                  <a:srgbClr val="DA29FF"/>
+                </a:solidFill>
+                <a:highlight>
+                  <a:srgbClr val="FFFFFF"/>
+                </a:highlight>
+                <a:latin typeface="Courier"/>
+              </a:rPr>
+              <a:t>	</a:t>
+            </a:r>
+            <a:r>
+              <a:rPr lang="en-US" dirty="0">
+                <a:solidFill>
+                  <a:srgbClr val="05208C"/>
+                </a:solidFill>
+                <a:highlight>
+                  <a:srgbClr val="FFFFFF"/>
+                </a:highlight>
+                <a:latin typeface="Courier"/>
+              </a:rPr>
+              <a:t>border</a:t>
+            </a:r>
+            <a:r>
+              <a:rPr lang="en-US" b="1" dirty="0">
+                <a:solidFill>
+                  <a:srgbClr val="DA29FF"/>
+                </a:solidFill>
+                <a:highlight>
+                  <a:srgbClr val="FFFFFF"/>
+                </a:highlight>
+                <a:latin typeface="Courier"/>
+              </a:rPr>
+              <a:t>: </a:t>
+            </a:r>
+            <a:r>
+              <a:rPr lang="en-US" b="1" dirty="0">
+                <a:solidFill>
+                  <a:srgbClr val="0035FF"/>
+                </a:solidFill>
+                <a:highlight>
+                  <a:srgbClr val="FFFFFF"/>
+                </a:highlight>
+                <a:latin typeface="Courier"/>
+              </a:rPr>
+              <a:t>5px</a:t>
+            </a:r>
+            <a:r>
+              <a:rPr lang="en-US" b="1" dirty="0">
+                <a:solidFill>
+                  <a:srgbClr val="DA29FF"/>
+                </a:solidFill>
+                <a:highlight>
+                  <a:srgbClr val="FFFFFF"/>
+                </a:highlight>
+                <a:latin typeface="Courier"/>
+              </a:rPr>
+              <a:t> </a:t>
+            </a:r>
+            <a:r>
+              <a:rPr lang="en-US" b="1" dirty="0">
+                <a:solidFill>
+                  <a:srgbClr val="0035FF"/>
+                </a:solidFill>
+                <a:highlight>
+                  <a:srgbClr val="FFFFFF"/>
+                </a:highlight>
+                <a:latin typeface="Courier"/>
+              </a:rPr>
+              <a:t>solid</a:t>
+            </a:r>
+            <a:r>
+              <a:rPr lang="en-US" b="1" dirty="0">
+                <a:solidFill>
+                  <a:srgbClr val="DA29FF"/>
+                </a:solidFill>
+                <a:highlight>
+                  <a:srgbClr val="FFFFFF"/>
+                </a:highlight>
+                <a:latin typeface="Courier"/>
+              </a:rPr>
+              <a:t> </a:t>
+            </a:r>
+            <a:r>
+              <a:rPr lang="en-US" b="1" dirty="0">
+                <a:solidFill>
+                  <a:srgbClr val="0035FF"/>
+                </a:solidFill>
+                <a:highlight>
+                  <a:srgbClr val="FFFFFF"/>
+                </a:highlight>
+                <a:latin typeface="Courier"/>
+              </a:rPr>
+              <a:t>orange</a:t>
+            </a:r>
+            <a:r>
+              <a:rPr lang="en-US" b="1" dirty="0">
+                <a:solidFill>
+                  <a:srgbClr val="DA29FF"/>
+                </a:solidFill>
+                <a:highlight>
+                  <a:srgbClr val="FFFFFF"/>
+                </a:highlight>
+                <a:latin typeface="Courier"/>
+              </a:rPr>
+              <a:t>;</a:t>
+            </a:r>
+          </a:p>
+          <a:p>
+            <a:r>
+              <a:rPr lang="en-US" dirty="0">
+                <a:solidFill>
+                  <a:srgbClr val="DA29FF"/>
+                </a:solidFill>
+                <a:highlight>
+                  <a:srgbClr val="FFFFFF"/>
+                </a:highlight>
+                <a:latin typeface="Courier"/>
+              </a:rPr>
+              <a:t>}</a:t>
+            </a:r>
+          </a:p>
+          <a:p>
+            <a:endParaRPr lang="en-US" dirty="0">
+              <a:latin typeface="Courier"/>
+            </a:endParaRPr>
+          </a:p>
+          <a:p>
+            <a:r>
+              <a:rPr lang="en-US" sz="1200" dirty="0">
+                <a:solidFill>
+                  <a:srgbClr val="9A9A9A"/>
+                </a:solidFill>
+                <a:highlight>
+                  <a:srgbClr val="FFFFFF"/>
+                </a:highlight>
+                <a:latin typeface="Courier"/>
+              </a:rPr>
+              <a:t>/*</a:t>
+            </a:r>
+            <a:r>
+              <a:rPr lang="en-US" sz="1200" dirty="0" err="1">
+                <a:solidFill>
+                  <a:srgbClr val="9A9A9A"/>
+                </a:solidFill>
+                <a:highlight>
+                  <a:srgbClr val="FFFFFF"/>
+                </a:highlight>
+                <a:latin typeface="Courier"/>
+              </a:rPr>
+              <a:t>Velger</a:t>
+            </a:r>
+            <a:r>
+              <a:rPr lang="en-US" sz="1200" dirty="0">
+                <a:solidFill>
+                  <a:srgbClr val="9A9A9A"/>
+                </a:solidFill>
+                <a:highlight>
+                  <a:srgbClr val="FFFFFF"/>
+                </a:highlight>
+                <a:latin typeface="Courier"/>
+              </a:rPr>
+              <a:t> </a:t>
+            </a:r>
+            <a:r>
+              <a:rPr lang="en-US" sz="1200" dirty="0" err="1">
+                <a:solidFill>
+                  <a:srgbClr val="9A9A9A"/>
+                </a:solidFill>
+                <a:highlight>
+                  <a:srgbClr val="FFFFFF"/>
+                </a:highlight>
+                <a:latin typeface="Courier"/>
+              </a:rPr>
+              <a:t>alle</a:t>
+            </a:r>
+            <a:r>
+              <a:rPr lang="en-US" sz="1200" dirty="0">
+                <a:solidFill>
+                  <a:srgbClr val="9A9A9A"/>
+                </a:solidFill>
+                <a:highlight>
+                  <a:srgbClr val="FFFFFF"/>
+                </a:highlight>
+                <a:latin typeface="Courier"/>
+              </a:rPr>
+              <a:t> </a:t>
+            </a:r>
+            <a:r>
+              <a:rPr lang="en-US" sz="1200" dirty="0" err="1">
+                <a:solidFill>
+                  <a:srgbClr val="9A9A9A"/>
+                </a:solidFill>
+                <a:highlight>
+                  <a:srgbClr val="FFFFFF"/>
+                </a:highlight>
+                <a:latin typeface="Courier"/>
+              </a:rPr>
+              <a:t>img-elementer</a:t>
+            </a:r>
+            <a:r>
+              <a:rPr lang="en-US" sz="1200" dirty="0">
+                <a:solidFill>
+                  <a:srgbClr val="9A9A9A"/>
+                </a:solidFill>
+                <a:highlight>
+                  <a:srgbClr val="FFFFFF"/>
+                </a:highlight>
+                <a:latin typeface="Courier"/>
+              </a:rPr>
+              <a:t> </a:t>
+            </a:r>
+            <a:r>
+              <a:rPr lang="en-US" sz="1200" dirty="0" err="1">
+                <a:solidFill>
+                  <a:srgbClr val="9A9A9A"/>
+                </a:solidFill>
+                <a:highlight>
+                  <a:srgbClr val="FFFFFF"/>
+                </a:highlight>
+                <a:latin typeface="Courier"/>
+              </a:rPr>
+              <a:t>på</a:t>
+            </a:r>
+            <a:r>
+              <a:rPr lang="en-US" sz="1200" dirty="0">
+                <a:solidFill>
+                  <a:srgbClr val="9A9A9A"/>
+                </a:solidFill>
+                <a:highlight>
+                  <a:srgbClr val="FFFFFF"/>
+                </a:highlight>
+                <a:latin typeface="Courier"/>
+              </a:rPr>
+              <a:t> </a:t>
+            </a:r>
+            <a:r>
+              <a:rPr lang="en-US" sz="1200" dirty="0" err="1">
+                <a:solidFill>
+                  <a:srgbClr val="9A9A9A"/>
+                </a:solidFill>
+                <a:highlight>
+                  <a:srgbClr val="FFFFFF"/>
+                </a:highlight>
+                <a:latin typeface="Courier"/>
+              </a:rPr>
+              <a:t>siden</a:t>
+            </a:r>
+            <a:r>
+              <a:rPr lang="en-US" sz="1200" dirty="0">
+                <a:solidFill>
+                  <a:srgbClr val="9A9A9A"/>
+                </a:solidFill>
+                <a:highlight>
+                  <a:srgbClr val="FFFFFF"/>
+                </a:highlight>
+                <a:latin typeface="Courier"/>
+              </a:rPr>
+              <a:t> </a:t>
+            </a:r>
+            <a:r>
+              <a:rPr lang="en-US" sz="1200" dirty="0" err="1">
+                <a:solidFill>
+                  <a:srgbClr val="9A9A9A"/>
+                </a:solidFill>
+                <a:highlight>
+                  <a:srgbClr val="FFFFFF"/>
+                </a:highlight>
+                <a:latin typeface="Courier"/>
+              </a:rPr>
+              <a:t>hvis</a:t>
+            </a:r>
+            <a:r>
+              <a:rPr lang="en-US" sz="1200" dirty="0">
+                <a:solidFill>
+                  <a:srgbClr val="9A9A9A"/>
+                </a:solidFill>
+                <a:highlight>
+                  <a:srgbClr val="FFFFFF"/>
+                </a:highlight>
+                <a:latin typeface="Courier"/>
+              </a:rPr>
+              <a:t> </a:t>
+            </a:r>
+            <a:r>
+              <a:rPr lang="en-US" sz="1200" dirty="0" err="1">
+                <a:solidFill>
+                  <a:srgbClr val="9A9A9A"/>
+                </a:solidFill>
+                <a:highlight>
+                  <a:srgbClr val="FFFFFF"/>
+                </a:highlight>
+                <a:latin typeface="Courier"/>
+              </a:rPr>
+              <a:t>src-atributt</a:t>
+            </a:r>
+            <a:r>
+              <a:rPr lang="en-US" sz="1200" dirty="0">
+                <a:solidFill>
+                  <a:srgbClr val="9A9A9A"/>
+                </a:solidFill>
+                <a:highlight>
+                  <a:srgbClr val="FFFFFF"/>
+                </a:highlight>
+                <a:latin typeface="Courier"/>
+              </a:rPr>
+              <a:t> </a:t>
+            </a:r>
+            <a:r>
+              <a:rPr lang="en-US" sz="1200" dirty="0" err="1">
+                <a:solidFill>
+                  <a:srgbClr val="9A9A9A"/>
+                </a:solidFill>
+                <a:highlight>
+                  <a:srgbClr val="FFFFFF"/>
+                </a:highlight>
+                <a:latin typeface="Courier"/>
+              </a:rPr>
+              <a:t>inneholder</a:t>
+            </a:r>
+            <a:r>
+              <a:rPr lang="en-US" sz="1200" dirty="0">
+                <a:solidFill>
+                  <a:srgbClr val="9A9A9A"/>
+                </a:solidFill>
+                <a:highlight>
+                  <a:srgbClr val="FFFFFF"/>
+                </a:highlight>
+                <a:latin typeface="Courier"/>
+              </a:rPr>
+              <a:t> en substring </a:t>
+            </a:r>
+            <a:r>
+              <a:rPr lang="en-US" sz="1200" dirty="0" err="1">
+                <a:solidFill>
+                  <a:srgbClr val="9A9A9A"/>
+                </a:solidFill>
+                <a:highlight>
+                  <a:srgbClr val="FFFFFF"/>
+                </a:highlight>
+                <a:latin typeface="Courier"/>
+              </a:rPr>
+              <a:t>av</a:t>
+            </a:r>
+            <a:r>
+              <a:rPr lang="en-US" sz="1200" dirty="0">
+                <a:solidFill>
+                  <a:srgbClr val="9A9A9A"/>
+                </a:solidFill>
+                <a:highlight>
+                  <a:srgbClr val="FFFFFF"/>
+                </a:highlight>
+                <a:latin typeface="Courier"/>
+              </a:rPr>
+              <a:t> "</a:t>
+            </a:r>
+            <a:r>
+              <a:rPr lang="en-US" sz="1200" dirty="0" err="1">
+                <a:solidFill>
+                  <a:srgbClr val="9A9A9A"/>
+                </a:solidFill>
+                <a:highlight>
+                  <a:srgbClr val="FFFFFF"/>
+                </a:highlight>
+                <a:latin typeface="Courier"/>
+              </a:rPr>
+              <a:t>tiguan</a:t>
+            </a:r>
+            <a:r>
+              <a:rPr lang="en-US" sz="1200" dirty="0">
+                <a:solidFill>
+                  <a:srgbClr val="9A9A9A"/>
+                </a:solidFill>
+                <a:highlight>
+                  <a:srgbClr val="FFFFFF"/>
+                </a:highlight>
+                <a:latin typeface="Courier"/>
+              </a:rPr>
+              <a:t>"*/</a:t>
+            </a:r>
+          </a:p>
+          <a:p>
+            <a:r>
+              <a:rPr lang="en-US" dirty="0" err="1">
+                <a:solidFill>
+                  <a:srgbClr val="DA29FF"/>
+                </a:solidFill>
+                <a:highlight>
+                  <a:srgbClr val="FFFFFF"/>
+                </a:highlight>
+                <a:latin typeface="Courier"/>
+              </a:rPr>
+              <a:t>img</a:t>
+            </a:r>
+            <a:r>
+              <a:rPr lang="en-US" dirty="0">
+                <a:solidFill>
+                  <a:srgbClr val="DA29FF"/>
+                </a:solidFill>
+                <a:highlight>
+                  <a:srgbClr val="FFFFFF"/>
+                </a:highlight>
+                <a:latin typeface="Courier"/>
+              </a:rPr>
+              <a:t>[</a:t>
+            </a:r>
+            <a:r>
+              <a:rPr lang="en-US" dirty="0" err="1">
+                <a:solidFill>
+                  <a:srgbClr val="05208C"/>
+                </a:solidFill>
+                <a:highlight>
+                  <a:srgbClr val="FFFFFF"/>
+                </a:highlight>
+                <a:latin typeface="Courier"/>
+              </a:rPr>
+              <a:t>src</a:t>
+            </a:r>
+            <a:r>
+              <a:rPr lang="en-US" u="sng" dirty="0">
+                <a:solidFill>
+                  <a:srgbClr val="DA29FF"/>
+                </a:solidFill>
+                <a:highlight>
+                  <a:srgbClr val="FFFFFF"/>
+                </a:highlight>
+                <a:latin typeface="Courier"/>
+              </a:rPr>
+              <a:t>*=</a:t>
+            </a:r>
+            <a:r>
+              <a:rPr lang="en-US" u="sng" dirty="0">
+                <a:solidFill>
+                  <a:srgbClr val="106800"/>
+                </a:solidFill>
+                <a:highlight>
+                  <a:srgbClr val="FFFFFF"/>
+                </a:highlight>
+                <a:latin typeface="Courier"/>
+              </a:rPr>
+              <a:t>"</a:t>
+            </a:r>
+            <a:r>
+              <a:rPr lang="en-US" u="sng" dirty="0" err="1">
+                <a:solidFill>
+                  <a:srgbClr val="106800"/>
+                </a:solidFill>
+                <a:highlight>
+                  <a:srgbClr val="FFFFFF"/>
+                </a:highlight>
+                <a:latin typeface="Courier"/>
+              </a:rPr>
+              <a:t>tiguan</a:t>
+            </a:r>
+            <a:r>
+              <a:rPr lang="en-US" u="sng" dirty="0">
+                <a:solidFill>
+                  <a:srgbClr val="106800"/>
+                </a:solidFill>
+                <a:highlight>
+                  <a:srgbClr val="FFFFFF"/>
+                </a:highlight>
+                <a:latin typeface="Courier"/>
+              </a:rPr>
+              <a:t>"</a:t>
+            </a:r>
+            <a:r>
+              <a:rPr lang="en-US" u="sng" dirty="0">
+                <a:solidFill>
+                  <a:srgbClr val="DA29FF"/>
+                </a:solidFill>
+                <a:highlight>
+                  <a:srgbClr val="FFFFFF"/>
+                </a:highlight>
+                <a:latin typeface="Courier"/>
+              </a:rPr>
+              <a:t>]{</a:t>
+            </a:r>
+          </a:p>
+          <a:p>
+            <a:r>
+              <a:rPr lang="en-US" dirty="0">
+                <a:solidFill>
+                  <a:srgbClr val="DA29FF"/>
+                </a:solidFill>
+                <a:highlight>
+                  <a:srgbClr val="FFFFFF"/>
+                </a:highlight>
+                <a:latin typeface="Courier"/>
+              </a:rPr>
+              <a:t>    </a:t>
+            </a:r>
+            <a:r>
+              <a:rPr lang="en-US" dirty="0">
+                <a:solidFill>
+                  <a:srgbClr val="05208C"/>
+                </a:solidFill>
+                <a:highlight>
+                  <a:srgbClr val="FFFFFF"/>
+                </a:highlight>
+                <a:latin typeface="Courier"/>
+              </a:rPr>
+              <a:t>border</a:t>
+            </a:r>
+            <a:r>
+              <a:rPr lang="en-US" b="1" dirty="0">
+                <a:solidFill>
+                  <a:srgbClr val="DA29FF"/>
+                </a:solidFill>
+                <a:highlight>
+                  <a:srgbClr val="FFFFFF"/>
+                </a:highlight>
+                <a:latin typeface="Courier"/>
+              </a:rPr>
+              <a:t>: </a:t>
+            </a:r>
+            <a:r>
+              <a:rPr lang="en-US" b="1" dirty="0">
+                <a:solidFill>
+                  <a:srgbClr val="0035FF"/>
+                </a:solidFill>
+                <a:highlight>
+                  <a:srgbClr val="FFFFFF"/>
+                </a:highlight>
+                <a:latin typeface="Courier"/>
+              </a:rPr>
+              <a:t>5px</a:t>
+            </a:r>
+            <a:r>
+              <a:rPr lang="en-US" b="1" dirty="0">
+                <a:solidFill>
+                  <a:srgbClr val="DA29FF"/>
+                </a:solidFill>
+                <a:highlight>
+                  <a:srgbClr val="FFFFFF"/>
+                </a:highlight>
+                <a:latin typeface="Courier"/>
+              </a:rPr>
+              <a:t> </a:t>
+            </a:r>
+            <a:r>
+              <a:rPr lang="en-US" b="1" dirty="0">
+                <a:solidFill>
+                  <a:srgbClr val="0035FF"/>
+                </a:solidFill>
+                <a:highlight>
+                  <a:srgbClr val="FFFFFF"/>
+                </a:highlight>
+                <a:latin typeface="Courier"/>
+              </a:rPr>
+              <a:t>solid</a:t>
+            </a:r>
+            <a:r>
+              <a:rPr lang="en-US" b="1" dirty="0">
+                <a:solidFill>
+                  <a:srgbClr val="DA29FF"/>
+                </a:solidFill>
+                <a:highlight>
+                  <a:srgbClr val="FFFFFF"/>
+                </a:highlight>
+                <a:latin typeface="Courier"/>
+              </a:rPr>
+              <a:t> </a:t>
+            </a:r>
+            <a:r>
+              <a:rPr lang="en-US" b="1" dirty="0">
+                <a:solidFill>
+                  <a:srgbClr val="0035FF"/>
+                </a:solidFill>
+                <a:highlight>
+                  <a:srgbClr val="FFFFFF"/>
+                </a:highlight>
+                <a:latin typeface="Courier"/>
+              </a:rPr>
+              <a:t>blue</a:t>
+            </a:r>
+            <a:r>
+              <a:rPr lang="en-US" b="1" dirty="0">
+                <a:solidFill>
+                  <a:srgbClr val="DA29FF"/>
+                </a:solidFill>
+                <a:highlight>
+                  <a:srgbClr val="FFFFFF"/>
+                </a:highlight>
+                <a:latin typeface="Courier"/>
+              </a:rPr>
+              <a:t>;</a:t>
+            </a:r>
+          </a:p>
+          <a:p>
+            <a:r>
+              <a:rPr lang="en-US" dirty="0">
+                <a:solidFill>
+                  <a:srgbClr val="DA29FF"/>
+                </a:solidFill>
+                <a:highlight>
+                  <a:srgbClr val="FFFFFF"/>
+                </a:highlight>
+                <a:latin typeface="Courier"/>
+              </a:rPr>
+              <a:t>}</a:t>
+            </a:r>
+          </a:p>
+          <a:p>
+            <a:endParaRPr lang="en-US" dirty="0">
+              <a:latin typeface="Courier"/>
+            </a:endParaRPr>
+          </a:p>
+          <a:p>
+            <a:r>
+              <a:rPr lang="en-US" sz="1200" dirty="0">
+                <a:solidFill>
+                  <a:srgbClr val="9A9A9A"/>
+                </a:solidFill>
+                <a:highlight>
+                  <a:srgbClr val="FFFFFF"/>
+                </a:highlight>
+                <a:latin typeface="Courier"/>
+              </a:rPr>
+              <a:t>/*</a:t>
+            </a:r>
+            <a:r>
+              <a:rPr lang="en-US" sz="1200" dirty="0" err="1">
+                <a:solidFill>
+                  <a:srgbClr val="9A9A9A"/>
+                </a:solidFill>
+                <a:highlight>
+                  <a:srgbClr val="FFFFFF"/>
+                </a:highlight>
+                <a:latin typeface="Courier"/>
+              </a:rPr>
+              <a:t>Velger</a:t>
+            </a:r>
+            <a:r>
+              <a:rPr lang="en-US" sz="1200" dirty="0">
+                <a:solidFill>
+                  <a:srgbClr val="9A9A9A"/>
+                </a:solidFill>
+                <a:highlight>
+                  <a:srgbClr val="FFFFFF"/>
+                </a:highlight>
+                <a:latin typeface="Courier"/>
+              </a:rPr>
+              <a:t> </a:t>
+            </a:r>
+            <a:r>
+              <a:rPr lang="en-US" sz="1200" dirty="0" err="1">
+                <a:solidFill>
+                  <a:srgbClr val="9A9A9A"/>
+                </a:solidFill>
+                <a:highlight>
+                  <a:srgbClr val="FFFFFF"/>
+                </a:highlight>
+                <a:latin typeface="Courier"/>
+              </a:rPr>
+              <a:t>alle</a:t>
+            </a:r>
+            <a:r>
+              <a:rPr lang="en-US" sz="1200" dirty="0">
+                <a:solidFill>
+                  <a:srgbClr val="9A9A9A"/>
+                </a:solidFill>
+                <a:highlight>
+                  <a:srgbClr val="FFFFFF"/>
+                </a:highlight>
+                <a:latin typeface="Courier"/>
+              </a:rPr>
+              <a:t> </a:t>
+            </a:r>
+            <a:r>
+              <a:rPr lang="en-US" sz="1200" dirty="0" err="1">
+                <a:solidFill>
+                  <a:srgbClr val="9A9A9A"/>
+                </a:solidFill>
+                <a:highlight>
+                  <a:srgbClr val="FFFFFF"/>
+                </a:highlight>
+                <a:latin typeface="Courier"/>
+              </a:rPr>
+              <a:t>img-elementer</a:t>
+            </a:r>
+            <a:r>
+              <a:rPr lang="en-US" sz="1200" dirty="0">
+                <a:solidFill>
+                  <a:srgbClr val="9A9A9A"/>
+                </a:solidFill>
+                <a:highlight>
+                  <a:srgbClr val="FFFFFF"/>
+                </a:highlight>
+                <a:latin typeface="Courier"/>
+              </a:rPr>
+              <a:t> </a:t>
+            </a:r>
+            <a:r>
+              <a:rPr lang="en-US" sz="1200" dirty="0" err="1">
+                <a:solidFill>
+                  <a:srgbClr val="9A9A9A"/>
+                </a:solidFill>
+                <a:highlight>
+                  <a:srgbClr val="FFFFFF"/>
+                </a:highlight>
+                <a:latin typeface="Courier"/>
+              </a:rPr>
+              <a:t>på</a:t>
+            </a:r>
+            <a:r>
+              <a:rPr lang="en-US" sz="1200" dirty="0">
+                <a:solidFill>
+                  <a:srgbClr val="9A9A9A"/>
+                </a:solidFill>
+                <a:highlight>
+                  <a:srgbClr val="FFFFFF"/>
+                </a:highlight>
+                <a:latin typeface="Courier"/>
+              </a:rPr>
+              <a:t> </a:t>
+            </a:r>
+            <a:r>
+              <a:rPr lang="en-US" sz="1200" dirty="0" err="1">
+                <a:solidFill>
+                  <a:srgbClr val="9A9A9A"/>
+                </a:solidFill>
+                <a:highlight>
+                  <a:srgbClr val="FFFFFF"/>
+                </a:highlight>
+                <a:latin typeface="Courier"/>
+              </a:rPr>
+              <a:t>siden</a:t>
+            </a:r>
+            <a:r>
+              <a:rPr lang="en-US" sz="1200" dirty="0">
+                <a:solidFill>
+                  <a:srgbClr val="9A9A9A"/>
+                </a:solidFill>
+                <a:highlight>
+                  <a:srgbClr val="FFFFFF"/>
+                </a:highlight>
+                <a:latin typeface="Courier"/>
+              </a:rPr>
+              <a:t> </a:t>
+            </a:r>
+            <a:r>
+              <a:rPr lang="en-US" sz="1200" dirty="0" err="1">
+                <a:solidFill>
+                  <a:srgbClr val="9A9A9A"/>
+                </a:solidFill>
+                <a:highlight>
+                  <a:srgbClr val="FFFFFF"/>
+                </a:highlight>
+                <a:latin typeface="Courier"/>
+              </a:rPr>
+              <a:t>hvis</a:t>
+            </a:r>
+            <a:r>
+              <a:rPr lang="en-US" sz="1200" dirty="0">
+                <a:solidFill>
+                  <a:srgbClr val="9A9A9A"/>
+                </a:solidFill>
+                <a:highlight>
+                  <a:srgbClr val="FFFFFF"/>
+                </a:highlight>
+                <a:latin typeface="Courier"/>
+              </a:rPr>
+              <a:t> </a:t>
+            </a:r>
+            <a:r>
+              <a:rPr lang="en-US" sz="1200" dirty="0" err="1">
+                <a:solidFill>
+                  <a:srgbClr val="9A9A9A"/>
+                </a:solidFill>
+                <a:highlight>
+                  <a:srgbClr val="FFFFFF"/>
+                </a:highlight>
+                <a:latin typeface="Courier"/>
+              </a:rPr>
+              <a:t>src-atributt</a:t>
+            </a:r>
+            <a:r>
+              <a:rPr lang="en-US" sz="1200" dirty="0">
+                <a:solidFill>
+                  <a:srgbClr val="9A9A9A"/>
+                </a:solidFill>
+                <a:highlight>
+                  <a:srgbClr val="FFFFFF"/>
+                </a:highlight>
+                <a:latin typeface="Courier"/>
+              </a:rPr>
+              <a:t> </a:t>
+            </a:r>
+            <a:r>
+              <a:rPr lang="en-US" sz="1200" dirty="0" err="1">
+                <a:solidFill>
+                  <a:srgbClr val="9A9A9A"/>
+                </a:solidFill>
+                <a:highlight>
+                  <a:srgbClr val="FFFFFF"/>
+                </a:highlight>
+                <a:latin typeface="Courier"/>
+              </a:rPr>
+              <a:t>slutter</a:t>
+            </a:r>
+            <a:r>
+              <a:rPr lang="en-US" sz="1200" dirty="0">
+                <a:solidFill>
+                  <a:srgbClr val="9A9A9A"/>
+                </a:solidFill>
+                <a:highlight>
+                  <a:srgbClr val="FFFFFF"/>
+                </a:highlight>
+                <a:latin typeface="Courier"/>
+              </a:rPr>
+              <a:t> </a:t>
+            </a:r>
+            <a:r>
+              <a:rPr lang="en-US" sz="1200" dirty="0" err="1">
+                <a:solidFill>
+                  <a:srgbClr val="9A9A9A"/>
+                </a:solidFill>
+                <a:highlight>
+                  <a:srgbClr val="FFFFFF"/>
+                </a:highlight>
+                <a:latin typeface="Courier"/>
+              </a:rPr>
+              <a:t>på</a:t>
+            </a:r>
+            <a:r>
+              <a:rPr lang="en-US" sz="1200" dirty="0">
+                <a:solidFill>
+                  <a:srgbClr val="9A9A9A"/>
+                </a:solidFill>
+                <a:highlight>
+                  <a:srgbClr val="FFFFFF"/>
+                </a:highlight>
+                <a:latin typeface="Courier"/>
+              </a:rPr>
+              <a:t> .jpg*/</a:t>
+            </a:r>
+          </a:p>
+          <a:p>
+            <a:r>
+              <a:rPr lang="da-DK" dirty="0" err="1">
+                <a:solidFill>
+                  <a:srgbClr val="DA29FF"/>
+                </a:solidFill>
+                <a:highlight>
+                  <a:srgbClr val="FFFFFF"/>
+                </a:highlight>
+                <a:latin typeface="Courier"/>
+              </a:rPr>
+              <a:t>img</a:t>
+            </a:r>
+            <a:r>
+              <a:rPr lang="da-DK" dirty="0">
+                <a:solidFill>
+                  <a:srgbClr val="DA29FF"/>
+                </a:solidFill>
+                <a:highlight>
+                  <a:srgbClr val="FFFFFF"/>
+                </a:highlight>
+                <a:latin typeface="Courier"/>
+              </a:rPr>
+              <a:t>[</a:t>
+            </a:r>
+            <a:r>
+              <a:rPr lang="da-DK" dirty="0" err="1">
+                <a:solidFill>
+                  <a:srgbClr val="05208C"/>
+                </a:solidFill>
+                <a:highlight>
+                  <a:srgbClr val="FFFFFF"/>
+                </a:highlight>
+                <a:latin typeface="Courier"/>
+              </a:rPr>
+              <a:t>src</a:t>
+            </a:r>
+            <a:r>
+              <a:rPr lang="da-DK" dirty="0">
+                <a:solidFill>
+                  <a:srgbClr val="DA29FF"/>
+                </a:solidFill>
+                <a:highlight>
+                  <a:srgbClr val="FFFFFF"/>
+                </a:highlight>
+                <a:latin typeface="Courier"/>
+              </a:rPr>
+              <a:t>$=</a:t>
+            </a:r>
+            <a:r>
+              <a:rPr lang="da-DK" dirty="0">
+                <a:solidFill>
+                  <a:srgbClr val="106800"/>
+                </a:solidFill>
+                <a:highlight>
+                  <a:srgbClr val="FFFFFF"/>
+                </a:highlight>
+                <a:latin typeface="Courier"/>
+              </a:rPr>
+              <a:t>".jpg"</a:t>
+            </a:r>
+            <a:r>
+              <a:rPr lang="da-DK" dirty="0">
+                <a:solidFill>
+                  <a:srgbClr val="DA29FF"/>
+                </a:solidFill>
+                <a:highlight>
+                  <a:srgbClr val="FFFFFF"/>
+                </a:highlight>
+                <a:latin typeface="Courier"/>
+              </a:rPr>
+              <a:t>]{</a:t>
+            </a:r>
+          </a:p>
+          <a:p>
+            <a:r>
+              <a:rPr lang="en-US" dirty="0">
+                <a:solidFill>
+                  <a:srgbClr val="DA29FF"/>
+                </a:solidFill>
+                <a:highlight>
+                  <a:srgbClr val="FFFFFF"/>
+                </a:highlight>
+                <a:latin typeface="Courier"/>
+              </a:rPr>
+              <a:t>    </a:t>
+            </a:r>
+            <a:r>
+              <a:rPr lang="en-US" dirty="0">
+                <a:solidFill>
+                  <a:srgbClr val="05208C"/>
+                </a:solidFill>
+                <a:highlight>
+                  <a:srgbClr val="FFFFFF"/>
+                </a:highlight>
+                <a:latin typeface="Courier"/>
+              </a:rPr>
+              <a:t>width</a:t>
+            </a:r>
+            <a:r>
+              <a:rPr lang="en-US" b="1" dirty="0">
+                <a:solidFill>
+                  <a:srgbClr val="DA29FF"/>
+                </a:solidFill>
+                <a:highlight>
+                  <a:srgbClr val="FFFFFF"/>
+                </a:highlight>
+                <a:latin typeface="Courier"/>
+              </a:rPr>
+              <a:t>: </a:t>
+            </a:r>
+            <a:r>
+              <a:rPr lang="en-US" b="1" dirty="0">
+                <a:solidFill>
+                  <a:srgbClr val="0035FF"/>
+                </a:solidFill>
+                <a:highlight>
+                  <a:srgbClr val="FFFFFF"/>
+                </a:highlight>
+                <a:latin typeface="Courier"/>
+              </a:rPr>
+              <a:t>10em</a:t>
+            </a:r>
+            <a:r>
+              <a:rPr lang="en-US" b="1" dirty="0">
+                <a:solidFill>
+                  <a:srgbClr val="DA29FF"/>
+                </a:solidFill>
+                <a:highlight>
+                  <a:srgbClr val="FFFFFF"/>
+                </a:highlight>
+                <a:latin typeface="Courier"/>
+              </a:rPr>
+              <a:t>;</a:t>
+            </a:r>
+          </a:p>
+          <a:p>
+            <a:r>
+              <a:rPr lang="en-US" dirty="0">
+                <a:solidFill>
+                  <a:srgbClr val="DA29FF"/>
+                </a:solidFill>
+                <a:highlight>
+                  <a:srgbClr val="FFFFFF"/>
+                </a:highlight>
+                <a:latin typeface="Courier"/>
+              </a:rPr>
+              <a:t>}</a:t>
+            </a:r>
+            <a:endParaRPr lang="en-US" dirty="0"/>
           </a:p>
         </p:txBody>
       </p:sp>
     </p:spTree>
     <p:extLst>
       <p:ext uri="{BB962C8B-B14F-4D97-AF65-F5344CB8AC3E}">
-        <p14:creationId xmlns:p14="http://schemas.microsoft.com/office/powerpoint/2010/main" val="2184467542"/>
+        <p14:creationId xmlns:p14="http://schemas.microsoft.com/office/powerpoint/2010/main" val="464826539"/>
       </p:ext>
     </p:extLst>
   </p:cSld>
@@ -3385,20 +4636,470 @@
       </p:sp>
       <p:sp>
         <p:nvSpPr>
-          <p:cNvPr id="3" name="Content Placeholder 2"/>
-          <p:cNvSpPr>
-            <a:spLocks noGrp="1"/>
-          </p:cNvSpPr>
-          <p:nvPr>
-            <p:ph idx="1"/>
-          </p:nvPr>
+          <p:cNvPr id="4" name="Rectangle 3"/>
+          <p:cNvSpPr/>
+          <p:nvPr/>
         </p:nvSpPr>
-        <p:spPr/>
+        <p:spPr>
+          <a:xfrm>
+            <a:off x="986118" y="1556088"/>
+            <a:ext cx="7918822" cy="2031325"/>
+          </a:xfrm>
+          <a:prstGeom prst="rect">
+            <a:avLst/>
+          </a:prstGeom>
+        </p:spPr>
         <p:txBody>
-          <a:bodyPr/>
+          <a:bodyPr wrap="square">
+            <a:spAutoFit/>
+          </a:bodyPr>
           <a:lstStyle/>
           <a:p>
-            <a:endParaRPr lang="en-US"/>
+            <a:r>
+              <a:rPr lang="en-US" dirty="0">
+                <a:solidFill>
+                  <a:srgbClr val="9A9A9A"/>
+                </a:solidFill>
+                <a:highlight>
+                  <a:srgbClr val="FFFFFF"/>
+                </a:highlight>
+                <a:latin typeface="Courier"/>
+              </a:rPr>
+              <a:t>/* Grouping - </a:t>
+            </a:r>
+            <a:r>
+              <a:rPr lang="en-US" dirty="0" err="1">
+                <a:solidFill>
+                  <a:srgbClr val="9A9A9A"/>
+                </a:solidFill>
+                <a:highlight>
+                  <a:srgbClr val="FFFFFF"/>
+                </a:highlight>
+                <a:latin typeface="Courier"/>
+              </a:rPr>
+              <a:t>flere</a:t>
+            </a:r>
+            <a:r>
+              <a:rPr lang="en-US" dirty="0">
+                <a:solidFill>
+                  <a:srgbClr val="9A9A9A"/>
+                </a:solidFill>
+                <a:highlight>
+                  <a:srgbClr val="FFFFFF"/>
+                </a:highlight>
+                <a:latin typeface="Courier"/>
+              </a:rPr>
+              <a:t> </a:t>
+            </a:r>
+            <a:r>
+              <a:rPr lang="en-US" dirty="0" err="1">
+                <a:solidFill>
+                  <a:srgbClr val="9A9A9A"/>
+                </a:solidFill>
+                <a:highlight>
+                  <a:srgbClr val="FFFFFF"/>
+                </a:highlight>
+                <a:latin typeface="Courier"/>
+              </a:rPr>
+              <a:t>selektorer</a:t>
+            </a:r>
+            <a:r>
+              <a:rPr lang="en-US" dirty="0">
+                <a:solidFill>
+                  <a:srgbClr val="9A9A9A"/>
+                </a:solidFill>
+                <a:highlight>
+                  <a:srgbClr val="FFFFFF"/>
+                </a:highlight>
+                <a:latin typeface="Courier"/>
+              </a:rPr>
+              <a:t>, </a:t>
+            </a:r>
+            <a:r>
+              <a:rPr lang="en-US" dirty="0" err="1">
+                <a:solidFill>
+                  <a:srgbClr val="9A9A9A"/>
+                </a:solidFill>
+                <a:highlight>
+                  <a:srgbClr val="FFFFFF"/>
+                </a:highlight>
+                <a:latin typeface="Courier"/>
+              </a:rPr>
+              <a:t>samme</a:t>
+            </a:r>
+            <a:r>
+              <a:rPr lang="en-US" dirty="0">
+                <a:solidFill>
+                  <a:srgbClr val="9A9A9A"/>
+                </a:solidFill>
+                <a:highlight>
+                  <a:srgbClr val="FFFFFF"/>
+                </a:highlight>
+                <a:latin typeface="Courier"/>
+              </a:rPr>
+              <a:t> </a:t>
+            </a:r>
+            <a:r>
+              <a:rPr lang="en-US" dirty="0" err="1">
+                <a:solidFill>
+                  <a:srgbClr val="9A9A9A"/>
+                </a:solidFill>
+                <a:highlight>
+                  <a:srgbClr val="FFFFFF"/>
+                </a:highlight>
+                <a:latin typeface="Courier"/>
+              </a:rPr>
+              <a:t>stil</a:t>
+            </a:r>
+            <a:r>
+              <a:rPr lang="en-US" dirty="0">
+                <a:solidFill>
+                  <a:srgbClr val="9A9A9A"/>
+                </a:solidFill>
+                <a:highlight>
+                  <a:srgbClr val="FFFFFF"/>
+                </a:highlight>
+                <a:latin typeface="Courier"/>
+              </a:rPr>
+              <a:t>. </a:t>
+            </a:r>
+          </a:p>
+          <a:p>
+            <a:r>
+              <a:rPr lang="en-US" dirty="0">
+                <a:solidFill>
+                  <a:srgbClr val="9A9A9A"/>
+                </a:solidFill>
+                <a:highlight>
+                  <a:srgbClr val="FFFFFF"/>
+                </a:highlight>
+                <a:latin typeface="Courier"/>
+              </a:rPr>
+              <a:t> * </a:t>
+            </a:r>
+            <a:r>
+              <a:rPr lang="en-US" dirty="0" err="1">
+                <a:solidFill>
+                  <a:srgbClr val="9A9A9A"/>
+                </a:solidFill>
+                <a:highlight>
+                  <a:srgbClr val="FFFFFF"/>
+                </a:highlight>
+                <a:latin typeface="Courier"/>
+              </a:rPr>
+              <a:t>Litt</a:t>
+            </a:r>
+            <a:r>
+              <a:rPr lang="en-US" dirty="0">
+                <a:solidFill>
+                  <a:srgbClr val="9A9A9A"/>
+                </a:solidFill>
+                <a:highlight>
+                  <a:srgbClr val="FFFFFF"/>
+                </a:highlight>
+                <a:latin typeface="Courier"/>
+              </a:rPr>
+              <a:t> </a:t>
+            </a:r>
+            <a:r>
+              <a:rPr lang="en-US" dirty="0" err="1">
+                <a:solidFill>
+                  <a:srgbClr val="9A9A9A"/>
+                </a:solidFill>
+                <a:highlight>
+                  <a:srgbClr val="FFFFFF"/>
+                </a:highlight>
+                <a:latin typeface="Courier"/>
+              </a:rPr>
+              <a:t>mindre</a:t>
+            </a:r>
+            <a:r>
+              <a:rPr lang="en-US" dirty="0">
+                <a:solidFill>
+                  <a:srgbClr val="9A9A9A"/>
+                </a:solidFill>
+                <a:highlight>
+                  <a:srgbClr val="FFFFFF"/>
+                </a:highlight>
+                <a:latin typeface="Courier"/>
+              </a:rPr>
+              <a:t> </a:t>
+            </a:r>
+            <a:r>
+              <a:rPr lang="en-US" dirty="0" err="1">
+                <a:solidFill>
+                  <a:srgbClr val="9A9A9A"/>
+                </a:solidFill>
+                <a:highlight>
+                  <a:srgbClr val="FFFFFF"/>
+                </a:highlight>
+                <a:latin typeface="Courier"/>
+              </a:rPr>
+              <a:t>kode</a:t>
+            </a:r>
+            <a:r>
+              <a:rPr lang="en-US" dirty="0">
+                <a:solidFill>
+                  <a:srgbClr val="9A9A9A"/>
+                </a:solidFill>
+                <a:highlight>
+                  <a:srgbClr val="FFFFFF"/>
+                </a:highlight>
+                <a:latin typeface="Courier"/>
+              </a:rPr>
+              <a:t> */</a:t>
+            </a:r>
+          </a:p>
+          <a:p>
+            <a:r>
+              <a:rPr lang="en-US" dirty="0">
+                <a:solidFill>
+                  <a:srgbClr val="DA29FF"/>
+                </a:solidFill>
+                <a:highlight>
+                  <a:srgbClr val="FFFFFF"/>
+                </a:highlight>
+                <a:latin typeface="Courier"/>
+              </a:rPr>
+              <a:t>h1</a:t>
+            </a:r>
+            <a:r>
+              <a:rPr lang="en-US" b="1" dirty="0">
+                <a:solidFill>
+                  <a:srgbClr val="DA29FF"/>
+                </a:solidFill>
+                <a:highlight>
+                  <a:srgbClr val="FFFFFF"/>
+                </a:highlight>
+                <a:latin typeface="Courier"/>
+              </a:rPr>
+              <a:t>, h2, h3{</a:t>
+            </a:r>
+          </a:p>
+          <a:p>
+            <a:r>
+              <a:rPr lang="cs-CZ" dirty="0">
+                <a:solidFill>
+                  <a:srgbClr val="DA29FF"/>
+                </a:solidFill>
+                <a:highlight>
+                  <a:srgbClr val="FFFFFF"/>
+                </a:highlight>
+                <a:latin typeface="Courier"/>
+              </a:rPr>
+              <a:t>    </a:t>
+            </a:r>
+            <a:r>
+              <a:rPr lang="cs-CZ" dirty="0" err="1">
+                <a:solidFill>
+                  <a:srgbClr val="05208C"/>
+                </a:solidFill>
+                <a:highlight>
+                  <a:srgbClr val="FFFFFF"/>
+                </a:highlight>
+                <a:latin typeface="Courier"/>
+              </a:rPr>
+              <a:t>color</a:t>
+            </a:r>
+            <a:r>
+              <a:rPr lang="cs-CZ" b="1" dirty="0">
+                <a:solidFill>
+                  <a:srgbClr val="DA29FF"/>
+                </a:solidFill>
+                <a:highlight>
+                  <a:srgbClr val="FFFFFF"/>
+                </a:highlight>
+                <a:latin typeface="Courier"/>
+              </a:rPr>
+              <a:t>: </a:t>
+            </a:r>
+            <a:r>
+              <a:rPr lang="cs-CZ" b="1" dirty="0">
+                <a:solidFill>
+                  <a:srgbClr val="0035FF"/>
+                </a:solidFill>
+                <a:highlight>
+                  <a:srgbClr val="FFFFFF"/>
+                </a:highlight>
+                <a:latin typeface="Courier"/>
+              </a:rPr>
+              <a:t>#446181</a:t>
+            </a:r>
+            <a:r>
+              <a:rPr lang="cs-CZ" b="1" dirty="0">
+                <a:solidFill>
+                  <a:srgbClr val="DA29FF"/>
+                </a:solidFill>
+                <a:highlight>
+                  <a:srgbClr val="FFFFFF"/>
+                </a:highlight>
+                <a:latin typeface="Courier"/>
+              </a:rPr>
+              <a:t>;</a:t>
+            </a:r>
+          </a:p>
+          <a:p>
+            <a:r>
+              <a:rPr lang="en-US" dirty="0">
+                <a:solidFill>
+                  <a:srgbClr val="DA29FF"/>
+                </a:solidFill>
+                <a:highlight>
+                  <a:srgbClr val="FFFFFF"/>
+                </a:highlight>
+                <a:latin typeface="Courier"/>
+              </a:rPr>
+              <a:t>    </a:t>
+            </a:r>
+            <a:r>
+              <a:rPr lang="en-US" dirty="0">
+                <a:solidFill>
+                  <a:srgbClr val="05208C"/>
+                </a:solidFill>
+                <a:highlight>
+                  <a:srgbClr val="FFFFFF"/>
+                </a:highlight>
+                <a:latin typeface="Courier"/>
+              </a:rPr>
+              <a:t>line-height</a:t>
+            </a:r>
+            <a:r>
+              <a:rPr lang="en-US" b="1" dirty="0">
+                <a:solidFill>
+                  <a:srgbClr val="DA29FF"/>
+                </a:solidFill>
+                <a:highlight>
+                  <a:srgbClr val="FFFFFF"/>
+                </a:highlight>
+                <a:latin typeface="Courier"/>
+              </a:rPr>
+              <a:t>: </a:t>
+            </a:r>
+            <a:r>
+              <a:rPr lang="en-US" b="1" dirty="0">
+                <a:solidFill>
+                  <a:srgbClr val="0035FF"/>
+                </a:solidFill>
+                <a:highlight>
+                  <a:srgbClr val="FFFFFF"/>
+                </a:highlight>
+                <a:latin typeface="Courier"/>
+              </a:rPr>
+              <a:t>2.500em</a:t>
+            </a:r>
+            <a:r>
+              <a:rPr lang="en-US" b="1" dirty="0">
+                <a:solidFill>
+                  <a:srgbClr val="DA29FF"/>
+                </a:solidFill>
+                <a:highlight>
+                  <a:srgbClr val="FFFFFF"/>
+                </a:highlight>
+                <a:latin typeface="Courier"/>
+              </a:rPr>
+              <a:t>;</a:t>
+            </a:r>
+          </a:p>
+          <a:p>
+            <a:r>
+              <a:rPr lang="pt-BR" dirty="0">
+                <a:solidFill>
+                  <a:srgbClr val="DA29FF"/>
+                </a:solidFill>
+                <a:highlight>
+                  <a:srgbClr val="FFFFFF"/>
+                </a:highlight>
+                <a:latin typeface="Courier"/>
+              </a:rPr>
+              <a:t>    </a:t>
+            </a:r>
+            <a:r>
+              <a:rPr lang="pt-BR" dirty="0" err="1">
+                <a:solidFill>
+                  <a:srgbClr val="05208C"/>
+                </a:solidFill>
+                <a:highlight>
+                  <a:srgbClr val="FFFFFF"/>
+                </a:highlight>
+                <a:latin typeface="Courier"/>
+              </a:rPr>
+              <a:t>margin</a:t>
+            </a:r>
+            <a:r>
+              <a:rPr lang="pt-BR" b="1" dirty="0">
+                <a:solidFill>
+                  <a:srgbClr val="DA29FF"/>
+                </a:solidFill>
+                <a:highlight>
+                  <a:srgbClr val="FFFFFF"/>
+                </a:highlight>
+                <a:latin typeface="Courier"/>
+              </a:rPr>
+              <a:t>: </a:t>
+            </a:r>
+            <a:r>
+              <a:rPr lang="pt-BR" b="1" dirty="0">
+                <a:solidFill>
+                  <a:srgbClr val="0035FF"/>
+                </a:solidFill>
+                <a:highlight>
+                  <a:srgbClr val="FFFFFF"/>
+                </a:highlight>
+                <a:latin typeface="Courier"/>
+              </a:rPr>
+              <a:t>0.625em</a:t>
+            </a:r>
+            <a:r>
+              <a:rPr lang="pt-BR" b="1" dirty="0">
+                <a:solidFill>
+                  <a:srgbClr val="DA29FF"/>
+                </a:solidFill>
+                <a:highlight>
+                  <a:srgbClr val="FFFFFF"/>
+                </a:highlight>
+                <a:latin typeface="Courier"/>
+              </a:rPr>
+              <a:t> </a:t>
+            </a:r>
+            <a:r>
+              <a:rPr lang="pt-BR" b="1" dirty="0">
+                <a:solidFill>
+                  <a:srgbClr val="0035FF"/>
+                </a:solidFill>
+                <a:highlight>
+                  <a:srgbClr val="FFFFFF"/>
+                </a:highlight>
+                <a:latin typeface="Courier"/>
+              </a:rPr>
+              <a:t>0.125em</a:t>
+            </a:r>
+            <a:r>
+              <a:rPr lang="pt-BR" b="1" dirty="0">
+                <a:solidFill>
+                  <a:srgbClr val="DA29FF"/>
+                </a:solidFill>
+                <a:highlight>
+                  <a:srgbClr val="FFFFFF"/>
+                </a:highlight>
+                <a:latin typeface="Courier"/>
+              </a:rPr>
+              <a:t>;</a:t>
+            </a:r>
+          </a:p>
+          <a:p>
+            <a:r>
+              <a:rPr lang="pt-BR" dirty="0">
+                <a:solidFill>
+                  <a:srgbClr val="DA29FF"/>
+                </a:solidFill>
+                <a:highlight>
+                  <a:srgbClr val="FFFFFF"/>
+                </a:highlight>
+                <a:latin typeface="Courier"/>
+              </a:rPr>
+              <a:t>}</a:t>
+            </a:r>
+            <a:endParaRPr lang="en-US" dirty="0"/>
           </a:p>
         </p:txBody>
       </p:sp>
@@ -3448,8 +5149,8 @@
           <a:lstStyle/>
           <a:p>
             <a:r>
-              <a:rPr lang="en-US" dirty="0" err="1" smtClean="0"/>
-              <a:t>Navngiving</a:t>
+              <a:rPr lang="en-US" dirty="0" smtClean="0"/>
+              <a:t>Nesting</a:t>
             </a:r>
             <a:endParaRPr lang="en-US" dirty="0"/>
           </a:p>
@@ -3470,6 +5171,78 @@
           <a:bodyPr/>
           <a:lstStyle/>
           <a:p>
+            <a:endParaRPr lang="en-US"/>
+          </a:p>
+        </p:txBody>
+      </p:sp>
+    </p:spTree>
+    <p:extLst>
+      <p:ext uri="{BB962C8B-B14F-4D97-AF65-F5344CB8AC3E}">
+        <p14:creationId xmlns:p14="http://schemas.microsoft.com/office/powerpoint/2010/main" val="2184467542"/>
+      </p:ext>
+    </p:extLst>
+  </p:cSld>
+  <p:clrMapOvr>
+    <a:masterClrMapping/>
+  </p:clrMapOvr>
+</p:sld>
+</file>
+
+<file path=ppt/slides/slide13.xml><?xml version="1.0" encoding="utf-8"?>
+<p:sld xmlns:a="http://schemas.openxmlformats.org/drawingml/2006/main" xmlns:r="http://schemas.openxmlformats.org/officeDocument/2006/relationships" xmlns:p="http://schemas.openxmlformats.org/presentationml/2006/main">
+  <p:cSld>
+    <p:spTree>
+      <p:nvGrpSpPr>
+        <p:cNvPr id="1" name=""/>
+        <p:cNvGrpSpPr/>
+        <p:nvPr/>
+      </p:nvGrpSpPr>
+      <p:grpSpPr>
+        <a:xfrm>
+          <a:off x="0" y="0"/>
+          <a:ext cx="0" cy="0"/>
+          <a:chOff x="0" y="0"/>
+          <a:chExt cx="0" cy="0"/>
+        </a:xfrm>
+      </p:grpSpPr>
+      <p:sp>
+        <p:nvSpPr>
+          <p:cNvPr id="2" name="Title 1"/>
+          <p:cNvSpPr>
+            <a:spLocks noGrp="1"/>
+          </p:cNvSpPr>
+          <p:nvPr>
+            <p:ph type="title"/>
+          </p:nvPr>
+        </p:nvSpPr>
+        <p:spPr/>
+        <p:txBody>
+          <a:bodyPr/>
+          <a:lstStyle/>
+          <a:p>
+            <a:r>
+              <a:rPr lang="en-US" dirty="0" err="1" smtClean="0"/>
+              <a:t>Navngiving</a:t>
+            </a:r>
+            <a:endParaRPr lang="en-US" dirty="0"/>
+          </a:p>
+        </p:txBody>
+      </p:sp>
+      <p:sp>
+        <p:nvSpPr>
+          <p:cNvPr id="3" name="Content Placeholder 2"/>
+          <p:cNvSpPr>
+            <a:spLocks noGrp="1"/>
+          </p:cNvSpPr>
+          <p:nvPr>
+            <p:ph idx="1"/>
+          </p:nvPr>
+        </p:nvSpPr>
+        <p:spPr/>
+        <p:txBody>
+          <a:bodyPr/>
+          <a:lstStyle/>
+          <a:p>
             <a:r>
               <a:rPr lang="en-US" dirty="0" smtClean="0"/>
               <a:t>God </a:t>
@@ -3519,7 +5292,7 @@
 </p:sld>
 </file>
 
-<file path=ppt/slides/slide13.xml><?xml version="1.0" encoding="utf-8"?>
+<file path=ppt/slides/slide14.xml><?xml version="1.0" encoding="utf-8"?>
 <p:sld xmlns:a="http://schemas.openxmlformats.org/drawingml/2006/main" xmlns:r="http://schemas.openxmlformats.org/officeDocument/2006/relationships" xmlns:p="http://schemas.openxmlformats.org/presentationml/2006/main">
   <p:cSld>
     <p:spTree>
@@ -3660,78 +5433,6 @@
 </p:sld>
 </file>
 
-<file path=ppt/slides/slide14.xml><?xml version="1.0" encoding="utf-8"?>
-<p:sld xmlns:a="http://schemas.openxmlformats.org/drawingml/2006/main" xmlns:r="http://schemas.openxmlformats.org/officeDocument/2006/relationships" xmlns:p="http://schemas.openxmlformats.org/presentationml/2006/main">
-  <p:cSld>
-    <p:spTree>
-      <p:nvGrpSpPr>
-        <p:cNvPr id="1" name=""/>
-        <p:cNvGrpSpPr/>
-        <p:nvPr/>
-      </p:nvGrpSpPr>
-      <p:grpSpPr>
-        <a:xfrm>
-          <a:off x="0" y="0"/>
-          <a:ext cx="0" cy="0"/>
-          <a:chOff x="0" y="0"/>
-          <a:chExt cx="0" cy="0"/>
-        </a:xfrm>
-      </p:grpSpPr>
-      <p:sp>
-        <p:nvSpPr>
-          <p:cNvPr id="2" name="Title 1"/>
-          <p:cNvSpPr>
-            <a:spLocks noGrp="1"/>
-          </p:cNvSpPr>
-          <p:nvPr>
-            <p:ph type="title"/>
-          </p:nvPr>
-        </p:nvSpPr>
-        <p:spPr/>
-        <p:txBody>
-          <a:bodyPr/>
-          <a:lstStyle/>
-          <a:p>
-            <a:r>
-              <a:rPr lang="en-US" dirty="0" smtClean="0"/>
-              <a:t>Float</a:t>
-            </a:r>
-            <a:endParaRPr lang="en-US" dirty="0"/>
-          </a:p>
-        </p:txBody>
-      </p:sp>
-      <p:sp>
-        <p:nvSpPr>
-          <p:cNvPr id="3" name="Content Placeholder 2"/>
-          <p:cNvSpPr>
-            <a:spLocks noGrp="1"/>
-          </p:cNvSpPr>
-          <p:nvPr>
-            <p:ph idx="1"/>
-          </p:nvPr>
-        </p:nvSpPr>
-        <p:spPr/>
-        <p:txBody>
-          <a:bodyPr/>
-          <a:lstStyle/>
-          <a:p>
-            <a:endParaRPr lang="en-US"/>
-          </a:p>
-        </p:txBody>
-      </p:sp>
-    </p:spTree>
-    <p:extLst>
-      <p:ext uri="{BB962C8B-B14F-4D97-AF65-F5344CB8AC3E}">
-        <p14:creationId xmlns:p14="http://schemas.microsoft.com/office/powerpoint/2010/main" val="715430375"/>
-      </p:ext>
-    </p:extLst>
-  </p:cSld>
-  <p:clrMapOvr>
-    <a:masterClrMapping/>
-  </p:clrMapOvr>
-</p:sld>
-</file>
-
 <file path=ppt/slides/slide15.xml><?xml version="1.0" encoding="utf-8"?>
 <p:sld xmlns:a="http://schemas.openxmlformats.org/drawingml/2006/main" xmlns:r="http://schemas.openxmlformats.org/officeDocument/2006/relationships" xmlns:p="http://schemas.openxmlformats.org/presentationml/2006/main">
   <p:cSld>
@@ -3766,7 +5467,7 @@
           <a:p>
             <a:r>
               <a:rPr lang="en-US" dirty="0" smtClean="0"/>
-              <a:t>Clear</a:t>
+              <a:t>Float</a:t>
             </a:r>
             <a:endParaRPr lang="en-US" dirty="0"/>
           </a:p>
@@ -3794,7 +5495,7 @@
     </p:spTree>
     <p:extLst>
       <p:ext uri="{BB962C8B-B14F-4D97-AF65-F5344CB8AC3E}">
-        <p14:creationId xmlns:p14="http://schemas.microsoft.com/office/powerpoint/2010/main" val="1420108947"/>
+        <p14:creationId xmlns:p14="http://schemas.microsoft.com/office/powerpoint/2010/main" val="715430375"/>
       </p:ext>
     </p:extLst>
   </p:cSld>
@@ -3838,7 +5539,7 @@
           <a:p>
             <a:r>
               <a:rPr lang="en-US" dirty="0" smtClean="0"/>
-              <a:t>Borders</a:t>
+              <a:t>Clear</a:t>
             </a:r>
             <a:endParaRPr lang="en-US" dirty="0"/>
           </a:p>
@@ -3859,23 +5560,14 @@
           <a:bodyPr/>
           <a:lstStyle/>
           <a:p>
-            <a:pPr marL="0" indent="0">
-              <a:buNone/>
-            </a:pPr>
-            <a:endParaRPr lang="en-US" dirty="0"/>
-          </a:p>
-          <a:p>
-            <a:pPr marL="0" indent="0">
-              <a:buNone/>
-            </a:pPr>
-            <a:endParaRPr lang="en-US" dirty="0"/>
+            <a:endParaRPr lang="en-US"/>
           </a:p>
         </p:txBody>
       </p:sp>
     </p:spTree>
     <p:extLst>
       <p:ext uri="{BB962C8B-B14F-4D97-AF65-F5344CB8AC3E}">
-        <p14:creationId xmlns:p14="http://schemas.microsoft.com/office/powerpoint/2010/main" val="3228853879"/>
+        <p14:creationId xmlns:p14="http://schemas.microsoft.com/office/powerpoint/2010/main" val="1420108947"/>
       </p:ext>
     </p:extLst>
   </p:cSld>
@@ -3919,7 +5611,7 @@
           <a:p>
             <a:r>
               <a:rPr lang="en-US" dirty="0" smtClean="0"/>
-              <a:t>Fonts</a:t>
+              <a:t>Borders</a:t>
             </a:r>
             <a:endParaRPr lang="en-US" dirty="0"/>
           </a:p>
@@ -3940,6 +5632,87 @@
           <a:bodyPr/>
           <a:lstStyle/>
           <a:p>
+            <a:pPr marL="0" indent="0">
+              <a:buNone/>
+            </a:pPr>
+            <a:endParaRPr lang="en-US" dirty="0"/>
+          </a:p>
+          <a:p>
+            <a:pPr marL="0" indent="0">
+              <a:buNone/>
+            </a:pPr>
+            <a:endParaRPr lang="en-US" dirty="0"/>
+          </a:p>
+        </p:txBody>
+      </p:sp>
+    </p:spTree>
+    <p:extLst>
+      <p:ext uri="{BB962C8B-B14F-4D97-AF65-F5344CB8AC3E}">
+        <p14:creationId xmlns:p14="http://schemas.microsoft.com/office/powerpoint/2010/main" val="3228853879"/>
+      </p:ext>
+    </p:extLst>
+  </p:cSld>
+  <p:clrMapOvr>
+    <a:masterClrMapping/>
+  </p:clrMapOvr>
+</p:sld>
+</file>
+
+<file path=ppt/slides/slide18.xml><?xml version="1.0" encoding="utf-8"?>
+<p:sld xmlns:a="http://schemas.openxmlformats.org/drawingml/2006/main" xmlns:r="http://schemas.openxmlformats.org/officeDocument/2006/relationships" xmlns:p="http://schemas.openxmlformats.org/presentationml/2006/main">
+  <p:cSld>
+    <p:spTree>
+      <p:nvGrpSpPr>
+        <p:cNvPr id="1" name=""/>
+        <p:cNvGrpSpPr/>
+        <p:nvPr/>
+      </p:nvGrpSpPr>
+      <p:grpSpPr>
+        <a:xfrm>
+          <a:off x="0" y="0"/>
+          <a:ext cx="0" cy="0"/>
+          <a:chOff x="0" y="0"/>
+          <a:chExt cx="0" cy="0"/>
+        </a:xfrm>
+      </p:grpSpPr>
+      <p:sp>
+        <p:nvSpPr>
+          <p:cNvPr id="2" name="Title 1"/>
+          <p:cNvSpPr>
+            <a:spLocks noGrp="1"/>
+          </p:cNvSpPr>
+          <p:nvPr>
+            <p:ph type="title"/>
+          </p:nvPr>
+        </p:nvSpPr>
+        <p:spPr/>
+        <p:txBody>
+          <a:bodyPr/>
+          <a:lstStyle/>
+          <a:p>
+            <a:r>
+              <a:rPr lang="en-US" dirty="0" smtClean="0"/>
+              <a:t>Fonts</a:t>
+            </a:r>
+            <a:endParaRPr lang="en-US" dirty="0"/>
+          </a:p>
+        </p:txBody>
+      </p:sp>
+      <p:sp>
+        <p:nvSpPr>
+          <p:cNvPr id="3" name="Content Placeholder 2"/>
+          <p:cNvSpPr>
+            <a:spLocks noGrp="1"/>
+          </p:cNvSpPr>
+          <p:nvPr>
+            <p:ph idx="1"/>
+          </p:nvPr>
+        </p:nvSpPr>
+        <p:spPr/>
+        <p:txBody>
+          <a:bodyPr/>
+          <a:lstStyle/>
+          <a:p>
             <a:endParaRPr lang="en-US"/>
           </a:p>
         </p:txBody>
@@ -3957,7 +5730,7 @@
 </p:sld>
 </file>
 
-<file path=ppt/slides/slide18.xml><?xml version="1.0" encoding="utf-8"?>
+<file path=ppt/slides/slide19.xml><?xml version="1.0" encoding="utf-8"?>
 <p:sld xmlns:a="http://schemas.openxmlformats.org/drawingml/2006/main" xmlns:r="http://schemas.openxmlformats.org/officeDocument/2006/relationships" xmlns:p="http://schemas.openxmlformats.org/presentationml/2006/main">
   <p:cSld>
     <p:spTree>
@@ -5522,7 +7295,7 @@
         <p:spPr/>
         <p:txBody>
           <a:bodyPr>
-            <a:normAutofit fontScale="92500" lnSpcReduction="10000"/>
+            <a:normAutofit/>
           </a:bodyPr>
           <a:lstStyle/>
           <a:p>
@@ -5549,165 +7322,6 @@
             <a:r>
               <a:rPr lang="en-US" dirty="0" err="1" smtClean="0"/>
               <a:t>fil</a:t>
-            </a:r>
-            <a:endParaRPr lang="en-US" dirty="0" smtClean="0"/>
-          </a:p>
-          <a:p>
-            <a:r>
-              <a:rPr lang="en-US" dirty="0" err="1"/>
-              <a:t>Innholdsfortegnelse</a:t>
-            </a:r>
-            <a:r>
-              <a:rPr lang="en-US" dirty="0"/>
-              <a:t> med </a:t>
-            </a:r>
-            <a:r>
-              <a:rPr lang="en-US" dirty="0" err="1"/>
-              <a:t>henvisning</a:t>
-            </a:r>
-            <a:r>
-              <a:rPr lang="en-US" dirty="0"/>
-              <a:t> </a:t>
-            </a:r>
-            <a:r>
-              <a:rPr lang="en-US" dirty="0" err="1"/>
-              <a:t>til</a:t>
-            </a:r>
-            <a:r>
-              <a:rPr lang="en-US" dirty="0"/>
-              <a:t> </a:t>
-            </a:r>
-            <a:r>
-              <a:rPr lang="en-US" dirty="0" err="1"/>
-              <a:t>seksjoner</a:t>
-            </a:r>
-            <a:endParaRPr lang="en-US" dirty="0"/>
-          </a:p>
-          <a:p>
-            <a:r>
-              <a:rPr lang="en-US" dirty="0" smtClean="0"/>
-              <a:t>@</a:t>
-            </a:r>
-            <a:r>
-              <a:rPr lang="en-US" dirty="0" err="1"/>
-              <a:t>annotasjoner</a:t>
-            </a:r>
-            <a:endParaRPr lang="en-US" dirty="0"/>
-          </a:p>
-          <a:p>
-            <a:r>
-              <a:rPr lang="en-US" dirty="0" smtClean="0"/>
-              <a:t>Start med reset-</a:t>
-            </a:r>
-            <a:r>
-              <a:rPr lang="en-US" dirty="0" err="1" smtClean="0"/>
-              <a:t>css</a:t>
-            </a:r>
-            <a:r>
-              <a:rPr lang="en-US" dirty="0" smtClean="0"/>
-              <a:t> (</a:t>
-            </a:r>
-            <a:r>
-              <a:rPr lang="en-US" dirty="0" err="1" smtClean="0"/>
-              <a:t>finn</a:t>
-            </a:r>
-            <a:r>
-              <a:rPr lang="en-US" dirty="0" smtClean="0"/>
-              <a:t> </a:t>
-            </a:r>
-            <a:r>
-              <a:rPr lang="en-US" dirty="0" err="1" smtClean="0"/>
-              <a:t>noe</a:t>
-            </a:r>
-            <a:r>
-              <a:rPr lang="en-US" dirty="0" smtClean="0"/>
-              <a:t> </a:t>
-            </a:r>
-            <a:r>
-              <a:rPr lang="en-US" dirty="0" err="1" smtClean="0"/>
-              <a:t>ferdig</a:t>
-            </a:r>
-            <a:r>
-              <a:rPr lang="en-US" dirty="0" smtClean="0"/>
-              <a:t>, -husk </a:t>
-            </a:r>
-            <a:r>
-              <a:rPr lang="en-US" dirty="0" err="1" smtClean="0"/>
-              <a:t>akreditering</a:t>
-            </a:r>
-            <a:r>
-              <a:rPr lang="en-US" dirty="0" smtClean="0"/>
-              <a:t>)</a:t>
-            </a:r>
-          </a:p>
-          <a:p>
-            <a:r>
-              <a:rPr lang="en-US" dirty="0"/>
-              <a:t>S</a:t>
-            </a:r>
-            <a:r>
-              <a:rPr lang="en-US" dirty="0" smtClean="0"/>
-              <a:t>ett </a:t>
-            </a:r>
-            <a:r>
-              <a:rPr lang="en-US" dirty="0" err="1" smtClean="0"/>
-              <a:t>globale</a:t>
-            </a:r>
-            <a:r>
-              <a:rPr lang="en-US" dirty="0" smtClean="0"/>
-              <a:t> </a:t>
-            </a:r>
-            <a:r>
-              <a:rPr lang="en-US" dirty="0" err="1" smtClean="0"/>
-              <a:t>verdier</a:t>
-            </a:r>
-            <a:r>
-              <a:rPr lang="en-US" dirty="0" smtClean="0"/>
-              <a:t> for </a:t>
-            </a:r>
-            <a:r>
-              <a:rPr lang="en-US" dirty="0" err="1" smtClean="0"/>
-              <a:t>websiden</a:t>
-            </a:r>
-            <a:r>
-              <a:rPr lang="en-US" dirty="0" smtClean="0"/>
-              <a:t> </a:t>
-            </a:r>
-            <a:r>
-              <a:rPr lang="en-US" dirty="0" err="1" smtClean="0"/>
-              <a:t>øverst</a:t>
-            </a:r>
-            <a:endParaRPr lang="en-US" dirty="0" smtClean="0"/>
-          </a:p>
-          <a:p>
-            <a:pPr lvl="1"/>
-            <a:r>
-              <a:rPr lang="en-US" dirty="0" err="1" smtClean="0"/>
-              <a:t>fonter</a:t>
-            </a:r>
-            <a:r>
-              <a:rPr lang="en-US" dirty="0" smtClean="0"/>
-              <a:t>, </a:t>
-            </a:r>
-            <a:r>
-              <a:rPr lang="en-US" dirty="0" err="1" smtClean="0"/>
-              <a:t>farger</a:t>
-            </a:r>
-            <a:r>
-              <a:rPr lang="en-US" dirty="0" smtClean="0"/>
-              <a:t> </a:t>
-            </a:r>
-            <a:r>
-              <a:rPr lang="en-US" dirty="0" err="1" smtClean="0"/>
-              <a:t>størrelser</a:t>
-            </a:r>
-            <a:r>
-              <a:rPr lang="en-US" dirty="0" smtClean="0"/>
-              <a:t>, </a:t>
-            </a:r>
-            <a:r>
-              <a:rPr lang="en-US" dirty="0" err="1" smtClean="0"/>
-              <a:t>etc</a:t>
             </a:r>
             <a:endParaRPr lang="en-US" dirty="0" smtClean="0"/>
           </a:p>
@@ -5739,6 +7353,238 @@
           </a:p>
         </p:txBody>
       </p:sp>
+      <p:pic>
+        <p:nvPicPr>
+          <p:cNvPr id="6" name="Picture 5" descr="Screen Shot 2013-01-21 at 11.21.58 PM.png"/>
+          <p:cNvPicPr>
+            <a:picLocks noChangeAspect="1"/>
+          </p:cNvPicPr>
+          <p:nvPr/>
+        </p:nvPicPr>
+        <p:blipFill>
+          <a:blip r:embed="rId2">
+            <a:extLst>
+              <a:ext uri="{28A0092B-C50C-407E-A947-70E740481C1C}">
+                <a14:useLocalDpi xmlns:a14="http://schemas.microsoft.com/office/drawing/2010/main" val="0"/>
+              </a:ext>
+            </a:extLst>
+          </a:blip>
+          <a:stretch>
+            <a:fillRect/>
+          </a:stretch>
+        </p:blipFill>
+        <p:spPr>
+          <a:xfrm>
+            <a:off x="4065565" y="1538941"/>
+            <a:ext cx="4461288" cy="3165645"/>
+          </a:xfrm>
+          <a:prstGeom prst="rect">
+            <a:avLst/>
+          </a:prstGeom>
+          <a:effectLst>
+            <a:outerShdw blurRad="50800" dist="38100" dir="2700000" algn="tl" rotWithShape="0">
+              <a:prstClr val="black">
+                <a:alpha val="40000"/>
+              </a:prstClr>
+            </a:outerShdw>
+          </a:effectLst>
+        </p:spPr>
+      </p:pic>
+      <p:pic>
+        <p:nvPicPr>
+          <p:cNvPr id="5" name="Picture 4" descr="Screen Shot 2013-01-21 at 11.13.06 PM.png"/>
+          <p:cNvPicPr>
+            <a:picLocks noChangeAspect="1"/>
+          </p:cNvPicPr>
+          <p:nvPr/>
+        </p:nvPicPr>
+        <p:blipFill>
+          <a:blip r:embed="rId3">
+            <a:extLst>
+              <a:ext uri="{28A0092B-C50C-407E-A947-70E740481C1C}">
+                <a14:useLocalDpi xmlns:a14="http://schemas.microsoft.com/office/drawing/2010/main" val="0"/>
+              </a:ext>
+            </a:extLst>
+          </a:blip>
+          <a:stretch>
+            <a:fillRect/>
+          </a:stretch>
+        </p:blipFill>
+        <p:spPr>
+          <a:xfrm>
+            <a:off x="5418870" y="876984"/>
+            <a:ext cx="3267930" cy="2203377"/>
+          </a:xfrm>
+          <a:prstGeom prst="rect">
+            <a:avLst/>
+          </a:prstGeom>
+          <a:effectLst>
+            <a:outerShdw blurRad="50800" dist="38100" dir="2700000" algn="tl" rotWithShape="0">
+              <a:prstClr val="black">
+                <a:alpha val="40000"/>
+              </a:prstClr>
+            </a:outerShdw>
+          </a:effectLst>
+        </p:spPr>
+      </p:pic>
+      <p:sp>
+        <p:nvSpPr>
+          <p:cNvPr id="7" name="TextBox 6"/>
+          <p:cNvSpPr txBox="1"/>
+          <p:nvPr/>
+        </p:nvSpPr>
+        <p:spPr>
+          <a:xfrm>
+            <a:off x="1807882" y="3080361"/>
+            <a:ext cx="1259930" cy="646331"/>
+          </a:xfrm>
+          <a:prstGeom prst="rect">
+            <a:avLst/>
+          </a:prstGeom>
+        </p:spPr>
+        <p:style>
+          <a:lnRef idx="2">
+            <a:schemeClr val="accent3"/>
+          </a:lnRef>
+          <a:fillRef idx="1">
+            <a:schemeClr val="lt1"/>
+          </a:fillRef>
+          <a:effectRef idx="0">
+            <a:schemeClr val="accent3"/>
+          </a:effectRef>
+          <a:fontRef idx="minor">
+            <a:schemeClr val="dk1"/>
+          </a:fontRef>
+        </p:style>
+        <p:txBody>
+          <a:bodyPr wrap="none" rtlCol="0">
+            <a:spAutoFit/>
+          </a:bodyPr>
+          <a:lstStyle/>
+          <a:p>
+            <a:r>
+              <a:rPr lang="en-US" sz="3600" dirty="0" err="1" smtClean="0"/>
+              <a:t>Lovlig</a:t>
+            </a:r>
+            <a:endParaRPr lang="en-US" sz="3600" dirty="0" smtClean="0"/>
+          </a:p>
+        </p:txBody>
+      </p:sp>
+      <p:cxnSp>
+        <p:nvCxnSpPr>
+          <p:cNvPr id="9" name="Straight Arrow Connector 8"/>
+          <p:cNvCxnSpPr>
+            <a:stCxn id="7" idx="3"/>
+            <a:endCxn id="6" idx="1"/>
+          </p:cNvCxnSpPr>
+          <p:nvPr/>
+        </p:nvCxnSpPr>
+        <p:spPr>
+          <a:xfrm flipV="1">
+            <a:off x="3067812" y="3121764"/>
+            <a:ext cx="997753" cy="281763"/>
+          </a:xfrm>
+          <a:prstGeom prst="straightConnector1">
+            <a:avLst/>
+          </a:prstGeom>
+          <a:ln>
+            <a:tailEnd type="arrow"/>
+          </a:ln>
+        </p:spPr>
+        <p:style>
+          <a:lnRef idx="1">
+            <a:schemeClr val="accent3"/>
+          </a:lnRef>
+          <a:fillRef idx="0">
+            <a:schemeClr val="accent3"/>
+          </a:fillRef>
+          <a:effectRef idx="0">
+            <a:schemeClr val="accent3"/>
+          </a:effectRef>
+          <a:fontRef idx="minor">
+            <a:schemeClr val="tx1"/>
+          </a:fontRef>
+        </p:style>
+      </p:cxnSp>
+      <p:sp>
+        <p:nvSpPr>
+          <p:cNvPr id="12" name="TextBox 11"/>
+          <p:cNvSpPr txBox="1"/>
+          <p:nvPr/>
+        </p:nvSpPr>
+        <p:spPr>
+          <a:xfrm>
+            <a:off x="1615146" y="2757195"/>
+            <a:ext cx="1452666" cy="646331"/>
+          </a:xfrm>
+          <a:prstGeom prst="rect">
+            <a:avLst/>
+          </a:prstGeom>
+        </p:spPr>
+        <p:style>
+          <a:lnRef idx="2">
+            <a:schemeClr val="accent3"/>
+          </a:lnRef>
+          <a:fillRef idx="1">
+            <a:schemeClr val="lt1"/>
+          </a:fillRef>
+          <a:effectRef idx="0">
+            <a:schemeClr val="accent3"/>
+          </a:effectRef>
+          <a:fontRef idx="minor">
+            <a:schemeClr val="dk1"/>
+          </a:fontRef>
+        </p:style>
+        <p:txBody>
+          <a:bodyPr wrap="none" rtlCol="0">
+            <a:spAutoFit/>
+          </a:bodyPr>
+          <a:lstStyle/>
+          <a:p>
+            <a:r>
+              <a:rPr lang="en-US" sz="3600" dirty="0" err="1" smtClean="0"/>
+              <a:t>Ryddig</a:t>
+            </a:r>
+            <a:endParaRPr lang="en-US" sz="3600" dirty="0" smtClean="0"/>
+          </a:p>
+        </p:txBody>
+      </p:sp>
+      <p:cxnSp>
+        <p:nvCxnSpPr>
+          <p:cNvPr id="13" name="Straight Arrow Connector 12"/>
+          <p:cNvCxnSpPr>
+            <a:stCxn id="12" idx="3"/>
+            <a:endCxn id="5" idx="1"/>
+          </p:cNvCxnSpPr>
+          <p:nvPr/>
+        </p:nvCxnSpPr>
+        <p:spPr>
+          <a:xfrm flipV="1">
+            <a:off x="3067812" y="1978673"/>
+            <a:ext cx="2351058" cy="1101688"/>
+          </a:xfrm>
+          <a:prstGeom prst="straightConnector1">
+            <a:avLst/>
+          </a:prstGeom>
+          <a:ln>
+            <a:tailEnd type="arrow"/>
+          </a:ln>
+        </p:spPr>
+        <p:style>
+          <a:lnRef idx="1">
+            <a:schemeClr val="accent3"/>
+          </a:lnRef>
+          <a:fillRef idx="0">
+            <a:schemeClr val="accent3"/>
+          </a:fillRef>
+          <a:effectRef idx="0">
+            <a:schemeClr val="accent3"/>
+          </a:effectRef>
+          <a:fontRef idx="minor">
+            <a:schemeClr val="tx1"/>
+          </a:fontRef>
+        </p:style>
+      </p:cxnSp>
     </p:spTree>
     <p:extLst>
       <p:ext uri="{BB962C8B-B14F-4D97-AF65-F5344CB8AC3E}">
@@ -5749,6 +7595,334 @@
   <p:clrMapOvr>
     <a:masterClrMapping/>
   </p:clrMapOvr>
+  <p:timing>
+    <p:tnLst>
+      <p:par>
+        <p:cTn xmlns:p14="http://schemas.microsoft.com/office/powerpoint/2010/main" id="1" dur="indefinite" restart="never" nodeType="tmRoot">
+          <p:childTnLst>
+            <p:seq concurrent="1" nextAc="seek">
+              <p:cTn id="2" dur="indefinite" nodeType="mainSeq">
+                <p:childTnLst>
+                  <p:par>
+                    <p:cTn id="3" fill="hold">
+                      <p:stCondLst>
+                        <p:cond delay="indefinite"/>
+                      </p:stCondLst>
+                      <p:childTnLst>
+                        <p:par>
+                          <p:cTn id="4" fill="hold">
+                            <p:stCondLst>
+                              <p:cond delay="0"/>
+                            </p:stCondLst>
+                            <p:childTnLst>
+                              <p:par>
+                                <p:cTn id="5" presetID="10" presetClass="entr" presetSubtype="0" fill="hold" grpId="0" nodeType="clickEffect">
+                                  <p:stCondLst>
+                                    <p:cond delay="0"/>
+                                  </p:stCondLst>
+                                  <p:childTnLst>
+                                    <p:set>
+                                      <p:cBhvr>
+                                        <p:cTn id="6" dur="1" fill="hold">
+                                          <p:stCondLst>
+                                            <p:cond delay="0"/>
+                                          </p:stCondLst>
+                                        </p:cTn>
+                                        <p:tgtEl>
+                                          <p:spTgt spid="7"/>
+                                        </p:tgtEl>
+                                        <p:attrNameLst>
+                                          <p:attrName>style.visibility</p:attrName>
+                                        </p:attrNameLst>
+                                      </p:cBhvr>
+                                      <p:to>
+                                        <p:strVal val="visible"/>
+                                      </p:to>
+                                    </p:set>
+                                    <p:animEffect transition="in" filter="fade">
+                                      <p:cBhvr>
+                                        <p:cTn id="7" dur="500"/>
+                                        <p:tgtEl>
+                                          <p:spTgt spid="7"/>
+                                        </p:tgtEl>
+                                      </p:cBhvr>
+                                    </p:animEffect>
+                                  </p:childTnLst>
+                                  <p:subTnLst>
+                                    <p:set>
+                                      <p:cBhvr override="childStyle">
+                                        <p:cTn dur="1" fill="hold" display="0" masterRel="nextClick" afterEffect="1"/>
+                                        <p:tgtEl>
+                                          <p:spTgt spid="7"/>
+                                        </p:tgtEl>
+                                        <p:attrNameLst>
+                                          <p:attrName>style.visibility</p:attrName>
+                                        </p:attrNameLst>
+                                      </p:cBhvr>
+                                      <p:to>
+                                        <p:strVal val="hidden"/>
+                                      </p:to>
+                                    </p:set>
+                                  </p:subTnLst>
+                                </p:cTn>
+                              </p:par>
+                              <p:par>
+                                <p:cTn id="8" presetID="10" presetClass="entr" presetSubtype="0" fill="hold" nodeType="withEffect">
+                                  <p:stCondLst>
+                                    <p:cond delay="0"/>
+                                  </p:stCondLst>
+                                  <p:childTnLst>
+                                    <p:set>
+                                      <p:cBhvr>
+                                        <p:cTn id="9" dur="1" fill="hold">
+                                          <p:stCondLst>
+                                            <p:cond delay="0"/>
+                                          </p:stCondLst>
+                                        </p:cTn>
+                                        <p:tgtEl>
+                                          <p:spTgt spid="9"/>
+                                        </p:tgtEl>
+                                        <p:attrNameLst>
+                                          <p:attrName>style.visibility</p:attrName>
+                                        </p:attrNameLst>
+                                      </p:cBhvr>
+                                      <p:to>
+                                        <p:strVal val="visible"/>
+                                      </p:to>
+                                    </p:set>
+                                    <p:animEffect transition="in" filter="fade">
+                                      <p:cBhvr>
+                                        <p:cTn id="10" dur="500"/>
+                                        <p:tgtEl>
+                                          <p:spTgt spid="9"/>
+                                        </p:tgtEl>
+                                      </p:cBhvr>
+                                    </p:animEffect>
+                                  </p:childTnLst>
+                                  <p:subTnLst>
+                                    <p:set>
+                                      <p:cBhvr override="childStyle">
+                                        <p:cTn dur="1" fill="hold" display="0" masterRel="nextClick" afterEffect="1"/>
+                                        <p:tgtEl>
+                                          <p:spTgt spid="9"/>
+                                        </p:tgtEl>
+                                        <p:attrNameLst>
+                                          <p:attrName>style.visibility</p:attrName>
+                                        </p:attrNameLst>
+                                      </p:cBhvr>
+                                      <p:to>
+                                        <p:strVal val="hidden"/>
+                                      </p:to>
+                                    </p:set>
+                                  </p:subTnLst>
+                                </p:cTn>
+                              </p:par>
+                              <p:par>
+                                <p:cTn id="11" presetID="10" presetClass="entr" presetSubtype="0" fill="hold" nodeType="withEffect">
+                                  <p:stCondLst>
+                                    <p:cond delay="0"/>
+                                  </p:stCondLst>
+                                  <p:childTnLst>
+                                    <p:set>
+                                      <p:cBhvr>
+                                        <p:cTn id="12" dur="1" fill="hold">
+                                          <p:stCondLst>
+                                            <p:cond delay="0"/>
+                                          </p:stCondLst>
+                                        </p:cTn>
+                                        <p:tgtEl>
+                                          <p:spTgt spid="6"/>
+                                        </p:tgtEl>
+                                        <p:attrNameLst>
+                                          <p:attrName>style.visibility</p:attrName>
+                                        </p:attrNameLst>
+                                      </p:cBhvr>
+                                      <p:to>
+                                        <p:strVal val="visible"/>
+                                      </p:to>
+                                    </p:set>
+                                    <p:animEffect transition="in" filter="fade">
+                                      <p:cBhvr>
+                                        <p:cTn id="13" dur="500"/>
+                                        <p:tgtEl>
+                                          <p:spTgt spid="6"/>
+                                        </p:tgtEl>
+                                      </p:cBhvr>
+                                    </p:animEffect>
+                                  </p:childTnLst>
+                                  <p:subTnLst>
+                                    <p:set>
+                                      <p:cBhvr override="childStyle">
+                                        <p:cTn dur="1" fill="hold" display="0" masterRel="nextClick" afterEffect="1"/>
+                                        <p:tgtEl>
+                                          <p:spTgt spid="6"/>
+                                        </p:tgtEl>
+                                        <p:attrNameLst>
+                                          <p:attrName>style.visibility</p:attrName>
+                                        </p:attrNameLst>
+                                      </p:cBhvr>
+                                      <p:to>
+                                        <p:strVal val="hidden"/>
+                                      </p:to>
+                                    </p:set>
+                                  </p:subTnLst>
+                                </p:cTn>
+                              </p:par>
+                            </p:childTnLst>
+                          </p:cTn>
+                        </p:par>
+                      </p:childTnLst>
+                    </p:cTn>
+                  </p:par>
+                  <p:par>
+                    <p:cTn id="14" fill="hold">
+                      <p:stCondLst>
+                        <p:cond delay="indefinite"/>
+                      </p:stCondLst>
+                      <p:childTnLst>
+                        <p:par>
+                          <p:cTn id="15" fill="hold">
+                            <p:stCondLst>
+                              <p:cond delay="0"/>
+                            </p:stCondLst>
+                            <p:childTnLst>
+                              <p:par>
+                                <p:cTn id="16" presetID="10" presetClass="entr" presetSubtype="0" fill="hold" nodeType="clickEffect">
+                                  <p:stCondLst>
+                                    <p:cond delay="0"/>
+                                  </p:stCondLst>
+                                  <p:childTnLst>
+                                    <p:set>
+                                      <p:cBhvr>
+                                        <p:cTn id="17" dur="1" fill="hold">
+                                          <p:stCondLst>
+                                            <p:cond delay="0"/>
+                                          </p:stCondLst>
+                                        </p:cTn>
+                                        <p:tgtEl>
+                                          <p:spTgt spid="13"/>
+                                        </p:tgtEl>
+                                        <p:attrNameLst>
+                                          <p:attrName>style.visibility</p:attrName>
+                                        </p:attrNameLst>
+                                      </p:cBhvr>
+                                      <p:to>
+                                        <p:strVal val="visible"/>
+                                      </p:to>
+                                    </p:set>
+                                    <p:animEffect transition="in" filter="fade">
+                                      <p:cBhvr>
+                                        <p:cTn id="18" dur="500"/>
+                                        <p:tgtEl>
+                                          <p:spTgt spid="13"/>
+                                        </p:tgtEl>
+                                      </p:cBhvr>
+                                    </p:animEffect>
+                                  </p:childTnLst>
+                                </p:cTn>
+                              </p:par>
+                              <p:par>
+                                <p:cTn id="19" presetID="10" presetClass="entr" presetSubtype="0" fill="hold" nodeType="withEffect">
+                                  <p:stCondLst>
+                                    <p:cond delay="0"/>
+                                  </p:stCondLst>
+                                  <p:childTnLst>
+                                    <p:set>
+                                      <p:cBhvr>
+                                        <p:cTn id="20" dur="1" fill="hold">
+                                          <p:stCondLst>
+                                            <p:cond delay="0"/>
+                                          </p:stCondLst>
+                                        </p:cTn>
+                                        <p:tgtEl>
+                                          <p:spTgt spid="5"/>
+                                        </p:tgtEl>
+                                        <p:attrNameLst>
+                                          <p:attrName>style.visibility</p:attrName>
+                                        </p:attrNameLst>
+                                      </p:cBhvr>
+                                      <p:to>
+                                        <p:strVal val="visible"/>
+                                      </p:to>
+                                    </p:set>
+                                    <p:animEffect transition="in" filter="fade">
+                                      <p:cBhvr>
+                                        <p:cTn id="21" dur="500"/>
+                                        <p:tgtEl>
+                                          <p:spTgt spid="5"/>
+                                        </p:tgtEl>
+                                      </p:cBhvr>
+                                    </p:animEffect>
+                                  </p:childTnLst>
+                                </p:cTn>
+                              </p:par>
+                              <p:par>
+                                <p:cTn id="22" presetID="10" presetClass="entr" presetSubtype="0" fill="hold" grpId="1" nodeType="withEffect">
+                                  <p:stCondLst>
+                                    <p:cond delay="0"/>
+                                  </p:stCondLst>
+                                  <p:childTnLst>
+                                    <p:set>
+                                      <p:cBhvr>
+                                        <p:cTn id="23" dur="1" fill="hold">
+                                          <p:stCondLst>
+                                            <p:cond delay="0"/>
+                                          </p:stCondLst>
+                                        </p:cTn>
+                                        <p:tgtEl>
+                                          <p:spTgt spid="12"/>
+                                        </p:tgtEl>
+                                        <p:attrNameLst>
+                                          <p:attrName>style.visibility</p:attrName>
+                                        </p:attrNameLst>
+                                      </p:cBhvr>
+                                      <p:to>
+                                        <p:strVal val="visible"/>
+                                      </p:to>
+                                    </p:set>
+                                    <p:animEffect transition="in" filter="fade">
+                                      <p:cBhvr>
+                                        <p:cTn id="24" dur="500"/>
+                                        <p:tgtEl>
+                                          <p:spTgt spid="12"/>
+                                        </p:tgtEl>
+                                      </p:cBhvr>
+                                    </p:animEffect>
+                                  </p:childTnLst>
+                                </p:cTn>
+                              </p:par>
+                            </p:childTnLst>
+                          </p:cTn>
+                        </p:par>
+                      </p:childTnLst>
+                    </p:cTn>
+                  </p:par>
+                </p:childTnLst>
+              </p:cTn>
+              <p:prevCondLst>
+                <p:cond evt="onPrev" delay="0">
+                  <p:tgtEl>
+                    <p:sldTgt/>
+                  </p:tgtEl>
+                </p:cond>
+              </p:prevCondLst>
+              <p:nextCondLst>
+                <p:cond evt="onNext" delay="0">
+                  <p:tgtEl>
+                    <p:sldTgt/>
+                  </p:tgtEl>
+                </p:cond>
+              </p:nextCondLst>
+            </p:seq>
+          </p:childTnLst>
+        </p:cTn>
+      </p:par>
+    </p:tnLst>
+    <p:bldLst>
+      <p:bldP spid="7" grpId="0" animBg="1"/>
+      <p:bldP spid="12" grpId="1" animBg="1"/>
+    </p:bldLst>
+  </p:timing>
 </p:sld>
 </file>
 
@@ -5785,8 +7959,24 @@
           <a:lstStyle/>
           <a:p>
             <a:r>
+              <a:rPr lang="en-US" dirty="0" err="1" smtClean="0"/>
+              <a:t>Oppsett</a:t>
+            </a:r>
+            <a:r>
               <a:rPr lang="en-US" dirty="0" smtClean="0"/>
-              <a:t>Selectors</a:t>
+              <a:t> </a:t>
+            </a:r>
+            <a:r>
+              <a:rPr lang="en-US" dirty="0" err="1" smtClean="0"/>
+              <a:t>av</a:t>
+            </a:r>
+            <a:r>
+              <a:rPr lang="en-US" dirty="0" smtClean="0"/>
+              <a:t> CSS-</a:t>
+            </a:r>
+            <a:r>
+              <a:rPr lang="en-US" dirty="0" err="1" smtClean="0"/>
+              <a:t>fil</a:t>
             </a:r>
             <a:endParaRPr lang="en-US" dirty="0"/>
           </a:p>
@@ -5804,160 +7994,178 @@
         </p:nvSpPr>
         <p:spPr/>
         <p:txBody>
-          <a:bodyPr/>
+          <a:bodyPr>
+            <a:normAutofit/>
+          </a:bodyPr>
           <a:lstStyle/>
           <a:p>
             <a:r>
-              <a:rPr lang="en-US" dirty="0" err="1" smtClean="0"/>
-              <a:t>Alle</a:t>
-            </a:r>
-            <a:r>
               <a:rPr lang="en-US" dirty="0" smtClean="0"/>
-              <a:t> HTML-</a:t>
-            </a:r>
-            <a:r>
-              <a:rPr lang="en-US" dirty="0" err="1" smtClean="0"/>
-              <a:t>elementer</a:t>
+              <a:t>Lag </a:t>
+            </a:r>
+            <a:r>
+              <a:rPr lang="en-US" dirty="0" err="1"/>
+              <a:t>innholdsfortegnelse</a:t>
+            </a:r>
+            <a:r>
+              <a:rPr lang="en-US" dirty="0"/>
+              <a:t>, </a:t>
             </a:r>
             <a:r>
               <a:rPr lang="en-US" dirty="0" smtClean="0"/>
+              <a:t>del </a:t>
+            </a:r>
+            <a:r>
+              <a:rPr lang="en-US" dirty="0" err="1"/>
+              <a:t>opp</a:t>
+            </a:r>
+            <a:r>
+              <a:rPr lang="en-US" dirty="0"/>
               <a:t> </a:t>
             </a:r>
             <a:r>
-              <a:rPr lang="en-US" dirty="0" err="1" smtClean="0"/>
-              <a:t>kan</a:t>
-            </a:r>
+              <a:rPr lang="en-US" dirty="0" err="1"/>
+              <a:t>i</a:t>
+            </a:r>
+            <a:r>
+              <a:rPr lang="en-US" dirty="0"/>
+              <a:t> </a:t>
+            </a:r>
+            <a:r>
+              <a:rPr lang="en-US" dirty="0" err="1"/>
+              <a:t>seksjoner</a:t>
+            </a:r>
+            <a:endParaRPr lang="en-US" dirty="0"/>
+          </a:p>
+          <a:p>
             <a:r>
               <a:rPr lang="en-US" dirty="0" smtClean="0"/>
+              <a:t>@</a:t>
+            </a:r>
+            <a:r>
+              <a:rPr lang="en-US" smtClean="0"/>
+              <a:t>annotasjoner</a:t>
+            </a:r>
+            <a:endParaRPr lang="en-US" dirty="0" smtClean="0"/>
+          </a:p>
+          <a:p>
+            <a:r>
+              <a:rPr lang="en-US" dirty="0" smtClean="0"/>
+              <a:t>Start </a:t>
+            </a:r>
+            <a:r>
+              <a:rPr lang="en-US" dirty="0"/>
+              <a:t>med reset-</a:t>
+            </a:r>
+            <a:r>
+              <a:rPr lang="en-US" dirty="0" err="1"/>
+              <a:t>css</a:t>
+            </a:r>
+            <a:r>
+              <a:rPr lang="en-US" dirty="0"/>
+              <a:t> (</a:t>
+            </a:r>
+            <a:r>
+              <a:rPr lang="en-US" dirty="0" err="1"/>
+              <a:t>finn</a:t>
+            </a:r>
+            <a:r>
+              <a:rPr lang="en-US" dirty="0"/>
               <a:t> </a:t>
             </a:r>
             <a:r>
-              <a:rPr lang="en-US" dirty="0" err="1" smtClean="0"/>
-              <a:t>brukes</a:t>
-            </a:r>
-            <a:r>
-              <a:rPr lang="en-US" dirty="0" smtClean="0"/>
+              <a:rPr lang="en-US" dirty="0" err="1"/>
+              <a:t>noe</a:t>
+            </a:r>
+            <a:r>
+              <a:rPr lang="en-US" dirty="0"/>
               <a:t> </a:t>
             </a:r>
             <a:r>
-              <a:rPr lang="en-US" dirty="0" err="1" smtClean="0"/>
-              <a:t>som</a:t>
-            </a:r>
-            <a:r>
-              <a:rPr lang="en-US" dirty="0" smtClean="0"/>
-              <a:t> selector</a:t>
-            </a:r>
+              <a:rPr lang="en-US" dirty="0" err="1"/>
+              <a:t>ferdig</a:t>
+            </a:r>
+            <a:r>
+              <a:rPr lang="en-US" dirty="0"/>
+              <a:t>, -husk </a:t>
+            </a:r>
+            <a:r>
+              <a:rPr lang="en-US" dirty="0" err="1"/>
+              <a:t>akreditering</a:t>
+            </a:r>
+            <a:r>
+              <a:rPr lang="en-US" dirty="0"/>
+              <a:t>)</a:t>
+            </a:r>
+          </a:p>
+          <a:p>
+            <a:r>
+              <a:rPr lang="en-US" dirty="0"/>
+              <a:t>Sett </a:t>
+            </a:r>
+            <a:r>
+              <a:rPr lang="en-US" dirty="0" err="1"/>
+              <a:t>globale</a:t>
+            </a:r>
+            <a:r>
+              <a:rPr lang="en-US" dirty="0"/>
+              <a:t> </a:t>
+            </a:r>
+            <a:r>
+              <a:rPr lang="en-US" dirty="0" err="1"/>
+              <a:t>verdier</a:t>
+            </a:r>
+            <a:r>
+              <a:rPr lang="en-US" dirty="0"/>
+              <a:t> for </a:t>
+            </a:r>
+            <a:r>
+              <a:rPr lang="en-US" dirty="0" err="1"/>
+              <a:t>websiden</a:t>
+            </a:r>
+            <a:r>
+              <a:rPr lang="en-US" dirty="0"/>
+              <a:t> </a:t>
+            </a:r>
+            <a:r>
+              <a:rPr lang="en-US" dirty="0" err="1"/>
+              <a:t>øverst</a:t>
+            </a:r>
+            <a:endParaRPr lang="en-US" dirty="0"/>
           </a:p>
           <a:p>
             <a:pPr lvl="1"/>
             <a:r>
-              <a:rPr lang="en-US" dirty="0" err="1" smtClean="0"/>
-              <a:t>Eks</a:t>
-            </a:r>
-            <a:r>
-              <a:rPr lang="en-US" dirty="0" smtClean="0"/>
-              <a:t>: &lt;p&gt; &lt;footer&gt; &lt;div&gt;</a:t>
-            </a:r>
-          </a:p>
-          <a:p>
-            <a:r>
-              <a:rPr lang="en-US" dirty="0" err="1" smtClean="0"/>
-              <a:t>Elementer</a:t>
-            </a:r>
-            <a:r>
-              <a:rPr lang="en-US" dirty="0" smtClean="0"/>
+              <a:rPr lang="en-US" dirty="0" err="1"/>
+              <a:t>fonter</a:t>
+            </a:r>
+            <a:r>
+              <a:rPr lang="en-US" dirty="0"/>
+              <a:t>, </a:t>
+            </a:r>
+            <a:r>
+              <a:rPr lang="en-US" dirty="0" err="1"/>
+              <a:t>farger</a:t>
+            </a:r>
+            <a:r>
+              <a:rPr lang="en-US" dirty="0"/>
               <a:t> </a:t>
             </a:r>
             <a:r>
-              <a:rPr lang="en-US" dirty="0" err="1" smtClean="0"/>
-              <a:t>kan</a:t>
-            </a:r>
-            <a:r>
-              <a:rPr lang="en-US" dirty="0" smtClean="0"/>
-              <a:t> </a:t>
-            </a:r>
-            <a:r>
-              <a:rPr lang="en-US" dirty="0" err="1" smtClean="0"/>
-              <a:t>markeres</a:t>
-            </a:r>
-            <a:r>
-              <a:rPr lang="en-US" dirty="0" smtClean="0"/>
-              <a:t> med </a:t>
-            </a:r>
-            <a:r>
-              <a:rPr lang="en-US" i="1" dirty="0" smtClean="0"/>
-              <a:t>class</a:t>
-            </a:r>
-            <a:r>
-              <a:rPr lang="en-US" dirty="0" smtClean="0"/>
-              <a:t> </a:t>
-            </a:r>
-            <a:r>
-              <a:rPr lang="en-US" dirty="0" err="1" smtClean="0"/>
-              <a:t>og</a:t>
+              <a:rPr lang="en-US" dirty="0" err="1"/>
+              <a:t>størrelser</a:t>
             </a:r>
             <a:r>
               <a:rPr lang="en-US" dirty="0"/>
-              <a:t>/</a:t>
-            </a:r>
-            <a:r>
-              <a:rPr lang="en-US" dirty="0" err="1" smtClean="0"/>
-              <a:t>eller</a:t>
-            </a:r>
-            <a:r>
-              <a:rPr lang="en-US" dirty="0" smtClean="0"/>
-              <a:t> </a:t>
-            </a:r>
-            <a:r>
-              <a:rPr lang="en-US" i="1" dirty="0" smtClean="0"/>
-              <a:t>id</a:t>
-            </a:r>
-          </a:p>
-          <a:p>
-            <a:r>
-              <a:rPr lang="en-US" dirty="0" err="1" smtClean="0"/>
-              <a:t>selectoren</a:t>
-            </a:r>
-            <a:r>
-              <a:rPr lang="en-US" dirty="0" smtClean="0"/>
-              <a:t> </a:t>
-            </a:r>
-            <a:r>
-              <a:rPr lang="en-US" sz="4000" b="1" dirty="0" smtClean="0">
-                <a:effectLst>
-                  <a:outerShdw blurRad="50800" dist="38100" dir="2700000" algn="tl" rotWithShape="0">
-                    <a:prstClr val="black">
-                      <a:alpha val="40000"/>
-                    </a:prstClr>
-                  </a:outerShdw>
-                </a:effectLst>
-              </a:rPr>
-              <a:t>*</a:t>
-            </a:r>
-            <a:r>
-              <a:rPr lang="en-US" dirty="0" smtClean="0"/>
-              <a:t> </a:t>
-            </a:r>
-            <a:r>
-              <a:rPr lang="en-US" dirty="0" err="1" smtClean="0"/>
-              <a:t>gjelder</a:t>
-            </a:r>
-            <a:r>
-              <a:rPr lang="en-US" dirty="0" smtClean="0"/>
-              <a:t> for </a:t>
-            </a:r>
-            <a:r>
-              <a:rPr lang="en-US" i="1" dirty="0" err="1" smtClean="0"/>
-              <a:t>alle</a:t>
-            </a:r>
-            <a:r>
-              <a:rPr lang="en-US" dirty="0" smtClean="0"/>
-              <a:t> </a:t>
-            </a:r>
-            <a:r>
-              <a:rPr lang="en-US" dirty="0" err="1" smtClean="0"/>
-              <a:t>elementer</a:t>
-            </a:r>
+              <a:t>, </a:t>
+            </a:r>
+            <a:r>
+              <a:rPr lang="en-US" dirty="0" err="1"/>
+              <a:t>etc</a:t>
+            </a:r>
+            <a:endParaRPr lang="en-US" dirty="0"/>
+          </a:p>
+          <a:p>
             <a:endParaRPr lang="en-US" dirty="0"/>
           </a:p>
         </p:txBody>
@@ -5965,7 +8173,7 @@
     </p:spTree>
     <p:extLst>
       <p:ext uri="{BB962C8B-B14F-4D97-AF65-F5344CB8AC3E}">
-        <p14:creationId xmlns:p14="http://schemas.microsoft.com/office/powerpoint/2010/main" val="1895812246"/>
+        <p14:creationId xmlns:p14="http://schemas.microsoft.com/office/powerpoint/2010/main" val="3868616202"/>
       </p:ext>
     </p:extLst>
   </p:cSld>
@@ -6015,8 +8223,8 @@
           <a:lstStyle/>
           <a:p>
             <a:r>
-              <a:rPr lang="en-US" dirty="0" err="1" smtClean="0"/>
-              <a:t>Eksempler</a:t>
+              <a:rPr lang="en-US" dirty="0" smtClean="0"/>
+              <a:t>Selectors</a:t>
             </a:r>
             <a:endParaRPr lang="en-US" dirty="0"/>
           </a:p>
@@ -6034,65 +8242,160 @@
         </p:nvSpPr>
         <p:spPr/>
         <p:txBody>
-          <a:bodyPr>
-            <a:normAutofit fontScale="92500" lnSpcReduction="10000"/>
-          </a:bodyPr>
+          <a:bodyPr/>
           <a:lstStyle/>
           <a:p>
             <a:r>
+              <a:rPr lang="en-US" dirty="0" err="1" smtClean="0"/>
+              <a:t>Alle</a:t>
+            </a:r>
+            <a:r>
               <a:rPr lang="en-US" dirty="0" smtClean="0"/>
-              <a:t>body</a:t>
-            </a:r>
-          </a:p>
-          <a:p>
-            <a:r>
-              <a:rPr lang="en-US" dirty="0" smtClean="0"/>
-              <a:t>div</a:t>
-            </a:r>
-          </a:p>
-          <a:p>
-            <a:r>
-              <a:rPr lang="en-US" dirty="0" smtClean="0"/>
-              <a:t>h1 </a:t>
+              <a:t> HTML-</a:t>
             </a:r>
             <a:r>
               <a:rPr lang="en-US" dirty="0" err="1" smtClean="0"/>
-              <a:t>osv</a:t>
+              <a:t>elementer</a:t>
             </a:r>
             <a:r>
               <a:rPr lang="en-US" dirty="0" smtClean="0"/>
               <a:t> </a:t>
             </a:r>
-          </a:p>
-          <a:p>
-            <a:r>
-              <a:rPr lang="en-US" dirty="0" smtClean="0"/>
-              <a:t>section</a:t>
-            </a:r>
-          </a:p>
-          <a:p>
             <a:r>
               <a:rPr lang="en-US" dirty="0" err="1" smtClean="0"/>
-              <a:t>nav</a:t>
+              <a:t>kan</a:t>
             </a:r>
             <a:r>
               <a:rPr lang="en-US" dirty="0" smtClean="0"/>
               <a:t> </a:t>
             </a:r>
-          </a:p>
-          <a:p>
+            <a:r>
+              <a:rPr lang="en-US" dirty="0" err="1" smtClean="0"/>
+              <a:t>brukes</a:t>
+            </a:r>
             <a:r>
               <a:rPr lang="en-US" dirty="0" smtClean="0"/>
-              <a:t>header</a:t>
-            </a:r>
-          </a:p>
-          <a:p>
+              <a:t> </a:t>
+            </a:r>
+            <a:r>
+              <a:rPr lang="en-US" dirty="0" err="1" smtClean="0"/>
+              <a:t>som</a:t>
+            </a:r>
             <a:r>
               <a:rPr lang="en-US" dirty="0" smtClean="0"/>
-              <a:t>aside</a:t>
-            </a:r>
-          </a:p>
-          <a:p>
+              <a:t> selector</a:t>
+            </a:r>
+          </a:p>
+          <a:p>
+            <a:pPr lvl="1"/>
+            <a:r>
+              <a:rPr lang="en-US" dirty="0" err="1" smtClean="0"/>
+              <a:t>Eks</a:t>
+            </a:r>
+            <a:r>
+              <a:rPr lang="en-US" dirty="0" smtClean="0"/>
+              <a:t>: &lt;p&gt; &lt;footer&gt; &lt;div&gt;</a:t>
+            </a:r>
+          </a:p>
+          <a:p>
+            <a:r>
+              <a:rPr lang="en-US" dirty="0" err="1" smtClean="0"/>
+              <a:t>Elementer</a:t>
+            </a:r>
+            <a:r>
+              <a:rPr lang="en-US" dirty="0" smtClean="0"/>
+              <a:t> </a:t>
+            </a:r>
+            <a:r>
+              <a:rPr lang="en-US" dirty="0" err="1" smtClean="0"/>
+              <a:t>kan</a:t>
+            </a:r>
+            <a:r>
+              <a:rPr lang="en-US" dirty="0" smtClean="0"/>
+              <a:t> </a:t>
+            </a:r>
+            <a:r>
+              <a:rPr lang="en-US" dirty="0" err="1" smtClean="0"/>
+              <a:t>markeres</a:t>
+            </a:r>
+            <a:r>
+              <a:rPr lang="en-US" dirty="0" smtClean="0"/>
+              <a:t> med </a:t>
+            </a:r>
+            <a:r>
+              <a:rPr lang="en-US" i="1" dirty="0" smtClean="0"/>
+              <a:t>class</a:t>
+            </a:r>
+            <a:r>
+              <a:rPr lang="en-US" dirty="0" smtClean="0"/>
+              <a:t> </a:t>
+            </a:r>
+            <a:r>
+              <a:rPr lang="en-US" dirty="0" err="1" smtClean="0"/>
+              <a:t>og</a:t>
+            </a:r>
+            <a:r>
+              <a:rPr lang="en-US" dirty="0"/>
+              <a:t>/</a:t>
+            </a:r>
+            <a:r>
+              <a:rPr lang="en-US" dirty="0" err="1" smtClean="0"/>
+              <a:t>eller</a:t>
+            </a:r>
+            <a:r>
+              <a:rPr lang="en-US" dirty="0" smtClean="0"/>
+              <a:t> </a:t>
+            </a:r>
+            <a:r>
+              <a:rPr lang="en-US" i="1" dirty="0" smtClean="0"/>
+              <a:t>id</a:t>
+            </a:r>
+          </a:p>
+          <a:p>
+            <a:r>
+              <a:rPr lang="en-US" dirty="0" err="1" smtClean="0"/>
+              <a:t>selectoren</a:t>
+            </a:r>
+            <a:r>
+              <a:rPr lang="en-US" dirty="0" smtClean="0"/>
+              <a:t> </a:t>
+            </a:r>
+            <a:r>
+              <a:rPr lang="en-US" sz="4000" b="1" dirty="0" smtClean="0">
+                <a:effectLst>
+                  <a:outerShdw blurRad="50800" dist="38100" dir="2700000" algn="tl" rotWithShape="0">
+                    <a:prstClr val="black">
+                      <a:alpha val="40000"/>
+                    </a:prstClr>
+                  </a:outerShdw>
+                </a:effectLst>
+              </a:rPr>
+              <a:t>*</a:t>
+            </a:r>
+            <a:r>
+              <a:rPr lang="en-US" dirty="0" smtClean="0"/>
+              <a:t> </a:t>
+            </a:r>
+            <a:r>
+              <a:rPr lang="en-US" dirty="0" err="1" smtClean="0"/>
+              <a:t>gjelder</a:t>
+            </a:r>
+            <a:r>
+              <a:rPr lang="en-US" dirty="0" smtClean="0"/>
+              <a:t> for </a:t>
+            </a:r>
+            <a:r>
+              <a:rPr lang="en-US" i="1" dirty="0" err="1" smtClean="0"/>
+              <a:t>alle</a:t>
+            </a:r>
+            <a:r>
+              <a:rPr lang="en-US" dirty="0" smtClean="0"/>
+              <a:t> </a:t>
+            </a:r>
+            <a:r>
+              <a:rPr lang="en-US" dirty="0" err="1" smtClean="0"/>
+              <a:t>elementer</a:t>
+            </a:r>
             <a:endParaRPr lang="en-US" dirty="0"/>
           </a:p>
         </p:txBody>
@@ -6100,13 +8403,20 @@
     </p:spTree>
     <p:extLst>
       <p:ext uri="{BB962C8B-B14F-4D97-AF65-F5344CB8AC3E}">
-        <p14:creationId xmlns:p14="http://schemas.microsoft.com/office/powerpoint/2010/main" val="2327314117"/>
+        <p14:creationId xmlns:p14="http://schemas.microsoft.com/office/powerpoint/2010/main" val="1895812246"/>
       </p:ext>
     </p:extLst>
   </p:cSld>
   <p:clrMapOvr>
     <a:masterClrMapping/>
   </p:clrMapOvr>
+  <p:timing>
+    <p:tnLst>
+      <p:par>
+        <p:cTn xmlns:p14="http://schemas.microsoft.com/office/powerpoint/2010/main" id="1" dur="indefinite" restart="never" nodeType="tmRoot"/>
+      </p:par>
+    </p:tnLst>
+  </p:timing>
 </p:sld>
 </file>
 
@@ -6143,8 +8453,8 @@
           <a:lstStyle/>
           <a:p>
             <a:r>
-              <a:rPr lang="en-US" dirty="0" smtClean="0"/>
-              <a:t>CSS3 selectors</a:t>
+              <a:rPr lang="en-US" dirty="0" err="1" smtClean="0"/>
+              <a:t>Eksempler</a:t>
             </a:r>
             <a:endParaRPr lang="en-US" dirty="0"/>
           </a:p>
@@ -6152,1269 +8462,75 @@
       </p:sp>
       <p:sp>
         <p:nvSpPr>
-          <p:cNvPr id="4" name="Rectangle 3"/>
-          <p:cNvSpPr/>
-          <p:nvPr/>
+          <p:cNvPr id="3" name="Content Placeholder 2"/>
+          <p:cNvSpPr>
+            <a:spLocks noGrp="1"/>
+          </p:cNvSpPr>
+          <p:nvPr>
+            <p:ph idx="1"/>
+          </p:nvPr>
         </p:nvSpPr>
-        <p:spPr>
-          <a:xfrm>
-            <a:off x="457200" y="1063229"/>
-            <a:ext cx="8314925" cy="3877985"/>
-          </a:xfrm>
-          <a:prstGeom prst="rect">
-            <a:avLst/>
-          </a:prstGeom>
-        </p:spPr>
+        <p:spPr/>
         <p:txBody>
-          <a:bodyPr wrap="square">
-            <a:spAutoFit/>
+          <a:bodyPr>
+            <a:normAutofit fontScale="92500" lnSpcReduction="10000"/>
           </a:bodyPr>
           <a:lstStyle/>
           <a:p>
             <a:r>
-              <a:rPr lang="en-US" sz="1200" dirty="0">
-                <a:solidFill>
-                  <a:srgbClr val="9A9A9A"/>
-                </a:solidFill>
-                <a:highlight>
-                  <a:srgbClr val="FFFFFF"/>
-                </a:highlight>
-                <a:latin typeface="Courier"/>
-              </a:rPr>
-              <a:t>/*</a:t>
-            </a:r>
-            <a:r>
-              <a:rPr lang="en-US" sz="1200" dirty="0" err="1">
-                <a:solidFill>
-                  <a:srgbClr val="9A9A9A"/>
-                </a:solidFill>
-                <a:highlight>
-                  <a:srgbClr val="FFFFFF"/>
-                </a:highlight>
-                <a:latin typeface="Courier"/>
-              </a:rPr>
-              <a:t>Velger</a:t>
-            </a:r>
-            <a:r>
-              <a:rPr lang="en-US" sz="1200" dirty="0">
-                <a:solidFill>
-                  <a:srgbClr val="9A9A9A"/>
-                </a:solidFill>
-                <a:highlight>
-                  <a:srgbClr val="FFFFFF"/>
-                </a:highlight>
-                <a:latin typeface="Courier"/>
-              </a:rPr>
+              <a:rPr lang="en-US" dirty="0" smtClean="0"/>
+              <a:t>body</a:t>
+            </a:r>
+          </a:p>
+          <a:p>
+            <a:r>
+              <a:rPr lang="en-US" dirty="0" smtClean="0"/>
+              <a:t>div</a:t>
+            </a:r>
+          </a:p>
+          <a:p>
+            <a:r>
+              <a:rPr lang="en-US" dirty="0" smtClean="0"/>
+              <a:t>h1 </a:t>
+            </a:r>
+            <a:r>
+              <a:rPr lang="en-US" dirty="0" err="1" smtClean="0"/>
+              <a:t>osv</a:t>
+            </a:r>
+            <a:r>
+              <a:rPr lang="en-US" dirty="0" smtClean="0"/>
               <a:t> </a:t>
             </a:r>
-            <a:r>
-              <a:rPr lang="en-US" sz="1200" dirty="0" err="1">
-                <a:solidFill>
-                  <a:srgbClr val="9A9A9A"/>
-                </a:solidFill>
-                <a:highlight>
-                  <a:srgbClr val="FFFFFF"/>
-                </a:highlight>
-                <a:latin typeface="Courier"/>
-              </a:rPr>
-              <a:t>alle</a:t>
-            </a:r>
-            <a:r>
-              <a:rPr lang="en-US" sz="1200" dirty="0">
-                <a:solidFill>
-                  <a:srgbClr val="9A9A9A"/>
-                </a:solidFill>
-                <a:highlight>
-                  <a:srgbClr val="FFFFFF"/>
-                </a:highlight>
-                <a:latin typeface="Courier"/>
-              </a:rPr>
+          </a:p>
+          <a:p>
+            <a:r>
+              <a:rPr lang="en-US" dirty="0" smtClean="0"/>
+              <a:t>section</a:t>
+            </a:r>
+          </a:p>
+          <a:p>
+            <a:r>
+              <a:rPr lang="en-US" dirty="0" err="1" smtClean="0"/>
+              <a:t>nav</a:t>
+            </a:r>
+            <a:r>
+              <a:rPr lang="en-US" dirty="0" smtClean="0"/>
               <a:t> </a:t>
             </a:r>
-            <a:r>
-              <a:rPr lang="en-US" sz="1200" dirty="0" err="1">
-                <a:solidFill>
-                  <a:srgbClr val="9A9A9A"/>
-                </a:solidFill>
-                <a:highlight>
-                  <a:srgbClr val="FFFFFF"/>
-                </a:highlight>
-                <a:latin typeface="Courier"/>
-              </a:rPr>
-              <a:t>img-elementer</a:t>
-            </a:r>
-            <a:r>
-              <a:rPr lang="en-US" sz="1200" dirty="0">
-                <a:solidFill>
-                  <a:srgbClr val="9A9A9A"/>
-                </a:solidFill>
-                <a:highlight>
-                  <a:srgbClr val="FFFFFF"/>
-                </a:highlight>
-                <a:latin typeface="Courier"/>
-              </a:rPr>
-              <a:t> </a:t>
-            </a:r>
-            <a:r>
-              <a:rPr lang="en-US" sz="1200" dirty="0" err="1">
-                <a:solidFill>
-                  <a:srgbClr val="9A9A9A"/>
-                </a:solidFill>
-                <a:highlight>
-                  <a:srgbClr val="FFFFFF"/>
-                </a:highlight>
-                <a:latin typeface="Courier"/>
-              </a:rPr>
-              <a:t>på</a:t>
-            </a:r>
-            <a:r>
-              <a:rPr lang="en-US" sz="1200" dirty="0">
-                <a:solidFill>
-                  <a:srgbClr val="9A9A9A"/>
-                </a:solidFill>
-                <a:highlight>
-                  <a:srgbClr val="FFFFFF"/>
-                </a:highlight>
-                <a:latin typeface="Courier"/>
-              </a:rPr>
-              <a:t> </a:t>
-            </a:r>
-            <a:r>
-              <a:rPr lang="en-US" sz="1200" dirty="0" err="1">
-                <a:solidFill>
-                  <a:srgbClr val="9A9A9A"/>
-                </a:solidFill>
-                <a:highlight>
-                  <a:srgbClr val="FFFFFF"/>
-                </a:highlight>
-                <a:latin typeface="Courier"/>
-              </a:rPr>
-              <a:t>siden</a:t>
-            </a:r>
-            <a:r>
-              <a:rPr lang="en-US" sz="1200" dirty="0">
-                <a:solidFill>
-                  <a:srgbClr val="9A9A9A"/>
-                </a:solidFill>
-                <a:highlight>
-                  <a:srgbClr val="FFFFFF"/>
-                </a:highlight>
-                <a:latin typeface="Courier"/>
-              </a:rPr>
-              <a:t> </a:t>
-            </a:r>
-            <a:r>
-              <a:rPr lang="en-US" sz="1200" dirty="0" err="1">
-                <a:solidFill>
-                  <a:srgbClr val="9A9A9A"/>
-                </a:solidFill>
-                <a:highlight>
-                  <a:srgbClr val="FFFFFF"/>
-                </a:highlight>
-                <a:latin typeface="Courier"/>
-              </a:rPr>
-              <a:t>hvis</a:t>
-            </a:r>
-            <a:r>
-              <a:rPr lang="en-US" sz="1200" dirty="0">
-                <a:solidFill>
-                  <a:srgbClr val="9A9A9A"/>
-                </a:solidFill>
-                <a:highlight>
-                  <a:srgbClr val="FFFFFF"/>
-                </a:highlight>
-                <a:latin typeface="Courier"/>
-              </a:rPr>
-              <a:t> </a:t>
-            </a:r>
-            <a:r>
-              <a:rPr lang="en-US" sz="1200" dirty="0" err="1">
-                <a:solidFill>
-                  <a:srgbClr val="9A9A9A"/>
-                </a:solidFill>
-                <a:highlight>
-                  <a:srgbClr val="FFFFFF"/>
-                </a:highlight>
-                <a:latin typeface="Courier"/>
-              </a:rPr>
-              <a:t>src-atributt</a:t>
-            </a:r>
-            <a:r>
-              <a:rPr lang="en-US" sz="1200" dirty="0">
-                <a:solidFill>
-                  <a:srgbClr val="9A9A9A"/>
-                </a:solidFill>
-                <a:highlight>
-                  <a:srgbClr val="FFFFFF"/>
-                </a:highlight>
-                <a:latin typeface="Courier"/>
-              </a:rPr>
-              <a:t> starter med "images"*/</a:t>
-            </a:r>
-          </a:p>
-          <a:p>
-            <a:r>
-              <a:rPr lang="en-US" dirty="0" err="1">
-                <a:solidFill>
-                  <a:srgbClr val="DA29FF"/>
-                </a:solidFill>
-                <a:highlight>
-                  <a:srgbClr val="FFFFFF"/>
-                </a:highlight>
-                <a:latin typeface="Courier"/>
-              </a:rPr>
-              <a:t>img</a:t>
-            </a:r>
-            <a:r>
-              <a:rPr lang="en-US" dirty="0">
-                <a:solidFill>
-                  <a:srgbClr val="DA29FF"/>
-                </a:solidFill>
-                <a:highlight>
-                  <a:srgbClr val="FFFFFF"/>
-                </a:highlight>
-                <a:latin typeface="Courier"/>
-              </a:rPr>
-              <a:t>[</a:t>
-            </a:r>
-            <a:r>
-              <a:rPr lang="en-US" dirty="0" err="1">
-                <a:solidFill>
-                  <a:srgbClr val="05208C"/>
-                </a:solidFill>
-                <a:highlight>
-                  <a:srgbClr val="FFFFFF"/>
-                </a:highlight>
-                <a:latin typeface="Courier"/>
-              </a:rPr>
-              <a:t>src</a:t>
-            </a:r>
-            <a:r>
-              <a:rPr lang="en-US" dirty="0">
-                <a:solidFill>
-                  <a:srgbClr val="DA29FF"/>
-                </a:solidFill>
-                <a:highlight>
-                  <a:srgbClr val="FFFFFF"/>
-                </a:highlight>
-                <a:latin typeface="Courier"/>
-              </a:rPr>
-              <a:t>^=</a:t>
-            </a:r>
-            <a:r>
-              <a:rPr lang="en-US" dirty="0">
-                <a:solidFill>
-                  <a:srgbClr val="106800"/>
-                </a:solidFill>
-                <a:highlight>
-                  <a:srgbClr val="FFFFFF"/>
-                </a:highlight>
-                <a:latin typeface="Courier"/>
-              </a:rPr>
-              <a:t>"images"</a:t>
-            </a:r>
-            <a:r>
-              <a:rPr lang="en-US" dirty="0">
-                <a:solidFill>
-                  <a:srgbClr val="DA29FF"/>
-                </a:solidFill>
-                <a:highlight>
-                  <a:srgbClr val="FFFFFF"/>
-                </a:highlight>
-                <a:latin typeface="Courier"/>
-              </a:rPr>
-              <a:t>]{</a:t>
-            </a:r>
-          </a:p>
-          <a:p>
-            <a:r>
-              <a:rPr lang="en-US" dirty="0">
-                <a:solidFill>
-                  <a:srgbClr val="DA29FF"/>
-                </a:solidFill>
-                <a:highlight>
-                  <a:srgbClr val="FFFFFF"/>
-                </a:highlight>
-                <a:latin typeface="Courier"/>
-              </a:rPr>
-              <a:t>	</a:t>
-            </a:r>
-            <a:r>
-              <a:rPr lang="en-US" dirty="0">
-                <a:solidFill>
-                  <a:srgbClr val="05208C"/>
-                </a:solidFill>
-                <a:highlight>
-                  <a:srgbClr val="FFFFFF"/>
-                </a:highlight>
-                <a:latin typeface="Courier"/>
-              </a:rPr>
-              <a:t>border</a:t>
-            </a:r>
-            <a:r>
-              <a:rPr lang="en-US" b="1" dirty="0">
-                <a:solidFill>
-                  <a:srgbClr val="DA29FF"/>
-                </a:solidFill>
-                <a:highlight>
-                  <a:srgbClr val="FFFFFF"/>
-                </a:highlight>
-                <a:latin typeface="Courier"/>
-              </a:rPr>
-              <a:t>: </a:t>
-            </a:r>
-            <a:r>
-              <a:rPr lang="en-US" b="1" dirty="0">
-                <a:solidFill>
-                  <a:srgbClr val="0035FF"/>
-                </a:solidFill>
-                <a:highlight>
-                  <a:srgbClr val="FFFFFF"/>
-                </a:highlight>
-                <a:latin typeface="Courier"/>
-              </a:rPr>
-              <a:t>5px</a:t>
-            </a:r>
-            <a:r>
-              <a:rPr lang="en-US" b="1" dirty="0">
-                <a:solidFill>
-                  <a:srgbClr val="DA29FF"/>
-                </a:solidFill>
-                <a:highlight>
-                  <a:srgbClr val="FFFFFF"/>
-                </a:highlight>
-                <a:latin typeface="Courier"/>
-              </a:rPr>
-              <a:t> </a:t>
-            </a:r>
-            <a:r>
-              <a:rPr lang="en-US" b="1" dirty="0">
-                <a:solidFill>
-                  <a:srgbClr val="0035FF"/>
-                </a:solidFill>
-                <a:highlight>
-                  <a:srgbClr val="FFFFFF"/>
-                </a:highlight>
-                <a:latin typeface="Courier"/>
-              </a:rPr>
-              <a:t>solid</a:t>
-            </a:r>
-            <a:r>
-              <a:rPr lang="en-US" b="1" dirty="0">
-                <a:solidFill>
-                  <a:srgbClr val="DA29FF"/>
-                </a:solidFill>
-                <a:highlight>
-                  <a:srgbClr val="FFFFFF"/>
-                </a:highlight>
-                <a:latin typeface="Courier"/>
-              </a:rPr>
-              <a:t> </a:t>
-            </a:r>
-            <a:r>
-              <a:rPr lang="en-US" b="1" dirty="0">
-                <a:solidFill>
-                  <a:srgbClr val="0035FF"/>
-                </a:solidFill>
-                <a:highlight>
-                  <a:srgbClr val="FFFFFF"/>
-                </a:highlight>
-                <a:latin typeface="Courier"/>
-              </a:rPr>
-              <a:t>orange</a:t>
-            </a:r>
-            <a:r>
-              <a:rPr lang="en-US" b="1" dirty="0">
-                <a:solidFill>
-                  <a:srgbClr val="DA29FF"/>
-                </a:solidFill>
-                <a:highlight>
-                  <a:srgbClr val="FFFFFF"/>
-                </a:highlight>
-                <a:latin typeface="Courier"/>
-              </a:rPr>
-              <a:t>;</a:t>
-            </a:r>
-          </a:p>
-          <a:p>
-            <a:r>
-              <a:rPr lang="en-US" dirty="0">
-                <a:solidFill>
-                  <a:srgbClr val="DA29FF"/>
-                </a:solidFill>
-                <a:highlight>
-                  <a:srgbClr val="FFFFFF"/>
-                </a:highlight>
-                <a:latin typeface="Courier"/>
-              </a:rPr>
-              <a:t>}</a:t>
-            </a:r>
-          </a:p>
-          <a:p>
-            <a:endParaRPr lang="en-US" dirty="0">
-              <a:latin typeface="Courier"/>
-            </a:endParaRPr>
-          </a:p>
-          <a:p>
-            <a:r>
-              <a:rPr lang="en-US" sz="1200" dirty="0">
-                <a:solidFill>
-                  <a:srgbClr val="9A9A9A"/>
-                </a:solidFill>
-                <a:highlight>
-                  <a:srgbClr val="FFFFFF"/>
-                </a:highlight>
-                <a:latin typeface="Courier"/>
-              </a:rPr>
-              <a:t>/*</a:t>
-            </a:r>
-            <a:r>
-              <a:rPr lang="en-US" sz="1200" dirty="0" err="1">
-                <a:solidFill>
-                  <a:srgbClr val="9A9A9A"/>
-                </a:solidFill>
-                <a:highlight>
-                  <a:srgbClr val="FFFFFF"/>
-                </a:highlight>
-                <a:latin typeface="Courier"/>
-              </a:rPr>
-              <a:t>Velger</a:t>
-            </a:r>
-            <a:r>
-              <a:rPr lang="en-US" sz="1200" dirty="0">
-                <a:solidFill>
-                  <a:srgbClr val="9A9A9A"/>
-                </a:solidFill>
-                <a:highlight>
-                  <a:srgbClr val="FFFFFF"/>
-                </a:highlight>
-                <a:latin typeface="Courier"/>
-              </a:rPr>
-              <a:t> </a:t>
-            </a:r>
-            <a:r>
-              <a:rPr lang="en-US" sz="1200" dirty="0" err="1">
-                <a:solidFill>
-                  <a:srgbClr val="9A9A9A"/>
-                </a:solidFill>
-                <a:highlight>
-                  <a:srgbClr val="FFFFFF"/>
-                </a:highlight>
-                <a:latin typeface="Courier"/>
-              </a:rPr>
-              <a:t>alle</a:t>
-            </a:r>
-            <a:r>
-              <a:rPr lang="en-US" sz="1200" dirty="0">
-                <a:solidFill>
-                  <a:srgbClr val="9A9A9A"/>
-                </a:solidFill>
-                <a:highlight>
-                  <a:srgbClr val="FFFFFF"/>
-                </a:highlight>
-                <a:latin typeface="Courier"/>
-              </a:rPr>
-              <a:t> </a:t>
-            </a:r>
-            <a:r>
-              <a:rPr lang="en-US" sz="1200" dirty="0" err="1">
-                <a:solidFill>
-                  <a:srgbClr val="9A9A9A"/>
-                </a:solidFill>
-                <a:highlight>
-                  <a:srgbClr val="FFFFFF"/>
-                </a:highlight>
-                <a:latin typeface="Courier"/>
-              </a:rPr>
-              <a:t>img-elementer</a:t>
-            </a:r>
-            <a:r>
-              <a:rPr lang="en-US" sz="1200" dirty="0">
-                <a:solidFill>
-                  <a:srgbClr val="9A9A9A"/>
-                </a:solidFill>
-                <a:highlight>
-                  <a:srgbClr val="FFFFFF"/>
-                </a:highlight>
-                <a:latin typeface="Courier"/>
-              </a:rPr>
-              <a:t> </a:t>
-            </a:r>
-            <a:r>
-              <a:rPr lang="en-US" sz="1200" dirty="0" err="1">
-                <a:solidFill>
-                  <a:srgbClr val="9A9A9A"/>
-                </a:solidFill>
-                <a:highlight>
-                  <a:srgbClr val="FFFFFF"/>
-                </a:highlight>
-                <a:latin typeface="Courier"/>
-              </a:rPr>
-              <a:t>på</a:t>
-            </a:r>
-            <a:r>
-              <a:rPr lang="en-US" sz="1200" dirty="0">
-                <a:solidFill>
-                  <a:srgbClr val="9A9A9A"/>
-                </a:solidFill>
-                <a:highlight>
-                  <a:srgbClr val="FFFFFF"/>
-                </a:highlight>
-                <a:latin typeface="Courier"/>
-              </a:rPr>
-              <a:t> </a:t>
-            </a:r>
-            <a:r>
-              <a:rPr lang="en-US" sz="1200" dirty="0" err="1">
-                <a:solidFill>
-                  <a:srgbClr val="9A9A9A"/>
-                </a:solidFill>
-                <a:highlight>
-                  <a:srgbClr val="FFFFFF"/>
-                </a:highlight>
-                <a:latin typeface="Courier"/>
-              </a:rPr>
-              <a:t>siden</a:t>
-            </a:r>
-            <a:r>
-              <a:rPr lang="en-US" sz="1200" dirty="0">
-                <a:solidFill>
-                  <a:srgbClr val="9A9A9A"/>
-                </a:solidFill>
-                <a:highlight>
-                  <a:srgbClr val="FFFFFF"/>
-                </a:highlight>
-                <a:latin typeface="Courier"/>
-              </a:rPr>
-              <a:t> </a:t>
-            </a:r>
-            <a:r>
-              <a:rPr lang="en-US" sz="1200" dirty="0" err="1">
-                <a:solidFill>
-                  <a:srgbClr val="9A9A9A"/>
-                </a:solidFill>
-                <a:highlight>
-                  <a:srgbClr val="FFFFFF"/>
-                </a:highlight>
-                <a:latin typeface="Courier"/>
-              </a:rPr>
-              <a:t>hvis</a:t>
-            </a:r>
-            <a:r>
-              <a:rPr lang="en-US" sz="1200" dirty="0">
-                <a:solidFill>
-                  <a:srgbClr val="9A9A9A"/>
-                </a:solidFill>
-                <a:highlight>
-                  <a:srgbClr val="FFFFFF"/>
-                </a:highlight>
-                <a:latin typeface="Courier"/>
-              </a:rPr>
-              <a:t> </a:t>
-            </a:r>
-            <a:r>
-              <a:rPr lang="en-US" sz="1200" dirty="0" err="1">
-                <a:solidFill>
-                  <a:srgbClr val="9A9A9A"/>
-                </a:solidFill>
-                <a:highlight>
-                  <a:srgbClr val="FFFFFF"/>
-                </a:highlight>
-                <a:latin typeface="Courier"/>
-              </a:rPr>
-              <a:t>src-atributt</a:t>
-            </a:r>
-            <a:r>
-              <a:rPr lang="en-US" sz="1200" dirty="0">
-                <a:solidFill>
-                  <a:srgbClr val="9A9A9A"/>
-                </a:solidFill>
-                <a:highlight>
-                  <a:srgbClr val="FFFFFF"/>
-                </a:highlight>
-                <a:latin typeface="Courier"/>
-              </a:rPr>
-              <a:t> </a:t>
-            </a:r>
-            <a:r>
-              <a:rPr lang="en-US" sz="1200" dirty="0" err="1">
-                <a:solidFill>
-                  <a:srgbClr val="9A9A9A"/>
-                </a:solidFill>
-                <a:highlight>
-                  <a:srgbClr val="FFFFFF"/>
-                </a:highlight>
-                <a:latin typeface="Courier"/>
-              </a:rPr>
-              <a:t>inneholder</a:t>
-            </a:r>
-            <a:r>
-              <a:rPr lang="en-US" sz="1200" dirty="0">
-                <a:solidFill>
-                  <a:srgbClr val="9A9A9A"/>
-                </a:solidFill>
-                <a:highlight>
-                  <a:srgbClr val="FFFFFF"/>
-                </a:highlight>
-                <a:latin typeface="Courier"/>
-              </a:rPr>
-              <a:t> en substring </a:t>
-            </a:r>
-            <a:r>
-              <a:rPr lang="en-US" sz="1200" dirty="0" err="1">
-                <a:solidFill>
-                  <a:srgbClr val="9A9A9A"/>
-                </a:solidFill>
-                <a:highlight>
-                  <a:srgbClr val="FFFFFF"/>
-                </a:highlight>
-                <a:latin typeface="Courier"/>
-              </a:rPr>
-              <a:t>av</a:t>
-            </a:r>
-            <a:r>
-              <a:rPr lang="en-US" sz="1200" dirty="0">
-                <a:solidFill>
-                  <a:srgbClr val="9A9A9A"/>
-                </a:solidFill>
-                <a:highlight>
-                  <a:srgbClr val="FFFFFF"/>
-                </a:highlight>
-                <a:latin typeface="Courier"/>
-              </a:rPr>
-              <a:t> "</a:t>
-            </a:r>
-            <a:r>
-              <a:rPr lang="en-US" sz="1200" dirty="0" err="1">
-                <a:solidFill>
-                  <a:srgbClr val="9A9A9A"/>
-                </a:solidFill>
-                <a:highlight>
-                  <a:srgbClr val="FFFFFF"/>
-                </a:highlight>
-                <a:latin typeface="Courier"/>
-              </a:rPr>
-              <a:t>tiguan</a:t>
-            </a:r>
-            <a:r>
-              <a:rPr lang="en-US" sz="1200" dirty="0">
-                <a:solidFill>
-                  <a:srgbClr val="9A9A9A"/>
-                </a:solidFill>
-                <a:highlight>
-                  <a:srgbClr val="FFFFFF"/>
-                </a:highlight>
-                <a:latin typeface="Courier"/>
-              </a:rPr>
-              <a:t>"*/</a:t>
-            </a:r>
-          </a:p>
-          <a:p>
-            <a:r>
-              <a:rPr lang="en-US" dirty="0" err="1">
-                <a:solidFill>
-                  <a:srgbClr val="DA29FF"/>
-                </a:solidFill>
-                <a:highlight>
-                  <a:srgbClr val="FFFFFF"/>
-                </a:highlight>
-                <a:latin typeface="Courier"/>
-              </a:rPr>
-              <a:t>img</a:t>
-            </a:r>
-            <a:r>
-              <a:rPr lang="en-US" dirty="0">
-                <a:solidFill>
-                  <a:srgbClr val="DA29FF"/>
-                </a:solidFill>
-                <a:highlight>
-                  <a:srgbClr val="FFFFFF"/>
-                </a:highlight>
-                <a:latin typeface="Courier"/>
-              </a:rPr>
-              <a:t>[</a:t>
-            </a:r>
-            <a:r>
-              <a:rPr lang="en-US" dirty="0" err="1">
-                <a:solidFill>
-                  <a:srgbClr val="05208C"/>
-                </a:solidFill>
-                <a:highlight>
-                  <a:srgbClr val="FFFFFF"/>
-                </a:highlight>
-                <a:latin typeface="Courier"/>
-              </a:rPr>
-              <a:t>src</a:t>
-            </a:r>
-            <a:r>
-              <a:rPr lang="en-US" u="sng" dirty="0">
-                <a:solidFill>
-                  <a:srgbClr val="DA29FF"/>
-                </a:solidFill>
-                <a:highlight>
-                  <a:srgbClr val="FFFFFF"/>
-                </a:highlight>
-                <a:latin typeface="Courier"/>
-              </a:rPr>
-              <a:t>*=</a:t>
-            </a:r>
-            <a:r>
-              <a:rPr lang="en-US" u="sng" dirty="0">
-                <a:solidFill>
-                  <a:srgbClr val="106800"/>
-                </a:solidFill>
-                <a:highlight>
-                  <a:srgbClr val="FFFFFF"/>
-                </a:highlight>
-                <a:latin typeface="Courier"/>
-              </a:rPr>
-              <a:t>"</a:t>
-            </a:r>
-            <a:r>
-              <a:rPr lang="en-US" u="sng" dirty="0" err="1">
-                <a:solidFill>
-                  <a:srgbClr val="106800"/>
-                </a:solidFill>
-                <a:highlight>
-                  <a:srgbClr val="FFFFFF"/>
-                </a:highlight>
-                <a:latin typeface="Courier"/>
-              </a:rPr>
-              <a:t>tiguan</a:t>
-            </a:r>
-            <a:r>
-              <a:rPr lang="en-US" u="sng" dirty="0">
-                <a:solidFill>
-                  <a:srgbClr val="106800"/>
-                </a:solidFill>
-                <a:highlight>
-                  <a:srgbClr val="FFFFFF"/>
-                </a:highlight>
-                <a:latin typeface="Courier"/>
-              </a:rPr>
-              <a:t>"</a:t>
-            </a:r>
-            <a:r>
-              <a:rPr lang="en-US" u="sng" dirty="0">
-                <a:solidFill>
-                  <a:srgbClr val="DA29FF"/>
-                </a:solidFill>
-                <a:highlight>
-                  <a:srgbClr val="FFFFFF"/>
-                </a:highlight>
-                <a:latin typeface="Courier"/>
-              </a:rPr>
-              <a:t>]{</a:t>
-            </a:r>
-          </a:p>
-          <a:p>
-            <a:r>
-              <a:rPr lang="en-US" dirty="0">
-                <a:solidFill>
-                  <a:srgbClr val="DA29FF"/>
-                </a:solidFill>
-                <a:highlight>
-                  <a:srgbClr val="FFFFFF"/>
-                </a:highlight>
-                <a:latin typeface="Courier"/>
-              </a:rPr>
-              <a:t>    </a:t>
-            </a:r>
-            <a:r>
-              <a:rPr lang="en-US" dirty="0">
-                <a:solidFill>
-                  <a:srgbClr val="05208C"/>
-                </a:solidFill>
-                <a:highlight>
-                  <a:srgbClr val="FFFFFF"/>
-                </a:highlight>
-                <a:latin typeface="Courier"/>
-              </a:rPr>
-              <a:t>border</a:t>
-            </a:r>
-            <a:r>
-              <a:rPr lang="en-US" b="1" dirty="0">
-                <a:solidFill>
-                  <a:srgbClr val="DA29FF"/>
-                </a:solidFill>
-                <a:highlight>
-                  <a:srgbClr val="FFFFFF"/>
-                </a:highlight>
-                <a:latin typeface="Courier"/>
-              </a:rPr>
-              <a:t>: </a:t>
-            </a:r>
-            <a:r>
-              <a:rPr lang="en-US" b="1" dirty="0">
-                <a:solidFill>
-                  <a:srgbClr val="0035FF"/>
-                </a:solidFill>
-                <a:highlight>
-                  <a:srgbClr val="FFFFFF"/>
-                </a:highlight>
-                <a:latin typeface="Courier"/>
-              </a:rPr>
-              <a:t>5px</a:t>
-            </a:r>
-            <a:r>
-              <a:rPr lang="en-US" b="1" dirty="0">
-                <a:solidFill>
-                  <a:srgbClr val="DA29FF"/>
-                </a:solidFill>
-                <a:highlight>
-                  <a:srgbClr val="FFFFFF"/>
-                </a:highlight>
-                <a:latin typeface="Courier"/>
-              </a:rPr>
-              <a:t> </a:t>
-            </a:r>
-            <a:r>
-              <a:rPr lang="en-US" b="1" dirty="0">
-                <a:solidFill>
-                  <a:srgbClr val="0035FF"/>
-                </a:solidFill>
-                <a:highlight>
-                  <a:srgbClr val="FFFFFF"/>
-                </a:highlight>
-                <a:latin typeface="Courier"/>
-              </a:rPr>
-              <a:t>solid</a:t>
-            </a:r>
-            <a:r>
-              <a:rPr lang="en-US" b="1" dirty="0">
-                <a:solidFill>
-                  <a:srgbClr val="DA29FF"/>
-                </a:solidFill>
-                <a:highlight>
-                  <a:srgbClr val="FFFFFF"/>
-                </a:highlight>
-                <a:latin typeface="Courier"/>
-              </a:rPr>
-              <a:t> </a:t>
-            </a:r>
-            <a:r>
-              <a:rPr lang="en-US" b="1" dirty="0">
-                <a:solidFill>
-                  <a:srgbClr val="0035FF"/>
-                </a:solidFill>
-                <a:highlight>
-                  <a:srgbClr val="FFFFFF"/>
-                </a:highlight>
-                <a:latin typeface="Courier"/>
-              </a:rPr>
-              <a:t>blue</a:t>
-            </a:r>
-            <a:r>
-              <a:rPr lang="en-US" b="1" dirty="0">
-                <a:solidFill>
-                  <a:srgbClr val="DA29FF"/>
-                </a:solidFill>
-                <a:highlight>
-                  <a:srgbClr val="FFFFFF"/>
-                </a:highlight>
-                <a:latin typeface="Courier"/>
-              </a:rPr>
-              <a:t>;</a:t>
-            </a:r>
-          </a:p>
-          <a:p>
-            <a:r>
-              <a:rPr lang="en-US" dirty="0">
-                <a:solidFill>
-                  <a:srgbClr val="DA29FF"/>
-                </a:solidFill>
-                <a:highlight>
-                  <a:srgbClr val="FFFFFF"/>
-                </a:highlight>
-                <a:latin typeface="Courier"/>
-              </a:rPr>
-              <a:t>}</a:t>
-            </a:r>
-          </a:p>
-          <a:p>
-            <a:endParaRPr lang="en-US" dirty="0">
-              <a:latin typeface="Courier"/>
-            </a:endParaRPr>
-          </a:p>
-          <a:p>
-            <a:r>
-              <a:rPr lang="en-US" sz="1200" dirty="0">
-                <a:solidFill>
-                  <a:srgbClr val="9A9A9A"/>
-                </a:solidFill>
-                <a:highlight>
-                  <a:srgbClr val="FFFFFF"/>
-                </a:highlight>
-                <a:latin typeface="Courier"/>
-              </a:rPr>
-              <a:t>/*</a:t>
-            </a:r>
-            <a:r>
-              <a:rPr lang="en-US" sz="1200" dirty="0" err="1">
-                <a:solidFill>
-                  <a:srgbClr val="9A9A9A"/>
-                </a:solidFill>
-                <a:highlight>
-                  <a:srgbClr val="FFFFFF"/>
-                </a:highlight>
-                <a:latin typeface="Courier"/>
-              </a:rPr>
-              <a:t>Velger</a:t>
-            </a:r>
-            <a:r>
-              <a:rPr lang="en-US" sz="1200" dirty="0">
-                <a:solidFill>
-                  <a:srgbClr val="9A9A9A"/>
-                </a:solidFill>
-                <a:highlight>
-                  <a:srgbClr val="FFFFFF"/>
-                </a:highlight>
-                <a:latin typeface="Courier"/>
-              </a:rPr>
-              <a:t> </a:t>
-            </a:r>
-            <a:r>
-              <a:rPr lang="en-US" sz="1200" dirty="0" err="1">
-                <a:solidFill>
-                  <a:srgbClr val="9A9A9A"/>
-                </a:solidFill>
-                <a:highlight>
-                  <a:srgbClr val="FFFFFF"/>
-                </a:highlight>
-                <a:latin typeface="Courier"/>
-              </a:rPr>
-              <a:t>alle</a:t>
-            </a:r>
-            <a:r>
-              <a:rPr lang="en-US" sz="1200" dirty="0">
-                <a:solidFill>
-                  <a:srgbClr val="9A9A9A"/>
-                </a:solidFill>
-                <a:highlight>
-                  <a:srgbClr val="FFFFFF"/>
-                </a:highlight>
-                <a:latin typeface="Courier"/>
-              </a:rPr>
-              <a:t> </a:t>
-            </a:r>
-            <a:r>
-              <a:rPr lang="en-US" sz="1200" dirty="0" err="1">
-                <a:solidFill>
-                  <a:srgbClr val="9A9A9A"/>
-                </a:solidFill>
-                <a:highlight>
-                  <a:srgbClr val="FFFFFF"/>
-                </a:highlight>
-                <a:latin typeface="Courier"/>
-              </a:rPr>
-              <a:t>img-elementer</a:t>
-            </a:r>
-            <a:r>
-              <a:rPr lang="en-US" sz="1200" dirty="0">
-                <a:solidFill>
-                  <a:srgbClr val="9A9A9A"/>
-                </a:solidFill>
-                <a:highlight>
-                  <a:srgbClr val="FFFFFF"/>
-                </a:highlight>
-                <a:latin typeface="Courier"/>
-              </a:rPr>
-              <a:t> </a:t>
-            </a:r>
-            <a:r>
-              <a:rPr lang="en-US" sz="1200" dirty="0" err="1">
-                <a:solidFill>
-                  <a:srgbClr val="9A9A9A"/>
-                </a:solidFill>
-                <a:highlight>
-                  <a:srgbClr val="FFFFFF"/>
-                </a:highlight>
-                <a:latin typeface="Courier"/>
-              </a:rPr>
-              <a:t>på</a:t>
-            </a:r>
-            <a:r>
-              <a:rPr lang="en-US" sz="1200" dirty="0">
-                <a:solidFill>
-                  <a:srgbClr val="9A9A9A"/>
-                </a:solidFill>
-                <a:highlight>
-                  <a:srgbClr val="FFFFFF"/>
-                </a:highlight>
-                <a:latin typeface="Courier"/>
-              </a:rPr>
-              <a:t> </a:t>
-            </a:r>
-            <a:r>
-              <a:rPr lang="en-US" sz="1200" dirty="0" err="1">
-                <a:solidFill>
-                  <a:srgbClr val="9A9A9A"/>
-                </a:solidFill>
-                <a:highlight>
-                  <a:srgbClr val="FFFFFF"/>
-                </a:highlight>
-                <a:latin typeface="Courier"/>
-              </a:rPr>
-              <a:t>siden</a:t>
-            </a:r>
-            <a:r>
-              <a:rPr lang="en-US" sz="1200" dirty="0">
-                <a:solidFill>
-                  <a:srgbClr val="9A9A9A"/>
-                </a:solidFill>
-                <a:highlight>
-                  <a:srgbClr val="FFFFFF"/>
-                </a:highlight>
-                <a:latin typeface="Courier"/>
-              </a:rPr>
-              <a:t> </a:t>
-            </a:r>
-            <a:r>
-              <a:rPr lang="en-US" sz="1200" dirty="0" err="1">
-                <a:solidFill>
-                  <a:srgbClr val="9A9A9A"/>
-                </a:solidFill>
-                <a:highlight>
-                  <a:srgbClr val="FFFFFF"/>
-                </a:highlight>
-                <a:latin typeface="Courier"/>
-              </a:rPr>
-              <a:t>hvis</a:t>
-            </a:r>
-            <a:r>
-              <a:rPr lang="en-US" sz="1200" dirty="0">
-                <a:solidFill>
-                  <a:srgbClr val="9A9A9A"/>
-                </a:solidFill>
-                <a:highlight>
-                  <a:srgbClr val="FFFFFF"/>
-                </a:highlight>
-                <a:latin typeface="Courier"/>
-              </a:rPr>
-              <a:t> </a:t>
-            </a:r>
-            <a:r>
-              <a:rPr lang="en-US" sz="1200" dirty="0" err="1">
-                <a:solidFill>
-                  <a:srgbClr val="9A9A9A"/>
-                </a:solidFill>
-                <a:highlight>
-                  <a:srgbClr val="FFFFFF"/>
-                </a:highlight>
-                <a:latin typeface="Courier"/>
-              </a:rPr>
-              <a:t>src-atributt</a:t>
-            </a:r>
-            <a:r>
-              <a:rPr lang="en-US" sz="1200" dirty="0">
-                <a:solidFill>
-                  <a:srgbClr val="9A9A9A"/>
-                </a:solidFill>
-                <a:highlight>
-                  <a:srgbClr val="FFFFFF"/>
-                </a:highlight>
-                <a:latin typeface="Courier"/>
-              </a:rPr>
-              <a:t> </a:t>
-            </a:r>
-            <a:r>
-              <a:rPr lang="en-US" sz="1200" dirty="0" err="1">
-                <a:solidFill>
-                  <a:srgbClr val="9A9A9A"/>
-                </a:solidFill>
-                <a:highlight>
-                  <a:srgbClr val="FFFFFF"/>
-                </a:highlight>
-                <a:latin typeface="Courier"/>
-              </a:rPr>
-              <a:t>slutter</a:t>
-            </a:r>
-            <a:r>
-              <a:rPr lang="en-US" sz="1200" dirty="0">
-                <a:solidFill>
-                  <a:srgbClr val="9A9A9A"/>
-                </a:solidFill>
-                <a:highlight>
-                  <a:srgbClr val="FFFFFF"/>
-                </a:highlight>
-                <a:latin typeface="Courier"/>
-              </a:rPr>
-              <a:t> </a:t>
-            </a:r>
-            <a:r>
-              <a:rPr lang="en-US" sz="1200" dirty="0" err="1">
-                <a:solidFill>
-                  <a:srgbClr val="9A9A9A"/>
-                </a:solidFill>
-                <a:highlight>
-                  <a:srgbClr val="FFFFFF"/>
-                </a:highlight>
-                <a:latin typeface="Courier"/>
-              </a:rPr>
-              <a:t>på</a:t>
-            </a:r>
-            <a:r>
-              <a:rPr lang="en-US" sz="1200" dirty="0">
-                <a:solidFill>
-                  <a:srgbClr val="9A9A9A"/>
-                </a:solidFill>
-                <a:highlight>
-                  <a:srgbClr val="FFFFFF"/>
-                </a:highlight>
-                <a:latin typeface="Courier"/>
-              </a:rPr>
-              <a:t> .jpg*/</a:t>
-            </a:r>
-          </a:p>
-          <a:p>
-            <a:r>
-              <a:rPr lang="da-DK" dirty="0" err="1">
-                <a:solidFill>
-                  <a:srgbClr val="DA29FF"/>
-                </a:solidFill>
-                <a:highlight>
-                  <a:srgbClr val="FFFFFF"/>
-                </a:highlight>
-                <a:latin typeface="Courier"/>
-              </a:rPr>
-              <a:t>img</a:t>
-            </a:r>
-            <a:r>
-              <a:rPr lang="da-DK" dirty="0">
-                <a:solidFill>
-                  <a:srgbClr val="DA29FF"/>
-                </a:solidFill>
-                <a:highlight>
-                  <a:srgbClr val="FFFFFF"/>
-                </a:highlight>
-                <a:latin typeface="Courier"/>
-              </a:rPr>
-              <a:t>[</a:t>
-            </a:r>
-            <a:r>
-              <a:rPr lang="da-DK" dirty="0" err="1">
-                <a:solidFill>
-                  <a:srgbClr val="05208C"/>
-                </a:solidFill>
-                <a:highlight>
-                  <a:srgbClr val="FFFFFF"/>
-                </a:highlight>
-                <a:latin typeface="Courier"/>
-              </a:rPr>
-              <a:t>src</a:t>
-            </a:r>
-            <a:r>
-              <a:rPr lang="da-DK" dirty="0">
-                <a:solidFill>
-                  <a:srgbClr val="DA29FF"/>
-                </a:solidFill>
-                <a:highlight>
-                  <a:srgbClr val="FFFFFF"/>
-                </a:highlight>
-                <a:latin typeface="Courier"/>
-              </a:rPr>
-              <a:t>$=</a:t>
-            </a:r>
-            <a:r>
-              <a:rPr lang="da-DK" dirty="0">
-                <a:solidFill>
-                  <a:srgbClr val="106800"/>
-                </a:solidFill>
-                <a:highlight>
-                  <a:srgbClr val="FFFFFF"/>
-                </a:highlight>
-                <a:latin typeface="Courier"/>
-              </a:rPr>
-              <a:t>".jpg"</a:t>
-            </a:r>
-            <a:r>
-              <a:rPr lang="da-DK" dirty="0">
-                <a:solidFill>
-                  <a:srgbClr val="DA29FF"/>
-                </a:solidFill>
-                <a:highlight>
-                  <a:srgbClr val="FFFFFF"/>
-                </a:highlight>
-                <a:latin typeface="Courier"/>
-              </a:rPr>
-              <a:t>]{</a:t>
-            </a:r>
-          </a:p>
-          <a:p>
-            <a:r>
-              <a:rPr lang="en-US" dirty="0">
-                <a:solidFill>
-                  <a:srgbClr val="DA29FF"/>
-                </a:solidFill>
-                <a:highlight>
-                  <a:srgbClr val="FFFFFF"/>
-                </a:highlight>
-                <a:latin typeface="Courier"/>
-              </a:rPr>
-              <a:t>    </a:t>
-            </a:r>
-            <a:r>
-              <a:rPr lang="en-US" dirty="0">
-                <a:solidFill>
-                  <a:srgbClr val="05208C"/>
-                </a:solidFill>
-                <a:highlight>
-                  <a:srgbClr val="FFFFFF"/>
-                </a:highlight>
-                <a:latin typeface="Courier"/>
-              </a:rPr>
-              <a:t>width</a:t>
-            </a:r>
-            <a:r>
-              <a:rPr lang="en-US" b="1" dirty="0">
-                <a:solidFill>
-                  <a:srgbClr val="DA29FF"/>
-                </a:solidFill>
-                <a:highlight>
-                  <a:srgbClr val="FFFFFF"/>
-                </a:highlight>
-                <a:latin typeface="Courier"/>
-              </a:rPr>
-              <a:t>: </a:t>
-            </a:r>
-            <a:r>
-              <a:rPr lang="en-US" b="1" dirty="0">
-                <a:solidFill>
-                  <a:srgbClr val="0035FF"/>
-                </a:solidFill>
-                <a:highlight>
-                  <a:srgbClr val="FFFFFF"/>
-                </a:highlight>
-                <a:latin typeface="Courier"/>
-              </a:rPr>
-              <a:t>10em</a:t>
-            </a:r>
-            <a:r>
-              <a:rPr lang="en-US" b="1" dirty="0">
-                <a:solidFill>
-                  <a:srgbClr val="DA29FF"/>
-                </a:solidFill>
-                <a:highlight>
-                  <a:srgbClr val="FFFFFF"/>
-                </a:highlight>
-                <a:latin typeface="Courier"/>
-              </a:rPr>
-              <a:t>;</a:t>
-            </a:r>
-          </a:p>
-          <a:p>
-            <a:r>
-              <a:rPr lang="en-US" dirty="0">
-                <a:solidFill>
-                  <a:srgbClr val="DA29FF"/>
-                </a:solidFill>
-                <a:highlight>
-                  <a:srgbClr val="FFFFFF"/>
-                </a:highlight>
-                <a:latin typeface="Courier"/>
-              </a:rPr>
-              <a:t>}</a:t>
-            </a:r>
+          </a:p>
+          <a:p>
+            <a:r>
+              <a:rPr lang="en-US" dirty="0" smtClean="0"/>
+              <a:t>header</a:t>
+            </a:r>
+          </a:p>
+          <a:p>
+            <a:r>
+              <a:rPr lang="en-US" dirty="0" smtClean="0"/>
+              <a:t>aside</a:t>
+            </a:r>
+          </a:p>
+          <a:p>
             <a:endParaRPr lang="en-US" dirty="0"/>
           </a:p>
         </p:txBody>
@@ -7422,7 +8538,7 @@
     </p:spTree>
     <p:extLst>
       <p:ext uri="{BB962C8B-B14F-4D97-AF65-F5344CB8AC3E}">
-        <p14:creationId xmlns:p14="http://schemas.microsoft.com/office/powerpoint/2010/main" val="464826539"/>
+        <p14:creationId xmlns:p14="http://schemas.microsoft.com/office/powerpoint/2010/main" val="2327314117"/>
       </p:ext>
     </p:extLst>
   </p:cSld>

--- a/Foiler/1. CSS basic.pptx
+++ b/Foiler/1. CSS basic.pptx
@@ -5,7 +5,7 @@
     <p:sldMasterId id="2147483648" r:id="rId1"/>
   </p:sldMasterIdLst>
   <p:notesMasterIdLst>
-    <p:notesMasterId r:id="rId21"/>
+    <p:notesMasterId r:id="rId24"/>
   </p:notesMasterIdLst>
   <p:sldIdLst>
     <p:sldId id="256" r:id="rId2"/>
@@ -15,18 +15,21 @@
     <p:sldId id="258" r:id="rId6"/>
     <p:sldId id="263" r:id="rId7"/>
     <p:sldId id="277" r:id="rId8"/>
-    <p:sldId id="259" r:id="rId9"/>
-    <p:sldId id="264" r:id="rId10"/>
-    <p:sldId id="276" r:id="rId11"/>
-    <p:sldId id="266" r:id="rId12"/>
-    <p:sldId id="265" r:id="rId13"/>
-    <p:sldId id="268" r:id="rId14"/>
-    <p:sldId id="270" r:id="rId15"/>
-    <p:sldId id="269" r:id="rId16"/>
-    <p:sldId id="271" r:id="rId17"/>
-    <p:sldId id="272" r:id="rId18"/>
-    <p:sldId id="273" r:id="rId19"/>
-    <p:sldId id="274" r:id="rId20"/>
+    <p:sldId id="278" r:id="rId9"/>
+    <p:sldId id="279" r:id="rId10"/>
+    <p:sldId id="281" r:id="rId11"/>
+    <p:sldId id="259" r:id="rId12"/>
+    <p:sldId id="264" r:id="rId13"/>
+    <p:sldId id="276" r:id="rId14"/>
+    <p:sldId id="266" r:id="rId15"/>
+    <p:sldId id="265" r:id="rId16"/>
+    <p:sldId id="268" r:id="rId17"/>
+    <p:sldId id="270" r:id="rId18"/>
+    <p:sldId id="269" r:id="rId19"/>
+    <p:sldId id="271" r:id="rId20"/>
+    <p:sldId id="272" r:id="rId21"/>
+    <p:sldId id="273" r:id="rId22"/>
+    <p:sldId id="274" r:id="rId23"/>
   </p:sldIdLst>
   <p:sldSz cx="9144000" cy="5143500" type="screen16x9"/>
   <p:notesSz cx="6858000" cy="9144000"/>
@@ -559,7 +562,7 @@
           <a:p>
             <a:fld id="{CC6A6E53-8C0A-F949-AE5A-2CFB440C398D}" type="slidenum">
               <a:rPr lang="en-US" smtClean="0"/>
-              <a:t>8</a:t>
+              <a:t>11</a:t>
             </a:fld>
             <a:endParaRPr lang="en-US"/>
           </a:p>
@@ -3291,41 +3294,24 @@
       </p:grpSpPr>
       <p:sp>
         <p:nvSpPr>
-          <p:cNvPr id="2" name="Title 1"/>
-          <p:cNvSpPr>
-            <a:spLocks noGrp="1"/>
-          </p:cNvSpPr>
-          <p:nvPr>
-            <p:ph type="title"/>
-          </p:nvPr>
-        </p:nvSpPr>
-        <p:spPr/>
-        <p:txBody>
-          <a:bodyPr/>
-          <a:lstStyle/>
-          <a:p>
-            <a:r>
-              <a:rPr lang="en-US" dirty="0" smtClean="0"/>
-              <a:t>CSS3 selectors</a:t>
-            </a:r>
-            <a:endParaRPr lang="en-US" dirty="0"/>
-          </a:p>
-        </p:txBody>
-      </p:sp>
-      <p:sp>
-        <p:nvSpPr>
           <p:cNvPr id="4" name="Rectangle 3"/>
           <p:cNvSpPr/>
           <p:nvPr/>
         </p:nvSpPr>
         <p:spPr>
           <a:xfrm>
-            <a:off x="457200" y="1063229"/>
-            <a:ext cx="8314925" cy="3877985"/>
+            <a:off x="0" y="-155629"/>
+            <a:ext cx="9144000" cy="5478423"/>
           </a:xfrm>
           <a:prstGeom prst="rect">
             <a:avLst/>
           </a:prstGeom>
+          <a:solidFill>
+            <a:schemeClr val="accent2">
+              <a:lumMod val="50000"/>
+              <a:alpha val="35000"/>
+            </a:schemeClr>
+          </a:solidFill>
         </p:spPr>
         <p:txBody>
           <a:bodyPr wrap="square">
@@ -3334,1249 +3320,1506 @@
           <a:lstStyle/>
           <a:p>
             <a:r>
-              <a:rPr lang="en-US" sz="1200" dirty="0">
-                <a:solidFill>
-                  <a:srgbClr val="9A9A9A"/>
-                </a:solidFill>
-                <a:highlight>
-                  <a:srgbClr val="FFFFFF"/>
-                </a:highlight>
-                <a:latin typeface="Courier"/>
-              </a:rPr>
-              <a:t>/*</a:t>
-            </a:r>
-            <a:r>
-              <a:rPr lang="en-US" sz="1200" dirty="0" err="1">
-                <a:solidFill>
-                  <a:srgbClr val="9A9A9A"/>
-                </a:solidFill>
-                <a:highlight>
-                  <a:srgbClr val="FFFFFF"/>
-                </a:highlight>
-                <a:latin typeface="Courier"/>
-              </a:rPr>
-              <a:t>Velger</a:t>
-            </a:r>
-            <a:r>
-              <a:rPr lang="en-US" sz="1200" dirty="0">
-                <a:solidFill>
-                  <a:srgbClr val="9A9A9A"/>
-                </a:solidFill>
-                <a:highlight>
-                  <a:srgbClr val="FFFFFF"/>
-                </a:highlight>
-                <a:latin typeface="Courier"/>
-              </a:rPr>
+              <a:rPr lang="en-US" sz="1000" dirty="0" smtClean="0"/>
+              <a:t>'</a:t>
+            </a:r>
+            <a:r>
+              <a:rPr lang="en-US" sz="1000" dirty="0"/>
+              <a:t>'; }  .</a:t>
+            </a:r>
+            <a:r>
+              <a:rPr lang="en-US" sz="1000" dirty="0" err="1"/>
+              <a:t>navbar</a:t>
+            </a:r>
+            <a:r>
+              <a:rPr lang="en-US" sz="1000" dirty="0"/>
+              <a:t> .</a:t>
+            </a:r>
+            <a:r>
+              <a:rPr lang="en-US" sz="1000" dirty="0" err="1"/>
+              <a:t>nav</a:t>
+            </a:r>
+            <a:r>
+              <a:rPr lang="en-US" sz="1000" dirty="0"/>
+              <a:t> &gt; li &gt; .</a:t>
+            </a:r>
+            <a:r>
+              <a:rPr lang="en-US" sz="1000" dirty="0" err="1"/>
+              <a:t>dropdown-menu:after</a:t>
+            </a:r>
+            <a:r>
+              <a:rPr lang="en-US" sz="1000" dirty="0"/>
+              <a:t> {   position: absolute;   top: -6px;   left: 10px;   display: inline-block;   border-right: 6px solid transparent;   border-bottom: 6px solid #</a:t>
+            </a:r>
+            <a:r>
+              <a:rPr lang="en-US" sz="1000" dirty="0" err="1"/>
+              <a:t>ffffff</a:t>
+            </a:r>
+            <a:r>
+              <a:rPr lang="en-US" sz="1000" dirty="0"/>
+              <a:t>;   border-left: 6px solid transparent;   content: ''; }  .</a:t>
+            </a:r>
+            <a:r>
+              <a:rPr lang="en-US" sz="1000" dirty="0" err="1"/>
+              <a:t>navbar</a:t>
+            </a:r>
+            <a:r>
+              <a:rPr lang="en-US" sz="1000" dirty="0"/>
+              <a:t>-fixed-bottom .</a:t>
+            </a:r>
+            <a:r>
+              <a:rPr lang="en-US" sz="1000" dirty="0" err="1"/>
+              <a:t>nav</a:t>
+            </a:r>
+            <a:r>
+              <a:rPr lang="en-US" sz="1000" dirty="0"/>
+              <a:t> &gt; li &gt; .</a:t>
+            </a:r>
+            <a:r>
+              <a:rPr lang="en-US" sz="1000" dirty="0" err="1"/>
+              <a:t>dropdown-menu:before</a:t>
+            </a:r>
+            <a:r>
+              <a:rPr lang="en-US" sz="1000" dirty="0"/>
+              <a:t> {   top: auto;   bottom: -7px;   border-top: 7px solid #ccc;   border-bottom: 0;   border-top-color: </a:t>
+            </a:r>
+            <a:r>
+              <a:rPr lang="en-US" sz="1000" dirty="0" err="1"/>
+              <a:t>rgba</a:t>
+            </a:r>
+            <a:r>
+              <a:rPr lang="en-US" sz="1000" dirty="0"/>
+              <a:t>(0, 0, 0, 0.2); }</a:t>
+            </a:r>
+          </a:p>
+          <a:p>
+            <a:r>
+              <a:rPr lang="en-US" sz="1000" dirty="0"/>
+              <a:t> .</a:t>
+            </a:r>
+            <a:r>
+              <a:rPr lang="en-US" sz="1000" dirty="0" err="1"/>
+              <a:t>navbar</a:t>
+            </a:r>
+            <a:r>
+              <a:rPr lang="en-US" sz="1000" dirty="0"/>
+              <a:t>-fixed-bottom .</a:t>
+            </a:r>
+            <a:r>
+              <a:rPr lang="en-US" sz="1000" dirty="0" err="1"/>
+              <a:t>nav</a:t>
+            </a:r>
+            <a:r>
+              <a:rPr lang="en-US" sz="1000" dirty="0"/>
+              <a:t> &gt; li &gt; .</a:t>
+            </a:r>
+            <a:r>
+              <a:rPr lang="en-US" sz="1000" dirty="0" err="1"/>
+              <a:t>dropdown-menu:after</a:t>
+            </a:r>
+            <a:r>
+              <a:rPr lang="en-US" sz="1000" dirty="0"/>
+              <a:t> {   top: auto;   bottom: -6px;   border-top: 6px solid #</a:t>
+            </a:r>
+            <a:r>
+              <a:rPr lang="en-US" sz="1000" dirty="0" err="1"/>
+              <a:t>ffffff</a:t>
+            </a:r>
+            <a:r>
+              <a:rPr lang="en-US" sz="1000" dirty="0"/>
+              <a:t>;   border-bottom: 0; }  .</a:t>
+            </a:r>
+            <a:r>
+              <a:rPr lang="en-US" sz="1000" dirty="0" err="1"/>
+              <a:t>navbar</a:t>
+            </a:r>
+            <a:r>
+              <a:rPr lang="en-US" sz="1000" dirty="0"/>
+              <a:t> .</a:t>
+            </a:r>
+            <a:r>
+              <a:rPr lang="en-US" sz="1000" dirty="0" err="1"/>
+              <a:t>nav</a:t>
+            </a:r>
+            <a:r>
+              <a:rPr lang="en-US" sz="1000" dirty="0"/>
               <a:t> </a:t>
             </a:r>
             <a:r>
-              <a:rPr lang="en-US" sz="1200" dirty="0" err="1">
-                <a:solidFill>
-                  <a:srgbClr val="9A9A9A"/>
-                </a:solidFill>
-                <a:highlight>
-                  <a:srgbClr val="FFFFFF"/>
-                </a:highlight>
-                <a:latin typeface="Courier"/>
-              </a:rPr>
-              <a:t>alle</a:t>
-            </a:r>
-            <a:r>
-              <a:rPr lang="en-US" sz="1200" dirty="0">
-                <a:solidFill>
-                  <a:srgbClr val="9A9A9A"/>
-                </a:solidFill>
-                <a:highlight>
-                  <a:srgbClr val="FFFFFF"/>
-                </a:highlight>
-                <a:latin typeface="Courier"/>
-              </a:rPr>
+              <a:rPr lang="en-US" sz="1000" dirty="0" err="1"/>
+              <a:t>li.dropdown</a:t>
+            </a:r>
+            <a:r>
+              <a:rPr lang="en-US" sz="1000" dirty="0"/>
+              <a:t> &gt; </a:t>
+            </a:r>
+            <a:r>
+              <a:rPr lang="en-US" sz="1000" dirty="0" err="1"/>
+              <a:t>a:hover</a:t>
+            </a:r>
+            <a:r>
+              <a:rPr lang="en-US" sz="1000" dirty="0"/>
+              <a:t> .caret {   border-top-color: #555555;   border-bottom-color: #555555; }  .</a:t>
+            </a:r>
+            <a:r>
+              <a:rPr lang="en-US" sz="1000" dirty="0" err="1"/>
+              <a:t>navbar</a:t>
+            </a:r>
+            <a:r>
+              <a:rPr lang="en-US" sz="1000" dirty="0"/>
+              <a:t> .</a:t>
+            </a:r>
+            <a:r>
+              <a:rPr lang="en-US" sz="1000" dirty="0" err="1"/>
+              <a:t>nav</a:t>
+            </a:r>
+            <a:r>
+              <a:rPr lang="en-US" sz="1000" dirty="0"/>
               <a:t> </a:t>
             </a:r>
             <a:r>
-              <a:rPr lang="en-US" sz="1200" dirty="0" err="1">
-                <a:solidFill>
-                  <a:srgbClr val="9A9A9A"/>
-                </a:solidFill>
-                <a:highlight>
-                  <a:srgbClr val="FFFFFF"/>
-                </a:highlight>
-                <a:latin typeface="Courier"/>
-              </a:rPr>
-              <a:t>img-elementer</a:t>
-            </a:r>
-            <a:r>
-              <a:rPr lang="en-US" sz="1200" dirty="0">
-                <a:solidFill>
-                  <a:srgbClr val="9A9A9A"/>
-                </a:solidFill>
-                <a:highlight>
-                  <a:srgbClr val="FFFFFF"/>
-                </a:highlight>
-                <a:latin typeface="Courier"/>
-              </a:rPr>
+              <a:rPr lang="en-US" sz="1000" dirty="0" err="1"/>
+              <a:t>li.dropdown.open</a:t>
+            </a:r>
+            <a:r>
+              <a:rPr lang="en-US" sz="1000" dirty="0"/>
+              <a:t> &gt; .dropdown-toggle, .</a:t>
+            </a:r>
+            <a:r>
+              <a:rPr lang="en-US" sz="1000" dirty="0" err="1"/>
+              <a:t>navbar</a:t>
+            </a:r>
+            <a:r>
+              <a:rPr lang="en-US" sz="1000" dirty="0"/>
+              <a:t> .</a:t>
+            </a:r>
+            <a:r>
+              <a:rPr lang="en-US" sz="1000" dirty="0" err="1"/>
+              <a:t>nav</a:t>
+            </a:r>
+            <a:r>
+              <a:rPr lang="en-US" sz="1000" dirty="0"/>
               <a:t> </a:t>
             </a:r>
             <a:r>
-              <a:rPr lang="en-US" sz="1200" dirty="0" err="1">
-                <a:solidFill>
-                  <a:srgbClr val="9A9A9A"/>
-                </a:solidFill>
-                <a:highlight>
-                  <a:srgbClr val="FFFFFF"/>
-                </a:highlight>
-                <a:latin typeface="Courier"/>
-              </a:rPr>
-              <a:t>på</a:t>
-            </a:r>
-            <a:r>
-              <a:rPr lang="en-US" sz="1200" dirty="0">
-                <a:solidFill>
-                  <a:srgbClr val="9A9A9A"/>
-                </a:solidFill>
-                <a:highlight>
-                  <a:srgbClr val="FFFFFF"/>
-                </a:highlight>
-                <a:latin typeface="Courier"/>
-              </a:rPr>
+              <a:rPr lang="en-US" sz="1000" dirty="0" err="1"/>
+              <a:t>li.dropdown.active</a:t>
+            </a:r>
+            <a:r>
+              <a:rPr lang="en-US" sz="1000" dirty="0"/>
+              <a:t> &gt; .dropdown-toggle, .</a:t>
+            </a:r>
+            <a:r>
+              <a:rPr lang="en-US" sz="1000" dirty="0" err="1"/>
+              <a:t>navbar</a:t>
+            </a:r>
+            <a:r>
+              <a:rPr lang="en-US" sz="1000" dirty="0"/>
+              <a:t> .</a:t>
+            </a:r>
+            <a:r>
+              <a:rPr lang="en-US" sz="1000" dirty="0" err="1"/>
+              <a:t>nav</a:t>
+            </a:r>
+            <a:r>
+              <a:rPr lang="en-US" sz="1000" dirty="0"/>
               <a:t> </a:t>
             </a:r>
             <a:r>
-              <a:rPr lang="en-US" sz="1200" dirty="0" err="1">
-                <a:solidFill>
-                  <a:srgbClr val="9A9A9A"/>
-                </a:solidFill>
-                <a:highlight>
-                  <a:srgbClr val="FFFFFF"/>
-                </a:highlight>
-                <a:latin typeface="Courier"/>
-              </a:rPr>
-              <a:t>siden</a:t>
-            </a:r>
-            <a:r>
-              <a:rPr lang="en-US" sz="1200" dirty="0">
-                <a:solidFill>
-                  <a:srgbClr val="9A9A9A"/>
-                </a:solidFill>
-                <a:highlight>
-                  <a:srgbClr val="FFFFFF"/>
-                </a:highlight>
-                <a:latin typeface="Courier"/>
-              </a:rPr>
+              <a:rPr lang="en-US" sz="1000" dirty="0" err="1"/>
+              <a:t>li.dropdown.open.active</a:t>
+            </a:r>
+            <a:r>
+              <a:rPr lang="en-US" sz="1000" dirty="0"/>
+              <a:t> &gt; .dropdown-toggle {   color: #555555;   background-color: #e5e5e5; }  .</a:t>
+            </a:r>
+            <a:r>
+              <a:rPr lang="en-US" sz="1000" dirty="0" err="1"/>
+              <a:t>navbar</a:t>
+            </a:r>
+            <a:r>
+              <a:rPr lang="en-US" sz="1000" dirty="0"/>
+              <a:t> .</a:t>
+            </a:r>
+            <a:r>
+              <a:rPr lang="en-US" sz="1000" dirty="0" err="1"/>
+              <a:t>nav</a:t>
+            </a:r>
+            <a:r>
+              <a:rPr lang="en-US" sz="1000" dirty="0"/>
               <a:t> </a:t>
             </a:r>
             <a:r>
-              <a:rPr lang="en-US" sz="1200" dirty="0" err="1">
-                <a:solidFill>
-                  <a:srgbClr val="9A9A9A"/>
-                </a:solidFill>
-                <a:highlight>
-                  <a:srgbClr val="FFFFFF"/>
-                </a:highlight>
-                <a:latin typeface="Courier"/>
-              </a:rPr>
-              <a:t>hvis</a:t>
-            </a:r>
-            <a:r>
-              <a:rPr lang="en-US" sz="1200" dirty="0">
-                <a:solidFill>
-                  <a:srgbClr val="9A9A9A"/>
-                </a:solidFill>
-                <a:highlight>
-                  <a:srgbClr val="FFFFFF"/>
-                </a:highlight>
-                <a:latin typeface="Courier"/>
-              </a:rPr>
+              <a:rPr lang="en-US" sz="1000" dirty="0" err="1"/>
+              <a:t>li.dropdown</a:t>
+            </a:r>
+            <a:r>
+              <a:rPr lang="en-US" sz="1000" dirty="0"/>
+              <a:t> &gt; .dropdown-toggle .caret {   border-top-color: #777777;   border-bottom-color: #777777; }  .</a:t>
+            </a:r>
+            <a:r>
+              <a:rPr lang="en-US" sz="1000" dirty="0" err="1"/>
+              <a:t>navbar</a:t>
+            </a:r>
+            <a:r>
+              <a:rPr lang="en-US" sz="1000" dirty="0"/>
+              <a:t> .</a:t>
+            </a:r>
+            <a:r>
+              <a:rPr lang="en-US" sz="1000" dirty="0" err="1"/>
+              <a:t>nav</a:t>
+            </a:r>
+            <a:r>
+              <a:rPr lang="en-US" sz="1000" dirty="0"/>
               <a:t> </a:t>
             </a:r>
             <a:r>
-              <a:rPr lang="en-US" sz="1200" dirty="0" err="1">
-                <a:solidFill>
-                  <a:srgbClr val="9A9A9A"/>
-                </a:solidFill>
-                <a:highlight>
-                  <a:srgbClr val="FFFFFF"/>
-                </a:highlight>
-                <a:latin typeface="Courier"/>
-              </a:rPr>
-              <a:t>src-atributt</a:t>
-            </a:r>
-            <a:r>
-              <a:rPr lang="en-US" sz="1200" dirty="0">
-                <a:solidFill>
-                  <a:srgbClr val="9A9A9A"/>
-                </a:solidFill>
-                <a:highlight>
-                  <a:srgbClr val="FFFFFF"/>
-                </a:highlight>
-                <a:latin typeface="Courier"/>
-              </a:rPr>
-              <a:t> starter med "images"*/</a:t>
-            </a:r>
-          </a:p>
-          <a:p>
-            <a:r>
-              <a:rPr lang="en-US" dirty="0" err="1">
-                <a:solidFill>
-                  <a:srgbClr val="DA29FF"/>
-                </a:solidFill>
-                <a:highlight>
-                  <a:srgbClr val="FFFFFF"/>
-                </a:highlight>
-                <a:latin typeface="Courier"/>
-              </a:rPr>
-              <a:t>img</a:t>
-            </a:r>
-            <a:r>
-              <a:rPr lang="en-US" dirty="0">
-                <a:solidFill>
-                  <a:srgbClr val="DA29FF"/>
-                </a:solidFill>
-                <a:highlight>
-                  <a:srgbClr val="FFFFFF"/>
-                </a:highlight>
-                <a:latin typeface="Courier"/>
-              </a:rPr>
-              <a:t>[</a:t>
-            </a:r>
-            <a:r>
-              <a:rPr lang="en-US" dirty="0" err="1">
-                <a:solidFill>
-                  <a:srgbClr val="05208C"/>
-                </a:solidFill>
-                <a:highlight>
-                  <a:srgbClr val="FFFFFF"/>
-                </a:highlight>
-                <a:latin typeface="Courier"/>
-              </a:rPr>
-              <a:t>src</a:t>
-            </a:r>
-            <a:r>
-              <a:rPr lang="en-US" dirty="0">
-                <a:solidFill>
-                  <a:srgbClr val="DA29FF"/>
-                </a:solidFill>
-                <a:highlight>
-                  <a:srgbClr val="FFFFFF"/>
-                </a:highlight>
-                <a:latin typeface="Courier"/>
-              </a:rPr>
-              <a:t>^=</a:t>
-            </a:r>
-            <a:r>
-              <a:rPr lang="en-US" dirty="0">
-                <a:solidFill>
-                  <a:srgbClr val="106800"/>
-                </a:solidFill>
-                <a:highlight>
-                  <a:srgbClr val="FFFFFF"/>
-                </a:highlight>
-                <a:latin typeface="Courier"/>
-              </a:rPr>
-              <a:t>"images"</a:t>
-            </a:r>
-            <a:r>
-              <a:rPr lang="en-US" dirty="0">
-                <a:solidFill>
-                  <a:srgbClr val="DA29FF"/>
-                </a:solidFill>
-                <a:highlight>
-                  <a:srgbClr val="FFFFFF"/>
-                </a:highlight>
-                <a:latin typeface="Courier"/>
-              </a:rPr>
-              <a:t>]{</a:t>
-            </a:r>
-          </a:p>
-          <a:p>
-            <a:r>
-              <a:rPr lang="en-US" dirty="0">
-                <a:solidFill>
-                  <a:srgbClr val="DA29FF"/>
-                </a:solidFill>
-                <a:highlight>
-                  <a:srgbClr val="FFFFFF"/>
-                </a:highlight>
-                <a:latin typeface="Courier"/>
-              </a:rPr>
-              <a:t>	</a:t>
-            </a:r>
-            <a:r>
-              <a:rPr lang="en-US" dirty="0">
-                <a:solidFill>
-                  <a:srgbClr val="05208C"/>
-                </a:solidFill>
-                <a:highlight>
-                  <a:srgbClr val="FFFFFF"/>
-                </a:highlight>
-                <a:latin typeface="Courier"/>
-              </a:rPr>
-              <a:t>border</a:t>
-            </a:r>
-            <a:r>
-              <a:rPr lang="en-US" b="1" dirty="0">
-                <a:solidFill>
-                  <a:srgbClr val="DA29FF"/>
-                </a:solidFill>
-                <a:highlight>
-                  <a:srgbClr val="FFFFFF"/>
-                </a:highlight>
-                <a:latin typeface="Courier"/>
-              </a:rPr>
-              <a:t>: </a:t>
-            </a:r>
-            <a:r>
-              <a:rPr lang="en-US" b="1" dirty="0">
-                <a:solidFill>
-                  <a:srgbClr val="0035FF"/>
-                </a:solidFill>
-                <a:highlight>
-                  <a:srgbClr val="FFFFFF"/>
-                </a:highlight>
-                <a:latin typeface="Courier"/>
-              </a:rPr>
-              <a:t>5px</a:t>
-            </a:r>
-            <a:r>
-              <a:rPr lang="en-US" b="1" dirty="0">
-                <a:solidFill>
-                  <a:srgbClr val="DA29FF"/>
-                </a:solidFill>
-                <a:highlight>
-                  <a:srgbClr val="FFFFFF"/>
-                </a:highlight>
-                <a:latin typeface="Courier"/>
-              </a:rPr>
+              <a:rPr lang="en-US" sz="1000" dirty="0" err="1"/>
+              <a:t>li.dropdown.open</a:t>
+            </a:r>
+            <a:r>
+              <a:rPr lang="en-US" sz="1000" dirty="0"/>
+              <a:t> &gt; .dropdown-toggle .caret, .</a:t>
+            </a:r>
+            <a:r>
+              <a:rPr lang="en-US" sz="1000" dirty="0" err="1"/>
+              <a:t>navbar</a:t>
+            </a:r>
+            <a:r>
+              <a:rPr lang="en-US" sz="1000" dirty="0"/>
+              <a:t> .</a:t>
+            </a:r>
+            <a:r>
+              <a:rPr lang="en-US" sz="1000" dirty="0" err="1"/>
+              <a:t>nav</a:t>
+            </a:r>
+            <a:r>
+              <a:rPr lang="en-US" sz="1000" dirty="0"/>
               <a:t> </a:t>
             </a:r>
             <a:r>
-              <a:rPr lang="en-US" b="1" dirty="0">
-                <a:solidFill>
-                  <a:srgbClr val="0035FF"/>
-                </a:solidFill>
-                <a:highlight>
-                  <a:srgbClr val="FFFFFF"/>
-                </a:highlight>
-                <a:latin typeface="Courier"/>
-              </a:rPr>
-              <a:t>solid</a:t>
-            </a:r>
-            <a:r>
-              <a:rPr lang="en-US" b="1" dirty="0">
-                <a:solidFill>
-                  <a:srgbClr val="DA29FF"/>
-                </a:solidFill>
-                <a:highlight>
-                  <a:srgbClr val="FFFFFF"/>
-                </a:highlight>
-                <a:latin typeface="Courier"/>
-              </a:rPr>
+              <a:rPr lang="en-US" sz="1000" dirty="0" err="1"/>
+              <a:t>li.dropdown.active</a:t>
+            </a:r>
+            <a:r>
+              <a:rPr lang="en-US" sz="1000" dirty="0"/>
+              <a:t> &gt; .dropdown-toggle .caret, .</a:t>
+            </a:r>
+            <a:r>
+              <a:rPr lang="en-US" sz="1000" dirty="0" err="1"/>
+              <a:t>navbar</a:t>
+            </a:r>
+            <a:r>
+              <a:rPr lang="en-US" sz="1000" dirty="0"/>
+              <a:t> .</a:t>
+            </a:r>
+            <a:r>
+              <a:rPr lang="en-US" sz="1000" dirty="0" err="1"/>
+              <a:t>nav</a:t>
+            </a:r>
+            <a:r>
+              <a:rPr lang="en-US" sz="1000" dirty="0"/>
               <a:t> </a:t>
             </a:r>
             <a:r>
-              <a:rPr lang="en-US" b="1" dirty="0">
-                <a:solidFill>
-                  <a:srgbClr val="0035FF"/>
-                </a:solidFill>
-                <a:highlight>
-                  <a:srgbClr val="FFFFFF"/>
-                </a:highlight>
-                <a:latin typeface="Courier"/>
-              </a:rPr>
-              <a:t>orange</a:t>
-            </a:r>
-            <a:r>
-              <a:rPr lang="en-US" b="1" dirty="0">
-                <a:solidFill>
-                  <a:srgbClr val="DA29FF"/>
-                </a:solidFill>
-                <a:highlight>
-                  <a:srgbClr val="FFFFFF"/>
-                </a:highlight>
-                <a:latin typeface="Courier"/>
-              </a:rPr>
-              <a:t>;</a:t>
-            </a:r>
-          </a:p>
-          <a:p>
-            <a:r>
-              <a:rPr lang="en-US" dirty="0">
-                <a:solidFill>
-                  <a:srgbClr val="DA29FF"/>
-                </a:solidFill>
-                <a:highlight>
-                  <a:srgbClr val="FFFFFF"/>
-                </a:highlight>
-                <a:latin typeface="Courier"/>
-              </a:rPr>
-              <a:t>}</a:t>
-            </a:r>
-          </a:p>
-          <a:p>
-            <a:endParaRPr lang="en-US" dirty="0">
-              <a:latin typeface="Courier"/>
-            </a:endParaRPr>
-          </a:p>
-          <a:p>
-            <a:r>
-              <a:rPr lang="en-US" sz="1200" dirty="0">
-                <a:solidFill>
-                  <a:srgbClr val="9A9A9A"/>
-                </a:solidFill>
-                <a:highlight>
-                  <a:srgbClr val="FFFFFF"/>
-                </a:highlight>
-                <a:latin typeface="Courier"/>
-              </a:rPr>
-              <a:t>/*</a:t>
-            </a:r>
-            <a:r>
-              <a:rPr lang="en-US" sz="1200" dirty="0" err="1">
-                <a:solidFill>
-                  <a:srgbClr val="9A9A9A"/>
-                </a:solidFill>
-                <a:highlight>
-                  <a:srgbClr val="FFFFFF"/>
-                </a:highlight>
-                <a:latin typeface="Courier"/>
-              </a:rPr>
-              <a:t>Velger</a:t>
-            </a:r>
-            <a:r>
-              <a:rPr lang="en-US" sz="1200" dirty="0">
-                <a:solidFill>
-                  <a:srgbClr val="9A9A9A"/>
-                </a:solidFill>
-                <a:highlight>
-                  <a:srgbClr val="FFFFFF"/>
-                </a:highlight>
-                <a:latin typeface="Courier"/>
-              </a:rPr>
+              <a:rPr lang="en-US" sz="1000" dirty="0" err="1"/>
+              <a:t>li.dropdown.open.active</a:t>
+            </a:r>
+            <a:r>
+              <a:rPr lang="en-US" sz="1000" dirty="0"/>
+              <a:t> &gt; .dropdown-toggle .caret {   border-top-color: #555555;   border-bottom-color: #555555; }  .</a:t>
+            </a:r>
+            <a:r>
+              <a:rPr lang="en-US" sz="1000" dirty="0" err="1"/>
+              <a:t>navbar</a:t>
+            </a:r>
+            <a:r>
+              <a:rPr lang="en-US" sz="1000" dirty="0"/>
+              <a:t> .pull-right &gt; li &gt; .dropdown-menu, .</a:t>
+            </a:r>
+            <a:r>
+              <a:rPr lang="en-US" sz="1000" dirty="0" err="1"/>
+              <a:t>navbar</a:t>
+            </a:r>
+            <a:r>
+              <a:rPr lang="en-US" sz="1000" dirty="0"/>
+              <a:t> .</a:t>
+            </a:r>
+            <a:r>
+              <a:rPr lang="en-US" sz="1000" dirty="0" err="1"/>
+              <a:t>nav</a:t>
+            </a:r>
+            <a:r>
+              <a:rPr lang="en-US" sz="1000" dirty="0"/>
+              <a:t> &gt; li &gt; .dropdown-</a:t>
+            </a:r>
+            <a:r>
+              <a:rPr lang="en-US" sz="1000" dirty="0" err="1"/>
+              <a:t>menu.pull</a:t>
+            </a:r>
+            <a:r>
+              <a:rPr lang="en-US" sz="1000" dirty="0"/>
+              <a:t>-right {   right: 0;   left: auto; }  .</a:t>
+            </a:r>
+            <a:r>
+              <a:rPr lang="en-US" sz="1000" dirty="0" err="1"/>
+              <a:t>navbar</a:t>
+            </a:r>
+            <a:r>
+              <a:rPr lang="en-US" sz="1000" dirty="0"/>
+              <a:t> .pull-right &gt; li &gt; .</a:t>
+            </a:r>
+            <a:r>
+              <a:rPr lang="en-US" sz="1000" dirty="0" err="1"/>
+              <a:t>dropdown-menu:before</a:t>
+            </a:r>
+            <a:r>
+              <a:rPr lang="en-US" sz="1000" dirty="0"/>
+              <a:t>, .</a:t>
+            </a:r>
+            <a:r>
+              <a:rPr lang="en-US" sz="1000" dirty="0" err="1"/>
+              <a:t>navbar</a:t>
+            </a:r>
+            <a:r>
+              <a:rPr lang="en-US" sz="1000" dirty="0"/>
+              <a:t> .</a:t>
+            </a:r>
+            <a:r>
+              <a:rPr lang="en-US" sz="1000" dirty="0" err="1"/>
+              <a:t>nav</a:t>
+            </a:r>
+            <a:r>
+              <a:rPr lang="en-US" sz="1000" dirty="0"/>
+              <a:t> &gt; li &gt; .</a:t>
+            </a:r>
+            <a:r>
+              <a:rPr lang="en-US" sz="1000" dirty="0" err="1"/>
+              <a:t>dropdown-menu.pull-right:before</a:t>
+            </a:r>
+            <a:r>
+              <a:rPr lang="en-US" sz="1000" dirty="0"/>
+              <a:t> {   right: 12px;   left: auto; }  .</a:t>
+            </a:r>
+            <a:r>
+              <a:rPr lang="en-US" sz="1000" dirty="0" err="1"/>
+              <a:t>navbar</a:t>
+            </a:r>
+            <a:r>
+              <a:rPr lang="en-US" sz="1000" dirty="0"/>
+              <a:t> .pull-right &gt; li &gt; .</a:t>
+            </a:r>
+            <a:r>
+              <a:rPr lang="en-US" sz="1000" dirty="0" err="1"/>
+              <a:t>dropdown-menu:after</a:t>
+            </a:r>
+            <a:r>
+              <a:rPr lang="en-US" sz="1000" dirty="0"/>
+              <a:t>, .</a:t>
+            </a:r>
+            <a:r>
+              <a:rPr lang="en-US" sz="1000" dirty="0" err="1"/>
+              <a:t>navbar</a:t>
+            </a:r>
+            <a:r>
+              <a:rPr lang="en-US" sz="1000" dirty="0"/>
+              <a:t> .</a:t>
+            </a:r>
+            <a:r>
+              <a:rPr lang="en-US" sz="1000" dirty="0" err="1"/>
+              <a:t>nav</a:t>
+            </a:r>
+            <a:r>
+              <a:rPr lang="en-US" sz="1000" dirty="0"/>
+              <a:t> &gt; li &gt; .</a:t>
+            </a:r>
+            <a:r>
+              <a:rPr lang="en-US" sz="1000" dirty="0" err="1"/>
+              <a:t>dropdown-menu.pull-right:after</a:t>
+            </a:r>
+            <a:r>
+              <a:rPr lang="en-US" sz="1000" dirty="0"/>
+              <a:t> {   right: 13px;   left: auto; } </a:t>
+            </a:r>
+          </a:p>
+          <a:p>
+            <a:r>
+              <a:rPr lang="en-US" sz="1000" dirty="0"/>
+              <a:t>.</a:t>
+            </a:r>
+            <a:r>
+              <a:rPr lang="en-US" sz="1000" dirty="0" err="1"/>
+              <a:t>navbar</a:t>
+            </a:r>
+            <a:r>
+              <a:rPr lang="en-US" sz="1000" dirty="0"/>
+              <a:t> .pull-right &gt; li &gt; .dropdown-menu .dropdown-menu, .</a:t>
+            </a:r>
+            <a:r>
+              <a:rPr lang="en-US" sz="1000" dirty="0" err="1"/>
+              <a:t>navbar</a:t>
+            </a:r>
+            <a:r>
+              <a:rPr lang="en-US" sz="1000" dirty="0"/>
+              <a:t> .</a:t>
+            </a:r>
+            <a:r>
+              <a:rPr lang="en-US" sz="1000" dirty="0" err="1"/>
+              <a:t>nav</a:t>
+            </a:r>
+            <a:r>
+              <a:rPr lang="en-US" sz="1000" dirty="0"/>
+              <a:t> &gt; li &gt; .dropdown-</a:t>
+            </a:r>
+            <a:r>
+              <a:rPr lang="en-US" sz="1000" dirty="0" err="1"/>
+              <a:t>menu.pull</a:t>
+            </a:r>
+            <a:r>
+              <a:rPr lang="en-US" sz="1000" dirty="0"/>
+              <a:t>-right .dropdown-menu {   right: 100%;   left: auto;   margin-right: -1px;   margin-left: 0;   -</a:t>
+            </a:r>
+            <a:r>
+              <a:rPr lang="en-US" sz="1000" dirty="0" err="1"/>
+              <a:t>webkit</a:t>
+            </a:r>
+            <a:r>
+              <a:rPr lang="en-US" sz="1000" dirty="0"/>
+              <a:t>-border-radius: 6px 0 6px 6px;      -</a:t>
+            </a:r>
+            <a:r>
+              <a:rPr lang="en-US" sz="1000" dirty="0" err="1"/>
+              <a:t>moz</a:t>
+            </a:r>
+            <a:r>
+              <a:rPr lang="en-US" sz="1000" dirty="0"/>
+              <a:t>-border-radius: 6px 0 6px 6px;           border-radius: 6px 0 6px 6px; }  .</a:t>
+            </a:r>
+            <a:r>
+              <a:rPr lang="en-US" sz="1000" dirty="0" err="1"/>
+              <a:t>navbar</a:t>
+            </a:r>
+            <a:r>
+              <a:rPr lang="en-US" sz="1000" dirty="0"/>
+              <a:t>-inverse .</a:t>
+            </a:r>
+            <a:r>
+              <a:rPr lang="en-US" sz="1000" dirty="0" err="1"/>
+              <a:t>navbar</a:t>
+            </a:r>
+            <a:r>
+              <a:rPr lang="en-US" sz="1000" dirty="0"/>
+              <a:t>-inner {   background-color: #1b1b1b;   background-image: -</a:t>
+            </a:r>
+            <a:r>
+              <a:rPr lang="en-US" sz="1000" dirty="0" err="1"/>
+              <a:t>moz</a:t>
+            </a:r>
+            <a:r>
+              <a:rPr lang="en-US" sz="1000" dirty="0"/>
+              <a:t>-linear-gradient(top, #222222, #111111);   background-image: -</a:t>
+            </a:r>
+            <a:r>
+              <a:rPr lang="en-US" sz="1000" dirty="0" err="1"/>
+              <a:t>webkit</a:t>
+            </a:r>
+            <a:r>
+              <a:rPr lang="en-US" sz="1000" dirty="0"/>
+              <a:t>-gradient(linear, 0 0, 0 100%, from(#222222), to(#111111));   background-image: -</a:t>
+            </a:r>
+            <a:r>
+              <a:rPr lang="en-US" sz="1000" dirty="0" err="1"/>
+              <a:t>webkit</a:t>
+            </a:r>
+            <a:r>
+              <a:rPr lang="en-US" sz="1000" dirty="0"/>
+              <a:t>-linear-gradient(top, #222222, #111111);   background-image: -o-linear-gradient(top, #222222, #111111);   background-image: linear-gradient(to bottom, #222222, #111111);   background-repeat: repeat-x;   border-color: #252525;   filter: </a:t>
+            </a:r>
+            <a:r>
+              <a:rPr lang="en-US" sz="1000" dirty="0" err="1"/>
+              <a:t>progid:DXImageTransform.Microsoft.gradient</a:t>
+            </a:r>
+            <a:r>
+              <a:rPr lang="en-US" sz="1000" dirty="0"/>
+              <a:t>(</a:t>
+            </a:r>
+            <a:r>
+              <a:rPr lang="en-US" sz="1000" dirty="0" err="1"/>
+              <a:t>startColorstr</a:t>
+            </a:r>
+            <a:r>
+              <a:rPr lang="en-US" sz="1000" dirty="0"/>
+              <a:t>='#ff222222', </a:t>
+            </a:r>
+            <a:r>
+              <a:rPr lang="en-US" sz="1000" dirty="0" err="1"/>
+              <a:t>endColorstr</a:t>
+            </a:r>
+            <a:r>
+              <a:rPr lang="en-US" sz="1000" dirty="0"/>
+              <a:t>='#ff111111', </a:t>
+            </a:r>
+            <a:r>
+              <a:rPr lang="en-US" sz="1000" dirty="0" err="1"/>
+              <a:t>GradientType</a:t>
+            </a:r>
+            <a:r>
+              <a:rPr lang="en-US" sz="1000" dirty="0"/>
+              <a:t>=0); }  .</a:t>
+            </a:r>
+            <a:r>
+              <a:rPr lang="en-US" sz="1000" dirty="0" err="1"/>
+              <a:t>navbar</a:t>
+            </a:r>
+            <a:r>
+              <a:rPr lang="en-US" sz="1000" dirty="0"/>
+              <a:t>-inverse .brand, .</a:t>
+            </a:r>
+            <a:r>
+              <a:rPr lang="en-US" sz="1000" dirty="0" err="1"/>
+              <a:t>navbar</a:t>
+            </a:r>
+            <a:r>
+              <a:rPr lang="en-US" sz="1000" dirty="0"/>
+              <a:t>-inverse .</a:t>
+            </a:r>
+            <a:r>
+              <a:rPr lang="en-US" sz="1000" dirty="0" err="1"/>
+              <a:t>nav</a:t>
+            </a:r>
+            <a:r>
+              <a:rPr lang="en-US" sz="1000" dirty="0"/>
+              <a:t> &gt; li &gt; a {   color: #999999;   text-shadow: 0 -1px 0 </a:t>
+            </a:r>
+            <a:r>
+              <a:rPr lang="en-US" sz="1000" dirty="0" err="1"/>
+              <a:t>rgba</a:t>
+            </a:r>
+            <a:r>
+              <a:rPr lang="en-US" sz="1000" dirty="0"/>
+              <a:t>(0, 0, 0, 0.25); }  .</a:t>
+            </a:r>
+            <a:r>
+              <a:rPr lang="en-US" sz="1000" dirty="0" err="1"/>
+              <a:t>navbar</a:t>
+            </a:r>
+            <a:r>
+              <a:rPr lang="en-US" sz="1000" dirty="0"/>
+              <a:t>-inverse .</a:t>
+            </a:r>
+            <a:r>
+              <a:rPr lang="en-US" sz="1000" dirty="0" err="1"/>
+              <a:t>brand:hover</a:t>
+            </a:r>
+            <a:r>
+              <a:rPr lang="en-US" sz="1000" dirty="0"/>
+              <a:t>, .</a:t>
+            </a:r>
+            <a:r>
+              <a:rPr lang="en-US" sz="1000" dirty="0" err="1"/>
+              <a:t>navbar</a:t>
+            </a:r>
+            <a:r>
+              <a:rPr lang="en-US" sz="1000" dirty="0"/>
+              <a:t>-inverse .</a:t>
+            </a:r>
+            <a:r>
+              <a:rPr lang="en-US" sz="1000" dirty="0" err="1"/>
+              <a:t>nav</a:t>
+            </a:r>
+            <a:r>
+              <a:rPr lang="en-US" sz="1000" dirty="0"/>
+              <a:t> &gt; li &gt; </a:t>
+            </a:r>
+            <a:r>
+              <a:rPr lang="en-US" sz="1000" dirty="0" err="1"/>
+              <a:t>a:hover</a:t>
+            </a:r>
+            <a:r>
+              <a:rPr lang="en-US" sz="1000" dirty="0"/>
+              <a:t> {   color: #</a:t>
+            </a:r>
+            <a:r>
+              <a:rPr lang="en-US" sz="1000" dirty="0" err="1"/>
+              <a:t>ffffff</a:t>
+            </a:r>
+            <a:r>
+              <a:rPr lang="en-US" sz="1000" dirty="0"/>
+              <a:t>; }  .</a:t>
+            </a:r>
+            <a:r>
+              <a:rPr lang="en-US" sz="1000" dirty="0" err="1"/>
+              <a:t>navbar</a:t>
+            </a:r>
+            <a:r>
+              <a:rPr lang="en-US" sz="1000" dirty="0"/>
+              <a:t>-inverse .brand {   color: #999999; }  .</a:t>
+            </a:r>
+            <a:r>
+              <a:rPr lang="en-US" sz="1000" dirty="0" err="1"/>
+              <a:t>navbar</a:t>
+            </a:r>
+            <a:r>
+              <a:rPr lang="en-US" sz="1000" dirty="0"/>
+              <a:t>-inverse .</a:t>
+            </a:r>
+            <a:r>
+              <a:rPr lang="en-US" sz="1000" dirty="0" err="1"/>
+              <a:t>navbar</a:t>
+            </a:r>
+            <a:r>
+              <a:rPr lang="en-US" sz="1000" dirty="0"/>
+              <a:t>-text {   color: #999999; }  .</a:t>
+            </a:r>
+            <a:r>
+              <a:rPr lang="en-US" sz="1000" dirty="0" err="1"/>
+              <a:t>navbar</a:t>
+            </a:r>
+            <a:r>
+              <a:rPr lang="en-US" sz="1000" dirty="0"/>
+              <a:t>-inverse .</a:t>
+            </a:r>
+            <a:r>
+              <a:rPr lang="en-US" sz="1000" dirty="0" err="1"/>
+              <a:t>nav</a:t>
+            </a:r>
+            <a:r>
+              <a:rPr lang="en-US" sz="1000" dirty="0"/>
+              <a:t> &gt; li &gt; </a:t>
+            </a:r>
+            <a:r>
+              <a:rPr lang="en-US" sz="1000" dirty="0" err="1"/>
+              <a:t>a:focus</a:t>
+            </a:r>
+            <a:r>
+              <a:rPr lang="en-US" sz="1000" dirty="0"/>
+              <a:t>, .</a:t>
+            </a:r>
+            <a:r>
+              <a:rPr lang="en-US" sz="1000" dirty="0" err="1"/>
+              <a:t>navbar</a:t>
+            </a:r>
+            <a:r>
+              <a:rPr lang="en-US" sz="1000" dirty="0"/>
+              <a:t>-inverse .</a:t>
+            </a:r>
+            <a:r>
+              <a:rPr lang="en-US" sz="1000" dirty="0" err="1"/>
+              <a:t>nav</a:t>
+            </a:r>
+            <a:r>
+              <a:rPr lang="en-US" sz="1000" dirty="0"/>
+              <a:t> &gt; li &gt; </a:t>
+            </a:r>
+            <a:r>
+              <a:rPr lang="en-US" sz="1000" dirty="0" err="1"/>
+              <a:t>a:hover</a:t>
+            </a:r>
+            <a:r>
+              <a:rPr lang="en-US" sz="1000" dirty="0"/>
+              <a:t> {   color: #</a:t>
+            </a:r>
+            <a:r>
+              <a:rPr lang="en-US" sz="1000" dirty="0" err="1"/>
+              <a:t>ffffff</a:t>
+            </a:r>
+            <a:r>
+              <a:rPr lang="en-US" sz="1000" dirty="0"/>
+              <a:t>;   background-color: transparent; }  .</a:t>
+            </a:r>
+            <a:r>
+              <a:rPr lang="en-US" sz="1000" dirty="0" err="1"/>
+              <a:t>navbar</a:t>
+            </a:r>
+            <a:r>
+              <a:rPr lang="en-US" sz="1000" dirty="0"/>
+              <a:t>-inverse .</a:t>
+            </a:r>
+            <a:r>
+              <a:rPr lang="en-US" sz="1000" dirty="0" err="1"/>
+              <a:t>nav</a:t>
+            </a:r>
+            <a:r>
+              <a:rPr lang="en-US" sz="1000" dirty="0"/>
+              <a:t> .active &gt; a, .</a:t>
+            </a:r>
+            <a:r>
+              <a:rPr lang="en-US" sz="1000" dirty="0" err="1"/>
+              <a:t>navbar</a:t>
+            </a:r>
+            <a:r>
+              <a:rPr lang="en-US" sz="1000" dirty="0"/>
+              <a:t>-inverse .</a:t>
+            </a:r>
+            <a:r>
+              <a:rPr lang="en-US" sz="1000" dirty="0" err="1"/>
+              <a:t>nav</a:t>
+            </a:r>
+            <a:r>
+              <a:rPr lang="en-US" sz="1000" dirty="0"/>
+              <a:t> .active &gt; </a:t>
+            </a:r>
+            <a:r>
+              <a:rPr lang="en-US" sz="1000" dirty="0" err="1"/>
+              <a:t>a:hover</a:t>
+            </a:r>
+            <a:r>
+              <a:rPr lang="en-US" sz="1000" dirty="0"/>
+              <a:t>,</a:t>
+            </a:r>
+          </a:p>
+          <a:p>
+            <a:r>
+              <a:rPr lang="en-US" sz="1000" dirty="0"/>
+              <a:t>.</a:t>
+            </a:r>
+            <a:r>
+              <a:rPr lang="en-US" sz="1000" dirty="0" err="1"/>
+              <a:t>navbar</a:t>
+            </a:r>
+            <a:r>
+              <a:rPr lang="en-US" sz="1000" dirty="0"/>
+              <a:t>-inverse .</a:t>
+            </a:r>
+            <a:r>
+              <a:rPr lang="en-US" sz="1000" dirty="0" err="1"/>
+              <a:t>nav</a:t>
+            </a:r>
+            <a:r>
+              <a:rPr lang="en-US" sz="1000" dirty="0"/>
+              <a:t> .active &gt; </a:t>
+            </a:r>
+            <a:r>
+              <a:rPr lang="en-US" sz="1000" dirty="0" err="1"/>
+              <a:t>a:focus</a:t>
+            </a:r>
+            <a:r>
+              <a:rPr lang="en-US" sz="1000" dirty="0"/>
+              <a:t> {   color: #</a:t>
+            </a:r>
+            <a:r>
+              <a:rPr lang="en-US" sz="1000" dirty="0" err="1"/>
+              <a:t>ffffff</a:t>
+            </a:r>
+            <a:r>
+              <a:rPr lang="en-US" sz="1000" dirty="0"/>
+              <a:t>;   background-color: #111111; }  .</a:t>
+            </a:r>
+            <a:r>
+              <a:rPr lang="en-US" sz="1000" dirty="0" err="1"/>
+              <a:t>navbar</a:t>
+            </a:r>
+            <a:r>
+              <a:rPr lang="en-US" sz="1000" dirty="0"/>
+              <a:t>-inverse .</a:t>
+            </a:r>
+            <a:r>
+              <a:rPr lang="en-US" sz="1000" dirty="0" err="1"/>
+              <a:t>navbar</a:t>
+            </a:r>
+            <a:r>
+              <a:rPr lang="en-US" sz="1000" dirty="0"/>
+              <a:t>-link {   color: #999999; }  .</a:t>
+            </a:r>
+            <a:r>
+              <a:rPr lang="en-US" sz="1000" dirty="0" err="1"/>
+              <a:t>navbar</a:t>
+            </a:r>
+            <a:r>
+              <a:rPr lang="en-US" sz="1000" dirty="0"/>
+              <a:t>-inverse .</a:t>
+            </a:r>
+            <a:r>
+              <a:rPr lang="en-US" sz="1000" dirty="0" err="1"/>
+              <a:t>navbar-link:hover</a:t>
+            </a:r>
+            <a:r>
+              <a:rPr lang="en-US" sz="1000" dirty="0"/>
+              <a:t> {   color: #</a:t>
+            </a:r>
+            <a:r>
+              <a:rPr lang="en-US" sz="1000" dirty="0" err="1"/>
+              <a:t>ffffff</a:t>
+            </a:r>
+            <a:r>
+              <a:rPr lang="en-US" sz="1000" dirty="0"/>
+              <a:t>; }  .</a:t>
+            </a:r>
+            <a:r>
+              <a:rPr lang="en-US" sz="1000" dirty="0" err="1"/>
+              <a:t>navbar</a:t>
+            </a:r>
+            <a:r>
+              <a:rPr lang="en-US" sz="1000" dirty="0"/>
+              <a:t>-inverse .divider-vertical {   border-right-color: #222222;   border-left-color: #111111; }  .</a:t>
+            </a:r>
+            <a:r>
+              <a:rPr lang="en-US" sz="1000" dirty="0" err="1"/>
+              <a:t>navbar</a:t>
+            </a:r>
+            <a:r>
+              <a:rPr lang="en-US" sz="1000" dirty="0"/>
+              <a:t>-inverse .</a:t>
+            </a:r>
+            <a:r>
+              <a:rPr lang="en-US" sz="1000" dirty="0" err="1"/>
+              <a:t>nav</a:t>
+            </a:r>
+            <a:r>
+              <a:rPr lang="en-US" sz="1000" dirty="0"/>
               <a:t> </a:t>
             </a:r>
             <a:r>
-              <a:rPr lang="en-US" sz="1200" dirty="0" err="1">
-                <a:solidFill>
-                  <a:srgbClr val="9A9A9A"/>
-                </a:solidFill>
-                <a:highlight>
-                  <a:srgbClr val="FFFFFF"/>
-                </a:highlight>
-                <a:latin typeface="Courier"/>
-              </a:rPr>
-              <a:t>alle</a:t>
-            </a:r>
-            <a:r>
-              <a:rPr lang="en-US" sz="1200" dirty="0">
-                <a:solidFill>
-                  <a:srgbClr val="9A9A9A"/>
-                </a:solidFill>
-                <a:highlight>
-                  <a:srgbClr val="FFFFFF"/>
-                </a:highlight>
-                <a:latin typeface="Courier"/>
-              </a:rPr>
+              <a:rPr lang="en-US" sz="1000" dirty="0" err="1"/>
+              <a:t>li.dropdown.open</a:t>
+            </a:r>
+            <a:r>
+              <a:rPr lang="en-US" sz="1000" dirty="0"/>
+              <a:t> &gt; .dropdown-toggle, .</a:t>
+            </a:r>
+            <a:r>
+              <a:rPr lang="en-US" sz="1000" dirty="0" err="1"/>
+              <a:t>navbar</a:t>
+            </a:r>
+            <a:r>
+              <a:rPr lang="en-US" sz="1000" dirty="0"/>
+              <a:t>-inverse .</a:t>
+            </a:r>
+            <a:r>
+              <a:rPr lang="en-US" sz="1000" dirty="0" err="1"/>
+              <a:t>nav</a:t>
+            </a:r>
+            <a:r>
+              <a:rPr lang="en-US" sz="1000" dirty="0"/>
               <a:t> </a:t>
             </a:r>
             <a:r>
-              <a:rPr lang="en-US" sz="1200" dirty="0" err="1">
-                <a:solidFill>
-                  <a:srgbClr val="9A9A9A"/>
-                </a:solidFill>
-                <a:highlight>
-                  <a:srgbClr val="FFFFFF"/>
-                </a:highlight>
-                <a:latin typeface="Courier"/>
-              </a:rPr>
-              <a:t>img-elementer</a:t>
-            </a:r>
-            <a:r>
-              <a:rPr lang="en-US" sz="1200" dirty="0">
-                <a:solidFill>
-                  <a:srgbClr val="9A9A9A"/>
-                </a:solidFill>
-                <a:highlight>
-                  <a:srgbClr val="FFFFFF"/>
-                </a:highlight>
-                <a:latin typeface="Courier"/>
-              </a:rPr>
+              <a:rPr lang="en-US" sz="1000" dirty="0" err="1"/>
+              <a:t>li.dropdown.active</a:t>
+            </a:r>
+            <a:r>
+              <a:rPr lang="en-US" sz="1000" dirty="0"/>
+              <a:t> &gt; .dropdown-toggle, .</a:t>
+            </a:r>
+            <a:r>
+              <a:rPr lang="en-US" sz="1000" dirty="0" err="1"/>
+              <a:t>navbar</a:t>
+            </a:r>
+            <a:r>
+              <a:rPr lang="en-US" sz="1000" dirty="0"/>
+              <a:t>-inverse .</a:t>
+            </a:r>
+            <a:r>
+              <a:rPr lang="en-US" sz="1000" dirty="0" err="1"/>
+              <a:t>nav</a:t>
+            </a:r>
+            <a:r>
+              <a:rPr lang="en-US" sz="1000" dirty="0"/>
               <a:t> </a:t>
             </a:r>
             <a:r>
-              <a:rPr lang="en-US" sz="1200" dirty="0" err="1">
-                <a:solidFill>
-                  <a:srgbClr val="9A9A9A"/>
-                </a:solidFill>
-                <a:highlight>
-                  <a:srgbClr val="FFFFFF"/>
-                </a:highlight>
-                <a:latin typeface="Courier"/>
-              </a:rPr>
-              <a:t>på</a:t>
-            </a:r>
-            <a:r>
-              <a:rPr lang="en-US" sz="1200" dirty="0">
-                <a:solidFill>
-                  <a:srgbClr val="9A9A9A"/>
-                </a:solidFill>
-                <a:highlight>
-                  <a:srgbClr val="FFFFFF"/>
-                </a:highlight>
-                <a:latin typeface="Courier"/>
-              </a:rPr>
+              <a:rPr lang="en-US" sz="1000" dirty="0" err="1"/>
+              <a:t>li.dropdown.open.active</a:t>
+            </a:r>
+            <a:r>
+              <a:rPr lang="en-US" sz="1000" dirty="0"/>
+              <a:t> &gt; .dropdown-toggle {   color: #</a:t>
+            </a:r>
+            <a:r>
+              <a:rPr lang="en-US" sz="1000" dirty="0" err="1"/>
+              <a:t>ffffff</a:t>
+            </a:r>
+            <a:r>
+              <a:rPr lang="en-US" sz="1000" dirty="0"/>
+              <a:t>;   background-color: #111111; }  .</a:t>
+            </a:r>
+            <a:r>
+              <a:rPr lang="en-US" sz="1000" dirty="0" err="1"/>
+              <a:t>navbar</a:t>
+            </a:r>
+            <a:r>
+              <a:rPr lang="en-US" sz="1000" dirty="0"/>
+              <a:t>-inverse .</a:t>
+            </a:r>
+            <a:r>
+              <a:rPr lang="en-US" sz="1000" dirty="0" err="1"/>
+              <a:t>nav</a:t>
+            </a:r>
+            <a:r>
+              <a:rPr lang="en-US" sz="1000" dirty="0"/>
               <a:t> </a:t>
             </a:r>
             <a:r>
-              <a:rPr lang="en-US" sz="1200" dirty="0" err="1">
-                <a:solidFill>
-                  <a:srgbClr val="9A9A9A"/>
-                </a:solidFill>
-                <a:highlight>
-                  <a:srgbClr val="FFFFFF"/>
-                </a:highlight>
-                <a:latin typeface="Courier"/>
-              </a:rPr>
-              <a:t>siden</a:t>
-            </a:r>
-            <a:r>
-              <a:rPr lang="en-US" sz="1200" dirty="0">
-                <a:solidFill>
-                  <a:srgbClr val="9A9A9A"/>
-                </a:solidFill>
-                <a:highlight>
-                  <a:srgbClr val="FFFFFF"/>
-                </a:highlight>
-                <a:latin typeface="Courier"/>
-              </a:rPr>
+              <a:rPr lang="en-US" sz="1000" dirty="0" err="1"/>
+              <a:t>li.dropdown</a:t>
+            </a:r>
+            <a:r>
+              <a:rPr lang="en-US" sz="1000" dirty="0"/>
+              <a:t> &gt; </a:t>
+            </a:r>
+            <a:r>
+              <a:rPr lang="en-US" sz="1000" dirty="0" err="1"/>
+              <a:t>a:hover</a:t>
+            </a:r>
+            <a:r>
+              <a:rPr lang="en-US" sz="1000" dirty="0"/>
+              <a:t> .caret {   border-top-color: #</a:t>
+            </a:r>
+            <a:r>
+              <a:rPr lang="en-US" sz="1000" dirty="0" err="1"/>
+              <a:t>ffffff</a:t>
+            </a:r>
+            <a:r>
+              <a:rPr lang="en-US" sz="1000" dirty="0"/>
+              <a:t>;   border-bottom-color: #</a:t>
+            </a:r>
+            <a:r>
+              <a:rPr lang="en-US" sz="1000" dirty="0" err="1"/>
+              <a:t>ffffff</a:t>
+            </a:r>
+            <a:r>
+              <a:rPr lang="en-US" sz="1000" dirty="0"/>
+              <a:t>; }  .</a:t>
+            </a:r>
+            <a:r>
+              <a:rPr lang="en-US" sz="1000" dirty="0" err="1"/>
+              <a:t>navbar</a:t>
+            </a:r>
+            <a:r>
+              <a:rPr lang="en-US" sz="1000" dirty="0"/>
+              <a:t>-inverse .</a:t>
+            </a:r>
+            <a:r>
+              <a:rPr lang="en-US" sz="1000" dirty="0" err="1"/>
+              <a:t>nav</a:t>
+            </a:r>
+            <a:r>
+              <a:rPr lang="en-US" sz="1000" dirty="0"/>
               <a:t> </a:t>
             </a:r>
             <a:r>
-              <a:rPr lang="en-US" sz="1200" dirty="0" err="1">
-                <a:solidFill>
-                  <a:srgbClr val="9A9A9A"/>
-                </a:solidFill>
-                <a:highlight>
-                  <a:srgbClr val="FFFFFF"/>
-                </a:highlight>
-                <a:latin typeface="Courier"/>
-              </a:rPr>
-              <a:t>hvis</a:t>
-            </a:r>
-            <a:r>
-              <a:rPr lang="en-US" sz="1200" dirty="0">
-                <a:solidFill>
-                  <a:srgbClr val="9A9A9A"/>
-                </a:solidFill>
-                <a:highlight>
-                  <a:srgbClr val="FFFFFF"/>
-                </a:highlight>
-                <a:latin typeface="Courier"/>
-              </a:rPr>
+              <a:rPr lang="en-US" sz="1000" dirty="0" err="1"/>
+              <a:t>li.dropdown</a:t>
+            </a:r>
+            <a:r>
+              <a:rPr lang="en-US" sz="1000" dirty="0"/>
+              <a:t> &gt; .dropdown-toggle .caret {   border-top-color: #999999;   border-bottom-color: #999999; }  .</a:t>
+            </a:r>
+            <a:r>
+              <a:rPr lang="en-US" sz="1000" dirty="0" err="1"/>
+              <a:t>navbar</a:t>
+            </a:r>
+            <a:r>
+              <a:rPr lang="en-US" sz="1000" dirty="0"/>
+              <a:t>-inverse .</a:t>
+            </a:r>
+            <a:r>
+              <a:rPr lang="en-US" sz="1000" dirty="0" err="1"/>
+              <a:t>nav</a:t>
+            </a:r>
+            <a:r>
+              <a:rPr lang="en-US" sz="1000" dirty="0"/>
               <a:t> </a:t>
             </a:r>
             <a:r>
-              <a:rPr lang="en-US" sz="1200" dirty="0" err="1">
-                <a:solidFill>
-                  <a:srgbClr val="9A9A9A"/>
-                </a:solidFill>
-                <a:highlight>
-                  <a:srgbClr val="FFFFFF"/>
-                </a:highlight>
-                <a:latin typeface="Courier"/>
-              </a:rPr>
-              <a:t>src-atributt</a:t>
-            </a:r>
-            <a:r>
-              <a:rPr lang="en-US" sz="1200" dirty="0">
-                <a:solidFill>
-                  <a:srgbClr val="9A9A9A"/>
-                </a:solidFill>
-                <a:highlight>
-                  <a:srgbClr val="FFFFFF"/>
-                </a:highlight>
-                <a:latin typeface="Courier"/>
-              </a:rPr>
+              <a:rPr lang="en-US" sz="1000" dirty="0" err="1"/>
+              <a:t>li.dropdown.open</a:t>
+            </a:r>
+            <a:r>
+              <a:rPr lang="en-US" sz="1000" dirty="0"/>
+              <a:t> &gt; .dropdown-toggle .caret, .</a:t>
+            </a:r>
+            <a:r>
+              <a:rPr lang="en-US" sz="1000" dirty="0" err="1"/>
+              <a:t>navbar</a:t>
+            </a:r>
+            <a:r>
+              <a:rPr lang="en-US" sz="1000" dirty="0"/>
+              <a:t>-inverse .</a:t>
+            </a:r>
+            <a:r>
+              <a:rPr lang="en-US" sz="1000" dirty="0" err="1"/>
+              <a:t>nav</a:t>
+            </a:r>
+            <a:r>
+              <a:rPr lang="en-US" sz="1000" dirty="0"/>
               <a:t> </a:t>
             </a:r>
             <a:r>
-              <a:rPr lang="en-US" sz="1200" dirty="0" err="1">
-                <a:solidFill>
-                  <a:srgbClr val="9A9A9A"/>
-                </a:solidFill>
-                <a:highlight>
-                  <a:srgbClr val="FFFFFF"/>
-                </a:highlight>
-                <a:latin typeface="Courier"/>
-              </a:rPr>
-              <a:t>inneholder</a:t>
-            </a:r>
-            <a:r>
-              <a:rPr lang="en-US" sz="1200" dirty="0">
-                <a:solidFill>
-                  <a:srgbClr val="9A9A9A"/>
-                </a:solidFill>
-                <a:highlight>
-                  <a:srgbClr val="FFFFFF"/>
-                </a:highlight>
-                <a:latin typeface="Courier"/>
-              </a:rPr>
-              <a:t> en substring </a:t>
-            </a:r>
-            <a:r>
-              <a:rPr lang="en-US" sz="1200" dirty="0" err="1">
-                <a:solidFill>
-                  <a:srgbClr val="9A9A9A"/>
-                </a:solidFill>
-                <a:highlight>
-                  <a:srgbClr val="FFFFFF"/>
-                </a:highlight>
-                <a:latin typeface="Courier"/>
-              </a:rPr>
-              <a:t>av</a:t>
-            </a:r>
-            <a:r>
-              <a:rPr lang="en-US" sz="1200" dirty="0">
-                <a:solidFill>
-                  <a:srgbClr val="9A9A9A"/>
-                </a:solidFill>
-                <a:highlight>
-                  <a:srgbClr val="FFFFFF"/>
-                </a:highlight>
-                <a:latin typeface="Courier"/>
-              </a:rPr>
-              <a:t> "</a:t>
-            </a:r>
-            <a:r>
-              <a:rPr lang="en-US" sz="1200" dirty="0" err="1">
-                <a:solidFill>
-                  <a:srgbClr val="9A9A9A"/>
-                </a:solidFill>
-                <a:highlight>
-                  <a:srgbClr val="FFFFFF"/>
-                </a:highlight>
-                <a:latin typeface="Courier"/>
-              </a:rPr>
-              <a:t>tiguan</a:t>
-            </a:r>
-            <a:r>
-              <a:rPr lang="en-US" sz="1200" dirty="0">
-                <a:solidFill>
-                  <a:srgbClr val="9A9A9A"/>
-                </a:solidFill>
-                <a:highlight>
-                  <a:srgbClr val="FFFFFF"/>
-                </a:highlight>
-                <a:latin typeface="Courier"/>
-              </a:rPr>
-              <a:t>"*/</a:t>
-            </a:r>
-          </a:p>
-          <a:p>
-            <a:r>
-              <a:rPr lang="en-US" dirty="0" err="1">
-                <a:solidFill>
-                  <a:srgbClr val="DA29FF"/>
-                </a:solidFill>
-                <a:highlight>
-                  <a:srgbClr val="FFFFFF"/>
-                </a:highlight>
-                <a:latin typeface="Courier"/>
-              </a:rPr>
-              <a:t>img</a:t>
-            </a:r>
-            <a:r>
-              <a:rPr lang="en-US" dirty="0">
-                <a:solidFill>
-                  <a:srgbClr val="DA29FF"/>
-                </a:solidFill>
-                <a:highlight>
-                  <a:srgbClr val="FFFFFF"/>
-                </a:highlight>
-                <a:latin typeface="Courier"/>
-              </a:rPr>
-              <a:t>[</a:t>
-            </a:r>
-            <a:r>
-              <a:rPr lang="en-US" dirty="0" err="1">
-                <a:solidFill>
-                  <a:srgbClr val="05208C"/>
-                </a:solidFill>
-                <a:highlight>
-                  <a:srgbClr val="FFFFFF"/>
-                </a:highlight>
-                <a:latin typeface="Courier"/>
-              </a:rPr>
-              <a:t>src</a:t>
-            </a:r>
-            <a:r>
-              <a:rPr lang="en-US" u="sng" dirty="0">
-                <a:solidFill>
-                  <a:srgbClr val="DA29FF"/>
-                </a:solidFill>
-                <a:highlight>
-                  <a:srgbClr val="FFFFFF"/>
-                </a:highlight>
-                <a:latin typeface="Courier"/>
-              </a:rPr>
-              <a:t>*=</a:t>
-            </a:r>
-            <a:r>
-              <a:rPr lang="en-US" u="sng" dirty="0">
-                <a:solidFill>
-                  <a:srgbClr val="106800"/>
-                </a:solidFill>
-                <a:highlight>
-                  <a:srgbClr val="FFFFFF"/>
-                </a:highlight>
-                <a:latin typeface="Courier"/>
-              </a:rPr>
-              <a:t>"</a:t>
-            </a:r>
-            <a:r>
-              <a:rPr lang="en-US" u="sng" dirty="0" err="1">
-                <a:solidFill>
-                  <a:srgbClr val="106800"/>
-                </a:solidFill>
-                <a:highlight>
-                  <a:srgbClr val="FFFFFF"/>
-                </a:highlight>
-                <a:latin typeface="Courier"/>
-              </a:rPr>
-              <a:t>tiguan</a:t>
-            </a:r>
-            <a:r>
-              <a:rPr lang="en-US" u="sng" dirty="0">
-                <a:solidFill>
-                  <a:srgbClr val="106800"/>
-                </a:solidFill>
-                <a:highlight>
-                  <a:srgbClr val="FFFFFF"/>
-                </a:highlight>
-                <a:latin typeface="Courier"/>
-              </a:rPr>
-              <a:t>"</a:t>
-            </a:r>
-            <a:r>
-              <a:rPr lang="en-US" u="sng" dirty="0">
-                <a:solidFill>
-                  <a:srgbClr val="DA29FF"/>
-                </a:solidFill>
-                <a:highlight>
-                  <a:srgbClr val="FFFFFF"/>
-                </a:highlight>
-                <a:latin typeface="Courier"/>
-              </a:rPr>
-              <a:t>]{</a:t>
-            </a:r>
-          </a:p>
-          <a:p>
-            <a:r>
-              <a:rPr lang="en-US" dirty="0">
-                <a:solidFill>
-                  <a:srgbClr val="DA29FF"/>
-                </a:solidFill>
-                <a:highlight>
-                  <a:srgbClr val="FFFFFF"/>
-                </a:highlight>
-                <a:latin typeface="Courier"/>
-              </a:rPr>
-              <a:t>    </a:t>
-            </a:r>
-            <a:r>
-              <a:rPr lang="en-US" dirty="0">
-                <a:solidFill>
-                  <a:srgbClr val="05208C"/>
-                </a:solidFill>
-                <a:highlight>
-                  <a:srgbClr val="FFFFFF"/>
-                </a:highlight>
-                <a:latin typeface="Courier"/>
-              </a:rPr>
-              <a:t>border</a:t>
-            </a:r>
-            <a:r>
-              <a:rPr lang="en-US" b="1" dirty="0">
-                <a:solidFill>
-                  <a:srgbClr val="DA29FF"/>
-                </a:solidFill>
-                <a:highlight>
-                  <a:srgbClr val="FFFFFF"/>
-                </a:highlight>
-                <a:latin typeface="Courier"/>
-              </a:rPr>
-              <a:t>: </a:t>
-            </a:r>
-            <a:r>
-              <a:rPr lang="en-US" b="1" dirty="0">
-                <a:solidFill>
-                  <a:srgbClr val="0035FF"/>
-                </a:solidFill>
-                <a:highlight>
-                  <a:srgbClr val="FFFFFF"/>
-                </a:highlight>
-                <a:latin typeface="Courier"/>
-              </a:rPr>
-              <a:t>5px</a:t>
-            </a:r>
-            <a:r>
-              <a:rPr lang="en-US" b="1" dirty="0">
-                <a:solidFill>
-                  <a:srgbClr val="DA29FF"/>
-                </a:solidFill>
-                <a:highlight>
-                  <a:srgbClr val="FFFFFF"/>
-                </a:highlight>
-                <a:latin typeface="Courier"/>
-              </a:rPr>
+              <a:rPr lang="en-US" sz="1000" dirty="0" err="1"/>
+              <a:t>li.dropdown.active</a:t>
+            </a:r>
+            <a:r>
+              <a:rPr lang="en-US" sz="1000" dirty="0"/>
+              <a:t> &gt; .dropdown-toggle .caret, .</a:t>
+            </a:r>
+            <a:r>
+              <a:rPr lang="en-US" sz="1000" dirty="0" err="1"/>
+              <a:t>navbar</a:t>
+            </a:r>
+            <a:r>
+              <a:rPr lang="en-US" sz="1000" dirty="0"/>
+              <a:t>-inverse .</a:t>
+            </a:r>
+            <a:r>
+              <a:rPr lang="en-US" sz="1000" dirty="0" err="1"/>
+              <a:t>nav</a:t>
+            </a:r>
+            <a:r>
+              <a:rPr lang="en-US" sz="1000" dirty="0"/>
               <a:t> </a:t>
             </a:r>
             <a:r>
-              <a:rPr lang="en-US" b="1" dirty="0">
-                <a:solidFill>
-                  <a:srgbClr val="0035FF"/>
-                </a:solidFill>
-                <a:highlight>
-                  <a:srgbClr val="FFFFFF"/>
-                </a:highlight>
-                <a:latin typeface="Courier"/>
-              </a:rPr>
-              <a:t>solid</a:t>
-            </a:r>
-            <a:r>
-              <a:rPr lang="en-US" b="1" dirty="0">
-                <a:solidFill>
-                  <a:srgbClr val="DA29FF"/>
-                </a:solidFill>
-                <a:highlight>
-                  <a:srgbClr val="FFFFFF"/>
-                </a:highlight>
-                <a:latin typeface="Courier"/>
-              </a:rPr>
-              <a:t> </a:t>
-            </a:r>
-            <a:r>
-              <a:rPr lang="en-US" b="1" dirty="0">
-                <a:solidFill>
-                  <a:srgbClr val="0035FF"/>
-                </a:solidFill>
-                <a:highlight>
-                  <a:srgbClr val="FFFFFF"/>
-                </a:highlight>
-                <a:latin typeface="Courier"/>
-              </a:rPr>
-              <a:t>blue</a:t>
-            </a:r>
-            <a:r>
-              <a:rPr lang="en-US" b="1" dirty="0">
-                <a:solidFill>
-                  <a:srgbClr val="DA29FF"/>
-                </a:solidFill>
-                <a:highlight>
-                  <a:srgbClr val="FFFFFF"/>
-                </a:highlight>
-                <a:latin typeface="Courier"/>
-              </a:rPr>
-              <a:t>;</a:t>
-            </a:r>
-          </a:p>
-          <a:p>
-            <a:r>
-              <a:rPr lang="en-US" dirty="0">
-                <a:solidFill>
-                  <a:srgbClr val="DA29FF"/>
-                </a:solidFill>
-                <a:highlight>
-                  <a:srgbClr val="FFFFFF"/>
-                </a:highlight>
-                <a:latin typeface="Courier"/>
-              </a:rPr>
-              <a:t>}</a:t>
-            </a:r>
-          </a:p>
-          <a:p>
-            <a:endParaRPr lang="en-US" dirty="0">
-              <a:latin typeface="Courier"/>
-            </a:endParaRPr>
-          </a:p>
-          <a:p>
-            <a:r>
-              <a:rPr lang="en-US" sz="1200" dirty="0">
-                <a:solidFill>
-                  <a:srgbClr val="9A9A9A"/>
-                </a:solidFill>
-                <a:highlight>
-                  <a:srgbClr val="FFFFFF"/>
-                </a:highlight>
-                <a:latin typeface="Courier"/>
-              </a:rPr>
-              <a:t>/*</a:t>
-            </a:r>
-            <a:r>
-              <a:rPr lang="en-US" sz="1200" dirty="0" err="1">
-                <a:solidFill>
-                  <a:srgbClr val="9A9A9A"/>
-                </a:solidFill>
-                <a:highlight>
-                  <a:srgbClr val="FFFFFF"/>
-                </a:highlight>
-                <a:latin typeface="Courier"/>
-              </a:rPr>
-              <a:t>Velger</a:t>
-            </a:r>
-            <a:r>
-              <a:rPr lang="en-US" sz="1200" dirty="0">
-                <a:solidFill>
-                  <a:srgbClr val="9A9A9A"/>
-                </a:solidFill>
-                <a:highlight>
-                  <a:srgbClr val="FFFFFF"/>
-                </a:highlight>
-                <a:latin typeface="Courier"/>
-              </a:rPr>
-              <a:t> </a:t>
-            </a:r>
-            <a:r>
-              <a:rPr lang="en-US" sz="1200" dirty="0" err="1">
-                <a:solidFill>
-                  <a:srgbClr val="9A9A9A"/>
-                </a:solidFill>
-                <a:highlight>
-                  <a:srgbClr val="FFFFFF"/>
-                </a:highlight>
-                <a:latin typeface="Courier"/>
-              </a:rPr>
-              <a:t>alle</a:t>
-            </a:r>
-            <a:r>
-              <a:rPr lang="en-US" sz="1200" dirty="0">
-                <a:solidFill>
-                  <a:srgbClr val="9A9A9A"/>
-                </a:solidFill>
-                <a:highlight>
-                  <a:srgbClr val="FFFFFF"/>
-                </a:highlight>
-                <a:latin typeface="Courier"/>
-              </a:rPr>
-              <a:t> </a:t>
-            </a:r>
-            <a:r>
-              <a:rPr lang="en-US" sz="1200" dirty="0" err="1">
-                <a:solidFill>
-                  <a:srgbClr val="9A9A9A"/>
-                </a:solidFill>
-                <a:highlight>
-                  <a:srgbClr val="FFFFFF"/>
-                </a:highlight>
-                <a:latin typeface="Courier"/>
-              </a:rPr>
-              <a:t>img-elementer</a:t>
-            </a:r>
-            <a:r>
-              <a:rPr lang="en-US" sz="1200" dirty="0">
-                <a:solidFill>
-                  <a:srgbClr val="9A9A9A"/>
-                </a:solidFill>
-                <a:highlight>
-                  <a:srgbClr val="FFFFFF"/>
-                </a:highlight>
-                <a:latin typeface="Courier"/>
-              </a:rPr>
-              <a:t> </a:t>
-            </a:r>
-            <a:r>
-              <a:rPr lang="en-US" sz="1200" dirty="0" err="1">
-                <a:solidFill>
-                  <a:srgbClr val="9A9A9A"/>
-                </a:solidFill>
-                <a:highlight>
-                  <a:srgbClr val="FFFFFF"/>
-                </a:highlight>
-                <a:latin typeface="Courier"/>
-              </a:rPr>
-              <a:t>på</a:t>
-            </a:r>
-            <a:r>
-              <a:rPr lang="en-US" sz="1200" dirty="0">
-                <a:solidFill>
-                  <a:srgbClr val="9A9A9A"/>
-                </a:solidFill>
-                <a:highlight>
-                  <a:srgbClr val="FFFFFF"/>
-                </a:highlight>
-                <a:latin typeface="Courier"/>
-              </a:rPr>
-              <a:t> </a:t>
-            </a:r>
-            <a:r>
-              <a:rPr lang="en-US" sz="1200" dirty="0" err="1">
-                <a:solidFill>
-                  <a:srgbClr val="9A9A9A"/>
-                </a:solidFill>
-                <a:highlight>
-                  <a:srgbClr val="FFFFFF"/>
-                </a:highlight>
-                <a:latin typeface="Courier"/>
-              </a:rPr>
-              <a:t>siden</a:t>
-            </a:r>
-            <a:r>
-              <a:rPr lang="en-US" sz="1200" dirty="0">
-                <a:solidFill>
-                  <a:srgbClr val="9A9A9A"/>
-                </a:solidFill>
-                <a:highlight>
-                  <a:srgbClr val="FFFFFF"/>
-                </a:highlight>
-                <a:latin typeface="Courier"/>
-              </a:rPr>
-              <a:t> </a:t>
-            </a:r>
-            <a:r>
-              <a:rPr lang="en-US" sz="1200" dirty="0" err="1">
-                <a:solidFill>
-                  <a:srgbClr val="9A9A9A"/>
-                </a:solidFill>
-                <a:highlight>
-                  <a:srgbClr val="FFFFFF"/>
-                </a:highlight>
-                <a:latin typeface="Courier"/>
-              </a:rPr>
-              <a:t>hvis</a:t>
-            </a:r>
-            <a:r>
-              <a:rPr lang="en-US" sz="1200" dirty="0">
-                <a:solidFill>
-                  <a:srgbClr val="9A9A9A"/>
-                </a:solidFill>
-                <a:highlight>
-                  <a:srgbClr val="FFFFFF"/>
-                </a:highlight>
-                <a:latin typeface="Courier"/>
-              </a:rPr>
-              <a:t> </a:t>
-            </a:r>
-            <a:r>
-              <a:rPr lang="en-US" sz="1200" dirty="0" err="1">
-                <a:solidFill>
-                  <a:srgbClr val="9A9A9A"/>
-                </a:solidFill>
-                <a:highlight>
-                  <a:srgbClr val="FFFFFF"/>
-                </a:highlight>
-                <a:latin typeface="Courier"/>
-              </a:rPr>
-              <a:t>src-atributt</a:t>
-            </a:r>
-            <a:r>
-              <a:rPr lang="en-US" sz="1200" dirty="0">
-                <a:solidFill>
-                  <a:srgbClr val="9A9A9A"/>
-                </a:solidFill>
-                <a:highlight>
-                  <a:srgbClr val="FFFFFF"/>
-                </a:highlight>
-                <a:latin typeface="Courier"/>
-              </a:rPr>
-              <a:t> </a:t>
-            </a:r>
-            <a:r>
-              <a:rPr lang="en-US" sz="1200" dirty="0" err="1">
-                <a:solidFill>
-                  <a:srgbClr val="9A9A9A"/>
-                </a:solidFill>
-                <a:highlight>
-                  <a:srgbClr val="FFFFFF"/>
-                </a:highlight>
-                <a:latin typeface="Courier"/>
-              </a:rPr>
-              <a:t>slutter</a:t>
-            </a:r>
-            <a:r>
-              <a:rPr lang="en-US" sz="1200" dirty="0">
-                <a:solidFill>
-                  <a:srgbClr val="9A9A9A"/>
-                </a:solidFill>
-                <a:highlight>
-                  <a:srgbClr val="FFFFFF"/>
-                </a:highlight>
-                <a:latin typeface="Courier"/>
-              </a:rPr>
-              <a:t> </a:t>
-            </a:r>
-            <a:r>
-              <a:rPr lang="en-US" sz="1200" dirty="0" err="1">
-                <a:solidFill>
-                  <a:srgbClr val="9A9A9A"/>
-                </a:solidFill>
-                <a:highlight>
-                  <a:srgbClr val="FFFFFF"/>
-                </a:highlight>
-                <a:latin typeface="Courier"/>
-              </a:rPr>
-              <a:t>på</a:t>
-            </a:r>
-            <a:r>
-              <a:rPr lang="en-US" sz="1200" dirty="0">
-                <a:solidFill>
-                  <a:srgbClr val="9A9A9A"/>
-                </a:solidFill>
-                <a:highlight>
-                  <a:srgbClr val="FFFFFF"/>
-                </a:highlight>
-                <a:latin typeface="Courier"/>
-              </a:rPr>
-              <a:t> .jpg*/</a:t>
-            </a:r>
-          </a:p>
-          <a:p>
-            <a:r>
-              <a:rPr lang="da-DK" dirty="0" err="1">
-                <a:solidFill>
-                  <a:srgbClr val="DA29FF"/>
-                </a:solidFill>
-                <a:highlight>
-                  <a:srgbClr val="FFFFFF"/>
-                </a:highlight>
-                <a:latin typeface="Courier"/>
-              </a:rPr>
-              <a:t>img</a:t>
-            </a:r>
-            <a:r>
-              <a:rPr lang="da-DK" dirty="0">
-                <a:solidFill>
-                  <a:srgbClr val="DA29FF"/>
-                </a:solidFill>
-                <a:highlight>
-                  <a:srgbClr val="FFFFFF"/>
-                </a:highlight>
-                <a:latin typeface="Courier"/>
-              </a:rPr>
-              <a:t>[</a:t>
-            </a:r>
-            <a:r>
-              <a:rPr lang="da-DK" dirty="0" err="1">
-                <a:solidFill>
-                  <a:srgbClr val="05208C"/>
-                </a:solidFill>
-                <a:highlight>
-                  <a:srgbClr val="FFFFFF"/>
-                </a:highlight>
-                <a:latin typeface="Courier"/>
-              </a:rPr>
-              <a:t>src</a:t>
-            </a:r>
-            <a:r>
-              <a:rPr lang="da-DK" dirty="0">
-                <a:solidFill>
-                  <a:srgbClr val="DA29FF"/>
-                </a:solidFill>
-                <a:highlight>
-                  <a:srgbClr val="FFFFFF"/>
-                </a:highlight>
-                <a:latin typeface="Courier"/>
-              </a:rPr>
-              <a:t>$=</a:t>
-            </a:r>
-            <a:r>
-              <a:rPr lang="da-DK" dirty="0">
-                <a:solidFill>
-                  <a:srgbClr val="106800"/>
-                </a:solidFill>
-                <a:highlight>
-                  <a:srgbClr val="FFFFFF"/>
-                </a:highlight>
-                <a:latin typeface="Courier"/>
-              </a:rPr>
-              <a:t>".jpg"</a:t>
-            </a:r>
-            <a:r>
-              <a:rPr lang="da-DK" dirty="0">
-                <a:solidFill>
-                  <a:srgbClr val="DA29FF"/>
-                </a:solidFill>
-                <a:highlight>
-                  <a:srgbClr val="FFFFFF"/>
-                </a:highlight>
-                <a:latin typeface="Courier"/>
-              </a:rPr>
-              <a:t>]{</a:t>
-            </a:r>
-          </a:p>
-          <a:p>
-            <a:r>
-              <a:rPr lang="en-US" dirty="0">
-                <a:solidFill>
-                  <a:srgbClr val="DA29FF"/>
-                </a:solidFill>
-                <a:highlight>
-                  <a:srgbClr val="FFFFFF"/>
-                </a:highlight>
-                <a:latin typeface="Courier"/>
-              </a:rPr>
-              <a:t>    </a:t>
-            </a:r>
-            <a:r>
-              <a:rPr lang="en-US" dirty="0">
-                <a:solidFill>
-                  <a:srgbClr val="05208C"/>
-                </a:solidFill>
-                <a:highlight>
-                  <a:srgbClr val="FFFFFF"/>
-                </a:highlight>
-                <a:latin typeface="Courier"/>
-              </a:rPr>
-              <a:t>width</a:t>
-            </a:r>
-            <a:r>
-              <a:rPr lang="en-US" b="1" dirty="0">
-                <a:solidFill>
-                  <a:srgbClr val="DA29FF"/>
-                </a:solidFill>
-                <a:highlight>
-                  <a:srgbClr val="FFFFFF"/>
-                </a:highlight>
-                <a:latin typeface="Courier"/>
-              </a:rPr>
-              <a:t>: </a:t>
-            </a:r>
-            <a:r>
-              <a:rPr lang="en-US" b="1" dirty="0">
-                <a:solidFill>
-                  <a:srgbClr val="0035FF"/>
-                </a:solidFill>
-                <a:highlight>
-                  <a:srgbClr val="FFFFFF"/>
-                </a:highlight>
-                <a:latin typeface="Courier"/>
-              </a:rPr>
-              <a:t>10em</a:t>
-            </a:r>
-            <a:r>
-              <a:rPr lang="en-US" b="1" dirty="0">
-                <a:solidFill>
-                  <a:srgbClr val="DA29FF"/>
-                </a:solidFill>
-                <a:highlight>
-                  <a:srgbClr val="FFFFFF"/>
-                </a:highlight>
-                <a:latin typeface="Courier"/>
-              </a:rPr>
-              <a:t>;</a:t>
-            </a:r>
-          </a:p>
-          <a:p>
-            <a:r>
-              <a:rPr lang="en-US" dirty="0">
-                <a:solidFill>
-                  <a:srgbClr val="DA29FF"/>
-                </a:solidFill>
-                <a:highlight>
-                  <a:srgbClr val="FFFFFF"/>
-                </a:highlight>
-                <a:latin typeface="Courier"/>
-              </a:rPr>
-              <a:t>}</a:t>
-            </a:r>
+              <a:rPr lang="en-US" sz="1000" dirty="0" err="1"/>
+              <a:t>li.dropdown.open.active</a:t>
+            </a:r>
+            <a:r>
+              <a:rPr lang="en-US" sz="1000" dirty="0"/>
+              <a:t> &gt; .dropdown-toggle .caret {   border-top-color: #</a:t>
+            </a:r>
+            <a:r>
+              <a:rPr lang="en-US" sz="1000" dirty="0" err="1"/>
+              <a:t>ffffff</a:t>
+            </a:r>
+            <a:r>
+              <a:rPr lang="en-US" sz="1000" dirty="0"/>
+              <a:t>;   border-bottom-color: #</a:t>
+            </a:r>
+            <a:r>
+              <a:rPr lang="en-US" sz="1000" dirty="0" err="1"/>
+              <a:t>ffffff</a:t>
+            </a:r>
+            <a:r>
+              <a:rPr lang="en-US" sz="1000" dirty="0"/>
+              <a:t>; }  .</a:t>
+            </a:r>
+            <a:r>
+              <a:rPr lang="en-US" sz="1000" dirty="0" err="1"/>
+              <a:t>navbar</a:t>
+            </a:r>
+            <a:r>
+              <a:rPr lang="en-US" sz="1000" dirty="0"/>
+              <a:t>-inverse .</a:t>
+            </a:r>
+            <a:r>
+              <a:rPr lang="en-US" sz="1000" dirty="0" err="1"/>
+              <a:t>navbar</a:t>
+            </a:r>
+            <a:r>
+              <a:rPr lang="en-US" sz="1000" dirty="0"/>
+              <a:t>-search .search-query {   color: #</a:t>
+            </a:r>
+            <a:r>
+              <a:rPr lang="en-US" sz="1000" dirty="0" err="1"/>
+              <a:t>ffffff</a:t>
+            </a:r>
+            <a:r>
+              <a:rPr lang="en-US" sz="1000" dirty="0"/>
+              <a:t>;   background-color: #515151;   border-color: #111111;   -</a:t>
+            </a:r>
+            <a:r>
+              <a:rPr lang="en-US" sz="1000" dirty="0" err="1"/>
+              <a:t>webkit</a:t>
+            </a:r>
+            <a:r>
+              <a:rPr lang="en-US" sz="1000" dirty="0"/>
+              <a:t>-box-shadow: inset 0 1px 2px </a:t>
+            </a:r>
+            <a:r>
+              <a:rPr lang="en-US" sz="1000" dirty="0" err="1"/>
+              <a:t>rgba</a:t>
+            </a:r>
+            <a:r>
+              <a:rPr lang="en-US" sz="1000" dirty="0"/>
+              <a:t>(0, 0, 0, 0.1), 0 1px 0 </a:t>
+            </a:r>
+            <a:r>
+              <a:rPr lang="en-US" sz="1000" dirty="0" err="1"/>
+              <a:t>rgba</a:t>
+            </a:r>
+            <a:r>
+              <a:rPr lang="en-US" sz="1000" dirty="0"/>
+              <a:t>(255, 255, 255, 0.15);      -</a:t>
+            </a:r>
+            <a:r>
+              <a:rPr lang="en-US" sz="1000" dirty="0" err="1"/>
+              <a:t>moz</a:t>
+            </a:r>
+            <a:r>
+              <a:rPr lang="en-US" sz="1000" dirty="0"/>
+              <a:t>-box-shadow: inset 0 1px 2px </a:t>
+            </a:r>
+            <a:r>
+              <a:rPr lang="en-US" sz="1000" dirty="0" err="1"/>
+              <a:t>rgba</a:t>
+            </a:r>
+            <a:r>
+              <a:rPr lang="en-US" sz="1000" dirty="0"/>
+              <a:t>(0, 0, 0, 0.1), 0 1px 0 </a:t>
+            </a:r>
+            <a:r>
+              <a:rPr lang="en-US" sz="1000" dirty="0" err="1"/>
+              <a:t>rgba</a:t>
+            </a:r>
+            <a:r>
+              <a:rPr lang="en-US" sz="1000" dirty="0"/>
+              <a:t>(255, 255, 255, 0.15);           box-shadow: inset 0 1px 2px </a:t>
+            </a:r>
+            <a:r>
+              <a:rPr lang="en-US" sz="1000" dirty="0" err="1"/>
+              <a:t>rgba</a:t>
+            </a:r>
+            <a:r>
+              <a:rPr lang="en-US" sz="1000" dirty="0"/>
+              <a:t>(0, 0, 0, 0.1), 0 1px 0 </a:t>
+            </a:r>
+            <a:r>
+              <a:rPr lang="en-US" sz="1000" dirty="0" err="1"/>
+              <a:t>rgba</a:t>
+            </a:r>
+            <a:r>
+              <a:rPr lang="en-US" sz="1000" dirty="0"/>
+              <a:t>(255, 255, 255, 0.15);   -</a:t>
+            </a:r>
+            <a:r>
+              <a:rPr lang="en-US" sz="1000" dirty="0" err="1"/>
+              <a:t>webkit</a:t>
+            </a:r>
+            <a:r>
+              <a:rPr lang="en-US" sz="1000" dirty="0"/>
+              <a:t>-transition: none;</a:t>
+            </a:r>
+          </a:p>
+          <a:p>
+            <a:r>
+              <a:rPr lang="en-US" sz="1000" dirty="0"/>
+              <a:t>     -</a:t>
+            </a:r>
+            <a:r>
+              <a:rPr lang="en-US" sz="1000" dirty="0" err="1"/>
+              <a:t>moz</a:t>
+            </a:r>
+            <a:r>
+              <a:rPr lang="en-US" sz="1000" dirty="0"/>
+              <a:t>-transition: none;        -o-transition: none;           transition: none; }  .</a:t>
+            </a:r>
+            <a:r>
+              <a:rPr lang="en-US" sz="1000" dirty="0" err="1"/>
+              <a:t>navbar</a:t>
+            </a:r>
+            <a:r>
+              <a:rPr lang="en-US" sz="1000" dirty="0"/>
+              <a:t>-inverse .</a:t>
+            </a:r>
+            <a:r>
+              <a:rPr lang="en-US" sz="1000" dirty="0" err="1"/>
+              <a:t>navbar</a:t>
+            </a:r>
+            <a:r>
+              <a:rPr lang="en-US" sz="1000" dirty="0"/>
+              <a:t>-search .search-query:-</a:t>
+            </a:r>
+            <a:r>
+              <a:rPr lang="en-US" sz="1000" dirty="0" err="1"/>
+              <a:t>moz</a:t>
+            </a:r>
+            <a:r>
+              <a:rPr lang="en-US" sz="1000" dirty="0"/>
+              <a:t>-placeholder {   color: #</a:t>
+            </a:r>
+            <a:r>
+              <a:rPr lang="en-US" sz="1000" dirty="0" err="1"/>
+              <a:t>cccccc</a:t>
+            </a:r>
+            <a:r>
+              <a:rPr lang="en-US" sz="1000" dirty="0"/>
+              <a:t>; }  .</a:t>
+            </a:r>
+            <a:r>
+              <a:rPr lang="en-US" sz="1000" dirty="0" err="1"/>
+              <a:t>navbar</a:t>
+            </a:r>
+            <a:r>
+              <a:rPr lang="en-US" sz="1000" dirty="0"/>
+              <a:t>-inverse .</a:t>
+            </a:r>
+            <a:r>
+              <a:rPr lang="en-US" sz="1000" dirty="0" err="1"/>
+              <a:t>navbar</a:t>
+            </a:r>
+            <a:r>
+              <a:rPr lang="en-US" sz="1000" dirty="0"/>
+              <a:t>-search .search-query:-</a:t>
+            </a:r>
+            <a:r>
+              <a:rPr lang="en-US" sz="1000" dirty="0" err="1"/>
+              <a:t>ms</a:t>
+            </a:r>
+            <a:r>
+              <a:rPr lang="en-US" sz="1000" dirty="0"/>
+              <a:t>-input-placeholder {   color: #</a:t>
+            </a:r>
+            <a:r>
+              <a:rPr lang="en-US" sz="1000" dirty="0" err="1"/>
+              <a:t>cccccc</a:t>
+            </a:r>
+            <a:r>
+              <a:rPr lang="en-US" sz="1000" dirty="0"/>
+              <a:t>; }  .</a:t>
+            </a:r>
+            <a:r>
+              <a:rPr lang="en-US" sz="1000" dirty="0" err="1"/>
+              <a:t>navbar</a:t>
+            </a:r>
+            <a:r>
+              <a:rPr lang="en-US" sz="1000" dirty="0"/>
+              <a:t>-inverse .</a:t>
+            </a:r>
+            <a:r>
+              <a:rPr lang="en-US" sz="1000" dirty="0" err="1"/>
+              <a:t>navbar</a:t>
+            </a:r>
+            <a:r>
+              <a:rPr lang="en-US" sz="1000" dirty="0"/>
+              <a:t>-search .search-query::-</a:t>
+            </a:r>
+            <a:r>
+              <a:rPr lang="en-US" sz="1000" dirty="0" err="1"/>
+              <a:t>webkit</a:t>
+            </a:r>
+            <a:r>
+              <a:rPr lang="en-US" sz="1000" dirty="0"/>
+              <a:t>-input-placeholder {   color: #</a:t>
+            </a:r>
+            <a:r>
+              <a:rPr lang="en-US" sz="1000" dirty="0" err="1"/>
+              <a:t>cccccc</a:t>
+            </a:r>
+            <a:r>
+              <a:rPr lang="en-US" sz="1000" dirty="0"/>
+              <a:t>; }  .</a:t>
+            </a:r>
+            <a:r>
+              <a:rPr lang="en-US" sz="1000" dirty="0" err="1"/>
+              <a:t>navbar</a:t>
+            </a:r>
+            <a:r>
+              <a:rPr lang="en-US" sz="1000" dirty="0"/>
+              <a:t>-inverse .</a:t>
+            </a:r>
+            <a:r>
+              <a:rPr lang="en-US" sz="1000" dirty="0" err="1"/>
+              <a:t>navbar</a:t>
+            </a:r>
+            <a:r>
+              <a:rPr lang="en-US" sz="1000" dirty="0"/>
+              <a:t>-search .</a:t>
+            </a:r>
+            <a:r>
+              <a:rPr lang="en-US" sz="1000" dirty="0" err="1"/>
+              <a:t>search-query:focus</a:t>
+            </a:r>
+            <a:r>
+              <a:rPr lang="en-US" sz="1000" dirty="0"/>
+              <a:t>, .</a:t>
+            </a:r>
+            <a:r>
+              <a:rPr lang="en-US" sz="1000" dirty="0" err="1"/>
+              <a:t>navbar</a:t>
+            </a:r>
+            <a:r>
+              <a:rPr lang="en-US" sz="1000" dirty="0"/>
+              <a:t>-inverse .</a:t>
+            </a:r>
+            <a:r>
+              <a:rPr lang="en-US" sz="1000" dirty="0" err="1"/>
+              <a:t>navbar</a:t>
+            </a:r>
+            <a:r>
+              <a:rPr lang="en-US" sz="1000" dirty="0"/>
+              <a:t>-search .search-</a:t>
+            </a:r>
+            <a:r>
+              <a:rPr lang="en-US" sz="1000" dirty="0" err="1"/>
+              <a:t>query.focused</a:t>
+            </a:r>
+            <a:r>
+              <a:rPr lang="en-US" sz="1000" dirty="0"/>
+              <a:t> {   padding: 5px 15px;   color: #333333;   text-shadow: 0 1px 0 #</a:t>
+            </a:r>
+            <a:r>
+              <a:rPr lang="en-US" sz="1000" dirty="0" err="1"/>
+              <a:t>ffffff</a:t>
+            </a:r>
+            <a:r>
+              <a:rPr lang="en-US" sz="1000" dirty="0"/>
+              <a:t>;   background-color: #</a:t>
+            </a:r>
+            <a:r>
+              <a:rPr lang="en-US" sz="1000" dirty="0" err="1"/>
+              <a:t>ffffff</a:t>
+            </a:r>
+            <a:r>
+              <a:rPr lang="en-US" sz="1000" dirty="0"/>
+              <a:t>;   border: 0;   outline: 0;   -</a:t>
+            </a:r>
+            <a:r>
+              <a:rPr lang="en-US" sz="1000" dirty="0" err="1"/>
+              <a:t>webkit</a:t>
+            </a:r>
+            <a:r>
+              <a:rPr lang="en-US" sz="1000" dirty="0"/>
+              <a:t>-box-shadow: 0 0 3px </a:t>
+            </a:r>
+            <a:r>
+              <a:rPr lang="en-US" sz="1000" dirty="0" err="1"/>
+              <a:t>rgba</a:t>
+            </a:r>
+            <a:r>
+              <a:rPr lang="en-US" sz="1000" dirty="0"/>
+              <a:t>(0, 0, 0, 0.15);      -</a:t>
+            </a:r>
+            <a:r>
+              <a:rPr lang="en-US" sz="1000" dirty="0" err="1"/>
+              <a:t>moz</a:t>
+            </a:r>
+            <a:r>
+              <a:rPr lang="en-US" sz="1000" dirty="0"/>
+              <a:t>-box-shadow: 0 0 3px </a:t>
+            </a:r>
+            <a:r>
+              <a:rPr lang="en-US" sz="1000" dirty="0" err="1"/>
+              <a:t>rgba</a:t>
+            </a:r>
+            <a:r>
+              <a:rPr lang="en-US" sz="1000" dirty="0"/>
+              <a:t>(0, 0, 0, 0.15);           box-shadow: 0 0 3px </a:t>
+            </a:r>
+            <a:r>
+              <a:rPr lang="en-US" sz="1000" dirty="0" err="1"/>
+              <a:t>rgba</a:t>
+            </a:r>
+            <a:r>
+              <a:rPr lang="en-US" sz="1000" dirty="0"/>
+              <a:t>(0, 0, 0, 0.15); }  .</a:t>
+            </a:r>
+            <a:r>
+              <a:rPr lang="en-US" sz="1000" dirty="0" err="1"/>
+              <a:t>navbar</a:t>
+            </a:r>
+            <a:r>
+              <a:rPr lang="en-US" sz="1000" dirty="0"/>
+              <a:t>-inverse .</a:t>
+            </a:r>
+            <a:r>
+              <a:rPr lang="en-US" sz="1000" dirty="0" err="1"/>
+              <a:t>btn-navbar</a:t>
+            </a:r>
+            <a:r>
+              <a:rPr lang="en-US" sz="1000" dirty="0"/>
+              <a:t> {   color: #</a:t>
+            </a:r>
+            <a:r>
+              <a:rPr lang="en-US" sz="1000" dirty="0" err="1"/>
+              <a:t>ffffff</a:t>
+            </a:r>
+            <a:r>
+              <a:rPr lang="en-US" sz="1000" dirty="0"/>
+              <a:t>;   text-shadow: 0 -1px 0 </a:t>
+            </a:r>
+            <a:r>
+              <a:rPr lang="en-US" sz="1000" dirty="0" err="1"/>
+              <a:t>rgba</a:t>
+            </a:r>
+            <a:r>
+              <a:rPr lang="en-US" sz="1000" dirty="0"/>
+              <a:t>(0, 0, 0, 0.25);   background-color: #0e0e0e;   *background-color: #040404;   background-image: -</a:t>
+            </a:r>
+            <a:r>
+              <a:rPr lang="en-US" sz="1000" dirty="0" err="1"/>
+              <a:t>moz</a:t>
+            </a:r>
+            <a:r>
+              <a:rPr lang="en-US" sz="1000" dirty="0"/>
+              <a:t>-linear-gradient(top, #151515, #040404);   background-image: -</a:t>
+            </a:r>
+            <a:r>
+              <a:rPr lang="en-US" sz="1000" dirty="0" err="1"/>
+              <a:t>webkit</a:t>
+            </a:r>
+            <a:r>
+              <a:rPr lang="en-US" sz="1000" dirty="0"/>
+              <a:t>-gradient(linear, 0 0, 0 100%, from(#151515), to(#040404));   </a:t>
+            </a:r>
+            <a:endParaRPr lang="en-US" sz="1000" dirty="0"/>
+          </a:p>
+        </p:txBody>
+      </p:sp>
+      <p:sp>
+        <p:nvSpPr>
+          <p:cNvPr id="5" name="TextBox 4"/>
+          <p:cNvSpPr txBox="1"/>
+          <p:nvPr/>
+        </p:nvSpPr>
+        <p:spPr>
+          <a:xfrm>
+            <a:off x="3502823" y="421675"/>
+            <a:ext cx="5280562" cy="1200329"/>
+          </a:xfrm>
+          <a:prstGeom prst="rect">
+            <a:avLst/>
+          </a:prstGeom>
+          <a:noFill/>
+        </p:spPr>
+        <p:txBody>
+          <a:bodyPr wrap="none" rtlCol="0">
+            <a:spAutoFit/>
+          </a:bodyPr>
+          <a:lstStyle/>
+          <a:p>
+            <a:pPr algn="r"/>
+            <a:r>
+              <a:rPr lang="en-US" sz="7200" b="1" dirty="0" smtClean="0">
+                <a:solidFill>
+                  <a:schemeClr val="bg1"/>
+                </a:solidFill>
+                <a:effectLst>
+                  <a:outerShdw blurRad="50800" dist="38100" dir="2700000" algn="tl" rotWithShape="0">
+                    <a:prstClr val="black">
+                      <a:alpha val="40000"/>
+                    </a:prstClr>
+                  </a:outerShdw>
+                </a:effectLst>
+                <a:latin typeface="Eurostile"/>
+                <a:cs typeface="Eurostile"/>
+              </a:rPr>
+              <a:t>EKSEMPLER</a:t>
+            </a:r>
+          </a:p>
+        </p:txBody>
+      </p:sp>
+      <p:sp>
+        <p:nvSpPr>
+          <p:cNvPr id="3" name="TextBox 2"/>
+          <p:cNvSpPr txBox="1"/>
+          <p:nvPr/>
+        </p:nvSpPr>
+        <p:spPr>
+          <a:xfrm>
+            <a:off x="209176" y="421675"/>
+            <a:ext cx="184666" cy="369332"/>
+          </a:xfrm>
+          <a:prstGeom prst="rect">
+            <a:avLst/>
+          </a:prstGeom>
+          <a:noFill/>
+        </p:spPr>
+        <p:txBody>
+          <a:bodyPr wrap="none" rtlCol="0">
+            <a:spAutoFit/>
+          </a:bodyPr>
+          <a:lstStyle/>
+          <a:p>
             <a:endParaRPr lang="en-US" dirty="0"/>
           </a:p>
         </p:txBody>
@@ -4584,13 +4827,20 @@
     </p:spTree>
     <p:extLst>
       <p:ext uri="{BB962C8B-B14F-4D97-AF65-F5344CB8AC3E}">
-        <p14:creationId xmlns:p14="http://schemas.microsoft.com/office/powerpoint/2010/main" val="464826539"/>
+        <p14:creationId xmlns:p14="http://schemas.microsoft.com/office/powerpoint/2010/main" val="162144698"/>
       </p:ext>
     </p:extLst>
   </p:cSld>
   <p:clrMapOvr>
     <a:masterClrMapping/>
   </p:clrMapOvr>
+  <p:timing>
+    <p:tnLst>
+      <p:par>
+        <p:cTn xmlns:p14="http://schemas.microsoft.com/office/powerpoint/2010/main" id="1" dur="indefinite" restart="never" nodeType="tmRoot"/>
+      </p:par>
+    </p:tnLst>
+  </p:timing>
 </p:sld>
 </file>
 
@@ -4628,7 +4878,7 @@
           <a:p>
             <a:r>
               <a:rPr lang="en-US" dirty="0" smtClean="0"/>
-              <a:t>Grouping</a:t>
+              <a:t>Selectors</a:t>
             </a:r>
             <a:endParaRPr lang="en-US" dirty="0"/>
           </a:p>
@@ -4636,468 +4886,169 @@
       </p:sp>
       <p:sp>
         <p:nvSpPr>
-          <p:cNvPr id="4" name="Rectangle 3"/>
-          <p:cNvSpPr/>
-          <p:nvPr/>
+          <p:cNvPr id="3" name="Content Placeholder 2"/>
+          <p:cNvSpPr>
+            <a:spLocks noGrp="1"/>
+          </p:cNvSpPr>
+          <p:nvPr>
+            <p:ph idx="1"/>
+          </p:nvPr>
         </p:nvSpPr>
-        <p:spPr>
-          <a:xfrm>
-            <a:off x="986118" y="1556088"/>
-            <a:ext cx="7918822" cy="2031325"/>
-          </a:xfrm>
-          <a:prstGeom prst="rect">
-            <a:avLst/>
-          </a:prstGeom>
-        </p:spPr>
+        <p:spPr/>
         <p:txBody>
-          <a:bodyPr wrap="square">
-            <a:spAutoFit/>
-          </a:bodyPr>
+          <a:bodyPr/>
           <a:lstStyle/>
           <a:p>
             <a:r>
-              <a:rPr lang="en-US" dirty="0">
-                <a:solidFill>
-                  <a:srgbClr val="9A9A9A"/>
-                </a:solidFill>
-                <a:highlight>
-                  <a:srgbClr val="FFFFFF"/>
-                </a:highlight>
-                <a:latin typeface="Courier"/>
-              </a:rPr>
-              <a:t>/* Grouping - </a:t>
-            </a:r>
-            <a:r>
-              <a:rPr lang="en-US" dirty="0" err="1">
-                <a:solidFill>
-                  <a:srgbClr val="9A9A9A"/>
-                </a:solidFill>
-                <a:highlight>
-                  <a:srgbClr val="FFFFFF"/>
-                </a:highlight>
-                <a:latin typeface="Courier"/>
-              </a:rPr>
-              <a:t>flere</a:t>
-            </a:r>
-            <a:r>
-              <a:rPr lang="en-US" dirty="0">
-                <a:solidFill>
-                  <a:srgbClr val="9A9A9A"/>
-                </a:solidFill>
-                <a:highlight>
-                  <a:srgbClr val="FFFFFF"/>
-                </a:highlight>
-                <a:latin typeface="Courier"/>
-              </a:rPr>
+              <a:rPr lang="en-US" dirty="0" err="1" smtClean="0"/>
+              <a:t>Alle</a:t>
+            </a:r>
+            <a:r>
+              <a:rPr lang="en-US" dirty="0" smtClean="0"/>
+              <a:t> HTML-</a:t>
+            </a:r>
+            <a:r>
+              <a:rPr lang="en-US" dirty="0" err="1" smtClean="0"/>
+              <a:t>elementer</a:t>
+            </a:r>
+            <a:r>
+              <a:rPr lang="en-US" dirty="0" smtClean="0"/>
               <a:t> </a:t>
             </a:r>
             <a:r>
-              <a:rPr lang="en-US" dirty="0" err="1">
-                <a:solidFill>
-                  <a:srgbClr val="9A9A9A"/>
-                </a:solidFill>
-                <a:highlight>
-                  <a:srgbClr val="FFFFFF"/>
-                </a:highlight>
-                <a:latin typeface="Courier"/>
-              </a:rPr>
-              <a:t>selektorer</a:t>
-            </a:r>
-            <a:r>
-              <a:rPr lang="en-US" dirty="0">
-                <a:solidFill>
-                  <a:srgbClr val="9A9A9A"/>
-                </a:solidFill>
-                <a:highlight>
-                  <a:srgbClr val="FFFFFF"/>
-                </a:highlight>
-                <a:latin typeface="Courier"/>
-              </a:rPr>
-              <a:t>, </a:t>
-            </a:r>
-            <a:r>
-              <a:rPr lang="en-US" dirty="0" err="1">
-                <a:solidFill>
-                  <a:srgbClr val="9A9A9A"/>
-                </a:solidFill>
-                <a:highlight>
-                  <a:srgbClr val="FFFFFF"/>
-                </a:highlight>
-                <a:latin typeface="Courier"/>
-              </a:rPr>
-              <a:t>samme</a:t>
-            </a:r>
-            <a:r>
-              <a:rPr lang="en-US" dirty="0">
-                <a:solidFill>
-                  <a:srgbClr val="9A9A9A"/>
-                </a:solidFill>
-                <a:highlight>
-                  <a:srgbClr val="FFFFFF"/>
-                </a:highlight>
-                <a:latin typeface="Courier"/>
-              </a:rPr>
+              <a:rPr lang="en-US" dirty="0" err="1" smtClean="0"/>
+              <a:t>kan</a:t>
+            </a:r>
+            <a:r>
+              <a:rPr lang="en-US" dirty="0" smtClean="0"/>
               <a:t> </a:t>
             </a:r>
             <a:r>
-              <a:rPr lang="en-US" dirty="0" err="1">
-                <a:solidFill>
-                  <a:srgbClr val="9A9A9A"/>
-                </a:solidFill>
-                <a:highlight>
-                  <a:srgbClr val="FFFFFF"/>
-                </a:highlight>
-                <a:latin typeface="Courier"/>
-              </a:rPr>
-              <a:t>stil</a:t>
-            </a:r>
-            <a:r>
-              <a:rPr lang="en-US" dirty="0">
-                <a:solidFill>
-                  <a:srgbClr val="9A9A9A"/>
-                </a:solidFill>
-                <a:highlight>
-                  <a:srgbClr val="FFFFFF"/>
-                </a:highlight>
-                <a:latin typeface="Courier"/>
-              </a:rPr>
-              <a:t>. </a:t>
-            </a:r>
-          </a:p>
-          <a:p>
-            <a:r>
-              <a:rPr lang="en-US" dirty="0">
-                <a:solidFill>
-                  <a:srgbClr val="9A9A9A"/>
-                </a:solidFill>
-                <a:highlight>
-                  <a:srgbClr val="FFFFFF"/>
-                </a:highlight>
-                <a:latin typeface="Courier"/>
-              </a:rPr>
-              <a:t> * </a:t>
-            </a:r>
-            <a:r>
-              <a:rPr lang="en-US" dirty="0" err="1">
-                <a:solidFill>
-                  <a:srgbClr val="9A9A9A"/>
-                </a:solidFill>
-                <a:highlight>
-                  <a:srgbClr val="FFFFFF"/>
-                </a:highlight>
-                <a:latin typeface="Courier"/>
-              </a:rPr>
-              <a:t>Litt</a:t>
-            </a:r>
-            <a:r>
-              <a:rPr lang="en-US" dirty="0">
-                <a:solidFill>
-                  <a:srgbClr val="9A9A9A"/>
-                </a:solidFill>
-                <a:highlight>
-                  <a:srgbClr val="FFFFFF"/>
-                </a:highlight>
-                <a:latin typeface="Courier"/>
-              </a:rPr>
+              <a:rPr lang="en-US" dirty="0" err="1" smtClean="0"/>
+              <a:t>brukes</a:t>
+            </a:r>
+            <a:r>
+              <a:rPr lang="en-US" dirty="0" smtClean="0"/>
               <a:t> </a:t>
             </a:r>
             <a:r>
-              <a:rPr lang="en-US" dirty="0" err="1">
-                <a:solidFill>
-                  <a:srgbClr val="9A9A9A"/>
-                </a:solidFill>
-                <a:highlight>
-                  <a:srgbClr val="FFFFFF"/>
-                </a:highlight>
-                <a:latin typeface="Courier"/>
-              </a:rPr>
-              <a:t>mindre</a:t>
-            </a:r>
-            <a:r>
-              <a:rPr lang="en-US" dirty="0">
-                <a:solidFill>
-                  <a:srgbClr val="9A9A9A"/>
-                </a:solidFill>
-                <a:highlight>
-                  <a:srgbClr val="FFFFFF"/>
-                </a:highlight>
-                <a:latin typeface="Courier"/>
-              </a:rPr>
+              <a:rPr lang="en-US" dirty="0" err="1" smtClean="0"/>
+              <a:t>som</a:t>
+            </a:r>
+            <a:r>
+              <a:rPr lang="en-US" dirty="0" smtClean="0"/>
+              <a:t> selector</a:t>
+            </a:r>
+          </a:p>
+          <a:p>
+            <a:pPr lvl="1"/>
+            <a:r>
+              <a:rPr lang="en-US" dirty="0" err="1" smtClean="0"/>
+              <a:t>Eks</a:t>
+            </a:r>
+            <a:r>
+              <a:rPr lang="en-US" dirty="0" smtClean="0"/>
+              <a:t>: &lt;p&gt; &lt;footer&gt; &lt;div&gt;</a:t>
+            </a:r>
+          </a:p>
+          <a:p>
+            <a:r>
+              <a:rPr lang="en-US" dirty="0" err="1" smtClean="0"/>
+              <a:t>Elementer</a:t>
+            </a:r>
+            <a:r>
+              <a:rPr lang="en-US" dirty="0" smtClean="0"/>
               <a:t> </a:t>
             </a:r>
             <a:r>
-              <a:rPr lang="en-US" dirty="0" err="1">
-                <a:solidFill>
-                  <a:srgbClr val="9A9A9A"/>
-                </a:solidFill>
-                <a:highlight>
-                  <a:srgbClr val="FFFFFF"/>
-                </a:highlight>
-                <a:latin typeface="Courier"/>
-              </a:rPr>
-              <a:t>kode</a:t>
-            </a:r>
-            <a:r>
-              <a:rPr lang="en-US" dirty="0">
-                <a:solidFill>
-                  <a:srgbClr val="9A9A9A"/>
-                </a:solidFill>
-                <a:highlight>
-                  <a:srgbClr val="FFFFFF"/>
-                </a:highlight>
-                <a:latin typeface="Courier"/>
-              </a:rPr>
-              <a:t> */</a:t>
-            </a:r>
-          </a:p>
-          <a:p>
-            <a:r>
-              <a:rPr lang="en-US" dirty="0">
-                <a:solidFill>
-                  <a:srgbClr val="DA29FF"/>
-                </a:solidFill>
-                <a:highlight>
-                  <a:srgbClr val="FFFFFF"/>
-                </a:highlight>
-                <a:latin typeface="Courier"/>
-              </a:rPr>
-              <a:t>h1</a:t>
-            </a:r>
-            <a:r>
-              <a:rPr lang="en-US" b="1" dirty="0">
-                <a:solidFill>
-                  <a:srgbClr val="DA29FF"/>
-                </a:solidFill>
-                <a:highlight>
-                  <a:srgbClr val="FFFFFF"/>
-                </a:highlight>
-                <a:latin typeface="Courier"/>
-              </a:rPr>
-              <a:t>, h2, h3{</a:t>
-            </a:r>
-          </a:p>
-          <a:p>
-            <a:r>
-              <a:rPr lang="cs-CZ" dirty="0">
-                <a:solidFill>
-                  <a:srgbClr val="DA29FF"/>
-                </a:solidFill>
-                <a:highlight>
-                  <a:srgbClr val="FFFFFF"/>
-                </a:highlight>
-                <a:latin typeface="Courier"/>
-              </a:rPr>
-              <a:t>    </a:t>
-            </a:r>
-            <a:r>
-              <a:rPr lang="cs-CZ" dirty="0" err="1">
-                <a:solidFill>
-                  <a:srgbClr val="05208C"/>
-                </a:solidFill>
-                <a:highlight>
-                  <a:srgbClr val="FFFFFF"/>
-                </a:highlight>
-                <a:latin typeface="Courier"/>
-              </a:rPr>
-              <a:t>color</a:t>
-            </a:r>
-            <a:r>
-              <a:rPr lang="cs-CZ" b="1" dirty="0">
-                <a:solidFill>
-                  <a:srgbClr val="DA29FF"/>
-                </a:solidFill>
-                <a:highlight>
-                  <a:srgbClr val="FFFFFF"/>
-                </a:highlight>
-                <a:latin typeface="Courier"/>
-              </a:rPr>
-              <a:t>: </a:t>
-            </a:r>
-            <a:r>
-              <a:rPr lang="cs-CZ" b="1" dirty="0">
-                <a:solidFill>
-                  <a:srgbClr val="0035FF"/>
-                </a:solidFill>
-                <a:highlight>
-                  <a:srgbClr val="FFFFFF"/>
-                </a:highlight>
-                <a:latin typeface="Courier"/>
-              </a:rPr>
-              <a:t>#446181</a:t>
-            </a:r>
-            <a:r>
-              <a:rPr lang="cs-CZ" b="1" dirty="0">
-                <a:solidFill>
-                  <a:srgbClr val="DA29FF"/>
-                </a:solidFill>
-                <a:highlight>
-                  <a:srgbClr val="FFFFFF"/>
-                </a:highlight>
-                <a:latin typeface="Courier"/>
-              </a:rPr>
-              <a:t>;</a:t>
-            </a:r>
-          </a:p>
-          <a:p>
-            <a:r>
-              <a:rPr lang="en-US" dirty="0">
-                <a:solidFill>
-                  <a:srgbClr val="DA29FF"/>
-                </a:solidFill>
-                <a:highlight>
-                  <a:srgbClr val="FFFFFF"/>
-                </a:highlight>
-                <a:latin typeface="Courier"/>
-              </a:rPr>
-              <a:t>    </a:t>
-            </a:r>
-            <a:r>
-              <a:rPr lang="en-US" dirty="0">
-                <a:solidFill>
-                  <a:srgbClr val="05208C"/>
-                </a:solidFill>
-                <a:highlight>
-                  <a:srgbClr val="FFFFFF"/>
-                </a:highlight>
-                <a:latin typeface="Courier"/>
-              </a:rPr>
-              <a:t>line-height</a:t>
-            </a:r>
-            <a:r>
-              <a:rPr lang="en-US" b="1" dirty="0">
-                <a:solidFill>
-                  <a:srgbClr val="DA29FF"/>
-                </a:solidFill>
-                <a:highlight>
-                  <a:srgbClr val="FFFFFF"/>
-                </a:highlight>
-                <a:latin typeface="Courier"/>
-              </a:rPr>
-              <a:t>: </a:t>
-            </a:r>
-            <a:r>
-              <a:rPr lang="en-US" b="1" dirty="0">
-                <a:solidFill>
-                  <a:srgbClr val="0035FF"/>
-                </a:solidFill>
-                <a:highlight>
-                  <a:srgbClr val="FFFFFF"/>
-                </a:highlight>
-                <a:latin typeface="Courier"/>
-              </a:rPr>
-              <a:t>2.500em</a:t>
-            </a:r>
-            <a:r>
-              <a:rPr lang="en-US" b="1" dirty="0">
-                <a:solidFill>
-                  <a:srgbClr val="DA29FF"/>
-                </a:solidFill>
-                <a:highlight>
-                  <a:srgbClr val="FFFFFF"/>
-                </a:highlight>
-                <a:latin typeface="Courier"/>
-              </a:rPr>
-              <a:t>;</a:t>
-            </a:r>
-          </a:p>
-          <a:p>
-            <a:r>
-              <a:rPr lang="pt-BR" dirty="0">
-                <a:solidFill>
-                  <a:srgbClr val="DA29FF"/>
-                </a:solidFill>
-                <a:highlight>
-                  <a:srgbClr val="FFFFFF"/>
-                </a:highlight>
-                <a:latin typeface="Courier"/>
-              </a:rPr>
-              <a:t>    </a:t>
-            </a:r>
-            <a:r>
-              <a:rPr lang="pt-BR" dirty="0" err="1">
-                <a:solidFill>
-                  <a:srgbClr val="05208C"/>
-                </a:solidFill>
-                <a:highlight>
-                  <a:srgbClr val="FFFFFF"/>
-                </a:highlight>
-                <a:latin typeface="Courier"/>
-              </a:rPr>
-              <a:t>margin</a:t>
-            </a:r>
-            <a:r>
-              <a:rPr lang="pt-BR" b="1" dirty="0">
-                <a:solidFill>
-                  <a:srgbClr val="DA29FF"/>
-                </a:solidFill>
-                <a:highlight>
-                  <a:srgbClr val="FFFFFF"/>
-                </a:highlight>
-                <a:latin typeface="Courier"/>
-              </a:rPr>
-              <a:t>: </a:t>
-            </a:r>
-            <a:r>
-              <a:rPr lang="pt-BR" b="1" dirty="0">
-                <a:solidFill>
-                  <a:srgbClr val="0035FF"/>
-                </a:solidFill>
-                <a:highlight>
-                  <a:srgbClr val="FFFFFF"/>
-                </a:highlight>
-                <a:latin typeface="Courier"/>
-              </a:rPr>
-              <a:t>0.625em</a:t>
-            </a:r>
-            <a:r>
-              <a:rPr lang="pt-BR" b="1" dirty="0">
-                <a:solidFill>
-                  <a:srgbClr val="DA29FF"/>
-                </a:solidFill>
-                <a:highlight>
-                  <a:srgbClr val="FFFFFF"/>
-                </a:highlight>
-                <a:latin typeface="Courier"/>
-              </a:rPr>
+              <a:rPr lang="en-US" dirty="0" err="1" smtClean="0"/>
+              <a:t>kan</a:t>
+            </a:r>
+            <a:r>
+              <a:rPr lang="en-US" dirty="0" smtClean="0"/>
               <a:t> </a:t>
             </a:r>
             <a:r>
-              <a:rPr lang="pt-BR" b="1" dirty="0">
-                <a:solidFill>
-                  <a:srgbClr val="0035FF"/>
-                </a:solidFill>
-                <a:highlight>
-                  <a:srgbClr val="FFFFFF"/>
-                </a:highlight>
-                <a:latin typeface="Courier"/>
-              </a:rPr>
-              <a:t>0.125em</a:t>
-            </a:r>
-            <a:r>
-              <a:rPr lang="pt-BR" b="1" dirty="0">
-                <a:solidFill>
-                  <a:srgbClr val="DA29FF"/>
-                </a:solidFill>
-                <a:highlight>
-                  <a:srgbClr val="FFFFFF"/>
-                </a:highlight>
-                <a:latin typeface="Courier"/>
-              </a:rPr>
-              <a:t>;</a:t>
-            </a:r>
-          </a:p>
-          <a:p>
-            <a:r>
-              <a:rPr lang="pt-BR" dirty="0">
-                <a:solidFill>
-                  <a:srgbClr val="DA29FF"/>
-                </a:solidFill>
-                <a:highlight>
-                  <a:srgbClr val="FFFFFF"/>
-                </a:highlight>
-                <a:latin typeface="Courier"/>
-              </a:rPr>
-              <a:t>}</a:t>
+              <a:rPr lang="en-US" dirty="0" err="1" smtClean="0"/>
+              <a:t>markeres</a:t>
+            </a:r>
+            <a:r>
+              <a:rPr lang="en-US" dirty="0" smtClean="0"/>
+              <a:t> med </a:t>
+            </a:r>
+            <a:r>
+              <a:rPr lang="en-US" i="1" dirty="0" smtClean="0"/>
+              <a:t>class</a:t>
+            </a:r>
+            <a:r>
+              <a:rPr lang="en-US" dirty="0" smtClean="0"/>
+              <a:t> </a:t>
+            </a:r>
+            <a:r>
+              <a:rPr lang="en-US" dirty="0" err="1" smtClean="0"/>
+              <a:t>og</a:t>
+            </a:r>
+            <a:r>
+              <a:rPr lang="en-US" dirty="0"/>
+              <a:t>/</a:t>
+            </a:r>
+            <a:r>
+              <a:rPr lang="en-US" dirty="0" err="1" smtClean="0"/>
+              <a:t>eller</a:t>
+            </a:r>
+            <a:r>
+              <a:rPr lang="en-US" dirty="0" smtClean="0"/>
+              <a:t> </a:t>
+            </a:r>
+            <a:r>
+              <a:rPr lang="en-US" i="1" dirty="0" smtClean="0"/>
+              <a:t>id</a:t>
+            </a:r>
+          </a:p>
+          <a:p>
+            <a:r>
+              <a:rPr lang="en-US" dirty="0" err="1" smtClean="0"/>
+              <a:t>selectoren</a:t>
+            </a:r>
+            <a:r>
+              <a:rPr lang="en-US" dirty="0" smtClean="0"/>
+              <a:t> </a:t>
+            </a:r>
+            <a:r>
+              <a:rPr lang="en-US" sz="4000" b="1" dirty="0" smtClean="0">
+                <a:effectLst>
+                  <a:outerShdw blurRad="50800" dist="38100" dir="2700000" algn="tl" rotWithShape="0">
+                    <a:prstClr val="black">
+                      <a:alpha val="40000"/>
+                    </a:prstClr>
+                  </a:outerShdw>
+                </a:effectLst>
+              </a:rPr>
+              <a:t>*</a:t>
+            </a:r>
+            <a:r>
+              <a:rPr lang="en-US" dirty="0" smtClean="0"/>
+              <a:t> </a:t>
+            </a:r>
+            <a:r>
+              <a:rPr lang="en-US" dirty="0" err="1" smtClean="0"/>
+              <a:t>gjelder</a:t>
+            </a:r>
+            <a:r>
+              <a:rPr lang="en-US" dirty="0" smtClean="0"/>
+              <a:t> for </a:t>
+            </a:r>
+            <a:r>
+              <a:rPr lang="en-US" i="1" dirty="0" err="1" smtClean="0"/>
+              <a:t>alle</a:t>
+            </a:r>
+            <a:r>
+              <a:rPr lang="en-US" dirty="0" smtClean="0"/>
+              <a:t> </a:t>
+            </a:r>
+            <a:r>
+              <a:rPr lang="en-US" dirty="0" err="1" smtClean="0"/>
+              <a:t>elementer</a:t>
             </a:r>
             <a:endParaRPr lang="en-US" dirty="0"/>
           </a:p>
@@ -5106,13 +5057,20 @@
     </p:spTree>
     <p:extLst>
       <p:ext uri="{BB962C8B-B14F-4D97-AF65-F5344CB8AC3E}">
-        <p14:creationId xmlns:p14="http://schemas.microsoft.com/office/powerpoint/2010/main" val="1443335134"/>
+        <p14:creationId xmlns:p14="http://schemas.microsoft.com/office/powerpoint/2010/main" val="1895812246"/>
       </p:ext>
     </p:extLst>
   </p:cSld>
   <p:clrMapOvr>
     <a:masterClrMapping/>
   </p:clrMapOvr>
+  <p:timing>
+    <p:tnLst>
+      <p:par>
+        <p:cTn xmlns:p14="http://schemas.microsoft.com/office/powerpoint/2010/main" id="1" dur="indefinite" restart="never" nodeType="tmRoot"/>
+      </p:par>
+    </p:tnLst>
+  </p:timing>
 </p:sld>
 </file>
 
@@ -5149,8 +5107,8 @@
           <a:lstStyle/>
           <a:p>
             <a:r>
-              <a:rPr lang="en-US" dirty="0" smtClean="0"/>
-              <a:t>Nesting</a:t>
+              <a:rPr lang="en-US" dirty="0" err="1" smtClean="0"/>
+              <a:t>Eksempler</a:t>
             </a:r>
             <a:endParaRPr lang="en-US" dirty="0"/>
           </a:p>
@@ -5168,23 +5126,86 @@
         </p:nvSpPr>
         <p:spPr/>
         <p:txBody>
-          <a:bodyPr/>
+          <a:bodyPr>
+            <a:normAutofit fontScale="92500" lnSpcReduction="10000"/>
+          </a:bodyPr>
           <a:lstStyle/>
           <a:p>
-            <a:endParaRPr lang="en-US"/>
+            <a:r>
+              <a:rPr lang="en-US" dirty="0" smtClean="0"/>
+              <a:t>body</a:t>
+            </a:r>
+          </a:p>
+          <a:p>
+            <a:r>
+              <a:rPr lang="en-US" dirty="0" smtClean="0"/>
+              <a:t>div</a:t>
+            </a:r>
+          </a:p>
+          <a:p>
+            <a:r>
+              <a:rPr lang="en-US" dirty="0" smtClean="0"/>
+              <a:t>h1 </a:t>
+            </a:r>
+            <a:r>
+              <a:rPr lang="en-US" dirty="0" err="1" smtClean="0"/>
+              <a:t>osv</a:t>
+            </a:r>
+            <a:r>
+              <a:rPr lang="en-US" dirty="0" smtClean="0"/>
+              <a:t> </a:t>
+            </a:r>
+          </a:p>
+          <a:p>
+            <a:r>
+              <a:rPr lang="en-US" dirty="0" smtClean="0"/>
+              <a:t>section</a:t>
+            </a:r>
+          </a:p>
+          <a:p>
+            <a:r>
+              <a:rPr lang="en-US" dirty="0" err="1" smtClean="0"/>
+              <a:t>nav</a:t>
+            </a:r>
+            <a:r>
+              <a:rPr lang="en-US" dirty="0" smtClean="0"/>
+              <a:t> </a:t>
+            </a:r>
+          </a:p>
+          <a:p>
+            <a:r>
+              <a:rPr lang="en-US" dirty="0" smtClean="0"/>
+              <a:t>header</a:t>
+            </a:r>
+          </a:p>
+          <a:p>
+            <a:r>
+              <a:rPr lang="en-US" dirty="0" smtClean="0"/>
+              <a:t>aside</a:t>
+            </a:r>
+          </a:p>
+          <a:p>
+            <a:endParaRPr lang="en-US" dirty="0"/>
           </a:p>
         </p:txBody>
       </p:sp>
     </p:spTree>
     <p:extLst>
       <p:ext uri="{BB962C8B-B14F-4D97-AF65-F5344CB8AC3E}">
-        <p14:creationId xmlns:p14="http://schemas.microsoft.com/office/powerpoint/2010/main" val="2184467542"/>
+        <p14:creationId xmlns:p14="http://schemas.microsoft.com/office/powerpoint/2010/main" val="2327314117"/>
       </p:ext>
     </p:extLst>
   </p:cSld>
   <p:clrMapOvr>
     <a:masterClrMapping/>
   </p:clrMapOvr>
+  <p:timing>
+    <p:tnLst>
+      <p:par>
+        <p:cTn xmlns:p14="http://schemas.microsoft.com/office/powerpoint/2010/main" id="1" dur="indefinite" restart="never" nodeType="tmRoot"/>
+      </p:par>
+    </p:tnLst>
+  </p:timing>
 </p:sld>
 </file>
 
@@ -5221,6 +5242,2152 @@
           <a:lstStyle/>
           <a:p>
             <a:r>
+              <a:rPr lang="en-US" dirty="0" smtClean="0"/>
+              <a:t>CSS3 selectors</a:t>
+            </a:r>
+            <a:endParaRPr lang="en-US" dirty="0"/>
+          </a:p>
+        </p:txBody>
+      </p:sp>
+      <p:sp>
+        <p:nvSpPr>
+          <p:cNvPr id="4" name="Rectangle 3"/>
+          <p:cNvSpPr/>
+          <p:nvPr/>
+        </p:nvSpPr>
+        <p:spPr>
+          <a:xfrm>
+            <a:off x="457200" y="1063229"/>
+            <a:ext cx="8314925" cy="3877985"/>
+          </a:xfrm>
+          <a:prstGeom prst="rect">
+            <a:avLst/>
+          </a:prstGeom>
+        </p:spPr>
+        <p:txBody>
+          <a:bodyPr wrap="square">
+            <a:spAutoFit/>
+          </a:bodyPr>
+          <a:lstStyle/>
+          <a:p>
+            <a:r>
+              <a:rPr lang="en-US" sz="1200" dirty="0">
+                <a:solidFill>
+                  <a:srgbClr val="9A9A9A"/>
+                </a:solidFill>
+                <a:highlight>
+                  <a:srgbClr val="FFFFFF"/>
+                </a:highlight>
+                <a:latin typeface="Courier"/>
+              </a:rPr>
+              <a:t>/*</a:t>
+            </a:r>
+            <a:r>
+              <a:rPr lang="en-US" sz="1200" dirty="0" err="1">
+                <a:solidFill>
+                  <a:srgbClr val="9A9A9A"/>
+                </a:solidFill>
+                <a:highlight>
+                  <a:srgbClr val="FFFFFF"/>
+                </a:highlight>
+                <a:latin typeface="Courier"/>
+              </a:rPr>
+              <a:t>Velger</a:t>
+            </a:r>
+            <a:r>
+              <a:rPr lang="en-US" sz="1200" dirty="0">
+                <a:solidFill>
+                  <a:srgbClr val="9A9A9A"/>
+                </a:solidFill>
+                <a:highlight>
+                  <a:srgbClr val="FFFFFF"/>
+                </a:highlight>
+                <a:latin typeface="Courier"/>
+              </a:rPr>
+              <a:t> </a:t>
+            </a:r>
+            <a:r>
+              <a:rPr lang="en-US" sz="1200" dirty="0" err="1">
+                <a:solidFill>
+                  <a:srgbClr val="9A9A9A"/>
+                </a:solidFill>
+                <a:highlight>
+                  <a:srgbClr val="FFFFFF"/>
+                </a:highlight>
+                <a:latin typeface="Courier"/>
+              </a:rPr>
+              <a:t>alle</a:t>
+            </a:r>
+            <a:r>
+              <a:rPr lang="en-US" sz="1200" dirty="0">
+                <a:solidFill>
+                  <a:srgbClr val="9A9A9A"/>
+                </a:solidFill>
+                <a:highlight>
+                  <a:srgbClr val="FFFFFF"/>
+                </a:highlight>
+                <a:latin typeface="Courier"/>
+              </a:rPr>
+              <a:t> </a:t>
+            </a:r>
+            <a:r>
+              <a:rPr lang="en-US" sz="1200" dirty="0" err="1">
+                <a:solidFill>
+                  <a:srgbClr val="9A9A9A"/>
+                </a:solidFill>
+                <a:highlight>
+                  <a:srgbClr val="FFFFFF"/>
+                </a:highlight>
+                <a:latin typeface="Courier"/>
+              </a:rPr>
+              <a:t>img-elementer</a:t>
+            </a:r>
+            <a:r>
+              <a:rPr lang="en-US" sz="1200" dirty="0">
+                <a:solidFill>
+                  <a:srgbClr val="9A9A9A"/>
+                </a:solidFill>
+                <a:highlight>
+                  <a:srgbClr val="FFFFFF"/>
+                </a:highlight>
+                <a:latin typeface="Courier"/>
+              </a:rPr>
+              <a:t> </a:t>
+            </a:r>
+            <a:r>
+              <a:rPr lang="en-US" sz="1200" dirty="0" err="1">
+                <a:solidFill>
+                  <a:srgbClr val="9A9A9A"/>
+                </a:solidFill>
+                <a:highlight>
+                  <a:srgbClr val="FFFFFF"/>
+                </a:highlight>
+                <a:latin typeface="Courier"/>
+              </a:rPr>
+              <a:t>på</a:t>
+            </a:r>
+            <a:r>
+              <a:rPr lang="en-US" sz="1200" dirty="0">
+                <a:solidFill>
+                  <a:srgbClr val="9A9A9A"/>
+                </a:solidFill>
+                <a:highlight>
+                  <a:srgbClr val="FFFFFF"/>
+                </a:highlight>
+                <a:latin typeface="Courier"/>
+              </a:rPr>
+              <a:t> </a:t>
+            </a:r>
+            <a:r>
+              <a:rPr lang="en-US" sz="1200" dirty="0" err="1">
+                <a:solidFill>
+                  <a:srgbClr val="9A9A9A"/>
+                </a:solidFill>
+                <a:highlight>
+                  <a:srgbClr val="FFFFFF"/>
+                </a:highlight>
+                <a:latin typeface="Courier"/>
+              </a:rPr>
+              <a:t>siden</a:t>
+            </a:r>
+            <a:r>
+              <a:rPr lang="en-US" sz="1200" dirty="0">
+                <a:solidFill>
+                  <a:srgbClr val="9A9A9A"/>
+                </a:solidFill>
+                <a:highlight>
+                  <a:srgbClr val="FFFFFF"/>
+                </a:highlight>
+                <a:latin typeface="Courier"/>
+              </a:rPr>
+              <a:t> </a:t>
+            </a:r>
+            <a:r>
+              <a:rPr lang="en-US" sz="1200" dirty="0" err="1">
+                <a:solidFill>
+                  <a:srgbClr val="9A9A9A"/>
+                </a:solidFill>
+                <a:highlight>
+                  <a:srgbClr val="FFFFFF"/>
+                </a:highlight>
+                <a:latin typeface="Courier"/>
+              </a:rPr>
+              <a:t>hvis</a:t>
+            </a:r>
+            <a:r>
+              <a:rPr lang="en-US" sz="1200" dirty="0">
+                <a:solidFill>
+                  <a:srgbClr val="9A9A9A"/>
+                </a:solidFill>
+                <a:highlight>
+                  <a:srgbClr val="FFFFFF"/>
+                </a:highlight>
+                <a:latin typeface="Courier"/>
+              </a:rPr>
+              <a:t> </a:t>
+            </a:r>
+            <a:r>
+              <a:rPr lang="en-US" sz="1200" dirty="0" err="1">
+                <a:solidFill>
+                  <a:srgbClr val="9A9A9A"/>
+                </a:solidFill>
+                <a:highlight>
+                  <a:srgbClr val="FFFFFF"/>
+                </a:highlight>
+                <a:latin typeface="Courier"/>
+              </a:rPr>
+              <a:t>src-atributt</a:t>
+            </a:r>
+            <a:r>
+              <a:rPr lang="en-US" sz="1200" dirty="0">
+                <a:solidFill>
+                  <a:srgbClr val="9A9A9A"/>
+                </a:solidFill>
+                <a:highlight>
+                  <a:srgbClr val="FFFFFF"/>
+                </a:highlight>
+                <a:latin typeface="Courier"/>
+              </a:rPr>
+              <a:t> starter med "images"*/</a:t>
+            </a:r>
+          </a:p>
+          <a:p>
+            <a:r>
+              <a:rPr lang="en-US" dirty="0" err="1">
+                <a:solidFill>
+                  <a:srgbClr val="DA29FF"/>
+                </a:solidFill>
+                <a:highlight>
+                  <a:srgbClr val="FFFFFF"/>
+                </a:highlight>
+                <a:latin typeface="Courier"/>
+              </a:rPr>
+              <a:t>img</a:t>
+            </a:r>
+            <a:r>
+              <a:rPr lang="en-US" dirty="0">
+                <a:solidFill>
+                  <a:srgbClr val="DA29FF"/>
+                </a:solidFill>
+                <a:highlight>
+                  <a:srgbClr val="FFFFFF"/>
+                </a:highlight>
+                <a:latin typeface="Courier"/>
+              </a:rPr>
+              <a:t>[</a:t>
+            </a:r>
+            <a:r>
+              <a:rPr lang="en-US" dirty="0" err="1">
+                <a:solidFill>
+                  <a:srgbClr val="05208C"/>
+                </a:solidFill>
+                <a:highlight>
+                  <a:srgbClr val="FFFFFF"/>
+                </a:highlight>
+                <a:latin typeface="Courier"/>
+              </a:rPr>
+              <a:t>src</a:t>
+            </a:r>
+            <a:r>
+              <a:rPr lang="en-US" dirty="0">
+                <a:solidFill>
+                  <a:srgbClr val="DA29FF"/>
+                </a:solidFill>
+                <a:highlight>
+                  <a:srgbClr val="FFFFFF"/>
+                </a:highlight>
+                <a:latin typeface="Courier"/>
+              </a:rPr>
+              <a:t>^=</a:t>
+            </a:r>
+            <a:r>
+              <a:rPr lang="en-US" dirty="0">
+                <a:solidFill>
+                  <a:srgbClr val="106800"/>
+                </a:solidFill>
+                <a:highlight>
+                  <a:srgbClr val="FFFFFF"/>
+                </a:highlight>
+                <a:latin typeface="Courier"/>
+              </a:rPr>
+              <a:t>"images"</a:t>
+            </a:r>
+            <a:r>
+              <a:rPr lang="en-US" dirty="0">
+                <a:solidFill>
+                  <a:srgbClr val="DA29FF"/>
+                </a:solidFill>
+                <a:highlight>
+                  <a:srgbClr val="FFFFFF"/>
+                </a:highlight>
+                <a:latin typeface="Courier"/>
+              </a:rPr>
+              <a:t>]{</a:t>
+            </a:r>
+          </a:p>
+          <a:p>
+            <a:r>
+              <a:rPr lang="en-US" dirty="0">
+                <a:solidFill>
+                  <a:srgbClr val="DA29FF"/>
+                </a:solidFill>
+                <a:highlight>
+                  <a:srgbClr val="FFFFFF"/>
+                </a:highlight>
+                <a:latin typeface="Courier"/>
+              </a:rPr>
+              <a:t>	</a:t>
+            </a:r>
+            <a:r>
+              <a:rPr lang="en-US" dirty="0">
+                <a:solidFill>
+                  <a:srgbClr val="05208C"/>
+                </a:solidFill>
+                <a:highlight>
+                  <a:srgbClr val="FFFFFF"/>
+                </a:highlight>
+                <a:latin typeface="Courier"/>
+              </a:rPr>
+              <a:t>border</a:t>
+            </a:r>
+            <a:r>
+              <a:rPr lang="en-US" b="1" dirty="0">
+                <a:solidFill>
+                  <a:srgbClr val="DA29FF"/>
+                </a:solidFill>
+                <a:highlight>
+                  <a:srgbClr val="FFFFFF"/>
+                </a:highlight>
+                <a:latin typeface="Courier"/>
+              </a:rPr>
+              <a:t>: </a:t>
+            </a:r>
+            <a:r>
+              <a:rPr lang="en-US" b="1" dirty="0">
+                <a:solidFill>
+                  <a:srgbClr val="0035FF"/>
+                </a:solidFill>
+                <a:highlight>
+                  <a:srgbClr val="FFFFFF"/>
+                </a:highlight>
+                <a:latin typeface="Courier"/>
+              </a:rPr>
+              <a:t>5px</a:t>
+            </a:r>
+            <a:r>
+              <a:rPr lang="en-US" b="1" dirty="0">
+                <a:solidFill>
+                  <a:srgbClr val="DA29FF"/>
+                </a:solidFill>
+                <a:highlight>
+                  <a:srgbClr val="FFFFFF"/>
+                </a:highlight>
+                <a:latin typeface="Courier"/>
+              </a:rPr>
+              <a:t> </a:t>
+            </a:r>
+            <a:r>
+              <a:rPr lang="en-US" b="1" dirty="0">
+                <a:solidFill>
+                  <a:srgbClr val="0035FF"/>
+                </a:solidFill>
+                <a:highlight>
+                  <a:srgbClr val="FFFFFF"/>
+                </a:highlight>
+                <a:latin typeface="Courier"/>
+              </a:rPr>
+              <a:t>solid</a:t>
+            </a:r>
+            <a:r>
+              <a:rPr lang="en-US" b="1" dirty="0">
+                <a:solidFill>
+                  <a:srgbClr val="DA29FF"/>
+                </a:solidFill>
+                <a:highlight>
+                  <a:srgbClr val="FFFFFF"/>
+                </a:highlight>
+                <a:latin typeface="Courier"/>
+              </a:rPr>
+              <a:t> </a:t>
+            </a:r>
+            <a:r>
+              <a:rPr lang="en-US" b="1" dirty="0">
+                <a:solidFill>
+                  <a:srgbClr val="0035FF"/>
+                </a:solidFill>
+                <a:highlight>
+                  <a:srgbClr val="FFFFFF"/>
+                </a:highlight>
+                <a:latin typeface="Courier"/>
+              </a:rPr>
+              <a:t>orange</a:t>
+            </a:r>
+            <a:r>
+              <a:rPr lang="en-US" b="1" dirty="0">
+                <a:solidFill>
+                  <a:srgbClr val="DA29FF"/>
+                </a:solidFill>
+                <a:highlight>
+                  <a:srgbClr val="FFFFFF"/>
+                </a:highlight>
+                <a:latin typeface="Courier"/>
+              </a:rPr>
+              <a:t>;</a:t>
+            </a:r>
+          </a:p>
+          <a:p>
+            <a:r>
+              <a:rPr lang="en-US" dirty="0">
+                <a:solidFill>
+                  <a:srgbClr val="DA29FF"/>
+                </a:solidFill>
+                <a:highlight>
+                  <a:srgbClr val="FFFFFF"/>
+                </a:highlight>
+                <a:latin typeface="Courier"/>
+              </a:rPr>
+              <a:t>}</a:t>
+            </a:r>
+          </a:p>
+          <a:p>
+            <a:endParaRPr lang="en-US" dirty="0">
+              <a:latin typeface="Courier"/>
+            </a:endParaRPr>
+          </a:p>
+          <a:p>
+            <a:r>
+              <a:rPr lang="en-US" sz="1200" dirty="0">
+                <a:solidFill>
+                  <a:srgbClr val="9A9A9A"/>
+                </a:solidFill>
+                <a:highlight>
+                  <a:srgbClr val="FFFFFF"/>
+                </a:highlight>
+                <a:latin typeface="Courier"/>
+              </a:rPr>
+              <a:t>/*</a:t>
+            </a:r>
+            <a:r>
+              <a:rPr lang="en-US" sz="1200" dirty="0" err="1">
+                <a:solidFill>
+                  <a:srgbClr val="9A9A9A"/>
+                </a:solidFill>
+                <a:highlight>
+                  <a:srgbClr val="FFFFFF"/>
+                </a:highlight>
+                <a:latin typeface="Courier"/>
+              </a:rPr>
+              <a:t>Velger</a:t>
+            </a:r>
+            <a:r>
+              <a:rPr lang="en-US" sz="1200" dirty="0">
+                <a:solidFill>
+                  <a:srgbClr val="9A9A9A"/>
+                </a:solidFill>
+                <a:highlight>
+                  <a:srgbClr val="FFFFFF"/>
+                </a:highlight>
+                <a:latin typeface="Courier"/>
+              </a:rPr>
+              <a:t> </a:t>
+            </a:r>
+            <a:r>
+              <a:rPr lang="en-US" sz="1200" dirty="0" err="1">
+                <a:solidFill>
+                  <a:srgbClr val="9A9A9A"/>
+                </a:solidFill>
+                <a:highlight>
+                  <a:srgbClr val="FFFFFF"/>
+                </a:highlight>
+                <a:latin typeface="Courier"/>
+              </a:rPr>
+              <a:t>alle</a:t>
+            </a:r>
+            <a:r>
+              <a:rPr lang="en-US" sz="1200" dirty="0">
+                <a:solidFill>
+                  <a:srgbClr val="9A9A9A"/>
+                </a:solidFill>
+                <a:highlight>
+                  <a:srgbClr val="FFFFFF"/>
+                </a:highlight>
+                <a:latin typeface="Courier"/>
+              </a:rPr>
+              <a:t> </a:t>
+            </a:r>
+            <a:r>
+              <a:rPr lang="en-US" sz="1200" dirty="0" err="1">
+                <a:solidFill>
+                  <a:srgbClr val="9A9A9A"/>
+                </a:solidFill>
+                <a:highlight>
+                  <a:srgbClr val="FFFFFF"/>
+                </a:highlight>
+                <a:latin typeface="Courier"/>
+              </a:rPr>
+              <a:t>img-elementer</a:t>
+            </a:r>
+            <a:r>
+              <a:rPr lang="en-US" sz="1200" dirty="0">
+                <a:solidFill>
+                  <a:srgbClr val="9A9A9A"/>
+                </a:solidFill>
+                <a:highlight>
+                  <a:srgbClr val="FFFFFF"/>
+                </a:highlight>
+                <a:latin typeface="Courier"/>
+              </a:rPr>
+              <a:t> </a:t>
+            </a:r>
+            <a:r>
+              <a:rPr lang="en-US" sz="1200" dirty="0" err="1">
+                <a:solidFill>
+                  <a:srgbClr val="9A9A9A"/>
+                </a:solidFill>
+                <a:highlight>
+                  <a:srgbClr val="FFFFFF"/>
+                </a:highlight>
+                <a:latin typeface="Courier"/>
+              </a:rPr>
+              <a:t>på</a:t>
+            </a:r>
+            <a:r>
+              <a:rPr lang="en-US" sz="1200" dirty="0">
+                <a:solidFill>
+                  <a:srgbClr val="9A9A9A"/>
+                </a:solidFill>
+                <a:highlight>
+                  <a:srgbClr val="FFFFFF"/>
+                </a:highlight>
+                <a:latin typeface="Courier"/>
+              </a:rPr>
+              <a:t> </a:t>
+            </a:r>
+            <a:r>
+              <a:rPr lang="en-US" sz="1200" dirty="0" err="1">
+                <a:solidFill>
+                  <a:srgbClr val="9A9A9A"/>
+                </a:solidFill>
+                <a:highlight>
+                  <a:srgbClr val="FFFFFF"/>
+                </a:highlight>
+                <a:latin typeface="Courier"/>
+              </a:rPr>
+              <a:t>siden</a:t>
+            </a:r>
+            <a:r>
+              <a:rPr lang="en-US" sz="1200" dirty="0">
+                <a:solidFill>
+                  <a:srgbClr val="9A9A9A"/>
+                </a:solidFill>
+                <a:highlight>
+                  <a:srgbClr val="FFFFFF"/>
+                </a:highlight>
+                <a:latin typeface="Courier"/>
+              </a:rPr>
+              <a:t> </a:t>
+            </a:r>
+            <a:r>
+              <a:rPr lang="en-US" sz="1200" dirty="0" err="1">
+                <a:solidFill>
+                  <a:srgbClr val="9A9A9A"/>
+                </a:solidFill>
+                <a:highlight>
+                  <a:srgbClr val="FFFFFF"/>
+                </a:highlight>
+                <a:latin typeface="Courier"/>
+              </a:rPr>
+              <a:t>hvis</a:t>
+            </a:r>
+            <a:r>
+              <a:rPr lang="en-US" sz="1200" dirty="0">
+                <a:solidFill>
+                  <a:srgbClr val="9A9A9A"/>
+                </a:solidFill>
+                <a:highlight>
+                  <a:srgbClr val="FFFFFF"/>
+                </a:highlight>
+                <a:latin typeface="Courier"/>
+              </a:rPr>
+              <a:t> </a:t>
+            </a:r>
+            <a:r>
+              <a:rPr lang="en-US" sz="1200" dirty="0" err="1">
+                <a:solidFill>
+                  <a:srgbClr val="9A9A9A"/>
+                </a:solidFill>
+                <a:highlight>
+                  <a:srgbClr val="FFFFFF"/>
+                </a:highlight>
+                <a:latin typeface="Courier"/>
+              </a:rPr>
+              <a:t>src-atributt</a:t>
+            </a:r>
+            <a:r>
+              <a:rPr lang="en-US" sz="1200" dirty="0">
+                <a:solidFill>
+                  <a:srgbClr val="9A9A9A"/>
+                </a:solidFill>
+                <a:highlight>
+                  <a:srgbClr val="FFFFFF"/>
+                </a:highlight>
+                <a:latin typeface="Courier"/>
+              </a:rPr>
+              <a:t> </a:t>
+            </a:r>
+            <a:r>
+              <a:rPr lang="en-US" sz="1200" dirty="0" err="1">
+                <a:solidFill>
+                  <a:srgbClr val="9A9A9A"/>
+                </a:solidFill>
+                <a:highlight>
+                  <a:srgbClr val="FFFFFF"/>
+                </a:highlight>
+                <a:latin typeface="Courier"/>
+              </a:rPr>
+              <a:t>inneholder</a:t>
+            </a:r>
+            <a:r>
+              <a:rPr lang="en-US" sz="1200" dirty="0">
+                <a:solidFill>
+                  <a:srgbClr val="9A9A9A"/>
+                </a:solidFill>
+                <a:highlight>
+                  <a:srgbClr val="FFFFFF"/>
+                </a:highlight>
+                <a:latin typeface="Courier"/>
+              </a:rPr>
+              <a:t> en substring </a:t>
+            </a:r>
+            <a:r>
+              <a:rPr lang="en-US" sz="1200" dirty="0" err="1">
+                <a:solidFill>
+                  <a:srgbClr val="9A9A9A"/>
+                </a:solidFill>
+                <a:highlight>
+                  <a:srgbClr val="FFFFFF"/>
+                </a:highlight>
+                <a:latin typeface="Courier"/>
+              </a:rPr>
+              <a:t>av</a:t>
+            </a:r>
+            <a:r>
+              <a:rPr lang="en-US" sz="1200" dirty="0">
+                <a:solidFill>
+                  <a:srgbClr val="9A9A9A"/>
+                </a:solidFill>
+                <a:highlight>
+                  <a:srgbClr val="FFFFFF"/>
+                </a:highlight>
+                <a:latin typeface="Courier"/>
+              </a:rPr>
+              <a:t> "</a:t>
+            </a:r>
+            <a:r>
+              <a:rPr lang="en-US" sz="1200" dirty="0" err="1">
+                <a:solidFill>
+                  <a:srgbClr val="9A9A9A"/>
+                </a:solidFill>
+                <a:highlight>
+                  <a:srgbClr val="FFFFFF"/>
+                </a:highlight>
+                <a:latin typeface="Courier"/>
+              </a:rPr>
+              <a:t>tiguan</a:t>
+            </a:r>
+            <a:r>
+              <a:rPr lang="en-US" sz="1200" dirty="0">
+                <a:solidFill>
+                  <a:srgbClr val="9A9A9A"/>
+                </a:solidFill>
+                <a:highlight>
+                  <a:srgbClr val="FFFFFF"/>
+                </a:highlight>
+                <a:latin typeface="Courier"/>
+              </a:rPr>
+              <a:t>"*/</a:t>
+            </a:r>
+          </a:p>
+          <a:p>
+            <a:r>
+              <a:rPr lang="en-US" dirty="0" err="1">
+                <a:solidFill>
+                  <a:srgbClr val="DA29FF"/>
+                </a:solidFill>
+                <a:highlight>
+                  <a:srgbClr val="FFFFFF"/>
+                </a:highlight>
+                <a:latin typeface="Courier"/>
+              </a:rPr>
+              <a:t>img</a:t>
+            </a:r>
+            <a:r>
+              <a:rPr lang="en-US" dirty="0">
+                <a:solidFill>
+                  <a:srgbClr val="DA29FF"/>
+                </a:solidFill>
+                <a:highlight>
+                  <a:srgbClr val="FFFFFF"/>
+                </a:highlight>
+                <a:latin typeface="Courier"/>
+              </a:rPr>
+              <a:t>[</a:t>
+            </a:r>
+            <a:r>
+              <a:rPr lang="en-US" dirty="0" err="1">
+                <a:solidFill>
+                  <a:srgbClr val="05208C"/>
+                </a:solidFill>
+                <a:highlight>
+                  <a:srgbClr val="FFFFFF"/>
+                </a:highlight>
+                <a:latin typeface="Courier"/>
+              </a:rPr>
+              <a:t>src</a:t>
+            </a:r>
+            <a:r>
+              <a:rPr lang="en-US" u="sng" dirty="0">
+                <a:solidFill>
+                  <a:srgbClr val="DA29FF"/>
+                </a:solidFill>
+                <a:highlight>
+                  <a:srgbClr val="FFFFFF"/>
+                </a:highlight>
+                <a:latin typeface="Courier"/>
+              </a:rPr>
+              <a:t>*=</a:t>
+            </a:r>
+            <a:r>
+              <a:rPr lang="en-US" u="sng" dirty="0">
+                <a:solidFill>
+                  <a:srgbClr val="106800"/>
+                </a:solidFill>
+                <a:highlight>
+                  <a:srgbClr val="FFFFFF"/>
+                </a:highlight>
+                <a:latin typeface="Courier"/>
+              </a:rPr>
+              <a:t>"</a:t>
+            </a:r>
+            <a:r>
+              <a:rPr lang="en-US" u="sng" dirty="0" err="1">
+                <a:solidFill>
+                  <a:srgbClr val="106800"/>
+                </a:solidFill>
+                <a:highlight>
+                  <a:srgbClr val="FFFFFF"/>
+                </a:highlight>
+                <a:latin typeface="Courier"/>
+              </a:rPr>
+              <a:t>tiguan</a:t>
+            </a:r>
+            <a:r>
+              <a:rPr lang="en-US" u="sng" dirty="0">
+                <a:solidFill>
+                  <a:srgbClr val="106800"/>
+                </a:solidFill>
+                <a:highlight>
+                  <a:srgbClr val="FFFFFF"/>
+                </a:highlight>
+                <a:latin typeface="Courier"/>
+              </a:rPr>
+              <a:t>"</a:t>
+            </a:r>
+            <a:r>
+              <a:rPr lang="en-US" u="sng" dirty="0">
+                <a:solidFill>
+                  <a:srgbClr val="DA29FF"/>
+                </a:solidFill>
+                <a:highlight>
+                  <a:srgbClr val="FFFFFF"/>
+                </a:highlight>
+                <a:latin typeface="Courier"/>
+              </a:rPr>
+              <a:t>]{</a:t>
+            </a:r>
+          </a:p>
+          <a:p>
+            <a:r>
+              <a:rPr lang="en-US" dirty="0">
+                <a:solidFill>
+                  <a:srgbClr val="DA29FF"/>
+                </a:solidFill>
+                <a:highlight>
+                  <a:srgbClr val="FFFFFF"/>
+                </a:highlight>
+                <a:latin typeface="Courier"/>
+              </a:rPr>
+              <a:t>    </a:t>
+            </a:r>
+            <a:r>
+              <a:rPr lang="en-US" dirty="0">
+                <a:solidFill>
+                  <a:srgbClr val="05208C"/>
+                </a:solidFill>
+                <a:highlight>
+                  <a:srgbClr val="FFFFFF"/>
+                </a:highlight>
+                <a:latin typeface="Courier"/>
+              </a:rPr>
+              <a:t>border</a:t>
+            </a:r>
+            <a:r>
+              <a:rPr lang="en-US" b="1" dirty="0">
+                <a:solidFill>
+                  <a:srgbClr val="DA29FF"/>
+                </a:solidFill>
+                <a:highlight>
+                  <a:srgbClr val="FFFFFF"/>
+                </a:highlight>
+                <a:latin typeface="Courier"/>
+              </a:rPr>
+              <a:t>: </a:t>
+            </a:r>
+            <a:r>
+              <a:rPr lang="en-US" b="1" dirty="0">
+                <a:solidFill>
+                  <a:srgbClr val="0035FF"/>
+                </a:solidFill>
+                <a:highlight>
+                  <a:srgbClr val="FFFFFF"/>
+                </a:highlight>
+                <a:latin typeface="Courier"/>
+              </a:rPr>
+              <a:t>5px</a:t>
+            </a:r>
+            <a:r>
+              <a:rPr lang="en-US" b="1" dirty="0">
+                <a:solidFill>
+                  <a:srgbClr val="DA29FF"/>
+                </a:solidFill>
+                <a:highlight>
+                  <a:srgbClr val="FFFFFF"/>
+                </a:highlight>
+                <a:latin typeface="Courier"/>
+              </a:rPr>
+              <a:t> </a:t>
+            </a:r>
+            <a:r>
+              <a:rPr lang="en-US" b="1" dirty="0">
+                <a:solidFill>
+                  <a:srgbClr val="0035FF"/>
+                </a:solidFill>
+                <a:highlight>
+                  <a:srgbClr val="FFFFFF"/>
+                </a:highlight>
+                <a:latin typeface="Courier"/>
+              </a:rPr>
+              <a:t>solid</a:t>
+            </a:r>
+            <a:r>
+              <a:rPr lang="en-US" b="1" dirty="0">
+                <a:solidFill>
+                  <a:srgbClr val="DA29FF"/>
+                </a:solidFill>
+                <a:highlight>
+                  <a:srgbClr val="FFFFFF"/>
+                </a:highlight>
+                <a:latin typeface="Courier"/>
+              </a:rPr>
+              <a:t> </a:t>
+            </a:r>
+            <a:r>
+              <a:rPr lang="en-US" b="1" dirty="0">
+                <a:solidFill>
+                  <a:srgbClr val="0035FF"/>
+                </a:solidFill>
+                <a:highlight>
+                  <a:srgbClr val="FFFFFF"/>
+                </a:highlight>
+                <a:latin typeface="Courier"/>
+              </a:rPr>
+              <a:t>blue</a:t>
+            </a:r>
+            <a:r>
+              <a:rPr lang="en-US" b="1" dirty="0">
+                <a:solidFill>
+                  <a:srgbClr val="DA29FF"/>
+                </a:solidFill>
+                <a:highlight>
+                  <a:srgbClr val="FFFFFF"/>
+                </a:highlight>
+                <a:latin typeface="Courier"/>
+              </a:rPr>
+              <a:t>;</a:t>
+            </a:r>
+          </a:p>
+          <a:p>
+            <a:r>
+              <a:rPr lang="en-US" dirty="0">
+                <a:solidFill>
+                  <a:srgbClr val="DA29FF"/>
+                </a:solidFill>
+                <a:highlight>
+                  <a:srgbClr val="FFFFFF"/>
+                </a:highlight>
+                <a:latin typeface="Courier"/>
+              </a:rPr>
+              <a:t>}</a:t>
+            </a:r>
+          </a:p>
+          <a:p>
+            <a:endParaRPr lang="en-US" dirty="0">
+              <a:latin typeface="Courier"/>
+            </a:endParaRPr>
+          </a:p>
+          <a:p>
+            <a:r>
+              <a:rPr lang="en-US" sz="1200" dirty="0">
+                <a:solidFill>
+                  <a:srgbClr val="9A9A9A"/>
+                </a:solidFill>
+                <a:highlight>
+                  <a:srgbClr val="FFFFFF"/>
+                </a:highlight>
+                <a:latin typeface="Courier"/>
+              </a:rPr>
+              <a:t>/*</a:t>
+            </a:r>
+            <a:r>
+              <a:rPr lang="en-US" sz="1200" dirty="0" err="1">
+                <a:solidFill>
+                  <a:srgbClr val="9A9A9A"/>
+                </a:solidFill>
+                <a:highlight>
+                  <a:srgbClr val="FFFFFF"/>
+                </a:highlight>
+                <a:latin typeface="Courier"/>
+              </a:rPr>
+              <a:t>Velger</a:t>
+            </a:r>
+            <a:r>
+              <a:rPr lang="en-US" sz="1200" dirty="0">
+                <a:solidFill>
+                  <a:srgbClr val="9A9A9A"/>
+                </a:solidFill>
+                <a:highlight>
+                  <a:srgbClr val="FFFFFF"/>
+                </a:highlight>
+                <a:latin typeface="Courier"/>
+              </a:rPr>
+              <a:t> </a:t>
+            </a:r>
+            <a:r>
+              <a:rPr lang="en-US" sz="1200" dirty="0" err="1">
+                <a:solidFill>
+                  <a:srgbClr val="9A9A9A"/>
+                </a:solidFill>
+                <a:highlight>
+                  <a:srgbClr val="FFFFFF"/>
+                </a:highlight>
+                <a:latin typeface="Courier"/>
+              </a:rPr>
+              <a:t>alle</a:t>
+            </a:r>
+            <a:r>
+              <a:rPr lang="en-US" sz="1200" dirty="0">
+                <a:solidFill>
+                  <a:srgbClr val="9A9A9A"/>
+                </a:solidFill>
+                <a:highlight>
+                  <a:srgbClr val="FFFFFF"/>
+                </a:highlight>
+                <a:latin typeface="Courier"/>
+              </a:rPr>
+              <a:t> </a:t>
+            </a:r>
+            <a:r>
+              <a:rPr lang="en-US" sz="1200" dirty="0" err="1">
+                <a:solidFill>
+                  <a:srgbClr val="9A9A9A"/>
+                </a:solidFill>
+                <a:highlight>
+                  <a:srgbClr val="FFFFFF"/>
+                </a:highlight>
+                <a:latin typeface="Courier"/>
+              </a:rPr>
+              <a:t>img-elementer</a:t>
+            </a:r>
+            <a:r>
+              <a:rPr lang="en-US" sz="1200" dirty="0">
+                <a:solidFill>
+                  <a:srgbClr val="9A9A9A"/>
+                </a:solidFill>
+                <a:highlight>
+                  <a:srgbClr val="FFFFFF"/>
+                </a:highlight>
+                <a:latin typeface="Courier"/>
+              </a:rPr>
+              <a:t> </a:t>
+            </a:r>
+            <a:r>
+              <a:rPr lang="en-US" sz="1200" dirty="0" err="1">
+                <a:solidFill>
+                  <a:srgbClr val="9A9A9A"/>
+                </a:solidFill>
+                <a:highlight>
+                  <a:srgbClr val="FFFFFF"/>
+                </a:highlight>
+                <a:latin typeface="Courier"/>
+              </a:rPr>
+              <a:t>på</a:t>
+            </a:r>
+            <a:r>
+              <a:rPr lang="en-US" sz="1200" dirty="0">
+                <a:solidFill>
+                  <a:srgbClr val="9A9A9A"/>
+                </a:solidFill>
+                <a:highlight>
+                  <a:srgbClr val="FFFFFF"/>
+                </a:highlight>
+                <a:latin typeface="Courier"/>
+              </a:rPr>
+              <a:t> </a:t>
+            </a:r>
+            <a:r>
+              <a:rPr lang="en-US" sz="1200" dirty="0" err="1">
+                <a:solidFill>
+                  <a:srgbClr val="9A9A9A"/>
+                </a:solidFill>
+                <a:highlight>
+                  <a:srgbClr val="FFFFFF"/>
+                </a:highlight>
+                <a:latin typeface="Courier"/>
+              </a:rPr>
+              <a:t>siden</a:t>
+            </a:r>
+            <a:r>
+              <a:rPr lang="en-US" sz="1200" dirty="0">
+                <a:solidFill>
+                  <a:srgbClr val="9A9A9A"/>
+                </a:solidFill>
+                <a:highlight>
+                  <a:srgbClr val="FFFFFF"/>
+                </a:highlight>
+                <a:latin typeface="Courier"/>
+              </a:rPr>
+              <a:t> </a:t>
+            </a:r>
+            <a:r>
+              <a:rPr lang="en-US" sz="1200" dirty="0" err="1">
+                <a:solidFill>
+                  <a:srgbClr val="9A9A9A"/>
+                </a:solidFill>
+                <a:highlight>
+                  <a:srgbClr val="FFFFFF"/>
+                </a:highlight>
+                <a:latin typeface="Courier"/>
+              </a:rPr>
+              <a:t>hvis</a:t>
+            </a:r>
+            <a:r>
+              <a:rPr lang="en-US" sz="1200" dirty="0">
+                <a:solidFill>
+                  <a:srgbClr val="9A9A9A"/>
+                </a:solidFill>
+                <a:highlight>
+                  <a:srgbClr val="FFFFFF"/>
+                </a:highlight>
+                <a:latin typeface="Courier"/>
+              </a:rPr>
+              <a:t> </a:t>
+            </a:r>
+            <a:r>
+              <a:rPr lang="en-US" sz="1200" dirty="0" err="1">
+                <a:solidFill>
+                  <a:srgbClr val="9A9A9A"/>
+                </a:solidFill>
+                <a:highlight>
+                  <a:srgbClr val="FFFFFF"/>
+                </a:highlight>
+                <a:latin typeface="Courier"/>
+              </a:rPr>
+              <a:t>src-atributt</a:t>
+            </a:r>
+            <a:r>
+              <a:rPr lang="en-US" sz="1200" dirty="0">
+                <a:solidFill>
+                  <a:srgbClr val="9A9A9A"/>
+                </a:solidFill>
+                <a:highlight>
+                  <a:srgbClr val="FFFFFF"/>
+                </a:highlight>
+                <a:latin typeface="Courier"/>
+              </a:rPr>
+              <a:t> </a:t>
+            </a:r>
+            <a:r>
+              <a:rPr lang="en-US" sz="1200" dirty="0" err="1">
+                <a:solidFill>
+                  <a:srgbClr val="9A9A9A"/>
+                </a:solidFill>
+                <a:highlight>
+                  <a:srgbClr val="FFFFFF"/>
+                </a:highlight>
+                <a:latin typeface="Courier"/>
+              </a:rPr>
+              <a:t>slutter</a:t>
+            </a:r>
+            <a:r>
+              <a:rPr lang="en-US" sz="1200" dirty="0">
+                <a:solidFill>
+                  <a:srgbClr val="9A9A9A"/>
+                </a:solidFill>
+                <a:highlight>
+                  <a:srgbClr val="FFFFFF"/>
+                </a:highlight>
+                <a:latin typeface="Courier"/>
+              </a:rPr>
+              <a:t> </a:t>
+            </a:r>
+            <a:r>
+              <a:rPr lang="en-US" sz="1200" dirty="0" err="1">
+                <a:solidFill>
+                  <a:srgbClr val="9A9A9A"/>
+                </a:solidFill>
+                <a:highlight>
+                  <a:srgbClr val="FFFFFF"/>
+                </a:highlight>
+                <a:latin typeface="Courier"/>
+              </a:rPr>
+              <a:t>på</a:t>
+            </a:r>
+            <a:r>
+              <a:rPr lang="en-US" sz="1200" dirty="0">
+                <a:solidFill>
+                  <a:srgbClr val="9A9A9A"/>
+                </a:solidFill>
+                <a:highlight>
+                  <a:srgbClr val="FFFFFF"/>
+                </a:highlight>
+                <a:latin typeface="Courier"/>
+              </a:rPr>
+              <a:t> .jpg*/</a:t>
+            </a:r>
+          </a:p>
+          <a:p>
+            <a:r>
+              <a:rPr lang="da-DK" dirty="0" err="1">
+                <a:solidFill>
+                  <a:srgbClr val="DA29FF"/>
+                </a:solidFill>
+                <a:highlight>
+                  <a:srgbClr val="FFFFFF"/>
+                </a:highlight>
+                <a:latin typeface="Courier"/>
+              </a:rPr>
+              <a:t>img</a:t>
+            </a:r>
+            <a:r>
+              <a:rPr lang="da-DK" dirty="0">
+                <a:solidFill>
+                  <a:srgbClr val="DA29FF"/>
+                </a:solidFill>
+                <a:highlight>
+                  <a:srgbClr val="FFFFFF"/>
+                </a:highlight>
+                <a:latin typeface="Courier"/>
+              </a:rPr>
+              <a:t>[</a:t>
+            </a:r>
+            <a:r>
+              <a:rPr lang="da-DK" dirty="0" err="1">
+                <a:solidFill>
+                  <a:srgbClr val="05208C"/>
+                </a:solidFill>
+                <a:highlight>
+                  <a:srgbClr val="FFFFFF"/>
+                </a:highlight>
+                <a:latin typeface="Courier"/>
+              </a:rPr>
+              <a:t>src</a:t>
+            </a:r>
+            <a:r>
+              <a:rPr lang="da-DK" dirty="0">
+                <a:solidFill>
+                  <a:srgbClr val="DA29FF"/>
+                </a:solidFill>
+                <a:highlight>
+                  <a:srgbClr val="FFFFFF"/>
+                </a:highlight>
+                <a:latin typeface="Courier"/>
+              </a:rPr>
+              <a:t>$=</a:t>
+            </a:r>
+            <a:r>
+              <a:rPr lang="da-DK" dirty="0">
+                <a:solidFill>
+                  <a:srgbClr val="106800"/>
+                </a:solidFill>
+                <a:highlight>
+                  <a:srgbClr val="FFFFFF"/>
+                </a:highlight>
+                <a:latin typeface="Courier"/>
+              </a:rPr>
+              <a:t>".jpg"</a:t>
+            </a:r>
+            <a:r>
+              <a:rPr lang="da-DK" dirty="0">
+                <a:solidFill>
+                  <a:srgbClr val="DA29FF"/>
+                </a:solidFill>
+                <a:highlight>
+                  <a:srgbClr val="FFFFFF"/>
+                </a:highlight>
+                <a:latin typeface="Courier"/>
+              </a:rPr>
+              <a:t>]{</a:t>
+            </a:r>
+          </a:p>
+          <a:p>
+            <a:r>
+              <a:rPr lang="en-US" dirty="0">
+                <a:solidFill>
+                  <a:srgbClr val="DA29FF"/>
+                </a:solidFill>
+                <a:highlight>
+                  <a:srgbClr val="FFFFFF"/>
+                </a:highlight>
+                <a:latin typeface="Courier"/>
+              </a:rPr>
+              <a:t>    </a:t>
+            </a:r>
+            <a:r>
+              <a:rPr lang="en-US" dirty="0">
+                <a:solidFill>
+                  <a:srgbClr val="05208C"/>
+                </a:solidFill>
+                <a:highlight>
+                  <a:srgbClr val="FFFFFF"/>
+                </a:highlight>
+                <a:latin typeface="Courier"/>
+              </a:rPr>
+              <a:t>width</a:t>
+            </a:r>
+            <a:r>
+              <a:rPr lang="en-US" b="1" dirty="0">
+                <a:solidFill>
+                  <a:srgbClr val="DA29FF"/>
+                </a:solidFill>
+                <a:highlight>
+                  <a:srgbClr val="FFFFFF"/>
+                </a:highlight>
+                <a:latin typeface="Courier"/>
+              </a:rPr>
+              <a:t>: </a:t>
+            </a:r>
+            <a:r>
+              <a:rPr lang="en-US" b="1" dirty="0">
+                <a:solidFill>
+                  <a:srgbClr val="0035FF"/>
+                </a:solidFill>
+                <a:highlight>
+                  <a:srgbClr val="FFFFFF"/>
+                </a:highlight>
+                <a:latin typeface="Courier"/>
+              </a:rPr>
+              <a:t>10em</a:t>
+            </a:r>
+            <a:r>
+              <a:rPr lang="en-US" b="1" dirty="0">
+                <a:solidFill>
+                  <a:srgbClr val="DA29FF"/>
+                </a:solidFill>
+                <a:highlight>
+                  <a:srgbClr val="FFFFFF"/>
+                </a:highlight>
+                <a:latin typeface="Courier"/>
+              </a:rPr>
+              <a:t>;</a:t>
+            </a:r>
+          </a:p>
+          <a:p>
+            <a:r>
+              <a:rPr lang="en-US" dirty="0">
+                <a:solidFill>
+                  <a:srgbClr val="DA29FF"/>
+                </a:solidFill>
+                <a:highlight>
+                  <a:srgbClr val="FFFFFF"/>
+                </a:highlight>
+                <a:latin typeface="Courier"/>
+              </a:rPr>
+              <a:t>}</a:t>
+            </a:r>
+            <a:endParaRPr lang="en-US" dirty="0"/>
+          </a:p>
+        </p:txBody>
+      </p:sp>
+    </p:spTree>
+    <p:extLst>
+      <p:ext uri="{BB962C8B-B14F-4D97-AF65-F5344CB8AC3E}">
+        <p14:creationId xmlns:p14="http://schemas.microsoft.com/office/powerpoint/2010/main" val="464826539"/>
+      </p:ext>
+    </p:extLst>
+  </p:cSld>
+  <p:clrMapOvr>
+    <a:masterClrMapping/>
+  </p:clrMapOvr>
+  <p:timing>
+    <p:tnLst>
+      <p:par>
+        <p:cTn xmlns:p14="http://schemas.microsoft.com/office/powerpoint/2010/main" id="1" dur="indefinite" restart="never" nodeType="tmRoot"/>
+      </p:par>
+    </p:tnLst>
+  </p:timing>
+</p:sld>
+</file>
+
+<file path=ppt/slides/slide14.xml><?xml version="1.0" encoding="utf-8"?>
+<p:sld xmlns:a="http://schemas.openxmlformats.org/drawingml/2006/main" xmlns:r="http://schemas.openxmlformats.org/officeDocument/2006/relationships" xmlns:p="http://schemas.openxmlformats.org/presentationml/2006/main">
+  <p:cSld>
+    <p:spTree>
+      <p:nvGrpSpPr>
+        <p:cNvPr id="1" name=""/>
+        <p:cNvGrpSpPr/>
+        <p:nvPr/>
+      </p:nvGrpSpPr>
+      <p:grpSpPr>
+        <a:xfrm>
+          <a:off x="0" y="0"/>
+          <a:ext cx="0" cy="0"/>
+          <a:chOff x="0" y="0"/>
+          <a:chExt cx="0" cy="0"/>
+        </a:xfrm>
+      </p:grpSpPr>
+      <p:sp>
+        <p:nvSpPr>
+          <p:cNvPr id="2" name="Title 1"/>
+          <p:cNvSpPr>
+            <a:spLocks noGrp="1"/>
+          </p:cNvSpPr>
+          <p:nvPr>
+            <p:ph type="title"/>
+          </p:nvPr>
+        </p:nvSpPr>
+        <p:spPr/>
+        <p:txBody>
+          <a:bodyPr/>
+          <a:lstStyle/>
+          <a:p>
+            <a:r>
+              <a:rPr lang="en-US" dirty="0" smtClean="0"/>
+              <a:t>Grouping</a:t>
+            </a:r>
+            <a:endParaRPr lang="en-US" dirty="0"/>
+          </a:p>
+        </p:txBody>
+      </p:sp>
+      <p:sp>
+        <p:nvSpPr>
+          <p:cNvPr id="4" name="Rectangle 3"/>
+          <p:cNvSpPr/>
+          <p:nvPr/>
+        </p:nvSpPr>
+        <p:spPr>
+          <a:xfrm>
+            <a:off x="986118" y="1556088"/>
+            <a:ext cx="7918822" cy="2031325"/>
+          </a:xfrm>
+          <a:prstGeom prst="rect">
+            <a:avLst/>
+          </a:prstGeom>
+        </p:spPr>
+        <p:txBody>
+          <a:bodyPr wrap="square">
+            <a:spAutoFit/>
+          </a:bodyPr>
+          <a:lstStyle/>
+          <a:p>
+            <a:r>
+              <a:rPr lang="en-US" dirty="0">
+                <a:solidFill>
+                  <a:srgbClr val="9A9A9A"/>
+                </a:solidFill>
+                <a:highlight>
+                  <a:srgbClr val="FFFFFF"/>
+                </a:highlight>
+                <a:latin typeface="Courier"/>
+              </a:rPr>
+              <a:t>/* Grouping - </a:t>
+            </a:r>
+            <a:r>
+              <a:rPr lang="en-US" dirty="0" err="1">
+                <a:solidFill>
+                  <a:srgbClr val="9A9A9A"/>
+                </a:solidFill>
+                <a:highlight>
+                  <a:srgbClr val="FFFFFF"/>
+                </a:highlight>
+                <a:latin typeface="Courier"/>
+              </a:rPr>
+              <a:t>flere</a:t>
+            </a:r>
+            <a:r>
+              <a:rPr lang="en-US" dirty="0">
+                <a:solidFill>
+                  <a:srgbClr val="9A9A9A"/>
+                </a:solidFill>
+                <a:highlight>
+                  <a:srgbClr val="FFFFFF"/>
+                </a:highlight>
+                <a:latin typeface="Courier"/>
+              </a:rPr>
+              <a:t> </a:t>
+            </a:r>
+            <a:r>
+              <a:rPr lang="en-US" dirty="0" err="1">
+                <a:solidFill>
+                  <a:srgbClr val="9A9A9A"/>
+                </a:solidFill>
+                <a:highlight>
+                  <a:srgbClr val="FFFFFF"/>
+                </a:highlight>
+                <a:latin typeface="Courier"/>
+              </a:rPr>
+              <a:t>selektorer</a:t>
+            </a:r>
+            <a:r>
+              <a:rPr lang="en-US" dirty="0">
+                <a:solidFill>
+                  <a:srgbClr val="9A9A9A"/>
+                </a:solidFill>
+                <a:highlight>
+                  <a:srgbClr val="FFFFFF"/>
+                </a:highlight>
+                <a:latin typeface="Courier"/>
+              </a:rPr>
+              <a:t>, </a:t>
+            </a:r>
+            <a:r>
+              <a:rPr lang="en-US" dirty="0" err="1">
+                <a:solidFill>
+                  <a:srgbClr val="9A9A9A"/>
+                </a:solidFill>
+                <a:highlight>
+                  <a:srgbClr val="FFFFFF"/>
+                </a:highlight>
+                <a:latin typeface="Courier"/>
+              </a:rPr>
+              <a:t>samme</a:t>
+            </a:r>
+            <a:r>
+              <a:rPr lang="en-US" dirty="0">
+                <a:solidFill>
+                  <a:srgbClr val="9A9A9A"/>
+                </a:solidFill>
+                <a:highlight>
+                  <a:srgbClr val="FFFFFF"/>
+                </a:highlight>
+                <a:latin typeface="Courier"/>
+              </a:rPr>
+              <a:t> </a:t>
+            </a:r>
+            <a:r>
+              <a:rPr lang="en-US" dirty="0" err="1">
+                <a:solidFill>
+                  <a:srgbClr val="9A9A9A"/>
+                </a:solidFill>
+                <a:highlight>
+                  <a:srgbClr val="FFFFFF"/>
+                </a:highlight>
+                <a:latin typeface="Courier"/>
+              </a:rPr>
+              <a:t>stil</a:t>
+            </a:r>
+            <a:r>
+              <a:rPr lang="en-US" dirty="0">
+                <a:solidFill>
+                  <a:srgbClr val="9A9A9A"/>
+                </a:solidFill>
+                <a:highlight>
+                  <a:srgbClr val="FFFFFF"/>
+                </a:highlight>
+                <a:latin typeface="Courier"/>
+              </a:rPr>
+              <a:t>. </a:t>
+            </a:r>
+          </a:p>
+          <a:p>
+            <a:r>
+              <a:rPr lang="en-US" dirty="0">
+                <a:solidFill>
+                  <a:srgbClr val="9A9A9A"/>
+                </a:solidFill>
+                <a:highlight>
+                  <a:srgbClr val="FFFFFF"/>
+                </a:highlight>
+                <a:latin typeface="Courier"/>
+              </a:rPr>
+              <a:t> * </a:t>
+            </a:r>
+            <a:r>
+              <a:rPr lang="en-US" dirty="0" err="1">
+                <a:solidFill>
+                  <a:srgbClr val="9A9A9A"/>
+                </a:solidFill>
+                <a:highlight>
+                  <a:srgbClr val="FFFFFF"/>
+                </a:highlight>
+                <a:latin typeface="Courier"/>
+              </a:rPr>
+              <a:t>Litt</a:t>
+            </a:r>
+            <a:r>
+              <a:rPr lang="en-US" dirty="0">
+                <a:solidFill>
+                  <a:srgbClr val="9A9A9A"/>
+                </a:solidFill>
+                <a:highlight>
+                  <a:srgbClr val="FFFFFF"/>
+                </a:highlight>
+                <a:latin typeface="Courier"/>
+              </a:rPr>
+              <a:t> </a:t>
+            </a:r>
+            <a:r>
+              <a:rPr lang="en-US" dirty="0" err="1">
+                <a:solidFill>
+                  <a:srgbClr val="9A9A9A"/>
+                </a:solidFill>
+                <a:highlight>
+                  <a:srgbClr val="FFFFFF"/>
+                </a:highlight>
+                <a:latin typeface="Courier"/>
+              </a:rPr>
+              <a:t>mindre</a:t>
+            </a:r>
+            <a:r>
+              <a:rPr lang="en-US" dirty="0">
+                <a:solidFill>
+                  <a:srgbClr val="9A9A9A"/>
+                </a:solidFill>
+                <a:highlight>
+                  <a:srgbClr val="FFFFFF"/>
+                </a:highlight>
+                <a:latin typeface="Courier"/>
+              </a:rPr>
+              <a:t> </a:t>
+            </a:r>
+            <a:r>
+              <a:rPr lang="en-US" dirty="0" err="1">
+                <a:solidFill>
+                  <a:srgbClr val="9A9A9A"/>
+                </a:solidFill>
+                <a:highlight>
+                  <a:srgbClr val="FFFFFF"/>
+                </a:highlight>
+                <a:latin typeface="Courier"/>
+              </a:rPr>
+              <a:t>kode</a:t>
+            </a:r>
+            <a:r>
+              <a:rPr lang="en-US" dirty="0">
+                <a:solidFill>
+                  <a:srgbClr val="9A9A9A"/>
+                </a:solidFill>
+                <a:highlight>
+                  <a:srgbClr val="FFFFFF"/>
+                </a:highlight>
+                <a:latin typeface="Courier"/>
+              </a:rPr>
+              <a:t> */</a:t>
+            </a:r>
+          </a:p>
+          <a:p>
+            <a:r>
+              <a:rPr lang="en-US" dirty="0">
+                <a:solidFill>
+                  <a:srgbClr val="DA29FF"/>
+                </a:solidFill>
+                <a:highlight>
+                  <a:srgbClr val="FFFFFF"/>
+                </a:highlight>
+                <a:latin typeface="Courier"/>
+              </a:rPr>
+              <a:t>h1</a:t>
+            </a:r>
+            <a:r>
+              <a:rPr lang="en-US" b="1" dirty="0">
+                <a:solidFill>
+                  <a:srgbClr val="DA29FF"/>
+                </a:solidFill>
+                <a:highlight>
+                  <a:srgbClr val="FFFFFF"/>
+                </a:highlight>
+                <a:latin typeface="Courier"/>
+              </a:rPr>
+              <a:t>, h2, h3{</a:t>
+            </a:r>
+          </a:p>
+          <a:p>
+            <a:r>
+              <a:rPr lang="cs-CZ" dirty="0">
+                <a:solidFill>
+                  <a:srgbClr val="DA29FF"/>
+                </a:solidFill>
+                <a:highlight>
+                  <a:srgbClr val="FFFFFF"/>
+                </a:highlight>
+                <a:latin typeface="Courier"/>
+              </a:rPr>
+              <a:t>    </a:t>
+            </a:r>
+            <a:r>
+              <a:rPr lang="cs-CZ" dirty="0" err="1">
+                <a:solidFill>
+                  <a:srgbClr val="05208C"/>
+                </a:solidFill>
+                <a:highlight>
+                  <a:srgbClr val="FFFFFF"/>
+                </a:highlight>
+                <a:latin typeface="Courier"/>
+              </a:rPr>
+              <a:t>color</a:t>
+            </a:r>
+            <a:r>
+              <a:rPr lang="cs-CZ" b="1" dirty="0">
+                <a:solidFill>
+                  <a:srgbClr val="DA29FF"/>
+                </a:solidFill>
+                <a:highlight>
+                  <a:srgbClr val="FFFFFF"/>
+                </a:highlight>
+                <a:latin typeface="Courier"/>
+              </a:rPr>
+              <a:t>: </a:t>
+            </a:r>
+            <a:r>
+              <a:rPr lang="cs-CZ" b="1" dirty="0">
+                <a:solidFill>
+                  <a:srgbClr val="0035FF"/>
+                </a:solidFill>
+                <a:highlight>
+                  <a:srgbClr val="FFFFFF"/>
+                </a:highlight>
+                <a:latin typeface="Courier"/>
+              </a:rPr>
+              <a:t>#446181</a:t>
+            </a:r>
+            <a:r>
+              <a:rPr lang="cs-CZ" b="1" dirty="0">
+                <a:solidFill>
+                  <a:srgbClr val="DA29FF"/>
+                </a:solidFill>
+                <a:highlight>
+                  <a:srgbClr val="FFFFFF"/>
+                </a:highlight>
+                <a:latin typeface="Courier"/>
+              </a:rPr>
+              <a:t>;</a:t>
+            </a:r>
+          </a:p>
+          <a:p>
+            <a:r>
+              <a:rPr lang="en-US" dirty="0">
+                <a:solidFill>
+                  <a:srgbClr val="DA29FF"/>
+                </a:solidFill>
+                <a:highlight>
+                  <a:srgbClr val="FFFFFF"/>
+                </a:highlight>
+                <a:latin typeface="Courier"/>
+              </a:rPr>
+              <a:t>    </a:t>
+            </a:r>
+            <a:r>
+              <a:rPr lang="en-US" dirty="0">
+                <a:solidFill>
+                  <a:srgbClr val="05208C"/>
+                </a:solidFill>
+                <a:highlight>
+                  <a:srgbClr val="FFFFFF"/>
+                </a:highlight>
+                <a:latin typeface="Courier"/>
+              </a:rPr>
+              <a:t>line-height</a:t>
+            </a:r>
+            <a:r>
+              <a:rPr lang="en-US" b="1" dirty="0">
+                <a:solidFill>
+                  <a:srgbClr val="DA29FF"/>
+                </a:solidFill>
+                <a:highlight>
+                  <a:srgbClr val="FFFFFF"/>
+                </a:highlight>
+                <a:latin typeface="Courier"/>
+              </a:rPr>
+              <a:t>: </a:t>
+            </a:r>
+            <a:r>
+              <a:rPr lang="en-US" b="1" dirty="0">
+                <a:solidFill>
+                  <a:srgbClr val="0035FF"/>
+                </a:solidFill>
+                <a:highlight>
+                  <a:srgbClr val="FFFFFF"/>
+                </a:highlight>
+                <a:latin typeface="Courier"/>
+              </a:rPr>
+              <a:t>2.500em</a:t>
+            </a:r>
+            <a:r>
+              <a:rPr lang="en-US" b="1" dirty="0">
+                <a:solidFill>
+                  <a:srgbClr val="DA29FF"/>
+                </a:solidFill>
+                <a:highlight>
+                  <a:srgbClr val="FFFFFF"/>
+                </a:highlight>
+                <a:latin typeface="Courier"/>
+              </a:rPr>
+              <a:t>;</a:t>
+            </a:r>
+          </a:p>
+          <a:p>
+            <a:r>
+              <a:rPr lang="pt-BR" dirty="0">
+                <a:solidFill>
+                  <a:srgbClr val="DA29FF"/>
+                </a:solidFill>
+                <a:highlight>
+                  <a:srgbClr val="FFFFFF"/>
+                </a:highlight>
+                <a:latin typeface="Courier"/>
+              </a:rPr>
+              <a:t>    </a:t>
+            </a:r>
+            <a:r>
+              <a:rPr lang="pt-BR" dirty="0" err="1">
+                <a:solidFill>
+                  <a:srgbClr val="05208C"/>
+                </a:solidFill>
+                <a:highlight>
+                  <a:srgbClr val="FFFFFF"/>
+                </a:highlight>
+                <a:latin typeface="Courier"/>
+              </a:rPr>
+              <a:t>margin</a:t>
+            </a:r>
+            <a:r>
+              <a:rPr lang="pt-BR" b="1" dirty="0">
+                <a:solidFill>
+                  <a:srgbClr val="DA29FF"/>
+                </a:solidFill>
+                <a:highlight>
+                  <a:srgbClr val="FFFFFF"/>
+                </a:highlight>
+                <a:latin typeface="Courier"/>
+              </a:rPr>
+              <a:t>: </a:t>
+            </a:r>
+            <a:r>
+              <a:rPr lang="pt-BR" b="1" dirty="0">
+                <a:solidFill>
+                  <a:srgbClr val="0035FF"/>
+                </a:solidFill>
+                <a:highlight>
+                  <a:srgbClr val="FFFFFF"/>
+                </a:highlight>
+                <a:latin typeface="Courier"/>
+              </a:rPr>
+              <a:t>0.625em</a:t>
+            </a:r>
+            <a:r>
+              <a:rPr lang="pt-BR" b="1" dirty="0">
+                <a:solidFill>
+                  <a:srgbClr val="DA29FF"/>
+                </a:solidFill>
+                <a:highlight>
+                  <a:srgbClr val="FFFFFF"/>
+                </a:highlight>
+                <a:latin typeface="Courier"/>
+              </a:rPr>
+              <a:t> </a:t>
+            </a:r>
+            <a:r>
+              <a:rPr lang="pt-BR" b="1" dirty="0">
+                <a:solidFill>
+                  <a:srgbClr val="0035FF"/>
+                </a:solidFill>
+                <a:highlight>
+                  <a:srgbClr val="FFFFFF"/>
+                </a:highlight>
+                <a:latin typeface="Courier"/>
+              </a:rPr>
+              <a:t>0.125em</a:t>
+            </a:r>
+            <a:r>
+              <a:rPr lang="pt-BR" b="1" dirty="0">
+                <a:solidFill>
+                  <a:srgbClr val="DA29FF"/>
+                </a:solidFill>
+                <a:highlight>
+                  <a:srgbClr val="FFFFFF"/>
+                </a:highlight>
+                <a:latin typeface="Courier"/>
+              </a:rPr>
+              <a:t>;</a:t>
+            </a:r>
+          </a:p>
+          <a:p>
+            <a:r>
+              <a:rPr lang="pt-BR" dirty="0">
+                <a:solidFill>
+                  <a:srgbClr val="DA29FF"/>
+                </a:solidFill>
+                <a:highlight>
+                  <a:srgbClr val="FFFFFF"/>
+                </a:highlight>
+                <a:latin typeface="Courier"/>
+              </a:rPr>
+              <a:t>}</a:t>
+            </a:r>
+            <a:endParaRPr lang="en-US" dirty="0"/>
+          </a:p>
+        </p:txBody>
+      </p:sp>
+    </p:spTree>
+    <p:extLst>
+      <p:ext uri="{BB962C8B-B14F-4D97-AF65-F5344CB8AC3E}">
+        <p14:creationId xmlns:p14="http://schemas.microsoft.com/office/powerpoint/2010/main" val="1443335134"/>
+      </p:ext>
+    </p:extLst>
+  </p:cSld>
+  <p:clrMapOvr>
+    <a:masterClrMapping/>
+  </p:clrMapOvr>
+  <p:timing>
+    <p:tnLst>
+      <p:par>
+        <p:cTn xmlns:p14="http://schemas.microsoft.com/office/powerpoint/2010/main" id="1" dur="indefinite" restart="never" nodeType="tmRoot"/>
+      </p:par>
+    </p:tnLst>
+  </p:timing>
+</p:sld>
+</file>
+
+<file path=ppt/slides/slide15.xml><?xml version="1.0" encoding="utf-8"?>
+<p:sld xmlns:a="http://schemas.openxmlformats.org/drawingml/2006/main" xmlns:r="http://schemas.openxmlformats.org/officeDocument/2006/relationships" xmlns:p="http://schemas.openxmlformats.org/presentationml/2006/main">
+  <p:cSld>
+    <p:spTree>
+      <p:nvGrpSpPr>
+        <p:cNvPr id="1" name=""/>
+        <p:cNvGrpSpPr/>
+        <p:nvPr/>
+      </p:nvGrpSpPr>
+      <p:grpSpPr>
+        <a:xfrm>
+          <a:off x="0" y="0"/>
+          <a:ext cx="0" cy="0"/>
+          <a:chOff x="0" y="0"/>
+          <a:chExt cx="0" cy="0"/>
+        </a:xfrm>
+      </p:grpSpPr>
+      <p:sp>
+        <p:nvSpPr>
+          <p:cNvPr id="2" name="Title 1"/>
+          <p:cNvSpPr>
+            <a:spLocks noGrp="1"/>
+          </p:cNvSpPr>
+          <p:nvPr>
+            <p:ph type="title"/>
+          </p:nvPr>
+        </p:nvSpPr>
+        <p:spPr/>
+        <p:txBody>
+          <a:bodyPr/>
+          <a:lstStyle/>
+          <a:p>
+            <a:r>
+              <a:rPr lang="en-US" dirty="0" smtClean="0"/>
+              <a:t>Nesting</a:t>
+            </a:r>
+            <a:endParaRPr lang="en-US" dirty="0"/>
+          </a:p>
+        </p:txBody>
+      </p:sp>
+      <p:sp>
+        <p:nvSpPr>
+          <p:cNvPr id="5" name="Rectangle 4"/>
+          <p:cNvSpPr/>
+          <p:nvPr/>
+        </p:nvSpPr>
+        <p:spPr>
+          <a:xfrm>
+            <a:off x="597647" y="1694587"/>
+            <a:ext cx="8089153" cy="1754327"/>
+          </a:xfrm>
+          <a:prstGeom prst="rect">
+            <a:avLst/>
+          </a:prstGeom>
+        </p:spPr>
+        <p:txBody>
+          <a:bodyPr wrap="square">
+            <a:spAutoFit/>
+          </a:bodyPr>
+          <a:lstStyle/>
+          <a:p>
+            <a:endParaRPr lang="en-US" dirty="0">
+              <a:latin typeface="Courier"/>
+            </a:endParaRPr>
+          </a:p>
+          <a:p>
+            <a:r>
+              <a:rPr lang="en-US" dirty="0">
+                <a:solidFill>
+                  <a:srgbClr val="9A9A9A"/>
+                </a:solidFill>
+                <a:highlight>
+                  <a:srgbClr val="FFFFFF"/>
+                </a:highlight>
+                <a:latin typeface="Courier"/>
+              </a:rPr>
+              <a:t>/* Nesting - </a:t>
+            </a:r>
+            <a:r>
+              <a:rPr lang="en-US" dirty="0" err="1">
+                <a:solidFill>
+                  <a:srgbClr val="9A9A9A"/>
+                </a:solidFill>
+                <a:highlight>
+                  <a:srgbClr val="FFFFFF"/>
+                </a:highlight>
+                <a:latin typeface="Courier"/>
+              </a:rPr>
+              <a:t>spesifisering</a:t>
+            </a:r>
+            <a:r>
+              <a:rPr lang="en-US" dirty="0">
+                <a:solidFill>
+                  <a:srgbClr val="9A9A9A"/>
+                </a:solidFill>
+                <a:highlight>
+                  <a:srgbClr val="FFFFFF"/>
+                </a:highlight>
+                <a:latin typeface="Courier"/>
+              </a:rPr>
+              <a:t> </a:t>
+            </a:r>
+            <a:r>
+              <a:rPr lang="en-US" dirty="0" err="1">
+                <a:solidFill>
+                  <a:srgbClr val="9A9A9A"/>
+                </a:solidFill>
+                <a:highlight>
+                  <a:srgbClr val="FFFFFF"/>
+                </a:highlight>
+                <a:latin typeface="Courier"/>
+              </a:rPr>
+              <a:t>av</a:t>
+            </a:r>
+            <a:r>
+              <a:rPr lang="en-US" dirty="0">
+                <a:solidFill>
+                  <a:srgbClr val="9A9A9A"/>
+                </a:solidFill>
+                <a:highlight>
+                  <a:srgbClr val="FFFFFF"/>
+                </a:highlight>
+                <a:latin typeface="Courier"/>
+              </a:rPr>
+              <a:t> </a:t>
+            </a:r>
+            <a:r>
+              <a:rPr lang="en-US" dirty="0" err="1">
+                <a:solidFill>
+                  <a:srgbClr val="9A9A9A"/>
+                </a:solidFill>
+                <a:highlight>
+                  <a:srgbClr val="FFFFFF"/>
+                </a:highlight>
+                <a:latin typeface="Courier"/>
+              </a:rPr>
+              <a:t>stil</a:t>
+            </a:r>
+            <a:r>
+              <a:rPr lang="en-US" dirty="0">
+                <a:solidFill>
+                  <a:srgbClr val="9A9A9A"/>
+                </a:solidFill>
+                <a:highlight>
+                  <a:srgbClr val="FFFFFF"/>
+                </a:highlight>
+                <a:latin typeface="Courier"/>
+              </a:rPr>
+              <a:t> - selector </a:t>
+            </a:r>
+            <a:r>
+              <a:rPr lang="en-US" dirty="0" err="1">
+                <a:solidFill>
+                  <a:srgbClr val="9A9A9A"/>
+                </a:solidFill>
+                <a:highlight>
+                  <a:srgbClr val="FFFFFF"/>
+                </a:highlight>
+                <a:latin typeface="Courier"/>
+              </a:rPr>
+              <a:t>inni</a:t>
+            </a:r>
+            <a:r>
+              <a:rPr lang="en-US" dirty="0">
+                <a:solidFill>
+                  <a:srgbClr val="9A9A9A"/>
+                </a:solidFill>
+                <a:highlight>
+                  <a:srgbClr val="FFFFFF"/>
+                </a:highlight>
+                <a:latin typeface="Courier"/>
+              </a:rPr>
+              <a:t> selector */</a:t>
+            </a:r>
+          </a:p>
+          <a:p>
+            <a:r>
+              <a:rPr lang="en-US" dirty="0">
+                <a:solidFill>
+                  <a:srgbClr val="DA29FF"/>
+                </a:solidFill>
+                <a:highlight>
+                  <a:srgbClr val="FFFFFF"/>
+                </a:highlight>
+                <a:latin typeface="Courier"/>
+              </a:rPr>
+              <a:t>.container p{</a:t>
+            </a:r>
+          </a:p>
+          <a:p>
+            <a:r>
+              <a:rPr lang="cs-CZ" dirty="0">
+                <a:solidFill>
+                  <a:srgbClr val="DA29FF"/>
+                </a:solidFill>
+                <a:highlight>
+                  <a:srgbClr val="FFFFFF"/>
+                </a:highlight>
+                <a:latin typeface="Courier"/>
+              </a:rPr>
+              <a:t>    </a:t>
+            </a:r>
+            <a:r>
+              <a:rPr lang="cs-CZ" dirty="0" err="1">
+                <a:solidFill>
+                  <a:srgbClr val="05208C"/>
+                </a:solidFill>
+                <a:highlight>
+                  <a:srgbClr val="FFFFFF"/>
+                </a:highlight>
+                <a:latin typeface="Courier"/>
+              </a:rPr>
+              <a:t>color</a:t>
+            </a:r>
+            <a:r>
+              <a:rPr lang="cs-CZ" b="1" dirty="0">
+                <a:solidFill>
+                  <a:srgbClr val="DA29FF"/>
+                </a:solidFill>
+                <a:highlight>
+                  <a:srgbClr val="FFFFFF"/>
+                </a:highlight>
+                <a:latin typeface="Courier"/>
+              </a:rPr>
+              <a:t>:</a:t>
+            </a:r>
+            <a:r>
+              <a:rPr lang="cs-CZ" b="1" dirty="0">
+                <a:solidFill>
+                  <a:srgbClr val="0035FF"/>
+                </a:solidFill>
+                <a:highlight>
+                  <a:srgbClr val="FFFFFF"/>
+                </a:highlight>
+                <a:latin typeface="Courier"/>
+              </a:rPr>
+              <a:t>#000000</a:t>
+            </a:r>
+            <a:r>
+              <a:rPr lang="cs-CZ" b="1" dirty="0">
+                <a:solidFill>
+                  <a:srgbClr val="DA29FF"/>
+                </a:solidFill>
+                <a:highlight>
+                  <a:srgbClr val="FFFFFF"/>
+                </a:highlight>
+                <a:latin typeface="Courier"/>
+              </a:rPr>
+              <a:t>;</a:t>
+            </a:r>
+          </a:p>
+          <a:p>
+            <a:r>
+              <a:rPr lang="cs-CZ" dirty="0">
+                <a:solidFill>
+                  <a:srgbClr val="DA29FF"/>
+                </a:solidFill>
+                <a:highlight>
+                  <a:srgbClr val="FFFFFF"/>
+                </a:highlight>
+                <a:latin typeface="Courier"/>
+              </a:rPr>
+              <a:t>}</a:t>
+            </a:r>
+            <a:endParaRPr lang="en-US" dirty="0"/>
+          </a:p>
+        </p:txBody>
+      </p:sp>
+    </p:spTree>
+    <p:extLst>
+      <p:ext uri="{BB962C8B-B14F-4D97-AF65-F5344CB8AC3E}">
+        <p14:creationId xmlns:p14="http://schemas.microsoft.com/office/powerpoint/2010/main" val="2184467542"/>
+      </p:ext>
+    </p:extLst>
+  </p:cSld>
+  <p:clrMapOvr>
+    <a:masterClrMapping/>
+  </p:clrMapOvr>
+  <p:timing>
+    <p:tnLst>
+      <p:par>
+        <p:cTn xmlns:p14="http://schemas.microsoft.com/office/powerpoint/2010/main" id="1" dur="indefinite" restart="never" nodeType="tmRoot"/>
+      </p:par>
+    </p:tnLst>
+  </p:timing>
+</p:sld>
+</file>
+
+<file path=ppt/slides/slide16.xml><?xml version="1.0" encoding="utf-8"?>
+<p:sld xmlns:a="http://schemas.openxmlformats.org/drawingml/2006/main" xmlns:r="http://schemas.openxmlformats.org/officeDocument/2006/relationships" xmlns:p="http://schemas.openxmlformats.org/presentationml/2006/main">
+  <p:cSld>
+    <p:spTree>
+      <p:nvGrpSpPr>
+        <p:cNvPr id="1" name=""/>
+        <p:cNvGrpSpPr/>
+        <p:nvPr/>
+      </p:nvGrpSpPr>
+      <p:grpSpPr>
+        <a:xfrm>
+          <a:off x="0" y="0"/>
+          <a:ext cx="0" cy="0"/>
+          <a:chOff x="0" y="0"/>
+          <a:chExt cx="0" cy="0"/>
+        </a:xfrm>
+      </p:grpSpPr>
+      <p:sp>
+        <p:nvSpPr>
+          <p:cNvPr id="2" name="Title 1"/>
+          <p:cNvSpPr>
+            <a:spLocks noGrp="1"/>
+          </p:cNvSpPr>
+          <p:nvPr>
+            <p:ph type="title"/>
+          </p:nvPr>
+        </p:nvSpPr>
+        <p:spPr/>
+        <p:txBody>
+          <a:bodyPr/>
+          <a:lstStyle/>
+          <a:p>
+            <a:r>
               <a:rPr lang="en-US" dirty="0" err="1" smtClean="0"/>
               <a:t>Navngiving</a:t>
             </a:r>
@@ -5292,7 +7459,7 @@
 </p:sld>
 </file>
 
-<file path=ppt/slides/slide14.xml><?xml version="1.0" encoding="utf-8"?>
+<file path=ppt/slides/slide17.xml><?xml version="1.0" encoding="utf-8"?>
 <p:sld xmlns:a="http://schemas.openxmlformats.org/drawingml/2006/main" xmlns:r="http://schemas.openxmlformats.org/officeDocument/2006/relationships" xmlns:p="http://schemas.openxmlformats.org/presentationml/2006/main">
   <p:cSld>
     <p:spTree>
@@ -5433,231 +7600,6 @@
 </p:sld>
 </file>
 
-<file path=ppt/slides/slide15.xml><?xml version="1.0" encoding="utf-8"?>
-<p:sld xmlns:a="http://schemas.openxmlformats.org/drawingml/2006/main" xmlns:r="http://schemas.openxmlformats.org/officeDocument/2006/relationships" xmlns:p="http://schemas.openxmlformats.org/presentationml/2006/main">
-  <p:cSld>
-    <p:spTree>
-      <p:nvGrpSpPr>
-        <p:cNvPr id="1" name=""/>
-        <p:cNvGrpSpPr/>
-        <p:nvPr/>
-      </p:nvGrpSpPr>
-      <p:grpSpPr>
-        <a:xfrm>
-          <a:off x="0" y="0"/>
-          <a:ext cx="0" cy="0"/>
-          <a:chOff x="0" y="0"/>
-          <a:chExt cx="0" cy="0"/>
-        </a:xfrm>
-      </p:grpSpPr>
-      <p:sp>
-        <p:nvSpPr>
-          <p:cNvPr id="2" name="Title 1"/>
-          <p:cNvSpPr>
-            <a:spLocks noGrp="1"/>
-          </p:cNvSpPr>
-          <p:nvPr>
-            <p:ph type="title"/>
-          </p:nvPr>
-        </p:nvSpPr>
-        <p:spPr/>
-        <p:txBody>
-          <a:bodyPr/>
-          <a:lstStyle/>
-          <a:p>
-            <a:r>
-              <a:rPr lang="en-US" dirty="0" smtClean="0"/>
-              <a:t>Float</a:t>
-            </a:r>
-            <a:endParaRPr lang="en-US" dirty="0"/>
-          </a:p>
-        </p:txBody>
-      </p:sp>
-      <p:sp>
-        <p:nvSpPr>
-          <p:cNvPr id="3" name="Content Placeholder 2"/>
-          <p:cNvSpPr>
-            <a:spLocks noGrp="1"/>
-          </p:cNvSpPr>
-          <p:nvPr>
-            <p:ph idx="1"/>
-          </p:nvPr>
-        </p:nvSpPr>
-        <p:spPr/>
-        <p:txBody>
-          <a:bodyPr/>
-          <a:lstStyle/>
-          <a:p>
-            <a:endParaRPr lang="en-US"/>
-          </a:p>
-        </p:txBody>
-      </p:sp>
-    </p:spTree>
-    <p:extLst>
-      <p:ext uri="{BB962C8B-B14F-4D97-AF65-F5344CB8AC3E}">
-        <p14:creationId xmlns:p14="http://schemas.microsoft.com/office/powerpoint/2010/main" val="715430375"/>
-      </p:ext>
-    </p:extLst>
-  </p:cSld>
-  <p:clrMapOvr>
-    <a:masterClrMapping/>
-  </p:clrMapOvr>
-</p:sld>
-</file>
-
-<file path=ppt/slides/slide16.xml><?xml version="1.0" encoding="utf-8"?>
-<p:sld xmlns:a="http://schemas.openxmlformats.org/drawingml/2006/main" xmlns:r="http://schemas.openxmlformats.org/officeDocument/2006/relationships" xmlns:p="http://schemas.openxmlformats.org/presentationml/2006/main">
-  <p:cSld>
-    <p:spTree>
-      <p:nvGrpSpPr>
-        <p:cNvPr id="1" name=""/>
-        <p:cNvGrpSpPr/>
-        <p:nvPr/>
-      </p:nvGrpSpPr>
-      <p:grpSpPr>
-        <a:xfrm>
-          <a:off x="0" y="0"/>
-          <a:ext cx="0" cy="0"/>
-          <a:chOff x="0" y="0"/>
-          <a:chExt cx="0" cy="0"/>
-        </a:xfrm>
-      </p:grpSpPr>
-      <p:sp>
-        <p:nvSpPr>
-          <p:cNvPr id="2" name="Title 1"/>
-          <p:cNvSpPr>
-            <a:spLocks noGrp="1"/>
-          </p:cNvSpPr>
-          <p:nvPr>
-            <p:ph type="title"/>
-          </p:nvPr>
-        </p:nvSpPr>
-        <p:spPr/>
-        <p:txBody>
-          <a:bodyPr/>
-          <a:lstStyle/>
-          <a:p>
-            <a:r>
-              <a:rPr lang="en-US" dirty="0" smtClean="0"/>
-              <a:t>Clear</a:t>
-            </a:r>
-            <a:endParaRPr lang="en-US" dirty="0"/>
-          </a:p>
-        </p:txBody>
-      </p:sp>
-      <p:sp>
-        <p:nvSpPr>
-          <p:cNvPr id="3" name="Content Placeholder 2"/>
-          <p:cNvSpPr>
-            <a:spLocks noGrp="1"/>
-          </p:cNvSpPr>
-          <p:nvPr>
-            <p:ph idx="1"/>
-          </p:nvPr>
-        </p:nvSpPr>
-        <p:spPr/>
-        <p:txBody>
-          <a:bodyPr/>
-          <a:lstStyle/>
-          <a:p>
-            <a:endParaRPr lang="en-US"/>
-          </a:p>
-        </p:txBody>
-      </p:sp>
-    </p:spTree>
-    <p:extLst>
-      <p:ext uri="{BB962C8B-B14F-4D97-AF65-F5344CB8AC3E}">
-        <p14:creationId xmlns:p14="http://schemas.microsoft.com/office/powerpoint/2010/main" val="1420108947"/>
-      </p:ext>
-    </p:extLst>
-  </p:cSld>
-  <p:clrMapOvr>
-    <a:masterClrMapping/>
-  </p:clrMapOvr>
-</p:sld>
-</file>
-
-<file path=ppt/slides/slide17.xml><?xml version="1.0" encoding="utf-8"?>
-<p:sld xmlns:a="http://schemas.openxmlformats.org/drawingml/2006/main" xmlns:r="http://schemas.openxmlformats.org/officeDocument/2006/relationships" xmlns:p="http://schemas.openxmlformats.org/presentationml/2006/main">
-  <p:cSld>
-    <p:spTree>
-      <p:nvGrpSpPr>
-        <p:cNvPr id="1" name=""/>
-        <p:cNvGrpSpPr/>
-        <p:nvPr/>
-      </p:nvGrpSpPr>
-      <p:grpSpPr>
-        <a:xfrm>
-          <a:off x="0" y="0"/>
-          <a:ext cx="0" cy="0"/>
-          <a:chOff x="0" y="0"/>
-          <a:chExt cx="0" cy="0"/>
-        </a:xfrm>
-      </p:grpSpPr>
-      <p:sp>
-        <p:nvSpPr>
-          <p:cNvPr id="2" name="Title 1"/>
-          <p:cNvSpPr>
-            <a:spLocks noGrp="1"/>
-          </p:cNvSpPr>
-          <p:nvPr>
-            <p:ph type="title"/>
-          </p:nvPr>
-        </p:nvSpPr>
-        <p:spPr/>
-        <p:txBody>
-          <a:bodyPr/>
-          <a:lstStyle/>
-          <a:p>
-            <a:r>
-              <a:rPr lang="en-US" dirty="0" smtClean="0"/>
-              <a:t>Borders</a:t>
-            </a:r>
-            <a:endParaRPr lang="en-US" dirty="0"/>
-          </a:p>
-        </p:txBody>
-      </p:sp>
-      <p:sp>
-        <p:nvSpPr>
-          <p:cNvPr id="3" name="Content Placeholder 2"/>
-          <p:cNvSpPr>
-            <a:spLocks noGrp="1"/>
-          </p:cNvSpPr>
-          <p:nvPr>
-            <p:ph idx="1"/>
-          </p:nvPr>
-        </p:nvSpPr>
-        <p:spPr/>
-        <p:txBody>
-          <a:bodyPr/>
-          <a:lstStyle/>
-          <a:p>
-            <a:pPr marL="0" indent="0">
-              <a:buNone/>
-            </a:pPr>
-            <a:endParaRPr lang="en-US" dirty="0"/>
-          </a:p>
-          <a:p>
-            <a:pPr marL="0" indent="0">
-              <a:buNone/>
-            </a:pPr>
-            <a:endParaRPr lang="en-US" dirty="0"/>
-          </a:p>
-        </p:txBody>
-      </p:sp>
-    </p:spTree>
-    <p:extLst>
-      <p:ext uri="{BB962C8B-B14F-4D97-AF65-F5344CB8AC3E}">
-        <p14:creationId xmlns:p14="http://schemas.microsoft.com/office/powerpoint/2010/main" val="3228853879"/>
-      </p:ext>
-    </p:extLst>
-  </p:cSld>
-  <p:clrMapOvr>
-    <a:masterClrMapping/>
-  </p:clrMapOvr>
-</p:sld>
-</file>
-
 <file path=ppt/slides/slide18.xml><?xml version="1.0" encoding="utf-8"?>
 <p:sld xmlns:a="http://schemas.openxmlformats.org/drawingml/2006/main" xmlns:r="http://schemas.openxmlformats.org/officeDocument/2006/relationships" xmlns:p="http://schemas.openxmlformats.org/presentationml/2006/main">
   <p:cSld>
@@ -5692,7 +7634,7 @@
           <a:p>
             <a:r>
               <a:rPr lang="en-US" dirty="0" smtClean="0"/>
-              <a:t>Fonts</a:t>
+              <a:t>Float</a:t>
             </a:r>
             <a:endParaRPr lang="en-US" dirty="0"/>
           </a:p>
@@ -5720,7 +7662,7 @@
     </p:spTree>
     <p:extLst>
       <p:ext uri="{BB962C8B-B14F-4D97-AF65-F5344CB8AC3E}">
-        <p14:creationId xmlns:p14="http://schemas.microsoft.com/office/powerpoint/2010/main" val="1428369502"/>
+        <p14:creationId xmlns:p14="http://schemas.microsoft.com/office/powerpoint/2010/main" val="715430375"/>
       </p:ext>
     </p:extLst>
   </p:cSld>
@@ -5764,7 +7706,7 @@
           <a:p>
             <a:r>
               <a:rPr lang="en-US" dirty="0" smtClean="0"/>
-              <a:t>Background</a:t>
+              <a:t>Clear</a:t>
             </a:r>
             <a:endParaRPr lang="en-US" dirty="0"/>
           </a:p>
@@ -5785,24 +7727,14 @@
           <a:bodyPr/>
           <a:lstStyle/>
           <a:p>
-            <a:r>
-              <a:rPr lang="en-US" dirty="0" smtClean="0"/>
-              <a:t>repeat</a:t>
-            </a:r>
-          </a:p>
-          <a:p>
-            <a:r>
-              <a:rPr lang="en-US" dirty="0" smtClean="0"/>
-              <a:t>multiple images</a:t>
-            </a:r>
-            <a:endParaRPr lang="en-US" dirty="0"/>
+            <a:endParaRPr lang="en-US"/>
           </a:p>
         </p:txBody>
       </p:sp>
     </p:spTree>
     <p:extLst>
       <p:ext uri="{BB962C8B-B14F-4D97-AF65-F5344CB8AC3E}">
-        <p14:creationId xmlns:p14="http://schemas.microsoft.com/office/powerpoint/2010/main" val="2695716838"/>
+        <p14:creationId xmlns:p14="http://schemas.microsoft.com/office/powerpoint/2010/main" val="1420108947"/>
       </p:ext>
     </p:extLst>
   </p:cSld>
@@ -5937,6 +7869,241 @@
     <p:extLst>
       <p:ext uri="{BB962C8B-B14F-4D97-AF65-F5344CB8AC3E}">
         <p14:creationId xmlns:p14="http://schemas.microsoft.com/office/powerpoint/2010/main" val="3139239047"/>
+      </p:ext>
+    </p:extLst>
+  </p:cSld>
+  <p:clrMapOvr>
+    <a:masterClrMapping/>
+  </p:clrMapOvr>
+</p:sld>
+</file>
+
+<file path=ppt/slides/slide20.xml><?xml version="1.0" encoding="utf-8"?>
+<p:sld xmlns:a="http://schemas.openxmlformats.org/drawingml/2006/main" xmlns:r="http://schemas.openxmlformats.org/officeDocument/2006/relationships" xmlns:p="http://schemas.openxmlformats.org/presentationml/2006/main">
+  <p:cSld>
+    <p:spTree>
+      <p:nvGrpSpPr>
+        <p:cNvPr id="1" name=""/>
+        <p:cNvGrpSpPr/>
+        <p:nvPr/>
+      </p:nvGrpSpPr>
+      <p:grpSpPr>
+        <a:xfrm>
+          <a:off x="0" y="0"/>
+          <a:ext cx="0" cy="0"/>
+          <a:chOff x="0" y="0"/>
+          <a:chExt cx="0" cy="0"/>
+        </a:xfrm>
+      </p:grpSpPr>
+      <p:sp>
+        <p:nvSpPr>
+          <p:cNvPr id="2" name="Title 1"/>
+          <p:cNvSpPr>
+            <a:spLocks noGrp="1"/>
+          </p:cNvSpPr>
+          <p:nvPr>
+            <p:ph type="title"/>
+          </p:nvPr>
+        </p:nvSpPr>
+        <p:spPr/>
+        <p:txBody>
+          <a:bodyPr/>
+          <a:lstStyle/>
+          <a:p>
+            <a:r>
+              <a:rPr lang="en-US" dirty="0" smtClean="0"/>
+              <a:t>Borders</a:t>
+            </a:r>
+            <a:endParaRPr lang="en-US" dirty="0"/>
+          </a:p>
+        </p:txBody>
+      </p:sp>
+      <p:sp>
+        <p:nvSpPr>
+          <p:cNvPr id="3" name="Content Placeholder 2"/>
+          <p:cNvSpPr>
+            <a:spLocks noGrp="1"/>
+          </p:cNvSpPr>
+          <p:nvPr>
+            <p:ph idx="1"/>
+          </p:nvPr>
+        </p:nvSpPr>
+        <p:spPr/>
+        <p:txBody>
+          <a:bodyPr/>
+          <a:lstStyle/>
+          <a:p>
+            <a:pPr marL="0" indent="0">
+              <a:buNone/>
+            </a:pPr>
+            <a:endParaRPr lang="en-US" dirty="0"/>
+          </a:p>
+          <a:p>
+            <a:pPr marL="0" indent="0">
+              <a:buNone/>
+            </a:pPr>
+            <a:endParaRPr lang="en-US" dirty="0"/>
+          </a:p>
+        </p:txBody>
+      </p:sp>
+    </p:spTree>
+    <p:extLst>
+      <p:ext uri="{BB962C8B-B14F-4D97-AF65-F5344CB8AC3E}">
+        <p14:creationId xmlns:p14="http://schemas.microsoft.com/office/powerpoint/2010/main" val="3228853879"/>
+      </p:ext>
+    </p:extLst>
+  </p:cSld>
+  <p:clrMapOvr>
+    <a:masterClrMapping/>
+  </p:clrMapOvr>
+</p:sld>
+</file>
+
+<file path=ppt/slides/slide21.xml><?xml version="1.0" encoding="utf-8"?>
+<p:sld xmlns:a="http://schemas.openxmlformats.org/drawingml/2006/main" xmlns:r="http://schemas.openxmlformats.org/officeDocument/2006/relationships" xmlns:p="http://schemas.openxmlformats.org/presentationml/2006/main">
+  <p:cSld>
+    <p:spTree>
+      <p:nvGrpSpPr>
+        <p:cNvPr id="1" name=""/>
+        <p:cNvGrpSpPr/>
+        <p:nvPr/>
+      </p:nvGrpSpPr>
+      <p:grpSpPr>
+        <a:xfrm>
+          <a:off x="0" y="0"/>
+          <a:ext cx="0" cy="0"/>
+          <a:chOff x="0" y="0"/>
+          <a:chExt cx="0" cy="0"/>
+        </a:xfrm>
+      </p:grpSpPr>
+      <p:sp>
+        <p:nvSpPr>
+          <p:cNvPr id="2" name="Title 1"/>
+          <p:cNvSpPr>
+            <a:spLocks noGrp="1"/>
+          </p:cNvSpPr>
+          <p:nvPr>
+            <p:ph type="title"/>
+          </p:nvPr>
+        </p:nvSpPr>
+        <p:spPr/>
+        <p:txBody>
+          <a:bodyPr/>
+          <a:lstStyle/>
+          <a:p>
+            <a:r>
+              <a:rPr lang="en-US" dirty="0" smtClean="0"/>
+              <a:t>Fonts</a:t>
+            </a:r>
+            <a:endParaRPr lang="en-US" dirty="0"/>
+          </a:p>
+        </p:txBody>
+      </p:sp>
+      <p:sp>
+        <p:nvSpPr>
+          <p:cNvPr id="3" name="Content Placeholder 2"/>
+          <p:cNvSpPr>
+            <a:spLocks noGrp="1"/>
+          </p:cNvSpPr>
+          <p:nvPr>
+            <p:ph idx="1"/>
+          </p:nvPr>
+        </p:nvSpPr>
+        <p:spPr/>
+        <p:txBody>
+          <a:bodyPr/>
+          <a:lstStyle/>
+          <a:p>
+            <a:endParaRPr lang="en-US"/>
+          </a:p>
+        </p:txBody>
+      </p:sp>
+    </p:spTree>
+    <p:extLst>
+      <p:ext uri="{BB962C8B-B14F-4D97-AF65-F5344CB8AC3E}">
+        <p14:creationId xmlns:p14="http://schemas.microsoft.com/office/powerpoint/2010/main" val="1428369502"/>
+      </p:ext>
+    </p:extLst>
+  </p:cSld>
+  <p:clrMapOvr>
+    <a:masterClrMapping/>
+  </p:clrMapOvr>
+</p:sld>
+</file>
+
+<file path=ppt/slides/slide22.xml><?xml version="1.0" encoding="utf-8"?>
+<p:sld xmlns:a="http://schemas.openxmlformats.org/drawingml/2006/main" xmlns:r="http://schemas.openxmlformats.org/officeDocument/2006/relationships" xmlns:p="http://schemas.openxmlformats.org/presentationml/2006/main">
+  <p:cSld>
+    <p:spTree>
+      <p:nvGrpSpPr>
+        <p:cNvPr id="1" name=""/>
+        <p:cNvGrpSpPr/>
+        <p:nvPr/>
+      </p:nvGrpSpPr>
+      <p:grpSpPr>
+        <a:xfrm>
+          <a:off x="0" y="0"/>
+          <a:ext cx="0" cy="0"/>
+          <a:chOff x="0" y="0"/>
+          <a:chExt cx="0" cy="0"/>
+        </a:xfrm>
+      </p:grpSpPr>
+      <p:sp>
+        <p:nvSpPr>
+          <p:cNvPr id="2" name="Title 1"/>
+          <p:cNvSpPr>
+            <a:spLocks noGrp="1"/>
+          </p:cNvSpPr>
+          <p:nvPr>
+            <p:ph type="title"/>
+          </p:nvPr>
+        </p:nvSpPr>
+        <p:spPr/>
+        <p:txBody>
+          <a:bodyPr/>
+          <a:lstStyle/>
+          <a:p>
+            <a:r>
+              <a:rPr lang="en-US" dirty="0" smtClean="0"/>
+              <a:t>Background</a:t>
+            </a:r>
+            <a:endParaRPr lang="en-US" dirty="0"/>
+          </a:p>
+        </p:txBody>
+      </p:sp>
+      <p:sp>
+        <p:nvSpPr>
+          <p:cNvPr id="3" name="Content Placeholder 2"/>
+          <p:cNvSpPr>
+            <a:spLocks noGrp="1"/>
+          </p:cNvSpPr>
+          <p:nvPr>
+            <p:ph idx="1"/>
+          </p:nvPr>
+        </p:nvSpPr>
+        <p:spPr/>
+        <p:txBody>
+          <a:bodyPr/>
+          <a:lstStyle/>
+          <a:p>
+            <a:r>
+              <a:rPr lang="en-US" dirty="0" smtClean="0"/>
+              <a:t>repeat</a:t>
+            </a:r>
+          </a:p>
+          <a:p>
+            <a:r>
+              <a:rPr lang="en-US" dirty="0" smtClean="0"/>
+              <a:t>multiple images</a:t>
+            </a:r>
+            <a:endParaRPr lang="en-US" dirty="0"/>
+          </a:p>
+        </p:txBody>
+      </p:sp>
+    </p:spTree>
+    <p:extLst>
+      <p:ext uri="{BB962C8B-B14F-4D97-AF65-F5344CB8AC3E}">
+        <p14:creationId xmlns:p14="http://schemas.microsoft.com/office/powerpoint/2010/main" val="2695716838"/>
       </p:ext>
     </p:extLst>
   </p:cSld>
@@ -7259,24 +9426,36 @@
           <a:lstStyle/>
           <a:p>
             <a:r>
-              <a:rPr lang="en-US" dirty="0" err="1"/>
-              <a:t>Oppsett</a:t>
-            </a:r>
-            <a:r>
-              <a:rPr lang="en-US" dirty="0"/>
+              <a:rPr lang="en-US" dirty="0" err="1" smtClean="0"/>
+              <a:t>Hvor</a:t>
+            </a:r>
+            <a:r>
+              <a:rPr lang="en-US" dirty="0" smtClean="0"/>
               <a:t> </a:t>
             </a:r>
             <a:r>
-              <a:rPr lang="en-US" dirty="0" err="1"/>
-              <a:t>av</a:t>
-            </a:r>
-            <a:r>
-              <a:rPr lang="en-US" dirty="0"/>
-              <a:t> CSS-</a:t>
-            </a:r>
-            <a:r>
-              <a:rPr lang="en-US" dirty="0" err="1"/>
-              <a:t>fil</a:t>
+              <a:rPr lang="en-US" dirty="0" err="1" smtClean="0"/>
+              <a:t>skal</a:t>
+            </a:r>
+            <a:r>
+              <a:rPr lang="en-US" dirty="0" smtClean="0"/>
+              <a:t> </a:t>
+            </a:r>
+            <a:r>
+              <a:rPr lang="en-US" dirty="0" err="1" smtClean="0"/>
+              <a:t>stilene</a:t>
+            </a:r>
+            <a:r>
+              <a:rPr lang="en-US" dirty="0" smtClean="0"/>
+              <a:t> </a:t>
+            </a:r>
+            <a:r>
+              <a:rPr lang="en-US" dirty="0" err="1" smtClean="0"/>
+              <a:t>ligge</a:t>
+            </a:r>
+            <a:r>
+              <a:rPr lang="en-US" dirty="0" smtClean="0"/>
+              <a:t>?</a:t>
             </a:r>
             <a:endParaRPr lang="en-US" dirty="0"/>
           </a:p>
@@ -7629,6 +9808,67 @@
                                           </p:stCondLst>
                                         </p:cTn>
                                         <p:tgtEl>
+                                          <p:spTgt spid="3">
+                                            <p:txEl>
+                                              <p:pRg st="0" end="0"/>
+                                            </p:txEl>
+                                          </p:spTgt>
+                                        </p:tgtEl>
+                                        <p:attrNameLst>
+                                          <p:attrName>style.visibility</p:attrName>
+                                        </p:attrNameLst>
+                                      </p:cBhvr>
+                                      <p:to>
+                                        <p:strVal val="visible"/>
+                                      </p:to>
+                                    </p:set>
+                                    <p:animEffect transition="in" filter="fade">
+                                      <p:cBhvr>
+                                        <p:cTn id="7" dur="500"/>
+                                        <p:tgtEl>
+                                          <p:spTgt spid="3">
+                                            <p:txEl>
+                                              <p:pRg st="0" end="0"/>
+                                            </p:txEl>
+                                          </p:spTgt>
+                                        </p:tgtEl>
+                                      </p:cBhvr>
+                                    </p:animEffect>
+                                  </p:childTnLst>
+                                </p:cTn>
+                              </p:par>
+                            </p:childTnLst>
+                          </p:cTn>
+                        </p:par>
+                      </p:childTnLst>
+                    </p:cTn>
+                  </p:par>
+                  <p:par>
+                    <p:cTn id="8" fill="hold">
+                      <p:stCondLst>
+                        <p:cond delay="indefinite"/>
+                      </p:stCondLst>
+                      <p:childTnLst>
+                        <p:par>
+                          <p:cTn id="9" fill="hold">
+                            <p:stCondLst>
+                              <p:cond delay="0"/>
+                            </p:stCondLst>
+                            <p:childTnLst>
+                              <p:par>
+                                <p:cTn id="10" presetID="10" presetClass="entr" presetSubtype="0" fill="hold" grpId="0" nodeType="clickEffect">
+                                  <p:stCondLst>
+                                    <p:cond delay="0"/>
+                                  </p:stCondLst>
+                                  <p:childTnLst>
+                                    <p:set>
+                                      <p:cBhvr>
+                                        <p:cTn id="11" dur="1" fill="hold">
+                                          <p:stCondLst>
+                                            <p:cond delay="0"/>
+                                          </p:stCondLst>
+                                        </p:cTn>
+                                        <p:tgtEl>
                                           <p:spTgt spid="7"/>
                                         </p:tgtEl>
                                         <p:attrNameLst>
@@ -7641,7 +9881,7 @@
                                     </p:set>
                                     <p:animEffect transition="in" filter="fade">
                                       <p:cBhvr>
-                                        <p:cTn id="7" dur="500"/>
+                                        <p:cTn id="12" dur="500"/>
                                         <p:tgtEl>
                                           <p:spTgt spid="7"/>
                                         </p:tgtEl>
@@ -7667,14 +9907,14 @@
                                 </p:cTn>
                               </p:par>
                               <p:par>
-                                <p:cTn id="8" presetID="10" presetClass="entr" presetSubtype="0" fill="hold" nodeType="withEffect">
+                                <p:cTn id="13" presetID="10" presetClass="entr" presetSubtype="0" fill="hold" nodeType="withEffect">
                                   <p:stCondLst>
                                     <p:cond delay="0"/>
                                   </p:stCondLst>
                                   <p:childTnLst>
                                     <p:set>
                                       <p:cBhvr>
-                                        <p:cTn id="9" dur="1" fill="hold">
+                                        <p:cTn id="14" dur="1" fill="hold">
                                           <p:stCondLst>
                                             <p:cond delay="0"/>
                                           </p:stCondLst>
@@ -7692,7 +9932,7 @@
                                     </p:set>
                                     <p:animEffect transition="in" filter="fade">
                                       <p:cBhvr>
-                                        <p:cTn id="10" dur="500"/>
+                                        <p:cTn id="15" dur="500"/>
                                         <p:tgtEl>
                                           <p:spTgt spid="9"/>
                                         </p:tgtEl>
@@ -7718,14 +9958,14 @@
                                 </p:cTn>
                               </p:par>
                               <p:par>
-                                <p:cTn id="11" presetID="10" presetClass="entr" presetSubtype="0" fill="hold" nodeType="withEffect">
+                                <p:cTn id="16" presetID="10" presetClass="entr" presetSubtype="0" fill="hold" nodeType="withEffect">
                                   <p:stCondLst>
                                     <p:cond delay="0"/>
                                   </p:stCondLst>
                                   <p:childTnLst>
                                     <p:set>
                                       <p:cBhvr>
-                                        <p:cTn id="12" dur="1" fill="hold">
+                                        <p:cTn id="17" dur="1" fill="hold">
                                           <p:stCondLst>
                                             <p:cond delay="0"/>
                                           </p:stCondLst>
@@ -7743,7 +9983,7 @@
                                     </p:set>
                                     <p:animEffect transition="in" filter="fade">
                                       <p:cBhvr>
-                                        <p:cTn id="13" dur="500"/>
+                                        <p:cTn id="18" dur="500"/>
                                         <p:tgtEl>
                                           <p:spTgt spid="6"/>
                                         </p:tgtEl>
@@ -7775,26 +10015,26 @@
                     </p:cTn>
                   </p:par>
                   <p:par>
-                    <p:cTn id="14" fill="hold">
+                    <p:cTn id="19" fill="hold">
                       <p:stCondLst>
                         <p:cond delay="indefinite"/>
                       </p:stCondLst>
                       <p:childTnLst>
                         <p:par>
-                          <p:cTn id="15" fill="hold">
+                          <p:cTn id="20" fill="hold">
                             <p:stCondLst>
                               <p:cond delay="0"/>
                             </p:stCondLst>
                             <p:childTnLst>
                               <p:par>
-                                <p:cTn id="16" presetID="10" presetClass="entr" presetSubtype="0" fill="hold" nodeType="clickEffect">
+                                <p:cTn id="21" presetID="10" presetClass="entr" presetSubtype="0" fill="hold" nodeType="clickEffect">
                                   <p:stCondLst>
                                     <p:cond delay="0"/>
                                   </p:stCondLst>
                                   <p:childTnLst>
                                     <p:set>
                                       <p:cBhvr>
-                                        <p:cTn id="17" dur="1" fill="hold">
+                                        <p:cTn id="22" dur="1" fill="hold">
                                           <p:stCondLst>
                                             <p:cond delay="0"/>
                                           </p:stCondLst>
@@ -7812,7 +10052,7 @@
                                     </p:set>
                                     <p:animEffect transition="in" filter="fade">
                                       <p:cBhvr>
-                                        <p:cTn id="18" dur="500"/>
+                                        <p:cTn id="23" dur="500"/>
                                         <p:tgtEl>
                                           <p:spTgt spid="13"/>
                                         </p:tgtEl>
@@ -7822,14 +10062,14 @@
                                 </p:cTn>
                               </p:par>
                               <p:par>
-                                <p:cTn id="19" presetID="10" presetClass="entr" presetSubtype="0" fill="hold" nodeType="withEffect">
+                                <p:cTn id="24" presetID="10" presetClass="entr" presetSubtype="0" fill="hold" nodeType="withEffect">
                                   <p:stCondLst>
                                     <p:cond delay="0"/>
                                   </p:stCondLst>
                                   <p:childTnLst>
                                     <p:set>
                                       <p:cBhvr>
-                                        <p:cTn id="20" dur="1" fill="hold">
+                                        <p:cTn id="25" dur="1" fill="hold">
                                           <p:stCondLst>
                                             <p:cond delay="0"/>
                                           </p:stCondLst>
@@ -7847,7 +10087,7 @@
                                     </p:set>
                                     <p:animEffect transition="in" filter="fade">
                                       <p:cBhvr>
-                                        <p:cTn id="21" dur="500"/>
+                                        <p:cTn id="26" dur="500"/>
                                         <p:tgtEl>
                                           <p:spTgt spid="5"/>
                                         </p:tgtEl>
@@ -7857,14 +10097,14 @@
                                 </p:cTn>
                               </p:par>
                               <p:par>
-                                <p:cTn id="22" presetID="10" presetClass="entr" presetSubtype="0" fill="hold" grpId="1" nodeType="withEffect">
+                                <p:cTn id="27" presetID="10" presetClass="entr" presetSubtype="0" fill="hold" grpId="1" nodeType="withEffect">
                                   <p:stCondLst>
                                     <p:cond delay="0"/>
                                   </p:stCondLst>
                                   <p:childTnLst>
                                     <p:set>
                                       <p:cBhvr>
-                                        <p:cTn id="23" dur="1" fill="hold">
+                                        <p:cTn id="28" dur="1" fill="hold">
                                           <p:stCondLst>
                                             <p:cond delay="0"/>
                                           </p:stCondLst>
@@ -7882,7 +10122,7 @@
                                     </p:set>
                                     <p:animEffect transition="in" filter="fade">
                                       <p:cBhvr>
-                                        <p:cTn id="24" dur="500"/>
+                                        <p:cTn id="29" dur="500"/>
                                         <p:tgtEl>
                                           <p:spTgt spid="12"/>
                                         </p:tgtEl>
@@ -7919,6 +10159,7 @@
       </p:par>
     </p:tnLst>
     <p:bldLst>
+      <p:bldP spid="3" grpId="0" build="p"/>
       <p:bldP spid="7" grpId="0" animBg="1"/>
       <p:bldP spid="12" grpId="1" animBg="1"/>
     </p:bldLst>
@@ -8038,134 +10279,764 @@
             <a:endParaRPr lang="en-US" dirty="0"/>
           </a:p>
           <a:p>
-            <a:r>
-              <a:rPr lang="en-US" dirty="0" smtClean="0"/>
-              <a:t>@</a:t>
-            </a:r>
-            <a:r>
-              <a:rPr lang="en-US" smtClean="0"/>
-              <a:t>annotasjoner</a:t>
-            </a:r>
-            <a:endParaRPr lang="en-US" dirty="0" smtClean="0"/>
-          </a:p>
-          <a:p>
-            <a:r>
-              <a:rPr lang="en-US" dirty="0" smtClean="0"/>
-              <a:t>Start </a:t>
-            </a:r>
-            <a:r>
-              <a:rPr lang="en-US" dirty="0"/>
-              <a:t>med reset-</a:t>
-            </a:r>
-            <a:r>
-              <a:rPr lang="en-US" dirty="0" err="1"/>
+            <a:endParaRPr lang="en-US" dirty="0"/>
+          </a:p>
+        </p:txBody>
+      </p:sp>
+      <p:sp>
+        <p:nvSpPr>
+          <p:cNvPr id="5" name="Rectangle 4"/>
+          <p:cNvSpPr/>
+          <p:nvPr/>
+        </p:nvSpPr>
+        <p:spPr>
+          <a:xfrm>
+            <a:off x="457200" y="330785"/>
+            <a:ext cx="8059270" cy="4401205"/>
+          </a:xfrm>
+          <a:prstGeom prst="rect">
+            <a:avLst/>
+          </a:prstGeom>
+        </p:spPr>
+        <p:txBody>
+          <a:bodyPr wrap="square">
+            <a:spAutoFit/>
+          </a:bodyPr>
+          <a:lstStyle/>
+          <a:p>
+            <a:r>
+              <a:rPr lang="en-US" sz="1000" dirty="0">
+                <a:solidFill>
+                  <a:srgbClr val="9A9A9A"/>
+                </a:solidFill>
+                <a:highlight>
+                  <a:srgbClr val="FFFFFF"/>
+                </a:highlight>
+                <a:latin typeface="Courier"/>
+              </a:rPr>
+              <a:t>/* -------------------------------------------------------------- </a:t>
+            </a:r>
+          </a:p>
+          <a:p>
+            <a:r>
+              <a:rPr lang="en-US" sz="1000" dirty="0">
+                <a:solidFill>
+                  <a:srgbClr val="9A9A9A"/>
+                </a:solidFill>
+                <a:highlight>
+                  <a:srgbClr val="FFFFFF"/>
+                </a:highlight>
+                <a:latin typeface="Courier"/>
+              </a:rPr>
+              <a:t>-----------------------------------------------------------------</a:t>
+            </a:r>
+          </a:p>
+          <a:p>
+            <a:endParaRPr lang="en-US" sz="1000" dirty="0">
+              <a:latin typeface="Courier"/>
+            </a:endParaRPr>
+          </a:p>
+          <a:p>
+            <a:r>
+              <a:rPr lang="en-US" sz="1000" dirty="0">
+                <a:solidFill>
+                  <a:srgbClr val="9A9A9A"/>
+                </a:solidFill>
+                <a:highlight>
+                  <a:srgbClr val="FFFFFF"/>
+                </a:highlight>
+                <a:latin typeface="Courier"/>
+              </a:rPr>
+              <a:t>	DEFINITIONS: HTML5 DOCTOR</a:t>
+            </a:r>
+          </a:p>
+          <a:p>
+            <a:r>
+              <a:rPr lang="en-US" sz="1000" dirty="0">
+                <a:solidFill>
+                  <a:srgbClr val="9A9A9A"/>
+                </a:solidFill>
+                <a:highlight>
+                  <a:srgbClr val="FFFFFF"/>
+                </a:highlight>
+                <a:latin typeface="Courier"/>
+              </a:rPr>
+              <a:t>	AUTHOR:      HTML5 DOCTOR</a:t>
+            </a:r>
+          </a:p>
+          <a:p>
+            <a:r>
+              <a:rPr lang="en-US" sz="1000" dirty="0">
+                <a:solidFill>
+                  <a:srgbClr val="9A9A9A"/>
+                </a:solidFill>
+                <a:highlight>
+                  <a:srgbClr val="FFFFFF"/>
+                </a:highlight>
+                <a:latin typeface="Courier"/>
+              </a:rPr>
+              <a:t>	VERSION:     2012-02-20</a:t>
+            </a:r>
+          </a:p>
+          <a:p>
+            <a:r>
+              <a:rPr lang="en-US" sz="1000" dirty="0">
+                <a:solidFill>
+                  <a:srgbClr val="9A9A9A"/>
+                </a:solidFill>
+                <a:highlight>
+                  <a:srgbClr val="FFFFFF"/>
+                </a:highlight>
+                <a:latin typeface="Courier"/>
+              </a:rPr>
+              <a:t>	</a:t>
+            </a:r>
+          </a:p>
+          <a:p>
+            <a:r>
+              <a:rPr lang="en-US" sz="1000" dirty="0">
+                <a:solidFill>
+                  <a:srgbClr val="9A9A9A"/>
+                </a:solidFill>
+                <a:highlight>
+                  <a:srgbClr val="FFFFFF"/>
+                </a:highlight>
+                <a:latin typeface="Courier"/>
+              </a:rPr>
+              <a:t>	CONTENTS:</a:t>
+            </a:r>
+          </a:p>
+          <a:p>
+            <a:r>
+              <a:rPr lang="en-US" sz="1000" dirty="0">
+                <a:solidFill>
+                  <a:srgbClr val="9A9A9A"/>
+                </a:solidFill>
+                <a:highlight>
+                  <a:srgbClr val="FFFFFF"/>
+                </a:highlight>
+                <a:latin typeface="Courier"/>
+              </a:rPr>
+              <a:t>	0. FONT-FACE (for </a:t>
+            </a:r>
+            <a:r>
+              <a:rPr lang="en-US" sz="1000" dirty="0" err="1">
+                <a:solidFill>
+                  <a:srgbClr val="9A9A9A"/>
+                </a:solidFill>
+                <a:highlight>
+                  <a:srgbClr val="FFFFFF"/>
+                </a:highlight>
+                <a:latin typeface="Courier"/>
+              </a:rPr>
+              <a:t>perf</a:t>
+            </a:r>
+            <a:r>
+              <a:rPr lang="en-US" sz="1000" dirty="0">
+                <a:solidFill>
+                  <a:srgbClr val="9A9A9A"/>
+                </a:solidFill>
+                <a:highlight>
+                  <a:srgbClr val="FFFFFF"/>
+                </a:highlight>
+                <a:latin typeface="Courier"/>
+              </a:rPr>
+              <a:t>)</a:t>
+            </a:r>
+          </a:p>
+          <a:p>
+            <a:r>
+              <a:rPr lang="en-US" sz="1000" dirty="0">
+                <a:solidFill>
+                  <a:srgbClr val="9A9A9A"/>
+                </a:solidFill>
+                <a:highlight>
+                  <a:srgbClr val="FFFFFF"/>
+                </a:highlight>
+                <a:latin typeface="Courier"/>
+              </a:rPr>
+              <a:t>	</a:t>
+            </a:r>
+          </a:p>
+          <a:p>
+            <a:r>
+              <a:rPr lang="en-US" sz="1000" dirty="0">
+                <a:solidFill>
+                  <a:srgbClr val="9A9A9A"/>
+                </a:solidFill>
+                <a:highlight>
+                  <a:srgbClr val="FFFFFF"/>
+                </a:highlight>
+                <a:latin typeface="Courier"/>
+              </a:rPr>
+              <a:t>	1. RESET</a:t>
+            </a:r>
+          </a:p>
+          <a:p>
+            <a:r>
+              <a:rPr lang="en-US" sz="1000" dirty="0">
+                <a:solidFill>
+                  <a:srgbClr val="9A9A9A"/>
+                </a:solidFill>
+                <a:highlight>
+                  <a:srgbClr val="FFFFFF"/>
+                </a:highlight>
+                <a:latin typeface="Courier"/>
+              </a:rPr>
+              <a:t>	</a:t>
+            </a:r>
+          </a:p>
+          <a:p>
+            <a:r>
+              <a:rPr lang="en-US" sz="1000" dirty="0">
+                <a:solidFill>
+                  <a:srgbClr val="9A9A9A"/>
+                </a:solidFill>
+                <a:highlight>
+                  <a:srgbClr val="FFFFFF"/>
+                </a:highlight>
+                <a:latin typeface="Courier"/>
+              </a:rPr>
+              <a:t>	2. DEFAULT ELEMENT STYLES</a:t>
+            </a:r>
+          </a:p>
+          <a:p>
+            <a:r>
+              <a:rPr lang="en-US" sz="1000" dirty="0">
+                <a:solidFill>
+                  <a:srgbClr val="9A9A9A"/>
+                </a:solidFill>
+                <a:highlight>
+                  <a:srgbClr val="FFFFFF"/>
+                </a:highlight>
+                <a:latin typeface="Courier"/>
+              </a:rPr>
+              <a:t>		2.1 BODY</a:t>
+            </a:r>
+          </a:p>
+          <a:p>
+            <a:r>
+              <a:rPr lang="en-US" sz="1000" dirty="0">
+                <a:solidFill>
+                  <a:srgbClr val="9A9A9A"/>
+                </a:solidFill>
+                <a:highlight>
+                  <a:srgbClr val="FFFFFF"/>
+                </a:highlight>
+                <a:latin typeface="Courier"/>
+              </a:rPr>
+              <a:t>		2.2 LINK STYLES</a:t>
+            </a:r>
+          </a:p>
+          <a:p>
+            <a:r>
+              <a:rPr lang="en-US" sz="1000" dirty="0">
+                <a:solidFill>
+                  <a:srgbClr val="9A9A9A"/>
+                </a:solidFill>
+                <a:highlight>
+                  <a:srgbClr val="FFFFFF"/>
+                </a:highlight>
+                <a:latin typeface="Courier"/>
+              </a:rPr>
+              <a:t>		2.3 HEADINGS</a:t>
+            </a:r>
+          </a:p>
+          <a:p>
+            <a:r>
+              <a:rPr lang="en-US" sz="1000" dirty="0">
+                <a:solidFill>
+                  <a:srgbClr val="9A9A9A"/>
+                </a:solidFill>
+                <a:highlight>
+                  <a:srgbClr val="FFFFFF"/>
+                </a:highlight>
+                <a:latin typeface="Courier"/>
+              </a:rPr>
+              <a:t>		2.4 OTHER ELEMENTS</a:t>
+            </a:r>
+          </a:p>
+          <a:p>
+            <a:r>
+              <a:rPr lang="en-US" sz="1000" dirty="0">
+                <a:solidFill>
+                  <a:srgbClr val="9A9A9A"/>
+                </a:solidFill>
+                <a:highlight>
+                  <a:srgbClr val="FFFFFF"/>
+                </a:highlight>
+                <a:latin typeface="Courier"/>
+              </a:rPr>
+              <a:t>		2.5 QUOTES</a:t>
+            </a:r>
+          </a:p>
+          <a:p>
+            <a:r>
+              <a:rPr lang="en-US" sz="1000" dirty="0">
+                <a:solidFill>
+                  <a:srgbClr val="9A9A9A"/>
+                </a:solidFill>
+                <a:highlight>
+                  <a:srgbClr val="FFFFFF"/>
+                </a:highlight>
+                <a:latin typeface="Courier"/>
+              </a:rPr>
+              <a:t>		</a:t>
+            </a:r>
+          </a:p>
+          <a:p>
+            <a:r>
+              <a:rPr lang="en-US" sz="1000" dirty="0">
+                <a:solidFill>
+                  <a:srgbClr val="9A9A9A"/>
+                </a:solidFill>
+                <a:highlight>
+                  <a:srgbClr val="FFFFFF"/>
+                </a:highlight>
+                <a:latin typeface="Courier"/>
+              </a:rPr>
+              <a:t>	2. BASE</a:t>
+            </a:r>
+          </a:p>
+          <a:p>
+            <a:r>
+              <a:rPr lang="en-US" sz="1000" dirty="0">
+                <a:solidFill>
+                  <a:srgbClr val="9A9A9A"/>
+                </a:solidFill>
+                <a:highlight>
+                  <a:srgbClr val="FFFFFF"/>
+                </a:highlight>
+                <a:latin typeface="Courier"/>
+              </a:rPr>
+              <a:t>		2.1 HEADER STYLES</a:t>
+            </a:r>
+          </a:p>
+          <a:p>
+            <a:r>
+              <a:rPr lang="sv-SE" sz="1000" dirty="0">
+                <a:solidFill>
+                  <a:srgbClr val="9A9A9A"/>
+                </a:solidFill>
+                <a:highlight>
+                  <a:srgbClr val="FFFFFF"/>
+                </a:highlight>
+                <a:latin typeface="Courier"/>
+              </a:rPr>
+              <a:t>			2.1.1  </a:t>
+            </a:r>
+            <a:r>
+              <a:rPr lang="sv-SE" sz="1000" dirty="0" err="1">
+                <a:solidFill>
+                  <a:srgbClr val="9A9A9A"/>
+                </a:solidFill>
+                <a:highlight>
+                  <a:srgbClr val="FFFFFF"/>
+                </a:highlight>
+                <a:latin typeface="Courier"/>
+              </a:rPr>
+              <a:t>Top</a:t>
+            </a:r>
+            <a:r>
+              <a:rPr lang="sv-SE" sz="1000" dirty="0">
+                <a:solidFill>
+                  <a:srgbClr val="9A9A9A"/>
+                </a:solidFill>
+                <a:highlight>
+                  <a:srgbClr val="FFFFFF"/>
+                </a:highlight>
+                <a:latin typeface="Courier"/>
+              </a:rPr>
+              <a:t> Nav </a:t>
+            </a:r>
+            <a:r>
+              <a:rPr lang="sv-SE" sz="1000" dirty="0" err="1">
+                <a:solidFill>
+                  <a:srgbClr val="9A9A9A"/>
+                </a:solidFill>
+                <a:highlight>
+                  <a:srgbClr val="FFFFFF"/>
+                </a:highlight>
+                <a:latin typeface="Courier"/>
+              </a:rPr>
+              <a:t>Styles</a:t>
+            </a:r>
+            <a:endParaRPr lang="sv-SE" sz="1000" dirty="0">
+              <a:solidFill>
+                <a:srgbClr val="9A9A9A"/>
+              </a:solidFill>
+              <a:highlight>
+                <a:srgbClr val="FFFFFF"/>
+              </a:highlight>
+              <a:latin typeface="Courier"/>
+            </a:endParaRPr>
+          </a:p>
+          <a:p>
+            <a:r>
+              <a:rPr lang="sv-SE" sz="1000" dirty="0">
+                <a:solidFill>
+                  <a:srgbClr val="9A9A9A"/>
+                </a:solidFill>
+                <a:highlight>
+                  <a:srgbClr val="FFFFFF"/>
+                </a:highlight>
+                <a:latin typeface="Courier"/>
+              </a:rPr>
+              <a:t>			2.1.2  Main Nav </a:t>
+            </a:r>
+            <a:r>
+              <a:rPr lang="sv-SE" sz="1000" dirty="0" err="1">
+                <a:solidFill>
+                  <a:srgbClr val="9A9A9A"/>
+                </a:solidFill>
+                <a:highlight>
+                  <a:srgbClr val="FFFFFF"/>
+                </a:highlight>
+                <a:latin typeface="Courier"/>
+              </a:rPr>
+              <a:t>Styles</a:t>
+            </a:r>
+            <a:endParaRPr lang="sv-SE" sz="1000" dirty="0">
+              <a:solidFill>
+                <a:srgbClr val="9A9A9A"/>
+              </a:solidFill>
+              <a:highlight>
+                <a:srgbClr val="FFFFFF"/>
+              </a:highlight>
+              <a:latin typeface="Courier"/>
+            </a:endParaRPr>
+          </a:p>
+          <a:p>
+            <a:r>
+              <a:rPr lang="sv-SE" sz="1000" dirty="0">
+                <a:solidFill>
+                  <a:srgbClr val="9A9A9A"/>
+                </a:solidFill>
+                <a:highlight>
+                  <a:srgbClr val="FFFFFF"/>
+                </a:highlight>
+                <a:latin typeface="Courier"/>
+              </a:rPr>
+              <a:t>			2.1.3  </a:t>
+            </a:r>
+            <a:r>
+              <a:rPr lang="sv-SE" sz="1000" dirty="0" err="1">
+                <a:solidFill>
+                  <a:srgbClr val="9A9A9A"/>
+                </a:solidFill>
+                <a:highlight>
+                  <a:srgbClr val="FFFFFF"/>
+                </a:highlight>
+                <a:latin typeface="Courier"/>
+              </a:rPr>
+              <a:t>Searchform</a:t>
+            </a:r>
+            <a:r>
+              <a:rPr lang="sv-SE" sz="1000" dirty="0">
+                <a:solidFill>
+                  <a:srgbClr val="9A9A9A"/>
+                </a:solidFill>
+                <a:highlight>
+                  <a:srgbClr val="FFFFFF"/>
+                </a:highlight>
+                <a:latin typeface="Courier"/>
+              </a:rPr>
+              <a:t> </a:t>
+            </a:r>
+            <a:r>
+              <a:rPr lang="sv-SE" sz="1000" dirty="0" err="1">
+                <a:solidFill>
+                  <a:srgbClr val="9A9A9A"/>
+                </a:solidFill>
+                <a:highlight>
+                  <a:srgbClr val="FFFFFF"/>
+                </a:highlight>
+                <a:latin typeface="Courier"/>
+              </a:rPr>
+              <a:t>Styles</a:t>
+            </a:r>
+            <a:endParaRPr lang="sv-SE" sz="1000" dirty="0">
+              <a:solidFill>
+                <a:srgbClr val="9A9A9A"/>
+              </a:solidFill>
+              <a:highlight>
+                <a:srgbClr val="FFFFFF"/>
+              </a:highlight>
+              <a:latin typeface="Courier"/>
+            </a:endParaRPr>
+          </a:p>
+          <a:p>
+            <a:r>
+              <a:rPr lang="en-US" sz="1000" dirty="0">
+                <a:solidFill>
+                  <a:srgbClr val="9A9A9A"/>
+                </a:solidFill>
+                <a:highlight>
+                  <a:srgbClr val="FFFFFF"/>
+                </a:highlight>
+                <a:latin typeface="Courier"/>
+              </a:rPr>
+              <a:t>			2.1.4  Breadcrumbs</a:t>
+            </a:r>
+          </a:p>
+          <a:p>
+            <a:r>
+              <a:rPr lang="en-US" sz="1000" dirty="0">
+                <a:solidFill>
+                  <a:srgbClr val="9A9A9A"/>
+                </a:solidFill>
+                <a:highlight>
+                  <a:srgbClr val="FFFFFF"/>
+                </a:highlight>
+                <a:latin typeface="Courier"/>
+              </a:rPr>
+              <a:t>	</a:t>
+            </a:r>
+          </a:p>
+          <a:p>
+            <a:r>
+              <a:rPr lang="en-US" sz="1000" dirty="0">
+                <a:solidFill>
+                  <a:srgbClr val="9A9A9A"/>
+                </a:solidFill>
+                <a:highlight>
+                  <a:srgbClr val="FFFFFF"/>
+                </a:highlight>
+                <a:latin typeface="Courier"/>
+              </a:rPr>
+              <a:t>		2.2 POST STYLES</a:t>
+            </a:r>
+          </a:p>
+          <a:p>
+            <a:r>
+              <a:rPr lang="en-US" sz="1000" dirty="0">
+                <a:solidFill>
+                  <a:srgbClr val="9A9A9A"/>
+                </a:solidFill>
+                <a:highlight>
+                  <a:srgbClr val="FFFFFF"/>
+                </a:highlight>
+                <a:latin typeface="Courier"/>
+              </a:rPr>
+              <a:t>			2.2.1  Post Header</a:t>
+            </a:r>
+          </a:p>
+        </p:txBody>
+      </p:sp>
+      <p:sp>
+        <p:nvSpPr>
+          <p:cNvPr id="6" name="Rectangle 5"/>
+          <p:cNvSpPr/>
+          <p:nvPr/>
+        </p:nvSpPr>
+        <p:spPr>
+          <a:xfrm>
+            <a:off x="457200" y="1200150"/>
+            <a:ext cx="8059270" cy="2862323"/>
+          </a:xfrm>
+          <a:prstGeom prst="rect">
+            <a:avLst/>
+          </a:prstGeom>
+        </p:spPr>
+        <p:txBody>
+          <a:bodyPr wrap="square">
+            <a:spAutoFit/>
+          </a:bodyPr>
+          <a:lstStyle/>
+          <a:p>
+            <a:endParaRPr lang="en-US" dirty="0">
+              <a:latin typeface="Courier"/>
+            </a:endParaRPr>
+          </a:p>
+          <a:p>
+            <a:r>
+              <a:rPr lang="en-US" dirty="0">
+                <a:solidFill>
+                  <a:srgbClr val="9A9A9A"/>
+                </a:solidFill>
+                <a:highlight>
+                  <a:srgbClr val="FFFFFF"/>
+                </a:highlight>
+                <a:latin typeface="Courier"/>
+              </a:rPr>
+              <a:t>/* 1. RESET</a:t>
+            </a:r>
+          </a:p>
+          <a:p>
+            <a:r>
+              <a:rPr lang="en-US" dirty="0">
+                <a:solidFill>
+                  <a:srgbClr val="9A9A9A"/>
+                </a:solidFill>
+                <a:highlight>
+                  <a:srgbClr val="FFFFFF"/>
+                </a:highlight>
+                <a:latin typeface="Courier"/>
+              </a:rPr>
+              <a:t>-----------------------------------------------------------------------------------------------</a:t>
+            </a:r>
+          </a:p>
+          <a:p>
+            <a:r>
+              <a:rPr lang="en-US" dirty="0">
+                <a:solidFill>
+                  <a:srgbClr val="9A9A9A"/>
+                </a:solidFill>
+                <a:highlight>
+                  <a:srgbClr val="FFFFFF"/>
+                </a:highlight>
+                <a:latin typeface="Courier"/>
+              </a:rPr>
+              <a:t>===============================================================================================*/</a:t>
+            </a:r>
+          </a:p>
+          <a:p>
+            <a:r>
+              <a:rPr lang="en-US" dirty="0">
+                <a:solidFill>
+                  <a:srgbClr val="9A9A9A"/>
+                </a:solidFill>
+                <a:highlight>
+                  <a:srgbClr val="FFFFFF"/>
+                </a:highlight>
+                <a:latin typeface="Courier"/>
+              </a:rPr>
+              <a:t>/* http://</a:t>
+            </a:r>
+            <a:r>
+              <a:rPr lang="en-US" dirty="0" err="1">
+                <a:solidFill>
+                  <a:srgbClr val="9A9A9A"/>
+                </a:solidFill>
+                <a:highlight>
+                  <a:srgbClr val="FFFFFF"/>
+                </a:highlight>
+                <a:latin typeface="Courier"/>
+              </a:rPr>
+              <a:t>meyerweb.com</a:t>
+            </a:r>
+            <a:r>
+              <a:rPr lang="en-US" dirty="0">
+                <a:solidFill>
+                  <a:srgbClr val="9A9A9A"/>
+                </a:solidFill>
+                <a:highlight>
+                  <a:srgbClr val="FFFFFF"/>
+                </a:highlight>
+                <a:latin typeface="Courier"/>
+              </a:rPr>
+              <a:t>/</a:t>
+            </a:r>
+            <a:r>
+              <a:rPr lang="en-US" dirty="0" err="1">
+                <a:solidFill>
+                  <a:srgbClr val="9A9A9A"/>
+                </a:solidFill>
+                <a:highlight>
+                  <a:srgbClr val="FFFFFF"/>
+                </a:highlight>
+                <a:latin typeface="Courier"/>
+              </a:rPr>
+              <a:t>eric</a:t>
+            </a:r>
+            <a:r>
+              <a:rPr lang="en-US" dirty="0">
+                <a:solidFill>
+                  <a:srgbClr val="9A9A9A"/>
+                </a:solidFill>
+                <a:highlight>
+                  <a:srgbClr val="FFFFFF"/>
+                </a:highlight>
+                <a:latin typeface="Courier"/>
+              </a:rPr>
+              <a:t>/tools/</a:t>
+            </a:r>
+            <a:r>
+              <a:rPr lang="en-US" dirty="0" err="1">
+                <a:solidFill>
+                  <a:srgbClr val="9A9A9A"/>
+                </a:solidFill>
+                <a:highlight>
+                  <a:srgbClr val="FFFFFF"/>
+                </a:highlight>
+                <a:latin typeface="Courier"/>
+              </a:rPr>
               <a:t>css</a:t>
             </a:r>
             <a:r>
-              <a:rPr lang="en-US" dirty="0"/>
-              <a:t> (</a:t>
-            </a:r>
-            <a:r>
-              <a:rPr lang="en-US" dirty="0" err="1"/>
-              <a:t>finn</a:t>
-            </a:r>
-            <a:r>
-              <a:rPr lang="en-US" dirty="0"/>
-              <a:t> </a:t>
-            </a:r>
-            <a:r>
-              <a:rPr lang="en-US" dirty="0" err="1"/>
-              <a:t>noe</a:t>
-            </a:r>
-            <a:r>
-              <a:rPr lang="en-US" dirty="0"/>
-              <a:t> </a:t>
-            </a:r>
-            <a:r>
-              <a:rPr lang="en-US" dirty="0" err="1"/>
-              <a:t>ferdig</a:t>
-            </a:r>
-            <a:r>
-              <a:rPr lang="en-US" dirty="0"/>
-              <a:t>, -husk </a:t>
-            </a:r>
-            <a:r>
-              <a:rPr lang="en-US" dirty="0" err="1"/>
-              <a:t>akreditering</a:t>
-            </a:r>
-            <a:r>
-              <a:rPr lang="en-US" dirty="0"/>
-              <a:t>)</a:t>
-            </a:r>
-          </a:p>
-          <a:p>
-            <a:r>
-              <a:rPr lang="en-US" dirty="0"/>
-              <a:t>Sett </a:t>
-            </a:r>
-            <a:r>
-              <a:rPr lang="en-US" dirty="0" err="1"/>
-              <a:t>globale</a:t>
-            </a:r>
-            <a:r>
-              <a:rPr lang="en-US" dirty="0"/>
-              <a:t> </a:t>
-            </a:r>
-            <a:r>
-              <a:rPr lang="en-US" dirty="0" err="1"/>
-              <a:t>verdier</a:t>
-            </a:r>
-            <a:r>
-              <a:rPr lang="en-US" dirty="0"/>
-              <a:t> for </a:t>
-            </a:r>
-            <a:r>
-              <a:rPr lang="en-US" dirty="0" err="1"/>
-              <a:t>websiden</a:t>
-            </a:r>
-            <a:r>
-              <a:rPr lang="en-US" dirty="0"/>
-              <a:t> </a:t>
-            </a:r>
-            <a:r>
-              <a:rPr lang="en-US" dirty="0" err="1"/>
-              <a:t>øverst</a:t>
-            </a:r>
-            <a:endParaRPr lang="en-US" dirty="0"/>
-          </a:p>
-          <a:p>
-            <a:pPr lvl="1"/>
-            <a:r>
-              <a:rPr lang="en-US" dirty="0" err="1"/>
-              <a:t>fonter</a:t>
-            </a:r>
-            <a:r>
-              <a:rPr lang="en-US" dirty="0"/>
-              <a:t>, </a:t>
-            </a:r>
-            <a:r>
-              <a:rPr lang="en-US" dirty="0" err="1"/>
-              <a:t>farger</a:t>
-            </a:r>
-            <a:r>
-              <a:rPr lang="en-US" dirty="0"/>
-              <a:t> </a:t>
-            </a:r>
-            <a:r>
-              <a:rPr lang="en-US" dirty="0" err="1"/>
-              <a:t>størrelser</a:t>
-            </a:r>
-            <a:r>
-              <a:rPr lang="en-US" dirty="0"/>
-              <a:t>, </a:t>
-            </a:r>
-            <a:r>
-              <a:rPr lang="en-US" dirty="0" err="1"/>
-              <a:t>etc</a:t>
-            </a:r>
-            <a:endParaRPr lang="en-US" dirty="0"/>
-          </a:p>
-          <a:p>
+              <a:rPr lang="en-US" dirty="0">
+                <a:solidFill>
+                  <a:srgbClr val="9A9A9A"/>
+                </a:solidFill>
+                <a:highlight>
+                  <a:srgbClr val="FFFFFF"/>
+                </a:highlight>
+                <a:latin typeface="Courier"/>
+              </a:rPr>
+              <a:t>/reset/ */</a:t>
+            </a:r>
+          </a:p>
+          <a:p>
+            <a:r>
+              <a:rPr lang="en-US" dirty="0">
+                <a:solidFill>
+                  <a:srgbClr val="DA29FF"/>
+                </a:solidFill>
+                <a:highlight>
+                  <a:srgbClr val="FFFFFF"/>
+                </a:highlight>
+                <a:latin typeface="Courier"/>
+              </a:rPr>
+              <a:t>html</a:t>
+            </a:r>
+            <a:r>
+              <a:rPr lang="en-US" b="1" dirty="0">
+                <a:solidFill>
+                  <a:srgbClr val="DA29FF"/>
+                </a:solidFill>
+                <a:highlight>
+                  <a:srgbClr val="FFFFFF"/>
+                </a:highlight>
+                <a:latin typeface="Courier"/>
+              </a:rPr>
+              <a:t>,body,div,span,applet,object,iframe,h1,h2,h3,h4,h5,h6,p,blockquote,pre,a,abbr,acronym,address,big,cite,code,del,dfn,</a:t>
+            </a:r>
+            <a:r>
+              <a:rPr lang="en-US" b="1" dirty="0">
+                <a:solidFill>
+                  <a:srgbClr val="0035FF"/>
+                </a:solidFill>
+                <a:highlight>
+                  <a:srgbClr val="FFFFFF"/>
+                </a:highlight>
+                <a:latin typeface="Courier"/>
+              </a:rPr>
+              <a:t>em</a:t>
+            </a:r>
+            <a:r>
+              <a:rPr lang="en-US" b="1" dirty="0">
+                <a:solidFill>
+                  <a:srgbClr val="DA29FF"/>
+                </a:solidFill>
+                <a:highlight>
+                  <a:srgbClr val="FFFFFF"/>
+                </a:highlight>
+                <a:latin typeface="Courier"/>
+              </a:rPr>
+              <a:t>,img,ins,</a:t>
+            </a:r>
+            <a:r>
+              <a:rPr lang="en-US" b="1" dirty="0" smtClean="0">
+                <a:solidFill>
+                  <a:srgbClr val="DA29FF"/>
+                </a:solidFill>
+                <a:highlight>
+                  <a:srgbClr val="FFFFFF"/>
+                </a:highlight>
+                <a:latin typeface="Courier"/>
+              </a:rPr>
+              <a:t>kbd</a:t>
+            </a:r>
             <a:endParaRPr lang="en-US" dirty="0"/>
           </a:p>
         </p:txBody>
@@ -8183,9 +11054,280 @@
   <p:timing>
     <p:tnLst>
       <p:par>
-        <p:cTn xmlns:p14="http://schemas.microsoft.com/office/powerpoint/2010/main" id="1" dur="indefinite" restart="never" nodeType="tmRoot"/>
+        <p:cTn xmlns:p14="http://schemas.microsoft.com/office/powerpoint/2010/main" id="1" dur="indefinite" restart="never" nodeType="tmRoot">
+          <p:childTnLst>
+            <p:seq concurrent="1" nextAc="seek">
+              <p:cTn id="2" dur="indefinite" nodeType="mainSeq">
+                <p:childTnLst>
+                  <p:par>
+                    <p:cTn id="3" fill="hold">
+                      <p:stCondLst>
+                        <p:cond delay="indefinite"/>
+                      </p:stCondLst>
+                      <p:childTnLst>
+                        <p:par>
+                          <p:cTn id="4" fill="hold">
+                            <p:stCondLst>
+                              <p:cond delay="0"/>
+                            </p:stCondLst>
+                            <p:childTnLst>
+                              <p:par>
+                                <p:cTn id="5" presetID="10" presetClass="entr" presetSubtype="0" fill="hold" grpId="0" nodeType="clickEffect">
+                                  <p:stCondLst>
+                                    <p:cond delay="0"/>
+                                  </p:stCondLst>
+                                  <p:childTnLst>
+                                    <p:set>
+                                      <p:cBhvr>
+                                        <p:cTn id="6" dur="1" fill="hold">
+                                          <p:stCondLst>
+                                            <p:cond delay="0"/>
+                                          </p:stCondLst>
+                                        </p:cTn>
+                                        <p:tgtEl>
+                                          <p:spTgt spid="2"/>
+                                        </p:tgtEl>
+                                        <p:attrNameLst>
+                                          <p:attrName>style.visibility</p:attrName>
+                                        </p:attrNameLst>
+                                      </p:cBhvr>
+                                      <p:to>
+                                        <p:strVal val="visible"/>
+                                      </p:to>
+                                    </p:set>
+                                    <p:animEffect transition="in" filter="fade">
+                                      <p:cBhvr>
+                                        <p:cTn id="7" dur="500"/>
+                                        <p:tgtEl>
+                                          <p:spTgt spid="2"/>
+                                        </p:tgtEl>
+                                      </p:cBhvr>
+                                    </p:animEffect>
+                                  </p:childTnLst>
+                                  <p:subTnLst>
+                                    <p:set>
+                                      <p:cBhvr override="childStyle">
+                                        <p:cTn dur="1" fill="hold" display="0" masterRel="nextClick" afterEffect="1"/>
+                                        <p:tgtEl>
+                                          <p:spTgt spid="2"/>
+                                        </p:tgtEl>
+                                        <p:attrNameLst>
+                                          <p:attrName>style.visibility</p:attrName>
+                                        </p:attrNameLst>
+                                      </p:cBhvr>
+                                      <p:to>
+                                        <p:strVal val="hidden"/>
+                                      </p:to>
+                                    </p:set>
+                                  </p:subTnLst>
+                                </p:cTn>
+                              </p:par>
+                              <p:par>
+                                <p:cTn id="8" presetID="10" presetClass="entr" presetSubtype="0" fill="hold" grpId="0" nodeType="withEffect">
+                                  <p:stCondLst>
+                                    <p:cond delay="0"/>
+                                  </p:stCondLst>
+                                  <p:childTnLst>
+                                    <p:set>
+                                      <p:cBhvr>
+                                        <p:cTn id="9" dur="1" fill="hold">
+                                          <p:stCondLst>
+                                            <p:cond delay="0"/>
+                                          </p:stCondLst>
+                                        </p:cTn>
+                                        <p:tgtEl>
+                                          <p:spTgt spid="3"/>
+                                        </p:tgtEl>
+                                        <p:attrNameLst>
+                                          <p:attrName>style.visibility</p:attrName>
+                                        </p:attrNameLst>
+                                      </p:cBhvr>
+                                      <p:to>
+                                        <p:strVal val="visible"/>
+                                      </p:to>
+                                    </p:set>
+                                    <p:animEffect transition="in" filter="fade">
+                                      <p:cBhvr>
+                                        <p:cTn id="10" dur="500"/>
+                                        <p:tgtEl>
+                                          <p:spTgt spid="3"/>
+                                        </p:tgtEl>
+                                      </p:cBhvr>
+                                    </p:animEffect>
+                                  </p:childTnLst>
+                                  <p:subTnLst>
+                                    <p:set>
+                                      <p:cBhvr override="childStyle">
+                                        <p:cTn dur="1" fill="hold" display="0" masterRel="nextClick" afterEffect="1"/>
+                                        <p:tgtEl>
+                                          <p:spTgt spid="3"/>
+                                        </p:tgtEl>
+                                        <p:attrNameLst>
+                                          <p:attrName>style.visibility</p:attrName>
+                                        </p:attrNameLst>
+                                      </p:cBhvr>
+                                      <p:to>
+                                        <p:strVal val="hidden"/>
+                                      </p:to>
+                                    </p:set>
+                                  </p:subTnLst>
+                                </p:cTn>
+                              </p:par>
+                            </p:childTnLst>
+                          </p:cTn>
+                        </p:par>
+                      </p:childTnLst>
+                    </p:cTn>
+                  </p:par>
+                  <p:par>
+                    <p:cTn id="11" fill="hold">
+                      <p:stCondLst>
+                        <p:cond delay="indefinite"/>
+                      </p:stCondLst>
+                      <p:childTnLst>
+                        <p:par>
+                          <p:cTn id="12" fill="hold">
+                            <p:stCondLst>
+                              <p:cond delay="0"/>
+                            </p:stCondLst>
+                            <p:childTnLst>
+                              <p:par>
+                                <p:cTn id="13" presetID="10" presetClass="entr" presetSubtype="0" fill="hold" grpId="0" nodeType="clickEffect">
+                                  <p:stCondLst>
+                                    <p:cond delay="0"/>
+                                  </p:stCondLst>
+                                  <p:childTnLst>
+                                    <p:set>
+                                      <p:cBhvr>
+                                        <p:cTn id="14" dur="1" fill="hold">
+                                          <p:stCondLst>
+                                            <p:cond delay="0"/>
+                                          </p:stCondLst>
+                                        </p:cTn>
+                                        <p:tgtEl>
+                                          <p:spTgt spid="5"/>
+                                        </p:tgtEl>
+                                        <p:attrNameLst>
+                                          <p:attrName>style.visibility</p:attrName>
+                                        </p:attrNameLst>
+                                      </p:cBhvr>
+                                      <p:to>
+                                        <p:strVal val="visible"/>
+                                      </p:to>
+                                    </p:set>
+                                    <p:animEffect transition="in" filter="fade">
+                                      <p:cBhvr>
+                                        <p:cTn id="15" dur="500"/>
+                                        <p:tgtEl>
+                                          <p:spTgt spid="5"/>
+                                        </p:tgtEl>
+                                      </p:cBhvr>
+                                    </p:animEffect>
+                                  </p:childTnLst>
+                                  <p:subTnLst>
+                                    <p:set>
+                                      <p:cBhvr override="childStyle">
+                                        <p:cTn dur="1" fill="hold" display="0" masterRel="nextClick" afterEffect="1"/>
+                                        <p:tgtEl>
+                                          <p:spTgt spid="5"/>
+                                        </p:tgtEl>
+                                        <p:attrNameLst>
+                                          <p:attrName>style.visibility</p:attrName>
+                                        </p:attrNameLst>
+                                      </p:cBhvr>
+                                      <p:to>
+                                        <p:strVal val="hidden"/>
+                                      </p:to>
+                                    </p:set>
+                                  </p:subTnLst>
+                                </p:cTn>
+                              </p:par>
+                            </p:childTnLst>
+                          </p:cTn>
+                        </p:par>
+                      </p:childTnLst>
+                    </p:cTn>
+                  </p:par>
+                  <p:par>
+                    <p:cTn id="16" fill="hold">
+                      <p:stCondLst>
+                        <p:cond delay="indefinite"/>
+                      </p:stCondLst>
+                      <p:childTnLst>
+                        <p:par>
+                          <p:cTn id="17" fill="hold">
+                            <p:stCondLst>
+                              <p:cond delay="0"/>
+                            </p:stCondLst>
+                            <p:childTnLst>
+                              <p:par>
+                                <p:cTn id="18" presetID="10" presetClass="entr" presetSubtype="0" fill="hold" grpId="0" nodeType="clickEffect">
+                                  <p:stCondLst>
+                                    <p:cond delay="0"/>
+                                  </p:stCondLst>
+                                  <p:childTnLst>
+                                    <p:set>
+                                      <p:cBhvr>
+                                        <p:cTn id="19" dur="1" fill="hold">
+                                          <p:stCondLst>
+                                            <p:cond delay="0"/>
+                                          </p:stCondLst>
+                                        </p:cTn>
+                                        <p:tgtEl>
+                                          <p:spTgt spid="6"/>
+                                        </p:tgtEl>
+                                        <p:attrNameLst>
+                                          <p:attrName>style.visibility</p:attrName>
+                                        </p:attrNameLst>
+                                      </p:cBhvr>
+                                      <p:to>
+                                        <p:strVal val="visible"/>
+                                      </p:to>
+                                    </p:set>
+                                    <p:animEffect transition="in" filter="fade">
+                                      <p:cBhvr>
+                                        <p:cTn id="20" dur="500"/>
+                                        <p:tgtEl>
+                                          <p:spTgt spid="6"/>
+                                        </p:tgtEl>
+                                      </p:cBhvr>
+                                    </p:animEffect>
+                                  </p:childTnLst>
+                                </p:cTn>
+                              </p:par>
+                            </p:childTnLst>
+                          </p:cTn>
+                        </p:par>
+                      </p:childTnLst>
+                    </p:cTn>
+                  </p:par>
+                </p:childTnLst>
+              </p:cTn>
+              <p:prevCondLst>
+                <p:cond evt="onPrev" delay="0">
+                  <p:tgtEl>
+                    <p:sldTgt/>
+                  </p:tgtEl>
+                </p:cond>
+              </p:prevCondLst>
+              <p:nextCondLst>
+                <p:cond evt="onNext" delay="0">
+                  <p:tgtEl>
+                    <p:sldTgt/>
+                  </p:tgtEl>
+                </p:cond>
+              </p:nextCondLst>
+            </p:seq>
+          </p:childTnLst>
+        </p:cTn>
       </p:par>
     </p:tnLst>
+    <p:bldLst>
+      <p:bldP spid="2" grpId="0"/>
+      <p:bldP spid="3" grpId="0"/>
+      <p:bldP spid="5" grpId="0"/>
+      <p:bldP spid="6" grpId="0"/>
+    </p:bldLst>
   </p:timing>
 </p:sld>
 </file>
@@ -8219,12 +11361,18 @@
         </p:nvSpPr>
         <p:spPr/>
         <p:txBody>
-          <a:bodyPr/>
+          <a:bodyPr>
+            <a:normAutofit/>
+          </a:bodyPr>
           <a:lstStyle/>
           <a:p>
             <a:r>
-              <a:rPr lang="en-US" dirty="0" smtClean="0"/>
-              <a:t>Selectors</a:t>
+              <a:rPr lang="en-US" dirty="0"/>
+              <a:t>@</a:t>
+            </a:r>
+            <a:r>
+              <a:rPr lang="en-US" dirty="0" err="1" smtClean="0"/>
+              <a:t>annotasjoner</a:t>
             </a:r>
             <a:endParaRPr lang="en-US" dirty="0"/>
           </a:p>
@@ -8232,178 +11380,285 @@
       </p:sp>
       <p:sp>
         <p:nvSpPr>
-          <p:cNvPr id="3" name="Content Placeholder 2"/>
-          <p:cNvSpPr>
-            <a:spLocks noGrp="1"/>
-          </p:cNvSpPr>
-          <p:nvPr>
-            <p:ph idx="1"/>
-          </p:nvPr>
+          <p:cNvPr id="4" name="Rectangle 3"/>
+          <p:cNvSpPr/>
+          <p:nvPr/>
         </p:nvSpPr>
-        <p:spPr/>
+        <p:spPr>
+          <a:xfrm>
+            <a:off x="457200" y="1258949"/>
+            <a:ext cx="5952565" cy="1569660"/>
+          </a:xfrm>
+          <a:prstGeom prst="rect">
+            <a:avLst/>
+          </a:prstGeom>
+        </p:spPr>
         <p:txBody>
-          <a:bodyPr/>
+          <a:bodyPr wrap="square">
+            <a:spAutoFit/>
+          </a:bodyPr>
           <a:lstStyle/>
           <a:p>
             <a:r>
-              <a:rPr lang="en-US" dirty="0" err="1" smtClean="0"/>
-              <a:t>Alle</a:t>
-            </a:r>
-            <a:r>
-              <a:rPr lang="en-US" dirty="0" smtClean="0"/>
-              <a:t> HTML-</a:t>
-            </a:r>
-            <a:r>
-              <a:rPr lang="en-US" dirty="0" err="1" smtClean="0"/>
-              <a:t>elementer</a:t>
-            </a:r>
-            <a:r>
-              <a:rPr lang="en-US" dirty="0" smtClean="0"/>
-              <a:t> </a:t>
-            </a:r>
-            <a:r>
-              <a:rPr lang="en-US" dirty="0" err="1" smtClean="0"/>
-              <a:t>kan</a:t>
-            </a:r>
-            <a:r>
-              <a:rPr lang="en-US" dirty="0" smtClean="0"/>
-              <a:t> </a:t>
-            </a:r>
-            <a:r>
-              <a:rPr lang="en-US" dirty="0" err="1" smtClean="0"/>
-              <a:t>brukes</a:t>
-            </a:r>
-            <a:r>
-              <a:rPr lang="en-US" dirty="0" smtClean="0"/>
-              <a:t> </a:t>
-            </a:r>
-            <a:r>
-              <a:rPr lang="en-US" dirty="0" err="1" smtClean="0"/>
-              <a:t>som</a:t>
-            </a:r>
-            <a:r>
-              <a:rPr lang="en-US" dirty="0" smtClean="0"/>
-              <a:t> selector</a:t>
-            </a:r>
-          </a:p>
-          <a:p>
-            <a:pPr lvl="1"/>
-            <a:r>
-              <a:rPr lang="en-US" dirty="0" err="1" smtClean="0"/>
-              <a:t>Eks</a:t>
-            </a:r>
-            <a:r>
-              <a:rPr lang="en-US" dirty="0" smtClean="0"/>
-              <a:t>: &lt;p&gt; &lt;footer&gt; &lt;div&gt;</a:t>
-            </a:r>
-          </a:p>
-          <a:p>
-            <a:r>
-              <a:rPr lang="en-US" dirty="0" err="1" smtClean="0"/>
-              <a:t>Elementer</a:t>
-            </a:r>
-            <a:r>
-              <a:rPr lang="en-US" dirty="0" smtClean="0"/>
-              <a:t> </a:t>
-            </a:r>
-            <a:r>
-              <a:rPr lang="en-US" dirty="0" err="1" smtClean="0"/>
-              <a:t>kan</a:t>
-            </a:r>
-            <a:r>
-              <a:rPr lang="en-US" dirty="0" smtClean="0"/>
-              <a:t> </a:t>
-            </a:r>
-            <a:r>
-              <a:rPr lang="en-US" dirty="0" err="1" smtClean="0"/>
-              <a:t>markeres</a:t>
-            </a:r>
-            <a:r>
-              <a:rPr lang="en-US" dirty="0" smtClean="0"/>
-              <a:t> med </a:t>
-            </a:r>
-            <a:r>
-              <a:rPr lang="en-US" i="1" dirty="0" smtClean="0"/>
-              <a:t>class</a:t>
-            </a:r>
-            <a:r>
-              <a:rPr lang="en-US" dirty="0" smtClean="0"/>
-              <a:t> </a:t>
-            </a:r>
-            <a:r>
-              <a:rPr lang="en-US" dirty="0" err="1" smtClean="0"/>
-              <a:t>og</a:t>
-            </a:r>
-            <a:r>
-              <a:rPr lang="en-US" dirty="0"/>
-              <a:t>/</a:t>
-            </a:r>
-            <a:r>
-              <a:rPr lang="en-US" dirty="0" err="1" smtClean="0"/>
-              <a:t>eller</a:t>
-            </a:r>
-            <a:r>
-              <a:rPr lang="en-US" dirty="0" smtClean="0"/>
-              <a:t> </a:t>
-            </a:r>
-            <a:r>
-              <a:rPr lang="en-US" i="1" dirty="0" smtClean="0"/>
-              <a:t>id</a:t>
-            </a:r>
-          </a:p>
-          <a:p>
-            <a:r>
-              <a:rPr lang="en-US" dirty="0" err="1" smtClean="0"/>
-              <a:t>selectoren</a:t>
-            </a:r>
-            <a:r>
-              <a:rPr lang="en-US" dirty="0" smtClean="0"/>
-              <a:t> </a:t>
-            </a:r>
-            <a:r>
-              <a:rPr lang="en-US" sz="4000" b="1" dirty="0" smtClean="0">
-                <a:effectLst>
-                  <a:outerShdw blurRad="50800" dist="38100" dir="2700000" algn="tl" rotWithShape="0">
-                    <a:prstClr val="black">
-                      <a:alpha val="40000"/>
-                    </a:prstClr>
-                  </a:outerShdw>
-                </a:effectLst>
-              </a:rPr>
-              <a:t>*</a:t>
-            </a:r>
-            <a:r>
-              <a:rPr lang="en-US" dirty="0" smtClean="0"/>
-              <a:t> </a:t>
-            </a:r>
-            <a:r>
-              <a:rPr lang="en-US" dirty="0" err="1" smtClean="0"/>
-              <a:t>gjelder</a:t>
-            </a:r>
-            <a:r>
-              <a:rPr lang="en-US" dirty="0" smtClean="0"/>
-              <a:t> for </a:t>
-            </a:r>
-            <a:r>
-              <a:rPr lang="en-US" i="1" dirty="0" err="1" smtClean="0"/>
-              <a:t>alle</a:t>
-            </a:r>
-            <a:r>
-              <a:rPr lang="en-US" dirty="0" smtClean="0"/>
-              <a:t> </a:t>
-            </a:r>
-            <a:r>
-              <a:rPr lang="en-US" dirty="0" err="1" smtClean="0"/>
-              <a:t>elementer</a:t>
-            </a:r>
-            <a:endParaRPr lang="en-US" dirty="0"/>
+              <a:rPr lang="en-US" sz="2400" dirty="0">
+                <a:solidFill>
+                  <a:srgbClr val="DA29FF"/>
+                </a:solidFill>
+                <a:highlight>
+                  <a:srgbClr val="FFFFFF"/>
+                </a:highlight>
+                <a:latin typeface="Courier"/>
+              </a:rPr>
+              <a:t>@font-face {</a:t>
+            </a:r>
+          </a:p>
+          <a:p>
+            <a:r>
+              <a:rPr lang="en-US" sz="2400" dirty="0">
+                <a:solidFill>
+                  <a:srgbClr val="DA29FF"/>
+                </a:solidFill>
+                <a:highlight>
+                  <a:srgbClr val="FFFFFF"/>
+                </a:highlight>
+                <a:latin typeface="Courier"/>
+              </a:rPr>
+              <a:t>	</a:t>
+            </a:r>
+            <a:r>
+              <a:rPr lang="en-US" sz="2400" dirty="0">
+                <a:solidFill>
+                  <a:srgbClr val="05208C"/>
+                </a:solidFill>
+                <a:highlight>
+                  <a:srgbClr val="FFFFFF"/>
+                </a:highlight>
+                <a:latin typeface="Courier"/>
+              </a:rPr>
+              <a:t>font-family</a:t>
+            </a:r>
+            <a:r>
+              <a:rPr lang="en-US" sz="2400" b="1" dirty="0">
+                <a:solidFill>
+                  <a:srgbClr val="DA29FF"/>
+                </a:solidFill>
+                <a:highlight>
+                  <a:srgbClr val="FFFFFF"/>
+                </a:highlight>
+                <a:latin typeface="Courier"/>
+              </a:rPr>
+              <a:t>: </a:t>
+            </a:r>
+            <a:r>
+              <a:rPr lang="en-US" sz="2400" b="1" dirty="0">
+                <a:solidFill>
+                  <a:srgbClr val="106800"/>
+                </a:solidFill>
+                <a:highlight>
+                  <a:srgbClr val="FFFFFF"/>
+                </a:highlight>
+                <a:latin typeface="Courier"/>
+              </a:rPr>
+              <a:t>'Quicksand'</a:t>
+            </a:r>
+            <a:r>
+              <a:rPr lang="en-US" sz="2400" b="1" dirty="0">
+                <a:solidFill>
+                  <a:srgbClr val="DA29FF"/>
+                </a:solidFill>
+                <a:highlight>
+                  <a:srgbClr val="FFFFFF"/>
+                </a:highlight>
+                <a:latin typeface="Courier"/>
+              </a:rPr>
+              <a:t>;</a:t>
+            </a:r>
+          </a:p>
+          <a:p>
+            <a:r>
+              <a:rPr lang="en-US" sz="2400" dirty="0" smtClean="0">
+                <a:solidFill>
+                  <a:srgbClr val="DA29FF"/>
+                </a:solidFill>
+                <a:highlight>
+                  <a:srgbClr val="FFFFFF"/>
+                </a:highlight>
+                <a:latin typeface="Courier"/>
+              </a:rPr>
+              <a:t>	</a:t>
+            </a:r>
+            <a:r>
+              <a:rPr lang="en-US" sz="2400" dirty="0" smtClean="0">
+                <a:solidFill>
+                  <a:srgbClr val="05208C"/>
+                </a:solidFill>
+                <a:highlight>
+                  <a:srgbClr val="FFFFFF"/>
+                </a:highlight>
+                <a:latin typeface="Courier"/>
+              </a:rPr>
+              <a:t>...</a:t>
+            </a:r>
+            <a:endParaRPr lang="en-US" sz="2400" b="1" dirty="0" smtClean="0">
+              <a:solidFill>
+                <a:srgbClr val="DA29FF"/>
+              </a:solidFill>
+              <a:highlight>
+                <a:srgbClr val="FFFFFF"/>
+              </a:highlight>
+              <a:latin typeface="Courier"/>
+            </a:endParaRPr>
+          </a:p>
+          <a:p>
+            <a:r>
+              <a:rPr lang="en-US" sz="2400" dirty="0" smtClean="0">
+                <a:solidFill>
+                  <a:srgbClr val="DA29FF"/>
+                </a:solidFill>
+                <a:highlight>
+                  <a:srgbClr val="FFFFFF"/>
+                </a:highlight>
+                <a:latin typeface="Courier"/>
+              </a:rPr>
+              <a:t>}</a:t>
+            </a:r>
+            <a:endParaRPr lang="en-US" sz="2400" dirty="0"/>
+          </a:p>
+        </p:txBody>
+      </p:sp>
+      <p:sp>
+        <p:nvSpPr>
+          <p:cNvPr id="5" name="Rectangle 4"/>
+          <p:cNvSpPr/>
+          <p:nvPr/>
+        </p:nvSpPr>
+        <p:spPr>
+          <a:xfrm>
+            <a:off x="457200" y="3062292"/>
+            <a:ext cx="5916706" cy="1569660"/>
+          </a:xfrm>
+          <a:prstGeom prst="rect">
+            <a:avLst/>
+          </a:prstGeom>
+        </p:spPr>
+        <p:txBody>
+          <a:bodyPr wrap="square">
+            <a:spAutoFit/>
+          </a:bodyPr>
+          <a:lstStyle/>
+          <a:p>
+            <a:pPr lvl="0"/>
+            <a:r>
+              <a:rPr lang="en-US" sz="2400" dirty="0" smtClean="0">
+                <a:solidFill>
+                  <a:srgbClr val="DA29FF"/>
+                </a:solidFill>
+                <a:highlight>
+                  <a:srgbClr val="FFFFFF"/>
+                </a:highlight>
+                <a:latin typeface="Courier"/>
+              </a:rPr>
+              <a:t>@media screen (min-with:321px){</a:t>
+            </a:r>
+            <a:endParaRPr lang="en-US" sz="2400" dirty="0">
+              <a:solidFill>
+                <a:srgbClr val="DA29FF"/>
+              </a:solidFill>
+              <a:highlight>
+                <a:srgbClr val="FFFFFF"/>
+              </a:highlight>
+              <a:latin typeface="Courier"/>
+            </a:endParaRPr>
+          </a:p>
+          <a:p>
+            <a:pPr lvl="0"/>
+            <a:r>
+              <a:rPr lang="en-US" sz="2400" dirty="0">
+                <a:solidFill>
+                  <a:srgbClr val="DA29FF"/>
+                </a:solidFill>
+                <a:highlight>
+                  <a:srgbClr val="FFFFFF"/>
+                </a:highlight>
+                <a:latin typeface="Courier"/>
+              </a:rPr>
+              <a:t>	</a:t>
+            </a:r>
+            <a:r>
+              <a:rPr lang="en-US" sz="2400" dirty="0" smtClean="0">
+                <a:solidFill>
+                  <a:srgbClr val="05208C"/>
+                </a:solidFill>
+                <a:highlight>
+                  <a:srgbClr val="FFFFFF"/>
+                </a:highlight>
+                <a:latin typeface="Courier"/>
+              </a:rPr>
+              <a:t>body{</a:t>
+            </a:r>
+          </a:p>
+          <a:p>
+            <a:pPr lvl="0"/>
+            <a:r>
+              <a:rPr lang="en-US" sz="2400" dirty="0">
+                <a:solidFill>
+                  <a:srgbClr val="05208C"/>
+                </a:solidFill>
+                <a:highlight>
+                  <a:srgbClr val="FFFFFF"/>
+                </a:highlight>
+                <a:latin typeface="Courier"/>
+              </a:rPr>
+              <a:t>	</a:t>
+            </a:r>
+            <a:r>
+              <a:rPr lang="en-US" sz="2400" dirty="0" smtClean="0">
+                <a:solidFill>
+                  <a:srgbClr val="05208C"/>
+                </a:solidFill>
+                <a:highlight>
+                  <a:srgbClr val="FFFFFF"/>
+                </a:highlight>
+                <a:latin typeface="Courier"/>
+              </a:rPr>
+              <a:t>	...</a:t>
+            </a:r>
+            <a:endParaRPr lang="en-US" sz="2400" b="1" dirty="0">
+              <a:solidFill>
+                <a:srgbClr val="DA29FF"/>
+              </a:solidFill>
+              <a:highlight>
+                <a:srgbClr val="FFFFFF"/>
+              </a:highlight>
+              <a:latin typeface="Courier"/>
+            </a:endParaRPr>
+          </a:p>
+          <a:p>
+            <a:pPr lvl="0"/>
+            <a:r>
+              <a:rPr lang="en-US" sz="2400" dirty="0">
+                <a:solidFill>
+                  <a:srgbClr val="DA29FF"/>
+                </a:solidFill>
+                <a:highlight>
+                  <a:srgbClr val="FFFFFF"/>
+                </a:highlight>
+                <a:latin typeface="Courier"/>
+              </a:rPr>
+              <a:t>}</a:t>
+            </a:r>
+            <a:endParaRPr lang="en-US" sz="2400" dirty="0">
+              <a:solidFill>
+                <a:prstClr val="black"/>
+              </a:solidFill>
+            </a:endParaRPr>
           </a:p>
         </p:txBody>
       </p:sp>
     </p:spTree>
     <p:extLst>
       <p:ext uri="{BB962C8B-B14F-4D97-AF65-F5344CB8AC3E}">
-        <p14:creationId xmlns:p14="http://schemas.microsoft.com/office/powerpoint/2010/main" val="1895812246"/>
+        <p14:creationId xmlns:p14="http://schemas.microsoft.com/office/powerpoint/2010/main" val="4248880836"/>
       </p:ext>
     </p:extLst>
   </p:cSld>
@@ -8453,8 +11708,12 @@
           <a:lstStyle/>
           <a:p>
             <a:r>
+              <a:rPr lang="en-US" dirty="0" smtClean="0"/>
+              <a:t>Reset </a:t>
+            </a:r>
+            <a:r>
               <a:rPr lang="en-US" dirty="0" err="1" smtClean="0"/>
-              <a:t>Eksempler</a:t>
+              <a:t>css</a:t>
             </a:r>
             <a:endParaRPr lang="en-US" dirty="0"/>
           </a:p>
@@ -8470,81 +11729,329 @@
             <p:ph idx="1"/>
           </p:nvPr>
         </p:nvSpPr>
-        <p:spPr/>
+        <p:spPr>
+          <a:xfrm>
+            <a:off x="457200" y="1200150"/>
+            <a:ext cx="8229600" cy="1324909"/>
+          </a:xfrm>
+        </p:spPr>
         <p:txBody>
-          <a:bodyPr>
-            <a:normAutofit fontScale="92500" lnSpcReduction="10000"/>
+          <a:bodyPr/>
+          <a:lstStyle/>
+          <a:p>
+            <a:r>
+              <a:rPr lang="en-US" dirty="0" err="1" smtClean="0"/>
+              <a:t>finn</a:t>
+            </a:r>
+            <a:r>
+              <a:rPr lang="en-US" dirty="0" smtClean="0"/>
+              <a:t> </a:t>
+            </a:r>
+            <a:r>
+              <a:rPr lang="en-US" dirty="0" err="1"/>
+              <a:t>noe</a:t>
+            </a:r>
+            <a:r>
+              <a:rPr lang="en-US" dirty="0"/>
+              <a:t> </a:t>
+            </a:r>
+            <a:r>
+              <a:rPr lang="en-US" dirty="0" err="1" smtClean="0"/>
+              <a:t>ferdig</a:t>
+            </a:r>
+            <a:r>
+              <a:rPr lang="en-US" dirty="0" smtClean="0"/>
+              <a:t> (</a:t>
+            </a:r>
+            <a:r>
+              <a:rPr lang="en-US" dirty="0" err="1" smtClean="0"/>
+              <a:t>f.eks</a:t>
+            </a:r>
+            <a:r>
+              <a:rPr lang="en-US" dirty="0" smtClean="0"/>
+              <a:t>. Eric Meyer)</a:t>
+            </a:r>
+          </a:p>
+          <a:p>
+            <a:pPr lvl="1"/>
+            <a:r>
+              <a:rPr lang="en-US" dirty="0" smtClean="0"/>
+              <a:t> husk </a:t>
+            </a:r>
+            <a:r>
+              <a:rPr lang="en-US" dirty="0" err="1" smtClean="0"/>
+              <a:t>kreditering</a:t>
+            </a:r>
+            <a:r>
+              <a:rPr lang="en-US" dirty="0"/>
+              <a:t> </a:t>
+            </a:r>
+            <a:r>
+              <a:rPr lang="en-US" dirty="0" err="1" smtClean="0"/>
+              <a:t>når</a:t>
+            </a:r>
+            <a:r>
+              <a:rPr lang="en-US" dirty="0" smtClean="0"/>
+              <a:t> du </a:t>
+            </a:r>
+            <a:r>
+              <a:rPr lang="en-US" dirty="0" err="1" smtClean="0"/>
+              <a:t>bruker</a:t>
+            </a:r>
+            <a:r>
+              <a:rPr lang="en-US" dirty="0" smtClean="0"/>
+              <a:t> </a:t>
+            </a:r>
+            <a:r>
+              <a:rPr lang="en-US" dirty="0" err="1" smtClean="0"/>
+              <a:t>andres</a:t>
+            </a:r>
+            <a:r>
+              <a:rPr lang="en-US" dirty="0" smtClean="0"/>
+              <a:t> </a:t>
+            </a:r>
+            <a:r>
+              <a:rPr lang="en-US" dirty="0" err="1" smtClean="0"/>
+              <a:t>kode</a:t>
+            </a:r>
+            <a:endParaRPr lang="en-US" dirty="0"/>
+          </a:p>
+        </p:txBody>
+      </p:sp>
+      <p:pic>
+        <p:nvPicPr>
+          <p:cNvPr id="6" name="Picture 5" descr="Screen Shot 2013-01-22 at 10.15.00 AM.png"/>
+          <p:cNvPicPr>
+            <a:picLocks noChangeAspect="1"/>
+          </p:cNvPicPr>
+          <p:nvPr/>
+        </p:nvPicPr>
+        <p:blipFill>
+          <a:blip r:embed="rId2">
+            <a:extLst>
+              <a:ext uri="{28A0092B-C50C-407E-A947-70E740481C1C}">
+                <a14:useLocalDpi xmlns:a14="http://schemas.microsoft.com/office/drawing/2010/main" val="0"/>
+              </a:ext>
+            </a:extLst>
+          </a:blip>
+          <a:stretch>
+            <a:fillRect/>
+          </a:stretch>
+        </p:blipFill>
+        <p:spPr>
+          <a:xfrm>
+            <a:off x="4457700" y="2921000"/>
+            <a:ext cx="4686300" cy="2222500"/>
+          </a:xfrm>
+          <a:prstGeom prst="rect">
+            <a:avLst/>
+          </a:prstGeom>
+        </p:spPr>
+        <p:style>
+          <a:lnRef idx="2">
+            <a:schemeClr val="accent5"/>
+          </a:lnRef>
+          <a:fillRef idx="1">
+            <a:schemeClr val="lt1"/>
+          </a:fillRef>
+          <a:effectRef idx="0">
+            <a:schemeClr val="accent5"/>
+          </a:effectRef>
+          <a:fontRef idx="minor">
+            <a:schemeClr val="dk1"/>
+          </a:fontRef>
+        </p:style>
+      </p:pic>
+      <p:sp>
+        <p:nvSpPr>
+          <p:cNvPr id="8" name="TextBox 7"/>
+          <p:cNvSpPr txBox="1"/>
+          <p:nvPr/>
+        </p:nvSpPr>
+        <p:spPr>
+          <a:xfrm>
+            <a:off x="457200" y="2699252"/>
+            <a:ext cx="3636819" cy="1843430"/>
+          </a:xfrm>
+          <a:prstGeom prst="rect">
+            <a:avLst/>
+          </a:prstGeom>
+        </p:spPr>
+        <p:style>
+          <a:lnRef idx="2">
+            <a:schemeClr val="accent5"/>
+          </a:lnRef>
+          <a:fillRef idx="1">
+            <a:schemeClr val="lt1"/>
+          </a:fillRef>
+          <a:effectRef idx="0">
+            <a:schemeClr val="accent5"/>
+          </a:effectRef>
+          <a:fontRef idx="minor">
+            <a:schemeClr val="dk1"/>
+          </a:fontRef>
+        </p:style>
+        <p:txBody>
+          <a:bodyPr wrap="square" rtlCol="0">
+            <a:spAutoFit/>
           </a:bodyPr>
           <a:lstStyle/>
           <a:p>
             <a:r>
-              <a:rPr lang="en-US" dirty="0" smtClean="0"/>
-              <a:t>body</a:t>
-            </a:r>
-          </a:p>
-          <a:p>
-            <a:r>
-              <a:rPr lang="en-US" dirty="0" smtClean="0"/>
-              <a:t>div</a:t>
-            </a:r>
-          </a:p>
-          <a:p>
-            <a:r>
-              <a:rPr lang="en-US" dirty="0" smtClean="0"/>
-              <a:t>h1 </a:t>
-            </a:r>
-            <a:r>
-              <a:rPr lang="en-US" dirty="0" err="1" smtClean="0"/>
-              <a:t>osv</a:t>
-            </a:r>
-            <a:r>
-              <a:rPr lang="en-US" dirty="0" smtClean="0"/>
+              <a:rPr lang="en-US" sz="2800" dirty="0"/>
+              <a:t>“</a:t>
+            </a:r>
+            <a:r>
+              <a:rPr lang="en-US" sz="2800" dirty="0" err="1"/>
+              <a:t>Nullstiller</a:t>
+            </a:r>
+            <a:r>
+              <a:rPr lang="en-US" sz="2800" dirty="0"/>
+              <a:t>” </a:t>
+            </a:r>
+            <a:r>
+              <a:rPr lang="en-US" sz="2800" dirty="0" err="1"/>
+              <a:t>automatisk</a:t>
+            </a:r>
+            <a:r>
+              <a:rPr lang="en-US" sz="2800" dirty="0"/>
+              <a:t> styling, </a:t>
+            </a:r>
+            <a:r>
+              <a:rPr lang="en-US" sz="2800" dirty="0" err="1"/>
+              <a:t>som</a:t>
+            </a:r>
+            <a:r>
+              <a:rPr lang="en-US" sz="2800" dirty="0"/>
               <a:t> </a:t>
             </a:r>
-          </a:p>
-          <a:p>
-            <a:r>
-              <a:rPr lang="en-US" dirty="0" smtClean="0"/>
-              <a:t>section</a:t>
-            </a:r>
-          </a:p>
-          <a:p>
-            <a:r>
-              <a:rPr lang="en-US" dirty="0" err="1" smtClean="0"/>
-              <a:t>nav</a:t>
-            </a:r>
-            <a:r>
-              <a:rPr lang="en-US" dirty="0" smtClean="0"/>
+            <a:r>
+              <a:rPr lang="en-US" sz="2800" dirty="0" err="1"/>
+              <a:t>er</a:t>
+            </a:r>
+            <a:r>
+              <a:rPr lang="en-US" sz="2800" dirty="0"/>
               <a:t> </a:t>
             </a:r>
-          </a:p>
-          <a:p>
-            <a:r>
-              <a:rPr lang="en-US" dirty="0" smtClean="0"/>
-              <a:t>header</a:t>
-            </a:r>
-          </a:p>
-          <a:p>
-            <a:r>
-              <a:rPr lang="en-US" dirty="0" smtClean="0"/>
-              <a:t>aside</a:t>
-            </a:r>
-          </a:p>
-          <a:p>
-            <a:endParaRPr lang="en-US" dirty="0"/>
+            <a:r>
+              <a:rPr lang="en-US" sz="2800" dirty="0" err="1"/>
+              <a:t>forskjellig</a:t>
+            </a:r>
+            <a:r>
+              <a:rPr lang="en-US" sz="2800" dirty="0"/>
+              <a:t> </a:t>
+            </a:r>
+            <a:r>
+              <a:rPr lang="en-US" sz="2800" dirty="0" err="1"/>
+              <a:t>fra</a:t>
+            </a:r>
+            <a:r>
+              <a:rPr lang="en-US" sz="2800" dirty="0"/>
+              <a:t> </a:t>
+            </a:r>
+            <a:r>
+              <a:rPr lang="en-US" sz="2800" dirty="0" err="1"/>
+              <a:t>nettleser</a:t>
+            </a:r>
+            <a:r>
+              <a:rPr lang="en-US" sz="2800" dirty="0"/>
+              <a:t> </a:t>
+            </a:r>
+            <a:r>
+              <a:rPr lang="en-US" sz="2800" dirty="0" err="1"/>
+              <a:t>til</a:t>
+            </a:r>
+            <a:r>
+              <a:rPr lang="en-US" sz="2800" dirty="0"/>
+              <a:t> </a:t>
+            </a:r>
+            <a:r>
+              <a:rPr lang="en-US" sz="2800" dirty="0" err="1" smtClean="0"/>
+              <a:t>nettleser</a:t>
+            </a:r>
+            <a:endParaRPr lang="en-US" sz="2800" dirty="0"/>
           </a:p>
         </p:txBody>
       </p:sp>
+      <p:cxnSp>
+        <p:nvCxnSpPr>
+          <p:cNvPr id="10" name="Curved Connector 9"/>
+          <p:cNvCxnSpPr>
+            <a:stCxn id="8" idx="0"/>
+            <a:endCxn id="6" idx="0"/>
+          </p:cNvCxnSpPr>
+          <p:nvPr/>
+        </p:nvCxnSpPr>
+        <p:spPr>
+          <a:xfrm rot="16200000" flipH="1">
+            <a:off x="4427356" y="547506"/>
+            <a:ext cx="221748" cy="4525240"/>
+          </a:xfrm>
+          <a:prstGeom prst="curvedConnector3">
+            <a:avLst>
+              <a:gd name="adj1" fmla="val -103090"/>
+            </a:avLst>
+          </a:prstGeom>
+          <a:ln>
+            <a:tailEnd type="arrow"/>
+          </a:ln>
+        </p:spPr>
+        <p:style>
+          <a:lnRef idx="1">
+            <a:schemeClr val="accent5"/>
+          </a:lnRef>
+          <a:fillRef idx="0">
+            <a:schemeClr val="accent5"/>
+          </a:fillRef>
+          <a:effectRef idx="0">
+            <a:schemeClr val="accent5"/>
+          </a:effectRef>
+          <a:fontRef idx="minor">
+            <a:schemeClr val="tx1"/>
+          </a:fontRef>
+        </p:style>
+      </p:cxnSp>
+      <p:pic>
+        <p:nvPicPr>
+          <p:cNvPr id="12" name="Picture 11"/>
+          <p:cNvPicPr>
+            <a:picLocks noChangeAspect="1"/>
+          </p:cNvPicPr>
+          <p:nvPr/>
+        </p:nvPicPr>
+        <p:blipFill>
+          <a:blip r:embed="rId3"/>
+          <a:stretch>
+            <a:fillRect/>
+          </a:stretch>
+        </p:blipFill>
+        <p:spPr>
+          <a:xfrm>
+            <a:off x="7351061" y="209174"/>
+            <a:ext cx="1583765" cy="1312774"/>
+          </a:xfrm>
+          <a:prstGeom prst="rect">
+            <a:avLst/>
+          </a:prstGeom>
+        </p:spPr>
+      </p:pic>
     </p:spTree>
     <p:extLst>
       <p:ext uri="{BB962C8B-B14F-4D97-AF65-F5344CB8AC3E}">
-        <p14:creationId xmlns:p14="http://schemas.microsoft.com/office/powerpoint/2010/main" val="2327314117"/>
+        <p14:creationId xmlns:p14="http://schemas.microsoft.com/office/powerpoint/2010/main" val="1156055309"/>
       </p:ext>
     </p:extLst>
   </p:cSld>
   <p:clrMapOvr>
     <a:masterClrMapping/>
   </p:clrMapOvr>
+  <p:timing>
+    <p:tnLst>
+      <p:par>
+        <p:cTn xmlns:p14="http://schemas.microsoft.com/office/powerpoint/2010/main" id="1" dur="indefinite" restart="never" nodeType="tmRoot"/>
+      </p:par>
+    </p:tnLst>
+  </p:timing>
 </p:sld>
 </file>
 

--- a/Foiler/1. CSS basic.pptx
+++ b/Foiler/1. CSS basic.pptx
@@ -5,7 +5,7 @@
     <p:sldMasterId id="2147483648" r:id="rId1"/>
   </p:sldMasterIdLst>
   <p:notesMasterIdLst>
-    <p:notesMasterId r:id="rId24"/>
+    <p:notesMasterId r:id="rId27"/>
   </p:notesMasterIdLst>
   <p:sldIdLst>
     <p:sldId id="256" r:id="rId2"/>
@@ -23,13 +23,16 @@
     <p:sldId id="276" r:id="rId14"/>
     <p:sldId id="266" r:id="rId15"/>
     <p:sldId id="265" r:id="rId16"/>
-    <p:sldId id="268" r:id="rId17"/>
-    <p:sldId id="270" r:id="rId18"/>
-    <p:sldId id="269" r:id="rId19"/>
-    <p:sldId id="271" r:id="rId20"/>
-    <p:sldId id="272" r:id="rId21"/>
-    <p:sldId id="273" r:id="rId22"/>
-    <p:sldId id="274" r:id="rId23"/>
+    <p:sldId id="284" r:id="rId17"/>
+    <p:sldId id="268" r:id="rId18"/>
+    <p:sldId id="270" r:id="rId19"/>
+    <p:sldId id="269" r:id="rId20"/>
+    <p:sldId id="271" r:id="rId21"/>
+    <p:sldId id="272" r:id="rId22"/>
+    <p:sldId id="273" r:id="rId23"/>
+    <p:sldId id="274" r:id="rId24"/>
+    <p:sldId id="282" r:id="rId25"/>
+    <p:sldId id="283" r:id="rId26"/>
   </p:sldIdLst>
   <p:sldSz cx="9144000" cy="5143500" type="screen16x9"/>
   <p:notesSz cx="6858000" cy="9144000"/>
@@ -7388,6 +7391,368 @@
           <a:lstStyle/>
           <a:p>
             <a:r>
+              <a:rPr lang="en-US" dirty="0" smtClean="0"/>
+              <a:t>Nesting</a:t>
+            </a:r>
+            <a:endParaRPr lang="en-US" dirty="0"/>
+          </a:p>
+        </p:txBody>
+      </p:sp>
+      <p:sp>
+        <p:nvSpPr>
+          <p:cNvPr id="4" name="Rectangle 3"/>
+          <p:cNvSpPr/>
+          <p:nvPr/>
+        </p:nvSpPr>
+        <p:spPr>
+          <a:xfrm>
+            <a:off x="457200" y="3275497"/>
+            <a:ext cx="7446682" cy="369332"/>
+          </a:xfrm>
+          <a:prstGeom prst="rect">
+            <a:avLst/>
+          </a:prstGeom>
+        </p:spPr>
+        <p:txBody>
+          <a:bodyPr wrap="square">
+            <a:spAutoFit/>
+          </a:bodyPr>
+          <a:lstStyle/>
+          <a:p>
+            <a:r>
+              <a:rPr lang="en-US" dirty="0" smtClean="0">
+                <a:solidFill>
+                  <a:srgbClr val="DA29FF"/>
+                </a:solidFill>
+                <a:highlight>
+                  <a:srgbClr val="FFFFFF"/>
+                </a:highlight>
+                <a:latin typeface="Courier"/>
+              </a:rPr>
+              <a:t>article </a:t>
+            </a:r>
+            <a:r>
+              <a:rPr lang="en-US" dirty="0" smtClean="0">
+                <a:solidFill>
+                  <a:srgbClr val="8D00B7"/>
+                </a:solidFill>
+                <a:highlight>
+                  <a:srgbClr val="FFFFFF"/>
+                </a:highlight>
+                <a:latin typeface="Courier"/>
+              </a:rPr>
+              <a:t>#comments</a:t>
+            </a:r>
+            <a:r>
+              <a:rPr lang="en-US" dirty="0" smtClean="0">
+                <a:solidFill>
+                  <a:srgbClr val="DA29FF"/>
+                </a:solidFill>
+                <a:highlight>
+                  <a:srgbClr val="FFFFFF"/>
+                </a:highlight>
+                <a:latin typeface="Courier"/>
+              </a:rPr>
+              <a:t> </a:t>
+            </a:r>
+            <a:r>
+              <a:rPr lang="en-US" dirty="0" err="1" smtClean="0">
+                <a:solidFill>
+                  <a:srgbClr val="DA29FF"/>
+                </a:solidFill>
+                <a:highlight>
+                  <a:srgbClr val="FFFFFF"/>
+                </a:highlight>
+                <a:latin typeface="Courier"/>
+              </a:rPr>
+              <a:t>ul</a:t>
+            </a:r>
+            <a:r>
+              <a:rPr lang="en-US" dirty="0" smtClean="0">
+                <a:solidFill>
+                  <a:srgbClr val="DA29FF"/>
+                </a:solidFill>
+                <a:highlight>
+                  <a:srgbClr val="FFFFFF"/>
+                </a:highlight>
+                <a:latin typeface="Courier"/>
+              </a:rPr>
+              <a:t> &gt; li &gt; </a:t>
+            </a:r>
+            <a:r>
+              <a:rPr lang="en-US" dirty="0" err="1" smtClean="0">
+                <a:solidFill>
+                  <a:srgbClr val="DA29FF"/>
+                </a:solidFill>
+                <a:highlight>
+                  <a:srgbClr val="FFFFFF"/>
+                </a:highlight>
+                <a:latin typeface="Courier"/>
+              </a:rPr>
+              <a:t>a</a:t>
+            </a:r>
+            <a:r>
+              <a:rPr lang="en-US" dirty="0" err="1" smtClean="0">
+                <a:solidFill>
+                  <a:srgbClr val="8D00B7"/>
+                </a:solidFill>
+                <a:highlight>
+                  <a:srgbClr val="FFFFFF"/>
+                </a:highlight>
+                <a:latin typeface="Courier"/>
+              </a:rPr>
+              <a:t>.button</a:t>
+            </a:r>
+            <a:r>
+              <a:rPr lang="en-US" dirty="0" smtClean="0">
+                <a:solidFill>
+                  <a:srgbClr val="DA29FF"/>
+                </a:solidFill>
+                <a:highlight>
+                  <a:srgbClr val="FFFFFF"/>
+                </a:highlight>
+                <a:latin typeface="Courier"/>
+              </a:rPr>
+              <a:t> { </a:t>
+            </a:r>
+            <a:r>
+              <a:rPr lang="en-US" dirty="0" smtClean="0">
+                <a:solidFill>
+                  <a:srgbClr val="9A9A9A"/>
+                </a:solidFill>
+                <a:highlight>
+                  <a:srgbClr val="FFFFFF"/>
+                </a:highlight>
+                <a:latin typeface="Courier"/>
+              </a:rPr>
+              <a:t>/* </a:t>
+            </a:r>
+            <a:r>
+              <a:rPr lang="en-US" dirty="0" err="1" smtClean="0">
+                <a:solidFill>
+                  <a:srgbClr val="9A9A9A"/>
+                </a:solidFill>
+                <a:highlight>
+                  <a:srgbClr val="FFFFFF"/>
+                </a:highlight>
+                <a:latin typeface="Courier"/>
+              </a:rPr>
+              <a:t>Uffda</a:t>
+            </a:r>
+            <a:r>
+              <a:rPr lang="en-US" dirty="0" smtClean="0">
+                <a:solidFill>
+                  <a:srgbClr val="9A9A9A"/>
+                </a:solidFill>
+                <a:highlight>
+                  <a:srgbClr val="FFFFFF"/>
+                </a:highlight>
+                <a:latin typeface="Courier"/>
+              </a:rPr>
+              <a:t> */</a:t>
+            </a:r>
+            <a:r>
+              <a:rPr lang="en-US" dirty="0" smtClean="0">
+                <a:solidFill>
+                  <a:srgbClr val="DA29FF"/>
+                </a:solidFill>
+                <a:highlight>
+                  <a:srgbClr val="FFFFFF"/>
+                </a:highlight>
+                <a:latin typeface="Courier"/>
+              </a:rPr>
+              <a:t> }</a:t>
+            </a:r>
+            <a:endParaRPr lang="en-US" dirty="0"/>
+          </a:p>
+        </p:txBody>
+      </p:sp>
+      <p:sp>
+        <p:nvSpPr>
+          <p:cNvPr id="5" name="Rectangle 4"/>
+          <p:cNvSpPr/>
+          <p:nvPr/>
+        </p:nvSpPr>
+        <p:spPr>
+          <a:xfrm>
+            <a:off x="457200" y="2202418"/>
+            <a:ext cx="5587024" cy="369332"/>
+          </a:xfrm>
+          <a:prstGeom prst="rect">
+            <a:avLst/>
+          </a:prstGeom>
+        </p:spPr>
+        <p:txBody>
+          <a:bodyPr wrap="none">
+            <a:spAutoFit/>
+          </a:bodyPr>
+          <a:lstStyle/>
+          <a:p>
+            <a:r>
+              <a:rPr lang="en-US" dirty="0">
+                <a:solidFill>
+                  <a:srgbClr val="8D00B7"/>
+                </a:solidFill>
+                <a:highlight>
+                  <a:srgbClr val="EDEDED"/>
+                </a:highlight>
+                <a:latin typeface="Courier"/>
+              </a:rPr>
+              <a:t>.</a:t>
+            </a:r>
+            <a:r>
+              <a:rPr lang="en-US" dirty="0" err="1">
+                <a:solidFill>
+                  <a:srgbClr val="8D00B7"/>
+                </a:solidFill>
+                <a:highlight>
+                  <a:srgbClr val="EDEDED"/>
+                </a:highlight>
+                <a:latin typeface="Courier"/>
+              </a:rPr>
+              <a:t>markert</a:t>
+            </a:r>
+            <a:r>
+              <a:rPr lang="en-US" dirty="0">
+                <a:solidFill>
+                  <a:srgbClr val="DA29FF"/>
+                </a:solidFill>
+                <a:highlight>
+                  <a:srgbClr val="EDEDED"/>
+                </a:highlight>
+                <a:latin typeface="Courier"/>
+              </a:rPr>
+              <a:t> li </a:t>
+            </a:r>
+            <a:r>
+              <a:rPr lang="en-US" dirty="0" err="1">
+                <a:solidFill>
+                  <a:srgbClr val="DA29FF"/>
+                </a:solidFill>
+                <a:highlight>
+                  <a:srgbClr val="EDEDED"/>
+                </a:highlight>
+                <a:latin typeface="Courier"/>
+              </a:rPr>
+              <a:t>ul</a:t>
+            </a:r>
+            <a:r>
+              <a:rPr lang="en-US" dirty="0">
+                <a:solidFill>
+                  <a:srgbClr val="DA29FF"/>
+                </a:solidFill>
+                <a:highlight>
+                  <a:srgbClr val="EDEDED"/>
+                </a:highlight>
+                <a:latin typeface="Courier"/>
+              </a:rPr>
+              <a:t> li p a { </a:t>
+            </a:r>
+            <a:r>
+              <a:rPr lang="en-US" dirty="0">
+                <a:solidFill>
+                  <a:srgbClr val="05208C"/>
+                </a:solidFill>
+                <a:highlight>
+                  <a:srgbClr val="EDEDED"/>
+                </a:highlight>
+                <a:latin typeface="Courier"/>
+              </a:rPr>
+              <a:t>color</a:t>
+            </a:r>
+            <a:r>
+              <a:rPr lang="en-US" b="1" dirty="0">
+                <a:solidFill>
+                  <a:srgbClr val="DA29FF"/>
+                </a:solidFill>
+                <a:highlight>
+                  <a:srgbClr val="EDEDED"/>
+                </a:highlight>
+                <a:latin typeface="Courier"/>
+              </a:rPr>
+              <a:t>: </a:t>
+            </a:r>
+            <a:r>
+              <a:rPr lang="en-US" b="1" dirty="0">
+                <a:solidFill>
+                  <a:srgbClr val="0035FF"/>
+                </a:solidFill>
+                <a:highlight>
+                  <a:srgbClr val="EDEDED"/>
+                </a:highlight>
+                <a:latin typeface="Courier"/>
+              </a:rPr>
+              <a:t>green</a:t>
+            </a:r>
+            <a:r>
+              <a:rPr lang="en-US" b="1" dirty="0">
+                <a:solidFill>
+                  <a:srgbClr val="DA29FF"/>
+                </a:solidFill>
+                <a:highlight>
+                  <a:srgbClr val="EDEDED"/>
+                </a:highlight>
+                <a:latin typeface="Courier"/>
+              </a:rPr>
+              <a:t>; }</a:t>
+            </a:r>
+            <a:endParaRPr lang="en-US" dirty="0"/>
+          </a:p>
+        </p:txBody>
+      </p:sp>
+    </p:spTree>
+    <p:extLst>
+      <p:ext uri="{BB962C8B-B14F-4D97-AF65-F5344CB8AC3E}">
+        <p14:creationId xmlns:p14="http://schemas.microsoft.com/office/powerpoint/2010/main" val="2593422506"/>
+      </p:ext>
+    </p:extLst>
+  </p:cSld>
+  <p:clrMapOvr>
+    <a:masterClrMapping/>
+  </p:clrMapOvr>
+  <p:timing>
+    <p:tnLst>
+      <p:par>
+        <p:cTn xmlns:p14="http://schemas.microsoft.com/office/powerpoint/2010/main" id="1" dur="indefinite" restart="never" nodeType="tmRoot"/>
+      </p:par>
+    </p:tnLst>
+  </p:timing>
+</p:sld>
+</file>
+
+<file path=ppt/slides/slide17.xml><?xml version="1.0" encoding="utf-8"?>
+<p:sld xmlns:a="http://schemas.openxmlformats.org/drawingml/2006/main" xmlns:r="http://schemas.openxmlformats.org/officeDocument/2006/relationships" xmlns:p="http://schemas.openxmlformats.org/presentationml/2006/main">
+  <p:cSld>
+    <p:spTree>
+      <p:nvGrpSpPr>
+        <p:cNvPr id="1" name=""/>
+        <p:cNvGrpSpPr/>
+        <p:nvPr/>
+      </p:nvGrpSpPr>
+      <p:grpSpPr>
+        <a:xfrm>
+          <a:off x="0" y="0"/>
+          <a:ext cx="0" cy="0"/>
+          <a:chOff x="0" y="0"/>
+          <a:chExt cx="0" cy="0"/>
+        </a:xfrm>
+      </p:grpSpPr>
+      <p:sp>
+        <p:nvSpPr>
+          <p:cNvPr id="2" name="Title 1"/>
+          <p:cNvSpPr>
+            <a:spLocks noGrp="1"/>
+          </p:cNvSpPr>
+          <p:nvPr>
+            <p:ph type="title"/>
+          </p:nvPr>
+        </p:nvSpPr>
+        <p:spPr/>
+        <p:txBody>
+          <a:bodyPr/>
+          <a:lstStyle/>
+          <a:p>
+            <a:r>
               <a:rPr lang="en-US" dirty="0" err="1" smtClean="0"/>
               <a:t>Navngiving</a:t>
             </a:r>
@@ -7456,10 +7821,17 @@
   <p:clrMapOvr>
     <a:masterClrMapping/>
   </p:clrMapOvr>
+  <p:timing>
+    <p:tnLst>
+      <p:par>
+        <p:cTn xmlns:p14="http://schemas.microsoft.com/office/powerpoint/2010/main" id="1" dur="indefinite" restart="never" nodeType="tmRoot"/>
+      </p:par>
+    </p:tnLst>
+  </p:timing>
 </p:sld>
 </file>
 
-<file path=ppt/slides/slide17.xml><?xml version="1.0" encoding="utf-8"?>
+<file path=ppt/slides/slide18.xml><?xml version="1.0" encoding="utf-8"?>
 <p:sld xmlns:a="http://schemas.openxmlformats.org/drawingml/2006/main" xmlns:r="http://schemas.openxmlformats.org/officeDocument/2006/relationships" xmlns:p="http://schemas.openxmlformats.org/presentationml/2006/main">
   <p:cSld>
     <p:spTree>
@@ -7600,78 +7972,6 @@
 </p:sld>
 </file>
 
-<file path=ppt/slides/slide18.xml><?xml version="1.0" encoding="utf-8"?>
-<p:sld xmlns:a="http://schemas.openxmlformats.org/drawingml/2006/main" xmlns:r="http://schemas.openxmlformats.org/officeDocument/2006/relationships" xmlns:p="http://schemas.openxmlformats.org/presentationml/2006/main">
-  <p:cSld>
-    <p:spTree>
-      <p:nvGrpSpPr>
-        <p:cNvPr id="1" name=""/>
-        <p:cNvGrpSpPr/>
-        <p:nvPr/>
-      </p:nvGrpSpPr>
-      <p:grpSpPr>
-        <a:xfrm>
-          <a:off x="0" y="0"/>
-          <a:ext cx="0" cy="0"/>
-          <a:chOff x="0" y="0"/>
-          <a:chExt cx="0" cy="0"/>
-        </a:xfrm>
-      </p:grpSpPr>
-      <p:sp>
-        <p:nvSpPr>
-          <p:cNvPr id="2" name="Title 1"/>
-          <p:cNvSpPr>
-            <a:spLocks noGrp="1"/>
-          </p:cNvSpPr>
-          <p:nvPr>
-            <p:ph type="title"/>
-          </p:nvPr>
-        </p:nvSpPr>
-        <p:spPr/>
-        <p:txBody>
-          <a:bodyPr/>
-          <a:lstStyle/>
-          <a:p>
-            <a:r>
-              <a:rPr lang="en-US" dirty="0" smtClean="0"/>
-              <a:t>Float</a:t>
-            </a:r>
-            <a:endParaRPr lang="en-US" dirty="0"/>
-          </a:p>
-        </p:txBody>
-      </p:sp>
-      <p:sp>
-        <p:nvSpPr>
-          <p:cNvPr id="3" name="Content Placeholder 2"/>
-          <p:cNvSpPr>
-            <a:spLocks noGrp="1"/>
-          </p:cNvSpPr>
-          <p:nvPr>
-            <p:ph idx="1"/>
-          </p:nvPr>
-        </p:nvSpPr>
-        <p:spPr/>
-        <p:txBody>
-          <a:bodyPr/>
-          <a:lstStyle/>
-          <a:p>
-            <a:endParaRPr lang="en-US"/>
-          </a:p>
-        </p:txBody>
-      </p:sp>
-    </p:spTree>
-    <p:extLst>
-      <p:ext uri="{BB962C8B-B14F-4D97-AF65-F5344CB8AC3E}">
-        <p14:creationId xmlns:p14="http://schemas.microsoft.com/office/powerpoint/2010/main" val="715430375"/>
-      </p:ext>
-    </p:extLst>
-  </p:cSld>
-  <p:clrMapOvr>
-    <a:masterClrMapping/>
-  </p:clrMapOvr>
-</p:sld>
-</file>
-
 <file path=ppt/slides/slide19.xml><?xml version="1.0" encoding="utf-8"?>
 <p:sld xmlns:a="http://schemas.openxmlformats.org/drawingml/2006/main" xmlns:r="http://schemas.openxmlformats.org/officeDocument/2006/relationships" xmlns:p="http://schemas.openxmlformats.org/presentationml/2006/main">
   <p:cSld>
@@ -7706,7 +8006,7 @@
           <a:p>
             <a:r>
               <a:rPr lang="en-US" dirty="0" smtClean="0"/>
-              <a:t>Clear</a:t>
+              <a:t>Float</a:t>
             </a:r>
             <a:endParaRPr lang="en-US" dirty="0"/>
           </a:p>
@@ -7734,7 +8034,7 @@
     </p:spTree>
     <p:extLst>
       <p:ext uri="{BB962C8B-B14F-4D97-AF65-F5344CB8AC3E}">
-        <p14:creationId xmlns:p14="http://schemas.microsoft.com/office/powerpoint/2010/main" val="1420108947"/>
+        <p14:creationId xmlns:p14="http://schemas.microsoft.com/office/powerpoint/2010/main" val="715430375"/>
       </p:ext>
     </p:extLst>
   </p:cSld>
@@ -7912,7 +8212,7 @@
           <a:p>
             <a:r>
               <a:rPr lang="en-US" dirty="0" smtClean="0"/>
-              <a:t>Borders</a:t>
+              <a:t>Clear</a:t>
             </a:r>
             <a:endParaRPr lang="en-US" dirty="0"/>
           </a:p>
@@ -7933,23 +8233,14 @@
           <a:bodyPr/>
           <a:lstStyle/>
           <a:p>
-            <a:pPr marL="0" indent="0">
-              <a:buNone/>
-            </a:pPr>
-            <a:endParaRPr lang="en-US" dirty="0"/>
-          </a:p>
-          <a:p>
-            <a:pPr marL="0" indent="0">
-              <a:buNone/>
-            </a:pPr>
-            <a:endParaRPr lang="en-US" dirty="0"/>
+            <a:endParaRPr lang="en-US"/>
           </a:p>
         </p:txBody>
       </p:sp>
     </p:spTree>
     <p:extLst>
       <p:ext uri="{BB962C8B-B14F-4D97-AF65-F5344CB8AC3E}">
-        <p14:creationId xmlns:p14="http://schemas.microsoft.com/office/powerpoint/2010/main" val="3228853879"/>
+        <p14:creationId xmlns:p14="http://schemas.microsoft.com/office/powerpoint/2010/main" val="1420108947"/>
       </p:ext>
     </p:extLst>
   </p:cSld>
@@ -7993,7 +8284,7 @@
           <a:p>
             <a:r>
               <a:rPr lang="en-US" dirty="0" smtClean="0"/>
-              <a:t>Fonts</a:t>
+              <a:t>Borders</a:t>
             </a:r>
             <a:endParaRPr lang="en-US" dirty="0"/>
           </a:p>
@@ -8014,14 +8305,23 @@
           <a:bodyPr/>
           <a:lstStyle/>
           <a:p>
-            <a:endParaRPr lang="en-US"/>
+            <a:pPr marL="0" indent="0">
+              <a:buNone/>
+            </a:pPr>
+            <a:endParaRPr lang="en-US" dirty="0"/>
+          </a:p>
+          <a:p>
+            <a:pPr marL="0" indent="0">
+              <a:buNone/>
+            </a:pPr>
+            <a:endParaRPr lang="en-US" dirty="0"/>
           </a:p>
         </p:txBody>
       </p:sp>
     </p:spTree>
     <p:extLst>
       <p:ext uri="{BB962C8B-B14F-4D97-AF65-F5344CB8AC3E}">
-        <p14:creationId xmlns:p14="http://schemas.microsoft.com/office/powerpoint/2010/main" val="1428369502"/>
+        <p14:creationId xmlns:p14="http://schemas.microsoft.com/office/powerpoint/2010/main" val="3228853879"/>
       </p:ext>
     </p:extLst>
   </p:cSld>
@@ -8065,7 +8365,7 @@
           <a:p>
             <a:r>
               <a:rPr lang="en-US" dirty="0" smtClean="0"/>
-              <a:t>Background</a:t>
+              <a:t>Fonts</a:t>
             </a:r>
             <a:endParaRPr lang="en-US" dirty="0"/>
           </a:p>
@@ -8086,6 +8386,78 @@
           <a:bodyPr/>
           <a:lstStyle/>
           <a:p>
+            <a:endParaRPr lang="en-US"/>
+          </a:p>
+        </p:txBody>
+      </p:sp>
+    </p:spTree>
+    <p:extLst>
+      <p:ext uri="{BB962C8B-B14F-4D97-AF65-F5344CB8AC3E}">
+        <p14:creationId xmlns:p14="http://schemas.microsoft.com/office/powerpoint/2010/main" val="1428369502"/>
+      </p:ext>
+    </p:extLst>
+  </p:cSld>
+  <p:clrMapOvr>
+    <a:masterClrMapping/>
+  </p:clrMapOvr>
+</p:sld>
+</file>
+
+<file path=ppt/slides/slide23.xml><?xml version="1.0" encoding="utf-8"?>
+<p:sld xmlns:a="http://schemas.openxmlformats.org/drawingml/2006/main" xmlns:r="http://schemas.openxmlformats.org/officeDocument/2006/relationships" xmlns:p="http://schemas.openxmlformats.org/presentationml/2006/main">
+  <p:cSld>
+    <p:spTree>
+      <p:nvGrpSpPr>
+        <p:cNvPr id="1" name=""/>
+        <p:cNvGrpSpPr/>
+        <p:nvPr/>
+      </p:nvGrpSpPr>
+      <p:grpSpPr>
+        <a:xfrm>
+          <a:off x="0" y="0"/>
+          <a:ext cx="0" cy="0"/>
+          <a:chOff x="0" y="0"/>
+          <a:chExt cx="0" cy="0"/>
+        </a:xfrm>
+      </p:grpSpPr>
+      <p:sp>
+        <p:nvSpPr>
+          <p:cNvPr id="2" name="Title 1"/>
+          <p:cNvSpPr>
+            <a:spLocks noGrp="1"/>
+          </p:cNvSpPr>
+          <p:nvPr>
+            <p:ph type="title"/>
+          </p:nvPr>
+        </p:nvSpPr>
+        <p:spPr/>
+        <p:txBody>
+          <a:bodyPr/>
+          <a:lstStyle/>
+          <a:p>
+            <a:r>
+              <a:rPr lang="en-US" dirty="0" smtClean="0"/>
+              <a:t>Background</a:t>
+            </a:r>
+            <a:endParaRPr lang="en-US" dirty="0"/>
+          </a:p>
+        </p:txBody>
+      </p:sp>
+      <p:sp>
+        <p:nvSpPr>
+          <p:cNvPr id="3" name="Content Placeholder 2"/>
+          <p:cNvSpPr>
+            <a:spLocks noGrp="1"/>
+          </p:cNvSpPr>
+          <p:nvPr>
+            <p:ph idx="1"/>
+          </p:nvPr>
+        </p:nvSpPr>
+        <p:spPr/>
+        <p:txBody>
+          <a:bodyPr/>
+          <a:lstStyle/>
+          <a:p>
             <a:r>
               <a:rPr lang="en-US" dirty="0" smtClean="0"/>
               <a:t>repeat</a:t>
@@ -8110,6 +8482,217 @@
   <p:clrMapOvr>
     <a:masterClrMapping/>
   </p:clrMapOvr>
+  <p:timing>
+    <p:tnLst>
+      <p:par>
+        <p:cTn xmlns:p14="http://schemas.microsoft.com/office/powerpoint/2010/main" id="1" dur="indefinite" restart="never" nodeType="tmRoot"/>
+      </p:par>
+    </p:tnLst>
+  </p:timing>
+</p:sld>
+</file>
+
+<file path=ppt/slides/slide24.xml><?xml version="1.0" encoding="utf-8"?>
+<p:sld xmlns:a="http://schemas.openxmlformats.org/drawingml/2006/main" xmlns:r="http://schemas.openxmlformats.org/officeDocument/2006/relationships" xmlns:p="http://schemas.openxmlformats.org/presentationml/2006/main">
+  <p:cSld>
+    <p:spTree>
+      <p:nvGrpSpPr>
+        <p:cNvPr id="1" name=""/>
+        <p:cNvGrpSpPr/>
+        <p:nvPr/>
+      </p:nvGrpSpPr>
+      <p:grpSpPr>
+        <a:xfrm>
+          <a:off x="0" y="0"/>
+          <a:ext cx="0" cy="0"/>
+          <a:chOff x="0" y="0"/>
+          <a:chExt cx="0" cy="0"/>
+        </a:xfrm>
+      </p:grpSpPr>
+      <p:sp>
+        <p:nvSpPr>
+          <p:cNvPr id="2" name="Title 1"/>
+          <p:cNvSpPr>
+            <a:spLocks noGrp="1"/>
+          </p:cNvSpPr>
+          <p:nvPr>
+            <p:ph type="title"/>
+          </p:nvPr>
+        </p:nvSpPr>
+        <p:spPr/>
+        <p:txBody>
+          <a:bodyPr>
+            <a:normAutofit fontScale="90000"/>
+          </a:bodyPr>
+          <a:lstStyle/>
+          <a:p>
+            <a:r>
+              <a:rPr lang="en-US" dirty="0"/>
+              <a:t>% (fluid), </a:t>
+            </a:r>
+            <a:r>
+              <a:rPr lang="en-US" dirty="0" err="1"/>
+              <a:t>em</a:t>
+            </a:r>
+            <a:r>
+              <a:rPr lang="en-US" dirty="0"/>
+              <a:t> (elastic), </a:t>
+            </a:r>
+            <a:r>
+              <a:rPr lang="en-US" dirty="0" err="1"/>
+              <a:t>px</a:t>
+            </a:r>
+            <a:r>
+              <a:rPr lang="en-US" dirty="0"/>
+              <a:t> (fixed) </a:t>
+            </a:r>
+            <a:br>
+              <a:rPr lang="en-US" dirty="0"/>
+            </a:br>
+            <a:endParaRPr lang="en-US" dirty="0"/>
+          </a:p>
+        </p:txBody>
+      </p:sp>
+      <p:sp>
+        <p:nvSpPr>
+          <p:cNvPr id="3" name="Content Placeholder 2"/>
+          <p:cNvSpPr>
+            <a:spLocks noGrp="1"/>
+          </p:cNvSpPr>
+          <p:nvPr>
+            <p:ph idx="1"/>
+          </p:nvPr>
+        </p:nvSpPr>
+        <p:spPr/>
+        <p:txBody>
+          <a:bodyPr/>
+          <a:lstStyle/>
+          <a:p>
+            <a:endParaRPr lang="en-US" dirty="0"/>
+          </a:p>
+        </p:txBody>
+      </p:sp>
+    </p:spTree>
+    <p:extLst>
+      <p:ext uri="{BB962C8B-B14F-4D97-AF65-F5344CB8AC3E}">
+        <p14:creationId xmlns:p14="http://schemas.microsoft.com/office/powerpoint/2010/main" val="2906016296"/>
+      </p:ext>
+    </p:extLst>
+  </p:cSld>
+  <p:clrMapOvr>
+    <a:masterClrMapping/>
+  </p:clrMapOvr>
+  <p:timing>
+    <p:tnLst>
+      <p:par>
+        <p:cTn xmlns:p14="http://schemas.microsoft.com/office/powerpoint/2010/main" id="1" dur="indefinite" restart="never" nodeType="tmRoot"/>
+      </p:par>
+    </p:tnLst>
+  </p:timing>
+</p:sld>
+</file>
+
+<file path=ppt/slides/slide25.xml><?xml version="1.0" encoding="utf-8"?>
+<p:sld xmlns:a="http://schemas.openxmlformats.org/drawingml/2006/main" xmlns:r="http://schemas.openxmlformats.org/officeDocument/2006/relationships" xmlns:p="http://schemas.openxmlformats.org/presentationml/2006/main">
+  <p:cSld>
+    <p:spTree>
+      <p:nvGrpSpPr>
+        <p:cNvPr id="1" name=""/>
+        <p:cNvGrpSpPr/>
+        <p:nvPr/>
+      </p:nvGrpSpPr>
+      <p:grpSpPr>
+        <a:xfrm>
+          <a:off x="0" y="0"/>
+          <a:ext cx="0" cy="0"/>
+          <a:chOff x="0" y="0"/>
+          <a:chExt cx="0" cy="0"/>
+        </a:xfrm>
+      </p:grpSpPr>
+      <p:sp>
+        <p:nvSpPr>
+          <p:cNvPr id="2" name="Title 1"/>
+          <p:cNvSpPr>
+            <a:spLocks noGrp="1"/>
+          </p:cNvSpPr>
+          <p:nvPr>
+            <p:ph type="title"/>
+          </p:nvPr>
+        </p:nvSpPr>
+        <p:spPr/>
+        <p:txBody>
+          <a:bodyPr>
+            <a:normAutofit/>
+          </a:bodyPr>
+          <a:lstStyle/>
+          <a:p>
+            <a:r>
+              <a:rPr lang="en-US" dirty="0" smtClean="0"/>
+              <a:t>Fra </a:t>
+            </a:r>
+            <a:r>
+              <a:rPr lang="en-US" dirty="0" err="1" smtClean="0"/>
+              <a:t>piksler</a:t>
+            </a:r>
+            <a:r>
+              <a:rPr lang="en-US" dirty="0" smtClean="0"/>
+              <a:t> </a:t>
+            </a:r>
+            <a:r>
+              <a:rPr lang="en-US" dirty="0" err="1"/>
+              <a:t>til</a:t>
+            </a:r>
+            <a:r>
+              <a:rPr lang="en-US" dirty="0"/>
+              <a:t> </a:t>
+            </a:r>
+            <a:r>
+              <a:rPr lang="en-US" dirty="0" err="1" smtClean="0"/>
+              <a:t>em</a:t>
+            </a:r>
+            <a:endParaRPr lang="en-US" dirty="0"/>
+          </a:p>
+        </p:txBody>
+      </p:sp>
+      <p:sp>
+        <p:nvSpPr>
+          <p:cNvPr id="3" name="Content Placeholder 2"/>
+          <p:cNvSpPr>
+            <a:spLocks noGrp="1"/>
+          </p:cNvSpPr>
+          <p:nvPr>
+            <p:ph idx="1"/>
+          </p:nvPr>
+        </p:nvSpPr>
+        <p:spPr/>
+        <p:txBody>
+          <a:bodyPr/>
+          <a:lstStyle/>
+          <a:p>
+            <a:pPr marL="0" indent="0">
+              <a:buNone/>
+            </a:pPr>
+            <a:endParaRPr lang="en-US" dirty="0"/>
+          </a:p>
+        </p:txBody>
+      </p:sp>
+    </p:spTree>
+    <p:extLst>
+      <p:ext uri="{BB962C8B-B14F-4D97-AF65-F5344CB8AC3E}">
+        <p14:creationId xmlns:p14="http://schemas.microsoft.com/office/powerpoint/2010/main" val="499105161"/>
+      </p:ext>
+    </p:extLst>
+  </p:cSld>
+  <p:clrMapOvr>
+    <a:masterClrMapping/>
+  </p:clrMapOvr>
+  <p:timing>
+    <p:tnLst>
+      <p:par>
+        <p:cTn xmlns:p14="http://schemas.microsoft.com/office/powerpoint/2010/main" id="1" dur="indefinite" restart="never" nodeType="tmRoot"/>
+      </p:par>
+    </p:tnLst>
+  </p:timing>
 </p:sld>
 </file>
 

--- a/Foiler/1. CSS basic.pptx
+++ b/Foiler/1. CSS basic.pptx
@@ -15884,28 +15884,20 @@
           <a:lstStyle/>
           <a:p>
             <a:r>
-              <a:rPr lang="en-US" dirty="0"/>
-              <a:t>% (fluid), </a:t>
-            </a:r>
-            <a:r>
-              <a:rPr lang="en-US" dirty="0" err="1"/>
-              <a:t>em</a:t>
-            </a:r>
-            <a:r>
-              <a:rPr lang="en-US" dirty="0"/>
-              <a:t> (elastic), </a:t>
-            </a:r>
-            <a:r>
-              <a:rPr lang="en-US" dirty="0" err="1"/>
-              <a:t>px</a:t>
-            </a:r>
-            <a:r>
-              <a:rPr lang="en-US" dirty="0"/>
-              <a:t> (fixed</a:t>
+              <a:rPr lang="en-US" dirty="0" err="1" smtClean="0"/>
+              <a:t>fluid,elastic</a:t>
             </a:r>
             <a:r>
               <a:rPr lang="en-US" dirty="0" smtClean="0"/>
-              <a:t>)</a:t>
+              <a:t> </a:t>
+            </a:r>
+            <a:r>
+              <a:rPr lang="en-US" dirty="0" err="1" smtClean="0"/>
+              <a:t>og</a:t>
+            </a:r>
+            <a:r>
+              <a:rPr lang="en-US" dirty="0" smtClean="0"/>
+              <a:t> fixed</a:t>
             </a:r>
             <a:endParaRPr lang="en-US" dirty="0"/>
           </a:p>
@@ -15926,6 +15918,79 @@
           <a:bodyPr/>
           <a:lstStyle/>
           <a:p>
+            <a:r>
+              <a:rPr lang="en-US" dirty="0" smtClean="0">
+                <a:hlinkClick r:id="rId2"/>
+              </a:rPr>
+              <a:t>http://arkivportalen.no</a:t>
+            </a:r>
+            <a:r>
+              <a:rPr lang="en-US" dirty="0">
+                <a:hlinkClick r:id="rId2"/>
+              </a:rPr>
+              <a:t> </a:t>
+            </a:r>
+            <a:r>
+              <a:rPr lang="en-US" dirty="0"/>
+              <a:t> </a:t>
+            </a:r>
+            <a:r>
+              <a:rPr lang="en-US" dirty="0" smtClean="0"/>
+              <a:t>fixed - </a:t>
+            </a:r>
+            <a:r>
+              <a:rPr lang="en-US" dirty="0" err="1"/>
+              <a:t>pixler</a:t>
+            </a:r>
+            <a:endParaRPr lang="en-US" dirty="0" smtClean="0">
+              <a:hlinkClick r:id="rId2"/>
+            </a:endParaRPr>
+          </a:p>
+          <a:p>
+            <a:r>
+              <a:rPr lang="en-US" dirty="0" smtClean="0">
+                <a:hlinkClick r:id="rId2"/>
+              </a:rPr>
+              <a:t>http</a:t>
+            </a:r>
+            <a:r>
+              <a:rPr lang="en-US" dirty="0">
+                <a:hlinkClick r:id="rId2"/>
+              </a:rPr>
+              <a:t>://simplebits.com</a:t>
+            </a:r>
+            <a:r>
+              <a:rPr lang="en-US" dirty="0" smtClean="0">
+                <a:hlinkClick r:id="rId2"/>
+              </a:rPr>
+              <a:t>/</a:t>
+            </a:r>
+            <a:r>
+              <a:rPr lang="en-US" dirty="0" smtClean="0"/>
+              <a:t>  fluid - %</a:t>
+            </a:r>
+          </a:p>
+          <a:p>
+            <a:r>
+              <a:rPr lang="en-US" dirty="0">
+                <a:hlinkClick r:id="rId3"/>
+              </a:rPr>
+              <a:t>http://ethanmarcotte.com</a:t>
+            </a:r>
+            <a:r>
+              <a:rPr lang="en-US" dirty="0" smtClean="0">
+                <a:hlinkClick r:id="rId3"/>
+              </a:rPr>
+              <a:t>/</a:t>
+            </a:r>
+            <a:r>
+              <a:rPr lang="en-US" dirty="0" smtClean="0"/>
+              <a:t> elastic - </a:t>
+            </a:r>
+            <a:r>
+              <a:rPr lang="en-US" smtClean="0"/>
+              <a:t>em</a:t>
+            </a:r>
             <a:endParaRPr lang="en-US" dirty="0"/>
           </a:p>
         </p:txBody>

--- a/Foiler/1. CSS basic.pptx
+++ b/Foiler/1. CSS basic.pptx
@@ -5,7 +5,7 @@
     <p:sldMasterId id="2147483648" r:id="rId1"/>
   </p:sldMasterIdLst>
   <p:notesMasterIdLst>
-    <p:notesMasterId r:id="rId32"/>
+    <p:notesMasterId r:id="rId34"/>
   </p:notesMasterIdLst>
   <p:sldIdLst>
     <p:sldId id="256" r:id="rId2"/>
@@ -27,17 +27,19 @@
     <p:sldId id="284" r:id="rId18"/>
     <p:sldId id="291" r:id="rId19"/>
     <p:sldId id="281" r:id="rId20"/>
-    <p:sldId id="269" r:id="rId21"/>
-    <p:sldId id="287" r:id="rId22"/>
-    <p:sldId id="288" r:id="rId23"/>
-    <p:sldId id="271" r:id="rId24"/>
-    <p:sldId id="272" r:id="rId25"/>
-    <p:sldId id="289" r:id="rId26"/>
-    <p:sldId id="274" r:id="rId27"/>
-    <p:sldId id="290" r:id="rId28"/>
-    <p:sldId id="273" r:id="rId29"/>
-    <p:sldId id="282" r:id="rId30"/>
-    <p:sldId id="283" r:id="rId31"/>
+    <p:sldId id="272" r:id="rId21"/>
+    <p:sldId id="289" r:id="rId22"/>
+    <p:sldId id="274" r:id="rId23"/>
+    <p:sldId id="290" r:id="rId24"/>
+    <p:sldId id="273" r:id="rId25"/>
+    <p:sldId id="293" r:id="rId26"/>
+    <p:sldId id="294" r:id="rId27"/>
+    <p:sldId id="295" r:id="rId28"/>
+    <p:sldId id="296" r:id="rId29"/>
+    <p:sldId id="297" r:id="rId30"/>
+    <p:sldId id="298" r:id="rId31"/>
+    <p:sldId id="282" r:id="rId32"/>
+    <p:sldId id="283" r:id="rId33"/>
   </p:sldIdLst>
   <p:sldSz cx="9144000" cy="5143500" type="screen16x9"/>
   <p:notesSz cx="6858000" cy="9144000"/>
@@ -3359,6 +3361,13 @@
   <p:clrMapOvr>
     <a:masterClrMapping/>
   </p:clrMapOvr>
+  <p:timing>
+    <p:tnLst>
+      <p:par>
+        <p:cTn xmlns:p14="http://schemas.microsoft.com/office/powerpoint/2010/main" id="1" dur="indefinite" restart="never" nodeType="tmRoot"/>
+      </p:par>
+    </p:tnLst>
+  </p:timing>
 </p:sld>
 </file>
 
@@ -9963,6 +9972,13 @@
   <p:clrMapOvr>
     <a:masterClrMapping/>
   </p:clrMapOvr>
+  <p:timing>
+    <p:tnLst>
+      <p:par>
+        <p:cTn xmlns:p14="http://schemas.microsoft.com/office/powerpoint/2010/main" id="1" dur="indefinite" restart="never" nodeType="tmRoot"/>
+      </p:par>
+    </p:tnLst>
+  </p:timing>
 </p:sld>
 </file>
 
@@ -11665,302 +11681,6 @@
   <p:clrMapOvr>
     <a:masterClrMapping/>
   </p:clrMapOvr>
-</p:sld>
-</file>
-
-<file path=ppt/slides/slide20.xml><?xml version="1.0" encoding="utf-8"?>
-<p:sld xmlns:a="http://schemas.openxmlformats.org/drawingml/2006/main" xmlns:r="http://schemas.openxmlformats.org/officeDocument/2006/relationships" xmlns:p="http://schemas.openxmlformats.org/presentationml/2006/main">
-  <p:cSld>
-    <p:spTree>
-      <p:nvGrpSpPr>
-        <p:cNvPr id="1" name=""/>
-        <p:cNvGrpSpPr/>
-        <p:nvPr/>
-      </p:nvGrpSpPr>
-      <p:grpSpPr>
-        <a:xfrm>
-          <a:off x="0" y="0"/>
-          <a:ext cx="0" cy="0"/>
-          <a:chOff x="0" y="0"/>
-          <a:chExt cx="0" cy="0"/>
-        </a:xfrm>
-      </p:grpSpPr>
-      <p:sp>
-        <p:nvSpPr>
-          <p:cNvPr id="2" name="Title 1"/>
-          <p:cNvSpPr>
-            <a:spLocks noGrp="1"/>
-          </p:cNvSpPr>
-          <p:nvPr>
-            <p:ph type="title"/>
-          </p:nvPr>
-        </p:nvSpPr>
-        <p:spPr/>
-        <p:txBody>
-          <a:bodyPr/>
-          <a:lstStyle/>
-          <a:p>
-            <a:r>
-              <a:rPr lang="en-US" dirty="0" smtClean="0"/>
-              <a:t>Float</a:t>
-            </a:r>
-            <a:endParaRPr lang="en-US" dirty="0"/>
-          </a:p>
-        </p:txBody>
-      </p:sp>
-      <p:sp>
-        <p:nvSpPr>
-          <p:cNvPr id="3" name="Content Placeholder 2"/>
-          <p:cNvSpPr>
-            <a:spLocks noGrp="1"/>
-          </p:cNvSpPr>
-          <p:nvPr>
-            <p:ph idx="1"/>
-          </p:nvPr>
-        </p:nvSpPr>
-        <p:spPr/>
-        <p:txBody>
-          <a:bodyPr/>
-          <a:lstStyle/>
-          <a:p>
-            <a:r>
-              <a:rPr lang="en-US" dirty="0" err="1" smtClean="0"/>
-              <a:t>elementer</a:t>
-            </a:r>
-            <a:r>
-              <a:rPr lang="en-US" dirty="0" smtClean="0"/>
-              <a:t> </a:t>
-            </a:r>
-            <a:r>
-              <a:rPr lang="en-US" dirty="0" err="1" smtClean="0"/>
-              <a:t>som</a:t>
-            </a:r>
-            <a:r>
-              <a:rPr lang="en-US" dirty="0" smtClean="0"/>
-              <a:t> </a:t>
-            </a:r>
-            <a:r>
-              <a:rPr lang="en-US" dirty="0" err="1" smtClean="0"/>
-              <a:t>skal</a:t>
-            </a:r>
-            <a:r>
-              <a:rPr lang="en-US" dirty="0" smtClean="0"/>
-              <a:t> </a:t>
-            </a:r>
-            <a:r>
-              <a:rPr lang="en-US" dirty="0" err="1" smtClean="0"/>
-              <a:t>flyte</a:t>
-            </a:r>
-            <a:r>
-              <a:rPr lang="en-US" dirty="0" smtClean="0"/>
-              <a:t> </a:t>
-            </a:r>
-            <a:r>
-              <a:rPr lang="en-US" dirty="0" err="1" smtClean="0"/>
-              <a:t>etter</a:t>
-            </a:r>
-            <a:r>
-              <a:rPr lang="en-US" dirty="0" smtClean="0"/>
-              <a:t> </a:t>
-            </a:r>
-            <a:r>
-              <a:rPr lang="en-US" dirty="0" err="1" smtClean="0"/>
-              <a:t>hverandre</a:t>
-            </a:r>
-            <a:r>
-              <a:rPr lang="en-US" dirty="0" smtClean="0"/>
-              <a:t> </a:t>
-            </a:r>
-            <a:r>
-              <a:rPr lang="en-US" dirty="0" err="1" smtClean="0"/>
-              <a:t>horisontalt</a:t>
-            </a:r>
-            <a:r>
-              <a:rPr lang="en-US" dirty="0" smtClean="0"/>
-              <a:t> </a:t>
-            </a:r>
-            <a:r>
-              <a:rPr lang="en-US" dirty="0" err="1" smtClean="0"/>
-              <a:t>kan</a:t>
-            </a:r>
-            <a:r>
-              <a:rPr lang="en-US" dirty="0" smtClean="0"/>
-              <a:t> </a:t>
-            </a:r>
-            <a:r>
-              <a:rPr lang="en-US" dirty="0" err="1" smtClean="0"/>
-              <a:t>få</a:t>
-            </a:r>
-            <a:r>
-              <a:rPr lang="en-US" dirty="0" smtClean="0"/>
-              <a:t> </a:t>
-            </a:r>
-            <a:r>
-              <a:rPr lang="en-US" dirty="0" err="1" smtClean="0"/>
-              <a:t>attributtet</a:t>
-            </a:r>
-            <a:r>
-              <a:rPr lang="en-US" dirty="0" smtClean="0"/>
-              <a:t> </a:t>
-            </a:r>
-            <a:r>
-              <a:rPr lang="en-US" dirty="0" err="1" smtClean="0"/>
-              <a:t>float:left</a:t>
-            </a:r>
-            <a:r>
-              <a:rPr lang="en-US" dirty="0" smtClean="0"/>
-              <a:t>/right.</a:t>
-            </a:r>
-          </a:p>
-        </p:txBody>
-      </p:sp>
-      <p:sp>
-        <p:nvSpPr>
-          <p:cNvPr id="4" name="Rectangle 3"/>
-          <p:cNvSpPr/>
-          <p:nvPr/>
-        </p:nvSpPr>
-        <p:spPr>
-          <a:xfrm>
-            <a:off x="457200" y="2931498"/>
-            <a:ext cx="3062941" cy="1200328"/>
-          </a:xfrm>
-          <a:prstGeom prst="rect">
-            <a:avLst/>
-          </a:prstGeom>
-        </p:spPr>
-        <p:txBody>
-          <a:bodyPr wrap="square">
-            <a:spAutoFit/>
-          </a:bodyPr>
-          <a:lstStyle/>
-          <a:p>
-            <a:r>
-              <a:rPr lang="en-US" sz="2400" dirty="0" smtClean="0">
-                <a:solidFill>
-                  <a:srgbClr val="DA29FF"/>
-                </a:solidFill>
-                <a:highlight>
-                  <a:srgbClr val="FFFFFF"/>
-                </a:highlight>
-                <a:latin typeface="Courier"/>
-              </a:rPr>
-              <a:t>.</a:t>
-            </a:r>
-            <a:r>
-              <a:rPr lang="en-US" sz="2400" dirty="0" err="1" smtClean="0">
-                <a:solidFill>
-                  <a:srgbClr val="DA29FF"/>
-                </a:solidFill>
-                <a:highlight>
-                  <a:srgbClr val="FFFFFF"/>
-                </a:highlight>
-                <a:latin typeface="Courier"/>
-              </a:rPr>
-              <a:t>venstre</a:t>
-            </a:r>
-            <a:r>
-              <a:rPr lang="en-US" sz="2400" dirty="0">
-                <a:solidFill>
-                  <a:srgbClr val="DA29FF"/>
-                </a:solidFill>
-                <a:highlight>
-                  <a:srgbClr val="FFFFFF"/>
-                </a:highlight>
-                <a:latin typeface="Courier"/>
-              </a:rPr>
-              <a:t>{</a:t>
-            </a:r>
-          </a:p>
-          <a:p>
-            <a:r>
-              <a:rPr lang="en-US" sz="2400" dirty="0">
-                <a:solidFill>
-                  <a:srgbClr val="DA29FF"/>
-                </a:solidFill>
-                <a:highlight>
-                  <a:srgbClr val="FFFFFF"/>
-                </a:highlight>
-                <a:latin typeface="Courier"/>
-              </a:rPr>
-              <a:t>    </a:t>
-            </a:r>
-            <a:r>
-              <a:rPr lang="en-US" sz="2400" dirty="0" err="1">
-                <a:solidFill>
-                  <a:srgbClr val="05208C"/>
-                </a:solidFill>
-                <a:highlight>
-                  <a:srgbClr val="FFFFFF"/>
-                </a:highlight>
-                <a:latin typeface="Courier"/>
-              </a:rPr>
-              <a:t>float</a:t>
-            </a:r>
-            <a:r>
-              <a:rPr lang="en-US" sz="2400" b="1" dirty="0" err="1">
-                <a:solidFill>
-                  <a:srgbClr val="DA29FF"/>
-                </a:solidFill>
-                <a:highlight>
-                  <a:srgbClr val="FFFFFF"/>
-                </a:highlight>
-                <a:latin typeface="Courier"/>
-              </a:rPr>
-              <a:t>:</a:t>
-            </a:r>
-            <a:r>
-              <a:rPr lang="en-US" sz="2400" b="1" dirty="0" err="1">
-                <a:solidFill>
-                  <a:srgbClr val="0035FF"/>
-                </a:solidFill>
-                <a:highlight>
-                  <a:srgbClr val="FFFFFF"/>
-                </a:highlight>
-                <a:latin typeface="Courier"/>
-              </a:rPr>
-              <a:t>left</a:t>
-            </a:r>
-            <a:r>
-              <a:rPr lang="en-US" sz="2400" b="1" dirty="0">
-                <a:solidFill>
-                  <a:srgbClr val="DA29FF"/>
-                </a:solidFill>
-                <a:highlight>
-                  <a:srgbClr val="FFFFFF"/>
-                </a:highlight>
-                <a:latin typeface="Courier"/>
-              </a:rPr>
-              <a:t>;</a:t>
-            </a:r>
-          </a:p>
-          <a:p>
-            <a:r>
-              <a:rPr lang="en-US" sz="2400" dirty="0">
-                <a:solidFill>
-                  <a:srgbClr val="DA29FF"/>
-                </a:solidFill>
-                <a:highlight>
-                  <a:srgbClr val="FFFFFF"/>
-                </a:highlight>
-                <a:latin typeface="Courier"/>
-              </a:rPr>
-              <a:t>}</a:t>
-            </a:r>
-            <a:endParaRPr lang="en-US" sz="2400" dirty="0"/>
-          </a:p>
-        </p:txBody>
-      </p:sp>
-    </p:spTree>
-    <p:extLst>
-      <p:ext uri="{BB962C8B-B14F-4D97-AF65-F5344CB8AC3E}">
-        <p14:creationId xmlns:p14="http://schemas.microsoft.com/office/powerpoint/2010/main" val="715430375"/>
-      </p:ext>
-    </p:extLst>
-  </p:cSld>
-  <p:clrMapOvr>
-    <a:masterClrMapping/>
-  </p:clrMapOvr>
   <p:timing>
     <p:tnLst>
       <p:par>
@@ -11971,1226 +11691,7 @@
 </p:sld>
 </file>
 
-<file path=ppt/slides/slide21.xml><?xml version="1.0" encoding="utf-8"?>
-<p:sld xmlns:a="http://schemas.openxmlformats.org/drawingml/2006/main" xmlns:r="http://schemas.openxmlformats.org/officeDocument/2006/relationships" xmlns:p="http://schemas.openxmlformats.org/presentationml/2006/main">
-  <p:cSld>
-    <p:spTree>
-      <p:nvGrpSpPr>
-        <p:cNvPr id="1" name=""/>
-        <p:cNvGrpSpPr/>
-        <p:nvPr/>
-      </p:nvGrpSpPr>
-      <p:grpSpPr>
-        <a:xfrm>
-          <a:off x="0" y="0"/>
-          <a:ext cx="0" cy="0"/>
-          <a:chOff x="0" y="0"/>
-          <a:chExt cx="0" cy="0"/>
-        </a:xfrm>
-      </p:grpSpPr>
-      <p:sp>
-        <p:nvSpPr>
-          <p:cNvPr id="2" name="Title 1"/>
-          <p:cNvSpPr>
-            <a:spLocks noGrp="1"/>
-          </p:cNvSpPr>
-          <p:nvPr>
-            <p:ph type="title"/>
-          </p:nvPr>
-        </p:nvSpPr>
-        <p:spPr/>
-        <p:txBody>
-          <a:bodyPr/>
-          <a:lstStyle/>
-          <a:p>
-            <a:r>
-              <a:rPr lang="en-US" dirty="0" smtClean="0"/>
-              <a:t>Float – </a:t>
-            </a:r>
-            <a:r>
-              <a:rPr lang="en-US" dirty="0" err="1" smtClean="0"/>
-              <a:t>hvorfor</a:t>
-            </a:r>
-            <a:r>
-              <a:rPr lang="en-US" dirty="0" smtClean="0"/>
-              <a:t> </a:t>
-            </a:r>
-            <a:r>
-              <a:rPr lang="en-US" dirty="0" err="1" smtClean="0"/>
-              <a:t>blir</a:t>
-            </a:r>
-            <a:r>
-              <a:rPr lang="en-US" dirty="0" smtClean="0"/>
-              <a:t> </a:t>
-            </a:r>
-            <a:r>
-              <a:rPr lang="en-US" dirty="0" err="1" smtClean="0"/>
-              <a:t>det</a:t>
-            </a:r>
-            <a:r>
-              <a:rPr lang="en-US" dirty="0" smtClean="0"/>
-              <a:t> </a:t>
-            </a:r>
-            <a:r>
-              <a:rPr lang="en-US" dirty="0" err="1" smtClean="0"/>
-              <a:t>så</a:t>
-            </a:r>
-            <a:r>
-              <a:rPr lang="en-US" dirty="0" smtClean="0"/>
-              <a:t> </a:t>
-            </a:r>
-            <a:r>
-              <a:rPr lang="en-US" dirty="0" err="1" smtClean="0"/>
-              <a:t>rart</a:t>
-            </a:r>
-            <a:r>
-              <a:rPr lang="en-US" dirty="0" smtClean="0"/>
-              <a:t>?</a:t>
-            </a:r>
-            <a:endParaRPr lang="en-US" dirty="0"/>
-          </a:p>
-        </p:txBody>
-      </p:sp>
-      <p:sp>
-        <p:nvSpPr>
-          <p:cNvPr id="3" name="Content Placeholder 2"/>
-          <p:cNvSpPr>
-            <a:spLocks noGrp="1"/>
-          </p:cNvSpPr>
-          <p:nvPr>
-            <p:ph idx="1"/>
-          </p:nvPr>
-        </p:nvSpPr>
-        <p:spPr/>
-        <p:txBody>
-          <a:bodyPr>
-            <a:normAutofit lnSpcReduction="10000"/>
-          </a:bodyPr>
-          <a:lstStyle/>
-          <a:p>
-            <a:r>
-              <a:rPr lang="en-US" dirty="0" err="1" smtClean="0"/>
-              <a:t>Elementer</a:t>
-            </a:r>
-            <a:r>
-              <a:rPr lang="en-US" dirty="0" smtClean="0"/>
-              <a:t> med “float” </a:t>
-            </a:r>
-            <a:r>
-              <a:rPr lang="en-US" dirty="0" err="1" smtClean="0"/>
-              <a:t>havner</a:t>
-            </a:r>
-            <a:r>
-              <a:rPr lang="en-US" dirty="0" smtClean="0"/>
-              <a:t> </a:t>
-            </a:r>
-            <a:r>
-              <a:rPr lang="en-US" dirty="0" err="1" smtClean="0"/>
-              <a:t>utenfor</a:t>
-            </a:r>
-            <a:r>
-              <a:rPr lang="en-US" dirty="0" smtClean="0"/>
-              <a:t> sin parent-container. </a:t>
-            </a:r>
-          </a:p>
-          <a:p>
-            <a:r>
-              <a:rPr lang="en-US" dirty="0" err="1" smtClean="0"/>
-              <a:t>Elementer</a:t>
-            </a:r>
-            <a:r>
-              <a:rPr lang="en-US" dirty="0" smtClean="0"/>
-              <a:t> </a:t>
-            </a:r>
-            <a:r>
-              <a:rPr lang="en-US" dirty="0" err="1" smtClean="0"/>
-              <a:t>som</a:t>
-            </a:r>
-            <a:r>
-              <a:rPr lang="en-US" dirty="0"/>
-              <a:t> </a:t>
-            </a:r>
-            <a:r>
-              <a:rPr lang="en-US" sz="3600" b="1" dirty="0" err="1" smtClean="0"/>
-              <a:t>ikke</a:t>
-            </a:r>
-            <a:r>
-              <a:rPr lang="en-US" sz="3600" dirty="0" smtClean="0"/>
-              <a:t> </a:t>
-            </a:r>
-            <a:r>
-              <a:rPr lang="en-US" dirty="0" err="1" smtClean="0"/>
-              <a:t>skal</a:t>
-            </a:r>
-            <a:r>
-              <a:rPr lang="en-US" dirty="0" smtClean="0"/>
-              <a:t> </a:t>
-            </a:r>
-            <a:r>
-              <a:rPr lang="en-US" dirty="0" err="1" smtClean="0"/>
-              <a:t>omfattes</a:t>
-            </a:r>
-            <a:r>
-              <a:rPr lang="en-US" dirty="0" smtClean="0"/>
-              <a:t> </a:t>
-            </a:r>
-            <a:r>
-              <a:rPr lang="en-US" dirty="0" err="1" smtClean="0"/>
-              <a:t>av</a:t>
-            </a:r>
-            <a:r>
-              <a:rPr lang="en-US" dirty="0" smtClean="0"/>
-              <a:t> </a:t>
-            </a:r>
-            <a:r>
-              <a:rPr lang="en-US" i="1" dirty="0" smtClean="0"/>
-              <a:t>float, </a:t>
-            </a:r>
-            <a:r>
-              <a:rPr lang="en-US" dirty="0" smtClean="0"/>
-              <a:t>men for </a:t>
-            </a:r>
-            <a:r>
-              <a:rPr lang="en-US" dirty="0" err="1" smtClean="0"/>
-              <a:t>eksempel</a:t>
-            </a:r>
-            <a:r>
-              <a:rPr lang="en-US" dirty="0" smtClean="0"/>
-              <a:t> </a:t>
-            </a:r>
-            <a:r>
-              <a:rPr lang="en-US" dirty="0" err="1" smtClean="0"/>
-              <a:t>ligge</a:t>
-            </a:r>
-            <a:r>
-              <a:rPr lang="en-US" dirty="0" smtClean="0"/>
-              <a:t> under, </a:t>
-            </a:r>
-            <a:r>
-              <a:rPr lang="en-US" dirty="0" err="1" smtClean="0"/>
-              <a:t>må</a:t>
-            </a:r>
-            <a:r>
-              <a:rPr lang="en-US" dirty="0" smtClean="0"/>
-              <a:t> ha </a:t>
-            </a:r>
-            <a:r>
-              <a:rPr lang="en-US" dirty="0" err="1" smtClean="0"/>
-              <a:t>attributtet</a:t>
-            </a:r>
-            <a:r>
-              <a:rPr lang="en-US" dirty="0" smtClean="0"/>
-              <a:t> “</a:t>
-            </a:r>
-            <a:r>
-              <a:rPr lang="en-US" dirty="0" err="1" smtClean="0"/>
-              <a:t>clear:both</a:t>
-            </a:r>
-            <a:r>
-              <a:rPr lang="en-US" dirty="0" smtClean="0"/>
-              <a:t>” </a:t>
-            </a:r>
-          </a:p>
-          <a:p>
-            <a:r>
-              <a:rPr lang="en-US" dirty="0" err="1" smtClean="0"/>
-              <a:t>eventuelt</a:t>
-            </a:r>
-            <a:r>
-              <a:rPr lang="en-US" dirty="0" smtClean="0"/>
-              <a:t> </a:t>
-            </a:r>
-            <a:r>
-              <a:rPr lang="en-US" dirty="0" err="1" smtClean="0"/>
-              <a:t>kan</a:t>
-            </a:r>
-            <a:r>
-              <a:rPr lang="en-US" dirty="0" smtClean="0"/>
-              <a:t> </a:t>
-            </a:r>
-            <a:r>
-              <a:rPr lang="en-US" dirty="0" err="1" smtClean="0"/>
-              <a:t>det</a:t>
-            </a:r>
-            <a:r>
-              <a:rPr lang="en-US" dirty="0" smtClean="0"/>
-              <a:t> </a:t>
-            </a:r>
-            <a:r>
-              <a:rPr lang="en-US" dirty="0" err="1" smtClean="0"/>
-              <a:t>legges</a:t>
-            </a:r>
-            <a:r>
-              <a:rPr lang="en-US" dirty="0" smtClean="0"/>
-              <a:t> en tom div-tag </a:t>
-            </a:r>
-            <a:r>
-              <a:rPr lang="en-US" dirty="0" err="1" smtClean="0"/>
-              <a:t>etter</a:t>
-            </a:r>
-            <a:r>
-              <a:rPr lang="en-US" dirty="0" smtClean="0"/>
-              <a:t> </a:t>
-            </a:r>
-            <a:r>
-              <a:rPr lang="en-US" dirty="0" err="1" smtClean="0"/>
-              <a:t>containeren</a:t>
-            </a:r>
-            <a:r>
-              <a:rPr lang="en-US" dirty="0" smtClean="0"/>
-              <a:t> </a:t>
-            </a:r>
-            <a:r>
-              <a:rPr lang="en-US" dirty="0" err="1" smtClean="0"/>
-              <a:t>som</a:t>
-            </a:r>
-            <a:r>
-              <a:rPr lang="en-US" dirty="0" smtClean="0"/>
-              <a:t> </a:t>
-            </a:r>
-            <a:r>
-              <a:rPr lang="en-US" dirty="0" err="1" smtClean="0"/>
-              <a:t>inneholder</a:t>
-            </a:r>
-            <a:r>
-              <a:rPr lang="en-US" dirty="0" smtClean="0"/>
-              <a:t> floats. </a:t>
-            </a:r>
-          </a:p>
-        </p:txBody>
-      </p:sp>
-    </p:spTree>
-    <p:extLst>
-      <p:ext uri="{BB962C8B-B14F-4D97-AF65-F5344CB8AC3E}">
-        <p14:creationId xmlns:p14="http://schemas.microsoft.com/office/powerpoint/2010/main" val="957203533"/>
-      </p:ext>
-    </p:extLst>
-  </p:cSld>
-  <p:clrMapOvr>
-    <a:masterClrMapping/>
-  </p:clrMapOvr>
-  <p:timing>
-    <p:tnLst>
-      <p:par>
-        <p:cTn xmlns:p14="http://schemas.microsoft.com/office/powerpoint/2010/main" id="1" dur="indefinite" restart="never" nodeType="tmRoot"/>
-      </p:par>
-    </p:tnLst>
-  </p:timing>
-</p:sld>
-</file>
-
-<file path=ppt/slides/slide22.xml><?xml version="1.0" encoding="utf-8"?>
-<p:sld xmlns:a="http://schemas.openxmlformats.org/drawingml/2006/main" xmlns:r="http://schemas.openxmlformats.org/officeDocument/2006/relationships" xmlns:p="http://schemas.openxmlformats.org/presentationml/2006/main">
-  <p:cSld>
-    <p:spTree>
-      <p:nvGrpSpPr>
-        <p:cNvPr id="1" name=""/>
-        <p:cNvGrpSpPr/>
-        <p:nvPr/>
-      </p:nvGrpSpPr>
-      <p:grpSpPr>
-        <a:xfrm>
-          <a:off x="0" y="0"/>
-          <a:ext cx="0" cy="0"/>
-          <a:chOff x="0" y="0"/>
-          <a:chExt cx="0" cy="0"/>
-        </a:xfrm>
-      </p:grpSpPr>
-      <p:sp>
-        <p:nvSpPr>
-          <p:cNvPr id="2" name="Title 1"/>
-          <p:cNvSpPr>
-            <a:spLocks noGrp="1"/>
-          </p:cNvSpPr>
-          <p:nvPr>
-            <p:ph type="title"/>
-          </p:nvPr>
-        </p:nvSpPr>
-        <p:spPr/>
-        <p:txBody>
-          <a:bodyPr/>
-          <a:lstStyle/>
-          <a:p>
-            <a:r>
-              <a:rPr lang="en-US" dirty="0" smtClean="0"/>
-              <a:t>footer{ </a:t>
-            </a:r>
-            <a:r>
-              <a:rPr lang="en-US" dirty="0" err="1" smtClean="0"/>
-              <a:t>clear:both</a:t>
-            </a:r>
-            <a:r>
-              <a:rPr lang="en-US" dirty="0" smtClean="0"/>
-              <a:t> }</a:t>
-            </a:r>
-            <a:endParaRPr lang="en-US" dirty="0"/>
-          </a:p>
-        </p:txBody>
-      </p:sp>
-      <p:pic>
-        <p:nvPicPr>
-          <p:cNvPr id="4" name="Content Placeholder 3"/>
-          <p:cNvPicPr>
-            <a:picLocks noGrp="1" noChangeAspect="1"/>
-          </p:cNvPicPr>
-          <p:nvPr>
-            <p:ph idx="1"/>
-          </p:nvPr>
-        </p:nvPicPr>
-        <p:blipFill>
-          <a:blip r:embed="rId2"/>
-          <a:srcRect l="382" r="382"/>
-          <a:stretch>
-            <a:fillRect/>
-          </a:stretch>
-        </p:blipFill>
-        <p:spPr/>
-      </p:pic>
-    </p:spTree>
-    <p:extLst>
-      <p:ext uri="{BB962C8B-B14F-4D97-AF65-F5344CB8AC3E}">
-        <p14:creationId xmlns:p14="http://schemas.microsoft.com/office/powerpoint/2010/main" val="2632189047"/>
-      </p:ext>
-    </p:extLst>
-  </p:cSld>
-  <p:clrMapOvr>
-    <a:masterClrMapping/>
-  </p:clrMapOvr>
-  <p:timing>
-    <p:tnLst>
-      <p:par>
-        <p:cTn xmlns:p14="http://schemas.microsoft.com/office/powerpoint/2010/main" id="1" dur="indefinite" restart="never" nodeType="tmRoot"/>
-      </p:par>
-    </p:tnLst>
-  </p:timing>
-</p:sld>
-</file>
-
-<file path=ppt/slides/slide23.xml><?xml version="1.0" encoding="utf-8"?>
-<p:sld xmlns:a="http://schemas.openxmlformats.org/drawingml/2006/main" xmlns:r="http://schemas.openxmlformats.org/officeDocument/2006/relationships" xmlns:p="http://schemas.openxmlformats.org/presentationml/2006/main">
-  <p:cSld>
-    <p:spTree>
-      <p:nvGrpSpPr>
-        <p:cNvPr id="1" name=""/>
-        <p:cNvGrpSpPr/>
-        <p:nvPr/>
-      </p:nvGrpSpPr>
-      <p:grpSpPr>
-        <a:xfrm>
-          <a:off x="0" y="0"/>
-          <a:ext cx="0" cy="0"/>
-          <a:chOff x="0" y="0"/>
-          <a:chExt cx="0" cy="0"/>
-        </a:xfrm>
-      </p:grpSpPr>
-      <p:sp>
-        <p:nvSpPr>
-          <p:cNvPr id="2" name="Title 1"/>
-          <p:cNvSpPr>
-            <a:spLocks noGrp="1"/>
-          </p:cNvSpPr>
-          <p:nvPr>
-            <p:ph type="title"/>
-          </p:nvPr>
-        </p:nvSpPr>
-        <p:spPr/>
-        <p:txBody>
-          <a:bodyPr/>
-          <a:lstStyle/>
-          <a:p>
-            <a:r>
-              <a:rPr lang="en-US" dirty="0" err="1" smtClean="0"/>
-              <a:t>Clearfix</a:t>
-            </a:r>
-            <a:endParaRPr lang="en-US" dirty="0"/>
-          </a:p>
-        </p:txBody>
-      </p:sp>
-      <p:sp>
-        <p:nvSpPr>
-          <p:cNvPr id="4" name="Rectangle 3"/>
-          <p:cNvSpPr/>
-          <p:nvPr/>
-        </p:nvSpPr>
-        <p:spPr>
-          <a:xfrm>
-            <a:off x="4049059" y="842240"/>
-            <a:ext cx="4422589" cy="3785652"/>
-          </a:xfrm>
-          <a:prstGeom prst="rect">
-            <a:avLst/>
-          </a:prstGeom>
-        </p:spPr>
-        <p:txBody>
-          <a:bodyPr wrap="square">
-            <a:spAutoFit/>
-          </a:bodyPr>
-          <a:lstStyle/>
-          <a:p>
-            <a:r>
-              <a:rPr lang="en-US" sz="2000" dirty="0">
-                <a:solidFill>
-                  <a:srgbClr val="DA29FF"/>
-                </a:solidFill>
-                <a:highlight>
-                  <a:srgbClr val="FFFFFF"/>
-                </a:highlight>
-                <a:latin typeface="Courier"/>
-              </a:rPr>
-              <a:t>.</a:t>
-            </a:r>
-            <a:r>
-              <a:rPr lang="en-US" sz="2000" dirty="0" err="1">
-                <a:solidFill>
-                  <a:srgbClr val="DA29FF"/>
-                </a:solidFill>
-                <a:highlight>
-                  <a:srgbClr val="FFFFFF"/>
-                </a:highlight>
-                <a:latin typeface="Courier"/>
-              </a:rPr>
-              <a:t>clearfix</a:t>
-            </a:r>
-            <a:r>
-              <a:rPr lang="en-US" sz="2000" b="1" dirty="0" err="1">
-                <a:solidFill>
-                  <a:srgbClr val="DA29FF"/>
-                </a:solidFill>
-                <a:highlight>
-                  <a:srgbClr val="FFFFFF"/>
-                </a:highlight>
-                <a:latin typeface="Courier"/>
-              </a:rPr>
-              <a:t>:after</a:t>
-            </a:r>
-            <a:r>
-              <a:rPr lang="en-US" sz="2000" b="1" dirty="0">
-                <a:solidFill>
-                  <a:srgbClr val="DA29FF"/>
-                </a:solidFill>
-                <a:highlight>
-                  <a:srgbClr val="FFFFFF"/>
-                </a:highlight>
-                <a:latin typeface="Courier"/>
-              </a:rPr>
-              <a:t> {</a:t>
-            </a:r>
-          </a:p>
-          <a:p>
-            <a:r>
-              <a:rPr lang="en-US" sz="2000" dirty="0">
-                <a:solidFill>
-                  <a:srgbClr val="DA29FF"/>
-                </a:solidFill>
-                <a:highlight>
-                  <a:srgbClr val="FFFFFF"/>
-                </a:highlight>
-                <a:latin typeface="Courier"/>
-              </a:rPr>
-              <a:t>    </a:t>
-            </a:r>
-            <a:r>
-              <a:rPr lang="en-US" sz="2000" dirty="0">
-                <a:solidFill>
-                  <a:srgbClr val="05208C"/>
-                </a:solidFill>
-                <a:highlight>
-                  <a:srgbClr val="FFFFFF"/>
-                </a:highlight>
-                <a:latin typeface="Courier"/>
-              </a:rPr>
-              <a:t>content</a:t>
-            </a:r>
-            <a:r>
-              <a:rPr lang="en-US" sz="2000" b="1" dirty="0">
-                <a:solidFill>
-                  <a:srgbClr val="DA29FF"/>
-                </a:solidFill>
-                <a:highlight>
-                  <a:srgbClr val="FFFFFF"/>
-                </a:highlight>
-                <a:latin typeface="Courier"/>
-              </a:rPr>
-              <a:t>: </a:t>
-            </a:r>
-            <a:r>
-              <a:rPr lang="en-US" sz="2000" b="1" dirty="0">
-                <a:solidFill>
-                  <a:srgbClr val="106800"/>
-                </a:solidFill>
-                <a:highlight>
-                  <a:srgbClr val="FFFFFF"/>
-                </a:highlight>
-                <a:latin typeface="Courier"/>
-              </a:rPr>
-              <a:t>"."</a:t>
-            </a:r>
-            <a:r>
-              <a:rPr lang="en-US" sz="2000" b="1" dirty="0">
-                <a:solidFill>
-                  <a:srgbClr val="DA29FF"/>
-                </a:solidFill>
-                <a:highlight>
-                  <a:srgbClr val="FFFFFF"/>
-                </a:highlight>
-                <a:latin typeface="Courier"/>
-              </a:rPr>
-              <a:t>;</a:t>
-            </a:r>
-          </a:p>
-          <a:p>
-            <a:r>
-              <a:rPr lang="en-US" sz="2000" dirty="0">
-                <a:solidFill>
-                  <a:srgbClr val="DA29FF"/>
-                </a:solidFill>
-                <a:highlight>
-                  <a:srgbClr val="FFFFFF"/>
-                </a:highlight>
-                <a:latin typeface="Courier"/>
-              </a:rPr>
-              <a:t>    </a:t>
-            </a:r>
-            <a:r>
-              <a:rPr lang="en-US" sz="2000" dirty="0">
-                <a:solidFill>
-                  <a:srgbClr val="05208C"/>
-                </a:solidFill>
-                <a:highlight>
-                  <a:srgbClr val="FFFFFF"/>
-                </a:highlight>
-                <a:latin typeface="Courier"/>
-              </a:rPr>
-              <a:t>display</a:t>
-            </a:r>
-            <a:r>
-              <a:rPr lang="en-US" sz="2000" b="1" dirty="0">
-                <a:solidFill>
-                  <a:srgbClr val="DA29FF"/>
-                </a:solidFill>
-                <a:highlight>
-                  <a:srgbClr val="FFFFFF"/>
-                </a:highlight>
-                <a:latin typeface="Courier"/>
-              </a:rPr>
-              <a:t>: </a:t>
-            </a:r>
-            <a:r>
-              <a:rPr lang="en-US" sz="2000" b="1" dirty="0">
-                <a:solidFill>
-                  <a:srgbClr val="0035FF"/>
-                </a:solidFill>
-                <a:highlight>
-                  <a:srgbClr val="FFFFFF"/>
-                </a:highlight>
-                <a:latin typeface="Courier"/>
-              </a:rPr>
-              <a:t>block</a:t>
-            </a:r>
-            <a:r>
-              <a:rPr lang="en-US" sz="2000" b="1" dirty="0">
-                <a:solidFill>
-                  <a:srgbClr val="DA29FF"/>
-                </a:solidFill>
-                <a:highlight>
-                  <a:srgbClr val="FFFFFF"/>
-                </a:highlight>
-                <a:latin typeface="Courier"/>
-              </a:rPr>
-              <a:t>;</a:t>
-            </a:r>
-          </a:p>
-          <a:p>
-            <a:r>
-              <a:rPr lang="en-US" sz="2000" dirty="0">
-                <a:solidFill>
-                  <a:srgbClr val="DA29FF"/>
-                </a:solidFill>
-                <a:highlight>
-                  <a:srgbClr val="FFFFFF"/>
-                </a:highlight>
-                <a:latin typeface="Courier"/>
-              </a:rPr>
-              <a:t>    </a:t>
-            </a:r>
-            <a:r>
-              <a:rPr lang="en-US" sz="2000" dirty="0">
-                <a:solidFill>
-                  <a:srgbClr val="05208C"/>
-                </a:solidFill>
-                <a:highlight>
-                  <a:srgbClr val="FFFFFF"/>
-                </a:highlight>
-                <a:latin typeface="Courier"/>
-              </a:rPr>
-              <a:t>clear</a:t>
-            </a:r>
-            <a:r>
-              <a:rPr lang="en-US" sz="2000" b="1" dirty="0">
-                <a:solidFill>
-                  <a:srgbClr val="DA29FF"/>
-                </a:solidFill>
-                <a:highlight>
-                  <a:srgbClr val="FFFFFF"/>
-                </a:highlight>
-                <a:latin typeface="Courier"/>
-              </a:rPr>
-              <a:t>: </a:t>
-            </a:r>
-            <a:r>
-              <a:rPr lang="en-US" sz="2000" b="1" dirty="0">
-                <a:solidFill>
-                  <a:srgbClr val="0035FF"/>
-                </a:solidFill>
-                <a:highlight>
-                  <a:srgbClr val="FFFFFF"/>
-                </a:highlight>
-                <a:latin typeface="Courier"/>
-              </a:rPr>
-              <a:t>both</a:t>
-            </a:r>
-            <a:r>
-              <a:rPr lang="en-US" sz="2000" b="1" dirty="0">
-                <a:solidFill>
-                  <a:srgbClr val="DA29FF"/>
-                </a:solidFill>
-                <a:highlight>
-                  <a:srgbClr val="FFFFFF"/>
-                </a:highlight>
-                <a:latin typeface="Courier"/>
-              </a:rPr>
-              <a:t>;</a:t>
-            </a:r>
-          </a:p>
-          <a:p>
-            <a:r>
-              <a:rPr lang="en-US" sz="2000" dirty="0">
-                <a:solidFill>
-                  <a:srgbClr val="DA29FF"/>
-                </a:solidFill>
-                <a:highlight>
-                  <a:srgbClr val="FFFFFF"/>
-                </a:highlight>
-                <a:latin typeface="Courier"/>
-              </a:rPr>
-              <a:t>    </a:t>
-            </a:r>
-            <a:r>
-              <a:rPr lang="en-US" sz="2000" dirty="0">
-                <a:solidFill>
-                  <a:srgbClr val="05208C"/>
-                </a:solidFill>
-                <a:highlight>
-                  <a:srgbClr val="FFFFFF"/>
-                </a:highlight>
-                <a:latin typeface="Courier"/>
-              </a:rPr>
-              <a:t>visibility</a:t>
-            </a:r>
-            <a:r>
-              <a:rPr lang="en-US" sz="2000" b="1" dirty="0">
-                <a:solidFill>
-                  <a:srgbClr val="DA29FF"/>
-                </a:solidFill>
-                <a:highlight>
-                  <a:srgbClr val="FFFFFF"/>
-                </a:highlight>
-                <a:latin typeface="Courier"/>
-              </a:rPr>
-              <a:t>: </a:t>
-            </a:r>
-            <a:r>
-              <a:rPr lang="en-US" sz="2000" b="1" dirty="0">
-                <a:solidFill>
-                  <a:srgbClr val="0035FF"/>
-                </a:solidFill>
-                <a:highlight>
-                  <a:srgbClr val="FFFFFF"/>
-                </a:highlight>
-                <a:latin typeface="Courier"/>
-              </a:rPr>
-              <a:t>hidden</a:t>
-            </a:r>
-            <a:r>
-              <a:rPr lang="en-US" sz="2000" b="1" dirty="0">
-                <a:solidFill>
-                  <a:srgbClr val="DA29FF"/>
-                </a:solidFill>
-                <a:highlight>
-                  <a:srgbClr val="FFFFFF"/>
-                </a:highlight>
-                <a:latin typeface="Courier"/>
-              </a:rPr>
-              <a:t>;</a:t>
-            </a:r>
-          </a:p>
-          <a:p>
-            <a:r>
-              <a:rPr lang="en-US" sz="2000" dirty="0">
-                <a:solidFill>
-                  <a:srgbClr val="DA29FF"/>
-                </a:solidFill>
-                <a:highlight>
-                  <a:srgbClr val="FFFFFF"/>
-                </a:highlight>
-                <a:latin typeface="Courier"/>
-              </a:rPr>
-              <a:t>    </a:t>
-            </a:r>
-            <a:r>
-              <a:rPr lang="en-US" sz="2000" dirty="0">
-                <a:solidFill>
-                  <a:srgbClr val="05208C"/>
-                </a:solidFill>
-                <a:highlight>
-                  <a:srgbClr val="FFFFFF"/>
-                </a:highlight>
-                <a:latin typeface="Courier"/>
-              </a:rPr>
-              <a:t>line-height</a:t>
-            </a:r>
-            <a:r>
-              <a:rPr lang="en-US" sz="2000" b="1" dirty="0">
-                <a:solidFill>
-                  <a:srgbClr val="DA29FF"/>
-                </a:solidFill>
-                <a:highlight>
-                  <a:srgbClr val="FFFFFF"/>
-                </a:highlight>
-                <a:latin typeface="Courier"/>
-              </a:rPr>
-              <a:t>: </a:t>
-            </a:r>
-            <a:r>
-              <a:rPr lang="en-US" sz="2000" b="1" dirty="0">
-                <a:solidFill>
-                  <a:srgbClr val="0035FF"/>
-                </a:solidFill>
-                <a:highlight>
-                  <a:srgbClr val="FFFFFF"/>
-                </a:highlight>
-                <a:latin typeface="Courier"/>
-              </a:rPr>
-              <a:t>0</a:t>
-            </a:r>
-            <a:r>
-              <a:rPr lang="en-US" sz="2000" b="1" dirty="0">
-                <a:solidFill>
-                  <a:srgbClr val="DA29FF"/>
-                </a:solidFill>
-                <a:highlight>
-                  <a:srgbClr val="FFFFFF"/>
-                </a:highlight>
-                <a:latin typeface="Courier"/>
-              </a:rPr>
-              <a:t>;</a:t>
-            </a:r>
-          </a:p>
-          <a:p>
-            <a:r>
-              <a:rPr lang="en-US" sz="2000" dirty="0">
-                <a:solidFill>
-                  <a:srgbClr val="DA29FF"/>
-                </a:solidFill>
-                <a:highlight>
-                  <a:srgbClr val="FFFFFF"/>
-                </a:highlight>
-                <a:latin typeface="Courier"/>
-              </a:rPr>
-              <a:t>    </a:t>
-            </a:r>
-            <a:r>
-              <a:rPr lang="en-US" sz="2000" dirty="0">
-                <a:solidFill>
-                  <a:srgbClr val="05208C"/>
-                </a:solidFill>
-                <a:highlight>
-                  <a:srgbClr val="FFFFFF"/>
-                </a:highlight>
-                <a:latin typeface="Courier"/>
-              </a:rPr>
-              <a:t>height</a:t>
-            </a:r>
-            <a:r>
-              <a:rPr lang="en-US" sz="2000" b="1" dirty="0">
-                <a:solidFill>
-                  <a:srgbClr val="DA29FF"/>
-                </a:solidFill>
-                <a:highlight>
-                  <a:srgbClr val="FFFFFF"/>
-                </a:highlight>
-                <a:latin typeface="Courier"/>
-              </a:rPr>
-              <a:t>: </a:t>
-            </a:r>
-            <a:r>
-              <a:rPr lang="en-US" sz="2000" b="1" dirty="0">
-                <a:solidFill>
-                  <a:srgbClr val="0035FF"/>
-                </a:solidFill>
-                <a:highlight>
-                  <a:srgbClr val="FFFFFF"/>
-                </a:highlight>
-                <a:latin typeface="Courier"/>
-              </a:rPr>
-              <a:t>0</a:t>
-            </a:r>
-            <a:r>
-              <a:rPr lang="en-US" sz="2000" b="1" dirty="0">
-                <a:solidFill>
-                  <a:srgbClr val="DA29FF"/>
-                </a:solidFill>
-                <a:highlight>
-                  <a:srgbClr val="FFFFFF"/>
-                </a:highlight>
-                <a:latin typeface="Courier"/>
-              </a:rPr>
-              <a:t>;</a:t>
-            </a:r>
-          </a:p>
-          <a:p>
-            <a:r>
-              <a:rPr lang="en-US" sz="2000" dirty="0">
-                <a:solidFill>
-                  <a:srgbClr val="DA29FF"/>
-                </a:solidFill>
-                <a:highlight>
-                  <a:srgbClr val="FFFFFF"/>
-                </a:highlight>
-                <a:latin typeface="Courier"/>
-              </a:rPr>
-              <a:t>}</a:t>
-            </a:r>
-          </a:p>
-          <a:p>
-            <a:r>
-              <a:rPr lang="en-US" sz="2000" dirty="0">
-                <a:solidFill>
-                  <a:srgbClr val="DA29FF"/>
-                </a:solidFill>
-                <a:highlight>
-                  <a:srgbClr val="FFFFFF"/>
-                </a:highlight>
-                <a:latin typeface="Courier"/>
-              </a:rPr>
-              <a:t> </a:t>
-            </a:r>
-          </a:p>
-          <a:p>
-            <a:r>
-              <a:rPr lang="en-US" sz="2000" dirty="0">
-                <a:solidFill>
-                  <a:srgbClr val="DA29FF"/>
-                </a:solidFill>
-                <a:highlight>
-                  <a:srgbClr val="FFFFFF"/>
-                </a:highlight>
-                <a:latin typeface="Courier"/>
-              </a:rPr>
-              <a:t>.</a:t>
-            </a:r>
-            <a:r>
-              <a:rPr lang="en-US" sz="2000" dirty="0" err="1">
-                <a:solidFill>
-                  <a:srgbClr val="DA29FF"/>
-                </a:solidFill>
-                <a:highlight>
-                  <a:srgbClr val="FFFFFF"/>
-                </a:highlight>
-                <a:latin typeface="Courier"/>
-              </a:rPr>
-              <a:t>clearfix</a:t>
-            </a:r>
-            <a:r>
-              <a:rPr lang="en-US" sz="2000" dirty="0">
-                <a:solidFill>
-                  <a:srgbClr val="DA29FF"/>
-                </a:solidFill>
-                <a:highlight>
-                  <a:srgbClr val="FFFFFF"/>
-                </a:highlight>
-                <a:latin typeface="Courier"/>
-              </a:rPr>
-              <a:t> {</a:t>
-            </a:r>
-          </a:p>
-          <a:p>
-            <a:r>
-              <a:rPr lang="en-US" sz="2000" dirty="0">
-                <a:solidFill>
-                  <a:srgbClr val="DA29FF"/>
-                </a:solidFill>
-                <a:highlight>
-                  <a:srgbClr val="FFFFFF"/>
-                </a:highlight>
-                <a:latin typeface="Courier"/>
-              </a:rPr>
-              <a:t>    </a:t>
-            </a:r>
-            <a:r>
-              <a:rPr lang="en-US" sz="2000" dirty="0">
-                <a:solidFill>
-                  <a:srgbClr val="05208C"/>
-                </a:solidFill>
-                <a:highlight>
-                  <a:srgbClr val="FFFFFF"/>
-                </a:highlight>
-                <a:latin typeface="Courier"/>
-              </a:rPr>
-              <a:t>display</a:t>
-            </a:r>
-            <a:r>
-              <a:rPr lang="en-US" sz="2000" b="1" dirty="0">
-                <a:solidFill>
-                  <a:srgbClr val="DA29FF"/>
-                </a:solidFill>
-                <a:highlight>
-                  <a:srgbClr val="FFFFFF"/>
-                </a:highlight>
-                <a:latin typeface="Courier"/>
-              </a:rPr>
-              <a:t>: </a:t>
-            </a:r>
-            <a:r>
-              <a:rPr lang="en-US" sz="2000" b="1" dirty="0">
-                <a:solidFill>
-                  <a:srgbClr val="0035FF"/>
-                </a:solidFill>
-                <a:highlight>
-                  <a:srgbClr val="FFFFFF"/>
-                </a:highlight>
-                <a:latin typeface="Courier"/>
-              </a:rPr>
-              <a:t>inline-block</a:t>
-            </a:r>
-            <a:r>
-              <a:rPr lang="en-US" sz="2000" b="1" dirty="0">
-                <a:solidFill>
-                  <a:srgbClr val="DA29FF"/>
-                </a:solidFill>
-                <a:highlight>
-                  <a:srgbClr val="FFFFFF"/>
-                </a:highlight>
-                <a:latin typeface="Courier"/>
-              </a:rPr>
-              <a:t>;</a:t>
-            </a:r>
-          </a:p>
-          <a:p>
-            <a:r>
-              <a:rPr lang="en-US" sz="2000" dirty="0">
-                <a:solidFill>
-                  <a:srgbClr val="DA29FF"/>
-                </a:solidFill>
-                <a:highlight>
-                  <a:srgbClr val="FFFFFF"/>
-                </a:highlight>
-                <a:latin typeface="Courier"/>
-              </a:rPr>
-              <a:t>}</a:t>
-            </a:r>
-            <a:endParaRPr lang="en-US" sz="2000" dirty="0"/>
-          </a:p>
-        </p:txBody>
-      </p:sp>
-      <p:sp>
-        <p:nvSpPr>
-          <p:cNvPr id="5" name="TextBox 4"/>
-          <p:cNvSpPr txBox="1"/>
-          <p:nvPr/>
-        </p:nvSpPr>
-        <p:spPr>
-          <a:xfrm>
-            <a:off x="262964" y="1314824"/>
-            <a:ext cx="3427507" cy="1631216"/>
-          </a:xfrm>
-          <a:prstGeom prst="rect">
-            <a:avLst/>
-          </a:prstGeom>
-        </p:spPr>
-        <p:style>
-          <a:lnRef idx="1">
-            <a:schemeClr val="dk1"/>
-          </a:lnRef>
-          <a:fillRef idx="2">
-            <a:schemeClr val="dk1"/>
-          </a:fillRef>
-          <a:effectRef idx="1">
-            <a:schemeClr val="dk1"/>
-          </a:effectRef>
-          <a:fontRef idx="minor">
-            <a:schemeClr val="dk1"/>
-          </a:fontRef>
-        </p:style>
-        <p:txBody>
-          <a:bodyPr wrap="square" rtlCol="0">
-            <a:spAutoFit/>
-          </a:bodyPr>
-          <a:lstStyle/>
-          <a:p>
-            <a:r>
-              <a:rPr lang="en-US" sz="2000" dirty="0" err="1" smtClean="0"/>
-              <a:t>Semantisk</a:t>
-            </a:r>
-            <a:r>
-              <a:rPr lang="en-US" sz="2000" dirty="0" smtClean="0"/>
-              <a:t> </a:t>
-            </a:r>
-            <a:r>
-              <a:rPr lang="en-US" sz="2000" dirty="0" err="1" smtClean="0"/>
-              <a:t>mest</a:t>
-            </a:r>
-            <a:r>
-              <a:rPr lang="en-US" sz="2000" dirty="0" smtClean="0"/>
-              <a:t> </a:t>
-            </a:r>
-            <a:r>
-              <a:rPr lang="en-US" sz="2000" dirty="0" err="1" smtClean="0"/>
-              <a:t>korrekt</a:t>
-            </a:r>
-            <a:r>
-              <a:rPr lang="en-US" sz="2000" dirty="0" smtClean="0"/>
-              <a:t> </a:t>
-            </a:r>
-            <a:r>
-              <a:rPr lang="en-US" sz="2000" dirty="0" err="1" smtClean="0"/>
-              <a:t>måte</a:t>
-            </a:r>
-            <a:r>
-              <a:rPr lang="en-US" sz="2000" dirty="0" smtClean="0"/>
-              <a:t>. </a:t>
-            </a:r>
-          </a:p>
-          <a:p>
-            <a:r>
-              <a:rPr lang="en-US" sz="2000" dirty="0" err="1" smtClean="0"/>
-              <a:t>Legger</a:t>
-            </a:r>
-            <a:r>
-              <a:rPr lang="en-US" sz="2000" dirty="0" smtClean="0"/>
-              <a:t> </a:t>
-            </a:r>
-            <a:r>
-              <a:rPr lang="en-US" sz="2000" dirty="0" err="1" smtClean="0"/>
-              <a:t>til</a:t>
-            </a:r>
-            <a:r>
-              <a:rPr lang="en-US" sz="2000" dirty="0" smtClean="0"/>
-              <a:t> </a:t>
-            </a:r>
-            <a:r>
-              <a:rPr lang="en-US" sz="2000" dirty="0" err="1" smtClean="0"/>
-              <a:t>bittelitt</a:t>
-            </a:r>
-            <a:r>
-              <a:rPr lang="en-US" sz="2000" dirty="0" smtClean="0"/>
-              <a:t> </a:t>
-            </a:r>
-            <a:r>
-              <a:rPr lang="en-US" sz="2000" dirty="0" err="1" smtClean="0"/>
-              <a:t>innhold</a:t>
-            </a:r>
-            <a:r>
-              <a:rPr lang="en-US" sz="2000" dirty="0" smtClean="0"/>
-              <a:t> </a:t>
-            </a:r>
-            <a:r>
-              <a:rPr lang="en-US" sz="2000" dirty="0" err="1" smtClean="0"/>
-              <a:t>etter</a:t>
-            </a:r>
-            <a:r>
-              <a:rPr lang="en-US" sz="2000" dirty="0" smtClean="0"/>
-              <a:t> </a:t>
-            </a:r>
-            <a:r>
-              <a:rPr lang="en-US" sz="2000" dirty="0" err="1" smtClean="0"/>
-              <a:t>containeren</a:t>
-            </a:r>
-            <a:r>
-              <a:rPr lang="en-US" sz="2000" dirty="0" smtClean="0"/>
-              <a:t> </a:t>
-            </a:r>
-            <a:r>
-              <a:rPr lang="en-US" sz="2000" dirty="0" err="1" smtClean="0"/>
-              <a:t>som</a:t>
-            </a:r>
-            <a:r>
-              <a:rPr lang="en-US" sz="2000" dirty="0" smtClean="0"/>
-              <a:t> </a:t>
-            </a:r>
-            <a:r>
-              <a:rPr lang="en-US" sz="2000" dirty="0" err="1" smtClean="0"/>
-              <a:t>har</a:t>
-            </a:r>
-            <a:r>
-              <a:rPr lang="en-US" sz="2000" dirty="0" smtClean="0"/>
-              <a:t> </a:t>
-            </a:r>
-            <a:r>
-              <a:rPr lang="en-US" sz="2000" dirty="0" err="1" smtClean="0"/>
-              <a:t>klassen</a:t>
-            </a:r>
-            <a:r>
-              <a:rPr lang="en-US" sz="2000" dirty="0" smtClean="0"/>
-              <a:t> .</a:t>
-            </a:r>
-            <a:r>
-              <a:rPr lang="en-US" sz="2000" dirty="0" err="1" smtClean="0"/>
-              <a:t>clearfix</a:t>
-            </a:r>
-            <a:r>
-              <a:rPr lang="en-US" sz="2000" dirty="0" smtClean="0"/>
-              <a:t>, </a:t>
-            </a:r>
-            <a:r>
-              <a:rPr lang="en-US" sz="2000" dirty="0" err="1" smtClean="0"/>
-              <a:t>som</a:t>
-            </a:r>
-            <a:r>
-              <a:rPr lang="en-US" sz="2000" dirty="0" smtClean="0"/>
-              <a:t> tar </a:t>
-            </a:r>
-            <a:r>
-              <a:rPr lang="en-US" sz="2000" dirty="0" err="1" smtClean="0"/>
-              <a:t>seg</a:t>
-            </a:r>
-            <a:r>
-              <a:rPr lang="en-US" sz="2000" dirty="0" smtClean="0"/>
-              <a:t> </a:t>
-            </a:r>
-            <a:r>
-              <a:rPr lang="en-US" sz="2000" dirty="0" err="1" smtClean="0"/>
-              <a:t>av</a:t>
-            </a:r>
-            <a:r>
-              <a:rPr lang="en-US" sz="2000" dirty="0" smtClean="0"/>
-              <a:t> clearing.</a:t>
-            </a:r>
-            <a:endParaRPr lang="en-US" sz="2000" dirty="0"/>
-          </a:p>
-        </p:txBody>
-      </p:sp>
-    </p:spTree>
-    <p:extLst>
-      <p:ext uri="{BB962C8B-B14F-4D97-AF65-F5344CB8AC3E}">
-        <p14:creationId xmlns:p14="http://schemas.microsoft.com/office/powerpoint/2010/main" val="1420108947"/>
-      </p:ext>
-    </p:extLst>
-  </p:cSld>
-  <p:clrMapOvr>
-    <a:masterClrMapping/>
-  </p:clrMapOvr>
-  <p:timing>
-    <p:tnLst>
-      <p:par>
-        <p:cTn xmlns:p14="http://schemas.microsoft.com/office/powerpoint/2010/main" id="1" dur="indefinite" restart="never" nodeType="tmRoot"/>
-      </p:par>
-    </p:tnLst>
-  </p:timing>
-</p:sld>
-</file>
-
-<file path=ppt/slides/slide24.xml><?xml version="1.0" encoding="utf-8"?>
+<file path=ppt/slides/slide20.xml><?xml version="1.0" encoding="utf-8"?>
 <p:sld xmlns:a="http://schemas.openxmlformats.org/drawingml/2006/main" xmlns:r="http://schemas.openxmlformats.org/officeDocument/2006/relationships" xmlns:p="http://schemas.openxmlformats.org/presentationml/2006/main">
   <p:cSld>
     <p:spTree>
@@ -14105,7 +12606,7 @@
 </p:sld>
 </file>
 
-<file path=ppt/slides/slide25.xml><?xml version="1.0" encoding="utf-8"?>
+<file path=ppt/slides/slide21.xml><?xml version="1.0" encoding="utf-8"?>
 <p:sld xmlns:a="http://schemas.openxmlformats.org/drawingml/2006/main" xmlns:r="http://schemas.openxmlformats.org/officeDocument/2006/relationships" xmlns:p="http://schemas.openxmlformats.org/presentationml/2006/main">
   <p:cSld>
     <p:spTree>
@@ -14555,7 +13056,7 @@
 </p:sld>
 </file>
 
-<file path=ppt/slides/slide26.xml><?xml version="1.0" encoding="utf-8"?>
+<file path=ppt/slides/slide22.xml><?xml version="1.0" encoding="utf-8"?>
 <p:sld xmlns:a="http://schemas.openxmlformats.org/drawingml/2006/main" xmlns:r="http://schemas.openxmlformats.org/officeDocument/2006/relationships" xmlns:p="http://schemas.openxmlformats.org/presentationml/2006/main">
   <p:cSld>
     <p:spTree>
@@ -14853,6 +13354,1357 @@
     <p:extLst>
       <p:ext uri="{BB962C8B-B14F-4D97-AF65-F5344CB8AC3E}">
         <p14:creationId xmlns:p14="http://schemas.microsoft.com/office/powerpoint/2010/main" val="2695716838"/>
+      </p:ext>
+    </p:extLst>
+  </p:cSld>
+  <p:clrMapOvr>
+    <a:masterClrMapping/>
+  </p:clrMapOvr>
+  <p:timing>
+    <p:tnLst>
+      <p:par>
+        <p:cTn xmlns:p14="http://schemas.microsoft.com/office/powerpoint/2010/main" id="1" dur="indefinite" restart="never" nodeType="tmRoot"/>
+      </p:par>
+    </p:tnLst>
+  </p:timing>
+</p:sld>
+</file>
+
+<file path=ppt/slides/slide23.xml><?xml version="1.0" encoding="utf-8"?>
+<p:sld xmlns:a="http://schemas.openxmlformats.org/drawingml/2006/main" xmlns:r="http://schemas.openxmlformats.org/officeDocument/2006/relationships" xmlns:p="http://schemas.openxmlformats.org/presentationml/2006/main">
+  <p:cSld>
+    <p:spTree>
+      <p:nvGrpSpPr>
+        <p:cNvPr id="1" name=""/>
+        <p:cNvGrpSpPr/>
+        <p:nvPr/>
+      </p:nvGrpSpPr>
+      <p:grpSpPr>
+        <a:xfrm>
+          <a:off x="0" y="0"/>
+          <a:ext cx="0" cy="0"/>
+          <a:chOff x="0" y="0"/>
+          <a:chExt cx="0" cy="0"/>
+        </a:xfrm>
+      </p:grpSpPr>
+      <p:sp>
+        <p:nvSpPr>
+          <p:cNvPr id="2" name="Title 1"/>
+          <p:cNvSpPr>
+            <a:spLocks noGrp="1"/>
+          </p:cNvSpPr>
+          <p:nvPr>
+            <p:ph type="title"/>
+          </p:nvPr>
+        </p:nvSpPr>
+        <p:spPr/>
+        <p:txBody>
+          <a:bodyPr/>
+          <a:lstStyle/>
+          <a:p>
+            <a:r>
+              <a:rPr lang="en-US" dirty="0" smtClean="0"/>
+              <a:t>CSS3-bakgrunn</a:t>
+            </a:r>
+            <a:endParaRPr lang="en-US" dirty="0"/>
+          </a:p>
+        </p:txBody>
+      </p:sp>
+      <p:sp>
+        <p:nvSpPr>
+          <p:cNvPr id="3" name="Content Placeholder 2"/>
+          <p:cNvSpPr>
+            <a:spLocks noGrp="1"/>
+          </p:cNvSpPr>
+          <p:nvPr>
+            <p:ph idx="1"/>
+          </p:nvPr>
+        </p:nvSpPr>
+        <p:spPr/>
+        <p:txBody>
+          <a:bodyPr/>
+          <a:lstStyle/>
+          <a:p>
+            <a:r>
+              <a:rPr lang="en-US" dirty="0" err="1" smtClean="0"/>
+              <a:t>Støtter</a:t>
+            </a:r>
+            <a:r>
+              <a:rPr lang="en-US" dirty="0" smtClean="0"/>
+              <a:t> </a:t>
+            </a:r>
+            <a:r>
+              <a:rPr lang="en-US" dirty="0" err="1" smtClean="0"/>
+              <a:t>flere</a:t>
+            </a:r>
+            <a:r>
+              <a:rPr lang="en-US" dirty="0" smtClean="0"/>
+              <a:t> </a:t>
+            </a:r>
+            <a:r>
+              <a:rPr lang="en-US" dirty="0" err="1" smtClean="0"/>
+              <a:t>bakgrunnsbilder</a:t>
+            </a:r>
+            <a:endParaRPr lang="en-US" dirty="0"/>
+          </a:p>
+        </p:txBody>
+      </p:sp>
+      <p:sp>
+        <p:nvSpPr>
+          <p:cNvPr id="4" name="Rectangle 3"/>
+          <p:cNvSpPr/>
+          <p:nvPr/>
+        </p:nvSpPr>
+        <p:spPr>
+          <a:xfrm>
+            <a:off x="457200" y="2327136"/>
+            <a:ext cx="8229600" cy="2031325"/>
+          </a:xfrm>
+          <a:prstGeom prst="rect">
+            <a:avLst/>
+          </a:prstGeom>
+        </p:spPr>
+        <p:txBody>
+          <a:bodyPr wrap="square">
+            <a:spAutoFit/>
+          </a:bodyPr>
+          <a:lstStyle/>
+          <a:p>
+            <a:r>
+              <a:rPr lang="en-US" dirty="0">
+                <a:solidFill>
+                  <a:srgbClr val="DA29FF"/>
+                </a:solidFill>
+                <a:highlight>
+                  <a:srgbClr val="FFFFFF"/>
+                </a:highlight>
+                <a:latin typeface="Courier"/>
+              </a:rPr>
+              <a:t>.container {</a:t>
+            </a:r>
+          </a:p>
+          <a:p>
+            <a:r>
+              <a:rPr lang="en-US" dirty="0">
+                <a:solidFill>
+                  <a:srgbClr val="DA29FF"/>
+                </a:solidFill>
+                <a:highlight>
+                  <a:srgbClr val="FFFFFF"/>
+                </a:highlight>
+                <a:latin typeface="Courier"/>
+              </a:rPr>
+              <a:t>    </a:t>
+            </a:r>
+            <a:r>
+              <a:rPr lang="en-US" dirty="0">
+                <a:solidFill>
+                  <a:srgbClr val="05208C"/>
+                </a:solidFill>
+                <a:highlight>
+                  <a:srgbClr val="FFFFFF"/>
+                </a:highlight>
+                <a:latin typeface="Courier"/>
+              </a:rPr>
+              <a:t>background-image</a:t>
+            </a:r>
+            <a:r>
+              <a:rPr lang="en-US" b="1" dirty="0">
+                <a:solidFill>
+                  <a:srgbClr val="DA29FF"/>
+                </a:solidFill>
+                <a:highlight>
+                  <a:srgbClr val="FFFFFF"/>
+                </a:highlight>
+                <a:latin typeface="Courier"/>
+              </a:rPr>
+              <a:t>: </a:t>
+            </a:r>
+            <a:r>
+              <a:rPr lang="en-US" b="1" dirty="0" err="1">
+                <a:solidFill>
+                  <a:srgbClr val="DA29FF"/>
+                </a:solidFill>
+                <a:highlight>
+                  <a:srgbClr val="FFFFFF"/>
+                </a:highlight>
+                <a:latin typeface="Courier"/>
+              </a:rPr>
+              <a:t>url</a:t>
+            </a:r>
+            <a:r>
+              <a:rPr lang="en-US" b="1" dirty="0">
+                <a:solidFill>
+                  <a:srgbClr val="DA29FF"/>
+                </a:solidFill>
+                <a:highlight>
+                  <a:srgbClr val="FFFFFF"/>
+                </a:highlight>
+                <a:latin typeface="Courier"/>
+              </a:rPr>
+              <a:t>(../images/</a:t>
+            </a:r>
+            <a:r>
+              <a:rPr lang="en-US" b="1" dirty="0" err="1">
+                <a:solidFill>
+                  <a:srgbClr val="DA29FF"/>
+                </a:solidFill>
+                <a:highlight>
+                  <a:srgbClr val="FFFFFF"/>
+                </a:highlight>
+                <a:latin typeface="Courier"/>
+              </a:rPr>
+              <a:t>forgrunnsbilde.jpg</a:t>
+            </a:r>
+            <a:r>
+              <a:rPr lang="en-US" b="1" dirty="0">
+                <a:solidFill>
+                  <a:srgbClr val="DA29FF"/>
+                </a:solidFill>
+                <a:highlight>
+                  <a:srgbClr val="FFFFFF"/>
+                </a:highlight>
+                <a:latin typeface="Courier"/>
+              </a:rPr>
+              <a:t>),  </a:t>
+            </a:r>
+            <a:r>
+              <a:rPr lang="en-US" b="1" dirty="0" smtClean="0">
+                <a:solidFill>
+                  <a:srgbClr val="DA29FF"/>
+                </a:solidFill>
+                <a:highlight>
+                  <a:srgbClr val="FFFFFF"/>
+                </a:highlight>
+                <a:latin typeface="Courier"/>
+              </a:rPr>
+              <a:t>   			</a:t>
+            </a:r>
+            <a:r>
+              <a:rPr lang="en-US" b="1" dirty="0" err="1" smtClean="0">
+                <a:solidFill>
+                  <a:srgbClr val="DA29FF"/>
+                </a:solidFill>
+                <a:highlight>
+                  <a:srgbClr val="FFFFFF"/>
+                </a:highlight>
+                <a:latin typeface="Courier"/>
+              </a:rPr>
+              <a:t>url</a:t>
+            </a:r>
+            <a:r>
+              <a:rPr lang="en-US" b="1" dirty="0">
+                <a:solidFill>
+                  <a:srgbClr val="DA29FF"/>
+                </a:solidFill>
+                <a:highlight>
+                  <a:srgbClr val="FFFFFF"/>
+                </a:highlight>
+                <a:latin typeface="Courier"/>
+              </a:rPr>
+              <a:t>(../images/</a:t>
+            </a:r>
+            <a:r>
+              <a:rPr lang="en-US" b="1" dirty="0" err="1">
+                <a:solidFill>
+                  <a:srgbClr val="DA29FF"/>
+                </a:solidFill>
+                <a:highlight>
+                  <a:srgbClr val="FFFFFF"/>
+                </a:highlight>
+                <a:latin typeface="Courier"/>
+              </a:rPr>
+              <a:t>bakgrunnsbilde.jpg</a:t>
+            </a:r>
+            <a:r>
+              <a:rPr lang="en-US" b="1" dirty="0">
+                <a:solidFill>
+                  <a:srgbClr val="DA29FF"/>
+                </a:solidFill>
+                <a:highlight>
+                  <a:srgbClr val="FFFFFF"/>
+                </a:highlight>
+                <a:latin typeface="Courier"/>
+              </a:rPr>
+              <a:t>);</a:t>
+            </a:r>
+          </a:p>
+          <a:p>
+            <a:r>
+              <a:rPr lang="en-US" dirty="0">
+                <a:solidFill>
+                  <a:srgbClr val="DA29FF"/>
+                </a:solidFill>
+                <a:highlight>
+                  <a:srgbClr val="FFFFFF"/>
+                </a:highlight>
+                <a:latin typeface="Courier"/>
+              </a:rPr>
+              <a:t>    </a:t>
+            </a:r>
+            <a:r>
+              <a:rPr lang="en-US" dirty="0">
+                <a:solidFill>
+                  <a:srgbClr val="05208C"/>
+                </a:solidFill>
+                <a:highlight>
+                  <a:srgbClr val="FFFFFF"/>
+                </a:highlight>
+                <a:latin typeface="Courier"/>
+              </a:rPr>
+              <a:t>background-position</a:t>
+            </a:r>
+            <a:r>
+              <a:rPr lang="en-US" b="1" dirty="0">
+                <a:solidFill>
+                  <a:srgbClr val="DA29FF"/>
+                </a:solidFill>
+                <a:highlight>
+                  <a:srgbClr val="FFFFFF"/>
+                </a:highlight>
+                <a:latin typeface="Courier"/>
+              </a:rPr>
+              <a:t>: </a:t>
+            </a:r>
+            <a:r>
+              <a:rPr lang="en-US" b="1" dirty="0">
+                <a:solidFill>
+                  <a:srgbClr val="0035FF"/>
+                </a:solidFill>
+                <a:highlight>
+                  <a:srgbClr val="FFFFFF"/>
+                </a:highlight>
+                <a:latin typeface="Courier"/>
+              </a:rPr>
+              <a:t>center</a:t>
+            </a:r>
+            <a:r>
+              <a:rPr lang="en-US" b="1" dirty="0">
+                <a:solidFill>
+                  <a:srgbClr val="DA29FF"/>
+                </a:solidFill>
+                <a:highlight>
+                  <a:srgbClr val="FFFFFF"/>
+                </a:highlight>
+                <a:latin typeface="Courier"/>
+              </a:rPr>
+              <a:t>, </a:t>
+            </a:r>
+            <a:r>
+              <a:rPr lang="en-US" b="1" dirty="0">
+                <a:solidFill>
+                  <a:srgbClr val="0035FF"/>
+                </a:solidFill>
+                <a:highlight>
+                  <a:srgbClr val="FFFFFF"/>
+                </a:highlight>
+                <a:latin typeface="Courier"/>
+              </a:rPr>
+              <a:t>left</a:t>
+            </a:r>
+            <a:r>
+              <a:rPr lang="en-US" b="1" dirty="0">
+                <a:solidFill>
+                  <a:srgbClr val="DA29FF"/>
+                </a:solidFill>
+                <a:highlight>
+                  <a:srgbClr val="FFFFFF"/>
+                </a:highlight>
+                <a:latin typeface="Courier"/>
+              </a:rPr>
+              <a:t> </a:t>
+            </a:r>
+            <a:r>
+              <a:rPr lang="en-US" b="1" dirty="0">
+                <a:solidFill>
+                  <a:srgbClr val="0035FF"/>
+                </a:solidFill>
+                <a:highlight>
+                  <a:srgbClr val="FFFFFF"/>
+                </a:highlight>
+                <a:latin typeface="Courier"/>
+              </a:rPr>
+              <a:t>top</a:t>
+            </a:r>
+            <a:r>
+              <a:rPr lang="en-US" b="1" dirty="0">
+                <a:solidFill>
+                  <a:srgbClr val="DA29FF"/>
+                </a:solidFill>
+                <a:highlight>
+                  <a:srgbClr val="FFFFFF"/>
+                </a:highlight>
+                <a:latin typeface="Courier"/>
+              </a:rPr>
+              <a:t>;</a:t>
+            </a:r>
+          </a:p>
+          <a:p>
+            <a:r>
+              <a:rPr lang="en-US" dirty="0">
+                <a:solidFill>
+                  <a:srgbClr val="DA29FF"/>
+                </a:solidFill>
+                <a:highlight>
+                  <a:srgbClr val="FFFFFF"/>
+                </a:highlight>
+                <a:latin typeface="Courier"/>
+              </a:rPr>
+              <a:t>    </a:t>
+            </a:r>
+            <a:r>
+              <a:rPr lang="en-US" dirty="0">
+                <a:solidFill>
+                  <a:srgbClr val="05208C"/>
+                </a:solidFill>
+                <a:highlight>
+                  <a:srgbClr val="FFFFFF"/>
+                </a:highlight>
+                <a:latin typeface="Courier"/>
+              </a:rPr>
+              <a:t>background-repeat</a:t>
+            </a:r>
+            <a:r>
+              <a:rPr lang="en-US" b="1" dirty="0">
+                <a:solidFill>
+                  <a:srgbClr val="DA29FF"/>
+                </a:solidFill>
+                <a:highlight>
+                  <a:srgbClr val="FFFFFF"/>
+                </a:highlight>
+                <a:latin typeface="Courier"/>
+              </a:rPr>
+              <a:t>: </a:t>
+            </a:r>
+            <a:r>
+              <a:rPr lang="en-US" b="1" dirty="0">
+                <a:solidFill>
+                  <a:srgbClr val="0035FF"/>
+                </a:solidFill>
+                <a:highlight>
+                  <a:srgbClr val="FFFFFF"/>
+                </a:highlight>
+                <a:latin typeface="Courier"/>
+              </a:rPr>
+              <a:t>no-repeat</a:t>
+            </a:r>
+            <a:r>
+              <a:rPr lang="en-US" b="1" dirty="0">
+                <a:solidFill>
+                  <a:srgbClr val="DA29FF"/>
+                </a:solidFill>
+                <a:highlight>
+                  <a:srgbClr val="FFFFFF"/>
+                </a:highlight>
+                <a:latin typeface="Courier"/>
+              </a:rPr>
+              <a:t>;</a:t>
+            </a:r>
+          </a:p>
+          <a:p>
+            <a:r>
+              <a:rPr lang="en-US" dirty="0">
+                <a:solidFill>
+                  <a:srgbClr val="DA29FF"/>
+                </a:solidFill>
+                <a:highlight>
+                  <a:srgbClr val="FFFFFF"/>
+                </a:highlight>
+                <a:latin typeface="Courier"/>
+              </a:rPr>
+              <a:t>    </a:t>
+            </a:r>
+            <a:r>
+              <a:rPr lang="en-US" dirty="0">
+                <a:solidFill>
+                  <a:srgbClr val="05208C"/>
+                </a:solidFill>
+                <a:highlight>
+                  <a:srgbClr val="FFFFFF"/>
+                </a:highlight>
+                <a:latin typeface="Courier"/>
+              </a:rPr>
+              <a:t>height</a:t>
+            </a:r>
+            <a:r>
+              <a:rPr lang="en-US" b="1" dirty="0">
+                <a:solidFill>
+                  <a:srgbClr val="DA29FF"/>
+                </a:solidFill>
+                <a:highlight>
+                  <a:srgbClr val="FFFFFF"/>
+                </a:highlight>
+                <a:latin typeface="Courier"/>
+              </a:rPr>
+              <a:t>: </a:t>
+            </a:r>
+            <a:r>
+              <a:rPr lang="en-US" b="1" dirty="0">
+                <a:solidFill>
+                  <a:srgbClr val="0035FF"/>
+                </a:solidFill>
+                <a:highlight>
+                  <a:srgbClr val="FFFFFF"/>
+                </a:highlight>
+                <a:latin typeface="Courier"/>
+              </a:rPr>
+              <a:t>200px</a:t>
+            </a:r>
+            <a:r>
+              <a:rPr lang="en-US" b="1" dirty="0">
+                <a:solidFill>
+                  <a:srgbClr val="DA29FF"/>
+                </a:solidFill>
+                <a:highlight>
+                  <a:srgbClr val="FFFFFF"/>
+                </a:highlight>
+                <a:latin typeface="Courier"/>
+              </a:rPr>
+              <a:t>;</a:t>
+            </a:r>
+          </a:p>
+          <a:p>
+            <a:r>
+              <a:rPr lang="en-US" dirty="0">
+                <a:solidFill>
+                  <a:srgbClr val="DA29FF"/>
+                </a:solidFill>
+                <a:highlight>
+                  <a:srgbClr val="FFFFFF"/>
+                </a:highlight>
+                <a:latin typeface="Courier"/>
+              </a:rPr>
+              <a:t>    </a:t>
+            </a:r>
+            <a:r>
+              <a:rPr lang="en-US" dirty="0">
+                <a:solidFill>
+                  <a:srgbClr val="05208C"/>
+                </a:solidFill>
+                <a:highlight>
+                  <a:srgbClr val="FFFFFF"/>
+                </a:highlight>
+                <a:latin typeface="Courier"/>
+              </a:rPr>
+              <a:t>width</a:t>
+            </a:r>
+            <a:r>
+              <a:rPr lang="en-US" b="1" dirty="0">
+                <a:solidFill>
+                  <a:srgbClr val="DA29FF"/>
+                </a:solidFill>
+                <a:highlight>
+                  <a:srgbClr val="FFFFFF"/>
+                </a:highlight>
+                <a:latin typeface="Courier"/>
+              </a:rPr>
+              <a:t>: </a:t>
+            </a:r>
+            <a:r>
+              <a:rPr lang="en-US" b="1" dirty="0">
+                <a:solidFill>
+                  <a:srgbClr val="0035FF"/>
+                </a:solidFill>
+                <a:highlight>
+                  <a:srgbClr val="FFFFFF"/>
+                </a:highlight>
+                <a:latin typeface="Courier"/>
+              </a:rPr>
+              <a:t>50%</a:t>
+            </a:r>
+            <a:r>
+              <a:rPr lang="en-US" b="1" dirty="0">
+                <a:solidFill>
+                  <a:srgbClr val="DA29FF"/>
+                </a:solidFill>
+                <a:highlight>
+                  <a:srgbClr val="FFFFFF"/>
+                </a:highlight>
+                <a:latin typeface="Courier"/>
+              </a:rPr>
+              <a:t>;</a:t>
+            </a:r>
+            <a:endParaRPr lang="en-US" dirty="0"/>
+          </a:p>
+        </p:txBody>
+      </p:sp>
+    </p:spTree>
+    <p:extLst>
+      <p:ext uri="{BB962C8B-B14F-4D97-AF65-F5344CB8AC3E}">
+        <p14:creationId xmlns:p14="http://schemas.microsoft.com/office/powerpoint/2010/main" val="1559465844"/>
+      </p:ext>
+    </p:extLst>
+  </p:cSld>
+  <p:clrMapOvr>
+    <a:masterClrMapping/>
+  </p:clrMapOvr>
+  <p:timing>
+    <p:tnLst>
+      <p:par>
+        <p:cTn xmlns:p14="http://schemas.microsoft.com/office/powerpoint/2010/main" id="1" dur="indefinite" restart="never" nodeType="tmRoot"/>
+      </p:par>
+    </p:tnLst>
+  </p:timing>
+</p:sld>
+</file>
+
+<file path=ppt/slides/slide24.xml><?xml version="1.0" encoding="utf-8"?>
+<p:sld xmlns:a="http://schemas.openxmlformats.org/drawingml/2006/main" xmlns:r="http://schemas.openxmlformats.org/officeDocument/2006/relationships" xmlns:p="http://schemas.openxmlformats.org/presentationml/2006/main">
+  <p:cSld>
+    <p:spTree>
+      <p:nvGrpSpPr>
+        <p:cNvPr id="1" name=""/>
+        <p:cNvGrpSpPr/>
+        <p:nvPr/>
+      </p:nvGrpSpPr>
+      <p:grpSpPr>
+        <a:xfrm>
+          <a:off x="0" y="0"/>
+          <a:ext cx="0" cy="0"/>
+          <a:chOff x="0" y="0"/>
+          <a:chExt cx="0" cy="0"/>
+        </a:xfrm>
+      </p:grpSpPr>
+      <p:sp>
+        <p:nvSpPr>
+          <p:cNvPr id="2" name="Title 1"/>
+          <p:cNvSpPr>
+            <a:spLocks noGrp="1"/>
+          </p:cNvSpPr>
+          <p:nvPr>
+            <p:ph type="title"/>
+          </p:nvPr>
+        </p:nvSpPr>
+        <p:spPr/>
+        <p:txBody>
+          <a:bodyPr/>
+          <a:lstStyle/>
+          <a:p>
+            <a:r>
+              <a:rPr lang="en-US" dirty="0" smtClean="0"/>
+              <a:t>Fonts</a:t>
+            </a:r>
+            <a:endParaRPr lang="en-US" dirty="0"/>
+          </a:p>
+        </p:txBody>
+      </p:sp>
+      <p:sp>
+        <p:nvSpPr>
+          <p:cNvPr id="3" name="Content Placeholder 2"/>
+          <p:cNvSpPr>
+            <a:spLocks noGrp="1"/>
+          </p:cNvSpPr>
+          <p:nvPr>
+            <p:ph idx="1"/>
+          </p:nvPr>
+        </p:nvSpPr>
+        <p:spPr/>
+        <p:txBody>
+          <a:bodyPr/>
+          <a:lstStyle/>
+          <a:p>
+            <a:r>
+              <a:rPr lang="en-US" dirty="0">
+                <a:hlinkClick r:id="rId2"/>
+              </a:rPr>
+              <a:t>http://cssfontstack.com</a:t>
+            </a:r>
+            <a:r>
+              <a:rPr lang="en-US" dirty="0" smtClean="0">
+                <a:hlinkClick r:id="rId2"/>
+              </a:rPr>
+              <a:t>/</a:t>
+            </a:r>
+            <a:endParaRPr lang="en-US" dirty="0" smtClean="0"/>
+          </a:p>
+          <a:p>
+            <a:endParaRPr lang="en-US" dirty="0"/>
+          </a:p>
+        </p:txBody>
+      </p:sp>
+      <p:sp>
+        <p:nvSpPr>
+          <p:cNvPr id="4" name="Rectangle 3"/>
+          <p:cNvSpPr/>
+          <p:nvPr/>
+        </p:nvSpPr>
+        <p:spPr>
+          <a:xfrm>
+            <a:off x="875553" y="2142822"/>
+            <a:ext cx="7261412" cy="2308324"/>
+          </a:xfrm>
+          <a:prstGeom prst="rect">
+            <a:avLst/>
+          </a:prstGeom>
+        </p:spPr>
+        <p:txBody>
+          <a:bodyPr wrap="square">
+            <a:spAutoFit/>
+          </a:bodyPr>
+          <a:lstStyle/>
+          <a:p>
+            <a:r>
+              <a:rPr lang="en-US" sz="2400" dirty="0">
+                <a:solidFill>
+                  <a:srgbClr val="DA29FF"/>
+                </a:solidFill>
+                <a:highlight>
+                  <a:srgbClr val="FFFFFF"/>
+                </a:highlight>
+                <a:latin typeface="Courier"/>
+              </a:rPr>
+              <a:t>body {</a:t>
+            </a:r>
+          </a:p>
+          <a:p>
+            <a:r>
+              <a:rPr lang="en-US" sz="2400" dirty="0">
+                <a:solidFill>
+                  <a:srgbClr val="DA29FF"/>
+                </a:solidFill>
+                <a:highlight>
+                  <a:srgbClr val="FFFFFF"/>
+                </a:highlight>
+                <a:latin typeface="Courier"/>
+              </a:rPr>
+              <a:t>	</a:t>
+            </a:r>
+            <a:r>
+              <a:rPr lang="en-US" sz="2400" dirty="0">
+                <a:solidFill>
+                  <a:srgbClr val="05208C"/>
+                </a:solidFill>
+                <a:highlight>
+                  <a:srgbClr val="FFFFFF"/>
+                </a:highlight>
+                <a:latin typeface="Courier"/>
+              </a:rPr>
+              <a:t>background</a:t>
+            </a:r>
+            <a:r>
+              <a:rPr lang="en-US" sz="2400" b="1" dirty="0">
+                <a:solidFill>
+                  <a:srgbClr val="DA29FF"/>
+                </a:solidFill>
+                <a:highlight>
+                  <a:srgbClr val="FFFFFF"/>
+                </a:highlight>
+                <a:latin typeface="Courier"/>
+              </a:rPr>
+              <a:t>: </a:t>
+            </a:r>
+            <a:r>
+              <a:rPr lang="en-US" sz="2400" b="1" dirty="0">
+                <a:solidFill>
+                  <a:srgbClr val="0035FF"/>
+                </a:solidFill>
+                <a:highlight>
+                  <a:srgbClr val="FFFFFF"/>
+                </a:highlight>
+                <a:latin typeface="Courier"/>
+              </a:rPr>
+              <a:t>#F0F0F0</a:t>
+            </a:r>
+            <a:r>
+              <a:rPr lang="en-US" sz="2400" b="1" dirty="0">
+                <a:solidFill>
+                  <a:srgbClr val="DA29FF"/>
+                </a:solidFill>
+                <a:highlight>
+                  <a:srgbClr val="FFFFFF"/>
+                </a:highlight>
+                <a:latin typeface="Courier"/>
+              </a:rPr>
+              <a:t>;</a:t>
+            </a:r>
+          </a:p>
+          <a:p>
+            <a:r>
+              <a:rPr lang="cs-CZ" sz="2400" dirty="0">
+                <a:solidFill>
+                  <a:srgbClr val="DA29FF"/>
+                </a:solidFill>
+                <a:highlight>
+                  <a:srgbClr val="FFFFFF"/>
+                </a:highlight>
+                <a:latin typeface="Courier"/>
+              </a:rPr>
+              <a:t>	</a:t>
+            </a:r>
+            <a:r>
+              <a:rPr lang="cs-CZ" sz="2400" dirty="0" err="1">
+                <a:solidFill>
+                  <a:srgbClr val="05208C"/>
+                </a:solidFill>
+                <a:highlight>
+                  <a:srgbClr val="FFFFFF"/>
+                </a:highlight>
+                <a:latin typeface="Courier"/>
+              </a:rPr>
+              <a:t>color</a:t>
+            </a:r>
+            <a:r>
+              <a:rPr lang="cs-CZ" sz="2400" b="1" dirty="0">
+                <a:solidFill>
+                  <a:srgbClr val="DA29FF"/>
+                </a:solidFill>
+                <a:highlight>
+                  <a:srgbClr val="FFFFFF"/>
+                </a:highlight>
+                <a:latin typeface="Courier"/>
+              </a:rPr>
+              <a:t>: </a:t>
+            </a:r>
+            <a:r>
+              <a:rPr lang="cs-CZ" sz="2400" b="1" dirty="0">
+                <a:solidFill>
+                  <a:srgbClr val="0035FF"/>
+                </a:solidFill>
+                <a:highlight>
+                  <a:srgbClr val="FFFFFF"/>
+                </a:highlight>
+                <a:latin typeface="Courier"/>
+              </a:rPr>
+              <a:t>#444</a:t>
+            </a:r>
+            <a:r>
+              <a:rPr lang="cs-CZ" sz="2400" b="1" dirty="0">
+                <a:solidFill>
+                  <a:srgbClr val="DA29FF"/>
+                </a:solidFill>
+                <a:highlight>
+                  <a:srgbClr val="FFFFFF"/>
+                </a:highlight>
+                <a:latin typeface="Courier"/>
+              </a:rPr>
+              <a:t>;</a:t>
+            </a:r>
+          </a:p>
+          <a:p>
+            <a:r>
+              <a:rPr lang="cs-CZ" sz="2400" dirty="0">
+                <a:solidFill>
+                  <a:srgbClr val="DA29FF"/>
+                </a:solidFill>
+                <a:highlight>
+                  <a:srgbClr val="FFFFFF"/>
+                </a:highlight>
+                <a:latin typeface="Courier"/>
+              </a:rPr>
+              <a:t>	</a:t>
+            </a:r>
+            <a:r>
+              <a:rPr lang="cs-CZ" sz="2400" dirty="0">
+                <a:solidFill>
+                  <a:srgbClr val="05208C"/>
+                </a:solidFill>
+                <a:highlight>
+                  <a:srgbClr val="FFFFFF"/>
+                </a:highlight>
+                <a:latin typeface="Courier"/>
+              </a:rPr>
+              <a:t>font-</a:t>
+            </a:r>
+            <a:r>
+              <a:rPr lang="cs-CZ" sz="2400" dirty="0" err="1">
+                <a:solidFill>
+                  <a:srgbClr val="05208C"/>
+                </a:solidFill>
+                <a:highlight>
+                  <a:srgbClr val="FFFFFF"/>
+                </a:highlight>
+                <a:latin typeface="Courier"/>
+              </a:rPr>
+              <a:t>family</a:t>
+            </a:r>
+            <a:r>
+              <a:rPr lang="cs-CZ" sz="2400" b="1" dirty="0">
+                <a:solidFill>
+                  <a:srgbClr val="DA29FF"/>
+                </a:solidFill>
+                <a:highlight>
+                  <a:srgbClr val="FFFFFF"/>
+                </a:highlight>
+                <a:latin typeface="Courier"/>
+              </a:rPr>
+              <a:t>: Georgia, serif;</a:t>
+            </a:r>
+          </a:p>
+          <a:p>
+            <a:r>
+              <a:rPr lang="it-IT" sz="2400" dirty="0">
+                <a:solidFill>
+                  <a:srgbClr val="DA29FF"/>
+                </a:solidFill>
+                <a:highlight>
+                  <a:srgbClr val="FFFFFF"/>
+                </a:highlight>
+                <a:latin typeface="Courier"/>
+              </a:rPr>
+              <a:t>	</a:t>
+            </a:r>
+            <a:r>
+              <a:rPr lang="it-IT" sz="2400" dirty="0">
+                <a:solidFill>
+                  <a:srgbClr val="05208C"/>
+                </a:solidFill>
+                <a:highlight>
+                  <a:srgbClr val="FFFFFF"/>
+                </a:highlight>
+                <a:latin typeface="Courier"/>
+              </a:rPr>
+              <a:t>font-</a:t>
+            </a:r>
+            <a:r>
+              <a:rPr lang="it-IT" sz="2400" dirty="0" err="1">
+                <a:solidFill>
+                  <a:srgbClr val="05208C"/>
+                </a:solidFill>
+                <a:highlight>
+                  <a:srgbClr val="FFFFFF"/>
+                </a:highlight>
+                <a:latin typeface="Courier"/>
+              </a:rPr>
+              <a:t>size</a:t>
+            </a:r>
+            <a:r>
+              <a:rPr lang="it-IT" sz="2400" b="1" dirty="0">
+                <a:solidFill>
+                  <a:srgbClr val="DA29FF"/>
+                </a:solidFill>
+                <a:highlight>
+                  <a:srgbClr val="FFFFFF"/>
+                </a:highlight>
+                <a:latin typeface="Courier"/>
+              </a:rPr>
+              <a:t>: </a:t>
+            </a:r>
+            <a:r>
+              <a:rPr lang="it-IT" sz="2400" b="1" dirty="0" smtClean="0">
+                <a:solidFill>
+                  <a:srgbClr val="0035FF"/>
+                </a:solidFill>
+                <a:highlight>
+                  <a:srgbClr val="FFFFFF"/>
+                </a:highlight>
+                <a:latin typeface="Courier"/>
+              </a:rPr>
+              <a:t>16px</a:t>
+            </a:r>
+            <a:r>
+              <a:rPr lang="it-IT" sz="2400" b="1" dirty="0" smtClean="0">
+                <a:solidFill>
+                  <a:srgbClr val="DA29FF"/>
+                </a:solidFill>
+                <a:highlight>
+                  <a:srgbClr val="FFFFFF"/>
+                </a:highlight>
+                <a:latin typeface="Courier"/>
+              </a:rPr>
+              <a:t>;</a:t>
+            </a:r>
+            <a:endParaRPr lang="it-IT" sz="2400" b="1" dirty="0">
+              <a:solidFill>
+                <a:srgbClr val="DA29FF"/>
+              </a:solidFill>
+              <a:highlight>
+                <a:srgbClr val="FFFFFF"/>
+              </a:highlight>
+              <a:latin typeface="Courier"/>
+            </a:endParaRPr>
+          </a:p>
+          <a:p>
+            <a:r>
+              <a:rPr lang="it-IT" sz="2400" dirty="0">
+                <a:solidFill>
+                  <a:srgbClr val="DA29FF"/>
+                </a:solidFill>
+                <a:highlight>
+                  <a:srgbClr val="FFFFFF"/>
+                </a:highlight>
+                <a:latin typeface="Courier"/>
+              </a:rPr>
+              <a:t>}</a:t>
+            </a:r>
+            <a:endParaRPr lang="en-US" sz="2400" dirty="0"/>
+          </a:p>
+        </p:txBody>
+      </p:sp>
+    </p:spTree>
+    <p:extLst>
+      <p:ext uri="{BB962C8B-B14F-4D97-AF65-F5344CB8AC3E}">
+        <p14:creationId xmlns:p14="http://schemas.microsoft.com/office/powerpoint/2010/main" val="1428369502"/>
+      </p:ext>
+    </p:extLst>
+  </p:cSld>
+  <p:clrMapOvr>
+    <a:masterClrMapping/>
+  </p:clrMapOvr>
+  <p:timing>
+    <p:tnLst>
+      <p:par>
+        <p:cTn xmlns:p14="http://schemas.microsoft.com/office/powerpoint/2010/main" id="1" dur="indefinite" restart="never" nodeType="tmRoot"/>
+      </p:par>
+    </p:tnLst>
+  </p:timing>
+</p:sld>
+</file>
+
+<file path=ppt/slides/slide25.xml><?xml version="1.0" encoding="utf-8"?>
+<p:sld xmlns:a="http://schemas.openxmlformats.org/drawingml/2006/main" xmlns:r="http://schemas.openxmlformats.org/officeDocument/2006/relationships" xmlns:p="http://schemas.openxmlformats.org/presentationml/2006/main">
+  <p:cSld>
+    <p:spTree>
+      <p:nvGrpSpPr>
+        <p:cNvPr id="1" name=""/>
+        <p:cNvGrpSpPr/>
+        <p:nvPr/>
+      </p:nvGrpSpPr>
+      <p:grpSpPr>
+        <a:xfrm>
+          <a:off x="0" y="0"/>
+          <a:ext cx="0" cy="0"/>
+          <a:chOff x="0" y="0"/>
+          <a:chExt cx="0" cy="0"/>
+        </a:xfrm>
+      </p:grpSpPr>
+      <p:sp>
+        <p:nvSpPr>
+          <p:cNvPr id="2" name="Title 1"/>
+          <p:cNvSpPr>
+            <a:spLocks noGrp="1"/>
+          </p:cNvSpPr>
+          <p:nvPr>
+            <p:ph type="title"/>
+          </p:nvPr>
+        </p:nvSpPr>
+        <p:spPr/>
+        <p:txBody>
+          <a:bodyPr/>
+          <a:lstStyle/>
+          <a:p>
+            <a:endParaRPr lang="en-US"/>
+          </a:p>
+        </p:txBody>
+      </p:sp>
+      <p:sp>
+        <p:nvSpPr>
+          <p:cNvPr id="3" name="Content Placeholder 2"/>
+          <p:cNvSpPr>
+            <a:spLocks noGrp="1"/>
+          </p:cNvSpPr>
+          <p:nvPr>
+            <p:ph idx="1"/>
+          </p:nvPr>
+        </p:nvSpPr>
+        <p:spPr/>
+        <p:txBody>
+          <a:bodyPr/>
+          <a:lstStyle/>
+          <a:p>
+            <a:endParaRPr lang="en-US"/>
+          </a:p>
+        </p:txBody>
+      </p:sp>
+    </p:spTree>
+    <p:extLst>
+      <p:ext uri="{BB962C8B-B14F-4D97-AF65-F5344CB8AC3E}">
+        <p14:creationId xmlns:p14="http://schemas.microsoft.com/office/powerpoint/2010/main" val="1654634150"/>
+      </p:ext>
+    </p:extLst>
+  </p:cSld>
+  <p:clrMapOvr>
+    <a:masterClrMapping/>
+  </p:clrMapOvr>
+</p:sld>
+</file>
+
+<file path=ppt/slides/slide26.xml><?xml version="1.0" encoding="utf-8"?>
+<p:sld xmlns:a="http://schemas.openxmlformats.org/drawingml/2006/main" xmlns:r="http://schemas.openxmlformats.org/officeDocument/2006/relationships" xmlns:p="http://schemas.openxmlformats.org/presentationml/2006/main">
+  <p:cSld>
+    <p:spTree>
+      <p:nvGrpSpPr>
+        <p:cNvPr id="1" name=""/>
+        <p:cNvGrpSpPr/>
+        <p:nvPr/>
+      </p:nvGrpSpPr>
+      <p:grpSpPr>
+        <a:xfrm>
+          <a:off x="0" y="0"/>
+          <a:ext cx="0" cy="0"/>
+          <a:chOff x="0" y="0"/>
+          <a:chExt cx="0" cy="0"/>
+        </a:xfrm>
+      </p:grpSpPr>
+      <p:sp>
+        <p:nvSpPr>
+          <p:cNvPr id="2" name="Title 1"/>
+          <p:cNvSpPr>
+            <a:spLocks noGrp="1"/>
+          </p:cNvSpPr>
+          <p:nvPr>
+            <p:ph type="title"/>
+          </p:nvPr>
+        </p:nvSpPr>
+        <p:spPr/>
+        <p:txBody>
+          <a:bodyPr/>
+          <a:lstStyle/>
+          <a:p>
+            <a:r>
+              <a:rPr lang="en-US" dirty="0" smtClean="0"/>
+              <a:t>Float</a:t>
+            </a:r>
+            <a:endParaRPr lang="en-US" dirty="0"/>
+          </a:p>
+        </p:txBody>
+      </p:sp>
+      <p:sp>
+        <p:nvSpPr>
+          <p:cNvPr id="3" name="Content Placeholder 2"/>
+          <p:cNvSpPr>
+            <a:spLocks noGrp="1"/>
+          </p:cNvSpPr>
+          <p:nvPr>
+            <p:ph idx="1"/>
+          </p:nvPr>
+        </p:nvSpPr>
+        <p:spPr/>
+        <p:txBody>
+          <a:bodyPr/>
+          <a:lstStyle/>
+          <a:p>
+            <a:r>
+              <a:rPr lang="en-US" dirty="0" err="1" smtClean="0"/>
+              <a:t>elementer</a:t>
+            </a:r>
+            <a:r>
+              <a:rPr lang="en-US" dirty="0" smtClean="0"/>
+              <a:t> </a:t>
+            </a:r>
+            <a:r>
+              <a:rPr lang="en-US" dirty="0" err="1" smtClean="0"/>
+              <a:t>som</a:t>
+            </a:r>
+            <a:r>
+              <a:rPr lang="en-US" dirty="0" smtClean="0"/>
+              <a:t> </a:t>
+            </a:r>
+            <a:r>
+              <a:rPr lang="en-US" dirty="0" err="1" smtClean="0"/>
+              <a:t>skal</a:t>
+            </a:r>
+            <a:r>
+              <a:rPr lang="en-US" dirty="0" smtClean="0"/>
+              <a:t> </a:t>
+            </a:r>
+            <a:r>
+              <a:rPr lang="en-US" dirty="0" err="1" smtClean="0"/>
+              <a:t>flyte</a:t>
+            </a:r>
+            <a:r>
+              <a:rPr lang="en-US" dirty="0" smtClean="0"/>
+              <a:t> </a:t>
+            </a:r>
+            <a:r>
+              <a:rPr lang="en-US" dirty="0" err="1" smtClean="0"/>
+              <a:t>etter</a:t>
+            </a:r>
+            <a:r>
+              <a:rPr lang="en-US" dirty="0" smtClean="0"/>
+              <a:t> </a:t>
+            </a:r>
+            <a:r>
+              <a:rPr lang="en-US" dirty="0" err="1" smtClean="0"/>
+              <a:t>hverandre</a:t>
+            </a:r>
+            <a:r>
+              <a:rPr lang="en-US" dirty="0" smtClean="0"/>
+              <a:t> </a:t>
+            </a:r>
+            <a:r>
+              <a:rPr lang="en-US" dirty="0" err="1" smtClean="0"/>
+              <a:t>horisontalt</a:t>
+            </a:r>
+            <a:r>
+              <a:rPr lang="en-US" dirty="0" smtClean="0"/>
+              <a:t> </a:t>
+            </a:r>
+            <a:r>
+              <a:rPr lang="en-US" dirty="0" err="1" smtClean="0"/>
+              <a:t>kan</a:t>
+            </a:r>
+            <a:r>
+              <a:rPr lang="en-US" dirty="0" smtClean="0"/>
+              <a:t> </a:t>
+            </a:r>
+            <a:r>
+              <a:rPr lang="en-US" dirty="0" err="1" smtClean="0"/>
+              <a:t>få</a:t>
+            </a:r>
+            <a:r>
+              <a:rPr lang="en-US" dirty="0" smtClean="0"/>
+              <a:t> </a:t>
+            </a:r>
+            <a:r>
+              <a:rPr lang="en-US" dirty="0" err="1" smtClean="0"/>
+              <a:t>attributtet</a:t>
+            </a:r>
+            <a:r>
+              <a:rPr lang="en-US" dirty="0" smtClean="0"/>
+              <a:t> </a:t>
+            </a:r>
+            <a:r>
+              <a:rPr lang="en-US" dirty="0" err="1" smtClean="0"/>
+              <a:t>float:left</a:t>
+            </a:r>
+            <a:r>
+              <a:rPr lang="en-US" dirty="0" smtClean="0"/>
+              <a:t>/right.</a:t>
+            </a:r>
+          </a:p>
+        </p:txBody>
+      </p:sp>
+      <p:sp>
+        <p:nvSpPr>
+          <p:cNvPr id="4" name="Rectangle 3"/>
+          <p:cNvSpPr/>
+          <p:nvPr/>
+        </p:nvSpPr>
+        <p:spPr>
+          <a:xfrm>
+            <a:off x="457200" y="2931498"/>
+            <a:ext cx="3062941" cy="1200328"/>
+          </a:xfrm>
+          <a:prstGeom prst="rect">
+            <a:avLst/>
+          </a:prstGeom>
+        </p:spPr>
+        <p:txBody>
+          <a:bodyPr wrap="square">
+            <a:spAutoFit/>
+          </a:bodyPr>
+          <a:lstStyle/>
+          <a:p>
+            <a:r>
+              <a:rPr lang="en-US" sz="2400" dirty="0" smtClean="0">
+                <a:solidFill>
+                  <a:srgbClr val="DA29FF"/>
+                </a:solidFill>
+                <a:highlight>
+                  <a:srgbClr val="FFFFFF"/>
+                </a:highlight>
+                <a:latin typeface="Courier"/>
+              </a:rPr>
+              <a:t>.</a:t>
+            </a:r>
+            <a:r>
+              <a:rPr lang="en-US" sz="2400" dirty="0" err="1" smtClean="0">
+                <a:solidFill>
+                  <a:srgbClr val="DA29FF"/>
+                </a:solidFill>
+                <a:highlight>
+                  <a:srgbClr val="FFFFFF"/>
+                </a:highlight>
+                <a:latin typeface="Courier"/>
+              </a:rPr>
+              <a:t>venstre</a:t>
+            </a:r>
+            <a:r>
+              <a:rPr lang="en-US" sz="2400" dirty="0">
+                <a:solidFill>
+                  <a:srgbClr val="DA29FF"/>
+                </a:solidFill>
+                <a:highlight>
+                  <a:srgbClr val="FFFFFF"/>
+                </a:highlight>
+                <a:latin typeface="Courier"/>
+              </a:rPr>
+              <a:t>{</a:t>
+            </a:r>
+          </a:p>
+          <a:p>
+            <a:r>
+              <a:rPr lang="en-US" sz="2400" dirty="0">
+                <a:solidFill>
+                  <a:srgbClr val="DA29FF"/>
+                </a:solidFill>
+                <a:highlight>
+                  <a:srgbClr val="FFFFFF"/>
+                </a:highlight>
+                <a:latin typeface="Courier"/>
+              </a:rPr>
+              <a:t>    </a:t>
+            </a:r>
+            <a:r>
+              <a:rPr lang="en-US" sz="2400" dirty="0" err="1">
+                <a:solidFill>
+                  <a:srgbClr val="05208C"/>
+                </a:solidFill>
+                <a:highlight>
+                  <a:srgbClr val="FFFFFF"/>
+                </a:highlight>
+                <a:latin typeface="Courier"/>
+              </a:rPr>
+              <a:t>float</a:t>
+            </a:r>
+            <a:r>
+              <a:rPr lang="en-US" sz="2400" b="1" dirty="0" err="1">
+                <a:solidFill>
+                  <a:srgbClr val="DA29FF"/>
+                </a:solidFill>
+                <a:highlight>
+                  <a:srgbClr val="FFFFFF"/>
+                </a:highlight>
+                <a:latin typeface="Courier"/>
+              </a:rPr>
+              <a:t>:</a:t>
+            </a:r>
+            <a:r>
+              <a:rPr lang="en-US" sz="2400" b="1" dirty="0" err="1">
+                <a:solidFill>
+                  <a:srgbClr val="0035FF"/>
+                </a:solidFill>
+                <a:highlight>
+                  <a:srgbClr val="FFFFFF"/>
+                </a:highlight>
+                <a:latin typeface="Courier"/>
+              </a:rPr>
+              <a:t>left</a:t>
+            </a:r>
+            <a:r>
+              <a:rPr lang="en-US" sz="2400" b="1" dirty="0">
+                <a:solidFill>
+                  <a:srgbClr val="DA29FF"/>
+                </a:solidFill>
+                <a:highlight>
+                  <a:srgbClr val="FFFFFF"/>
+                </a:highlight>
+                <a:latin typeface="Courier"/>
+              </a:rPr>
+              <a:t>;</a:t>
+            </a:r>
+          </a:p>
+          <a:p>
+            <a:r>
+              <a:rPr lang="en-US" sz="2400" dirty="0">
+                <a:solidFill>
+                  <a:srgbClr val="DA29FF"/>
+                </a:solidFill>
+                <a:highlight>
+                  <a:srgbClr val="FFFFFF"/>
+                </a:highlight>
+                <a:latin typeface="Courier"/>
+              </a:rPr>
+              <a:t>}</a:t>
+            </a:r>
+            <a:endParaRPr lang="en-US" sz="2400" dirty="0"/>
+          </a:p>
+        </p:txBody>
+      </p:sp>
+    </p:spTree>
+    <p:extLst>
+      <p:ext uri="{BB962C8B-B14F-4D97-AF65-F5344CB8AC3E}">
+        <p14:creationId xmlns:p14="http://schemas.microsoft.com/office/powerpoint/2010/main" val="691792810"/>
       </p:ext>
     </p:extLst>
   </p:cSld>
@@ -14903,7 +14755,47 @@
           <a:p>
             <a:r>
               <a:rPr lang="en-US" dirty="0" smtClean="0"/>
-              <a:t>CSS3-bakgrunn</a:t>
+              <a:t>Float – </a:t>
+            </a:r>
+            <a:r>
+              <a:rPr lang="en-US" dirty="0" err="1" smtClean="0"/>
+              <a:t>hvorfor</a:t>
+            </a:r>
+            <a:r>
+              <a:rPr lang="en-US" dirty="0" smtClean="0"/>
+              <a:t> </a:t>
+            </a:r>
+            <a:r>
+              <a:rPr lang="en-US" dirty="0" err="1" smtClean="0"/>
+              <a:t>blir</a:t>
+            </a:r>
+            <a:r>
+              <a:rPr lang="en-US" dirty="0" smtClean="0"/>
+              <a:t> </a:t>
+            </a:r>
+            <a:r>
+              <a:rPr lang="en-US" dirty="0" err="1" smtClean="0"/>
+              <a:t>det</a:t>
+            </a:r>
+            <a:r>
+              <a:rPr lang="en-US" dirty="0" smtClean="0"/>
+              <a:t> </a:t>
+            </a:r>
+            <a:r>
+              <a:rPr lang="en-US" dirty="0" err="1" smtClean="0"/>
+              <a:t>så</a:t>
+            </a:r>
+            <a:r>
+              <a:rPr lang="en-US" dirty="0" smtClean="0"/>
+              <a:t> </a:t>
+            </a:r>
+            <a:r>
+              <a:rPr lang="en-US" dirty="0" err="1" smtClean="0"/>
+              <a:t>rart</a:t>
+            </a:r>
+            <a:r>
+              <a:rPr lang="en-US" dirty="0" smtClean="0"/>
+              <a:t>?</a:t>
             </a:r>
             <a:endParaRPr lang="en-US" dirty="0"/>
           </a:p>
@@ -14921,12 +14813,22 @@
         </p:nvSpPr>
         <p:spPr/>
         <p:txBody>
-          <a:bodyPr/>
+          <a:bodyPr>
+            <a:normAutofit lnSpcReduction="10000"/>
+          </a:bodyPr>
           <a:lstStyle/>
           <a:p>
             <a:r>
               <a:rPr lang="en-US" dirty="0" err="1" smtClean="0"/>
-              <a:t>Støtter</a:t>
+              <a:t>Elementer</a:t>
+            </a:r>
+            <a:r>
+              <a:rPr lang="en-US" dirty="0" smtClean="0"/>
+              <a:t> med “float” </a:t>
+            </a:r>
+            <a:r>
+              <a:rPr lang="en-US" dirty="0" err="1" smtClean="0"/>
+              <a:t>havner</a:t>
             </a:r>
             <a:r>
               <a:rPr lang="en-US" dirty="0" smtClean="0"/>
@@ -14934,7 +14836,17 @@
             </a:r>
             <a:r>
               <a:rPr lang="en-US" dirty="0" err="1" smtClean="0"/>
-              <a:t>flere</a:t>
+              <a:t>utenfor</a:t>
+            </a:r>
+            <a:r>
+              <a:rPr lang="en-US" dirty="0" smtClean="0"/>
+              <a:t> sin parent-container. </a:t>
+            </a:r>
+          </a:p>
+          <a:p>
+            <a:r>
+              <a:rPr lang="en-US" dirty="0" err="1" smtClean="0"/>
+              <a:t>Elementer</a:t>
             </a:r>
             <a:r>
               <a:rPr lang="en-US" dirty="0" smtClean="0"/>
@@ -14942,495 +14854,165 @@
             </a:r>
             <a:r>
               <a:rPr lang="en-US" dirty="0" err="1" smtClean="0"/>
-              <a:t>bakgrunnsbilder</a:t>
-            </a:r>
-            <a:endParaRPr lang="en-US" dirty="0"/>
-          </a:p>
-        </p:txBody>
-      </p:sp>
-      <p:sp>
-        <p:nvSpPr>
-          <p:cNvPr id="4" name="Rectangle 3"/>
-          <p:cNvSpPr/>
-          <p:nvPr/>
-        </p:nvSpPr>
-        <p:spPr>
-          <a:xfrm>
-            <a:off x="457200" y="2327136"/>
-            <a:ext cx="8229600" cy="2031325"/>
-          </a:xfrm>
-          <a:prstGeom prst="rect">
-            <a:avLst/>
-          </a:prstGeom>
-        </p:spPr>
-        <p:txBody>
-          <a:bodyPr wrap="square">
-            <a:spAutoFit/>
-          </a:bodyPr>
-          <a:lstStyle/>
-          <a:p>
-            <a:r>
-              <a:rPr lang="en-US" dirty="0">
-                <a:solidFill>
-                  <a:srgbClr val="DA29FF"/>
-                </a:solidFill>
-                <a:highlight>
-                  <a:srgbClr val="FFFFFF"/>
-                </a:highlight>
-                <a:latin typeface="Courier"/>
-              </a:rPr>
-              <a:t>.container {</a:t>
-            </a:r>
-          </a:p>
-          <a:p>
-            <a:r>
-              <a:rPr lang="en-US" dirty="0">
-                <a:solidFill>
-                  <a:srgbClr val="DA29FF"/>
-                </a:solidFill>
-                <a:highlight>
-                  <a:srgbClr val="FFFFFF"/>
-                </a:highlight>
-                <a:latin typeface="Courier"/>
-              </a:rPr>
-              <a:t>    </a:t>
-            </a:r>
-            <a:r>
-              <a:rPr lang="en-US" dirty="0">
-                <a:solidFill>
-                  <a:srgbClr val="05208C"/>
-                </a:solidFill>
-                <a:highlight>
-                  <a:srgbClr val="FFFFFF"/>
-                </a:highlight>
-                <a:latin typeface="Courier"/>
-              </a:rPr>
-              <a:t>background-image</a:t>
-            </a:r>
-            <a:r>
-              <a:rPr lang="en-US" b="1" dirty="0">
-                <a:solidFill>
-                  <a:srgbClr val="DA29FF"/>
-                </a:solidFill>
-                <a:highlight>
-                  <a:srgbClr val="FFFFFF"/>
-                </a:highlight>
-                <a:latin typeface="Courier"/>
-              </a:rPr>
-              <a:t>: </a:t>
-            </a:r>
-            <a:r>
-              <a:rPr lang="en-US" b="1" dirty="0" err="1">
-                <a:solidFill>
-                  <a:srgbClr val="DA29FF"/>
-                </a:solidFill>
-                <a:highlight>
-                  <a:srgbClr val="FFFFFF"/>
-                </a:highlight>
-                <a:latin typeface="Courier"/>
-              </a:rPr>
-              <a:t>url</a:t>
-            </a:r>
-            <a:r>
-              <a:rPr lang="en-US" b="1" dirty="0">
-                <a:solidFill>
-                  <a:srgbClr val="DA29FF"/>
-                </a:solidFill>
-                <a:highlight>
-                  <a:srgbClr val="FFFFFF"/>
-                </a:highlight>
-                <a:latin typeface="Courier"/>
-              </a:rPr>
-              <a:t>(../images/</a:t>
-            </a:r>
-            <a:r>
-              <a:rPr lang="en-US" b="1" dirty="0" err="1">
-                <a:solidFill>
-                  <a:srgbClr val="DA29FF"/>
-                </a:solidFill>
-                <a:highlight>
-                  <a:srgbClr val="FFFFFF"/>
-                </a:highlight>
-                <a:latin typeface="Courier"/>
-              </a:rPr>
-              <a:t>forgrunnsbilde.jpg</a:t>
-            </a:r>
-            <a:r>
-              <a:rPr lang="en-US" b="1" dirty="0">
-                <a:solidFill>
-                  <a:srgbClr val="DA29FF"/>
-                </a:solidFill>
-                <a:highlight>
-                  <a:srgbClr val="FFFFFF"/>
-                </a:highlight>
-                <a:latin typeface="Courier"/>
-              </a:rPr>
-              <a:t>),  </a:t>
-            </a:r>
-            <a:r>
-              <a:rPr lang="en-US" b="1" dirty="0" smtClean="0">
-                <a:solidFill>
-                  <a:srgbClr val="DA29FF"/>
-                </a:solidFill>
-                <a:highlight>
-                  <a:srgbClr val="FFFFFF"/>
-                </a:highlight>
-                <a:latin typeface="Courier"/>
-              </a:rPr>
-              <a:t>   			</a:t>
-            </a:r>
-            <a:r>
-              <a:rPr lang="en-US" b="1" dirty="0" err="1" smtClean="0">
-                <a:solidFill>
-                  <a:srgbClr val="DA29FF"/>
-                </a:solidFill>
-                <a:highlight>
-                  <a:srgbClr val="FFFFFF"/>
-                </a:highlight>
-                <a:latin typeface="Courier"/>
-              </a:rPr>
-              <a:t>url</a:t>
-            </a:r>
-            <a:r>
-              <a:rPr lang="en-US" b="1" dirty="0">
-                <a:solidFill>
-                  <a:srgbClr val="DA29FF"/>
-                </a:solidFill>
-                <a:highlight>
-                  <a:srgbClr val="FFFFFF"/>
-                </a:highlight>
-                <a:latin typeface="Courier"/>
-              </a:rPr>
-              <a:t>(../images/</a:t>
-            </a:r>
-            <a:r>
-              <a:rPr lang="en-US" b="1" dirty="0" err="1">
-                <a:solidFill>
-                  <a:srgbClr val="DA29FF"/>
-                </a:solidFill>
-                <a:highlight>
-                  <a:srgbClr val="FFFFFF"/>
-                </a:highlight>
-                <a:latin typeface="Courier"/>
-              </a:rPr>
-              <a:t>bakgrunnsbilde.jpg</a:t>
-            </a:r>
-            <a:r>
-              <a:rPr lang="en-US" b="1" dirty="0">
-                <a:solidFill>
-                  <a:srgbClr val="DA29FF"/>
-                </a:solidFill>
-                <a:highlight>
-                  <a:srgbClr val="FFFFFF"/>
-                </a:highlight>
-                <a:latin typeface="Courier"/>
-              </a:rPr>
-              <a:t>);</a:t>
-            </a:r>
-          </a:p>
-          <a:p>
-            <a:r>
-              <a:rPr lang="en-US" dirty="0">
-                <a:solidFill>
-                  <a:srgbClr val="DA29FF"/>
-                </a:solidFill>
-                <a:highlight>
-                  <a:srgbClr val="FFFFFF"/>
-                </a:highlight>
-                <a:latin typeface="Courier"/>
-              </a:rPr>
-              <a:t>    </a:t>
-            </a:r>
-            <a:r>
-              <a:rPr lang="en-US" dirty="0">
-                <a:solidFill>
-                  <a:srgbClr val="05208C"/>
-                </a:solidFill>
-                <a:highlight>
-                  <a:srgbClr val="FFFFFF"/>
-                </a:highlight>
-                <a:latin typeface="Courier"/>
-              </a:rPr>
-              <a:t>background-position</a:t>
-            </a:r>
-            <a:r>
-              <a:rPr lang="en-US" b="1" dirty="0">
-                <a:solidFill>
-                  <a:srgbClr val="DA29FF"/>
-                </a:solidFill>
-                <a:highlight>
-                  <a:srgbClr val="FFFFFF"/>
-                </a:highlight>
-                <a:latin typeface="Courier"/>
-              </a:rPr>
-              <a:t>: </a:t>
-            </a:r>
-            <a:r>
-              <a:rPr lang="en-US" b="1" dirty="0">
-                <a:solidFill>
-                  <a:srgbClr val="0035FF"/>
-                </a:solidFill>
-                <a:highlight>
-                  <a:srgbClr val="FFFFFF"/>
-                </a:highlight>
-                <a:latin typeface="Courier"/>
-              </a:rPr>
-              <a:t>center</a:t>
-            </a:r>
-            <a:r>
-              <a:rPr lang="en-US" b="1" dirty="0">
-                <a:solidFill>
-                  <a:srgbClr val="DA29FF"/>
-                </a:solidFill>
-                <a:highlight>
-                  <a:srgbClr val="FFFFFF"/>
-                </a:highlight>
-                <a:latin typeface="Courier"/>
-              </a:rPr>
-              <a:t>, </a:t>
-            </a:r>
-            <a:r>
-              <a:rPr lang="en-US" b="1" dirty="0">
-                <a:solidFill>
-                  <a:srgbClr val="0035FF"/>
-                </a:solidFill>
-                <a:highlight>
-                  <a:srgbClr val="FFFFFF"/>
-                </a:highlight>
-                <a:latin typeface="Courier"/>
-              </a:rPr>
-              <a:t>left</a:t>
-            </a:r>
-            <a:r>
-              <a:rPr lang="en-US" b="1" dirty="0">
-                <a:solidFill>
-                  <a:srgbClr val="DA29FF"/>
-                </a:solidFill>
-                <a:highlight>
-                  <a:srgbClr val="FFFFFF"/>
-                </a:highlight>
-                <a:latin typeface="Courier"/>
-              </a:rPr>
+              <a:t>som</a:t>
+            </a:r>
+            <a:r>
+              <a:rPr lang="en-US" dirty="0"/>
               <a:t> </a:t>
             </a:r>
             <a:r>
-              <a:rPr lang="en-US" b="1" dirty="0">
-                <a:solidFill>
-                  <a:srgbClr val="0035FF"/>
-                </a:solidFill>
-                <a:highlight>
-                  <a:srgbClr val="FFFFFF"/>
-                </a:highlight>
-                <a:latin typeface="Courier"/>
-              </a:rPr>
-              <a:t>top</a:t>
-            </a:r>
-            <a:r>
-              <a:rPr lang="en-US" b="1" dirty="0">
-                <a:solidFill>
-                  <a:srgbClr val="DA29FF"/>
-                </a:solidFill>
-                <a:highlight>
-                  <a:srgbClr val="FFFFFF"/>
-                </a:highlight>
-                <a:latin typeface="Courier"/>
-              </a:rPr>
-              <a:t>;</a:t>
-            </a:r>
-          </a:p>
-          <a:p>
-            <a:r>
-              <a:rPr lang="en-US" dirty="0">
-                <a:solidFill>
-                  <a:srgbClr val="DA29FF"/>
-                </a:solidFill>
-                <a:highlight>
-                  <a:srgbClr val="FFFFFF"/>
-                </a:highlight>
-                <a:latin typeface="Courier"/>
-              </a:rPr>
-              <a:t>    </a:t>
-            </a:r>
-            <a:r>
-              <a:rPr lang="en-US" dirty="0">
-                <a:solidFill>
-                  <a:srgbClr val="05208C"/>
-                </a:solidFill>
-                <a:highlight>
-                  <a:srgbClr val="FFFFFF"/>
-                </a:highlight>
-                <a:latin typeface="Courier"/>
-              </a:rPr>
-              <a:t>background-repeat</a:t>
-            </a:r>
-            <a:r>
-              <a:rPr lang="en-US" b="1" dirty="0">
-                <a:solidFill>
-                  <a:srgbClr val="DA29FF"/>
-                </a:solidFill>
-                <a:highlight>
-                  <a:srgbClr val="FFFFFF"/>
-                </a:highlight>
-                <a:latin typeface="Courier"/>
-              </a:rPr>
-              <a:t>: </a:t>
-            </a:r>
-            <a:r>
-              <a:rPr lang="en-US" b="1" dirty="0">
-                <a:solidFill>
-                  <a:srgbClr val="0035FF"/>
-                </a:solidFill>
-                <a:highlight>
-                  <a:srgbClr val="FFFFFF"/>
-                </a:highlight>
-                <a:latin typeface="Courier"/>
-              </a:rPr>
-              <a:t>no-repeat</a:t>
-            </a:r>
-            <a:r>
-              <a:rPr lang="en-US" b="1" dirty="0">
-                <a:solidFill>
-                  <a:srgbClr val="DA29FF"/>
-                </a:solidFill>
-                <a:highlight>
-                  <a:srgbClr val="FFFFFF"/>
-                </a:highlight>
-                <a:latin typeface="Courier"/>
-              </a:rPr>
-              <a:t>;</a:t>
-            </a:r>
-          </a:p>
-          <a:p>
-            <a:r>
-              <a:rPr lang="en-US" dirty="0">
-                <a:solidFill>
-                  <a:srgbClr val="DA29FF"/>
-                </a:solidFill>
-                <a:highlight>
-                  <a:srgbClr val="FFFFFF"/>
-                </a:highlight>
-                <a:latin typeface="Courier"/>
-              </a:rPr>
-              <a:t>    </a:t>
-            </a:r>
-            <a:r>
-              <a:rPr lang="en-US" dirty="0">
-                <a:solidFill>
-                  <a:srgbClr val="05208C"/>
-                </a:solidFill>
-                <a:highlight>
-                  <a:srgbClr val="FFFFFF"/>
-                </a:highlight>
-                <a:latin typeface="Courier"/>
-              </a:rPr>
-              <a:t>height</a:t>
-            </a:r>
-            <a:r>
-              <a:rPr lang="en-US" b="1" dirty="0">
-                <a:solidFill>
-                  <a:srgbClr val="DA29FF"/>
-                </a:solidFill>
-                <a:highlight>
-                  <a:srgbClr val="FFFFFF"/>
-                </a:highlight>
-                <a:latin typeface="Courier"/>
-              </a:rPr>
-              <a:t>: </a:t>
-            </a:r>
-            <a:r>
-              <a:rPr lang="en-US" b="1" dirty="0">
-                <a:solidFill>
-                  <a:srgbClr val="0035FF"/>
-                </a:solidFill>
-                <a:highlight>
-                  <a:srgbClr val="FFFFFF"/>
-                </a:highlight>
-                <a:latin typeface="Courier"/>
-              </a:rPr>
-              <a:t>200px</a:t>
-            </a:r>
-            <a:r>
-              <a:rPr lang="en-US" b="1" dirty="0">
-                <a:solidFill>
-                  <a:srgbClr val="DA29FF"/>
-                </a:solidFill>
-                <a:highlight>
-                  <a:srgbClr val="FFFFFF"/>
-                </a:highlight>
-                <a:latin typeface="Courier"/>
-              </a:rPr>
-              <a:t>;</a:t>
-            </a:r>
-          </a:p>
-          <a:p>
-            <a:r>
-              <a:rPr lang="en-US" dirty="0">
-                <a:solidFill>
-                  <a:srgbClr val="DA29FF"/>
-                </a:solidFill>
-                <a:highlight>
-                  <a:srgbClr val="FFFFFF"/>
-                </a:highlight>
-                <a:latin typeface="Courier"/>
-              </a:rPr>
-              <a:t>    </a:t>
-            </a:r>
-            <a:r>
-              <a:rPr lang="en-US" dirty="0">
-                <a:solidFill>
-                  <a:srgbClr val="05208C"/>
-                </a:solidFill>
-                <a:highlight>
-                  <a:srgbClr val="FFFFFF"/>
-                </a:highlight>
-                <a:latin typeface="Courier"/>
-              </a:rPr>
-              <a:t>width</a:t>
-            </a:r>
-            <a:r>
-              <a:rPr lang="en-US" b="1" dirty="0">
-                <a:solidFill>
-                  <a:srgbClr val="DA29FF"/>
-                </a:solidFill>
-                <a:highlight>
-                  <a:srgbClr val="FFFFFF"/>
-                </a:highlight>
-                <a:latin typeface="Courier"/>
-              </a:rPr>
-              <a:t>: </a:t>
-            </a:r>
-            <a:r>
-              <a:rPr lang="en-US" b="1" dirty="0">
-                <a:solidFill>
-                  <a:srgbClr val="0035FF"/>
-                </a:solidFill>
-                <a:highlight>
-                  <a:srgbClr val="FFFFFF"/>
-                </a:highlight>
-                <a:latin typeface="Courier"/>
-              </a:rPr>
-              <a:t>50%</a:t>
-            </a:r>
-            <a:r>
-              <a:rPr lang="en-US" b="1" dirty="0">
-                <a:solidFill>
-                  <a:srgbClr val="DA29FF"/>
-                </a:solidFill>
-                <a:highlight>
-                  <a:srgbClr val="FFFFFF"/>
-                </a:highlight>
-                <a:latin typeface="Courier"/>
-              </a:rPr>
-              <a:t>;</a:t>
-            </a:r>
-            <a:endParaRPr lang="en-US" dirty="0"/>
+              <a:rPr lang="en-US" sz="3600" b="1" dirty="0" err="1" smtClean="0"/>
+              <a:t>ikke</a:t>
+            </a:r>
+            <a:r>
+              <a:rPr lang="en-US" sz="3600" dirty="0" smtClean="0"/>
+              <a:t> </a:t>
+            </a:r>
+            <a:r>
+              <a:rPr lang="en-US" dirty="0" err="1" smtClean="0"/>
+              <a:t>skal</a:t>
+            </a:r>
+            <a:r>
+              <a:rPr lang="en-US" dirty="0" smtClean="0"/>
+              <a:t> </a:t>
+            </a:r>
+            <a:r>
+              <a:rPr lang="en-US" dirty="0" err="1" smtClean="0"/>
+              <a:t>omfattes</a:t>
+            </a:r>
+            <a:r>
+              <a:rPr lang="en-US" dirty="0" smtClean="0"/>
+              <a:t> </a:t>
+            </a:r>
+            <a:r>
+              <a:rPr lang="en-US" dirty="0" err="1" smtClean="0"/>
+              <a:t>av</a:t>
+            </a:r>
+            <a:r>
+              <a:rPr lang="en-US" dirty="0" smtClean="0"/>
+              <a:t> </a:t>
+            </a:r>
+            <a:r>
+              <a:rPr lang="en-US" i="1" dirty="0" smtClean="0"/>
+              <a:t>float, </a:t>
+            </a:r>
+            <a:r>
+              <a:rPr lang="en-US" dirty="0" smtClean="0"/>
+              <a:t>men for </a:t>
+            </a:r>
+            <a:r>
+              <a:rPr lang="en-US" dirty="0" err="1" smtClean="0"/>
+              <a:t>eksempel</a:t>
+            </a:r>
+            <a:r>
+              <a:rPr lang="en-US" dirty="0" smtClean="0"/>
+              <a:t> </a:t>
+            </a:r>
+            <a:r>
+              <a:rPr lang="en-US" dirty="0" err="1" smtClean="0"/>
+              <a:t>ligge</a:t>
+            </a:r>
+            <a:r>
+              <a:rPr lang="en-US" dirty="0" smtClean="0"/>
+              <a:t> under, </a:t>
+            </a:r>
+            <a:r>
+              <a:rPr lang="en-US" dirty="0" err="1" smtClean="0"/>
+              <a:t>må</a:t>
+            </a:r>
+            <a:r>
+              <a:rPr lang="en-US" dirty="0" smtClean="0"/>
+              <a:t> ha </a:t>
+            </a:r>
+            <a:r>
+              <a:rPr lang="en-US" dirty="0" err="1" smtClean="0"/>
+              <a:t>attributtet</a:t>
+            </a:r>
+            <a:r>
+              <a:rPr lang="en-US" dirty="0" smtClean="0"/>
+              <a:t> “</a:t>
+            </a:r>
+            <a:r>
+              <a:rPr lang="en-US" dirty="0" err="1" smtClean="0"/>
+              <a:t>clear:both</a:t>
+            </a:r>
+            <a:r>
+              <a:rPr lang="en-US" dirty="0" smtClean="0"/>
+              <a:t>” </a:t>
+            </a:r>
+          </a:p>
+          <a:p>
+            <a:r>
+              <a:rPr lang="en-US" dirty="0" err="1" smtClean="0"/>
+              <a:t>eventuelt</a:t>
+            </a:r>
+            <a:r>
+              <a:rPr lang="en-US" dirty="0" smtClean="0"/>
+              <a:t> </a:t>
+            </a:r>
+            <a:r>
+              <a:rPr lang="en-US" dirty="0" err="1" smtClean="0"/>
+              <a:t>kan</a:t>
+            </a:r>
+            <a:r>
+              <a:rPr lang="en-US" dirty="0" smtClean="0"/>
+              <a:t> </a:t>
+            </a:r>
+            <a:r>
+              <a:rPr lang="en-US" dirty="0" err="1" smtClean="0"/>
+              <a:t>det</a:t>
+            </a:r>
+            <a:r>
+              <a:rPr lang="en-US" dirty="0" smtClean="0"/>
+              <a:t> </a:t>
+            </a:r>
+            <a:r>
+              <a:rPr lang="en-US" dirty="0" err="1" smtClean="0"/>
+              <a:t>legges</a:t>
+            </a:r>
+            <a:r>
+              <a:rPr lang="en-US" dirty="0" smtClean="0"/>
+              <a:t> en tom div-tag </a:t>
+            </a:r>
+            <a:r>
+              <a:rPr lang="en-US" dirty="0" err="1" smtClean="0"/>
+              <a:t>etter</a:t>
+            </a:r>
+            <a:r>
+              <a:rPr lang="en-US" dirty="0" smtClean="0"/>
+              <a:t> </a:t>
+            </a:r>
+            <a:r>
+              <a:rPr lang="en-US" dirty="0" err="1" smtClean="0"/>
+              <a:t>containeren</a:t>
+            </a:r>
+            <a:r>
+              <a:rPr lang="en-US" dirty="0" smtClean="0"/>
+              <a:t> </a:t>
+            </a:r>
+            <a:r>
+              <a:rPr lang="en-US" dirty="0" err="1" smtClean="0"/>
+              <a:t>som</a:t>
+            </a:r>
+            <a:r>
+              <a:rPr lang="en-US" dirty="0" smtClean="0"/>
+              <a:t> </a:t>
+            </a:r>
+            <a:r>
+              <a:rPr lang="en-US" dirty="0" err="1" smtClean="0"/>
+              <a:t>inneholder</a:t>
+            </a:r>
+            <a:r>
+              <a:rPr lang="en-US" dirty="0" smtClean="0"/>
+              <a:t> floats. </a:t>
+            </a:r>
           </a:p>
         </p:txBody>
       </p:sp>
     </p:spTree>
     <p:extLst>
       <p:ext uri="{BB962C8B-B14F-4D97-AF65-F5344CB8AC3E}">
-        <p14:creationId xmlns:p14="http://schemas.microsoft.com/office/powerpoint/2010/main" val="1559465844"/>
+        <p14:creationId xmlns:p14="http://schemas.microsoft.com/office/powerpoint/2010/main" val="3040285248"/>
       </p:ext>
     </p:extLst>
   </p:cSld>
@@ -15481,358 +15063,43 @@
           <a:p>
             <a:r>
               <a:rPr lang="en-US" dirty="0" smtClean="0"/>
-              <a:t>Fonts</a:t>
+              <a:t>footer{ </a:t>
+            </a:r>
+            <a:r>
+              <a:rPr lang="en-US" dirty="0" err="1" smtClean="0"/>
+              <a:t>clear:both</a:t>
+            </a:r>
+            <a:r>
+              <a:rPr lang="en-US" dirty="0" smtClean="0"/>
+              <a:t> }</a:t>
             </a:r>
             <a:endParaRPr lang="en-US" dirty="0"/>
           </a:p>
         </p:txBody>
       </p:sp>
-      <p:sp>
-        <p:nvSpPr>
-          <p:cNvPr id="3" name="Content Placeholder 2"/>
-          <p:cNvSpPr>
-            <a:spLocks noGrp="1"/>
-          </p:cNvSpPr>
+      <p:pic>
+        <p:nvPicPr>
+          <p:cNvPr id="4" name="Content Placeholder 3"/>
+          <p:cNvPicPr>
+            <a:picLocks noGrp="1" noChangeAspect="1"/>
+          </p:cNvPicPr>
           <p:nvPr>
             <p:ph idx="1"/>
           </p:nvPr>
-        </p:nvSpPr>
+        </p:nvPicPr>
+        <p:blipFill>
+          <a:blip r:embed="rId2"/>
+          <a:srcRect l="382" r="382"/>
+          <a:stretch>
+            <a:fillRect/>
+          </a:stretch>
+        </p:blipFill>
         <p:spPr/>
-        <p:txBody>
-          <a:bodyPr/>
-          <a:lstStyle/>
-          <a:p>
-            <a:r>
-              <a:rPr lang="en-US" dirty="0">
-                <a:hlinkClick r:id="rId2"/>
-              </a:rPr>
-              <a:t>http://cssfontstack.com</a:t>
-            </a:r>
-            <a:r>
-              <a:rPr lang="en-US" dirty="0" smtClean="0">
-                <a:hlinkClick r:id="rId2"/>
-              </a:rPr>
-              <a:t>/</a:t>
-            </a:r>
-            <a:endParaRPr lang="en-US" dirty="0" smtClean="0"/>
-          </a:p>
-          <a:p>
-            <a:endParaRPr lang="en-US" dirty="0"/>
-          </a:p>
-        </p:txBody>
-      </p:sp>
-      <p:sp>
-        <p:nvSpPr>
-          <p:cNvPr id="4" name="Rectangle 3"/>
-          <p:cNvSpPr/>
-          <p:nvPr/>
-        </p:nvSpPr>
-        <p:spPr>
-          <a:xfrm>
-            <a:off x="875553" y="2142822"/>
-            <a:ext cx="7261412" cy="2308324"/>
-          </a:xfrm>
-          <a:prstGeom prst="rect">
-            <a:avLst/>
-          </a:prstGeom>
-        </p:spPr>
-        <p:txBody>
-          <a:bodyPr wrap="square">
-            <a:spAutoFit/>
-          </a:bodyPr>
-          <a:lstStyle/>
-          <a:p>
-            <a:r>
-              <a:rPr lang="en-US" sz="2400" dirty="0">
-                <a:solidFill>
-                  <a:srgbClr val="DA29FF"/>
-                </a:solidFill>
-                <a:highlight>
-                  <a:srgbClr val="FFFFFF"/>
-                </a:highlight>
-                <a:latin typeface="Courier"/>
-              </a:rPr>
-              <a:t>body {</a:t>
-            </a:r>
-          </a:p>
-          <a:p>
-            <a:r>
-              <a:rPr lang="en-US" sz="2400" dirty="0">
-                <a:solidFill>
-                  <a:srgbClr val="DA29FF"/>
-                </a:solidFill>
-                <a:highlight>
-                  <a:srgbClr val="FFFFFF"/>
-                </a:highlight>
-                <a:latin typeface="Courier"/>
-              </a:rPr>
-              <a:t>	</a:t>
-            </a:r>
-            <a:r>
-              <a:rPr lang="en-US" sz="2400" dirty="0">
-                <a:solidFill>
-                  <a:srgbClr val="05208C"/>
-                </a:solidFill>
-                <a:highlight>
-                  <a:srgbClr val="FFFFFF"/>
-                </a:highlight>
-                <a:latin typeface="Courier"/>
-              </a:rPr>
-              <a:t>background</a:t>
-            </a:r>
-            <a:r>
-              <a:rPr lang="en-US" sz="2400" b="1" dirty="0">
-                <a:solidFill>
-                  <a:srgbClr val="DA29FF"/>
-                </a:solidFill>
-                <a:highlight>
-                  <a:srgbClr val="FFFFFF"/>
-                </a:highlight>
-                <a:latin typeface="Courier"/>
-              </a:rPr>
-              <a:t>: </a:t>
-            </a:r>
-            <a:r>
-              <a:rPr lang="en-US" sz="2400" b="1" dirty="0">
-                <a:solidFill>
-                  <a:srgbClr val="0035FF"/>
-                </a:solidFill>
-                <a:highlight>
-                  <a:srgbClr val="FFFFFF"/>
-                </a:highlight>
-                <a:latin typeface="Courier"/>
-              </a:rPr>
-              <a:t>#F0F0F0</a:t>
-            </a:r>
-            <a:r>
-              <a:rPr lang="en-US" sz="2400" b="1" dirty="0">
-                <a:solidFill>
-                  <a:srgbClr val="DA29FF"/>
-                </a:solidFill>
-                <a:highlight>
-                  <a:srgbClr val="FFFFFF"/>
-                </a:highlight>
-                <a:latin typeface="Courier"/>
-              </a:rPr>
-              <a:t>;</a:t>
-            </a:r>
-          </a:p>
-          <a:p>
-            <a:r>
-              <a:rPr lang="cs-CZ" sz="2400" dirty="0">
-                <a:solidFill>
-                  <a:srgbClr val="DA29FF"/>
-                </a:solidFill>
-                <a:highlight>
-                  <a:srgbClr val="FFFFFF"/>
-                </a:highlight>
-                <a:latin typeface="Courier"/>
-              </a:rPr>
-              <a:t>	</a:t>
-            </a:r>
-            <a:r>
-              <a:rPr lang="cs-CZ" sz="2400" dirty="0" err="1">
-                <a:solidFill>
-                  <a:srgbClr val="05208C"/>
-                </a:solidFill>
-                <a:highlight>
-                  <a:srgbClr val="FFFFFF"/>
-                </a:highlight>
-                <a:latin typeface="Courier"/>
-              </a:rPr>
-              <a:t>color</a:t>
-            </a:r>
-            <a:r>
-              <a:rPr lang="cs-CZ" sz="2400" b="1" dirty="0">
-                <a:solidFill>
-                  <a:srgbClr val="DA29FF"/>
-                </a:solidFill>
-                <a:highlight>
-                  <a:srgbClr val="FFFFFF"/>
-                </a:highlight>
-                <a:latin typeface="Courier"/>
-              </a:rPr>
-              <a:t>: </a:t>
-            </a:r>
-            <a:r>
-              <a:rPr lang="cs-CZ" sz="2400" b="1" dirty="0">
-                <a:solidFill>
-                  <a:srgbClr val="0035FF"/>
-                </a:solidFill>
-                <a:highlight>
-                  <a:srgbClr val="FFFFFF"/>
-                </a:highlight>
-                <a:latin typeface="Courier"/>
-              </a:rPr>
-              <a:t>#444</a:t>
-            </a:r>
-            <a:r>
-              <a:rPr lang="cs-CZ" sz="2400" b="1" dirty="0">
-                <a:solidFill>
-                  <a:srgbClr val="DA29FF"/>
-                </a:solidFill>
-                <a:highlight>
-                  <a:srgbClr val="FFFFFF"/>
-                </a:highlight>
-                <a:latin typeface="Courier"/>
-              </a:rPr>
-              <a:t>;</a:t>
-            </a:r>
-          </a:p>
-          <a:p>
-            <a:r>
-              <a:rPr lang="cs-CZ" sz="2400" dirty="0">
-                <a:solidFill>
-                  <a:srgbClr val="DA29FF"/>
-                </a:solidFill>
-                <a:highlight>
-                  <a:srgbClr val="FFFFFF"/>
-                </a:highlight>
-                <a:latin typeface="Courier"/>
-              </a:rPr>
-              <a:t>	</a:t>
-            </a:r>
-            <a:r>
-              <a:rPr lang="cs-CZ" sz="2400" dirty="0">
-                <a:solidFill>
-                  <a:srgbClr val="05208C"/>
-                </a:solidFill>
-                <a:highlight>
-                  <a:srgbClr val="FFFFFF"/>
-                </a:highlight>
-                <a:latin typeface="Courier"/>
-              </a:rPr>
-              <a:t>font-</a:t>
-            </a:r>
-            <a:r>
-              <a:rPr lang="cs-CZ" sz="2400" dirty="0" err="1">
-                <a:solidFill>
-                  <a:srgbClr val="05208C"/>
-                </a:solidFill>
-                <a:highlight>
-                  <a:srgbClr val="FFFFFF"/>
-                </a:highlight>
-                <a:latin typeface="Courier"/>
-              </a:rPr>
-              <a:t>family</a:t>
-            </a:r>
-            <a:r>
-              <a:rPr lang="cs-CZ" sz="2400" b="1" dirty="0">
-                <a:solidFill>
-                  <a:srgbClr val="DA29FF"/>
-                </a:solidFill>
-                <a:highlight>
-                  <a:srgbClr val="FFFFFF"/>
-                </a:highlight>
-                <a:latin typeface="Courier"/>
-              </a:rPr>
-              <a:t>: Georgia, serif;</a:t>
-            </a:r>
-          </a:p>
-          <a:p>
-            <a:r>
-              <a:rPr lang="it-IT" sz="2400" dirty="0">
-                <a:solidFill>
-                  <a:srgbClr val="DA29FF"/>
-                </a:solidFill>
-                <a:highlight>
-                  <a:srgbClr val="FFFFFF"/>
-                </a:highlight>
-                <a:latin typeface="Courier"/>
-              </a:rPr>
-              <a:t>	</a:t>
-            </a:r>
-            <a:r>
-              <a:rPr lang="it-IT" sz="2400" dirty="0">
-                <a:solidFill>
-                  <a:srgbClr val="05208C"/>
-                </a:solidFill>
-                <a:highlight>
-                  <a:srgbClr val="FFFFFF"/>
-                </a:highlight>
-                <a:latin typeface="Courier"/>
-              </a:rPr>
-              <a:t>font-</a:t>
-            </a:r>
-            <a:r>
-              <a:rPr lang="it-IT" sz="2400" dirty="0" err="1">
-                <a:solidFill>
-                  <a:srgbClr val="05208C"/>
-                </a:solidFill>
-                <a:highlight>
-                  <a:srgbClr val="FFFFFF"/>
-                </a:highlight>
-                <a:latin typeface="Courier"/>
-              </a:rPr>
-              <a:t>size</a:t>
-            </a:r>
-            <a:r>
-              <a:rPr lang="it-IT" sz="2400" b="1" dirty="0">
-                <a:solidFill>
-                  <a:srgbClr val="DA29FF"/>
-                </a:solidFill>
-                <a:highlight>
-                  <a:srgbClr val="FFFFFF"/>
-                </a:highlight>
-                <a:latin typeface="Courier"/>
-              </a:rPr>
-              <a:t>: </a:t>
-            </a:r>
-            <a:r>
-              <a:rPr lang="it-IT" sz="2400" b="1" dirty="0" smtClean="0">
-                <a:solidFill>
-                  <a:srgbClr val="0035FF"/>
-                </a:solidFill>
-                <a:highlight>
-                  <a:srgbClr val="FFFFFF"/>
-                </a:highlight>
-                <a:latin typeface="Courier"/>
-              </a:rPr>
-              <a:t>16px</a:t>
-            </a:r>
-            <a:r>
-              <a:rPr lang="it-IT" sz="2400" b="1" dirty="0" smtClean="0">
-                <a:solidFill>
-                  <a:srgbClr val="DA29FF"/>
-                </a:solidFill>
-                <a:highlight>
-                  <a:srgbClr val="FFFFFF"/>
-                </a:highlight>
-                <a:latin typeface="Courier"/>
-              </a:rPr>
-              <a:t>;</a:t>
-            </a:r>
-            <a:endParaRPr lang="it-IT" sz="2400" b="1" dirty="0">
-              <a:solidFill>
-                <a:srgbClr val="DA29FF"/>
-              </a:solidFill>
-              <a:highlight>
-                <a:srgbClr val="FFFFFF"/>
-              </a:highlight>
-              <a:latin typeface="Courier"/>
-            </a:endParaRPr>
-          </a:p>
-          <a:p>
-            <a:r>
-              <a:rPr lang="it-IT" sz="2400" dirty="0">
-                <a:solidFill>
-                  <a:srgbClr val="DA29FF"/>
-                </a:solidFill>
-                <a:highlight>
-                  <a:srgbClr val="FFFFFF"/>
-                </a:highlight>
-                <a:latin typeface="Courier"/>
-              </a:rPr>
-              <a:t>}</a:t>
-            </a:r>
-            <a:endParaRPr lang="en-US" sz="2400" dirty="0"/>
-          </a:p>
-        </p:txBody>
-      </p:sp>
+      </p:pic>
     </p:spTree>
     <p:extLst>
       <p:ext uri="{BB962C8B-B14F-4D97-AF65-F5344CB8AC3E}">
-        <p14:creationId xmlns:p14="http://schemas.microsoft.com/office/powerpoint/2010/main" val="1428369502"/>
+        <p14:creationId xmlns:p14="http://schemas.microsoft.com/office/powerpoint/2010/main" val="333896132"/>
       </p:ext>
     </p:extLst>
   </p:cSld>
@@ -15878,26 +15145,12 @@
         </p:nvSpPr>
         <p:spPr/>
         <p:txBody>
-          <a:bodyPr>
-            <a:normAutofit/>
-          </a:bodyPr>
+          <a:bodyPr/>
           <a:lstStyle/>
           <a:p>
             <a:r>
               <a:rPr lang="en-US" dirty="0" err="1" smtClean="0"/>
-              <a:t>fluid,elastic</a:t>
-            </a:r>
-            <a:r>
-              <a:rPr lang="en-US" dirty="0" smtClean="0"/>
-              <a:t> </a:t>
-            </a:r>
-            <a:r>
-              <a:rPr lang="en-US" dirty="0" err="1" smtClean="0"/>
-              <a:t>og</a:t>
-            </a:r>
-            <a:r>
-              <a:rPr lang="en-US" dirty="0" smtClean="0"/>
-              <a:t> fixed</a:t>
+              <a:t>Clearfix</a:t>
             </a:r>
             <a:endParaRPr lang="en-US" dirty="0"/>
           </a:p>
@@ -15905,100 +15158,772 @@
       </p:sp>
       <p:sp>
         <p:nvSpPr>
-          <p:cNvPr id="3" name="Content Placeholder 2"/>
-          <p:cNvSpPr>
-            <a:spLocks noGrp="1"/>
-          </p:cNvSpPr>
-          <p:nvPr>
-            <p:ph idx="1"/>
-          </p:nvPr>
+          <p:cNvPr id="4" name="Rectangle 3"/>
+          <p:cNvSpPr/>
+          <p:nvPr/>
         </p:nvSpPr>
-        <p:spPr/>
+        <p:spPr>
+          <a:xfrm>
+            <a:off x="4049059" y="842240"/>
+            <a:ext cx="4422589" cy="3785652"/>
+          </a:xfrm>
+          <a:prstGeom prst="rect">
+            <a:avLst/>
+          </a:prstGeom>
+        </p:spPr>
         <p:txBody>
-          <a:bodyPr/>
+          <a:bodyPr wrap="square">
+            <a:spAutoFit/>
+          </a:bodyPr>
           <a:lstStyle/>
           <a:p>
             <a:r>
-              <a:rPr lang="en-US" dirty="0" smtClean="0">
-                <a:hlinkClick r:id="rId2"/>
-              </a:rPr>
-              <a:t>http://arkivportalen.no</a:t>
-            </a:r>
-            <a:r>
-              <a:rPr lang="en-US" dirty="0">
-                <a:hlinkClick r:id="rId2"/>
+              <a:rPr lang="en-US" sz="2000" dirty="0">
+                <a:solidFill>
+                  <a:srgbClr val="DA29FF"/>
+                </a:solidFill>
+                <a:highlight>
+                  <a:srgbClr val="FFFFFF"/>
+                </a:highlight>
+                <a:latin typeface="Courier"/>
+              </a:rPr>
+              <a:t>.</a:t>
+            </a:r>
+            <a:r>
+              <a:rPr lang="en-US" sz="2000" dirty="0" err="1">
+                <a:solidFill>
+                  <a:srgbClr val="DA29FF"/>
+                </a:solidFill>
+                <a:highlight>
+                  <a:srgbClr val="FFFFFF"/>
+                </a:highlight>
+                <a:latin typeface="Courier"/>
+              </a:rPr>
+              <a:t>clearfix</a:t>
+            </a:r>
+            <a:r>
+              <a:rPr lang="en-US" sz="2000" b="1" dirty="0" err="1">
+                <a:solidFill>
+                  <a:srgbClr val="DA29FF"/>
+                </a:solidFill>
+                <a:highlight>
+                  <a:srgbClr val="FFFFFF"/>
+                </a:highlight>
+                <a:latin typeface="Courier"/>
+              </a:rPr>
+              <a:t>:after</a:t>
+            </a:r>
+            <a:r>
+              <a:rPr lang="en-US" sz="2000" b="1" dirty="0">
+                <a:solidFill>
+                  <a:srgbClr val="DA29FF"/>
+                </a:solidFill>
+                <a:highlight>
+                  <a:srgbClr val="FFFFFF"/>
+                </a:highlight>
+                <a:latin typeface="Courier"/>
+              </a:rPr>
+              <a:t> {</a:t>
+            </a:r>
+          </a:p>
+          <a:p>
+            <a:r>
+              <a:rPr lang="en-US" sz="2000" dirty="0">
+                <a:solidFill>
+                  <a:srgbClr val="DA29FF"/>
+                </a:solidFill>
+                <a:highlight>
+                  <a:srgbClr val="FFFFFF"/>
+                </a:highlight>
+                <a:latin typeface="Courier"/>
+              </a:rPr>
+              <a:t>    </a:t>
+            </a:r>
+            <a:r>
+              <a:rPr lang="en-US" sz="2000" dirty="0">
+                <a:solidFill>
+                  <a:srgbClr val="05208C"/>
+                </a:solidFill>
+                <a:highlight>
+                  <a:srgbClr val="FFFFFF"/>
+                </a:highlight>
+                <a:latin typeface="Courier"/>
+              </a:rPr>
+              <a:t>content</a:t>
+            </a:r>
+            <a:r>
+              <a:rPr lang="en-US" sz="2000" b="1" dirty="0">
+                <a:solidFill>
+                  <a:srgbClr val="DA29FF"/>
+                </a:solidFill>
+                <a:highlight>
+                  <a:srgbClr val="FFFFFF"/>
+                </a:highlight>
+                <a:latin typeface="Courier"/>
+              </a:rPr>
+              <a:t>: </a:t>
+            </a:r>
+            <a:r>
+              <a:rPr lang="en-US" sz="2000" b="1" dirty="0">
+                <a:solidFill>
+                  <a:srgbClr val="106800"/>
+                </a:solidFill>
+                <a:highlight>
+                  <a:srgbClr val="FFFFFF"/>
+                </a:highlight>
+                <a:latin typeface="Courier"/>
+              </a:rPr>
+              <a:t>"."</a:t>
+            </a:r>
+            <a:r>
+              <a:rPr lang="en-US" sz="2000" b="1" dirty="0">
+                <a:solidFill>
+                  <a:srgbClr val="DA29FF"/>
+                </a:solidFill>
+                <a:highlight>
+                  <a:srgbClr val="FFFFFF"/>
+                </a:highlight>
+                <a:latin typeface="Courier"/>
+              </a:rPr>
+              <a:t>;</a:t>
+            </a:r>
+          </a:p>
+          <a:p>
+            <a:r>
+              <a:rPr lang="en-US" sz="2000" dirty="0">
+                <a:solidFill>
+                  <a:srgbClr val="DA29FF"/>
+                </a:solidFill>
+                <a:highlight>
+                  <a:srgbClr val="FFFFFF"/>
+                </a:highlight>
+                <a:latin typeface="Courier"/>
+              </a:rPr>
+              <a:t>    </a:t>
+            </a:r>
+            <a:r>
+              <a:rPr lang="en-US" sz="2000" dirty="0">
+                <a:solidFill>
+                  <a:srgbClr val="05208C"/>
+                </a:solidFill>
+                <a:highlight>
+                  <a:srgbClr val="FFFFFF"/>
+                </a:highlight>
+                <a:latin typeface="Courier"/>
+              </a:rPr>
+              <a:t>display</a:t>
+            </a:r>
+            <a:r>
+              <a:rPr lang="en-US" sz="2000" b="1" dirty="0">
+                <a:solidFill>
+                  <a:srgbClr val="DA29FF"/>
+                </a:solidFill>
+                <a:highlight>
+                  <a:srgbClr val="FFFFFF"/>
+                </a:highlight>
+                <a:latin typeface="Courier"/>
+              </a:rPr>
+              <a:t>: </a:t>
+            </a:r>
+            <a:r>
+              <a:rPr lang="en-US" sz="2000" b="1" dirty="0">
+                <a:solidFill>
+                  <a:srgbClr val="0035FF"/>
+                </a:solidFill>
+                <a:highlight>
+                  <a:srgbClr val="FFFFFF"/>
+                </a:highlight>
+                <a:latin typeface="Courier"/>
+              </a:rPr>
+              <a:t>block</a:t>
+            </a:r>
+            <a:r>
+              <a:rPr lang="en-US" sz="2000" b="1" dirty="0">
+                <a:solidFill>
+                  <a:srgbClr val="DA29FF"/>
+                </a:solidFill>
+                <a:highlight>
+                  <a:srgbClr val="FFFFFF"/>
+                </a:highlight>
+                <a:latin typeface="Courier"/>
+              </a:rPr>
+              <a:t>;</a:t>
+            </a:r>
+          </a:p>
+          <a:p>
+            <a:r>
+              <a:rPr lang="en-US" sz="2000" dirty="0">
+                <a:solidFill>
+                  <a:srgbClr val="DA29FF"/>
+                </a:solidFill>
+                <a:highlight>
+                  <a:srgbClr val="FFFFFF"/>
+                </a:highlight>
+                <a:latin typeface="Courier"/>
+              </a:rPr>
+              <a:t>    </a:t>
+            </a:r>
+            <a:r>
+              <a:rPr lang="en-US" sz="2000" dirty="0">
+                <a:solidFill>
+                  <a:srgbClr val="05208C"/>
+                </a:solidFill>
+                <a:highlight>
+                  <a:srgbClr val="FFFFFF"/>
+                </a:highlight>
+                <a:latin typeface="Courier"/>
+              </a:rPr>
+              <a:t>clear</a:t>
+            </a:r>
+            <a:r>
+              <a:rPr lang="en-US" sz="2000" b="1" dirty="0">
+                <a:solidFill>
+                  <a:srgbClr val="DA29FF"/>
+                </a:solidFill>
+                <a:highlight>
+                  <a:srgbClr val="FFFFFF"/>
+                </a:highlight>
+                <a:latin typeface="Courier"/>
+              </a:rPr>
+              <a:t>: </a:t>
+            </a:r>
+            <a:r>
+              <a:rPr lang="en-US" sz="2000" b="1" dirty="0">
+                <a:solidFill>
+                  <a:srgbClr val="0035FF"/>
+                </a:solidFill>
+                <a:highlight>
+                  <a:srgbClr val="FFFFFF"/>
+                </a:highlight>
+                <a:latin typeface="Courier"/>
+              </a:rPr>
+              <a:t>both</a:t>
+            </a:r>
+            <a:r>
+              <a:rPr lang="en-US" sz="2000" b="1" dirty="0">
+                <a:solidFill>
+                  <a:srgbClr val="DA29FF"/>
+                </a:solidFill>
+                <a:highlight>
+                  <a:srgbClr val="FFFFFF"/>
+                </a:highlight>
+                <a:latin typeface="Courier"/>
+              </a:rPr>
+              <a:t>;</a:t>
+            </a:r>
+          </a:p>
+          <a:p>
+            <a:r>
+              <a:rPr lang="en-US" sz="2000" dirty="0">
+                <a:solidFill>
+                  <a:srgbClr val="DA29FF"/>
+                </a:solidFill>
+                <a:highlight>
+                  <a:srgbClr val="FFFFFF"/>
+                </a:highlight>
+                <a:latin typeface="Courier"/>
+              </a:rPr>
+              <a:t>    </a:t>
+            </a:r>
+            <a:r>
+              <a:rPr lang="en-US" sz="2000" dirty="0">
+                <a:solidFill>
+                  <a:srgbClr val="05208C"/>
+                </a:solidFill>
+                <a:highlight>
+                  <a:srgbClr val="FFFFFF"/>
+                </a:highlight>
+                <a:latin typeface="Courier"/>
+              </a:rPr>
+              <a:t>visibility</a:t>
+            </a:r>
+            <a:r>
+              <a:rPr lang="en-US" sz="2000" b="1" dirty="0">
+                <a:solidFill>
+                  <a:srgbClr val="DA29FF"/>
+                </a:solidFill>
+                <a:highlight>
+                  <a:srgbClr val="FFFFFF"/>
+                </a:highlight>
+                <a:latin typeface="Courier"/>
+              </a:rPr>
+              <a:t>: </a:t>
+            </a:r>
+            <a:r>
+              <a:rPr lang="en-US" sz="2000" b="1" dirty="0">
+                <a:solidFill>
+                  <a:srgbClr val="0035FF"/>
+                </a:solidFill>
+                <a:highlight>
+                  <a:srgbClr val="FFFFFF"/>
+                </a:highlight>
+                <a:latin typeface="Courier"/>
+              </a:rPr>
+              <a:t>hidden</a:t>
+            </a:r>
+            <a:r>
+              <a:rPr lang="en-US" sz="2000" b="1" dirty="0">
+                <a:solidFill>
+                  <a:srgbClr val="DA29FF"/>
+                </a:solidFill>
+                <a:highlight>
+                  <a:srgbClr val="FFFFFF"/>
+                </a:highlight>
+                <a:latin typeface="Courier"/>
+              </a:rPr>
+              <a:t>;</a:t>
+            </a:r>
+          </a:p>
+          <a:p>
+            <a:r>
+              <a:rPr lang="en-US" sz="2000" dirty="0">
+                <a:solidFill>
+                  <a:srgbClr val="DA29FF"/>
+                </a:solidFill>
+                <a:highlight>
+                  <a:srgbClr val="FFFFFF"/>
+                </a:highlight>
+                <a:latin typeface="Courier"/>
+              </a:rPr>
+              <a:t>    </a:t>
+            </a:r>
+            <a:r>
+              <a:rPr lang="en-US" sz="2000" dirty="0">
+                <a:solidFill>
+                  <a:srgbClr val="05208C"/>
+                </a:solidFill>
+                <a:highlight>
+                  <a:srgbClr val="FFFFFF"/>
+                </a:highlight>
+                <a:latin typeface="Courier"/>
+              </a:rPr>
+              <a:t>line-height</a:t>
+            </a:r>
+            <a:r>
+              <a:rPr lang="en-US" sz="2000" b="1" dirty="0">
+                <a:solidFill>
+                  <a:srgbClr val="DA29FF"/>
+                </a:solidFill>
+                <a:highlight>
+                  <a:srgbClr val="FFFFFF"/>
+                </a:highlight>
+                <a:latin typeface="Courier"/>
+              </a:rPr>
+              <a:t>: </a:t>
+            </a:r>
+            <a:r>
+              <a:rPr lang="en-US" sz="2000" b="1" dirty="0">
+                <a:solidFill>
+                  <a:srgbClr val="0035FF"/>
+                </a:solidFill>
+                <a:highlight>
+                  <a:srgbClr val="FFFFFF"/>
+                </a:highlight>
+                <a:latin typeface="Courier"/>
+              </a:rPr>
+              <a:t>0</a:t>
+            </a:r>
+            <a:r>
+              <a:rPr lang="en-US" sz="2000" b="1" dirty="0">
+                <a:solidFill>
+                  <a:srgbClr val="DA29FF"/>
+                </a:solidFill>
+                <a:highlight>
+                  <a:srgbClr val="FFFFFF"/>
+                </a:highlight>
+                <a:latin typeface="Courier"/>
+              </a:rPr>
+              <a:t>;</a:t>
+            </a:r>
+          </a:p>
+          <a:p>
+            <a:r>
+              <a:rPr lang="en-US" sz="2000" dirty="0">
+                <a:solidFill>
+                  <a:srgbClr val="DA29FF"/>
+                </a:solidFill>
+                <a:highlight>
+                  <a:srgbClr val="FFFFFF"/>
+                </a:highlight>
+                <a:latin typeface="Courier"/>
+              </a:rPr>
+              <a:t>    </a:t>
+            </a:r>
+            <a:r>
+              <a:rPr lang="en-US" sz="2000" dirty="0">
+                <a:solidFill>
+                  <a:srgbClr val="05208C"/>
+                </a:solidFill>
+                <a:highlight>
+                  <a:srgbClr val="FFFFFF"/>
+                </a:highlight>
+                <a:latin typeface="Courier"/>
+              </a:rPr>
+              <a:t>height</a:t>
+            </a:r>
+            <a:r>
+              <a:rPr lang="en-US" sz="2000" b="1" dirty="0">
+                <a:solidFill>
+                  <a:srgbClr val="DA29FF"/>
+                </a:solidFill>
+                <a:highlight>
+                  <a:srgbClr val="FFFFFF"/>
+                </a:highlight>
+                <a:latin typeface="Courier"/>
+              </a:rPr>
+              <a:t>: </a:t>
+            </a:r>
+            <a:r>
+              <a:rPr lang="en-US" sz="2000" b="1" dirty="0">
+                <a:solidFill>
+                  <a:srgbClr val="0035FF"/>
+                </a:solidFill>
+                <a:highlight>
+                  <a:srgbClr val="FFFFFF"/>
+                </a:highlight>
+                <a:latin typeface="Courier"/>
+              </a:rPr>
+              <a:t>0</a:t>
+            </a:r>
+            <a:r>
+              <a:rPr lang="en-US" sz="2000" b="1" dirty="0">
+                <a:solidFill>
+                  <a:srgbClr val="DA29FF"/>
+                </a:solidFill>
+                <a:highlight>
+                  <a:srgbClr val="FFFFFF"/>
+                </a:highlight>
+                <a:latin typeface="Courier"/>
+              </a:rPr>
+              <a:t>;</a:t>
+            </a:r>
+          </a:p>
+          <a:p>
+            <a:r>
+              <a:rPr lang="en-US" sz="2000" dirty="0">
+                <a:solidFill>
+                  <a:srgbClr val="DA29FF"/>
+                </a:solidFill>
+                <a:highlight>
+                  <a:srgbClr val="FFFFFF"/>
+                </a:highlight>
+                <a:latin typeface="Courier"/>
+              </a:rPr>
+              <a:t>}</a:t>
+            </a:r>
+          </a:p>
+          <a:p>
+            <a:r>
+              <a:rPr lang="en-US" sz="2000" dirty="0">
+                <a:solidFill>
+                  <a:srgbClr val="DA29FF"/>
+                </a:solidFill>
+                <a:highlight>
+                  <a:srgbClr val="FFFFFF"/>
+                </a:highlight>
+                <a:latin typeface="Courier"/>
               </a:rPr>
               <a:t> </a:t>
             </a:r>
-            <a:r>
-              <a:rPr lang="en-US" dirty="0"/>
+          </a:p>
+          <a:p>
+            <a:r>
+              <a:rPr lang="en-US" sz="2000" dirty="0">
+                <a:solidFill>
+                  <a:srgbClr val="DA29FF"/>
+                </a:solidFill>
+                <a:highlight>
+                  <a:srgbClr val="FFFFFF"/>
+                </a:highlight>
+                <a:latin typeface="Courier"/>
+              </a:rPr>
+              <a:t>.</a:t>
+            </a:r>
+            <a:r>
+              <a:rPr lang="en-US" sz="2000" dirty="0" err="1">
+                <a:solidFill>
+                  <a:srgbClr val="DA29FF"/>
+                </a:solidFill>
+                <a:highlight>
+                  <a:srgbClr val="FFFFFF"/>
+                </a:highlight>
+                <a:latin typeface="Courier"/>
+              </a:rPr>
+              <a:t>clearfix</a:t>
+            </a:r>
+            <a:r>
+              <a:rPr lang="en-US" sz="2000" dirty="0">
+                <a:solidFill>
+                  <a:srgbClr val="DA29FF"/>
+                </a:solidFill>
+                <a:highlight>
+                  <a:srgbClr val="FFFFFF"/>
+                </a:highlight>
+                <a:latin typeface="Courier"/>
+              </a:rPr>
+              <a:t> {</a:t>
+            </a:r>
+          </a:p>
+          <a:p>
+            <a:r>
+              <a:rPr lang="en-US" sz="2000" dirty="0">
+                <a:solidFill>
+                  <a:srgbClr val="DA29FF"/>
+                </a:solidFill>
+                <a:highlight>
+                  <a:srgbClr val="FFFFFF"/>
+                </a:highlight>
+                <a:latin typeface="Courier"/>
+              </a:rPr>
+              <a:t>    </a:t>
+            </a:r>
+            <a:r>
+              <a:rPr lang="en-US" sz="2000" dirty="0">
+                <a:solidFill>
+                  <a:srgbClr val="05208C"/>
+                </a:solidFill>
+                <a:highlight>
+                  <a:srgbClr val="FFFFFF"/>
+                </a:highlight>
+                <a:latin typeface="Courier"/>
+              </a:rPr>
+              <a:t>display</a:t>
+            </a:r>
+            <a:r>
+              <a:rPr lang="en-US" sz="2000" b="1" dirty="0">
+                <a:solidFill>
+                  <a:srgbClr val="DA29FF"/>
+                </a:solidFill>
+                <a:highlight>
+                  <a:srgbClr val="FFFFFF"/>
+                </a:highlight>
+                <a:latin typeface="Courier"/>
+              </a:rPr>
+              <a:t>: </a:t>
+            </a:r>
+            <a:r>
+              <a:rPr lang="en-US" sz="2000" b="1" dirty="0">
+                <a:solidFill>
+                  <a:srgbClr val="0035FF"/>
+                </a:solidFill>
+                <a:highlight>
+                  <a:srgbClr val="FFFFFF"/>
+                </a:highlight>
+                <a:latin typeface="Courier"/>
+              </a:rPr>
+              <a:t>inline-block</a:t>
+            </a:r>
+            <a:r>
+              <a:rPr lang="en-US" sz="2000" b="1" dirty="0">
+                <a:solidFill>
+                  <a:srgbClr val="DA29FF"/>
+                </a:solidFill>
+                <a:highlight>
+                  <a:srgbClr val="FFFFFF"/>
+                </a:highlight>
+                <a:latin typeface="Courier"/>
+              </a:rPr>
+              <a:t>;</a:t>
+            </a:r>
+          </a:p>
+          <a:p>
+            <a:r>
+              <a:rPr lang="en-US" sz="2000" dirty="0">
+                <a:solidFill>
+                  <a:srgbClr val="DA29FF"/>
+                </a:solidFill>
+                <a:highlight>
+                  <a:srgbClr val="FFFFFF"/>
+                </a:highlight>
+                <a:latin typeface="Courier"/>
+              </a:rPr>
+              <a:t>}</a:t>
+            </a:r>
+            <a:endParaRPr lang="en-US" sz="2000" dirty="0"/>
+          </a:p>
+        </p:txBody>
+      </p:sp>
+      <p:sp>
+        <p:nvSpPr>
+          <p:cNvPr id="5" name="TextBox 4"/>
+          <p:cNvSpPr txBox="1"/>
+          <p:nvPr/>
+        </p:nvSpPr>
+        <p:spPr>
+          <a:xfrm>
+            <a:off x="262964" y="1314824"/>
+            <a:ext cx="3427507" cy="1631216"/>
+          </a:xfrm>
+          <a:prstGeom prst="rect">
+            <a:avLst/>
+          </a:prstGeom>
+        </p:spPr>
+        <p:style>
+          <a:lnRef idx="1">
+            <a:schemeClr val="dk1"/>
+          </a:lnRef>
+          <a:fillRef idx="2">
+            <a:schemeClr val="dk1"/>
+          </a:fillRef>
+          <a:effectRef idx="1">
+            <a:schemeClr val="dk1"/>
+          </a:effectRef>
+          <a:fontRef idx="minor">
+            <a:schemeClr val="dk1"/>
+          </a:fontRef>
+        </p:style>
+        <p:txBody>
+          <a:bodyPr wrap="square" rtlCol="0">
+            <a:spAutoFit/>
+          </a:bodyPr>
+          <a:lstStyle/>
+          <a:p>
+            <a:r>
+              <a:rPr lang="en-US" sz="2000" dirty="0" err="1" smtClean="0"/>
+              <a:t>Semantisk</a:t>
+            </a:r>
+            <a:r>
+              <a:rPr lang="en-US" sz="2000" dirty="0" smtClean="0"/>
               <a:t> </a:t>
             </a:r>
             <a:r>
-              <a:rPr lang="en-US" dirty="0" smtClean="0"/>
-              <a:t>fixed - </a:t>
-            </a:r>
-            <a:r>
-              <a:rPr lang="en-US" dirty="0" err="1"/>
-              <a:t>pixler</a:t>
-            </a:r>
-            <a:endParaRPr lang="en-US" dirty="0" smtClean="0">
-              <a:hlinkClick r:id="rId2"/>
-            </a:endParaRPr>
-          </a:p>
-          <a:p>
-            <a:r>
-              <a:rPr lang="en-US" dirty="0" smtClean="0">
-                <a:hlinkClick r:id="rId2"/>
-              </a:rPr>
-              <a:t>http</a:t>
-            </a:r>
-            <a:r>
-              <a:rPr lang="en-US" dirty="0">
-                <a:hlinkClick r:id="rId2"/>
-              </a:rPr>
-              <a:t>://simplebits.com</a:t>
-            </a:r>
-            <a:r>
-              <a:rPr lang="en-US" dirty="0" smtClean="0">
-                <a:hlinkClick r:id="rId2"/>
-              </a:rPr>
-              <a:t>/</a:t>
-            </a:r>
-            <a:r>
-              <a:rPr lang="en-US" dirty="0" smtClean="0"/>
-              <a:t>  fluid - %</a:t>
-            </a:r>
-          </a:p>
-          <a:p>
-            <a:r>
-              <a:rPr lang="en-US" dirty="0">
-                <a:hlinkClick r:id="rId3"/>
-              </a:rPr>
-              <a:t>http://ethanmarcotte.com</a:t>
-            </a:r>
-            <a:r>
-              <a:rPr lang="en-US" dirty="0" smtClean="0">
-                <a:hlinkClick r:id="rId3"/>
-              </a:rPr>
-              <a:t>/</a:t>
-            </a:r>
-            <a:r>
-              <a:rPr lang="en-US" dirty="0" smtClean="0"/>
-              <a:t> elastic - </a:t>
-            </a:r>
-            <a:r>
-              <a:rPr lang="en-US" smtClean="0"/>
-              <a:t>em</a:t>
-            </a:r>
-            <a:endParaRPr lang="en-US" dirty="0"/>
+              <a:rPr lang="en-US" sz="2000" dirty="0" err="1" smtClean="0"/>
+              <a:t>mest</a:t>
+            </a:r>
+            <a:r>
+              <a:rPr lang="en-US" sz="2000" dirty="0" smtClean="0"/>
+              <a:t> </a:t>
+            </a:r>
+            <a:r>
+              <a:rPr lang="en-US" sz="2000" dirty="0" err="1" smtClean="0"/>
+              <a:t>korrekt</a:t>
+            </a:r>
+            <a:r>
+              <a:rPr lang="en-US" sz="2000" dirty="0" smtClean="0"/>
+              <a:t> </a:t>
+            </a:r>
+            <a:r>
+              <a:rPr lang="en-US" sz="2000" dirty="0" err="1" smtClean="0"/>
+              <a:t>måte</a:t>
+            </a:r>
+            <a:r>
+              <a:rPr lang="en-US" sz="2000" dirty="0" smtClean="0"/>
+              <a:t>. </a:t>
+            </a:r>
+          </a:p>
+          <a:p>
+            <a:r>
+              <a:rPr lang="en-US" sz="2000" dirty="0" err="1" smtClean="0"/>
+              <a:t>Legger</a:t>
+            </a:r>
+            <a:r>
+              <a:rPr lang="en-US" sz="2000" dirty="0" smtClean="0"/>
+              <a:t> </a:t>
+            </a:r>
+            <a:r>
+              <a:rPr lang="en-US" sz="2000" dirty="0" err="1" smtClean="0"/>
+              <a:t>til</a:t>
+            </a:r>
+            <a:r>
+              <a:rPr lang="en-US" sz="2000" dirty="0" smtClean="0"/>
+              <a:t> </a:t>
+            </a:r>
+            <a:r>
+              <a:rPr lang="en-US" sz="2000" dirty="0" err="1" smtClean="0"/>
+              <a:t>bittelitt</a:t>
+            </a:r>
+            <a:r>
+              <a:rPr lang="en-US" sz="2000" dirty="0" smtClean="0"/>
+              <a:t> </a:t>
+            </a:r>
+            <a:r>
+              <a:rPr lang="en-US" sz="2000" dirty="0" err="1" smtClean="0"/>
+              <a:t>innhold</a:t>
+            </a:r>
+            <a:r>
+              <a:rPr lang="en-US" sz="2000" dirty="0" smtClean="0"/>
+              <a:t> </a:t>
+            </a:r>
+            <a:r>
+              <a:rPr lang="en-US" sz="2000" dirty="0" err="1" smtClean="0"/>
+              <a:t>etter</a:t>
+            </a:r>
+            <a:r>
+              <a:rPr lang="en-US" sz="2000" dirty="0" smtClean="0"/>
+              <a:t> </a:t>
+            </a:r>
+            <a:r>
+              <a:rPr lang="en-US" sz="2000" dirty="0" err="1" smtClean="0"/>
+              <a:t>containeren</a:t>
+            </a:r>
+            <a:r>
+              <a:rPr lang="en-US" sz="2000" dirty="0" smtClean="0"/>
+              <a:t> </a:t>
+            </a:r>
+            <a:r>
+              <a:rPr lang="en-US" sz="2000" dirty="0" err="1" smtClean="0"/>
+              <a:t>som</a:t>
+            </a:r>
+            <a:r>
+              <a:rPr lang="en-US" sz="2000" dirty="0" smtClean="0"/>
+              <a:t> </a:t>
+            </a:r>
+            <a:r>
+              <a:rPr lang="en-US" sz="2000" dirty="0" err="1" smtClean="0"/>
+              <a:t>har</a:t>
+            </a:r>
+            <a:r>
+              <a:rPr lang="en-US" sz="2000" dirty="0" smtClean="0"/>
+              <a:t> </a:t>
+            </a:r>
+            <a:r>
+              <a:rPr lang="en-US" sz="2000" dirty="0" err="1" smtClean="0"/>
+              <a:t>klassen</a:t>
+            </a:r>
+            <a:r>
+              <a:rPr lang="en-US" sz="2000" dirty="0" smtClean="0"/>
+              <a:t> .</a:t>
+            </a:r>
+            <a:r>
+              <a:rPr lang="en-US" sz="2000" dirty="0" err="1" smtClean="0"/>
+              <a:t>clearfix</a:t>
+            </a:r>
+            <a:r>
+              <a:rPr lang="en-US" sz="2000" dirty="0" smtClean="0"/>
+              <a:t>, </a:t>
+            </a:r>
+            <a:r>
+              <a:rPr lang="en-US" sz="2000" dirty="0" err="1" smtClean="0"/>
+              <a:t>som</a:t>
+            </a:r>
+            <a:r>
+              <a:rPr lang="en-US" sz="2000" dirty="0" smtClean="0"/>
+              <a:t> tar </a:t>
+            </a:r>
+            <a:r>
+              <a:rPr lang="en-US" sz="2000" dirty="0" err="1" smtClean="0"/>
+              <a:t>seg</a:t>
+            </a:r>
+            <a:r>
+              <a:rPr lang="en-US" sz="2000" dirty="0" smtClean="0"/>
+              <a:t> </a:t>
+            </a:r>
+            <a:r>
+              <a:rPr lang="en-US" sz="2000" dirty="0" err="1" smtClean="0"/>
+              <a:t>av</a:t>
+            </a:r>
+            <a:r>
+              <a:rPr lang="en-US" sz="2000" dirty="0" smtClean="0"/>
+              <a:t> clearing.</a:t>
+            </a:r>
+            <a:endParaRPr lang="en-US" sz="2000" dirty="0"/>
           </a:p>
         </p:txBody>
       </p:sp>
     </p:spTree>
     <p:extLst>
       <p:ext uri="{BB962C8B-B14F-4D97-AF65-F5344CB8AC3E}">
-        <p14:creationId xmlns:p14="http://schemas.microsoft.com/office/powerpoint/2010/main" val="2906016296"/>
+        <p14:creationId xmlns:p14="http://schemas.microsoft.com/office/powerpoint/2010/main" val="1544776240"/>
       </p:ext>
     </p:extLst>
   </p:cSld>
@@ -16322,10 +16247,251 @@
   <p:clrMapOvr>
     <a:masterClrMapping/>
   </p:clrMapOvr>
+  <p:timing>
+    <p:tnLst>
+      <p:par>
+        <p:cTn xmlns:p14="http://schemas.microsoft.com/office/powerpoint/2010/main" id="1" dur="indefinite" restart="never" nodeType="tmRoot"/>
+      </p:par>
+    </p:tnLst>
+  </p:timing>
 </p:sld>
 </file>
 
 <file path=ppt/slides/slide30.xml><?xml version="1.0" encoding="utf-8"?>
+<p:sld xmlns:a="http://schemas.openxmlformats.org/drawingml/2006/main" xmlns:r="http://schemas.openxmlformats.org/officeDocument/2006/relationships" xmlns:p="http://schemas.openxmlformats.org/presentationml/2006/main">
+  <p:cSld>
+    <p:spTree>
+      <p:nvGrpSpPr>
+        <p:cNvPr id="1" name=""/>
+        <p:cNvGrpSpPr/>
+        <p:nvPr/>
+      </p:nvGrpSpPr>
+      <p:grpSpPr>
+        <a:xfrm>
+          <a:off x="0" y="0"/>
+          <a:ext cx="0" cy="0"/>
+          <a:chOff x="0" y="0"/>
+          <a:chExt cx="0" cy="0"/>
+        </a:xfrm>
+      </p:grpSpPr>
+      <p:sp>
+        <p:nvSpPr>
+          <p:cNvPr id="2" name="Title 1"/>
+          <p:cNvSpPr>
+            <a:spLocks noGrp="1"/>
+          </p:cNvSpPr>
+          <p:nvPr>
+            <p:ph type="title"/>
+          </p:nvPr>
+        </p:nvSpPr>
+        <p:spPr/>
+        <p:txBody>
+          <a:bodyPr/>
+          <a:lstStyle/>
+          <a:p>
+            <a:endParaRPr lang="en-US"/>
+          </a:p>
+        </p:txBody>
+      </p:sp>
+      <p:sp>
+        <p:nvSpPr>
+          <p:cNvPr id="3" name="Content Placeholder 2"/>
+          <p:cNvSpPr>
+            <a:spLocks noGrp="1"/>
+          </p:cNvSpPr>
+          <p:nvPr>
+            <p:ph idx="1"/>
+          </p:nvPr>
+        </p:nvSpPr>
+        <p:spPr/>
+        <p:txBody>
+          <a:bodyPr/>
+          <a:lstStyle/>
+          <a:p>
+            <a:endParaRPr lang="en-US"/>
+          </a:p>
+        </p:txBody>
+      </p:sp>
+    </p:spTree>
+    <p:extLst>
+      <p:ext uri="{BB962C8B-B14F-4D97-AF65-F5344CB8AC3E}">
+        <p14:creationId xmlns:p14="http://schemas.microsoft.com/office/powerpoint/2010/main" val="1720293972"/>
+      </p:ext>
+    </p:extLst>
+  </p:cSld>
+  <p:clrMapOvr>
+    <a:masterClrMapping/>
+  </p:clrMapOvr>
+</p:sld>
+</file>
+
+<file path=ppt/slides/slide31.xml><?xml version="1.0" encoding="utf-8"?>
+<p:sld xmlns:a="http://schemas.openxmlformats.org/drawingml/2006/main" xmlns:r="http://schemas.openxmlformats.org/officeDocument/2006/relationships" xmlns:p="http://schemas.openxmlformats.org/presentationml/2006/main">
+  <p:cSld>
+    <p:spTree>
+      <p:nvGrpSpPr>
+        <p:cNvPr id="1" name=""/>
+        <p:cNvGrpSpPr/>
+        <p:nvPr/>
+      </p:nvGrpSpPr>
+      <p:grpSpPr>
+        <a:xfrm>
+          <a:off x="0" y="0"/>
+          <a:ext cx="0" cy="0"/>
+          <a:chOff x="0" y="0"/>
+          <a:chExt cx="0" cy="0"/>
+        </a:xfrm>
+      </p:grpSpPr>
+      <p:sp>
+        <p:nvSpPr>
+          <p:cNvPr id="2" name="Title 1"/>
+          <p:cNvSpPr>
+            <a:spLocks noGrp="1"/>
+          </p:cNvSpPr>
+          <p:nvPr>
+            <p:ph type="title"/>
+          </p:nvPr>
+        </p:nvSpPr>
+        <p:spPr/>
+        <p:txBody>
+          <a:bodyPr>
+            <a:normAutofit/>
+          </a:bodyPr>
+          <a:lstStyle/>
+          <a:p>
+            <a:r>
+              <a:rPr lang="en-US" dirty="0" err="1" smtClean="0"/>
+              <a:t>fluid,elastic</a:t>
+            </a:r>
+            <a:r>
+              <a:rPr lang="en-US" dirty="0" smtClean="0"/>
+              <a:t> </a:t>
+            </a:r>
+            <a:r>
+              <a:rPr lang="en-US" dirty="0" err="1" smtClean="0"/>
+              <a:t>og</a:t>
+            </a:r>
+            <a:r>
+              <a:rPr lang="en-US" dirty="0" smtClean="0"/>
+              <a:t> fixed</a:t>
+            </a:r>
+            <a:endParaRPr lang="en-US" dirty="0"/>
+          </a:p>
+        </p:txBody>
+      </p:sp>
+      <p:sp>
+        <p:nvSpPr>
+          <p:cNvPr id="3" name="Content Placeholder 2"/>
+          <p:cNvSpPr>
+            <a:spLocks noGrp="1"/>
+          </p:cNvSpPr>
+          <p:nvPr>
+            <p:ph idx="1"/>
+          </p:nvPr>
+        </p:nvSpPr>
+        <p:spPr/>
+        <p:txBody>
+          <a:bodyPr/>
+          <a:lstStyle/>
+          <a:p>
+            <a:r>
+              <a:rPr lang="en-US" dirty="0" smtClean="0">
+                <a:hlinkClick r:id="rId2"/>
+              </a:rPr>
+              <a:t>http://arkivportalen.no</a:t>
+            </a:r>
+            <a:r>
+              <a:rPr lang="en-US" dirty="0">
+                <a:hlinkClick r:id="rId2"/>
+              </a:rPr>
+              <a:t> </a:t>
+            </a:r>
+            <a:r>
+              <a:rPr lang="en-US" dirty="0"/>
+              <a:t> </a:t>
+            </a:r>
+            <a:r>
+              <a:rPr lang="en-US" dirty="0" smtClean="0"/>
+              <a:t>fixed - </a:t>
+            </a:r>
+            <a:r>
+              <a:rPr lang="en-US" dirty="0" err="1"/>
+              <a:t>pixler</a:t>
+            </a:r>
+            <a:endParaRPr lang="en-US" dirty="0" smtClean="0">
+              <a:hlinkClick r:id="rId2"/>
+            </a:endParaRPr>
+          </a:p>
+          <a:p>
+            <a:r>
+              <a:rPr lang="en-US" dirty="0" smtClean="0">
+                <a:hlinkClick r:id="rId2"/>
+              </a:rPr>
+              <a:t>http</a:t>
+            </a:r>
+            <a:r>
+              <a:rPr lang="en-US" dirty="0">
+                <a:hlinkClick r:id="rId2"/>
+              </a:rPr>
+              <a:t>://simplebits.com</a:t>
+            </a:r>
+            <a:r>
+              <a:rPr lang="en-US" dirty="0" smtClean="0">
+                <a:hlinkClick r:id="rId2"/>
+              </a:rPr>
+              <a:t>/</a:t>
+            </a:r>
+            <a:r>
+              <a:rPr lang="en-US" dirty="0" smtClean="0"/>
+              <a:t>  fluid - %</a:t>
+            </a:r>
+          </a:p>
+          <a:p>
+            <a:r>
+              <a:rPr lang="en-US" dirty="0">
+                <a:hlinkClick r:id="rId3"/>
+              </a:rPr>
+              <a:t>http://ethanmarcotte.com</a:t>
+            </a:r>
+            <a:r>
+              <a:rPr lang="en-US" dirty="0" smtClean="0">
+                <a:hlinkClick r:id="rId3"/>
+              </a:rPr>
+              <a:t>/</a:t>
+            </a:r>
+            <a:r>
+              <a:rPr lang="en-US" dirty="0" smtClean="0"/>
+              <a:t> elastic - </a:t>
+            </a:r>
+            <a:r>
+              <a:rPr lang="en-US" dirty="0" err="1" smtClean="0"/>
+              <a:t>em</a:t>
+            </a:r>
+            <a:endParaRPr lang="en-US" dirty="0"/>
+          </a:p>
+        </p:txBody>
+      </p:sp>
+    </p:spTree>
+    <p:extLst>
+      <p:ext uri="{BB962C8B-B14F-4D97-AF65-F5344CB8AC3E}">
+        <p14:creationId xmlns:p14="http://schemas.microsoft.com/office/powerpoint/2010/main" val="2906016296"/>
+      </p:ext>
+    </p:extLst>
+  </p:cSld>
+  <p:clrMapOvr>
+    <a:masterClrMapping/>
+  </p:clrMapOvr>
+  <p:timing>
+    <p:tnLst>
+      <p:par>
+        <p:cTn xmlns:p14="http://schemas.microsoft.com/office/powerpoint/2010/main" id="1" dur="indefinite" restart="never" nodeType="tmRoot"/>
+      </p:par>
+    </p:tnLst>
+  </p:timing>
+</p:sld>
+</file>
+
+<file path=ppt/slides/slide32.xml><?xml version="1.0" encoding="utf-8"?>
 <p:sld xmlns:a="http://schemas.openxmlformats.org/drawingml/2006/main" xmlns:r="http://schemas.openxmlformats.org/officeDocument/2006/relationships" xmlns:p="http://schemas.openxmlformats.org/presentationml/2006/main">
   <p:cSld>
     <p:spTree>
